--- a/Vue/Vue.pptx
+++ b/Vue/Vue.pptx
@@ -13,25 +13,25 @@
   <p:sldIdLst>
     <p:sldId id="256" r:id="rId5"/>
     <p:sldId id="266" r:id="rId6"/>
-    <p:sldId id="262" r:id="rId7"/>
-    <p:sldId id="279" r:id="rId8"/>
-    <p:sldId id="277" r:id="rId9"/>
-    <p:sldId id="281" r:id="rId10"/>
-    <p:sldId id="282" r:id="rId11"/>
-    <p:sldId id="268" r:id="rId12"/>
-    <p:sldId id="284" r:id="rId13"/>
-    <p:sldId id="285" r:id="rId14"/>
-    <p:sldId id="287" r:id="rId15"/>
-    <p:sldId id="289" r:id="rId16"/>
-    <p:sldId id="291" r:id="rId17"/>
-    <p:sldId id="293" r:id="rId18"/>
-    <p:sldId id="286" r:id="rId19"/>
-    <p:sldId id="298" r:id="rId20"/>
-    <p:sldId id="292" r:id="rId21"/>
-    <p:sldId id="294" r:id="rId22"/>
-    <p:sldId id="295" r:id="rId23"/>
-    <p:sldId id="297" r:id="rId24"/>
-    <p:sldId id="276" r:id="rId25"/>
+    <p:sldId id="286" r:id="rId7"/>
+    <p:sldId id="301" r:id="rId8"/>
+    <p:sldId id="262" r:id="rId9"/>
+    <p:sldId id="279" r:id="rId10"/>
+    <p:sldId id="277" r:id="rId11"/>
+    <p:sldId id="281" r:id="rId12"/>
+    <p:sldId id="282" r:id="rId13"/>
+    <p:sldId id="268" r:id="rId14"/>
+    <p:sldId id="284" r:id="rId15"/>
+    <p:sldId id="285" r:id="rId16"/>
+    <p:sldId id="287" r:id="rId17"/>
+    <p:sldId id="289" r:id="rId18"/>
+    <p:sldId id="291" r:id="rId19"/>
+    <p:sldId id="293" r:id="rId20"/>
+    <p:sldId id="298" r:id="rId21"/>
+    <p:sldId id="292" r:id="rId22"/>
+    <p:sldId id="294" r:id="rId23"/>
+    <p:sldId id="295" r:id="rId24"/>
+    <p:sldId id="297" r:id="rId25"/>
     <p:sldId id="299" r:id="rId26"/>
   </p:sldIdLst>
   <p:sldSz cx="12192000" cy="6858000"/>
@@ -236,7 +236,7 @@
           <a:p>
             <a:fld id="{18E9A1B5-1BE4-4CD6-80C4-143959F034D3}" type="datetimeFigureOut">
               <a:rPr lang="en-US" smtClean="0"/>
-              <a:t>8/31/2020</a:t>
+              <a:t>11/10/2021</a:t>
             </a:fld>
             <a:endParaRPr lang="en-US" dirty="0"/>
           </a:p>
@@ -413,7 +413,7 @@
           <a:p>
             <a:fld id="{D8E6120A-21AF-4F12-ABAA-66A70823631B}" type="datetimeFigureOut">
               <a:rPr lang="en-US" smtClean="0"/>
-              <a:t>8/31/2020</a:t>
+              <a:t>11/10/2021</a:t>
             </a:fld>
             <a:endParaRPr lang="en-US" dirty="0"/>
           </a:p>
@@ -1891,7 +1891,7 @@
           <a:p>
             <a:fld id="{EF63B152-7103-4FFE-90AC-D94EB7F44A7E}" type="datetimeFigureOut">
               <a:rPr lang="en-US" smtClean="0"/>
-              <a:t>8/31/2020</a:t>
+              <a:t>11/10/2021</a:t>
             </a:fld>
             <a:endParaRPr lang="en-US" dirty="0"/>
           </a:p>
@@ -2129,7 +2129,7 @@
           <a:p>
             <a:fld id="{EF63B152-7103-4FFE-90AC-D94EB7F44A7E}" type="datetimeFigureOut">
               <a:rPr lang="en-US" smtClean="0"/>
-              <a:t>8/31/2020</a:t>
+              <a:t>11/10/2021</a:t>
             </a:fld>
             <a:endParaRPr lang="en-US" dirty="0"/>
           </a:p>
@@ -2309,7 +2309,7 @@
           <a:p>
             <a:fld id="{EF63B152-7103-4FFE-90AC-D94EB7F44A7E}" type="datetimeFigureOut">
               <a:rPr lang="en-US" smtClean="0"/>
-              <a:t>8/31/2020</a:t>
+              <a:t>11/10/2021</a:t>
             </a:fld>
             <a:endParaRPr lang="en-US" dirty="0"/>
           </a:p>
@@ -2479,7 +2479,7 @@
           <a:p>
             <a:fld id="{EF63B152-7103-4FFE-90AC-D94EB7F44A7E}" type="datetimeFigureOut">
               <a:rPr lang="en-US" smtClean="0"/>
-              <a:t>8/31/2020</a:t>
+              <a:t>11/10/2021</a:t>
             </a:fld>
             <a:endParaRPr lang="en-US" dirty="0"/>
           </a:p>
@@ -2755,7 +2755,7 @@
           <a:p>
             <a:fld id="{EF63B152-7103-4FFE-90AC-D94EB7F44A7E}" type="datetimeFigureOut">
               <a:rPr lang="en-US" smtClean="0"/>
-              <a:t>8/31/2020</a:t>
+              <a:t>11/10/2021</a:t>
             </a:fld>
             <a:endParaRPr lang="en-US" dirty="0"/>
           </a:p>
@@ -3956,7 +3956,7 @@
           <a:p>
             <a:fld id="{EF63B152-7103-4FFE-90AC-D94EB7F44A7E}" type="datetimeFigureOut">
               <a:rPr lang="en-US" smtClean="0"/>
-              <a:t>8/31/2020</a:t>
+              <a:t>11/10/2021</a:t>
             </a:fld>
             <a:endParaRPr lang="en-US" dirty="0"/>
           </a:p>
@@ -4346,7 +4346,7 @@
           <a:p>
             <a:fld id="{EF63B152-7103-4FFE-90AC-D94EB7F44A7E}" type="datetimeFigureOut">
               <a:rPr lang="en-US" smtClean="0"/>
-              <a:t>8/31/2020</a:t>
+              <a:t>11/10/2021</a:t>
             </a:fld>
             <a:endParaRPr lang="en-US" dirty="0"/>
           </a:p>
@@ -4469,7 +4469,7 @@
           <a:p>
             <a:fld id="{EF63B152-7103-4FFE-90AC-D94EB7F44A7E}" type="datetimeFigureOut">
               <a:rPr lang="en-US" smtClean="0"/>
-              <a:t>8/31/2020</a:t>
+              <a:t>11/10/2021</a:t>
             </a:fld>
             <a:endParaRPr lang="en-US" dirty="0"/>
           </a:p>
@@ -4564,7 +4564,7 @@
           <a:p>
             <a:fld id="{EF63B152-7103-4FFE-90AC-D94EB7F44A7E}" type="datetimeFigureOut">
               <a:rPr lang="en-US" smtClean="0"/>
-              <a:t>8/31/2020</a:t>
+              <a:t>11/10/2021</a:t>
             </a:fld>
             <a:endParaRPr lang="en-US" dirty="0"/>
           </a:p>
@@ -5327,7 +5327,7 @@
           <a:p>
             <a:fld id="{EF63B152-7103-4FFE-90AC-D94EB7F44A7E}" type="datetimeFigureOut">
               <a:rPr lang="en-US" smtClean="0"/>
-              <a:t>8/31/2020</a:t>
+              <a:t>11/10/2021</a:t>
             </a:fld>
             <a:endParaRPr lang="en-US" dirty="0"/>
           </a:p>
@@ -6167,7 +6167,7 @@
           <a:p>
             <a:fld id="{EF63B152-7103-4FFE-90AC-D94EB7F44A7E}" type="datetimeFigureOut">
               <a:rPr lang="en-US" smtClean="0"/>
-              <a:t>8/31/2020</a:t>
+              <a:t>11/10/2021</a:t>
             </a:fld>
             <a:endParaRPr lang="en-US" dirty="0"/>
           </a:p>
@@ -6394,7 +6394,7 @@
           <a:p>
             <a:fld id="{EF63B152-7103-4FFE-90AC-D94EB7F44A7E}" type="datetimeFigureOut">
               <a:rPr lang="en-US" smtClean="0"/>
-              <a:t>8/31/2020</a:t>
+              <a:t>11/10/2021</a:t>
             </a:fld>
             <a:endParaRPr lang="en-US" dirty="0"/>
           </a:p>
@@ -7551,6 +7551,563 @@
         </p:nvSpPr>
         <p:spPr>
           <a:xfrm>
+            <a:off x="1203434" y="382385"/>
+            <a:ext cx="10893973" cy="596023"/>
+          </a:xfrm>
+        </p:spPr>
+        <p:txBody>
+          <a:bodyPr>
+            <a:normAutofit fontScale="90000"/>
+          </a:bodyPr>
+          <a:lstStyle/>
+          <a:p>
+            <a:pPr algn="ctr"/>
+            <a:r>
+              <a:rPr lang="en-US" sz="4000" dirty="0">
+                <a:latin typeface="Gill Sans MT (Body)"/>
+              </a:rPr>
+              <a:t>Vue.js Hello from group</a:t>
+            </a:r>
+          </a:p>
+        </p:txBody>
+      </p:sp>
+      <p:sp>
+        <p:nvSpPr>
+          <p:cNvPr id="3" name="Content Placeholder 2">
+            <a:extLst>
+              <a:ext uri="{FF2B5EF4-FFF2-40B4-BE49-F238E27FC236}">
+                <a16:creationId xmlns:a16="http://schemas.microsoft.com/office/drawing/2014/main" id="{6797BDE5-A8BD-4286-8221-21664A41BD79}"/>
+              </a:ext>
+            </a:extLst>
+          </p:cNvPr>
+          <p:cNvSpPr>
+            <a:spLocks noGrp="1"/>
+          </p:cNvSpPr>
+          <p:nvPr>
+            <p:ph idx="1"/>
+          </p:nvPr>
+        </p:nvSpPr>
+        <p:spPr>
+          <a:xfrm>
+            <a:off x="1444183" y="1085228"/>
+            <a:ext cx="10178322" cy="5508077"/>
+          </a:xfrm>
+        </p:spPr>
+        <p:txBody>
+          <a:bodyPr>
+            <a:normAutofit/>
+          </a:bodyPr>
+          <a:lstStyle/>
+          <a:p>
+            <a:r>
+              <a:rPr lang="sv-SE" sz="2800" dirty="0">
+                <a:latin typeface="Gill Sans MT (Body)"/>
+                <a:cs typeface="Times New Roman" panose="02020603050405020304" pitchFamily="18" charset="0"/>
+              </a:rPr>
+              <a:t>Gör första övningen på Vue.js</a:t>
+            </a:r>
+          </a:p>
+          <a:p>
+            <a:r>
+              <a:rPr lang="sv-SE" sz="2800" dirty="0">
+                <a:latin typeface="Gill Sans MT (Body)"/>
+                <a:cs typeface="Times New Roman" panose="02020603050405020304" pitchFamily="18" charset="0"/>
+                <a:hlinkClick r:id="rId2"/>
+              </a:rPr>
+              <a:t>Övning1-Hello From </a:t>
+            </a:r>
+            <a:r>
+              <a:rPr lang="sv-SE" sz="2800" dirty="0" err="1">
+                <a:latin typeface="Gill Sans MT (Body)"/>
+                <a:cs typeface="Times New Roman" panose="02020603050405020304" pitchFamily="18" charset="0"/>
+                <a:hlinkClick r:id="rId2"/>
+              </a:rPr>
+              <a:t>GroupX</a:t>
+            </a:r>
+            <a:endParaRPr lang="sv-SE" sz="2800" dirty="0">
+              <a:latin typeface="Gill Sans MT (Body)"/>
+              <a:cs typeface="Times New Roman" panose="02020603050405020304" pitchFamily="18" charset="0"/>
+            </a:endParaRPr>
+          </a:p>
+        </p:txBody>
+      </p:sp>
+    </p:spTree>
+    <p:extLst>
+      <p:ext uri="{BB962C8B-B14F-4D97-AF65-F5344CB8AC3E}">
+        <p14:creationId xmlns:p14="http://schemas.microsoft.com/office/powerpoint/2010/main" val="3981506867"/>
+      </p:ext>
+    </p:extLst>
+  </p:cSld>
+  <p:clrMapOvr>
+    <a:masterClrMapping/>
+  </p:clrMapOvr>
+</p:sld>
+</file>
+
+<file path=ppt/slides/slide11.xml><?xml version="1.0" encoding="utf-8"?>
+<p:sld xmlns:a="http://schemas.openxmlformats.org/drawingml/2006/main" xmlns:r="http://schemas.openxmlformats.org/officeDocument/2006/relationships" xmlns:p="http://schemas.openxmlformats.org/presentationml/2006/main">
+  <p:cSld>
+    <p:spTree>
+      <p:nvGrpSpPr>
+        <p:cNvPr id="1" name=""/>
+        <p:cNvGrpSpPr/>
+        <p:nvPr/>
+      </p:nvGrpSpPr>
+      <p:grpSpPr>
+        <a:xfrm>
+          <a:off x="0" y="0"/>
+          <a:ext cx="0" cy="0"/>
+          <a:chOff x="0" y="0"/>
+          <a:chExt cx="0" cy="0"/>
+        </a:xfrm>
+      </p:grpSpPr>
+      <p:sp>
+        <p:nvSpPr>
+          <p:cNvPr id="2" name="Title 1">
+            <a:extLst>
+              <a:ext uri="{FF2B5EF4-FFF2-40B4-BE49-F238E27FC236}">
+                <a16:creationId xmlns:a16="http://schemas.microsoft.com/office/drawing/2014/main" id="{8EDAE078-3CB3-4D1F-8E4E-75C6D5DA8D1A}"/>
+              </a:ext>
+            </a:extLst>
+          </p:cNvPr>
+          <p:cNvSpPr>
+            <a:spLocks noGrp="1"/>
+          </p:cNvSpPr>
+          <p:nvPr>
+            <p:ph type="title"/>
+          </p:nvPr>
+        </p:nvSpPr>
+        <p:spPr>
+          <a:xfrm>
+            <a:off x="1203434" y="382385"/>
+            <a:ext cx="10893973" cy="596023"/>
+          </a:xfrm>
+        </p:spPr>
+        <p:txBody>
+          <a:bodyPr>
+            <a:normAutofit fontScale="90000"/>
+          </a:bodyPr>
+          <a:lstStyle/>
+          <a:p>
+            <a:pPr algn="ctr"/>
+            <a:r>
+              <a:rPr lang="en-US" sz="4000" dirty="0" err="1">
+                <a:latin typeface="Gill Sans MT (Body)"/>
+              </a:rPr>
+              <a:t>Eventhantering</a:t>
+            </a:r>
+            <a:r>
+              <a:rPr lang="en-US" sz="4000" dirty="0">
+                <a:latin typeface="Gill Sans MT (Body)"/>
+              </a:rPr>
+              <a:t> - user input</a:t>
+            </a:r>
+          </a:p>
+        </p:txBody>
+      </p:sp>
+      <p:pic>
+        <p:nvPicPr>
+          <p:cNvPr id="4" name="Content Placeholder 3">
+            <a:extLst>
+              <a:ext uri="{FF2B5EF4-FFF2-40B4-BE49-F238E27FC236}">
+                <a16:creationId xmlns:a16="http://schemas.microsoft.com/office/drawing/2014/main" id="{0436265C-B557-4139-9ABD-4647B2029AF8}"/>
+              </a:ext>
+            </a:extLst>
+          </p:cNvPr>
+          <p:cNvPicPr>
+            <a:picLocks noGrp="1" noChangeAspect="1"/>
+          </p:cNvPicPr>
+          <p:nvPr>
+            <p:ph idx="1"/>
+          </p:nvPr>
+        </p:nvPicPr>
+        <p:blipFill>
+          <a:blip r:embed="rId2"/>
+          <a:stretch>
+            <a:fillRect/>
+          </a:stretch>
+        </p:blipFill>
+        <p:spPr>
+          <a:xfrm>
+            <a:off x="2033609" y="2260837"/>
+            <a:ext cx="4748733" cy="3867595"/>
+          </a:xfrm>
+          <a:prstGeom prst="rect">
+            <a:avLst/>
+          </a:prstGeom>
+        </p:spPr>
+      </p:pic>
+      <p:pic>
+        <p:nvPicPr>
+          <p:cNvPr id="5" name="Picture 4">
+            <a:extLst>
+              <a:ext uri="{FF2B5EF4-FFF2-40B4-BE49-F238E27FC236}">
+                <a16:creationId xmlns:a16="http://schemas.microsoft.com/office/drawing/2014/main" id="{3A97DDD1-98A3-4F71-BB59-E0A57287A446}"/>
+              </a:ext>
+            </a:extLst>
+          </p:cNvPr>
+          <p:cNvPicPr>
+            <a:picLocks noChangeAspect="1"/>
+          </p:cNvPicPr>
+          <p:nvPr/>
+        </p:nvPicPr>
+        <p:blipFill>
+          <a:blip r:embed="rId3"/>
+          <a:stretch>
+            <a:fillRect/>
+          </a:stretch>
+        </p:blipFill>
+        <p:spPr>
+          <a:xfrm>
+            <a:off x="2033609" y="6128432"/>
+            <a:ext cx="3328662" cy="694366"/>
+          </a:xfrm>
+          <a:prstGeom prst="rect">
+            <a:avLst/>
+          </a:prstGeom>
+        </p:spPr>
+      </p:pic>
+      <p:pic>
+        <p:nvPicPr>
+          <p:cNvPr id="7" name="Picture 6">
+            <a:extLst>
+              <a:ext uri="{FF2B5EF4-FFF2-40B4-BE49-F238E27FC236}">
+                <a16:creationId xmlns:a16="http://schemas.microsoft.com/office/drawing/2014/main" id="{25851527-5032-46AA-8462-EBC61213577F}"/>
+              </a:ext>
+            </a:extLst>
+          </p:cNvPr>
+          <p:cNvPicPr>
+            <a:picLocks noChangeAspect="1"/>
+          </p:cNvPicPr>
+          <p:nvPr/>
+        </p:nvPicPr>
+        <p:blipFill>
+          <a:blip r:embed="rId4"/>
+          <a:stretch>
+            <a:fillRect/>
+          </a:stretch>
+        </p:blipFill>
+        <p:spPr>
+          <a:xfrm>
+            <a:off x="7287639" y="2260837"/>
+            <a:ext cx="3448050" cy="3533775"/>
+          </a:xfrm>
+          <a:prstGeom prst="rect">
+            <a:avLst/>
+          </a:prstGeom>
+        </p:spPr>
+      </p:pic>
+      <p:sp>
+        <p:nvSpPr>
+          <p:cNvPr id="6" name="TextBox 5">
+            <a:extLst>
+              <a:ext uri="{FF2B5EF4-FFF2-40B4-BE49-F238E27FC236}">
+                <a16:creationId xmlns:a16="http://schemas.microsoft.com/office/drawing/2014/main" id="{143E6AC4-0354-4434-83B4-69ED984BB1C6}"/>
+              </a:ext>
+            </a:extLst>
+          </p:cNvPr>
+          <p:cNvSpPr txBox="1"/>
+          <p:nvPr/>
+        </p:nvSpPr>
+        <p:spPr>
+          <a:xfrm>
+            <a:off x="1359017" y="874053"/>
+            <a:ext cx="10494627" cy="1477328"/>
+          </a:xfrm>
+          <a:prstGeom prst="rect">
+            <a:avLst/>
+          </a:prstGeom>
+          <a:noFill/>
+        </p:spPr>
+        <p:txBody>
+          <a:bodyPr wrap="square" rtlCol="0">
+            <a:spAutoFit/>
+          </a:bodyPr>
+          <a:lstStyle/>
+          <a:p>
+            <a:pPr marL="285750" indent="-285750">
+              <a:buFont typeface="Arial" panose="020B0604020202020204" pitchFamily="34" charset="0"/>
+              <a:buChar char="•"/>
+            </a:pPr>
+            <a:r>
+              <a:rPr lang="sv-SE" dirty="0" err="1">
+                <a:solidFill>
+                  <a:schemeClr val="tx2">
+                    <a:lumMod val="75000"/>
+                    <a:lumOff val="25000"/>
+                  </a:schemeClr>
+                </a:solidFill>
+              </a:rPr>
+              <a:t>v-on:event-namn</a:t>
+            </a:r>
+            <a:r>
+              <a:rPr lang="sv-SE" dirty="0">
+                <a:solidFill>
+                  <a:schemeClr val="tx2">
+                    <a:lumMod val="75000"/>
+                    <a:lumOff val="25000"/>
+                  </a:schemeClr>
+                </a:solidFill>
+              </a:rPr>
+              <a:t> </a:t>
+            </a:r>
+            <a:r>
+              <a:rPr lang="sv-SE" dirty="0">
+                <a:solidFill>
+                  <a:schemeClr val="tx1">
+                    <a:lumMod val="65000"/>
+                    <a:lumOff val="35000"/>
+                  </a:schemeClr>
+                </a:solidFill>
+              </a:rPr>
+              <a:t>direktivet används för att applicera event på element. Direktivet kan </a:t>
+            </a:r>
+            <a:r>
+              <a:rPr lang="sv-SE" dirty="0" err="1">
+                <a:solidFill>
+                  <a:schemeClr val="tx1">
+                    <a:lumMod val="65000"/>
+                    <a:lumOff val="35000"/>
+                  </a:schemeClr>
+                </a:solidFill>
+              </a:rPr>
+              <a:t>forkortas</a:t>
+            </a:r>
+            <a:r>
+              <a:rPr lang="sv-SE" dirty="0">
+                <a:solidFill>
+                  <a:schemeClr val="tx1">
+                    <a:lumMod val="65000"/>
+                    <a:lumOff val="35000"/>
+                  </a:schemeClr>
+                </a:solidFill>
+              </a:rPr>
+              <a:t> ytterligare med </a:t>
+            </a:r>
+            <a:r>
+              <a:rPr lang="sv-SE" dirty="0">
+                <a:solidFill>
+                  <a:schemeClr val="tx2">
+                    <a:lumMod val="75000"/>
+                    <a:lumOff val="25000"/>
+                  </a:schemeClr>
+                </a:solidFill>
+              </a:rPr>
+              <a:t>@event-namn</a:t>
+            </a:r>
+            <a:r>
+              <a:rPr lang="sv-SE" dirty="0">
+                <a:solidFill>
+                  <a:schemeClr val="tx1">
+                    <a:lumMod val="65000"/>
+                    <a:lumOff val="35000"/>
+                  </a:schemeClr>
+                </a:solidFill>
+              </a:rPr>
+              <a:t>.</a:t>
+            </a:r>
+          </a:p>
+          <a:p>
+            <a:pPr marL="285750" indent="-285750">
+              <a:buFont typeface="Arial" panose="020B0604020202020204" pitchFamily="34" charset="0"/>
+              <a:buChar char="•"/>
+            </a:pPr>
+            <a:endParaRPr lang="sv-SE" dirty="0">
+              <a:solidFill>
+                <a:schemeClr val="tx1">
+                  <a:lumMod val="65000"/>
+                  <a:lumOff val="35000"/>
+                </a:schemeClr>
+              </a:solidFill>
+            </a:endParaRPr>
+          </a:p>
+          <a:p>
+            <a:pPr marL="285750" indent="-285750">
+              <a:buFont typeface="Arial" panose="020B0604020202020204" pitchFamily="34" charset="0"/>
+              <a:buChar char="•"/>
+            </a:pPr>
+            <a:r>
+              <a:rPr lang="sv-SE" dirty="0">
+                <a:solidFill>
+                  <a:schemeClr val="tx1">
+                    <a:lumMod val="65000"/>
+                    <a:lumOff val="35000"/>
+                  </a:schemeClr>
+                </a:solidFill>
+              </a:rPr>
+              <a:t>Vanligaste eventet är en knapp-tryckning/klick </a:t>
+            </a:r>
+            <a:r>
+              <a:rPr lang="sv-SE" dirty="0" err="1">
+                <a:solidFill>
+                  <a:schemeClr val="tx2">
+                    <a:lumMod val="75000"/>
+                    <a:lumOff val="25000"/>
+                  </a:schemeClr>
+                </a:solidFill>
+              </a:rPr>
+              <a:t>v-on:click</a:t>
+            </a:r>
+            <a:r>
+              <a:rPr lang="sv-SE" dirty="0">
+                <a:solidFill>
+                  <a:schemeClr val="tx2">
+                    <a:lumMod val="75000"/>
+                    <a:lumOff val="25000"/>
+                  </a:schemeClr>
+                </a:solidFill>
+              </a:rPr>
+              <a:t>=”</a:t>
+            </a:r>
+            <a:r>
+              <a:rPr lang="sv-SE" dirty="0" err="1">
+                <a:solidFill>
+                  <a:schemeClr val="tx2">
+                    <a:lumMod val="75000"/>
+                    <a:lumOff val="25000"/>
+                  </a:schemeClr>
+                </a:solidFill>
+              </a:rPr>
+              <a:t>method</a:t>
+            </a:r>
+            <a:r>
+              <a:rPr lang="sv-SE" dirty="0">
+                <a:solidFill>
+                  <a:schemeClr val="tx2">
+                    <a:lumMod val="75000"/>
+                    <a:lumOff val="25000"/>
+                  </a:schemeClr>
+                </a:solidFill>
+              </a:rPr>
+              <a:t>”</a:t>
+            </a:r>
+            <a:r>
+              <a:rPr lang="sv-SE" dirty="0">
+                <a:solidFill>
+                  <a:schemeClr val="tx1">
+                    <a:lumMod val="65000"/>
+                    <a:lumOff val="35000"/>
+                  </a:schemeClr>
+                </a:solidFill>
+              </a:rPr>
+              <a:t> alternativt </a:t>
+            </a:r>
+            <a:r>
+              <a:rPr lang="sv-SE" dirty="0">
+                <a:solidFill>
+                  <a:schemeClr val="tx2">
+                    <a:lumMod val="75000"/>
+                    <a:lumOff val="25000"/>
+                  </a:schemeClr>
+                </a:solidFill>
+              </a:rPr>
+              <a:t>@</a:t>
+            </a:r>
+            <a:r>
+              <a:rPr lang="sv-SE" dirty="0" err="1">
+                <a:solidFill>
+                  <a:schemeClr val="tx2">
+                    <a:lumMod val="75000"/>
+                    <a:lumOff val="25000"/>
+                  </a:schemeClr>
+                </a:solidFill>
+              </a:rPr>
+              <a:t>click</a:t>
+            </a:r>
+            <a:r>
+              <a:rPr lang="sv-SE" dirty="0">
+                <a:solidFill>
+                  <a:schemeClr val="tx2">
+                    <a:lumMod val="75000"/>
+                    <a:lumOff val="25000"/>
+                  </a:schemeClr>
+                </a:solidFill>
+              </a:rPr>
+              <a:t>=”</a:t>
+            </a:r>
+            <a:r>
+              <a:rPr lang="sv-SE" dirty="0" err="1">
+                <a:solidFill>
+                  <a:schemeClr val="tx2">
+                    <a:lumMod val="75000"/>
+                    <a:lumOff val="25000"/>
+                  </a:schemeClr>
+                </a:solidFill>
+              </a:rPr>
+              <a:t>method</a:t>
+            </a:r>
+            <a:r>
+              <a:rPr lang="sv-SE" dirty="0">
+                <a:solidFill>
+                  <a:schemeClr val="tx2">
+                    <a:lumMod val="75000"/>
+                    <a:lumOff val="25000"/>
+                  </a:schemeClr>
+                </a:solidFill>
+              </a:rPr>
+              <a:t>”.</a:t>
+            </a:r>
+          </a:p>
+          <a:p>
+            <a:endParaRPr lang="sv-SE" dirty="0">
+              <a:solidFill>
+                <a:schemeClr val="tx1">
+                  <a:lumMod val="65000"/>
+                  <a:lumOff val="35000"/>
+                </a:schemeClr>
+              </a:solidFill>
+            </a:endParaRPr>
+          </a:p>
+        </p:txBody>
+      </p:sp>
+    </p:spTree>
+    <p:extLst>
+      <p:ext uri="{BB962C8B-B14F-4D97-AF65-F5344CB8AC3E}">
+        <p14:creationId xmlns:p14="http://schemas.microsoft.com/office/powerpoint/2010/main" val="1072623882"/>
+      </p:ext>
+    </p:extLst>
+  </p:cSld>
+  <p:clrMapOvr>
+    <a:masterClrMapping/>
+  </p:clrMapOvr>
+</p:sld>
+</file>
+
+<file path=ppt/slides/slide12.xml><?xml version="1.0" encoding="utf-8"?>
+<p:sld xmlns:a="http://schemas.openxmlformats.org/drawingml/2006/main" xmlns:r="http://schemas.openxmlformats.org/officeDocument/2006/relationships" xmlns:p="http://schemas.openxmlformats.org/presentationml/2006/main">
+  <p:cSld>
+    <p:spTree>
+      <p:nvGrpSpPr>
+        <p:cNvPr id="1" name=""/>
+        <p:cNvGrpSpPr/>
+        <p:nvPr/>
+      </p:nvGrpSpPr>
+      <p:grpSpPr>
+        <a:xfrm>
+          <a:off x="0" y="0"/>
+          <a:ext cx="0" cy="0"/>
+          <a:chOff x="0" y="0"/>
+          <a:chExt cx="0" cy="0"/>
+        </a:xfrm>
+      </p:grpSpPr>
+      <p:sp>
+        <p:nvSpPr>
+          <p:cNvPr id="2" name="Title 1">
+            <a:extLst>
+              <a:ext uri="{FF2B5EF4-FFF2-40B4-BE49-F238E27FC236}">
+                <a16:creationId xmlns:a16="http://schemas.microsoft.com/office/drawing/2014/main" id="{8EDAE078-3CB3-4D1F-8E4E-75C6D5DA8D1A}"/>
+              </a:ext>
+            </a:extLst>
+          </p:cNvPr>
+          <p:cNvSpPr>
+            <a:spLocks noGrp="1"/>
+          </p:cNvSpPr>
+          <p:nvPr>
+            <p:ph type="title"/>
+          </p:nvPr>
+        </p:nvSpPr>
+        <p:spPr>
+          <a:xfrm>
             <a:off x="1228601" y="228440"/>
             <a:ext cx="10893973" cy="596023"/>
           </a:xfrm>
@@ -7829,7 +8386,7 @@
 </p:sld>
 </file>
 
-<file path=ppt/slides/slide11.xml><?xml version="1.0" encoding="utf-8"?>
+<file path=ppt/slides/slide13.xml><?xml version="1.0" encoding="utf-8"?>
 <p:sld xmlns:a="http://schemas.openxmlformats.org/drawingml/2006/main" xmlns:r="http://schemas.openxmlformats.org/officeDocument/2006/relationships" xmlns:p="http://schemas.openxmlformats.org/presentationml/2006/main">
   <p:cSld>
     <p:spTree>
@@ -8355,7 +8912,7 @@
 </p:sld>
 </file>
 
-<file path=ppt/slides/slide12.xml><?xml version="1.0" encoding="utf-8"?>
+<file path=ppt/slides/slide14.xml><?xml version="1.0" encoding="utf-8"?>
 <p:sld xmlns:a="http://schemas.openxmlformats.org/drawingml/2006/main" xmlns:r="http://schemas.openxmlformats.org/officeDocument/2006/relationships" xmlns:p="http://schemas.openxmlformats.org/presentationml/2006/main">
   <p:cSld>
     <p:spTree>
@@ -8764,7 +9321,7 @@
 </p:sld>
 </file>
 
-<file path=ppt/slides/slide13.xml><?xml version="1.0" encoding="utf-8"?>
+<file path=ppt/slides/slide15.xml><?xml version="1.0" encoding="utf-8"?>
 <p:sld xmlns:a="http://schemas.openxmlformats.org/drawingml/2006/main" xmlns:r="http://schemas.openxmlformats.org/officeDocument/2006/relationships" xmlns:p="http://schemas.openxmlformats.org/presentationml/2006/main">
   <p:cSld>
     <p:spTree>
@@ -9046,7 +9603,7 @@
 </p:sld>
 </file>
 
-<file path=ppt/slides/slide14.xml><?xml version="1.0" encoding="utf-8"?>
+<file path=ppt/slides/slide16.xml><?xml version="1.0" encoding="utf-8"?>
 <p:sld xmlns:a="http://schemas.openxmlformats.org/drawingml/2006/main" xmlns:r="http://schemas.openxmlformats.org/officeDocument/2006/relationships" xmlns:p="http://schemas.openxmlformats.org/presentationml/2006/main">
   <p:cSld>
     <p:spTree>
@@ -9475,285 +10032,7 @@
 </p:sld>
 </file>
 
-<file path=ppt/slides/slide15.xml><?xml version="1.0" encoding="utf-8"?>
-<p:sld xmlns:a="http://schemas.openxmlformats.org/drawingml/2006/main" xmlns:r="http://schemas.openxmlformats.org/officeDocument/2006/relationships" xmlns:p="http://schemas.openxmlformats.org/presentationml/2006/main">
-  <p:cSld>
-    <p:spTree>
-      <p:nvGrpSpPr>
-        <p:cNvPr id="1" name=""/>
-        <p:cNvGrpSpPr/>
-        <p:nvPr/>
-      </p:nvGrpSpPr>
-      <p:grpSpPr>
-        <a:xfrm>
-          <a:off x="0" y="0"/>
-          <a:ext cx="0" cy="0"/>
-          <a:chOff x="0" y="0"/>
-          <a:chExt cx="0" cy="0"/>
-        </a:xfrm>
-      </p:grpSpPr>
-      <p:sp>
-        <p:nvSpPr>
-          <p:cNvPr id="2" name="Title 1">
-            <a:extLst>
-              <a:ext uri="{FF2B5EF4-FFF2-40B4-BE49-F238E27FC236}">
-                <a16:creationId xmlns:a16="http://schemas.microsoft.com/office/drawing/2014/main" id="{8EDAE078-3CB3-4D1F-8E4E-75C6D5DA8D1A}"/>
-              </a:ext>
-            </a:extLst>
-          </p:cNvPr>
-          <p:cNvSpPr>
-            <a:spLocks noGrp="1"/>
-          </p:cNvSpPr>
-          <p:nvPr>
-            <p:ph type="title"/>
-          </p:nvPr>
-        </p:nvSpPr>
-        <p:spPr>
-          <a:xfrm>
-            <a:off x="1195045" y="292227"/>
-            <a:ext cx="10893973" cy="596023"/>
-          </a:xfrm>
-        </p:spPr>
-        <p:txBody>
-          <a:bodyPr>
-            <a:normAutofit fontScale="90000"/>
-          </a:bodyPr>
-          <a:lstStyle/>
-          <a:p>
-            <a:pPr algn="ctr"/>
-            <a:r>
-              <a:rPr lang="en-US" sz="4000" dirty="0" err="1">
-                <a:latin typeface="Gill Sans MT (Body)"/>
-              </a:rPr>
-              <a:t>Bygga</a:t>
-            </a:r>
-            <a:r>
-              <a:rPr lang="en-US" sz="4000" dirty="0">
-                <a:latin typeface="Gill Sans MT (Body)"/>
-              </a:rPr>
-              <a:t> med </a:t>
-            </a:r>
-            <a:r>
-              <a:rPr lang="en-US" sz="4000" dirty="0" err="1">
-                <a:latin typeface="Gill Sans MT (Body)"/>
-              </a:rPr>
-              <a:t>komponenter</a:t>
-            </a:r>
-            <a:endParaRPr lang="en-US" sz="4000" dirty="0">
-              <a:latin typeface="Gill Sans MT (Body)"/>
-            </a:endParaRPr>
-          </a:p>
-        </p:txBody>
-      </p:sp>
-      <p:pic>
-        <p:nvPicPr>
-          <p:cNvPr id="2050" name="Picture 2" descr="Component Tree">
-            <a:extLst>
-              <a:ext uri="{FF2B5EF4-FFF2-40B4-BE49-F238E27FC236}">
-                <a16:creationId xmlns:a16="http://schemas.microsoft.com/office/drawing/2014/main" id="{54961F40-8048-4A41-99B5-7724B47F21A5}"/>
-              </a:ext>
-            </a:extLst>
-          </p:cNvPr>
-          <p:cNvPicPr>
-            <a:picLocks noGrp="1" noChangeAspect="1" noChangeArrowheads="1"/>
-          </p:cNvPicPr>
-          <p:nvPr>
-            <p:ph idx="1"/>
-          </p:nvPr>
-        </p:nvPicPr>
-        <p:blipFill>
-          <a:blip r:embed="rId2">
-            <a:extLst>
-              <a:ext uri="{28A0092B-C50C-407E-A947-70E740481C1C}">
-                <a14:useLocalDpi xmlns:a14="http://schemas.microsoft.com/office/drawing/2010/main" val="0"/>
-              </a:ext>
-            </a:extLst>
-          </a:blip>
-          <a:srcRect/>
-          <a:stretch>
-            <a:fillRect/>
-          </a:stretch>
-        </p:blipFill>
-        <p:spPr bwMode="auto">
-          <a:xfrm>
-            <a:off x="1110142" y="2808206"/>
-            <a:ext cx="6188280" cy="2776070"/>
-          </a:xfrm>
-          <a:prstGeom prst="rect">
-            <a:avLst/>
-          </a:prstGeom>
-          <a:noFill/>
-          <a:extLst>
-            <a:ext uri="{909E8E84-426E-40DD-AFC4-6F175D3DCCD1}">
-              <a14:hiddenFill xmlns:a14="http://schemas.microsoft.com/office/drawing/2010/main">
-                <a:solidFill>
-                  <a:srgbClr val="FFFFFF"/>
-                </a:solidFill>
-              </a14:hiddenFill>
-            </a:ext>
-          </a:extLst>
-        </p:spPr>
-      </p:pic>
-      <p:sp>
-        <p:nvSpPr>
-          <p:cNvPr id="8" name="Rectangle 7">
-            <a:extLst>
-              <a:ext uri="{FF2B5EF4-FFF2-40B4-BE49-F238E27FC236}">
-                <a16:creationId xmlns:a16="http://schemas.microsoft.com/office/drawing/2014/main" id="{0AF1965B-4B8D-440F-B5A7-6606859B3E01}"/>
-              </a:ext>
-            </a:extLst>
-          </p:cNvPr>
-          <p:cNvSpPr/>
-          <p:nvPr/>
-        </p:nvSpPr>
-        <p:spPr>
-          <a:xfrm>
-            <a:off x="1300294" y="978408"/>
-            <a:ext cx="9899009" cy="1015663"/>
-          </a:xfrm>
-          <a:prstGeom prst="rect">
-            <a:avLst/>
-          </a:prstGeom>
-        </p:spPr>
-        <p:txBody>
-          <a:bodyPr wrap="square">
-            <a:spAutoFit/>
-          </a:bodyPr>
-          <a:lstStyle/>
-          <a:p>
-            <a:pPr marL="285750" indent="-285750">
-              <a:buFont typeface="Arial" panose="020B0604020202020204" pitchFamily="34" charset="0"/>
-              <a:buChar char="•"/>
-            </a:pPr>
-            <a:r>
-              <a:rPr lang="sv-SE" sz="2000" dirty="0">
-                <a:solidFill>
-                  <a:schemeClr val="tx1">
-                    <a:lumMod val="65000"/>
-                    <a:lumOff val="35000"/>
-                  </a:schemeClr>
-                </a:solidFill>
-                <a:latin typeface="Gill Sans MT (Body)"/>
-                <a:cs typeface="Times New Roman" panose="02020603050405020304" pitchFamily="18" charset="0"/>
-              </a:rPr>
-              <a:t>Komponenter är återanvändbara strukturer med inkapslade funktionaliteter. Det vill säga element som har html, </a:t>
-            </a:r>
-            <a:r>
-              <a:rPr lang="sv-SE" sz="2000" dirty="0" err="1">
-                <a:solidFill>
-                  <a:schemeClr val="tx1">
-                    <a:lumMod val="65000"/>
-                    <a:lumOff val="35000"/>
-                  </a:schemeClr>
-                </a:solidFill>
-                <a:latin typeface="Gill Sans MT (Body)"/>
-                <a:cs typeface="Times New Roman" panose="02020603050405020304" pitchFamily="18" charset="0"/>
-              </a:rPr>
-              <a:t>css</a:t>
-            </a:r>
-            <a:r>
-              <a:rPr lang="sv-SE" sz="2000" dirty="0">
-                <a:solidFill>
-                  <a:schemeClr val="tx1">
-                    <a:lumMod val="65000"/>
-                    <a:lumOff val="35000"/>
-                  </a:schemeClr>
-                </a:solidFill>
-                <a:latin typeface="Gill Sans MT (Body)"/>
-                <a:cs typeface="Times New Roman" panose="02020603050405020304" pitchFamily="18" charset="0"/>
-              </a:rPr>
-              <a:t> och </a:t>
-            </a:r>
-            <a:r>
-              <a:rPr lang="sv-SE" sz="2000" dirty="0" err="1">
-                <a:solidFill>
-                  <a:schemeClr val="tx1">
-                    <a:lumMod val="65000"/>
-                    <a:lumOff val="35000"/>
-                  </a:schemeClr>
-                </a:solidFill>
-                <a:latin typeface="Gill Sans MT (Body)"/>
-                <a:cs typeface="Times New Roman" panose="02020603050405020304" pitchFamily="18" charset="0"/>
-              </a:rPr>
-              <a:t>javascript</a:t>
-            </a:r>
-            <a:r>
-              <a:rPr lang="sv-SE" sz="2000" dirty="0">
-                <a:solidFill>
-                  <a:schemeClr val="tx1">
-                    <a:lumMod val="65000"/>
-                    <a:lumOff val="35000"/>
-                  </a:schemeClr>
-                </a:solidFill>
-                <a:latin typeface="Gill Sans MT (Body)"/>
-                <a:cs typeface="Times New Roman" panose="02020603050405020304" pitchFamily="18" charset="0"/>
-              </a:rPr>
-              <a:t> inkapslat och som kan vara antingen inom samma komponent eller till och med i andra projekt</a:t>
-            </a:r>
-          </a:p>
-        </p:txBody>
-      </p:sp>
-      <p:pic>
-        <p:nvPicPr>
-          <p:cNvPr id="2052" name="Picture 4" descr="Getting started with Vue JS.">
-            <a:extLst>
-              <a:ext uri="{FF2B5EF4-FFF2-40B4-BE49-F238E27FC236}">
-                <a16:creationId xmlns:a16="http://schemas.microsoft.com/office/drawing/2014/main" id="{3C3A4C77-A454-4F74-A104-454F96E706FC}"/>
-              </a:ext>
-            </a:extLst>
-          </p:cNvPr>
-          <p:cNvPicPr>
-            <a:picLocks noChangeAspect="1" noChangeArrowheads="1"/>
-          </p:cNvPicPr>
-          <p:nvPr/>
-        </p:nvPicPr>
-        <p:blipFill>
-          <a:blip r:embed="rId3">
-            <a:extLst>
-              <a:ext uri="{28A0092B-C50C-407E-A947-70E740481C1C}">
-                <a14:useLocalDpi xmlns:a14="http://schemas.microsoft.com/office/drawing/2010/main" val="0"/>
-              </a:ext>
-            </a:extLst>
-          </a:blip>
-          <a:srcRect/>
-          <a:stretch>
-            <a:fillRect/>
-          </a:stretch>
-        </p:blipFill>
-        <p:spPr bwMode="auto">
-          <a:xfrm>
-            <a:off x="7387350" y="2359052"/>
-            <a:ext cx="4181873" cy="4194495"/>
-          </a:xfrm>
-          <a:prstGeom prst="rect">
-            <a:avLst/>
-          </a:prstGeom>
-          <a:noFill/>
-          <a:extLst>
-            <a:ext uri="{909E8E84-426E-40DD-AFC4-6F175D3DCCD1}">
-              <a14:hiddenFill xmlns:a14="http://schemas.microsoft.com/office/drawing/2010/main">
-                <a:solidFill>
-                  <a:srgbClr val="FFFFFF"/>
-                </a:solidFill>
-              </a14:hiddenFill>
-            </a:ext>
-          </a:extLst>
-        </p:spPr>
-      </p:pic>
-    </p:spTree>
-    <p:extLst>
-      <p:ext uri="{BB962C8B-B14F-4D97-AF65-F5344CB8AC3E}">
-        <p14:creationId xmlns:p14="http://schemas.microsoft.com/office/powerpoint/2010/main" val="1369894597"/>
-      </p:ext>
-    </p:extLst>
-  </p:cSld>
-  <p:clrMapOvr>
-    <a:masterClrMapping/>
-  </p:clrMapOvr>
-</p:sld>
-</file>
-
-<file path=ppt/slides/slide16.xml><?xml version="1.0" encoding="utf-8"?>
+<file path=ppt/slides/slide17.xml><?xml version="1.0" encoding="utf-8"?>
 <p:sld xmlns:a="http://schemas.openxmlformats.org/drawingml/2006/main" xmlns:r="http://schemas.openxmlformats.org/officeDocument/2006/relationships" xmlns:p="http://schemas.openxmlformats.org/presentationml/2006/main">
   <p:cSld>
     <p:spTree>
@@ -10322,7 +10601,7 @@
 </p:sld>
 </file>
 
-<file path=ppt/slides/slide17.xml><?xml version="1.0" encoding="utf-8"?>
+<file path=ppt/slides/slide18.xml><?xml version="1.0" encoding="utf-8"?>
 <p:sld xmlns:a="http://schemas.openxmlformats.org/drawingml/2006/main" xmlns:r="http://schemas.openxmlformats.org/officeDocument/2006/relationships" xmlns:p="http://schemas.openxmlformats.org/presentationml/2006/main">
   <p:cSld>
     <p:spTree>
@@ -10388,7 +10667,7 @@
 </p:sld>
 </file>
 
-<file path=ppt/slides/slide18.xml><?xml version="1.0" encoding="utf-8"?>
+<file path=ppt/slides/slide19.xml><?xml version="1.0" encoding="utf-8"?>
 <p:sld xmlns:a="http://schemas.openxmlformats.org/drawingml/2006/main" xmlns:r="http://schemas.openxmlformats.org/officeDocument/2006/relationships" xmlns:p="http://schemas.openxmlformats.org/presentationml/2006/main">
   <p:cSld>
     <p:spTree>
@@ -10839,272 +11118,6 @@
 </p:sld>
 </file>
 
-<file path=ppt/slides/slide19.xml><?xml version="1.0" encoding="utf-8"?>
-<p:sld xmlns:a="http://schemas.openxmlformats.org/drawingml/2006/main" xmlns:r="http://schemas.openxmlformats.org/officeDocument/2006/relationships" xmlns:p="http://schemas.openxmlformats.org/presentationml/2006/main">
-  <p:cSld>
-    <p:spTree>
-      <p:nvGrpSpPr>
-        <p:cNvPr id="1" name=""/>
-        <p:cNvGrpSpPr/>
-        <p:nvPr/>
-      </p:nvGrpSpPr>
-      <p:grpSpPr>
-        <a:xfrm>
-          <a:off x="0" y="0"/>
-          <a:ext cx="0" cy="0"/>
-          <a:chOff x="0" y="0"/>
-          <a:chExt cx="0" cy="0"/>
-        </a:xfrm>
-      </p:grpSpPr>
-      <p:sp>
-        <p:nvSpPr>
-          <p:cNvPr id="2" name="Title 1">
-            <a:extLst>
-              <a:ext uri="{FF2B5EF4-FFF2-40B4-BE49-F238E27FC236}">
-                <a16:creationId xmlns:a16="http://schemas.microsoft.com/office/drawing/2014/main" id="{8EDAE078-3CB3-4D1F-8E4E-75C6D5DA8D1A}"/>
-              </a:ext>
-            </a:extLst>
-          </p:cNvPr>
-          <p:cNvSpPr>
-            <a:spLocks noGrp="1"/>
-          </p:cNvSpPr>
-          <p:nvPr>
-            <p:ph type="title"/>
-          </p:nvPr>
-        </p:nvSpPr>
-        <p:spPr>
-          <a:xfrm>
-            <a:off x="1203434" y="135110"/>
-            <a:ext cx="10893973" cy="596023"/>
-          </a:xfrm>
-        </p:spPr>
-        <p:txBody>
-          <a:bodyPr>
-            <a:normAutofit fontScale="90000"/>
-          </a:bodyPr>
-          <a:lstStyle/>
-          <a:p>
-            <a:pPr algn="ctr"/>
-            <a:r>
-              <a:rPr lang="en-US" sz="4000" dirty="0">
-                <a:latin typeface="Gill Sans MT (Body)"/>
-              </a:rPr>
-              <a:t>Component Communication</a:t>
-            </a:r>
-          </a:p>
-        </p:txBody>
-      </p:sp>
-      <p:pic>
-        <p:nvPicPr>
-          <p:cNvPr id="7170" name="Picture 2" descr="The Perfect Wrapper Components in Vue 2.6 and soon Vue 3.0 | by Vaibhav  Namburi | Noteworthy - The Journal Blog">
-            <a:extLst>
-              <a:ext uri="{FF2B5EF4-FFF2-40B4-BE49-F238E27FC236}">
-                <a16:creationId xmlns:a16="http://schemas.microsoft.com/office/drawing/2014/main" id="{52EE8D40-CE2E-403A-BCDB-64FA8D310B40}"/>
-              </a:ext>
-            </a:extLst>
-          </p:cNvPr>
-          <p:cNvPicPr>
-            <a:picLocks noChangeAspect="1" noChangeArrowheads="1"/>
-          </p:cNvPicPr>
-          <p:nvPr/>
-        </p:nvPicPr>
-        <p:blipFill>
-          <a:blip r:embed="rId2">
-            <a:extLst>
-              <a:ext uri="{28A0092B-C50C-407E-A947-70E740481C1C}">
-                <a14:useLocalDpi xmlns:a14="http://schemas.microsoft.com/office/drawing/2010/main" val="0"/>
-              </a:ext>
-            </a:extLst>
-          </a:blip>
-          <a:srcRect/>
-          <a:stretch>
-            <a:fillRect/>
-          </a:stretch>
-        </p:blipFill>
-        <p:spPr bwMode="auto">
-          <a:xfrm>
-            <a:off x="4142460" y="615760"/>
-            <a:ext cx="4276725" cy="2138363"/>
-          </a:xfrm>
-          <a:prstGeom prst="rect">
-            <a:avLst/>
-          </a:prstGeom>
-          <a:noFill/>
-          <a:extLst>
-            <a:ext uri="{909E8E84-426E-40DD-AFC4-6F175D3DCCD1}">
-              <a14:hiddenFill xmlns:a14="http://schemas.microsoft.com/office/drawing/2010/main">
-                <a:solidFill>
-                  <a:srgbClr val="FFFFFF"/>
-                </a:solidFill>
-              </a14:hiddenFill>
-            </a:ext>
-          </a:extLst>
-        </p:spPr>
-      </p:pic>
-      <p:pic>
-        <p:nvPicPr>
-          <p:cNvPr id="7172" name="Picture 4">
-            <a:extLst>
-              <a:ext uri="{FF2B5EF4-FFF2-40B4-BE49-F238E27FC236}">
-                <a16:creationId xmlns:a16="http://schemas.microsoft.com/office/drawing/2014/main" id="{877F3F4A-C6EE-4262-B9E5-23012706DC32}"/>
-              </a:ext>
-            </a:extLst>
-          </p:cNvPr>
-          <p:cNvPicPr>
-            <a:picLocks noChangeAspect="1" noChangeArrowheads="1"/>
-          </p:cNvPicPr>
-          <p:nvPr/>
-        </p:nvPicPr>
-        <p:blipFill>
-          <a:blip r:embed="rId3">
-            <a:extLst>
-              <a:ext uri="{28A0092B-C50C-407E-A947-70E740481C1C}">
-                <a14:useLocalDpi xmlns:a14="http://schemas.microsoft.com/office/drawing/2010/main" val="0"/>
-              </a:ext>
-            </a:extLst>
-          </a:blip>
-          <a:srcRect/>
-          <a:stretch>
-            <a:fillRect/>
-          </a:stretch>
-        </p:blipFill>
-        <p:spPr bwMode="auto">
-          <a:xfrm>
-            <a:off x="6840333" y="4084334"/>
-            <a:ext cx="4815080" cy="1749479"/>
-          </a:xfrm>
-          <a:prstGeom prst="rect">
-            <a:avLst/>
-          </a:prstGeom>
-          <a:noFill/>
-          <a:extLst>
-            <a:ext uri="{909E8E84-426E-40DD-AFC4-6F175D3DCCD1}">
-              <a14:hiddenFill xmlns:a14="http://schemas.microsoft.com/office/drawing/2010/main">
-                <a:solidFill>
-                  <a:srgbClr val="FFFFFF"/>
-                </a:solidFill>
-              </a14:hiddenFill>
-            </a:ext>
-          </a:extLst>
-        </p:spPr>
-      </p:pic>
-      <p:pic>
-        <p:nvPicPr>
-          <p:cNvPr id="7174" name="Picture 6">
-            <a:extLst>
-              <a:ext uri="{FF2B5EF4-FFF2-40B4-BE49-F238E27FC236}">
-                <a16:creationId xmlns:a16="http://schemas.microsoft.com/office/drawing/2014/main" id="{1ED7EB82-DB80-4705-A1C0-0D5E43013695}"/>
-              </a:ext>
-            </a:extLst>
-          </p:cNvPr>
-          <p:cNvPicPr>
-            <a:picLocks noChangeAspect="1" noChangeArrowheads="1"/>
-          </p:cNvPicPr>
-          <p:nvPr/>
-        </p:nvPicPr>
-        <p:blipFill>
-          <a:blip r:embed="rId4">
-            <a:extLst>
-              <a:ext uri="{28A0092B-C50C-407E-A947-70E740481C1C}">
-                <a14:useLocalDpi xmlns:a14="http://schemas.microsoft.com/office/drawing/2010/main" val="0"/>
-              </a:ext>
-            </a:extLst>
-          </a:blip>
-          <a:srcRect/>
-          <a:stretch>
-            <a:fillRect/>
-          </a:stretch>
-        </p:blipFill>
-        <p:spPr bwMode="auto">
-          <a:xfrm>
-            <a:off x="1203434" y="3429000"/>
-            <a:ext cx="5077389" cy="3384926"/>
-          </a:xfrm>
-          <a:prstGeom prst="rect">
-            <a:avLst/>
-          </a:prstGeom>
-          <a:noFill/>
-          <a:extLst>
-            <a:ext uri="{909E8E84-426E-40DD-AFC4-6F175D3DCCD1}">
-              <a14:hiddenFill xmlns:a14="http://schemas.microsoft.com/office/drawing/2010/main">
-                <a:solidFill>
-                  <a:srgbClr val="FFFFFF"/>
-                </a:solidFill>
-              </a14:hiddenFill>
-            </a:ext>
-          </a:extLst>
-        </p:spPr>
-      </p:pic>
-      <p:sp>
-        <p:nvSpPr>
-          <p:cNvPr id="7" name="Title 1">
-            <a:extLst>
-              <a:ext uri="{FF2B5EF4-FFF2-40B4-BE49-F238E27FC236}">
-                <a16:creationId xmlns:a16="http://schemas.microsoft.com/office/drawing/2014/main" id="{82694E16-5AA0-4F22-84C0-BE2A869806E6}"/>
-              </a:ext>
-            </a:extLst>
-          </p:cNvPr>
-          <p:cNvSpPr txBox="1">
-            <a:spLocks/>
-          </p:cNvSpPr>
-          <p:nvPr/>
-        </p:nvSpPr>
-        <p:spPr>
-          <a:xfrm>
-            <a:off x="1203434" y="2711874"/>
-            <a:ext cx="10893973" cy="464464"/>
-          </a:xfrm>
-          <a:prstGeom prst="rect">
-            <a:avLst/>
-          </a:prstGeom>
-        </p:spPr>
-        <p:txBody>
-          <a:bodyPr vert="horz" lIns="91440" tIns="45720" rIns="91440" bIns="45720" rtlCol="0" anchor="t">
-            <a:normAutofit fontScale="97500"/>
-          </a:bodyPr>
-          <a:lstStyle>
-            <a:lvl1pPr algn="l" defTabSz="914400" rtl="0" eaLnBrk="1" latinLnBrk="0" hangingPunct="1">
-              <a:lnSpc>
-                <a:spcPct val="90000"/>
-              </a:lnSpc>
-              <a:spcBef>
-                <a:spcPct val="0"/>
-              </a:spcBef>
-              <a:buNone/>
-              <a:defRPr sz="5100" kern="1200" cap="all" spc="200" baseline="0">
-                <a:solidFill>
-                  <a:schemeClr val="tx2"/>
-                </a:solidFill>
-                <a:latin typeface="+mj-lt"/>
-                <a:ea typeface="+mj-ea"/>
-                <a:cs typeface="+mj-cs"/>
-              </a:defRPr>
-            </a:lvl1pPr>
-          </a:lstStyle>
-          <a:p>
-            <a:pPr algn="ctr"/>
-            <a:r>
-              <a:rPr lang="en-US" sz="2400" dirty="0">
-                <a:latin typeface="Gill Sans MT (Body)"/>
-              </a:rPr>
-              <a:t>Parent -&gt; Child Communication : PROPS</a:t>
-            </a:r>
-          </a:p>
-        </p:txBody>
-      </p:sp>
-    </p:spTree>
-    <p:extLst>
-      <p:ext uri="{BB962C8B-B14F-4D97-AF65-F5344CB8AC3E}">
-        <p14:creationId xmlns:p14="http://schemas.microsoft.com/office/powerpoint/2010/main" val="287259337"/>
-      </p:ext>
-    </p:extLst>
-  </p:cSld>
-  <p:clrMapOvr>
-    <a:masterClrMapping/>
-  </p:clrMapOvr>
-</p:sld>
-</file>
-
 <file path=ppt/slides/slide2.xml><?xml version="1.0" encoding="utf-8"?>
 <p:sld xmlns:a="http://schemas.openxmlformats.org/drawingml/2006/main" xmlns:r="http://schemas.openxmlformats.org/officeDocument/2006/relationships" xmlns:p="http://schemas.openxmlformats.org/presentationml/2006/main">
   <p:cSld>
@@ -11417,6 +11430,272 @@
         </p:nvSpPr>
         <p:spPr>
           <a:xfrm>
+            <a:off x="1203434" y="135110"/>
+            <a:ext cx="10893973" cy="596023"/>
+          </a:xfrm>
+        </p:spPr>
+        <p:txBody>
+          <a:bodyPr>
+            <a:normAutofit fontScale="90000"/>
+          </a:bodyPr>
+          <a:lstStyle/>
+          <a:p>
+            <a:pPr algn="ctr"/>
+            <a:r>
+              <a:rPr lang="en-US" sz="4000" dirty="0">
+                <a:latin typeface="Gill Sans MT (Body)"/>
+              </a:rPr>
+              <a:t>Component Communication</a:t>
+            </a:r>
+          </a:p>
+        </p:txBody>
+      </p:sp>
+      <p:pic>
+        <p:nvPicPr>
+          <p:cNvPr id="7170" name="Picture 2" descr="The Perfect Wrapper Components in Vue 2.6 and soon Vue 3.0 | by Vaibhav  Namburi | Noteworthy - The Journal Blog">
+            <a:extLst>
+              <a:ext uri="{FF2B5EF4-FFF2-40B4-BE49-F238E27FC236}">
+                <a16:creationId xmlns:a16="http://schemas.microsoft.com/office/drawing/2014/main" id="{52EE8D40-CE2E-403A-BCDB-64FA8D310B40}"/>
+              </a:ext>
+            </a:extLst>
+          </p:cNvPr>
+          <p:cNvPicPr>
+            <a:picLocks noChangeAspect="1" noChangeArrowheads="1"/>
+          </p:cNvPicPr>
+          <p:nvPr/>
+        </p:nvPicPr>
+        <p:blipFill>
+          <a:blip r:embed="rId2">
+            <a:extLst>
+              <a:ext uri="{28A0092B-C50C-407E-A947-70E740481C1C}">
+                <a14:useLocalDpi xmlns:a14="http://schemas.microsoft.com/office/drawing/2010/main" val="0"/>
+              </a:ext>
+            </a:extLst>
+          </a:blip>
+          <a:srcRect/>
+          <a:stretch>
+            <a:fillRect/>
+          </a:stretch>
+        </p:blipFill>
+        <p:spPr bwMode="auto">
+          <a:xfrm>
+            <a:off x="4142460" y="615760"/>
+            <a:ext cx="4276725" cy="2138363"/>
+          </a:xfrm>
+          <a:prstGeom prst="rect">
+            <a:avLst/>
+          </a:prstGeom>
+          <a:noFill/>
+          <a:extLst>
+            <a:ext uri="{909E8E84-426E-40DD-AFC4-6F175D3DCCD1}">
+              <a14:hiddenFill xmlns:a14="http://schemas.microsoft.com/office/drawing/2010/main">
+                <a:solidFill>
+                  <a:srgbClr val="FFFFFF"/>
+                </a:solidFill>
+              </a14:hiddenFill>
+            </a:ext>
+          </a:extLst>
+        </p:spPr>
+      </p:pic>
+      <p:pic>
+        <p:nvPicPr>
+          <p:cNvPr id="7172" name="Picture 4">
+            <a:extLst>
+              <a:ext uri="{FF2B5EF4-FFF2-40B4-BE49-F238E27FC236}">
+                <a16:creationId xmlns:a16="http://schemas.microsoft.com/office/drawing/2014/main" id="{877F3F4A-C6EE-4262-B9E5-23012706DC32}"/>
+              </a:ext>
+            </a:extLst>
+          </p:cNvPr>
+          <p:cNvPicPr>
+            <a:picLocks noChangeAspect="1" noChangeArrowheads="1"/>
+          </p:cNvPicPr>
+          <p:nvPr/>
+        </p:nvPicPr>
+        <p:blipFill>
+          <a:blip r:embed="rId3">
+            <a:extLst>
+              <a:ext uri="{28A0092B-C50C-407E-A947-70E740481C1C}">
+                <a14:useLocalDpi xmlns:a14="http://schemas.microsoft.com/office/drawing/2010/main" val="0"/>
+              </a:ext>
+            </a:extLst>
+          </a:blip>
+          <a:srcRect/>
+          <a:stretch>
+            <a:fillRect/>
+          </a:stretch>
+        </p:blipFill>
+        <p:spPr bwMode="auto">
+          <a:xfrm>
+            <a:off x="6840333" y="4084334"/>
+            <a:ext cx="4815080" cy="1749479"/>
+          </a:xfrm>
+          <a:prstGeom prst="rect">
+            <a:avLst/>
+          </a:prstGeom>
+          <a:noFill/>
+          <a:extLst>
+            <a:ext uri="{909E8E84-426E-40DD-AFC4-6F175D3DCCD1}">
+              <a14:hiddenFill xmlns:a14="http://schemas.microsoft.com/office/drawing/2010/main">
+                <a:solidFill>
+                  <a:srgbClr val="FFFFFF"/>
+                </a:solidFill>
+              </a14:hiddenFill>
+            </a:ext>
+          </a:extLst>
+        </p:spPr>
+      </p:pic>
+      <p:pic>
+        <p:nvPicPr>
+          <p:cNvPr id="7174" name="Picture 6">
+            <a:extLst>
+              <a:ext uri="{FF2B5EF4-FFF2-40B4-BE49-F238E27FC236}">
+                <a16:creationId xmlns:a16="http://schemas.microsoft.com/office/drawing/2014/main" id="{1ED7EB82-DB80-4705-A1C0-0D5E43013695}"/>
+              </a:ext>
+            </a:extLst>
+          </p:cNvPr>
+          <p:cNvPicPr>
+            <a:picLocks noChangeAspect="1" noChangeArrowheads="1"/>
+          </p:cNvPicPr>
+          <p:nvPr/>
+        </p:nvPicPr>
+        <p:blipFill>
+          <a:blip r:embed="rId4">
+            <a:extLst>
+              <a:ext uri="{28A0092B-C50C-407E-A947-70E740481C1C}">
+                <a14:useLocalDpi xmlns:a14="http://schemas.microsoft.com/office/drawing/2010/main" val="0"/>
+              </a:ext>
+            </a:extLst>
+          </a:blip>
+          <a:srcRect/>
+          <a:stretch>
+            <a:fillRect/>
+          </a:stretch>
+        </p:blipFill>
+        <p:spPr bwMode="auto">
+          <a:xfrm>
+            <a:off x="1203434" y="3429000"/>
+            <a:ext cx="5077389" cy="3384926"/>
+          </a:xfrm>
+          <a:prstGeom prst="rect">
+            <a:avLst/>
+          </a:prstGeom>
+          <a:noFill/>
+          <a:extLst>
+            <a:ext uri="{909E8E84-426E-40DD-AFC4-6F175D3DCCD1}">
+              <a14:hiddenFill xmlns:a14="http://schemas.microsoft.com/office/drawing/2010/main">
+                <a:solidFill>
+                  <a:srgbClr val="FFFFFF"/>
+                </a:solidFill>
+              </a14:hiddenFill>
+            </a:ext>
+          </a:extLst>
+        </p:spPr>
+      </p:pic>
+      <p:sp>
+        <p:nvSpPr>
+          <p:cNvPr id="7" name="Title 1">
+            <a:extLst>
+              <a:ext uri="{FF2B5EF4-FFF2-40B4-BE49-F238E27FC236}">
+                <a16:creationId xmlns:a16="http://schemas.microsoft.com/office/drawing/2014/main" id="{82694E16-5AA0-4F22-84C0-BE2A869806E6}"/>
+              </a:ext>
+            </a:extLst>
+          </p:cNvPr>
+          <p:cNvSpPr txBox="1">
+            <a:spLocks/>
+          </p:cNvSpPr>
+          <p:nvPr/>
+        </p:nvSpPr>
+        <p:spPr>
+          <a:xfrm>
+            <a:off x="1203434" y="2711874"/>
+            <a:ext cx="10893973" cy="464464"/>
+          </a:xfrm>
+          <a:prstGeom prst="rect">
+            <a:avLst/>
+          </a:prstGeom>
+        </p:spPr>
+        <p:txBody>
+          <a:bodyPr vert="horz" lIns="91440" tIns="45720" rIns="91440" bIns="45720" rtlCol="0" anchor="t">
+            <a:normAutofit fontScale="97500"/>
+          </a:bodyPr>
+          <a:lstStyle>
+            <a:lvl1pPr algn="l" defTabSz="914400" rtl="0" eaLnBrk="1" latinLnBrk="0" hangingPunct="1">
+              <a:lnSpc>
+                <a:spcPct val="90000"/>
+              </a:lnSpc>
+              <a:spcBef>
+                <a:spcPct val="0"/>
+              </a:spcBef>
+              <a:buNone/>
+              <a:defRPr sz="5100" kern="1200" cap="all" spc="200" baseline="0">
+                <a:solidFill>
+                  <a:schemeClr val="tx2"/>
+                </a:solidFill>
+                <a:latin typeface="+mj-lt"/>
+                <a:ea typeface="+mj-ea"/>
+                <a:cs typeface="+mj-cs"/>
+              </a:defRPr>
+            </a:lvl1pPr>
+          </a:lstStyle>
+          <a:p>
+            <a:pPr algn="ctr"/>
+            <a:r>
+              <a:rPr lang="en-US" sz="2400" dirty="0">
+                <a:latin typeface="Gill Sans MT (Body)"/>
+              </a:rPr>
+              <a:t>Parent -&gt; Child Communication : PROPS</a:t>
+            </a:r>
+          </a:p>
+        </p:txBody>
+      </p:sp>
+    </p:spTree>
+    <p:extLst>
+      <p:ext uri="{BB962C8B-B14F-4D97-AF65-F5344CB8AC3E}">
+        <p14:creationId xmlns:p14="http://schemas.microsoft.com/office/powerpoint/2010/main" val="287259337"/>
+      </p:ext>
+    </p:extLst>
+  </p:cSld>
+  <p:clrMapOvr>
+    <a:masterClrMapping/>
+  </p:clrMapOvr>
+</p:sld>
+</file>
+
+<file path=ppt/slides/slide21.xml><?xml version="1.0" encoding="utf-8"?>
+<p:sld xmlns:a="http://schemas.openxmlformats.org/drawingml/2006/main" xmlns:r="http://schemas.openxmlformats.org/officeDocument/2006/relationships" xmlns:p="http://schemas.openxmlformats.org/presentationml/2006/main">
+  <p:cSld>
+    <p:spTree>
+      <p:nvGrpSpPr>
+        <p:cNvPr id="1" name=""/>
+        <p:cNvGrpSpPr/>
+        <p:nvPr/>
+      </p:nvGrpSpPr>
+      <p:grpSpPr>
+        <a:xfrm>
+          <a:off x="0" y="0"/>
+          <a:ext cx="0" cy="0"/>
+          <a:chOff x="0" y="0"/>
+          <a:chExt cx="0" cy="0"/>
+        </a:xfrm>
+      </p:grpSpPr>
+      <p:sp>
+        <p:nvSpPr>
+          <p:cNvPr id="2" name="Title 1">
+            <a:extLst>
+              <a:ext uri="{FF2B5EF4-FFF2-40B4-BE49-F238E27FC236}">
+                <a16:creationId xmlns:a16="http://schemas.microsoft.com/office/drawing/2014/main" id="{8EDAE078-3CB3-4D1F-8E4E-75C6D5DA8D1A}"/>
+              </a:ext>
+            </a:extLst>
+          </p:cNvPr>
+          <p:cNvSpPr>
+            <a:spLocks noGrp="1"/>
+          </p:cNvSpPr>
+          <p:nvPr>
+            <p:ph type="title"/>
+          </p:nvPr>
+        </p:nvSpPr>
+        <p:spPr>
+          <a:xfrm>
             <a:off x="1242571" y="108893"/>
             <a:ext cx="10893973" cy="596023"/>
           </a:xfrm>
@@ -11669,163 +11948,6 @@
     <p:extLst>
       <p:ext uri="{BB962C8B-B14F-4D97-AF65-F5344CB8AC3E}">
         <p14:creationId xmlns:p14="http://schemas.microsoft.com/office/powerpoint/2010/main" val="1311342941"/>
-      </p:ext>
-    </p:extLst>
-  </p:cSld>
-  <p:clrMapOvr>
-    <a:masterClrMapping/>
-  </p:clrMapOvr>
-</p:sld>
-</file>
-
-<file path=ppt/slides/slide21.xml><?xml version="1.0" encoding="utf-8"?>
-<p:sld xmlns:a="http://schemas.openxmlformats.org/drawingml/2006/main" xmlns:r="http://schemas.openxmlformats.org/officeDocument/2006/relationships" xmlns:p="http://schemas.openxmlformats.org/presentationml/2006/main">
-  <p:cSld>
-    <p:spTree>
-      <p:nvGrpSpPr>
-        <p:cNvPr id="1" name=""/>
-        <p:cNvGrpSpPr/>
-        <p:nvPr/>
-      </p:nvGrpSpPr>
-      <p:grpSpPr>
-        <a:xfrm>
-          <a:off x="0" y="0"/>
-          <a:ext cx="0" cy="0"/>
-          <a:chOff x="0" y="0"/>
-          <a:chExt cx="0" cy="0"/>
-        </a:xfrm>
-      </p:grpSpPr>
-      <p:sp>
-        <p:nvSpPr>
-          <p:cNvPr id="2" name="Title 1">
-            <a:extLst>
-              <a:ext uri="{FF2B5EF4-FFF2-40B4-BE49-F238E27FC236}">
-                <a16:creationId xmlns:a16="http://schemas.microsoft.com/office/drawing/2014/main" id="{DE38657A-8B7E-4B6C-A10E-806AE7B7F95B}"/>
-              </a:ext>
-            </a:extLst>
-          </p:cNvPr>
-          <p:cNvSpPr>
-            <a:spLocks noGrp="1"/>
-          </p:cNvSpPr>
-          <p:nvPr>
-            <p:ph type="title"/>
-          </p:nvPr>
-        </p:nvSpPr>
-        <p:spPr>
-          <a:xfrm>
-            <a:off x="1251678" y="382385"/>
-            <a:ext cx="10178322" cy="674628"/>
-          </a:xfrm>
-        </p:spPr>
-        <p:txBody>
-          <a:bodyPr>
-            <a:normAutofit/>
-          </a:bodyPr>
-          <a:lstStyle/>
-          <a:p>
-            <a:pPr algn="ctr"/>
-            <a:r>
-              <a:rPr lang="en-US" sz="4000" dirty="0" err="1">
-                <a:latin typeface="Gill Sans MT (Body)"/>
-              </a:rPr>
-              <a:t>Skapa</a:t>
-            </a:r>
-            <a:r>
-              <a:rPr lang="en-US" sz="4000" dirty="0">
-                <a:latin typeface="Gill Sans MT (Body)"/>
-              </a:rPr>
-              <a:t> </a:t>
-            </a:r>
-            <a:r>
-              <a:rPr lang="en-US" sz="4000" dirty="0" err="1">
-                <a:latin typeface="Gill Sans MT (Body)"/>
-              </a:rPr>
-              <a:t>en</a:t>
-            </a:r>
-            <a:r>
-              <a:rPr lang="en-US" sz="4000" dirty="0">
-                <a:latin typeface="Gill Sans MT (Body)"/>
-              </a:rPr>
-              <a:t> </a:t>
-            </a:r>
-            <a:r>
-              <a:rPr lang="en-US" sz="4000" dirty="0" err="1">
-                <a:latin typeface="Gill Sans MT (Body)"/>
-              </a:rPr>
-              <a:t>ny</a:t>
-            </a:r>
-            <a:r>
-              <a:rPr lang="en-US" sz="4000" dirty="0">
-                <a:latin typeface="Gill Sans MT (Body)"/>
-              </a:rPr>
-              <a:t> Vue component</a:t>
-            </a:r>
-          </a:p>
-        </p:txBody>
-      </p:sp>
-      <p:sp>
-        <p:nvSpPr>
-          <p:cNvPr id="3" name="Content Placeholder 2">
-            <a:extLst>
-              <a:ext uri="{FF2B5EF4-FFF2-40B4-BE49-F238E27FC236}">
-                <a16:creationId xmlns:a16="http://schemas.microsoft.com/office/drawing/2014/main" id="{5E50C1E8-A3C4-4E79-8384-A72C2430432A}"/>
-              </a:ext>
-            </a:extLst>
-          </p:cNvPr>
-          <p:cNvSpPr>
-            <a:spLocks noGrp="1"/>
-          </p:cNvSpPr>
-          <p:nvPr>
-            <p:ph idx="1"/>
-          </p:nvPr>
-        </p:nvSpPr>
-        <p:spPr>
-          <a:xfrm>
-            <a:off x="1251678" y="1057013"/>
-            <a:ext cx="10178322" cy="3593591"/>
-          </a:xfrm>
-        </p:spPr>
-        <p:txBody>
-          <a:bodyPr/>
-          <a:lstStyle/>
-          <a:p>
-            <a:r>
-              <a:rPr lang="sv-SE" dirty="0"/>
-              <a:t>Skapa en ny .</a:t>
-            </a:r>
-            <a:r>
-              <a:rPr lang="sv-SE" dirty="0" err="1"/>
-              <a:t>vue</a:t>
-            </a:r>
-            <a:r>
-              <a:rPr lang="sv-SE" dirty="0"/>
-              <a:t> fil med template, skript och </a:t>
-            </a:r>
-            <a:r>
-              <a:rPr lang="sv-SE" dirty="0" err="1"/>
-              <a:t>css</a:t>
-            </a:r>
-            <a:endParaRPr lang="sv-SE" dirty="0"/>
-          </a:p>
-          <a:p>
-            <a:pPr lvl="1"/>
-            <a:r>
-              <a:rPr lang="sv-SE" dirty="0"/>
-              <a:t>Ge ett namn till komponenten</a:t>
-            </a:r>
-          </a:p>
-          <a:p>
-            <a:pPr marL="0" indent="0">
-              <a:buNone/>
-            </a:pPr>
-            <a:endParaRPr lang="sv-SE" dirty="0"/>
-          </a:p>
-        </p:txBody>
-      </p:sp>
-    </p:spTree>
-    <p:extLst>
-      <p:ext uri="{BB962C8B-B14F-4D97-AF65-F5344CB8AC3E}">
-        <p14:creationId xmlns:p14="http://schemas.microsoft.com/office/powerpoint/2010/main" val="730697572"/>
       </p:ext>
     </p:extLst>
   </p:cSld>
@@ -11977,6 +12099,1330 @@
 </file>
 
 <file path=ppt/slides/slide3.xml><?xml version="1.0" encoding="utf-8"?>
+<p:sld xmlns:a="http://schemas.openxmlformats.org/drawingml/2006/main" xmlns:r="http://schemas.openxmlformats.org/officeDocument/2006/relationships" xmlns:p="http://schemas.openxmlformats.org/presentationml/2006/main">
+  <p:cSld>
+    <p:spTree>
+      <p:nvGrpSpPr>
+        <p:cNvPr id="1" name=""/>
+        <p:cNvGrpSpPr/>
+        <p:nvPr/>
+      </p:nvGrpSpPr>
+      <p:grpSpPr>
+        <a:xfrm>
+          <a:off x="0" y="0"/>
+          <a:ext cx="0" cy="0"/>
+          <a:chOff x="0" y="0"/>
+          <a:chExt cx="0" cy="0"/>
+        </a:xfrm>
+      </p:grpSpPr>
+      <p:sp>
+        <p:nvSpPr>
+          <p:cNvPr id="2" name="Title 1">
+            <a:extLst>
+              <a:ext uri="{FF2B5EF4-FFF2-40B4-BE49-F238E27FC236}">
+                <a16:creationId xmlns:a16="http://schemas.microsoft.com/office/drawing/2014/main" id="{8EDAE078-3CB3-4D1F-8E4E-75C6D5DA8D1A}"/>
+              </a:ext>
+            </a:extLst>
+          </p:cNvPr>
+          <p:cNvSpPr>
+            <a:spLocks noGrp="1"/>
+          </p:cNvSpPr>
+          <p:nvPr>
+            <p:ph type="title"/>
+          </p:nvPr>
+        </p:nvSpPr>
+        <p:spPr>
+          <a:xfrm>
+            <a:off x="1195045" y="292227"/>
+            <a:ext cx="10893973" cy="596023"/>
+          </a:xfrm>
+        </p:spPr>
+        <p:txBody>
+          <a:bodyPr>
+            <a:normAutofit fontScale="90000"/>
+          </a:bodyPr>
+          <a:lstStyle/>
+          <a:p>
+            <a:pPr algn="ctr"/>
+            <a:r>
+              <a:rPr lang="en-US" sz="4000" dirty="0" err="1">
+                <a:latin typeface="Gill Sans MT (Body)"/>
+              </a:rPr>
+              <a:t>Bygga</a:t>
+            </a:r>
+            <a:r>
+              <a:rPr lang="en-US" sz="4000" dirty="0">
+                <a:latin typeface="Gill Sans MT (Body)"/>
+              </a:rPr>
+              <a:t> med </a:t>
+            </a:r>
+            <a:r>
+              <a:rPr lang="en-US" sz="4000" dirty="0" err="1">
+                <a:latin typeface="Gill Sans MT (Body)"/>
+              </a:rPr>
+              <a:t>komponenter</a:t>
+            </a:r>
+            <a:endParaRPr lang="en-US" sz="4000" dirty="0">
+              <a:latin typeface="Gill Sans MT (Body)"/>
+            </a:endParaRPr>
+          </a:p>
+        </p:txBody>
+      </p:sp>
+      <p:pic>
+        <p:nvPicPr>
+          <p:cNvPr id="2050" name="Picture 2" descr="Component Tree">
+            <a:extLst>
+              <a:ext uri="{FF2B5EF4-FFF2-40B4-BE49-F238E27FC236}">
+                <a16:creationId xmlns:a16="http://schemas.microsoft.com/office/drawing/2014/main" id="{54961F40-8048-4A41-99B5-7724B47F21A5}"/>
+              </a:ext>
+            </a:extLst>
+          </p:cNvPr>
+          <p:cNvPicPr>
+            <a:picLocks noGrp="1" noChangeAspect="1" noChangeArrowheads="1"/>
+          </p:cNvPicPr>
+          <p:nvPr>
+            <p:ph idx="1"/>
+          </p:nvPr>
+        </p:nvPicPr>
+        <p:blipFill>
+          <a:blip r:embed="rId2">
+            <a:extLst>
+              <a:ext uri="{28A0092B-C50C-407E-A947-70E740481C1C}">
+                <a14:useLocalDpi xmlns:a14="http://schemas.microsoft.com/office/drawing/2010/main" val="0"/>
+              </a:ext>
+            </a:extLst>
+          </a:blip>
+          <a:srcRect/>
+          <a:stretch>
+            <a:fillRect/>
+          </a:stretch>
+        </p:blipFill>
+        <p:spPr bwMode="auto">
+          <a:xfrm>
+            <a:off x="1110142" y="2808206"/>
+            <a:ext cx="6188280" cy="2776070"/>
+          </a:xfrm>
+          <a:prstGeom prst="rect">
+            <a:avLst/>
+          </a:prstGeom>
+          <a:noFill/>
+          <a:extLst>
+            <a:ext uri="{909E8E84-426E-40DD-AFC4-6F175D3DCCD1}">
+              <a14:hiddenFill xmlns:a14="http://schemas.microsoft.com/office/drawing/2010/main">
+                <a:solidFill>
+                  <a:srgbClr val="FFFFFF"/>
+                </a:solidFill>
+              </a14:hiddenFill>
+            </a:ext>
+          </a:extLst>
+        </p:spPr>
+      </p:pic>
+      <p:sp>
+        <p:nvSpPr>
+          <p:cNvPr id="8" name="Rectangle 7">
+            <a:extLst>
+              <a:ext uri="{FF2B5EF4-FFF2-40B4-BE49-F238E27FC236}">
+                <a16:creationId xmlns:a16="http://schemas.microsoft.com/office/drawing/2014/main" id="{0AF1965B-4B8D-440F-B5A7-6606859B3E01}"/>
+              </a:ext>
+            </a:extLst>
+          </p:cNvPr>
+          <p:cNvSpPr/>
+          <p:nvPr/>
+        </p:nvSpPr>
+        <p:spPr>
+          <a:xfrm>
+            <a:off x="1300294" y="978408"/>
+            <a:ext cx="9899009" cy="1015663"/>
+          </a:xfrm>
+          <a:prstGeom prst="rect">
+            <a:avLst/>
+          </a:prstGeom>
+        </p:spPr>
+        <p:txBody>
+          <a:bodyPr wrap="square">
+            <a:spAutoFit/>
+          </a:bodyPr>
+          <a:lstStyle/>
+          <a:p>
+            <a:pPr marL="285750" indent="-285750">
+              <a:buFont typeface="Arial" panose="020B0604020202020204" pitchFamily="34" charset="0"/>
+              <a:buChar char="•"/>
+            </a:pPr>
+            <a:r>
+              <a:rPr lang="sv-SE" sz="2000" dirty="0">
+                <a:solidFill>
+                  <a:schemeClr val="tx1">
+                    <a:lumMod val="65000"/>
+                    <a:lumOff val="35000"/>
+                  </a:schemeClr>
+                </a:solidFill>
+                <a:latin typeface="Gill Sans MT (Body)"/>
+                <a:cs typeface="Times New Roman" panose="02020603050405020304" pitchFamily="18" charset="0"/>
+              </a:rPr>
+              <a:t>Komponenter är återanvändbara strukturer med inkapslade funktionaliteter. Det vill säga element som har html, </a:t>
+            </a:r>
+            <a:r>
+              <a:rPr lang="sv-SE" sz="2000" dirty="0" err="1">
+                <a:solidFill>
+                  <a:schemeClr val="tx1">
+                    <a:lumMod val="65000"/>
+                    <a:lumOff val="35000"/>
+                  </a:schemeClr>
+                </a:solidFill>
+                <a:latin typeface="Gill Sans MT (Body)"/>
+                <a:cs typeface="Times New Roman" panose="02020603050405020304" pitchFamily="18" charset="0"/>
+              </a:rPr>
+              <a:t>css</a:t>
+            </a:r>
+            <a:r>
+              <a:rPr lang="sv-SE" sz="2000" dirty="0">
+                <a:solidFill>
+                  <a:schemeClr val="tx1">
+                    <a:lumMod val="65000"/>
+                    <a:lumOff val="35000"/>
+                  </a:schemeClr>
+                </a:solidFill>
+                <a:latin typeface="Gill Sans MT (Body)"/>
+                <a:cs typeface="Times New Roman" panose="02020603050405020304" pitchFamily="18" charset="0"/>
+              </a:rPr>
+              <a:t> och </a:t>
+            </a:r>
+            <a:r>
+              <a:rPr lang="sv-SE" sz="2000" dirty="0" err="1">
+                <a:solidFill>
+                  <a:schemeClr val="tx1">
+                    <a:lumMod val="65000"/>
+                    <a:lumOff val="35000"/>
+                  </a:schemeClr>
+                </a:solidFill>
+                <a:latin typeface="Gill Sans MT (Body)"/>
+                <a:cs typeface="Times New Roman" panose="02020603050405020304" pitchFamily="18" charset="0"/>
+              </a:rPr>
+              <a:t>javascript</a:t>
+            </a:r>
+            <a:r>
+              <a:rPr lang="sv-SE" sz="2000" dirty="0">
+                <a:solidFill>
+                  <a:schemeClr val="tx1">
+                    <a:lumMod val="65000"/>
+                    <a:lumOff val="35000"/>
+                  </a:schemeClr>
+                </a:solidFill>
+                <a:latin typeface="Gill Sans MT (Body)"/>
+                <a:cs typeface="Times New Roman" panose="02020603050405020304" pitchFamily="18" charset="0"/>
+              </a:rPr>
+              <a:t> inkapslat och som kan vara antingen inom samma komponent eller till och med i andra projekt.</a:t>
+            </a:r>
+          </a:p>
+        </p:txBody>
+      </p:sp>
+      <p:pic>
+        <p:nvPicPr>
+          <p:cNvPr id="2052" name="Picture 4" descr="Getting started with Vue JS.">
+            <a:extLst>
+              <a:ext uri="{FF2B5EF4-FFF2-40B4-BE49-F238E27FC236}">
+                <a16:creationId xmlns:a16="http://schemas.microsoft.com/office/drawing/2014/main" id="{3C3A4C77-A454-4F74-A104-454F96E706FC}"/>
+              </a:ext>
+            </a:extLst>
+          </p:cNvPr>
+          <p:cNvPicPr>
+            <a:picLocks noChangeAspect="1" noChangeArrowheads="1"/>
+          </p:cNvPicPr>
+          <p:nvPr/>
+        </p:nvPicPr>
+        <p:blipFill>
+          <a:blip r:embed="rId3">
+            <a:extLst>
+              <a:ext uri="{28A0092B-C50C-407E-A947-70E740481C1C}">
+                <a14:useLocalDpi xmlns:a14="http://schemas.microsoft.com/office/drawing/2010/main" val="0"/>
+              </a:ext>
+            </a:extLst>
+          </a:blip>
+          <a:srcRect/>
+          <a:stretch>
+            <a:fillRect/>
+          </a:stretch>
+        </p:blipFill>
+        <p:spPr bwMode="auto">
+          <a:xfrm>
+            <a:off x="7394970" y="1939952"/>
+            <a:ext cx="4181873" cy="4194495"/>
+          </a:xfrm>
+          <a:prstGeom prst="rect">
+            <a:avLst/>
+          </a:prstGeom>
+          <a:noFill/>
+          <a:extLst>
+            <a:ext uri="{909E8E84-426E-40DD-AFC4-6F175D3DCCD1}">
+              <a14:hiddenFill xmlns:a14="http://schemas.microsoft.com/office/drawing/2010/main">
+                <a:solidFill>
+                  <a:srgbClr val="FFFFFF"/>
+                </a:solidFill>
+              </a14:hiddenFill>
+            </a:ext>
+          </a:extLst>
+        </p:spPr>
+      </p:pic>
+      <p:sp>
+        <p:nvSpPr>
+          <p:cNvPr id="6" name="Rectangle 5">
+            <a:extLst>
+              <a:ext uri="{FF2B5EF4-FFF2-40B4-BE49-F238E27FC236}">
+                <a16:creationId xmlns:a16="http://schemas.microsoft.com/office/drawing/2014/main" id="{90467F6D-BE32-4951-A349-E8823605A3D6}"/>
+              </a:ext>
+            </a:extLst>
+          </p:cNvPr>
+          <p:cNvSpPr/>
+          <p:nvPr/>
+        </p:nvSpPr>
+        <p:spPr>
+          <a:xfrm>
+            <a:off x="1110142" y="5734337"/>
+            <a:ext cx="9899009" cy="400110"/>
+          </a:xfrm>
+          <a:prstGeom prst="rect">
+            <a:avLst/>
+          </a:prstGeom>
+        </p:spPr>
+        <p:txBody>
+          <a:bodyPr wrap="square">
+            <a:spAutoFit/>
+          </a:bodyPr>
+          <a:lstStyle/>
+          <a:p>
+            <a:pPr marL="285750" indent="-285750">
+              <a:buFont typeface="Arial" panose="020B0604020202020204" pitchFamily="34" charset="0"/>
+              <a:buChar char="•"/>
+            </a:pPr>
+            <a:r>
+              <a:rPr lang="sv-SE" sz="2000" dirty="0" err="1">
+                <a:solidFill>
+                  <a:schemeClr val="tx1">
+                    <a:lumMod val="65000"/>
+                    <a:lumOff val="35000"/>
+                  </a:schemeClr>
+                </a:solidFill>
+                <a:latin typeface="Gill Sans MT (Body)"/>
+                <a:cs typeface="Times New Roman" panose="02020603050405020304" pitchFamily="18" charset="0"/>
+              </a:rPr>
+              <a:t>Vue</a:t>
+            </a:r>
+            <a:r>
+              <a:rPr lang="sv-SE" sz="2000" dirty="0">
+                <a:solidFill>
+                  <a:schemeClr val="tx1">
+                    <a:lumMod val="65000"/>
+                    <a:lumOff val="35000"/>
+                  </a:schemeClr>
+                </a:solidFill>
+                <a:latin typeface="Gill Sans MT (Body)"/>
+                <a:cs typeface="Times New Roman" panose="02020603050405020304" pitchFamily="18" charset="0"/>
+              </a:rPr>
+              <a:t> filer har filändelsen .</a:t>
+            </a:r>
+            <a:r>
+              <a:rPr lang="sv-SE" sz="2000" dirty="0" err="1">
+                <a:solidFill>
+                  <a:schemeClr val="tx1">
+                    <a:lumMod val="65000"/>
+                    <a:lumOff val="35000"/>
+                  </a:schemeClr>
+                </a:solidFill>
+                <a:latin typeface="Gill Sans MT (Body)"/>
+                <a:cs typeface="Times New Roman" panose="02020603050405020304" pitchFamily="18" charset="0"/>
+              </a:rPr>
+              <a:t>vue</a:t>
+            </a:r>
+            <a:r>
+              <a:rPr lang="sv-SE" sz="2000" dirty="0">
+                <a:solidFill>
+                  <a:schemeClr val="tx1">
+                    <a:lumMod val="65000"/>
+                    <a:lumOff val="35000"/>
+                  </a:schemeClr>
+                </a:solidFill>
+                <a:latin typeface="Gill Sans MT (Body)"/>
+                <a:cs typeface="Times New Roman" panose="02020603050405020304" pitchFamily="18" charset="0"/>
+              </a:rPr>
+              <a:t> och inte .html eller .</a:t>
+            </a:r>
+            <a:r>
+              <a:rPr lang="sv-SE" sz="2000" dirty="0" err="1">
+                <a:solidFill>
+                  <a:schemeClr val="tx1">
+                    <a:lumMod val="65000"/>
+                    <a:lumOff val="35000"/>
+                  </a:schemeClr>
+                </a:solidFill>
+                <a:latin typeface="Gill Sans MT (Body)"/>
+                <a:cs typeface="Times New Roman" panose="02020603050405020304" pitchFamily="18" charset="0"/>
+              </a:rPr>
+              <a:t>js</a:t>
+            </a:r>
+            <a:endParaRPr lang="sv-SE" sz="2000" dirty="0">
+              <a:solidFill>
+                <a:schemeClr val="tx1">
+                  <a:lumMod val="65000"/>
+                  <a:lumOff val="35000"/>
+                </a:schemeClr>
+              </a:solidFill>
+              <a:latin typeface="Gill Sans MT (Body)"/>
+              <a:cs typeface="Times New Roman" panose="02020603050405020304" pitchFamily="18" charset="0"/>
+            </a:endParaRPr>
+          </a:p>
+        </p:txBody>
+      </p:sp>
+      <p:sp>
+        <p:nvSpPr>
+          <p:cNvPr id="7" name="Rectangle 6">
+            <a:extLst>
+              <a:ext uri="{FF2B5EF4-FFF2-40B4-BE49-F238E27FC236}">
+                <a16:creationId xmlns:a16="http://schemas.microsoft.com/office/drawing/2014/main" id="{6095043D-79C2-462D-993A-00B834754B7E}"/>
+              </a:ext>
+            </a:extLst>
+          </p:cNvPr>
+          <p:cNvSpPr/>
+          <p:nvPr/>
+        </p:nvSpPr>
+        <p:spPr>
+          <a:xfrm>
+            <a:off x="1300294" y="2114723"/>
+            <a:ext cx="9899009" cy="400110"/>
+          </a:xfrm>
+          <a:prstGeom prst="rect">
+            <a:avLst/>
+          </a:prstGeom>
+        </p:spPr>
+        <p:txBody>
+          <a:bodyPr wrap="square">
+            <a:spAutoFit/>
+          </a:bodyPr>
+          <a:lstStyle/>
+          <a:p>
+            <a:pPr marL="285750" indent="-285750">
+              <a:buFont typeface="Arial" panose="020B0604020202020204" pitchFamily="34" charset="0"/>
+              <a:buChar char="•"/>
+            </a:pPr>
+            <a:r>
+              <a:rPr lang="sv-SE" sz="2000" dirty="0">
+                <a:solidFill>
+                  <a:schemeClr val="tx1">
+                    <a:lumMod val="65000"/>
+                    <a:lumOff val="35000"/>
+                  </a:schemeClr>
+                </a:solidFill>
+                <a:latin typeface="Gill Sans MT (Body)"/>
+                <a:cs typeface="Times New Roman" panose="02020603050405020304" pitchFamily="18" charset="0"/>
+              </a:rPr>
+              <a:t>Tänk legobitar för webbapplikationer.</a:t>
+            </a:r>
+          </a:p>
+        </p:txBody>
+      </p:sp>
+    </p:spTree>
+    <p:extLst>
+      <p:ext uri="{BB962C8B-B14F-4D97-AF65-F5344CB8AC3E}">
+        <p14:creationId xmlns:p14="http://schemas.microsoft.com/office/powerpoint/2010/main" val="1369894597"/>
+      </p:ext>
+    </p:extLst>
+  </p:cSld>
+  <p:clrMapOvr>
+    <a:masterClrMapping/>
+  </p:clrMapOvr>
+</p:sld>
+</file>
+
+<file path=ppt/slides/slide4.xml><?xml version="1.0" encoding="utf-8"?>
+<p:sld xmlns:a="http://schemas.openxmlformats.org/drawingml/2006/main" xmlns:r="http://schemas.openxmlformats.org/officeDocument/2006/relationships" xmlns:p="http://schemas.openxmlformats.org/presentationml/2006/main">
+  <p:cSld>
+    <p:spTree>
+      <p:nvGrpSpPr>
+        <p:cNvPr id="1" name=""/>
+        <p:cNvGrpSpPr/>
+        <p:nvPr/>
+      </p:nvGrpSpPr>
+      <p:grpSpPr>
+        <a:xfrm>
+          <a:off x="0" y="0"/>
+          <a:ext cx="0" cy="0"/>
+          <a:chOff x="0" y="0"/>
+          <a:chExt cx="0" cy="0"/>
+        </a:xfrm>
+      </p:grpSpPr>
+      <p:sp>
+        <p:nvSpPr>
+          <p:cNvPr id="2" name="Title 1">
+            <a:extLst>
+              <a:ext uri="{FF2B5EF4-FFF2-40B4-BE49-F238E27FC236}">
+                <a16:creationId xmlns:a16="http://schemas.microsoft.com/office/drawing/2014/main" id="{8EDAE078-3CB3-4D1F-8E4E-75C6D5DA8D1A}"/>
+              </a:ext>
+            </a:extLst>
+          </p:cNvPr>
+          <p:cNvSpPr>
+            <a:spLocks noGrp="1"/>
+          </p:cNvSpPr>
+          <p:nvPr>
+            <p:ph type="title"/>
+          </p:nvPr>
+        </p:nvSpPr>
+        <p:spPr>
+          <a:xfrm>
+            <a:off x="1195045" y="292227"/>
+            <a:ext cx="10893973" cy="596023"/>
+          </a:xfrm>
+        </p:spPr>
+        <p:txBody>
+          <a:bodyPr>
+            <a:normAutofit fontScale="90000"/>
+          </a:bodyPr>
+          <a:lstStyle/>
+          <a:p>
+            <a:pPr algn="ctr"/>
+            <a:r>
+              <a:rPr lang="en-US" sz="4000" dirty="0" err="1">
+                <a:latin typeface="Gill Sans MT (Body)"/>
+              </a:rPr>
+              <a:t>Mappstruktur</a:t>
+            </a:r>
+            <a:r>
+              <a:rPr lang="en-US" sz="4000" dirty="0">
+                <a:latin typeface="Gill Sans MT (Body)"/>
+              </a:rPr>
+              <a:t> I </a:t>
+            </a:r>
+            <a:r>
+              <a:rPr lang="en-US" sz="4000" dirty="0" err="1">
+                <a:latin typeface="Gill Sans MT (Body)"/>
+              </a:rPr>
+              <a:t>ett</a:t>
+            </a:r>
+            <a:r>
+              <a:rPr lang="en-US" sz="4000" dirty="0">
+                <a:latin typeface="Gill Sans MT (Body)"/>
+              </a:rPr>
+              <a:t> Vue </a:t>
+            </a:r>
+            <a:r>
+              <a:rPr lang="en-US" sz="4000" dirty="0" err="1">
+                <a:latin typeface="Gill Sans MT (Body)"/>
+              </a:rPr>
+              <a:t>projekt</a:t>
+            </a:r>
+            <a:endParaRPr lang="en-US" sz="4000" dirty="0">
+              <a:latin typeface="Gill Sans MT (Body)"/>
+            </a:endParaRPr>
+          </a:p>
+        </p:txBody>
+      </p:sp>
+      <p:sp>
+        <p:nvSpPr>
+          <p:cNvPr id="8" name="Rectangle 7">
+            <a:extLst>
+              <a:ext uri="{FF2B5EF4-FFF2-40B4-BE49-F238E27FC236}">
+                <a16:creationId xmlns:a16="http://schemas.microsoft.com/office/drawing/2014/main" id="{0AF1965B-4B8D-440F-B5A7-6606859B3E01}"/>
+              </a:ext>
+            </a:extLst>
+          </p:cNvPr>
+          <p:cNvSpPr/>
+          <p:nvPr/>
+        </p:nvSpPr>
+        <p:spPr>
+          <a:xfrm>
+            <a:off x="1300294" y="978408"/>
+            <a:ext cx="9899009" cy="1015663"/>
+          </a:xfrm>
+          <a:prstGeom prst="rect">
+            <a:avLst/>
+          </a:prstGeom>
+        </p:spPr>
+        <p:txBody>
+          <a:bodyPr wrap="square">
+            <a:spAutoFit/>
+          </a:bodyPr>
+          <a:lstStyle/>
+          <a:p>
+            <a:pPr marL="285750" indent="-285750">
+              <a:buFont typeface="Arial" panose="020B0604020202020204" pitchFamily="34" charset="0"/>
+              <a:buChar char="•"/>
+            </a:pPr>
+            <a:r>
+              <a:rPr lang="sv-SE" sz="2000" dirty="0">
+                <a:solidFill>
+                  <a:schemeClr val="tx1">
+                    <a:lumMod val="65000"/>
+                    <a:lumOff val="35000"/>
+                  </a:schemeClr>
+                </a:solidFill>
+                <a:latin typeface="Gill Sans MT (Body)"/>
+                <a:cs typeface="Times New Roman" panose="02020603050405020304" pitchFamily="18" charset="0"/>
+              </a:rPr>
+              <a:t>Komponenter är återanvändbara strukturer med inkapslade funktionaliteter. Det vill säga element som har html, </a:t>
+            </a:r>
+            <a:r>
+              <a:rPr lang="sv-SE" sz="2000" dirty="0" err="1">
+                <a:solidFill>
+                  <a:schemeClr val="tx1">
+                    <a:lumMod val="65000"/>
+                    <a:lumOff val="35000"/>
+                  </a:schemeClr>
+                </a:solidFill>
+                <a:latin typeface="Gill Sans MT (Body)"/>
+                <a:cs typeface="Times New Roman" panose="02020603050405020304" pitchFamily="18" charset="0"/>
+              </a:rPr>
+              <a:t>css</a:t>
+            </a:r>
+            <a:r>
+              <a:rPr lang="sv-SE" sz="2000" dirty="0">
+                <a:solidFill>
+                  <a:schemeClr val="tx1">
+                    <a:lumMod val="65000"/>
+                    <a:lumOff val="35000"/>
+                  </a:schemeClr>
+                </a:solidFill>
+                <a:latin typeface="Gill Sans MT (Body)"/>
+                <a:cs typeface="Times New Roman" panose="02020603050405020304" pitchFamily="18" charset="0"/>
+              </a:rPr>
+              <a:t> och </a:t>
+            </a:r>
+            <a:r>
+              <a:rPr lang="sv-SE" sz="2000" dirty="0" err="1">
+                <a:solidFill>
+                  <a:schemeClr val="tx1">
+                    <a:lumMod val="65000"/>
+                    <a:lumOff val="35000"/>
+                  </a:schemeClr>
+                </a:solidFill>
+                <a:latin typeface="Gill Sans MT (Body)"/>
+                <a:cs typeface="Times New Roman" panose="02020603050405020304" pitchFamily="18" charset="0"/>
+              </a:rPr>
+              <a:t>javascript</a:t>
+            </a:r>
+            <a:r>
+              <a:rPr lang="sv-SE" sz="2000" dirty="0">
+                <a:solidFill>
+                  <a:schemeClr val="tx1">
+                    <a:lumMod val="65000"/>
+                    <a:lumOff val="35000"/>
+                  </a:schemeClr>
+                </a:solidFill>
+                <a:latin typeface="Gill Sans MT (Body)"/>
+                <a:cs typeface="Times New Roman" panose="02020603050405020304" pitchFamily="18" charset="0"/>
+              </a:rPr>
+              <a:t> inkapslat och som kan vara antingen inom samma komponent eller till och med i andra projekt</a:t>
+            </a:r>
+          </a:p>
+        </p:txBody>
+      </p:sp>
+      <p:sp>
+        <p:nvSpPr>
+          <p:cNvPr id="3" name="Content Placeholder 2">
+            <a:extLst>
+              <a:ext uri="{FF2B5EF4-FFF2-40B4-BE49-F238E27FC236}">
+                <a16:creationId xmlns:a16="http://schemas.microsoft.com/office/drawing/2014/main" id="{BADF4A04-8223-49E2-A410-0D2B9F246536}"/>
+              </a:ext>
+            </a:extLst>
+          </p:cNvPr>
+          <p:cNvSpPr>
+            <a:spLocks noGrp="1"/>
+          </p:cNvSpPr>
+          <p:nvPr>
+            <p:ph idx="1"/>
+          </p:nvPr>
+        </p:nvSpPr>
+        <p:spPr>
+          <a:xfrm>
+            <a:off x="1251678" y="1994071"/>
+            <a:ext cx="6635022" cy="3885521"/>
+          </a:xfrm>
+        </p:spPr>
+        <p:txBody>
+          <a:bodyPr>
+            <a:normAutofit lnSpcReduction="10000"/>
+          </a:bodyPr>
+          <a:lstStyle/>
+          <a:p>
+            <a:r>
+              <a:rPr lang="en-US" sz="1400" b="1" dirty="0" err="1"/>
+              <a:t>node_modules</a:t>
+            </a:r>
+            <a:endParaRPr lang="en-US" sz="1400" b="1" dirty="0"/>
+          </a:p>
+          <a:p>
+            <a:pPr lvl="1"/>
+            <a:r>
+              <a:rPr lang="en-US" sz="1400" dirty="0"/>
+              <a:t>Mapp med </a:t>
+            </a:r>
+            <a:r>
+              <a:rPr lang="en-US" sz="1400" dirty="0" err="1"/>
+              <a:t>alla</a:t>
+            </a:r>
+            <a:r>
+              <a:rPr lang="en-US" sz="1400" dirty="0"/>
+              <a:t> </a:t>
+            </a:r>
+            <a:r>
+              <a:rPr lang="en-US" sz="1400" dirty="0" err="1"/>
+              <a:t>javascript</a:t>
+            </a:r>
+            <a:r>
+              <a:rPr lang="en-US" sz="1400" dirty="0"/>
+              <a:t> </a:t>
+            </a:r>
+            <a:r>
+              <a:rPr lang="en-US" sz="1400" dirty="0" err="1"/>
+              <a:t>bibliotek</a:t>
+            </a:r>
+            <a:r>
+              <a:rPr lang="en-US" sz="1400" dirty="0"/>
+              <a:t> </a:t>
+            </a:r>
+            <a:r>
+              <a:rPr lang="en-US" sz="1400" dirty="0" err="1"/>
+              <a:t>som</a:t>
+            </a:r>
+            <a:r>
+              <a:rPr lang="en-US" sz="1400" dirty="0"/>
+              <a:t> </a:t>
+            </a:r>
+            <a:r>
+              <a:rPr lang="en-US" sz="1400" dirty="0" err="1"/>
+              <a:t>projektet</a:t>
+            </a:r>
+            <a:r>
+              <a:rPr lang="en-US" sz="1400" dirty="0"/>
+              <a:t> </a:t>
+            </a:r>
+            <a:r>
+              <a:rPr lang="en-US" sz="1400" dirty="0" err="1"/>
+              <a:t>är</a:t>
+            </a:r>
+            <a:r>
+              <a:rPr lang="en-US" sz="1400" dirty="0"/>
+              <a:t> </a:t>
+            </a:r>
+            <a:r>
+              <a:rPr lang="en-US" sz="1400" dirty="0" err="1"/>
+              <a:t>beroende</a:t>
+            </a:r>
+            <a:r>
+              <a:rPr lang="en-US" sz="1400" dirty="0"/>
+              <a:t> </a:t>
+            </a:r>
+            <a:r>
+              <a:rPr lang="en-US" sz="1400" dirty="0" err="1"/>
+              <a:t>utav</a:t>
+            </a:r>
+            <a:r>
+              <a:rPr lang="en-US" sz="1400" dirty="0"/>
+              <a:t>, </a:t>
+            </a:r>
+            <a:r>
+              <a:rPr lang="en-US" sz="1400" dirty="0" err="1"/>
+              <a:t>behöver</a:t>
+            </a:r>
+            <a:r>
+              <a:rPr lang="en-US" sz="1400" dirty="0"/>
+              <a:t> </a:t>
+            </a:r>
+            <a:r>
+              <a:rPr lang="en-US" sz="1400" dirty="0" err="1"/>
+              <a:t>alldrig</a:t>
+            </a:r>
+            <a:r>
+              <a:rPr lang="en-US" sz="1400" dirty="0"/>
+              <a:t> </a:t>
+            </a:r>
+            <a:r>
+              <a:rPr lang="en-US" sz="1400" dirty="0" err="1"/>
+              <a:t>ändra</a:t>
+            </a:r>
+            <a:r>
+              <a:rPr lang="en-US" sz="1400" dirty="0"/>
+              <a:t> </a:t>
+            </a:r>
+            <a:r>
+              <a:rPr lang="en-US" sz="1400" dirty="0" err="1"/>
+              <a:t>eller</a:t>
+            </a:r>
+            <a:r>
+              <a:rPr lang="en-US" sz="1400" dirty="0"/>
+              <a:t> </a:t>
+            </a:r>
+            <a:r>
+              <a:rPr lang="en-US" sz="1400" dirty="0" err="1"/>
+              <a:t>pilla</a:t>
+            </a:r>
+            <a:r>
+              <a:rPr lang="en-US" sz="1400" dirty="0"/>
+              <a:t> </a:t>
+            </a:r>
+            <a:r>
+              <a:rPr lang="en-US" sz="1400" dirty="0" err="1"/>
+              <a:t>i</a:t>
+            </a:r>
+            <a:r>
+              <a:rPr lang="en-US" sz="1400" dirty="0"/>
+              <a:t> </a:t>
+            </a:r>
+          </a:p>
+          <a:p>
+            <a:r>
+              <a:rPr lang="en-US" sz="1400" b="1" dirty="0" err="1"/>
+              <a:t>src</a:t>
+            </a:r>
+            <a:endParaRPr lang="en-US" sz="1400" b="1" dirty="0"/>
+          </a:p>
+          <a:p>
+            <a:pPr lvl="1"/>
+            <a:r>
+              <a:rPr lang="en-US" sz="1400" dirty="0" err="1"/>
+              <a:t>Projektets</a:t>
+            </a:r>
+            <a:r>
+              <a:rPr lang="en-US" sz="1400" dirty="0"/>
+              <a:t> </a:t>
+            </a:r>
+            <a:r>
+              <a:rPr lang="en-US" sz="1400" dirty="0" err="1"/>
+              <a:t>viktigaste</a:t>
+            </a:r>
+            <a:r>
+              <a:rPr lang="en-US" sz="1400" dirty="0"/>
+              <a:t> </a:t>
+            </a:r>
+            <a:r>
+              <a:rPr lang="en-US" sz="1400" dirty="0" err="1"/>
+              <a:t>mapp</a:t>
+            </a:r>
+            <a:r>
+              <a:rPr lang="en-US" sz="1400" dirty="0"/>
+              <a:t> </a:t>
+            </a:r>
+            <a:r>
+              <a:rPr lang="en-US" sz="1400" dirty="0" err="1"/>
+              <a:t>där</a:t>
+            </a:r>
+            <a:r>
+              <a:rPr lang="en-US" sz="1400" dirty="0"/>
+              <a:t> all er </a:t>
+            </a:r>
+            <a:r>
+              <a:rPr lang="en-US" sz="1400" dirty="0" err="1"/>
+              <a:t>kod</a:t>
+            </a:r>
+            <a:r>
+              <a:rPr lang="en-US" sz="1400" dirty="0"/>
+              <a:t> </a:t>
+            </a:r>
+            <a:r>
+              <a:rPr lang="en-US" sz="1400" dirty="0" err="1"/>
+              <a:t>och</a:t>
+            </a:r>
+            <a:r>
+              <a:rPr lang="en-US" sz="1400" dirty="0"/>
+              <a:t> </a:t>
+            </a:r>
+            <a:r>
+              <a:rPr lang="en-US" sz="1400" dirty="0" err="1"/>
+              <a:t>komponenter</a:t>
+            </a:r>
+            <a:r>
+              <a:rPr lang="en-US" sz="1400" dirty="0"/>
+              <a:t> </a:t>
+            </a:r>
+            <a:r>
+              <a:rPr lang="en-US" sz="1400" dirty="0" err="1"/>
+              <a:t>kommer</a:t>
+            </a:r>
+            <a:r>
+              <a:rPr lang="en-US" sz="1400" dirty="0"/>
+              <a:t> </a:t>
+            </a:r>
+            <a:r>
+              <a:rPr lang="en-US" sz="1400" dirty="0" err="1"/>
+              <a:t>ligga</a:t>
+            </a:r>
+            <a:r>
+              <a:rPr lang="en-US" sz="1400" dirty="0"/>
+              <a:t>. 99% av </a:t>
+            </a:r>
+            <a:r>
+              <a:rPr lang="en-US" sz="1400" dirty="0" err="1"/>
+              <a:t>tiden</a:t>
+            </a:r>
+            <a:r>
+              <a:rPr lang="en-US" sz="1400" dirty="0"/>
+              <a:t> </a:t>
+            </a:r>
+            <a:r>
+              <a:rPr lang="en-US" sz="1400" dirty="0" err="1"/>
+              <a:t>jobbar</a:t>
+            </a:r>
+            <a:r>
+              <a:rPr lang="en-US" sz="1400" dirty="0"/>
+              <a:t> vi </a:t>
+            </a:r>
+            <a:r>
+              <a:rPr lang="en-US" sz="1400" dirty="0" err="1"/>
+              <a:t>i</a:t>
+            </a:r>
+            <a:r>
+              <a:rPr lang="en-US" sz="1400" dirty="0"/>
+              <a:t> den </a:t>
+            </a:r>
+            <a:r>
+              <a:rPr lang="en-US" sz="1400" dirty="0" err="1"/>
+              <a:t>mappen</a:t>
+            </a:r>
+            <a:r>
+              <a:rPr lang="en-US" sz="1400" dirty="0"/>
+              <a:t>.</a:t>
+            </a:r>
+          </a:p>
+          <a:p>
+            <a:pPr lvl="1"/>
+            <a:r>
+              <a:rPr lang="en-US" sz="1400" b="1" dirty="0"/>
+              <a:t>assets </a:t>
+            </a:r>
+            <a:r>
+              <a:rPr lang="en-US" sz="1400" dirty="0"/>
+              <a:t>– </a:t>
+            </a:r>
+            <a:r>
+              <a:rPr lang="en-US" sz="1400" dirty="0" err="1"/>
+              <a:t>resurser</a:t>
+            </a:r>
+            <a:r>
+              <a:rPr lang="en-US" sz="1400" dirty="0"/>
+              <a:t> </a:t>
+            </a:r>
+            <a:r>
+              <a:rPr lang="en-US" sz="1400" dirty="0" err="1"/>
+              <a:t>som</a:t>
+            </a:r>
+            <a:r>
+              <a:rPr lang="en-US" sz="1400" dirty="0"/>
+              <a:t> man </a:t>
+            </a:r>
+            <a:r>
+              <a:rPr lang="en-US" sz="1400" dirty="0" err="1"/>
+              <a:t>vill</a:t>
+            </a:r>
+            <a:r>
+              <a:rPr lang="en-US" sz="1400" dirty="0"/>
+              <a:t> </a:t>
+            </a:r>
+            <a:r>
+              <a:rPr lang="en-US" sz="1400" dirty="0" err="1"/>
+              <a:t>komma</a:t>
+            </a:r>
+            <a:r>
+              <a:rPr lang="en-US" sz="1400" dirty="0"/>
+              <a:t> </a:t>
+            </a:r>
+            <a:r>
+              <a:rPr lang="en-US" sz="1400" dirty="0" err="1"/>
+              <a:t>åt</a:t>
+            </a:r>
+            <a:r>
+              <a:rPr lang="en-US" sz="1400" dirty="0"/>
+              <a:t> </a:t>
+            </a:r>
+            <a:r>
+              <a:rPr lang="en-US" sz="1400" dirty="0" err="1"/>
+              <a:t>i</a:t>
+            </a:r>
+            <a:r>
+              <a:rPr lang="en-US" sz="1400" dirty="0"/>
+              <a:t> </a:t>
+            </a:r>
+            <a:r>
+              <a:rPr lang="en-US" sz="1400" dirty="0" err="1"/>
+              <a:t>applikationen</a:t>
+            </a:r>
+            <a:r>
+              <a:rPr lang="en-US" sz="1400" dirty="0"/>
+              <a:t> </a:t>
+            </a:r>
+            <a:r>
+              <a:rPr lang="en-US" sz="1400" dirty="0" err="1"/>
+              <a:t>som</a:t>
+            </a:r>
+            <a:r>
+              <a:rPr lang="en-US" sz="1400" dirty="0"/>
+              <a:t> </a:t>
+            </a:r>
+            <a:r>
+              <a:rPr lang="en-US" sz="1400" dirty="0" err="1"/>
+              <a:t>bilder</a:t>
+            </a:r>
+            <a:r>
+              <a:rPr lang="en-US" sz="1400" dirty="0"/>
+              <a:t> </a:t>
+            </a:r>
+            <a:r>
+              <a:rPr lang="en-US" sz="1400" dirty="0" err="1"/>
+              <a:t>osv</a:t>
+            </a:r>
+            <a:r>
+              <a:rPr lang="en-US" sz="1400" dirty="0"/>
+              <a:t>.</a:t>
+            </a:r>
+          </a:p>
+          <a:p>
+            <a:pPr lvl="1"/>
+            <a:r>
+              <a:rPr lang="en-US" sz="1400" b="1" dirty="0"/>
+              <a:t>components </a:t>
+            </a:r>
+            <a:r>
+              <a:rPr lang="en-US" sz="1400" dirty="0"/>
+              <a:t>– </a:t>
+            </a:r>
+            <a:r>
+              <a:rPr lang="en-US" sz="1400" dirty="0" err="1"/>
+              <a:t>där</a:t>
+            </a:r>
+            <a:r>
+              <a:rPr lang="en-US" sz="1400" dirty="0"/>
+              <a:t> man </a:t>
+            </a:r>
+            <a:r>
+              <a:rPr lang="en-US" sz="1400" dirty="0" err="1"/>
+              <a:t>skapar</a:t>
+            </a:r>
+            <a:r>
+              <a:rPr lang="en-US" sz="1400" dirty="0"/>
+              <a:t> </a:t>
+            </a:r>
+            <a:r>
+              <a:rPr lang="en-US" sz="1400" dirty="0" err="1"/>
+              <a:t>sina</a:t>
+            </a:r>
+            <a:r>
+              <a:rPr lang="en-US" sz="1400" dirty="0"/>
+              <a:t> </a:t>
+            </a:r>
+            <a:r>
+              <a:rPr lang="en-US" sz="1400" dirty="0" err="1"/>
+              <a:t>componenter</a:t>
+            </a:r>
+            <a:r>
+              <a:rPr lang="en-US" sz="1400" dirty="0"/>
+              <a:t> om man </a:t>
+            </a:r>
+            <a:r>
+              <a:rPr lang="en-US" sz="1400" dirty="0" err="1"/>
+              <a:t>vill</a:t>
+            </a:r>
+            <a:r>
+              <a:rPr lang="en-US" sz="1400" dirty="0"/>
+              <a:t> </a:t>
+            </a:r>
+            <a:r>
+              <a:rPr lang="en-US" sz="1400" dirty="0" err="1"/>
+              <a:t>inte</a:t>
+            </a:r>
+            <a:r>
+              <a:rPr lang="en-US" sz="1400" dirty="0"/>
+              <a:t> </a:t>
+            </a:r>
+            <a:r>
+              <a:rPr lang="en-US" sz="1400" dirty="0" err="1"/>
+              <a:t>nödvändigt</a:t>
+            </a:r>
+            <a:r>
+              <a:rPr lang="en-US" sz="1400" dirty="0"/>
+              <a:t> </a:t>
+            </a:r>
+            <a:r>
+              <a:rPr lang="en-US" sz="1400" dirty="0" err="1"/>
+              <a:t>så</a:t>
+            </a:r>
+            <a:r>
+              <a:rPr lang="en-US" sz="1400" dirty="0"/>
+              <a:t> </a:t>
+            </a:r>
+            <a:r>
+              <a:rPr lang="en-US" sz="1400" dirty="0" err="1"/>
+              <a:t>länge</a:t>
+            </a:r>
+            <a:r>
+              <a:rPr lang="en-US" sz="1400" dirty="0"/>
+              <a:t> de </a:t>
+            </a:r>
+            <a:r>
+              <a:rPr lang="en-US" sz="1400" dirty="0" err="1"/>
+              <a:t>är</a:t>
+            </a:r>
+            <a:r>
+              <a:rPr lang="en-US" sz="1400" dirty="0"/>
+              <a:t> I </a:t>
+            </a:r>
+            <a:r>
+              <a:rPr lang="en-US" sz="1400" dirty="0" err="1"/>
+              <a:t>src</a:t>
+            </a:r>
+            <a:r>
+              <a:rPr lang="en-US" sz="1400" dirty="0"/>
+              <a:t> </a:t>
+            </a:r>
+            <a:r>
+              <a:rPr lang="en-US" sz="1400" dirty="0" err="1"/>
+              <a:t>mappen</a:t>
+            </a:r>
+            <a:r>
+              <a:rPr lang="en-US" sz="1400" dirty="0"/>
+              <a:t>.</a:t>
+            </a:r>
+          </a:p>
+          <a:p>
+            <a:pPr lvl="1"/>
+            <a:r>
+              <a:rPr lang="en-US" sz="1400" b="1" dirty="0"/>
+              <a:t>main.js </a:t>
+            </a:r>
+            <a:r>
+              <a:rPr lang="en-US" sz="1400" dirty="0"/>
+              <a:t>– </a:t>
+            </a:r>
+            <a:r>
+              <a:rPr lang="en-US" sz="1400" dirty="0" err="1"/>
+              <a:t>där</a:t>
+            </a:r>
+            <a:r>
+              <a:rPr lang="en-US" sz="1400" dirty="0"/>
+              <a:t> </a:t>
+            </a:r>
+            <a:r>
+              <a:rPr lang="en-US" sz="1400" dirty="0" err="1"/>
+              <a:t>applikationen</a:t>
+            </a:r>
+            <a:r>
+              <a:rPr lang="en-US" sz="1400" dirty="0"/>
+              <a:t> </a:t>
+            </a:r>
+            <a:r>
+              <a:rPr lang="en-US" sz="1400" dirty="0" err="1"/>
+              <a:t>initieras</a:t>
+            </a:r>
+            <a:r>
+              <a:rPr lang="en-US" sz="1400" dirty="0"/>
+              <a:t> </a:t>
+            </a:r>
+            <a:r>
+              <a:rPr lang="en-US" sz="1400" dirty="0" err="1"/>
+              <a:t>och</a:t>
+            </a:r>
+            <a:r>
+              <a:rPr lang="en-US" sz="1400" dirty="0"/>
+              <a:t> </a:t>
+            </a:r>
+            <a:r>
+              <a:rPr lang="en-US" sz="1400" dirty="0" err="1"/>
+              <a:t>andra</a:t>
+            </a:r>
+            <a:r>
+              <a:rPr lang="en-US" sz="1400" dirty="0"/>
+              <a:t> </a:t>
+            </a:r>
+            <a:r>
+              <a:rPr lang="en-US" sz="1400" dirty="0" err="1"/>
+              <a:t>beroenden</a:t>
+            </a:r>
+            <a:r>
+              <a:rPr lang="en-US" sz="1400" dirty="0"/>
+              <a:t> </a:t>
+            </a:r>
+            <a:r>
+              <a:rPr lang="en-US" sz="1400" dirty="0" err="1"/>
+              <a:t>som</a:t>
+            </a:r>
+            <a:r>
+              <a:rPr lang="en-US" sz="1400" dirty="0"/>
+              <a:t> </a:t>
+            </a:r>
+            <a:r>
+              <a:rPr lang="en-US" sz="1400" dirty="0" err="1"/>
+              <a:t>applikationen</a:t>
+            </a:r>
+            <a:r>
+              <a:rPr lang="en-US" sz="1400" dirty="0"/>
+              <a:t> </a:t>
+            </a:r>
+            <a:r>
+              <a:rPr lang="en-US" sz="1400" dirty="0" err="1"/>
+              <a:t>använder</a:t>
+            </a:r>
+            <a:r>
+              <a:rPr lang="en-US" sz="1400" dirty="0"/>
+              <a:t>.</a:t>
+            </a:r>
+            <a:endParaRPr lang="en-US" sz="1400" b="1" dirty="0"/>
+          </a:p>
+          <a:p>
+            <a:r>
+              <a:rPr lang="en-US" sz="1400" b="1" dirty="0" err="1"/>
+              <a:t>package.json</a:t>
+            </a:r>
+            <a:endParaRPr lang="en-US" sz="1400" b="1" dirty="0"/>
+          </a:p>
+          <a:p>
+            <a:pPr lvl="1"/>
+            <a:r>
+              <a:rPr lang="en-US" sz="1200" dirty="0" err="1"/>
+              <a:t>Listar</a:t>
+            </a:r>
+            <a:r>
+              <a:rPr lang="en-US" sz="1200" dirty="0"/>
+              <a:t> </a:t>
+            </a:r>
+            <a:r>
+              <a:rPr lang="en-US" sz="1200" dirty="0" err="1"/>
+              <a:t>alla</a:t>
+            </a:r>
+            <a:r>
+              <a:rPr lang="en-US" sz="1200" dirty="0"/>
+              <a:t> </a:t>
+            </a:r>
+            <a:r>
+              <a:rPr lang="en-US" sz="1200" dirty="0" err="1"/>
+              <a:t>javascript</a:t>
+            </a:r>
+            <a:r>
+              <a:rPr lang="en-US" sz="1200" dirty="0"/>
+              <a:t> </a:t>
+            </a:r>
+            <a:r>
+              <a:rPr lang="en-US" sz="1200" dirty="0" err="1"/>
+              <a:t>bibliotek</a:t>
+            </a:r>
+            <a:r>
+              <a:rPr lang="en-US" sz="1200" dirty="0"/>
+              <a:t> </a:t>
+            </a:r>
+            <a:r>
+              <a:rPr lang="en-US" sz="1200" dirty="0" err="1"/>
+              <a:t>som</a:t>
+            </a:r>
+            <a:r>
+              <a:rPr lang="en-US" sz="1200" dirty="0"/>
+              <a:t> </a:t>
+            </a:r>
+            <a:r>
+              <a:rPr lang="en-US" sz="1200" dirty="0" err="1"/>
+              <a:t>projektet</a:t>
+            </a:r>
+            <a:r>
+              <a:rPr lang="en-US" sz="1200" dirty="0"/>
+              <a:t> </a:t>
+            </a:r>
+            <a:r>
+              <a:rPr lang="en-US" sz="1200" dirty="0" err="1"/>
+              <a:t>använder</a:t>
+            </a:r>
+            <a:r>
+              <a:rPr lang="en-US" sz="1200" dirty="0"/>
+              <a:t> sig </a:t>
+            </a:r>
+            <a:r>
+              <a:rPr lang="en-US" sz="1200" dirty="0" err="1"/>
+              <a:t>utav</a:t>
+            </a:r>
+            <a:r>
+              <a:rPr lang="en-US" sz="1200" dirty="0"/>
+              <a:t> </a:t>
+            </a:r>
+            <a:r>
+              <a:rPr lang="en-US" sz="1200" dirty="0" err="1"/>
+              <a:t>och</a:t>
+            </a:r>
+            <a:r>
+              <a:rPr lang="en-US" sz="1200" dirty="0"/>
+              <a:t> </a:t>
+            </a:r>
+            <a:r>
+              <a:rPr lang="en-US" sz="1200" dirty="0" err="1"/>
+              <a:t>en</a:t>
+            </a:r>
+            <a:r>
+              <a:rPr lang="en-US" sz="1200" dirty="0"/>
+              <a:t> del </a:t>
+            </a:r>
+            <a:r>
+              <a:rPr lang="en-US" sz="1200" dirty="0" err="1"/>
+              <a:t>inställningar</a:t>
+            </a:r>
+            <a:r>
+              <a:rPr lang="en-US" sz="1200" dirty="0"/>
+              <a:t> </a:t>
+            </a:r>
+            <a:r>
+              <a:rPr lang="en-US" sz="1200" dirty="0" err="1"/>
+              <a:t>och</a:t>
+            </a:r>
+            <a:r>
+              <a:rPr lang="en-US" sz="1200" dirty="0"/>
+              <a:t> </a:t>
+            </a:r>
+            <a:r>
+              <a:rPr lang="en-US" sz="1200" dirty="0" err="1"/>
+              <a:t>konfigurationer</a:t>
+            </a:r>
+            <a:r>
+              <a:rPr lang="en-US" sz="1200" dirty="0"/>
+              <a:t>.</a:t>
+            </a:r>
+            <a:endParaRPr lang="en-SE" sz="1200" dirty="0"/>
+          </a:p>
+        </p:txBody>
+      </p:sp>
+      <p:pic>
+        <p:nvPicPr>
+          <p:cNvPr id="5" name="Picture 4">
+            <a:extLst>
+              <a:ext uri="{FF2B5EF4-FFF2-40B4-BE49-F238E27FC236}">
+                <a16:creationId xmlns:a16="http://schemas.microsoft.com/office/drawing/2014/main" id="{BE885182-9518-4149-9732-163988920D3F}"/>
+              </a:ext>
+            </a:extLst>
+          </p:cNvPr>
+          <p:cNvPicPr>
+            <a:picLocks noChangeAspect="1"/>
+          </p:cNvPicPr>
+          <p:nvPr/>
+        </p:nvPicPr>
+        <p:blipFill>
+          <a:blip r:embed="rId2"/>
+          <a:stretch>
+            <a:fillRect/>
+          </a:stretch>
+        </p:blipFill>
+        <p:spPr>
+          <a:xfrm>
+            <a:off x="8193404" y="1699631"/>
+            <a:ext cx="2375535" cy="4374461"/>
+          </a:xfrm>
+          <a:prstGeom prst="rect">
+            <a:avLst/>
+          </a:prstGeom>
+        </p:spPr>
+      </p:pic>
+    </p:spTree>
+    <p:extLst>
+      <p:ext uri="{BB962C8B-B14F-4D97-AF65-F5344CB8AC3E}">
+        <p14:creationId xmlns:p14="http://schemas.microsoft.com/office/powerpoint/2010/main" val="1863028339"/>
+      </p:ext>
+    </p:extLst>
+  </p:cSld>
+  <p:clrMapOvr>
+    <a:masterClrMapping/>
+  </p:clrMapOvr>
+</p:sld>
+</file>
+
+<file path=ppt/slides/slide5.xml><?xml version="1.0" encoding="utf-8"?>
 <p:sld xmlns:a="http://schemas.openxmlformats.org/drawingml/2006/main" xmlns:r="http://schemas.openxmlformats.org/officeDocument/2006/relationships" xmlns:p="http://schemas.openxmlformats.org/presentationml/2006/main">
   <p:cSld>
     <p:bg>
@@ -13627,7 +15073,7 @@
 </p:sld>
 </file>
 
-<file path=ppt/slides/slide4.xml><?xml version="1.0" encoding="utf-8"?>
+<file path=ppt/slides/slide6.xml><?xml version="1.0" encoding="utf-8"?>
 <p:sld xmlns:a="http://schemas.openxmlformats.org/drawingml/2006/main" xmlns:r="http://schemas.openxmlformats.org/officeDocument/2006/relationships" xmlns:p="http://schemas.openxmlformats.org/presentationml/2006/main">
   <p:cSld>
     <p:spTree>
@@ -13878,7 +15324,7 @@
 </p:sld>
 </file>
 
-<file path=ppt/slides/slide5.xml><?xml version="1.0" encoding="utf-8"?>
+<file path=ppt/slides/slide7.xml><?xml version="1.0" encoding="utf-8"?>
 <p:sld xmlns:a="http://schemas.openxmlformats.org/drawingml/2006/main" xmlns:r="http://schemas.openxmlformats.org/officeDocument/2006/relationships" xmlns:p="http://schemas.openxmlformats.org/presentationml/2006/main">
   <p:cSld>
     <p:spTree>
@@ -14160,7 +15606,7 @@
 </p:sld>
 </file>
 
-<file path=ppt/slides/slide6.xml><?xml version="1.0" encoding="utf-8"?>
+<file path=ppt/slides/slide8.xml><?xml version="1.0" encoding="utf-8"?>
 <p:sld xmlns:a="http://schemas.openxmlformats.org/drawingml/2006/main" xmlns:r="http://schemas.openxmlformats.org/officeDocument/2006/relationships" xmlns:p="http://schemas.openxmlformats.org/presentationml/2006/main">
   <p:cSld>
     <p:spTree>
@@ -14574,7 +16020,7 @@
 </p:sld>
 </file>
 
-<file path=ppt/slides/slide7.xml><?xml version="1.0" encoding="utf-8"?>
+<file path=ppt/slides/slide9.xml><?xml version="1.0" encoding="utf-8"?>
 <p:sld xmlns:a="http://schemas.openxmlformats.org/drawingml/2006/main" xmlns:r="http://schemas.openxmlformats.org/officeDocument/2006/relationships" xmlns:p="http://schemas.openxmlformats.org/presentationml/2006/main">
   <p:cSld>
     <p:spTree>
@@ -14843,563 +16289,6 @@
     <p:extLst>
       <p:ext uri="{BB962C8B-B14F-4D97-AF65-F5344CB8AC3E}">
         <p14:creationId xmlns:p14="http://schemas.microsoft.com/office/powerpoint/2010/main" val="1986911698"/>
-      </p:ext>
-    </p:extLst>
-  </p:cSld>
-  <p:clrMapOvr>
-    <a:masterClrMapping/>
-  </p:clrMapOvr>
-</p:sld>
-</file>
-
-<file path=ppt/slides/slide8.xml><?xml version="1.0" encoding="utf-8"?>
-<p:sld xmlns:a="http://schemas.openxmlformats.org/drawingml/2006/main" xmlns:r="http://schemas.openxmlformats.org/officeDocument/2006/relationships" xmlns:p="http://schemas.openxmlformats.org/presentationml/2006/main">
-  <p:cSld>
-    <p:spTree>
-      <p:nvGrpSpPr>
-        <p:cNvPr id="1" name=""/>
-        <p:cNvGrpSpPr/>
-        <p:nvPr/>
-      </p:nvGrpSpPr>
-      <p:grpSpPr>
-        <a:xfrm>
-          <a:off x="0" y="0"/>
-          <a:ext cx="0" cy="0"/>
-          <a:chOff x="0" y="0"/>
-          <a:chExt cx="0" cy="0"/>
-        </a:xfrm>
-      </p:grpSpPr>
-      <p:sp>
-        <p:nvSpPr>
-          <p:cNvPr id="2" name="Title 1">
-            <a:extLst>
-              <a:ext uri="{FF2B5EF4-FFF2-40B4-BE49-F238E27FC236}">
-                <a16:creationId xmlns:a16="http://schemas.microsoft.com/office/drawing/2014/main" id="{8EDAE078-3CB3-4D1F-8E4E-75C6D5DA8D1A}"/>
-              </a:ext>
-            </a:extLst>
-          </p:cNvPr>
-          <p:cNvSpPr>
-            <a:spLocks noGrp="1"/>
-          </p:cNvSpPr>
-          <p:nvPr>
-            <p:ph type="title"/>
-          </p:nvPr>
-        </p:nvSpPr>
-        <p:spPr>
-          <a:xfrm>
-            <a:off x="1203434" y="382385"/>
-            <a:ext cx="10893973" cy="596023"/>
-          </a:xfrm>
-        </p:spPr>
-        <p:txBody>
-          <a:bodyPr>
-            <a:normAutofit fontScale="90000"/>
-          </a:bodyPr>
-          <a:lstStyle/>
-          <a:p>
-            <a:pPr algn="ctr"/>
-            <a:r>
-              <a:rPr lang="en-US" sz="4000" dirty="0">
-                <a:latin typeface="Gill Sans MT (Body)"/>
-              </a:rPr>
-              <a:t>Vue.js Hello from group</a:t>
-            </a:r>
-          </a:p>
-        </p:txBody>
-      </p:sp>
-      <p:sp>
-        <p:nvSpPr>
-          <p:cNvPr id="3" name="Content Placeholder 2">
-            <a:extLst>
-              <a:ext uri="{FF2B5EF4-FFF2-40B4-BE49-F238E27FC236}">
-                <a16:creationId xmlns:a16="http://schemas.microsoft.com/office/drawing/2014/main" id="{6797BDE5-A8BD-4286-8221-21664A41BD79}"/>
-              </a:ext>
-            </a:extLst>
-          </p:cNvPr>
-          <p:cNvSpPr>
-            <a:spLocks noGrp="1"/>
-          </p:cNvSpPr>
-          <p:nvPr>
-            <p:ph idx="1"/>
-          </p:nvPr>
-        </p:nvSpPr>
-        <p:spPr>
-          <a:xfrm>
-            <a:off x="1444183" y="1085228"/>
-            <a:ext cx="10178322" cy="5508077"/>
-          </a:xfrm>
-        </p:spPr>
-        <p:txBody>
-          <a:bodyPr>
-            <a:normAutofit/>
-          </a:bodyPr>
-          <a:lstStyle/>
-          <a:p>
-            <a:r>
-              <a:rPr lang="sv-SE" sz="2800" dirty="0">
-                <a:latin typeface="Gill Sans MT (Body)"/>
-                <a:cs typeface="Times New Roman" panose="02020603050405020304" pitchFamily="18" charset="0"/>
-              </a:rPr>
-              <a:t>Gör första övningen på Vue.js</a:t>
-            </a:r>
-          </a:p>
-          <a:p>
-            <a:r>
-              <a:rPr lang="sv-SE" sz="2800" dirty="0">
-                <a:latin typeface="Gill Sans MT (Body)"/>
-                <a:cs typeface="Times New Roman" panose="02020603050405020304" pitchFamily="18" charset="0"/>
-                <a:hlinkClick r:id="rId2"/>
-              </a:rPr>
-              <a:t>Övning1-Hello From </a:t>
-            </a:r>
-            <a:r>
-              <a:rPr lang="sv-SE" sz="2800" dirty="0" err="1">
-                <a:latin typeface="Gill Sans MT (Body)"/>
-                <a:cs typeface="Times New Roman" panose="02020603050405020304" pitchFamily="18" charset="0"/>
-                <a:hlinkClick r:id="rId2"/>
-              </a:rPr>
-              <a:t>GroupX</a:t>
-            </a:r>
-            <a:endParaRPr lang="sv-SE" sz="2800" dirty="0">
-              <a:latin typeface="Gill Sans MT (Body)"/>
-              <a:cs typeface="Times New Roman" panose="02020603050405020304" pitchFamily="18" charset="0"/>
-            </a:endParaRPr>
-          </a:p>
-        </p:txBody>
-      </p:sp>
-    </p:spTree>
-    <p:extLst>
-      <p:ext uri="{BB962C8B-B14F-4D97-AF65-F5344CB8AC3E}">
-        <p14:creationId xmlns:p14="http://schemas.microsoft.com/office/powerpoint/2010/main" val="3981506867"/>
-      </p:ext>
-    </p:extLst>
-  </p:cSld>
-  <p:clrMapOvr>
-    <a:masterClrMapping/>
-  </p:clrMapOvr>
-</p:sld>
-</file>
-
-<file path=ppt/slides/slide9.xml><?xml version="1.0" encoding="utf-8"?>
-<p:sld xmlns:a="http://schemas.openxmlformats.org/drawingml/2006/main" xmlns:r="http://schemas.openxmlformats.org/officeDocument/2006/relationships" xmlns:p="http://schemas.openxmlformats.org/presentationml/2006/main">
-  <p:cSld>
-    <p:spTree>
-      <p:nvGrpSpPr>
-        <p:cNvPr id="1" name=""/>
-        <p:cNvGrpSpPr/>
-        <p:nvPr/>
-      </p:nvGrpSpPr>
-      <p:grpSpPr>
-        <a:xfrm>
-          <a:off x="0" y="0"/>
-          <a:ext cx="0" cy="0"/>
-          <a:chOff x="0" y="0"/>
-          <a:chExt cx="0" cy="0"/>
-        </a:xfrm>
-      </p:grpSpPr>
-      <p:sp>
-        <p:nvSpPr>
-          <p:cNvPr id="2" name="Title 1">
-            <a:extLst>
-              <a:ext uri="{FF2B5EF4-FFF2-40B4-BE49-F238E27FC236}">
-                <a16:creationId xmlns:a16="http://schemas.microsoft.com/office/drawing/2014/main" id="{8EDAE078-3CB3-4D1F-8E4E-75C6D5DA8D1A}"/>
-              </a:ext>
-            </a:extLst>
-          </p:cNvPr>
-          <p:cNvSpPr>
-            <a:spLocks noGrp="1"/>
-          </p:cNvSpPr>
-          <p:nvPr>
-            <p:ph type="title"/>
-          </p:nvPr>
-        </p:nvSpPr>
-        <p:spPr>
-          <a:xfrm>
-            <a:off x="1203434" y="382385"/>
-            <a:ext cx="10893973" cy="596023"/>
-          </a:xfrm>
-        </p:spPr>
-        <p:txBody>
-          <a:bodyPr>
-            <a:normAutofit fontScale="90000"/>
-          </a:bodyPr>
-          <a:lstStyle/>
-          <a:p>
-            <a:pPr algn="ctr"/>
-            <a:r>
-              <a:rPr lang="en-US" sz="4000" dirty="0" err="1">
-                <a:latin typeface="Gill Sans MT (Body)"/>
-              </a:rPr>
-              <a:t>Eventhantering</a:t>
-            </a:r>
-            <a:r>
-              <a:rPr lang="en-US" sz="4000" dirty="0">
-                <a:latin typeface="Gill Sans MT (Body)"/>
-              </a:rPr>
-              <a:t> - user input</a:t>
-            </a:r>
-          </a:p>
-        </p:txBody>
-      </p:sp>
-      <p:pic>
-        <p:nvPicPr>
-          <p:cNvPr id="4" name="Content Placeholder 3">
-            <a:extLst>
-              <a:ext uri="{FF2B5EF4-FFF2-40B4-BE49-F238E27FC236}">
-                <a16:creationId xmlns:a16="http://schemas.microsoft.com/office/drawing/2014/main" id="{0436265C-B557-4139-9ABD-4647B2029AF8}"/>
-              </a:ext>
-            </a:extLst>
-          </p:cNvPr>
-          <p:cNvPicPr>
-            <a:picLocks noGrp="1" noChangeAspect="1"/>
-          </p:cNvPicPr>
-          <p:nvPr>
-            <p:ph idx="1"/>
-          </p:nvPr>
-        </p:nvPicPr>
-        <p:blipFill>
-          <a:blip r:embed="rId2"/>
-          <a:stretch>
-            <a:fillRect/>
-          </a:stretch>
-        </p:blipFill>
-        <p:spPr>
-          <a:xfrm>
-            <a:off x="2033609" y="2260837"/>
-            <a:ext cx="4748733" cy="3867595"/>
-          </a:xfrm>
-          <a:prstGeom prst="rect">
-            <a:avLst/>
-          </a:prstGeom>
-        </p:spPr>
-      </p:pic>
-      <p:pic>
-        <p:nvPicPr>
-          <p:cNvPr id="5" name="Picture 4">
-            <a:extLst>
-              <a:ext uri="{FF2B5EF4-FFF2-40B4-BE49-F238E27FC236}">
-                <a16:creationId xmlns:a16="http://schemas.microsoft.com/office/drawing/2014/main" id="{3A97DDD1-98A3-4F71-BB59-E0A57287A446}"/>
-              </a:ext>
-            </a:extLst>
-          </p:cNvPr>
-          <p:cNvPicPr>
-            <a:picLocks noChangeAspect="1"/>
-          </p:cNvPicPr>
-          <p:nvPr/>
-        </p:nvPicPr>
-        <p:blipFill>
-          <a:blip r:embed="rId3"/>
-          <a:stretch>
-            <a:fillRect/>
-          </a:stretch>
-        </p:blipFill>
-        <p:spPr>
-          <a:xfrm>
-            <a:off x="2033609" y="6128432"/>
-            <a:ext cx="3328662" cy="694366"/>
-          </a:xfrm>
-          <a:prstGeom prst="rect">
-            <a:avLst/>
-          </a:prstGeom>
-        </p:spPr>
-      </p:pic>
-      <p:pic>
-        <p:nvPicPr>
-          <p:cNvPr id="7" name="Picture 6">
-            <a:extLst>
-              <a:ext uri="{FF2B5EF4-FFF2-40B4-BE49-F238E27FC236}">
-                <a16:creationId xmlns:a16="http://schemas.microsoft.com/office/drawing/2014/main" id="{25851527-5032-46AA-8462-EBC61213577F}"/>
-              </a:ext>
-            </a:extLst>
-          </p:cNvPr>
-          <p:cNvPicPr>
-            <a:picLocks noChangeAspect="1"/>
-          </p:cNvPicPr>
-          <p:nvPr/>
-        </p:nvPicPr>
-        <p:blipFill>
-          <a:blip r:embed="rId4"/>
-          <a:stretch>
-            <a:fillRect/>
-          </a:stretch>
-        </p:blipFill>
-        <p:spPr>
-          <a:xfrm>
-            <a:off x="7287639" y="2260837"/>
-            <a:ext cx="3448050" cy="3533775"/>
-          </a:xfrm>
-          <a:prstGeom prst="rect">
-            <a:avLst/>
-          </a:prstGeom>
-        </p:spPr>
-      </p:pic>
-      <p:sp>
-        <p:nvSpPr>
-          <p:cNvPr id="6" name="TextBox 5">
-            <a:extLst>
-              <a:ext uri="{FF2B5EF4-FFF2-40B4-BE49-F238E27FC236}">
-                <a16:creationId xmlns:a16="http://schemas.microsoft.com/office/drawing/2014/main" id="{143E6AC4-0354-4434-83B4-69ED984BB1C6}"/>
-              </a:ext>
-            </a:extLst>
-          </p:cNvPr>
-          <p:cNvSpPr txBox="1"/>
-          <p:nvPr/>
-        </p:nvSpPr>
-        <p:spPr>
-          <a:xfrm>
-            <a:off x="1359017" y="874053"/>
-            <a:ext cx="10494627" cy="1477328"/>
-          </a:xfrm>
-          <a:prstGeom prst="rect">
-            <a:avLst/>
-          </a:prstGeom>
-          <a:noFill/>
-        </p:spPr>
-        <p:txBody>
-          <a:bodyPr wrap="square" rtlCol="0">
-            <a:spAutoFit/>
-          </a:bodyPr>
-          <a:lstStyle/>
-          <a:p>
-            <a:pPr marL="285750" indent="-285750">
-              <a:buFont typeface="Arial" panose="020B0604020202020204" pitchFamily="34" charset="0"/>
-              <a:buChar char="•"/>
-            </a:pPr>
-            <a:r>
-              <a:rPr lang="sv-SE" dirty="0" err="1">
-                <a:solidFill>
-                  <a:schemeClr val="tx2">
-                    <a:lumMod val="75000"/>
-                    <a:lumOff val="25000"/>
-                  </a:schemeClr>
-                </a:solidFill>
-              </a:rPr>
-              <a:t>v-on:event-namn</a:t>
-            </a:r>
-            <a:r>
-              <a:rPr lang="sv-SE" dirty="0">
-                <a:solidFill>
-                  <a:schemeClr val="tx2">
-                    <a:lumMod val="75000"/>
-                    <a:lumOff val="25000"/>
-                  </a:schemeClr>
-                </a:solidFill>
-              </a:rPr>
-              <a:t> </a:t>
-            </a:r>
-            <a:r>
-              <a:rPr lang="sv-SE" dirty="0">
-                <a:solidFill>
-                  <a:schemeClr val="tx1">
-                    <a:lumMod val="65000"/>
-                    <a:lumOff val="35000"/>
-                  </a:schemeClr>
-                </a:solidFill>
-              </a:rPr>
-              <a:t>direktivet används för att applicera event på element. Direktivet kan </a:t>
-            </a:r>
-            <a:r>
-              <a:rPr lang="sv-SE" dirty="0" err="1">
-                <a:solidFill>
-                  <a:schemeClr val="tx1">
-                    <a:lumMod val="65000"/>
-                    <a:lumOff val="35000"/>
-                  </a:schemeClr>
-                </a:solidFill>
-              </a:rPr>
-              <a:t>forkortas</a:t>
-            </a:r>
-            <a:r>
-              <a:rPr lang="sv-SE" dirty="0">
-                <a:solidFill>
-                  <a:schemeClr val="tx1">
-                    <a:lumMod val="65000"/>
-                    <a:lumOff val="35000"/>
-                  </a:schemeClr>
-                </a:solidFill>
-              </a:rPr>
-              <a:t> ytterligare med </a:t>
-            </a:r>
-            <a:r>
-              <a:rPr lang="sv-SE" dirty="0">
-                <a:solidFill>
-                  <a:schemeClr val="tx2">
-                    <a:lumMod val="75000"/>
-                    <a:lumOff val="25000"/>
-                  </a:schemeClr>
-                </a:solidFill>
-              </a:rPr>
-              <a:t>@event-namn</a:t>
-            </a:r>
-            <a:r>
-              <a:rPr lang="sv-SE" dirty="0">
-                <a:solidFill>
-                  <a:schemeClr val="tx1">
-                    <a:lumMod val="65000"/>
-                    <a:lumOff val="35000"/>
-                  </a:schemeClr>
-                </a:solidFill>
-              </a:rPr>
-              <a:t>.</a:t>
-            </a:r>
-          </a:p>
-          <a:p>
-            <a:pPr marL="285750" indent="-285750">
-              <a:buFont typeface="Arial" panose="020B0604020202020204" pitchFamily="34" charset="0"/>
-              <a:buChar char="•"/>
-            </a:pPr>
-            <a:endParaRPr lang="sv-SE" dirty="0">
-              <a:solidFill>
-                <a:schemeClr val="tx1">
-                  <a:lumMod val="65000"/>
-                  <a:lumOff val="35000"/>
-                </a:schemeClr>
-              </a:solidFill>
-            </a:endParaRPr>
-          </a:p>
-          <a:p>
-            <a:pPr marL="285750" indent="-285750">
-              <a:buFont typeface="Arial" panose="020B0604020202020204" pitchFamily="34" charset="0"/>
-              <a:buChar char="•"/>
-            </a:pPr>
-            <a:r>
-              <a:rPr lang="sv-SE" dirty="0">
-                <a:solidFill>
-                  <a:schemeClr val="tx1">
-                    <a:lumMod val="65000"/>
-                    <a:lumOff val="35000"/>
-                  </a:schemeClr>
-                </a:solidFill>
-              </a:rPr>
-              <a:t>Vanligaste eventet är en knapp-tryckning/klick </a:t>
-            </a:r>
-            <a:r>
-              <a:rPr lang="sv-SE" dirty="0" err="1">
-                <a:solidFill>
-                  <a:schemeClr val="tx2">
-                    <a:lumMod val="75000"/>
-                    <a:lumOff val="25000"/>
-                  </a:schemeClr>
-                </a:solidFill>
-              </a:rPr>
-              <a:t>v-on:click</a:t>
-            </a:r>
-            <a:r>
-              <a:rPr lang="sv-SE" dirty="0">
-                <a:solidFill>
-                  <a:schemeClr val="tx2">
-                    <a:lumMod val="75000"/>
-                    <a:lumOff val="25000"/>
-                  </a:schemeClr>
-                </a:solidFill>
-              </a:rPr>
-              <a:t>=”</a:t>
-            </a:r>
-            <a:r>
-              <a:rPr lang="sv-SE" dirty="0" err="1">
-                <a:solidFill>
-                  <a:schemeClr val="tx2">
-                    <a:lumMod val="75000"/>
-                    <a:lumOff val="25000"/>
-                  </a:schemeClr>
-                </a:solidFill>
-              </a:rPr>
-              <a:t>method</a:t>
-            </a:r>
-            <a:r>
-              <a:rPr lang="sv-SE" dirty="0">
-                <a:solidFill>
-                  <a:schemeClr val="tx2">
-                    <a:lumMod val="75000"/>
-                    <a:lumOff val="25000"/>
-                  </a:schemeClr>
-                </a:solidFill>
-              </a:rPr>
-              <a:t>”</a:t>
-            </a:r>
-            <a:r>
-              <a:rPr lang="sv-SE" dirty="0">
-                <a:solidFill>
-                  <a:schemeClr val="tx1">
-                    <a:lumMod val="65000"/>
-                    <a:lumOff val="35000"/>
-                  </a:schemeClr>
-                </a:solidFill>
-              </a:rPr>
-              <a:t> alternativt </a:t>
-            </a:r>
-            <a:r>
-              <a:rPr lang="sv-SE" dirty="0">
-                <a:solidFill>
-                  <a:schemeClr val="tx2">
-                    <a:lumMod val="75000"/>
-                    <a:lumOff val="25000"/>
-                  </a:schemeClr>
-                </a:solidFill>
-              </a:rPr>
-              <a:t>@</a:t>
-            </a:r>
-            <a:r>
-              <a:rPr lang="sv-SE" dirty="0" err="1">
-                <a:solidFill>
-                  <a:schemeClr val="tx2">
-                    <a:lumMod val="75000"/>
-                    <a:lumOff val="25000"/>
-                  </a:schemeClr>
-                </a:solidFill>
-              </a:rPr>
-              <a:t>click</a:t>
-            </a:r>
-            <a:r>
-              <a:rPr lang="sv-SE" dirty="0">
-                <a:solidFill>
-                  <a:schemeClr val="tx2">
-                    <a:lumMod val="75000"/>
-                    <a:lumOff val="25000"/>
-                  </a:schemeClr>
-                </a:solidFill>
-              </a:rPr>
-              <a:t>=”</a:t>
-            </a:r>
-            <a:r>
-              <a:rPr lang="sv-SE" dirty="0" err="1">
-                <a:solidFill>
-                  <a:schemeClr val="tx2">
-                    <a:lumMod val="75000"/>
-                    <a:lumOff val="25000"/>
-                  </a:schemeClr>
-                </a:solidFill>
-              </a:rPr>
-              <a:t>method</a:t>
-            </a:r>
-            <a:r>
-              <a:rPr lang="sv-SE" dirty="0">
-                <a:solidFill>
-                  <a:schemeClr val="tx2">
-                    <a:lumMod val="75000"/>
-                    <a:lumOff val="25000"/>
-                  </a:schemeClr>
-                </a:solidFill>
-              </a:rPr>
-              <a:t>”.</a:t>
-            </a:r>
-          </a:p>
-          <a:p>
-            <a:endParaRPr lang="sv-SE" dirty="0">
-              <a:solidFill>
-                <a:schemeClr val="tx1">
-                  <a:lumMod val="65000"/>
-                  <a:lumOff val="35000"/>
-                </a:schemeClr>
-              </a:solidFill>
-            </a:endParaRPr>
-          </a:p>
-        </p:txBody>
-      </p:sp>
-    </p:spTree>
-    <p:extLst>
-      <p:ext uri="{BB962C8B-B14F-4D97-AF65-F5344CB8AC3E}">
-        <p14:creationId xmlns:p14="http://schemas.microsoft.com/office/powerpoint/2010/main" val="1072623882"/>
       </p:ext>
     </p:extLst>
   </p:cSld>
@@ -16260,15 +17149,6 @@
 </file>
 
 <file path=customXml/item1.xml><?xml version="1.0" encoding="utf-8"?>
-<?mso-contentType ?>
-<FormTemplates xmlns="http://schemas.microsoft.com/sharepoint/v3/contenttype/forms">
-  <Display>DocumentLibraryForm</Display>
-  <Edit>DocumentLibraryForm</Edit>
-  <New>DocumentLibraryForm</New>
-</FormTemplates>
-</file>
-
-<file path=customXml/item2.xml><?xml version="1.0" encoding="utf-8"?>
 <ct:contentTypeSchema xmlns:ct="http://schemas.microsoft.com/office/2006/metadata/contentType" xmlns:ma="http://schemas.microsoft.com/office/2006/metadata/properties/metaAttributes" ct:_="" ma:_="" ma:contentTypeName="Document" ma:contentTypeID="0x01010079F111ED35F8CC479449609E8A0923A6" ma:contentTypeVersion="11" ma:contentTypeDescription="Create a new document." ma:contentTypeScope="" ma:versionID="96291512c1ee715ab617f4c07df79fc1">
   <xsd:schema xmlns:xsd="http://www.w3.org/2001/XMLSchema" xmlns:xs="http://www.w3.org/2001/XMLSchema" xmlns:p="http://schemas.microsoft.com/office/2006/metadata/properties" xmlns:ns2="71af3243-3dd4-4a8d-8c0d-dd76da1f02a5" xmlns:ns3="16c05727-aa75-4e4a-9b5f-8a80a1165891" targetNamespace="http://schemas.microsoft.com/office/2006/metadata/properties" ma:root="true" ma:fieldsID="8256c27c40ca5c40ce1cf6c44f0205df" ns2:_="" ns3:_="">
     <xsd:import namespace="71af3243-3dd4-4a8d-8c0d-dd76da1f02a5"/>
@@ -16479,6 +17359,15 @@
 </ct:contentTypeSchema>
 </file>
 
+<file path=customXml/item2.xml><?xml version="1.0" encoding="utf-8"?>
+<?mso-contentType ?>
+<FormTemplates xmlns="http://schemas.microsoft.com/sharepoint/v3/contenttype/forms">
+  <Display>DocumentLibraryForm</Display>
+  <Edit>DocumentLibraryForm</Edit>
+  <New>DocumentLibraryForm</New>
+</FormTemplates>
+</file>
+
 <file path=customXml/item3.xml><?xml version="1.0" encoding="utf-8"?>
 <p:properties xmlns:p="http://schemas.microsoft.com/office/2006/metadata/properties" xmlns:xsi="http://www.w3.org/2001/XMLSchema-instance" xmlns:pc="http://schemas.microsoft.com/office/infopath/2007/PartnerControls">
   <documentManagement>
@@ -16488,14 +17377,6 @@
 </file>
 
 <file path=customXml/itemProps1.xml><?xml version="1.0" encoding="utf-8"?>
-<ds:datastoreItem xmlns:ds="http://schemas.openxmlformats.org/officeDocument/2006/customXml" ds:itemID="{52D0167F-E486-4F9B-83E2-993954E11F03}">
-  <ds:schemaRefs>
-    <ds:schemaRef ds:uri="http://schemas.microsoft.com/sharepoint/v3/contenttype/forms"/>
-  </ds:schemaRefs>
-</ds:datastoreItem>
-</file>
-
-<file path=customXml/itemProps2.xml><?xml version="1.0" encoding="utf-8"?>
 <ds:datastoreItem xmlns:ds="http://schemas.openxmlformats.org/officeDocument/2006/customXml" ds:itemID="{15A714DE-2D72-4B69-B5D2-B9FD4274177E}">
   <ds:schemaRefs>
     <ds:schemaRef ds:uri="http://schemas.microsoft.com/office/2006/metadata/contentType"/>
@@ -16514,6 +17395,14 @@
 </ds:datastoreItem>
 </file>
 
+<file path=customXml/itemProps2.xml><?xml version="1.0" encoding="utf-8"?>
+<ds:datastoreItem xmlns:ds="http://schemas.openxmlformats.org/officeDocument/2006/customXml" ds:itemID="{52D0167F-E486-4F9B-83E2-993954E11F03}">
+  <ds:schemaRefs>
+    <ds:schemaRef ds:uri="http://schemas.microsoft.com/sharepoint/v3/contenttype/forms"/>
+  </ds:schemaRefs>
+</ds:datastoreItem>
+</file>
+
 <file path=customXml/itemProps3.xml><?xml version="1.0" encoding="utf-8"?>
 <ds:datastoreItem xmlns:ds="http://schemas.openxmlformats.org/officeDocument/2006/customXml" ds:itemID="{BDB3E54F-9BB9-4821-81E3-A4EFEC7BD0AD}">
   <ds:schemaRefs>

--- a/Vue/Vue.pptx
+++ b/Vue/Vue.pptx
@@ -5,10 +5,10 @@
     <p:sldMasterId id="2147483660" r:id="rId4"/>
   </p:sldMasterIdLst>
   <p:notesMasterIdLst>
-    <p:notesMasterId r:id="rId27"/>
+    <p:notesMasterId r:id="rId26"/>
   </p:notesMasterIdLst>
   <p:handoutMasterIdLst>
-    <p:handoutMasterId r:id="rId28"/>
+    <p:handoutMasterId r:id="rId27"/>
   </p:handoutMasterIdLst>
   <p:sldIdLst>
     <p:sldId id="256" r:id="rId5"/>
@@ -20,19 +20,18 @@
     <p:sldId id="277" r:id="rId11"/>
     <p:sldId id="281" r:id="rId12"/>
     <p:sldId id="282" r:id="rId13"/>
-    <p:sldId id="268" r:id="rId14"/>
-    <p:sldId id="284" r:id="rId15"/>
-    <p:sldId id="285" r:id="rId16"/>
-    <p:sldId id="287" r:id="rId17"/>
-    <p:sldId id="289" r:id="rId18"/>
-    <p:sldId id="291" r:id="rId19"/>
-    <p:sldId id="293" r:id="rId20"/>
-    <p:sldId id="298" r:id="rId21"/>
-    <p:sldId id="292" r:id="rId22"/>
-    <p:sldId id="294" r:id="rId23"/>
-    <p:sldId id="295" r:id="rId24"/>
-    <p:sldId id="297" r:id="rId25"/>
-    <p:sldId id="299" r:id="rId26"/>
+    <p:sldId id="284" r:id="rId14"/>
+    <p:sldId id="285" r:id="rId15"/>
+    <p:sldId id="287" r:id="rId16"/>
+    <p:sldId id="289" r:id="rId17"/>
+    <p:sldId id="291" r:id="rId18"/>
+    <p:sldId id="293" r:id="rId19"/>
+    <p:sldId id="298" r:id="rId20"/>
+    <p:sldId id="292" r:id="rId21"/>
+    <p:sldId id="294" r:id="rId22"/>
+    <p:sldId id="295" r:id="rId23"/>
+    <p:sldId id="297" r:id="rId24"/>
+    <p:sldId id="299" r:id="rId25"/>
   </p:sldIdLst>
   <p:sldSz cx="12192000" cy="6858000"/>
   <p:notesSz cx="6858000" cy="9144000"/>
@@ -236,7 +235,7 @@
           <a:p>
             <a:fld id="{18E9A1B5-1BE4-4CD6-80C4-143959F034D3}" type="datetimeFigureOut">
               <a:rPr lang="en-US" smtClean="0"/>
-              <a:t>11/10/2021</a:t>
+              <a:t>11/11/2021</a:t>
             </a:fld>
             <a:endParaRPr lang="en-US" dirty="0"/>
           </a:p>
@@ -413,7 +412,7 @@
           <a:p>
             <a:fld id="{D8E6120A-21AF-4F12-ABAA-66A70823631B}" type="datetimeFigureOut">
               <a:rPr lang="en-US" smtClean="0"/>
-              <a:t>11/10/2021</a:t>
+              <a:t>11/11/2021</a:t>
             </a:fld>
             <a:endParaRPr lang="en-US" dirty="0"/>
           </a:p>
@@ -1891,7 +1890,7 @@
           <a:p>
             <a:fld id="{EF63B152-7103-4FFE-90AC-D94EB7F44A7E}" type="datetimeFigureOut">
               <a:rPr lang="en-US" smtClean="0"/>
-              <a:t>11/10/2021</a:t>
+              <a:t>11/11/2021</a:t>
             </a:fld>
             <a:endParaRPr lang="en-US" dirty="0"/>
           </a:p>
@@ -2129,7 +2128,7 @@
           <a:p>
             <a:fld id="{EF63B152-7103-4FFE-90AC-D94EB7F44A7E}" type="datetimeFigureOut">
               <a:rPr lang="en-US" smtClean="0"/>
-              <a:t>11/10/2021</a:t>
+              <a:t>11/11/2021</a:t>
             </a:fld>
             <a:endParaRPr lang="en-US" dirty="0"/>
           </a:p>
@@ -2309,7 +2308,7 @@
           <a:p>
             <a:fld id="{EF63B152-7103-4FFE-90AC-D94EB7F44A7E}" type="datetimeFigureOut">
               <a:rPr lang="en-US" smtClean="0"/>
-              <a:t>11/10/2021</a:t>
+              <a:t>11/11/2021</a:t>
             </a:fld>
             <a:endParaRPr lang="en-US" dirty="0"/>
           </a:p>
@@ -2479,7 +2478,7 @@
           <a:p>
             <a:fld id="{EF63B152-7103-4FFE-90AC-D94EB7F44A7E}" type="datetimeFigureOut">
               <a:rPr lang="en-US" smtClean="0"/>
-              <a:t>11/10/2021</a:t>
+              <a:t>11/11/2021</a:t>
             </a:fld>
             <a:endParaRPr lang="en-US" dirty="0"/>
           </a:p>
@@ -2755,7 +2754,7 @@
           <a:p>
             <a:fld id="{EF63B152-7103-4FFE-90AC-D94EB7F44A7E}" type="datetimeFigureOut">
               <a:rPr lang="en-US" smtClean="0"/>
-              <a:t>11/10/2021</a:t>
+              <a:t>11/11/2021</a:t>
             </a:fld>
             <a:endParaRPr lang="en-US" dirty="0"/>
           </a:p>
@@ -3956,7 +3955,7 @@
           <a:p>
             <a:fld id="{EF63B152-7103-4FFE-90AC-D94EB7F44A7E}" type="datetimeFigureOut">
               <a:rPr lang="en-US" smtClean="0"/>
-              <a:t>11/10/2021</a:t>
+              <a:t>11/11/2021</a:t>
             </a:fld>
             <a:endParaRPr lang="en-US" dirty="0"/>
           </a:p>
@@ -4346,7 +4345,7 @@
           <a:p>
             <a:fld id="{EF63B152-7103-4FFE-90AC-D94EB7F44A7E}" type="datetimeFigureOut">
               <a:rPr lang="en-US" smtClean="0"/>
-              <a:t>11/10/2021</a:t>
+              <a:t>11/11/2021</a:t>
             </a:fld>
             <a:endParaRPr lang="en-US" dirty="0"/>
           </a:p>
@@ -4469,7 +4468,7 @@
           <a:p>
             <a:fld id="{EF63B152-7103-4FFE-90AC-D94EB7F44A7E}" type="datetimeFigureOut">
               <a:rPr lang="en-US" smtClean="0"/>
-              <a:t>11/10/2021</a:t>
+              <a:t>11/11/2021</a:t>
             </a:fld>
             <a:endParaRPr lang="en-US" dirty="0"/>
           </a:p>
@@ -4564,7 +4563,7 @@
           <a:p>
             <a:fld id="{EF63B152-7103-4FFE-90AC-D94EB7F44A7E}" type="datetimeFigureOut">
               <a:rPr lang="en-US" smtClean="0"/>
-              <a:t>11/10/2021</a:t>
+              <a:t>11/11/2021</a:t>
             </a:fld>
             <a:endParaRPr lang="en-US" dirty="0"/>
           </a:p>
@@ -5327,7 +5326,7 @@
           <a:p>
             <a:fld id="{EF63B152-7103-4FFE-90AC-D94EB7F44A7E}" type="datetimeFigureOut">
               <a:rPr lang="en-US" smtClean="0"/>
-              <a:t>11/10/2021</a:t>
+              <a:t>11/11/2021</a:t>
             </a:fld>
             <a:endParaRPr lang="en-US" dirty="0"/>
           </a:p>
@@ -6167,7 +6166,7 @@
           <a:p>
             <a:fld id="{EF63B152-7103-4FFE-90AC-D94EB7F44A7E}" type="datetimeFigureOut">
               <a:rPr lang="en-US" smtClean="0"/>
-              <a:t>11/10/2021</a:t>
+              <a:t>11/11/2021</a:t>
             </a:fld>
             <a:endParaRPr lang="en-US" dirty="0"/>
           </a:p>
@@ -6394,7 +6393,7 @@
           <a:p>
             <a:fld id="{EF63B152-7103-4FFE-90AC-D94EB7F44A7E}" type="datetimeFigureOut">
               <a:rPr lang="en-US" smtClean="0"/>
-              <a:t>11/10/2021</a:t>
+              <a:t>11/11/2021</a:t>
             </a:fld>
             <a:endParaRPr lang="en-US" dirty="0"/>
           </a:p>
@@ -7563,134 +7562,6 @@
           <a:p>
             <a:pPr algn="ctr"/>
             <a:r>
-              <a:rPr lang="en-US" sz="4000" dirty="0">
-                <a:latin typeface="Gill Sans MT (Body)"/>
-              </a:rPr>
-              <a:t>Vue.js Hello from group</a:t>
-            </a:r>
-          </a:p>
-        </p:txBody>
-      </p:sp>
-      <p:sp>
-        <p:nvSpPr>
-          <p:cNvPr id="3" name="Content Placeholder 2">
-            <a:extLst>
-              <a:ext uri="{FF2B5EF4-FFF2-40B4-BE49-F238E27FC236}">
-                <a16:creationId xmlns:a16="http://schemas.microsoft.com/office/drawing/2014/main" id="{6797BDE5-A8BD-4286-8221-21664A41BD79}"/>
-              </a:ext>
-            </a:extLst>
-          </p:cNvPr>
-          <p:cNvSpPr>
-            <a:spLocks noGrp="1"/>
-          </p:cNvSpPr>
-          <p:nvPr>
-            <p:ph idx="1"/>
-          </p:nvPr>
-        </p:nvSpPr>
-        <p:spPr>
-          <a:xfrm>
-            <a:off x="1444183" y="1085228"/>
-            <a:ext cx="10178322" cy="5508077"/>
-          </a:xfrm>
-        </p:spPr>
-        <p:txBody>
-          <a:bodyPr>
-            <a:normAutofit/>
-          </a:bodyPr>
-          <a:lstStyle/>
-          <a:p>
-            <a:r>
-              <a:rPr lang="sv-SE" sz="2800" dirty="0">
-                <a:latin typeface="Gill Sans MT (Body)"/>
-                <a:cs typeface="Times New Roman" panose="02020603050405020304" pitchFamily="18" charset="0"/>
-              </a:rPr>
-              <a:t>Gör första övningen på Vue.js</a:t>
-            </a:r>
-          </a:p>
-          <a:p>
-            <a:r>
-              <a:rPr lang="sv-SE" sz="2800" dirty="0">
-                <a:latin typeface="Gill Sans MT (Body)"/>
-                <a:cs typeface="Times New Roman" panose="02020603050405020304" pitchFamily="18" charset="0"/>
-                <a:hlinkClick r:id="rId2"/>
-              </a:rPr>
-              <a:t>Övning1-Hello From </a:t>
-            </a:r>
-            <a:r>
-              <a:rPr lang="sv-SE" sz="2800" dirty="0" err="1">
-                <a:latin typeface="Gill Sans MT (Body)"/>
-                <a:cs typeface="Times New Roman" panose="02020603050405020304" pitchFamily="18" charset="0"/>
-                <a:hlinkClick r:id="rId2"/>
-              </a:rPr>
-              <a:t>GroupX</a:t>
-            </a:r>
-            <a:endParaRPr lang="sv-SE" sz="2800" dirty="0">
-              <a:latin typeface="Gill Sans MT (Body)"/>
-              <a:cs typeface="Times New Roman" panose="02020603050405020304" pitchFamily="18" charset="0"/>
-            </a:endParaRPr>
-          </a:p>
-        </p:txBody>
-      </p:sp>
-    </p:spTree>
-    <p:extLst>
-      <p:ext uri="{BB962C8B-B14F-4D97-AF65-F5344CB8AC3E}">
-        <p14:creationId xmlns:p14="http://schemas.microsoft.com/office/powerpoint/2010/main" val="3981506867"/>
-      </p:ext>
-    </p:extLst>
-  </p:cSld>
-  <p:clrMapOvr>
-    <a:masterClrMapping/>
-  </p:clrMapOvr>
-</p:sld>
-</file>
-
-<file path=ppt/slides/slide11.xml><?xml version="1.0" encoding="utf-8"?>
-<p:sld xmlns:a="http://schemas.openxmlformats.org/drawingml/2006/main" xmlns:r="http://schemas.openxmlformats.org/officeDocument/2006/relationships" xmlns:p="http://schemas.openxmlformats.org/presentationml/2006/main">
-  <p:cSld>
-    <p:spTree>
-      <p:nvGrpSpPr>
-        <p:cNvPr id="1" name=""/>
-        <p:cNvGrpSpPr/>
-        <p:nvPr/>
-      </p:nvGrpSpPr>
-      <p:grpSpPr>
-        <a:xfrm>
-          <a:off x="0" y="0"/>
-          <a:ext cx="0" cy="0"/>
-          <a:chOff x="0" y="0"/>
-          <a:chExt cx="0" cy="0"/>
-        </a:xfrm>
-      </p:grpSpPr>
-      <p:sp>
-        <p:nvSpPr>
-          <p:cNvPr id="2" name="Title 1">
-            <a:extLst>
-              <a:ext uri="{FF2B5EF4-FFF2-40B4-BE49-F238E27FC236}">
-                <a16:creationId xmlns:a16="http://schemas.microsoft.com/office/drawing/2014/main" id="{8EDAE078-3CB3-4D1F-8E4E-75C6D5DA8D1A}"/>
-              </a:ext>
-            </a:extLst>
-          </p:cNvPr>
-          <p:cNvSpPr>
-            <a:spLocks noGrp="1"/>
-          </p:cNvSpPr>
-          <p:nvPr>
-            <p:ph type="title"/>
-          </p:nvPr>
-        </p:nvSpPr>
-        <p:spPr>
-          <a:xfrm>
-            <a:off x="1203434" y="382385"/>
-            <a:ext cx="10893973" cy="596023"/>
-          </a:xfrm>
-        </p:spPr>
-        <p:txBody>
-          <a:bodyPr>
-            <a:normAutofit fontScale="90000"/>
-          </a:bodyPr>
-          <a:lstStyle/>
-          <a:p>
-            <a:pPr algn="ctr"/>
-            <a:r>
               <a:rPr lang="en-US" sz="4000" dirty="0" err="1">
                 <a:latin typeface="Gill Sans MT (Body)"/>
               </a:rPr>
@@ -8073,7 +7944,7 @@
 </p:sld>
 </file>
 
-<file path=ppt/slides/slide12.xml><?xml version="1.0" encoding="utf-8"?>
+<file path=ppt/slides/slide11.xml><?xml version="1.0" encoding="utf-8"?>
 <p:sld xmlns:a="http://schemas.openxmlformats.org/drawingml/2006/main" xmlns:r="http://schemas.openxmlformats.org/officeDocument/2006/relationships" xmlns:p="http://schemas.openxmlformats.org/presentationml/2006/main">
   <p:cSld>
     <p:spTree>
@@ -8386,7 +8257,7 @@
 </p:sld>
 </file>
 
-<file path=ppt/slides/slide13.xml><?xml version="1.0" encoding="utf-8"?>
+<file path=ppt/slides/slide12.xml><?xml version="1.0" encoding="utf-8"?>
 <p:sld xmlns:a="http://schemas.openxmlformats.org/drawingml/2006/main" xmlns:r="http://schemas.openxmlformats.org/officeDocument/2006/relationships" xmlns:p="http://schemas.openxmlformats.org/presentationml/2006/main">
   <p:cSld>
     <p:spTree>
@@ -8912,7 +8783,7 @@
 </p:sld>
 </file>
 
-<file path=ppt/slides/slide14.xml><?xml version="1.0" encoding="utf-8"?>
+<file path=ppt/slides/slide13.xml><?xml version="1.0" encoding="utf-8"?>
 <p:sld xmlns:a="http://schemas.openxmlformats.org/drawingml/2006/main" xmlns:r="http://schemas.openxmlformats.org/officeDocument/2006/relationships" xmlns:p="http://schemas.openxmlformats.org/presentationml/2006/main">
   <p:cSld>
     <p:spTree>
@@ -9321,7 +9192,7 @@
 </p:sld>
 </file>
 
-<file path=ppt/slides/slide15.xml><?xml version="1.0" encoding="utf-8"?>
+<file path=ppt/slides/slide14.xml><?xml version="1.0" encoding="utf-8"?>
 <p:sld xmlns:a="http://schemas.openxmlformats.org/drawingml/2006/main" xmlns:r="http://schemas.openxmlformats.org/officeDocument/2006/relationships" xmlns:p="http://schemas.openxmlformats.org/presentationml/2006/main">
   <p:cSld>
     <p:spTree>
@@ -9603,7 +9474,7 @@
 </p:sld>
 </file>
 
-<file path=ppt/slides/slide16.xml><?xml version="1.0" encoding="utf-8"?>
+<file path=ppt/slides/slide15.xml><?xml version="1.0" encoding="utf-8"?>
 <p:sld xmlns:a="http://schemas.openxmlformats.org/drawingml/2006/main" xmlns:r="http://schemas.openxmlformats.org/officeDocument/2006/relationships" xmlns:p="http://schemas.openxmlformats.org/presentationml/2006/main">
   <p:cSld>
     <p:spTree>
@@ -10032,7 +9903,7 @@
 </p:sld>
 </file>
 
-<file path=ppt/slides/slide17.xml><?xml version="1.0" encoding="utf-8"?>
+<file path=ppt/slides/slide16.xml><?xml version="1.0" encoding="utf-8"?>
 <p:sld xmlns:a="http://schemas.openxmlformats.org/drawingml/2006/main" xmlns:r="http://schemas.openxmlformats.org/officeDocument/2006/relationships" xmlns:p="http://schemas.openxmlformats.org/presentationml/2006/main">
   <p:cSld>
     <p:spTree>
@@ -10601,7 +10472,7 @@
 </p:sld>
 </file>
 
-<file path=ppt/slides/slide18.xml><?xml version="1.0" encoding="utf-8"?>
+<file path=ppt/slides/slide17.xml><?xml version="1.0" encoding="utf-8"?>
 <p:sld xmlns:a="http://schemas.openxmlformats.org/drawingml/2006/main" xmlns:r="http://schemas.openxmlformats.org/officeDocument/2006/relationships" xmlns:p="http://schemas.openxmlformats.org/presentationml/2006/main">
   <p:cSld>
     <p:spTree>
@@ -10667,7 +10538,7 @@
 </p:sld>
 </file>
 
-<file path=ppt/slides/slide19.xml><?xml version="1.0" encoding="utf-8"?>
+<file path=ppt/slides/slide18.xml><?xml version="1.0" encoding="utf-8"?>
 <p:sld xmlns:a="http://schemas.openxmlformats.org/drawingml/2006/main" xmlns:r="http://schemas.openxmlformats.org/officeDocument/2006/relationships" xmlns:p="http://schemas.openxmlformats.org/presentationml/2006/main">
   <p:cSld>
     <p:spTree>
@@ -11118,6 +10989,272 @@
 </p:sld>
 </file>
 
+<file path=ppt/slides/slide19.xml><?xml version="1.0" encoding="utf-8"?>
+<p:sld xmlns:a="http://schemas.openxmlformats.org/drawingml/2006/main" xmlns:r="http://schemas.openxmlformats.org/officeDocument/2006/relationships" xmlns:p="http://schemas.openxmlformats.org/presentationml/2006/main">
+  <p:cSld>
+    <p:spTree>
+      <p:nvGrpSpPr>
+        <p:cNvPr id="1" name=""/>
+        <p:cNvGrpSpPr/>
+        <p:nvPr/>
+      </p:nvGrpSpPr>
+      <p:grpSpPr>
+        <a:xfrm>
+          <a:off x="0" y="0"/>
+          <a:ext cx="0" cy="0"/>
+          <a:chOff x="0" y="0"/>
+          <a:chExt cx="0" cy="0"/>
+        </a:xfrm>
+      </p:grpSpPr>
+      <p:sp>
+        <p:nvSpPr>
+          <p:cNvPr id="2" name="Title 1">
+            <a:extLst>
+              <a:ext uri="{FF2B5EF4-FFF2-40B4-BE49-F238E27FC236}">
+                <a16:creationId xmlns:a16="http://schemas.microsoft.com/office/drawing/2014/main" id="{8EDAE078-3CB3-4D1F-8E4E-75C6D5DA8D1A}"/>
+              </a:ext>
+            </a:extLst>
+          </p:cNvPr>
+          <p:cNvSpPr>
+            <a:spLocks noGrp="1"/>
+          </p:cNvSpPr>
+          <p:nvPr>
+            <p:ph type="title"/>
+          </p:nvPr>
+        </p:nvSpPr>
+        <p:spPr>
+          <a:xfrm>
+            <a:off x="1203434" y="135110"/>
+            <a:ext cx="10893973" cy="596023"/>
+          </a:xfrm>
+        </p:spPr>
+        <p:txBody>
+          <a:bodyPr>
+            <a:normAutofit fontScale="90000"/>
+          </a:bodyPr>
+          <a:lstStyle/>
+          <a:p>
+            <a:pPr algn="ctr"/>
+            <a:r>
+              <a:rPr lang="en-US" sz="4000" dirty="0">
+                <a:latin typeface="Gill Sans MT (Body)"/>
+              </a:rPr>
+              <a:t>Component Communication</a:t>
+            </a:r>
+          </a:p>
+        </p:txBody>
+      </p:sp>
+      <p:pic>
+        <p:nvPicPr>
+          <p:cNvPr id="7170" name="Picture 2" descr="The Perfect Wrapper Components in Vue 2.6 and soon Vue 3.0 | by Vaibhav  Namburi | Noteworthy - The Journal Blog">
+            <a:extLst>
+              <a:ext uri="{FF2B5EF4-FFF2-40B4-BE49-F238E27FC236}">
+                <a16:creationId xmlns:a16="http://schemas.microsoft.com/office/drawing/2014/main" id="{52EE8D40-CE2E-403A-BCDB-64FA8D310B40}"/>
+              </a:ext>
+            </a:extLst>
+          </p:cNvPr>
+          <p:cNvPicPr>
+            <a:picLocks noChangeAspect="1" noChangeArrowheads="1"/>
+          </p:cNvPicPr>
+          <p:nvPr/>
+        </p:nvPicPr>
+        <p:blipFill>
+          <a:blip r:embed="rId2">
+            <a:extLst>
+              <a:ext uri="{28A0092B-C50C-407E-A947-70E740481C1C}">
+                <a14:useLocalDpi xmlns:a14="http://schemas.microsoft.com/office/drawing/2010/main" val="0"/>
+              </a:ext>
+            </a:extLst>
+          </a:blip>
+          <a:srcRect/>
+          <a:stretch>
+            <a:fillRect/>
+          </a:stretch>
+        </p:blipFill>
+        <p:spPr bwMode="auto">
+          <a:xfrm>
+            <a:off x="4142460" y="615760"/>
+            <a:ext cx="4276725" cy="2138363"/>
+          </a:xfrm>
+          <a:prstGeom prst="rect">
+            <a:avLst/>
+          </a:prstGeom>
+          <a:noFill/>
+          <a:extLst>
+            <a:ext uri="{909E8E84-426E-40DD-AFC4-6F175D3DCCD1}">
+              <a14:hiddenFill xmlns:a14="http://schemas.microsoft.com/office/drawing/2010/main">
+                <a:solidFill>
+                  <a:srgbClr val="FFFFFF"/>
+                </a:solidFill>
+              </a14:hiddenFill>
+            </a:ext>
+          </a:extLst>
+        </p:spPr>
+      </p:pic>
+      <p:pic>
+        <p:nvPicPr>
+          <p:cNvPr id="7172" name="Picture 4">
+            <a:extLst>
+              <a:ext uri="{FF2B5EF4-FFF2-40B4-BE49-F238E27FC236}">
+                <a16:creationId xmlns:a16="http://schemas.microsoft.com/office/drawing/2014/main" id="{877F3F4A-C6EE-4262-B9E5-23012706DC32}"/>
+              </a:ext>
+            </a:extLst>
+          </p:cNvPr>
+          <p:cNvPicPr>
+            <a:picLocks noChangeAspect="1" noChangeArrowheads="1"/>
+          </p:cNvPicPr>
+          <p:nvPr/>
+        </p:nvPicPr>
+        <p:blipFill>
+          <a:blip r:embed="rId3">
+            <a:extLst>
+              <a:ext uri="{28A0092B-C50C-407E-A947-70E740481C1C}">
+                <a14:useLocalDpi xmlns:a14="http://schemas.microsoft.com/office/drawing/2010/main" val="0"/>
+              </a:ext>
+            </a:extLst>
+          </a:blip>
+          <a:srcRect/>
+          <a:stretch>
+            <a:fillRect/>
+          </a:stretch>
+        </p:blipFill>
+        <p:spPr bwMode="auto">
+          <a:xfrm>
+            <a:off x="6840333" y="4084334"/>
+            <a:ext cx="4815080" cy="1749479"/>
+          </a:xfrm>
+          <a:prstGeom prst="rect">
+            <a:avLst/>
+          </a:prstGeom>
+          <a:noFill/>
+          <a:extLst>
+            <a:ext uri="{909E8E84-426E-40DD-AFC4-6F175D3DCCD1}">
+              <a14:hiddenFill xmlns:a14="http://schemas.microsoft.com/office/drawing/2010/main">
+                <a:solidFill>
+                  <a:srgbClr val="FFFFFF"/>
+                </a:solidFill>
+              </a14:hiddenFill>
+            </a:ext>
+          </a:extLst>
+        </p:spPr>
+      </p:pic>
+      <p:pic>
+        <p:nvPicPr>
+          <p:cNvPr id="7174" name="Picture 6">
+            <a:extLst>
+              <a:ext uri="{FF2B5EF4-FFF2-40B4-BE49-F238E27FC236}">
+                <a16:creationId xmlns:a16="http://schemas.microsoft.com/office/drawing/2014/main" id="{1ED7EB82-DB80-4705-A1C0-0D5E43013695}"/>
+              </a:ext>
+            </a:extLst>
+          </p:cNvPr>
+          <p:cNvPicPr>
+            <a:picLocks noChangeAspect="1" noChangeArrowheads="1"/>
+          </p:cNvPicPr>
+          <p:nvPr/>
+        </p:nvPicPr>
+        <p:blipFill>
+          <a:blip r:embed="rId4">
+            <a:extLst>
+              <a:ext uri="{28A0092B-C50C-407E-A947-70E740481C1C}">
+                <a14:useLocalDpi xmlns:a14="http://schemas.microsoft.com/office/drawing/2010/main" val="0"/>
+              </a:ext>
+            </a:extLst>
+          </a:blip>
+          <a:srcRect/>
+          <a:stretch>
+            <a:fillRect/>
+          </a:stretch>
+        </p:blipFill>
+        <p:spPr bwMode="auto">
+          <a:xfrm>
+            <a:off x="1203434" y="3429000"/>
+            <a:ext cx="5077389" cy="3384926"/>
+          </a:xfrm>
+          <a:prstGeom prst="rect">
+            <a:avLst/>
+          </a:prstGeom>
+          <a:noFill/>
+          <a:extLst>
+            <a:ext uri="{909E8E84-426E-40DD-AFC4-6F175D3DCCD1}">
+              <a14:hiddenFill xmlns:a14="http://schemas.microsoft.com/office/drawing/2010/main">
+                <a:solidFill>
+                  <a:srgbClr val="FFFFFF"/>
+                </a:solidFill>
+              </a14:hiddenFill>
+            </a:ext>
+          </a:extLst>
+        </p:spPr>
+      </p:pic>
+      <p:sp>
+        <p:nvSpPr>
+          <p:cNvPr id="7" name="Title 1">
+            <a:extLst>
+              <a:ext uri="{FF2B5EF4-FFF2-40B4-BE49-F238E27FC236}">
+                <a16:creationId xmlns:a16="http://schemas.microsoft.com/office/drawing/2014/main" id="{82694E16-5AA0-4F22-84C0-BE2A869806E6}"/>
+              </a:ext>
+            </a:extLst>
+          </p:cNvPr>
+          <p:cNvSpPr txBox="1">
+            <a:spLocks/>
+          </p:cNvSpPr>
+          <p:nvPr/>
+        </p:nvSpPr>
+        <p:spPr>
+          <a:xfrm>
+            <a:off x="1203434" y="2711874"/>
+            <a:ext cx="10893973" cy="464464"/>
+          </a:xfrm>
+          <a:prstGeom prst="rect">
+            <a:avLst/>
+          </a:prstGeom>
+        </p:spPr>
+        <p:txBody>
+          <a:bodyPr vert="horz" lIns="91440" tIns="45720" rIns="91440" bIns="45720" rtlCol="0" anchor="t">
+            <a:normAutofit fontScale="97500"/>
+          </a:bodyPr>
+          <a:lstStyle>
+            <a:lvl1pPr algn="l" defTabSz="914400" rtl="0" eaLnBrk="1" latinLnBrk="0" hangingPunct="1">
+              <a:lnSpc>
+                <a:spcPct val="90000"/>
+              </a:lnSpc>
+              <a:spcBef>
+                <a:spcPct val="0"/>
+              </a:spcBef>
+              <a:buNone/>
+              <a:defRPr sz="5100" kern="1200" cap="all" spc="200" baseline="0">
+                <a:solidFill>
+                  <a:schemeClr val="tx2"/>
+                </a:solidFill>
+                <a:latin typeface="+mj-lt"/>
+                <a:ea typeface="+mj-ea"/>
+                <a:cs typeface="+mj-cs"/>
+              </a:defRPr>
+            </a:lvl1pPr>
+          </a:lstStyle>
+          <a:p>
+            <a:pPr algn="ctr"/>
+            <a:r>
+              <a:rPr lang="en-US" sz="2400" dirty="0">
+                <a:latin typeface="Gill Sans MT (Body)"/>
+              </a:rPr>
+              <a:t>Parent -&gt; Child Communication : PROPS</a:t>
+            </a:r>
+          </a:p>
+        </p:txBody>
+      </p:sp>
+    </p:spTree>
+    <p:extLst>
+      <p:ext uri="{BB962C8B-B14F-4D97-AF65-F5344CB8AC3E}">
+        <p14:creationId xmlns:p14="http://schemas.microsoft.com/office/powerpoint/2010/main" val="287259337"/>
+      </p:ext>
+    </p:extLst>
+  </p:cSld>
+  <p:clrMapOvr>
+    <a:masterClrMapping/>
+  </p:clrMapOvr>
+</p:sld>
+</file>
+
 <file path=ppt/slides/slide2.xml><?xml version="1.0" encoding="utf-8"?>
 <p:sld xmlns:a="http://schemas.openxmlformats.org/drawingml/2006/main" xmlns:r="http://schemas.openxmlformats.org/officeDocument/2006/relationships" xmlns:p="http://schemas.openxmlformats.org/presentationml/2006/main">
   <p:cSld>
@@ -11430,272 +11567,6 @@
         </p:nvSpPr>
         <p:spPr>
           <a:xfrm>
-            <a:off x="1203434" y="135110"/>
-            <a:ext cx="10893973" cy="596023"/>
-          </a:xfrm>
-        </p:spPr>
-        <p:txBody>
-          <a:bodyPr>
-            <a:normAutofit fontScale="90000"/>
-          </a:bodyPr>
-          <a:lstStyle/>
-          <a:p>
-            <a:pPr algn="ctr"/>
-            <a:r>
-              <a:rPr lang="en-US" sz="4000" dirty="0">
-                <a:latin typeface="Gill Sans MT (Body)"/>
-              </a:rPr>
-              <a:t>Component Communication</a:t>
-            </a:r>
-          </a:p>
-        </p:txBody>
-      </p:sp>
-      <p:pic>
-        <p:nvPicPr>
-          <p:cNvPr id="7170" name="Picture 2" descr="The Perfect Wrapper Components in Vue 2.6 and soon Vue 3.0 | by Vaibhav  Namburi | Noteworthy - The Journal Blog">
-            <a:extLst>
-              <a:ext uri="{FF2B5EF4-FFF2-40B4-BE49-F238E27FC236}">
-                <a16:creationId xmlns:a16="http://schemas.microsoft.com/office/drawing/2014/main" id="{52EE8D40-CE2E-403A-BCDB-64FA8D310B40}"/>
-              </a:ext>
-            </a:extLst>
-          </p:cNvPr>
-          <p:cNvPicPr>
-            <a:picLocks noChangeAspect="1" noChangeArrowheads="1"/>
-          </p:cNvPicPr>
-          <p:nvPr/>
-        </p:nvPicPr>
-        <p:blipFill>
-          <a:blip r:embed="rId2">
-            <a:extLst>
-              <a:ext uri="{28A0092B-C50C-407E-A947-70E740481C1C}">
-                <a14:useLocalDpi xmlns:a14="http://schemas.microsoft.com/office/drawing/2010/main" val="0"/>
-              </a:ext>
-            </a:extLst>
-          </a:blip>
-          <a:srcRect/>
-          <a:stretch>
-            <a:fillRect/>
-          </a:stretch>
-        </p:blipFill>
-        <p:spPr bwMode="auto">
-          <a:xfrm>
-            <a:off x="4142460" y="615760"/>
-            <a:ext cx="4276725" cy="2138363"/>
-          </a:xfrm>
-          <a:prstGeom prst="rect">
-            <a:avLst/>
-          </a:prstGeom>
-          <a:noFill/>
-          <a:extLst>
-            <a:ext uri="{909E8E84-426E-40DD-AFC4-6F175D3DCCD1}">
-              <a14:hiddenFill xmlns:a14="http://schemas.microsoft.com/office/drawing/2010/main">
-                <a:solidFill>
-                  <a:srgbClr val="FFFFFF"/>
-                </a:solidFill>
-              </a14:hiddenFill>
-            </a:ext>
-          </a:extLst>
-        </p:spPr>
-      </p:pic>
-      <p:pic>
-        <p:nvPicPr>
-          <p:cNvPr id="7172" name="Picture 4">
-            <a:extLst>
-              <a:ext uri="{FF2B5EF4-FFF2-40B4-BE49-F238E27FC236}">
-                <a16:creationId xmlns:a16="http://schemas.microsoft.com/office/drawing/2014/main" id="{877F3F4A-C6EE-4262-B9E5-23012706DC32}"/>
-              </a:ext>
-            </a:extLst>
-          </p:cNvPr>
-          <p:cNvPicPr>
-            <a:picLocks noChangeAspect="1" noChangeArrowheads="1"/>
-          </p:cNvPicPr>
-          <p:nvPr/>
-        </p:nvPicPr>
-        <p:blipFill>
-          <a:blip r:embed="rId3">
-            <a:extLst>
-              <a:ext uri="{28A0092B-C50C-407E-A947-70E740481C1C}">
-                <a14:useLocalDpi xmlns:a14="http://schemas.microsoft.com/office/drawing/2010/main" val="0"/>
-              </a:ext>
-            </a:extLst>
-          </a:blip>
-          <a:srcRect/>
-          <a:stretch>
-            <a:fillRect/>
-          </a:stretch>
-        </p:blipFill>
-        <p:spPr bwMode="auto">
-          <a:xfrm>
-            <a:off x="6840333" y="4084334"/>
-            <a:ext cx="4815080" cy="1749479"/>
-          </a:xfrm>
-          <a:prstGeom prst="rect">
-            <a:avLst/>
-          </a:prstGeom>
-          <a:noFill/>
-          <a:extLst>
-            <a:ext uri="{909E8E84-426E-40DD-AFC4-6F175D3DCCD1}">
-              <a14:hiddenFill xmlns:a14="http://schemas.microsoft.com/office/drawing/2010/main">
-                <a:solidFill>
-                  <a:srgbClr val="FFFFFF"/>
-                </a:solidFill>
-              </a14:hiddenFill>
-            </a:ext>
-          </a:extLst>
-        </p:spPr>
-      </p:pic>
-      <p:pic>
-        <p:nvPicPr>
-          <p:cNvPr id="7174" name="Picture 6">
-            <a:extLst>
-              <a:ext uri="{FF2B5EF4-FFF2-40B4-BE49-F238E27FC236}">
-                <a16:creationId xmlns:a16="http://schemas.microsoft.com/office/drawing/2014/main" id="{1ED7EB82-DB80-4705-A1C0-0D5E43013695}"/>
-              </a:ext>
-            </a:extLst>
-          </p:cNvPr>
-          <p:cNvPicPr>
-            <a:picLocks noChangeAspect="1" noChangeArrowheads="1"/>
-          </p:cNvPicPr>
-          <p:nvPr/>
-        </p:nvPicPr>
-        <p:blipFill>
-          <a:blip r:embed="rId4">
-            <a:extLst>
-              <a:ext uri="{28A0092B-C50C-407E-A947-70E740481C1C}">
-                <a14:useLocalDpi xmlns:a14="http://schemas.microsoft.com/office/drawing/2010/main" val="0"/>
-              </a:ext>
-            </a:extLst>
-          </a:blip>
-          <a:srcRect/>
-          <a:stretch>
-            <a:fillRect/>
-          </a:stretch>
-        </p:blipFill>
-        <p:spPr bwMode="auto">
-          <a:xfrm>
-            <a:off x="1203434" y="3429000"/>
-            <a:ext cx="5077389" cy="3384926"/>
-          </a:xfrm>
-          <a:prstGeom prst="rect">
-            <a:avLst/>
-          </a:prstGeom>
-          <a:noFill/>
-          <a:extLst>
-            <a:ext uri="{909E8E84-426E-40DD-AFC4-6F175D3DCCD1}">
-              <a14:hiddenFill xmlns:a14="http://schemas.microsoft.com/office/drawing/2010/main">
-                <a:solidFill>
-                  <a:srgbClr val="FFFFFF"/>
-                </a:solidFill>
-              </a14:hiddenFill>
-            </a:ext>
-          </a:extLst>
-        </p:spPr>
-      </p:pic>
-      <p:sp>
-        <p:nvSpPr>
-          <p:cNvPr id="7" name="Title 1">
-            <a:extLst>
-              <a:ext uri="{FF2B5EF4-FFF2-40B4-BE49-F238E27FC236}">
-                <a16:creationId xmlns:a16="http://schemas.microsoft.com/office/drawing/2014/main" id="{82694E16-5AA0-4F22-84C0-BE2A869806E6}"/>
-              </a:ext>
-            </a:extLst>
-          </p:cNvPr>
-          <p:cNvSpPr txBox="1">
-            <a:spLocks/>
-          </p:cNvSpPr>
-          <p:nvPr/>
-        </p:nvSpPr>
-        <p:spPr>
-          <a:xfrm>
-            <a:off x="1203434" y="2711874"/>
-            <a:ext cx="10893973" cy="464464"/>
-          </a:xfrm>
-          <a:prstGeom prst="rect">
-            <a:avLst/>
-          </a:prstGeom>
-        </p:spPr>
-        <p:txBody>
-          <a:bodyPr vert="horz" lIns="91440" tIns="45720" rIns="91440" bIns="45720" rtlCol="0" anchor="t">
-            <a:normAutofit fontScale="97500"/>
-          </a:bodyPr>
-          <a:lstStyle>
-            <a:lvl1pPr algn="l" defTabSz="914400" rtl="0" eaLnBrk="1" latinLnBrk="0" hangingPunct="1">
-              <a:lnSpc>
-                <a:spcPct val="90000"/>
-              </a:lnSpc>
-              <a:spcBef>
-                <a:spcPct val="0"/>
-              </a:spcBef>
-              <a:buNone/>
-              <a:defRPr sz="5100" kern="1200" cap="all" spc="200" baseline="0">
-                <a:solidFill>
-                  <a:schemeClr val="tx2"/>
-                </a:solidFill>
-                <a:latin typeface="+mj-lt"/>
-                <a:ea typeface="+mj-ea"/>
-                <a:cs typeface="+mj-cs"/>
-              </a:defRPr>
-            </a:lvl1pPr>
-          </a:lstStyle>
-          <a:p>
-            <a:pPr algn="ctr"/>
-            <a:r>
-              <a:rPr lang="en-US" sz="2400" dirty="0">
-                <a:latin typeface="Gill Sans MT (Body)"/>
-              </a:rPr>
-              <a:t>Parent -&gt; Child Communication : PROPS</a:t>
-            </a:r>
-          </a:p>
-        </p:txBody>
-      </p:sp>
-    </p:spTree>
-    <p:extLst>
-      <p:ext uri="{BB962C8B-B14F-4D97-AF65-F5344CB8AC3E}">
-        <p14:creationId xmlns:p14="http://schemas.microsoft.com/office/powerpoint/2010/main" val="287259337"/>
-      </p:ext>
-    </p:extLst>
-  </p:cSld>
-  <p:clrMapOvr>
-    <a:masterClrMapping/>
-  </p:clrMapOvr>
-</p:sld>
-</file>
-
-<file path=ppt/slides/slide21.xml><?xml version="1.0" encoding="utf-8"?>
-<p:sld xmlns:a="http://schemas.openxmlformats.org/drawingml/2006/main" xmlns:r="http://schemas.openxmlformats.org/officeDocument/2006/relationships" xmlns:p="http://schemas.openxmlformats.org/presentationml/2006/main">
-  <p:cSld>
-    <p:spTree>
-      <p:nvGrpSpPr>
-        <p:cNvPr id="1" name=""/>
-        <p:cNvGrpSpPr/>
-        <p:nvPr/>
-      </p:nvGrpSpPr>
-      <p:grpSpPr>
-        <a:xfrm>
-          <a:off x="0" y="0"/>
-          <a:ext cx="0" cy="0"/>
-          <a:chOff x="0" y="0"/>
-          <a:chExt cx="0" cy="0"/>
-        </a:xfrm>
-      </p:grpSpPr>
-      <p:sp>
-        <p:nvSpPr>
-          <p:cNvPr id="2" name="Title 1">
-            <a:extLst>
-              <a:ext uri="{FF2B5EF4-FFF2-40B4-BE49-F238E27FC236}">
-                <a16:creationId xmlns:a16="http://schemas.microsoft.com/office/drawing/2014/main" id="{8EDAE078-3CB3-4D1F-8E4E-75C6D5DA8D1A}"/>
-              </a:ext>
-            </a:extLst>
-          </p:cNvPr>
-          <p:cNvSpPr>
-            <a:spLocks noGrp="1"/>
-          </p:cNvSpPr>
-          <p:nvPr>
-            <p:ph type="title"/>
-          </p:nvPr>
-        </p:nvSpPr>
-        <p:spPr>
-          <a:xfrm>
             <a:off x="1242571" y="108893"/>
             <a:ext cx="10893973" cy="596023"/>
           </a:xfrm>
@@ -11957,7 +11828,7 @@
 </p:sld>
 </file>
 
-<file path=ppt/slides/slide22.xml><?xml version="1.0" encoding="utf-8"?>
+<file path=ppt/slides/slide21.xml><?xml version="1.0" encoding="utf-8"?>
 <p:sld xmlns:a="http://schemas.openxmlformats.org/drawingml/2006/main" xmlns:r="http://schemas.openxmlformats.org/officeDocument/2006/relationships" xmlns:p="http://schemas.openxmlformats.org/presentationml/2006/main">
   <p:cSld>
     <p:spTree>
@@ -17149,6 +17020,15 @@
 </file>
 
 <file path=customXml/item1.xml><?xml version="1.0" encoding="utf-8"?>
+<?mso-contentType ?>
+<FormTemplates xmlns="http://schemas.microsoft.com/sharepoint/v3/contenttype/forms">
+  <Display>DocumentLibraryForm</Display>
+  <Edit>DocumentLibraryForm</Edit>
+  <New>DocumentLibraryForm</New>
+</FormTemplates>
+</file>
+
+<file path=customXml/item2.xml><?xml version="1.0" encoding="utf-8"?>
 <ct:contentTypeSchema xmlns:ct="http://schemas.microsoft.com/office/2006/metadata/contentType" xmlns:ma="http://schemas.microsoft.com/office/2006/metadata/properties/metaAttributes" ct:_="" ma:_="" ma:contentTypeName="Document" ma:contentTypeID="0x01010079F111ED35F8CC479449609E8A0923A6" ma:contentTypeVersion="11" ma:contentTypeDescription="Create a new document." ma:contentTypeScope="" ma:versionID="96291512c1ee715ab617f4c07df79fc1">
   <xsd:schema xmlns:xsd="http://www.w3.org/2001/XMLSchema" xmlns:xs="http://www.w3.org/2001/XMLSchema" xmlns:p="http://schemas.microsoft.com/office/2006/metadata/properties" xmlns:ns2="71af3243-3dd4-4a8d-8c0d-dd76da1f02a5" xmlns:ns3="16c05727-aa75-4e4a-9b5f-8a80a1165891" targetNamespace="http://schemas.microsoft.com/office/2006/metadata/properties" ma:root="true" ma:fieldsID="8256c27c40ca5c40ce1cf6c44f0205df" ns2:_="" ns3:_="">
     <xsd:import namespace="71af3243-3dd4-4a8d-8c0d-dd76da1f02a5"/>
@@ -17359,15 +17239,6 @@
 </ct:contentTypeSchema>
 </file>
 
-<file path=customXml/item2.xml><?xml version="1.0" encoding="utf-8"?>
-<?mso-contentType ?>
-<FormTemplates xmlns="http://schemas.microsoft.com/sharepoint/v3/contenttype/forms">
-  <Display>DocumentLibraryForm</Display>
-  <Edit>DocumentLibraryForm</Edit>
-  <New>DocumentLibraryForm</New>
-</FormTemplates>
-</file>
-
 <file path=customXml/item3.xml><?xml version="1.0" encoding="utf-8"?>
 <p:properties xmlns:p="http://schemas.microsoft.com/office/2006/metadata/properties" xmlns:xsi="http://www.w3.org/2001/XMLSchema-instance" xmlns:pc="http://schemas.microsoft.com/office/infopath/2007/PartnerControls">
   <documentManagement>
@@ -17377,6 +17248,14 @@
 </file>
 
 <file path=customXml/itemProps1.xml><?xml version="1.0" encoding="utf-8"?>
+<ds:datastoreItem xmlns:ds="http://schemas.openxmlformats.org/officeDocument/2006/customXml" ds:itemID="{52D0167F-E486-4F9B-83E2-993954E11F03}">
+  <ds:schemaRefs>
+    <ds:schemaRef ds:uri="http://schemas.microsoft.com/sharepoint/v3/contenttype/forms"/>
+  </ds:schemaRefs>
+</ds:datastoreItem>
+</file>
+
+<file path=customXml/itemProps2.xml><?xml version="1.0" encoding="utf-8"?>
 <ds:datastoreItem xmlns:ds="http://schemas.openxmlformats.org/officeDocument/2006/customXml" ds:itemID="{15A714DE-2D72-4B69-B5D2-B9FD4274177E}">
   <ds:schemaRefs>
     <ds:schemaRef ds:uri="http://schemas.microsoft.com/office/2006/metadata/contentType"/>
@@ -17395,14 +17274,6 @@
 </ds:datastoreItem>
 </file>
 
-<file path=customXml/itemProps2.xml><?xml version="1.0" encoding="utf-8"?>
-<ds:datastoreItem xmlns:ds="http://schemas.openxmlformats.org/officeDocument/2006/customXml" ds:itemID="{52D0167F-E486-4F9B-83E2-993954E11F03}">
-  <ds:schemaRefs>
-    <ds:schemaRef ds:uri="http://schemas.microsoft.com/sharepoint/v3/contenttype/forms"/>
-  </ds:schemaRefs>
-</ds:datastoreItem>
-</file>
-
 <file path=customXml/itemProps3.xml><?xml version="1.0" encoding="utf-8"?>
 <ds:datastoreItem xmlns:ds="http://schemas.openxmlformats.org/officeDocument/2006/customXml" ds:itemID="{BDB3E54F-9BB9-4821-81E3-A4EFEC7BD0AD}">
   <ds:schemaRefs>

--- a/Vue/Vue.pptx
+++ b/Vue/Vue.pptx
@@ -5,10 +5,10 @@
     <p:sldMasterId id="2147483660" r:id="rId4"/>
   </p:sldMasterIdLst>
   <p:notesMasterIdLst>
-    <p:notesMasterId r:id="rId26"/>
+    <p:notesMasterId r:id="rId28"/>
   </p:notesMasterIdLst>
   <p:handoutMasterIdLst>
-    <p:handoutMasterId r:id="rId27"/>
+    <p:handoutMasterId r:id="rId29"/>
   </p:handoutMasterIdLst>
   <p:sldIdLst>
     <p:sldId id="256" r:id="rId5"/>
@@ -29,9 +29,11 @@
     <p:sldId id="298" r:id="rId20"/>
     <p:sldId id="292" r:id="rId21"/>
     <p:sldId id="294" r:id="rId22"/>
-    <p:sldId id="295" r:id="rId23"/>
-    <p:sldId id="297" r:id="rId24"/>
-    <p:sldId id="299" r:id="rId25"/>
+    <p:sldId id="303" r:id="rId23"/>
+    <p:sldId id="302" r:id="rId24"/>
+    <p:sldId id="295" r:id="rId25"/>
+    <p:sldId id="297" r:id="rId26"/>
+    <p:sldId id="299" r:id="rId27"/>
   </p:sldIdLst>
   <p:sldSz cx="12192000" cy="6858000"/>
   <p:notesSz cx="6858000" cy="9144000"/>
@@ -235,7 +237,7 @@
           <a:p>
             <a:fld id="{18E9A1B5-1BE4-4CD6-80C4-143959F034D3}" type="datetimeFigureOut">
               <a:rPr lang="en-US" smtClean="0"/>
-              <a:t>11/11/2021</a:t>
+              <a:t>11/30/2021</a:t>
             </a:fld>
             <a:endParaRPr lang="en-US" dirty="0"/>
           </a:p>
@@ -412,7 +414,7 @@
           <a:p>
             <a:fld id="{D8E6120A-21AF-4F12-ABAA-66A70823631B}" type="datetimeFigureOut">
               <a:rPr lang="en-US" smtClean="0"/>
-              <a:t>11/11/2021</a:t>
+              <a:t>11/30/2021</a:t>
             </a:fld>
             <a:endParaRPr lang="en-US" dirty="0"/>
           </a:p>
@@ -1890,7 +1892,7 @@
           <a:p>
             <a:fld id="{EF63B152-7103-4FFE-90AC-D94EB7F44A7E}" type="datetimeFigureOut">
               <a:rPr lang="en-US" smtClean="0"/>
-              <a:t>11/11/2021</a:t>
+              <a:t>11/30/2021</a:t>
             </a:fld>
             <a:endParaRPr lang="en-US" dirty="0"/>
           </a:p>
@@ -2128,7 +2130,7 @@
           <a:p>
             <a:fld id="{EF63B152-7103-4FFE-90AC-D94EB7F44A7E}" type="datetimeFigureOut">
               <a:rPr lang="en-US" smtClean="0"/>
-              <a:t>11/11/2021</a:t>
+              <a:t>11/30/2021</a:t>
             </a:fld>
             <a:endParaRPr lang="en-US" dirty="0"/>
           </a:p>
@@ -2308,7 +2310,7 @@
           <a:p>
             <a:fld id="{EF63B152-7103-4FFE-90AC-D94EB7F44A7E}" type="datetimeFigureOut">
               <a:rPr lang="en-US" smtClean="0"/>
-              <a:t>11/11/2021</a:t>
+              <a:t>11/30/2021</a:t>
             </a:fld>
             <a:endParaRPr lang="en-US" dirty="0"/>
           </a:p>
@@ -2478,7 +2480,7 @@
           <a:p>
             <a:fld id="{EF63B152-7103-4FFE-90AC-D94EB7F44A7E}" type="datetimeFigureOut">
               <a:rPr lang="en-US" smtClean="0"/>
-              <a:t>11/11/2021</a:t>
+              <a:t>11/30/2021</a:t>
             </a:fld>
             <a:endParaRPr lang="en-US" dirty="0"/>
           </a:p>
@@ -2754,7 +2756,7 @@
           <a:p>
             <a:fld id="{EF63B152-7103-4FFE-90AC-D94EB7F44A7E}" type="datetimeFigureOut">
               <a:rPr lang="en-US" smtClean="0"/>
-              <a:t>11/11/2021</a:t>
+              <a:t>11/30/2021</a:t>
             </a:fld>
             <a:endParaRPr lang="en-US" dirty="0"/>
           </a:p>
@@ -3955,7 +3957,7 @@
           <a:p>
             <a:fld id="{EF63B152-7103-4FFE-90AC-D94EB7F44A7E}" type="datetimeFigureOut">
               <a:rPr lang="en-US" smtClean="0"/>
-              <a:t>11/11/2021</a:t>
+              <a:t>11/30/2021</a:t>
             </a:fld>
             <a:endParaRPr lang="en-US" dirty="0"/>
           </a:p>
@@ -4345,7 +4347,7 @@
           <a:p>
             <a:fld id="{EF63B152-7103-4FFE-90AC-D94EB7F44A7E}" type="datetimeFigureOut">
               <a:rPr lang="en-US" smtClean="0"/>
-              <a:t>11/11/2021</a:t>
+              <a:t>11/30/2021</a:t>
             </a:fld>
             <a:endParaRPr lang="en-US" dirty="0"/>
           </a:p>
@@ -4468,7 +4470,7 @@
           <a:p>
             <a:fld id="{EF63B152-7103-4FFE-90AC-D94EB7F44A7E}" type="datetimeFigureOut">
               <a:rPr lang="en-US" smtClean="0"/>
-              <a:t>11/11/2021</a:t>
+              <a:t>11/30/2021</a:t>
             </a:fld>
             <a:endParaRPr lang="en-US" dirty="0"/>
           </a:p>
@@ -4563,7 +4565,7 @@
           <a:p>
             <a:fld id="{EF63B152-7103-4FFE-90AC-D94EB7F44A7E}" type="datetimeFigureOut">
               <a:rPr lang="en-US" smtClean="0"/>
-              <a:t>11/11/2021</a:t>
+              <a:t>11/30/2021</a:t>
             </a:fld>
             <a:endParaRPr lang="en-US" dirty="0"/>
           </a:p>
@@ -5326,7 +5328,7 @@
           <a:p>
             <a:fld id="{EF63B152-7103-4FFE-90AC-D94EB7F44A7E}" type="datetimeFigureOut">
               <a:rPr lang="en-US" smtClean="0"/>
-              <a:t>11/11/2021</a:t>
+              <a:t>11/30/2021</a:t>
             </a:fld>
             <a:endParaRPr lang="en-US" dirty="0"/>
           </a:p>
@@ -6166,7 +6168,7 @@
           <a:p>
             <a:fld id="{EF63B152-7103-4FFE-90AC-D94EB7F44A7E}" type="datetimeFigureOut">
               <a:rPr lang="en-US" smtClean="0"/>
-              <a:t>11/11/2021</a:t>
+              <a:t>11/30/2021</a:t>
             </a:fld>
             <a:endParaRPr lang="en-US" dirty="0"/>
           </a:p>
@@ -6393,7 +6395,7 @@
           <a:p>
             <a:fld id="{EF63B152-7103-4FFE-90AC-D94EB7F44A7E}" type="datetimeFigureOut">
               <a:rPr lang="en-US" smtClean="0"/>
-              <a:t>11/11/2021</a:t>
+              <a:t>11/30/2021</a:t>
             </a:fld>
             <a:endParaRPr lang="en-US" dirty="0"/>
           </a:p>
@@ -10620,6 +10622,901 @@
           </a:p>
         </p:txBody>
       </p:sp>
+      <p:sp>
+        <p:nvSpPr>
+          <p:cNvPr id="5" name="TextBox 4">
+            <a:extLst>
+              <a:ext uri="{FF2B5EF4-FFF2-40B4-BE49-F238E27FC236}">
+                <a16:creationId xmlns:a16="http://schemas.microsoft.com/office/drawing/2014/main" id="{49F22C67-242E-4365-A378-2807E93FEC00}"/>
+              </a:ext>
+            </a:extLst>
+          </p:cNvPr>
+          <p:cNvSpPr txBox="1"/>
+          <p:nvPr/>
+        </p:nvSpPr>
+        <p:spPr>
+          <a:xfrm>
+            <a:off x="1900969" y="978408"/>
+            <a:ext cx="9127222" cy="923330"/>
+          </a:xfrm>
+          <a:prstGeom prst="rect">
+            <a:avLst/>
+          </a:prstGeom>
+          <a:noFill/>
+        </p:spPr>
+        <p:txBody>
+          <a:bodyPr wrap="square" rtlCol="0">
+            <a:spAutoFit/>
+          </a:bodyPr>
+          <a:lstStyle/>
+          <a:p>
+            <a:pPr marL="285750" indent="-285750">
+              <a:buFont typeface="Arial" panose="020B0604020202020204" pitchFamily="34" charset="0"/>
+              <a:buChar char="•"/>
+            </a:pPr>
+            <a:r>
+              <a:rPr lang="sv-SE" dirty="0">
+                <a:solidFill>
+                  <a:schemeClr val="tx1">
+                    <a:lumMod val="65000"/>
+                    <a:lumOff val="35000"/>
+                  </a:schemeClr>
+                </a:solidFill>
+                <a:latin typeface="Gill Sans MT (Body)"/>
+                <a:cs typeface="Times New Roman" panose="02020603050405020304" pitchFamily="18" charset="0"/>
+              </a:rPr>
+              <a:t>Importera en komponent i en annan komponent</a:t>
+            </a:r>
+          </a:p>
+          <a:p>
+            <a:pPr marL="285750" indent="-285750">
+              <a:buFont typeface="Arial" panose="020B0604020202020204" pitchFamily="34" charset="0"/>
+              <a:buChar char="•"/>
+            </a:pPr>
+            <a:r>
+              <a:rPr lang="sv-SE" dirty="0">
+                <a:solidFill>
+                  <a:schemeClr val="tx1">
+                    <a:lumMod val="65000"/>
+                    <a:lumOff val="35000"/>
+                  </a:schemeClr>
+                </a:solidFill>
+                <a:latin typeface="Gill Sans MT (Body)"/>
+                <a:cs typeface="Times New Roman" panose="02020603050405020304" pitchFamily="18" charset="0"/>
+              </a:rPr>
+              <a:t>Följ 3 steg</a:t>
+            </a:r>
+            <a:br>
+              <a:rPr lang="sv-SE" dirty="0">
+                <a:solidFill>
+                  <a:schemeClr val="tx1">
+                    <a:lumMod val="65000"/>
+                    <a:lumOff val="35000"/>
+                  </a:schemeClr>
+                </a:solidFill>
+                <a:latin typeface="Gill Sans MT (Body)"/>
+                <a:cs typeface="Times New Roman" panose="02020603050405020304" pitchFamily="18" charset="0"/>
+              </a:rPr>
+            </a:br>
+            <a:endParaRPr lang="sv-SE" dirty="0">
+              <a:solidFill>
+                <a:schemeClr val="tx1">
+                  <a:lumMod val="65000"/>
+                  <a:lumOff val="35000"/>
+                </a:schemeClr>
+              </a:solidFill>
+              <a:latin typeface="Gill Sans MT (Body)"/>
+              <a:cs typeface="Times New Roman" panose="02020603050405020304" pitchFamily="18" charset="0"/>
+            </a:endParaRPr>
+          </a:p>
+        </p:txBody>
+      </p:sp>
+      <p:pic>
+        <p:nvPicPr>
+          <p:cNvPr id="4" name="Picture 3">
+            <a:extLst>
+              <a:ext uri="{FF2B5EF4-FFF2-40B4-BE49-F238E27FC236}">
+                <a16:creationId xmlns:a16="http://schemas.microsoft.com/office/drawing/2014/main" id="{D2E205CE-DF99-45F2-A4BE-9FDB6FD88E71}"/>
+              </a:ext>
+            </a:extLst>
+          </p:cNvPr>
+          <p:cNvPicPr>
+            <a:picLocks noChangeAspect="1"/>
+          </p:cNvPicPr>
+          <p:nvPr/>
+        </p:nvPicPr>
+        <p:blipFill>
+          <a:blip r:embed="rId2"/>
+          <a:stretch>
+            <a:fillRect/>
+          </a:stretch>
+        </p:blipFill>
+        <p:spPr>
+          <a:xfrm>
+            <a:off x="1124125" y="2010037"/>
+            <a:ext cx="7275832" cy="4332276"/>
+          </a:xfrm>
+          <a:prstGeom prst="rect">
+            <a:avLst/>
+          </a:prstGeom>
+        </p:spPr>
+      </p:pic>
+      <p:sp>
+        <p:nvSpPr>
+          <p:cNvPr id="7" name="TextBox 6">
+            <a:extLst>
+              <a:ext uri="{FF2B5EF4-FFF2-40B4-BE49-F238E27FC236}">
+                <a16:creationId xmlns:a16="http://schemas.microsoft.com/office/drawing/2014/main" id="{1DF5BE25-9557-45D5-8396-FA029F99811D}"/>
+              </a:ext>
+            </a:extLst>
+          </p:cNvPr>
+          <p:cNvSpPr txBox="1"/>
+          <p:nvPr/>
+        </p:nvSpPr>
+        <p:spPr>
+          <a:xfrm>
+            <a:off x="7841040" y="3612095"/>
+            <a:ext cx="4023794" cy="830997"/>
+          </a:xfrm>
+          <a:prstGeom prst="rect">
+            <a:avLst/>
+          </a:prstGeom>
+          <a:noFill/>
+        </p:spPr>
+        <p:txBody>
+          <a:bodyPr wrap="none" rtlCol="0">
+            <a:spAutoFit/>
+          </a:bodyPr>
+          <a:lstStyle/>
+          <a:p>
+            <a:r>
+              <a:rPr lang="en-US" sz="1600" dirty="0">
+                <a:solidFill>
+                  <a:schemeClr val="accent1">
+                    <a:lumMod val="75000"/>
+                  </a:schemeClr>
+                </a:solidFill>
+              </a:rPr>
+              <a:t>1. </a:t>
+            </a:r>
+            <a:r>
+              <a:rPr lang="en-US" sz="1600" dirty="0" err="1">
+                <a:solidFill>
+                  <a:schemeClr val="accent1">
+                    <a:lumMod val="75000"/>
+                  </a:schemeClr>
+                </a:solidFill>
+              </a:rPr>
+              <a:t>Importera</a:t>
+            </a:r>
+            <a:r>
+              <a:rPr lang="en-US" sz="1600" dirty="0">
+                <a:solidFill>
+                  <a:schemeClr val="accent1">
+                    <a:lumMod val="75000"/>
+                  </a:schemeClr>
+                </a:solidFill>
+              </a:rPr>
+              <a:t> </a:t>
+            </a:r>
+            <a:r>
+              <a:rPr lang="en-US" sz="1600" dirty="0" err="1">
+                <a:solidFill>
+                  <a:schemeClr val="accent1">
+                    <a:lumMod val="75000"/>
+                  </a:schemeClr>
+                </a:solidFill>
+              </a:rPr>
+              <a:t>komponenten</a:t>
+            </a:r>
+            <a:r>
+              <a:rPr lang="en-US" sz="1600" dirty="0">
+                <a:solidFill>
+                  <a:schemeClr val="accent1">
+                    <a:lumMod val="75000"/>
+                  </a:schemeClr>
+                </a:solidFill>
+              </a:rPr>
+              <a:t>, </a:t>
+            </a:r>
+            <a:br>
+              <a:rPr lang="en-US" sz="1600" dirty="0">
+                <a:solidFill>
+                  <a:schemeClr val="accent1">
+                    <a:lumMod val="75000"/>
+                  </a:schemeClr>
+                </a:solidFill>
+              </a:rPr>
+            </a:br>
+            <a:r>
+              <a:rPr lang="en-US" sz="1600" dirty="0" err="1">
+                <a:solidFill>
+                  <a:schemeClr val="accent1">
+                    <a:lumMod val="75000"/>
+                  </a:schemeClr>
+                </a:solidFill>
+              </a:rPr>
+              <a:t>kom</a:t>
+            </a:r>
+            <a:r>
+              <a:rPr lang="en-US" sz="1600" dirty="0">
+                <a:solidFill>
+                  <a:schemeClr val="accent1">
+                    <a:lumMod val="75000"/>
+                  </a:schemeClr>
+                </a:solidFill>
+              </a:rPr>
+              <a:t> </a:t>
+            </a:r>
+            <a:r>
+              <a:rPr lang="en-US" sz="1600" dirty="0" err="1">
+                <a:solidFill>
+                  <a:schemeClr val="accent1">
+                    <a:lumMod val="75000"/>
+                  </a:schemeClr>
+                </a:solidFill>
+              </a:rPr>
+              <a:t>ihåg</a:t>
+            </a:r>
+            <a:r>
+              <a:rPr lang="en-US" sz="1600" dirty="0">
+                <a:solidFill>
+                  <a:schemeClr val="accent1">
+                    <a:lumMod val="75000"/>
+                  </a:schemeClr>
+                </a:solidFill>
+              </a:rPr>
+              <a:t> ./ </a:t>
+            </a:r>
+            <a:r>
+              <a:rPr lang="en-US" sz="1600" dirty="0" err="1">
+                <a:solidFill>
+                  <a:schemeClr val="accent1">
+                    <a:lumMod val="75000"/>
+                  </a:schemeClr>
+                </a:solidFill>
+              </a:rPr>
+              <a:t>betyder</a:t>
+            </a:r>
+            <a:r>
+              <a:rPr lang="en-US" sz="1600" dirty="0">
+                <a:solidFill>
+                  <a:schemeClr val="accent1">
+                    <a:lumMod val="75000"/>
+                  </a:schemeClr>
+                </a:solidFill>
+              </a:rPr>
+              <a:t> </a:t>
+            </a:r>
+            <a:r>
+              <a:rPr lang="en-US" sz="1600" dirty="0" err="1">
+                <a:solidFill>
+                  <a:schemeClr val="accent1">
+                    <a:lumMod val="75000"/>
+                  </a:schemeClr>
+                </a:solidFill>
+              </a:rPr>
+              <a:t>utgå</a:t>
+            </a:r>
+            <a:r>
+              <a:rPr lang="en-US" sz="1600" dirty="0">
+                <a:solidFill>
+                  <a:schemeClr val="accent1">
+                    <a:lumMod val="75000"/>
+                  </a:schemeClr>
+                </a:solidFill>
+              </a:rPr>
+              <a:t> </a:t>
+            </a:r>
+            <a:r>
+              <a:rPr lang="en-US" sz="1600" dirty="0" err="1">
+                <a:solidFill>
+                  <a:schemeClr val="accent1">
+                    <a:lumMod val="75000"/>
+                  </a:schemeClr>
+                </a:solidFill>
+              </a:rPr>
+              <a:t>från</a:t>
+            </a:r>
+            <a:r>
+              <a:rPr lang="en-US" sz="1600" dirty="0">
+                <a:solidFill>
+                  <a:schemeClr val="accent1">
+                    <a:lumMod val="75000"/>
+                  </a:schemeClr>
+                </a:solidFill>
+              </a:rPr>
+              <a:t> den </a:t>
+            </a:r>
+            <a:r>
+              <a:rPr lang="en-US" sz="1600" dirty="0" err="1">
+                <a:solidFill>
+                  <a:schemeClr val="accent1">
+                    <a:lumMod val="75000"/>
+                  </a:schemeClr>
+                </a:solidFill>
+              </a:rPr>
+              <a:t>här</a:t>
+            </a:r>
+            <a:r>
+              <a:rPr lang="en-US" sz="1600" dirty="0">
+                <a:solidFill>
+                  <a:schemeClr val="accent1">
+                    <a:lumMod val="75000"/>
+                  </a:schemeClr>
+                </a:solidFill>
+              </a:rPr>
+              <a:t> </a:t>
+            </a:r>
+            <a:r>
+              <a:rPr lang="en-US" sz="1600" dirty="0" err="1">
+                <a:solidFill>
+                  <a:schemeClr val="accent1">
+                    <a:lumMod val="75000"/>
+                  </a:schemeClr>
+                </a:solidFill>
+              </a:rPr>
+              <a:t>mappen</a:t>
+            </a:r>
+            <a:r>
+              <a:rPr lang="en-US" sz="1600" dirty="0">
+                <a:solidFill>
+                  <a:schemeClr val="accent1">
+                    <a:lumMod val="75000"/>
+                  </a:schemeClr>
+                </a:solidFill>
+              </a:rPr>
+              <a:t>,</a:t>
+            </a:r>
+            <a:br>
+              <a:rPr lang="en-US" sz="1600" dirty="0">
+                <a:solidFill>
+                  <a:schemeClr val="accent1">
+                    <a:lumMod val="75000"/>
+                  </a:schemeClr>
+                </a:solidFill>
+              </a:rPr>
+            </a:br>
+            <a:r>
+              <a:rPr lang="en-US" sz="1600" dirty="0">
+                <a:solidFill>
+                  <a:schemeClr val="accent1">
+                    <a:lumMod val="75000"/>
+                  </a:schemeClr>
+                </a:solidFill>
+              </a:rPr>
+              <a:t>../ </a:t>
+            </a:r>
+            <a:r>
+              <a:rPr lang="en-US" sz="1600" dirty="0" err="1">
+                <a:solidFill>
+                  <a:schemeClr val="accent1">
+                    <a:lumMod val="75000"/>
+                  </a:schemeClr>
+                </a:solidFill>
+              </a:rPr>
+              <a:t>betyder</a:t>
+            </a:r>
+            <a:r>
+              <a:rPr lang="en-US" sz="1600" dirty="0">
+                <a:solidFill>
+                  <a:schemeClr val="accent1">
+                    <a:lumMod val="75000"/>
+                  </a:schemeClr>
+                </a:solidFill>
+              </a:rPr>
+              <a:t> </a:t>
+            </a:r>
+            <a:r>
+              <a:rPr lang="en-US" sz="1600" dirty="0" err="1">
+                <a:solidFill>
+                  <a:schemeClr val="accent1">
+                    <a:lumMod val="75000"/>
+                  </a:schemeClr>
+                </a:solidFill>
+              </a:rPr>
+              <a:t>gå</a:t>
+            </a:r>
+            <a:r>
+              <a:rPr lang="en-US" sz="1600" dirty="0">
+                <a:solidFill>
+                  <a:schemeClr val="accent1">
+                    <a:lumMod val="75000"/>
+                  </a:schemeClr>
+                </a:solidFill>
+              </a:rPr>
+              <a:t> </a:t>
+            </a:r>
+            <a:r>
+              <a:rPr lang="en-US" sz="1600" dirty="0" err="1">
+                <a:solidFill>
+                  <a:schemeClr val="accent1">
+                    <a:lumMod val="75000"/>
+                  </a:schemeClr>
+                </a:solidFill>
+              </a:rPr>
+              <a:t>upp</a:t>
+            </a:r>
+            <a:r>
+              <a:rPr lang="en-US" sz="1600" dirty="0">
+                <a:solidFill>
+                  <a:schemeClr val="accent1">
+                    <a:lumMod val="75000"/>
+                  </a:schemeClr>
+                </a:solidFill>
+              </a:rPr>
+              <a:t> </a:t>
+            </a:r>
+            <a:r>
+              <a:rPr lang="en-US" sz="1600" dirty="0" err="1">
+                <a:solidFill>
+                  <a:schemeClr val="accent1">
+                    <a:lumMod val="75000"/>
+                  </a:schemeClr>
+                </a:solidFill>
+              </a:rPr>
+              <a:t>en</a:t>
+            </a:r>
+            <a:r>
+              <a:rPr lang="en-US" sz="1600" dirty="0">
+                <a:solidFill>
+                  <a:schemeClr val="accent1">
+                    <a:lumMod val="75000"/>
+                  </a:schemeClr>
+                </a:solidFill>
+              </a:rPr>
+              <a:t> </a:t>
+            </a:r>
+            <a:r>
+              <a:rPr lang="en-US" sz="1600" dirty="0" err="1">
+                <a:solidFill>
+                  <a:schemeClr val="accent1">
+                    <a:lumMod val="75000"/>
+                  </a:schemeClr>
+                </a:solidFill>
+              </a:rPr>
+              <a:t>mapp</a:t>
+            </a:r>
+            <a:endParaRPr lang="en-SE" sz="1600" dirty="0">
+              <a:solidFill>
+                <a:schemeClr val="accent1">
+                  <a:lumMod val="75000"/>
+                </a:schemeClr>
+              </a:solidFill>
+            </a:endParaRPr>
+          </a:p>
+        </p:txBody>
+      </p:sp>
+      <p:sp>
+        <p:nvSpPr>
+          <p:cNvPr id="9" name="TextBox 8">
+            <a:extLst>
+              <a:ext uri="{FF2B5EF4-FFF2-40B4-BE49-F238E27FC236}">
+                <a16:creationId xmlns:a16="http://schemas.microsoft.com/office/drawing/2014/main" id="{784E0EC9-5821-4973-8E19-A91004AE1EBB}"/>
+              </a:ext>
+            </a:extLst>
+          </p:cNvPr>
+          <p:cNvSpPr txBox="1"/>
+          <p:nvPr/>
+        </p:nvSpPr>
+        <p:spPr>
+          <a:xfrm>
+            <a:off x="6218968" y="4958907"/>
+            <a:ext cx="4349909" cy="338554"/>
+          </a:xfrm>
+          <a:prstGeom prst="rect">
+            <a:avLst/>
+          </a:prstGeom>
+          <a:noFill/>
+        </p:spPr>
+        <p:txBody>
+          <a:bodyPr wrap="none" rtlCol="0">
+            <a:spAutoFit/>
+          </a:bodyPr>
+          <a:lstStyle/>
+          <a:p>
+            <a:r>
+              <a:rPr lang="en-US" sz="1600" dirty="0">
+                <a:solidFill>
+                  <a:schemeClr val="accent1">
+                    <a:lumMod val="75000"/>
+                  </a:schemeClr>
+                </a:solidFill>
+              </a:rPr>
+              <a:t>2. </a:t>
+            </a:r>
+            <a:r>
+              <a:rPr lang="en-US" sz="1600" dirty="0" err="1">
+                <a:solidFill>
+                  <a:schemeClr val="accent1">
+                    <a:lumMod val="75000"/>
+                  </a:schemeClr>
+                </a:solidFill>
+              </a:rPr>
+              <a:t>Definera</a:t>
+            </a:r>
+            <a:r>
+              <a:rPr lang="en-US" sz="1600" dirty="0">
+                <a:solidFill>
+                  <a:schemeClr val="accent1">
+                    <a:lumMod val="75000"/>
+                  </a:schemeClr>
+                </a:solidFill>
+              </a:rPr>
+              <a:t> </a:t>
+            </a:r>
+            <a:r>
+              <a:rPr lang="en-US" sz="1600" dirty="0" err="1">
+                <a:solidFill>
+                  <a:schemeClr val="accent1">
+                    <a:lumMod val="75000"/>
+                  </a:schemeClr>
+                </a:solidFill>
+              </a:rPr>
+              <a:t>komponenten</a:t>
+            </a:r>
+            <a:r>
+              <a:rPr lang="en-US" sz="1600" dirty="0">
+                <a:solidFill>
+                  <a:schemeClr val="accent1">
+                    <a:lumMod val="75000"/>
+                  </a:schemeClr>
+                </a:solidFill>
+              </a:rPr>
+              <a:t> </a:t>
+            </a:r>
+            <a:r>
+              <a:rPr lang="en-US" sz="1600" dirty="0" err="1">
+                <a:solidFill>
+                  <a:schemeClr val="accent1">
+                    <a:lumMod val="75000"/>
+                  </a:schemeClr>
+                </a:solidFill>
+              </a:rPr>
+              <a:t>i</a:t>
+            </a:r>
+            <a:r>
+              <a:rPr lang="en-US" sz="1600" dirty="0">
+                <a:solidFill>
+                  <a:schemeClr val="accent1">
+                    <a:lumMod val="75000"/>
+                  </a:schemeClr>
+                </a:solidFill>
+              </a:rPr>
+              <a:t> components </a:t>
+            </a:r>
+            <a:r>
+              <a:rPr lang="en-US" sz="1600" dirty="0" err="1">
+                <a:solidFill>
+                  <a:schemeClr val="accent1">
+                    <a:lumMod val="75000"/>
+                  </a:schemeClr>
+                </a:solidFill>
+              </a:rPr>
+              <a:t>sektionen</a:t>
+            </a:r>
+            <a:endParaRPr lang="en-SE" sz="1600" dirty="0">
+              <a:solidFill>
+                <a:schemeClr val="accent1">
+                  <a:lumMod val="75000"/>
+                </a:schemeClr>
+              </a:solidFill>
+            </a:endParaRPr>
+          </a:p>
+        </p:txBody>
+      </p:sp>
+      <p:sp>
+        <p:nvSpPr>
+          <p:cNvPr id="11" name="TextBox 10">
+            <a:extLst>
+              <a:ext uri="{FF2B5EF4-FFF2-40B4-BE49-F238E27FC236}">
+                <a16:creationId xmlns:a16="http://schemas.microsoft.com/office/drawing/2014/main" id="{5ECD41CF-3EBD-40DD-A7D7-5C0883770EB6}"/>
+              </a:ext>
+            </a:extLst>
+          </p:cNvPr>
+          <p:cNvSpPr txBox="1"/>
+          <p:nvPr/>
+        </p:nvSpPr>
+        <p:spPr>
+          <a:xfrm>
+            <a:off x="5925085" y="2796487"/>
+            <a:ext cx="4403257" cy="584775"/>
+          </a:xfrm>
+          <a:prstGeom prst="rect">
+            <a:avLst/>
+          </a:prstGeom>
+          <a:noFill/>
+        </p:spPr>
+        <p:txBody>
+          <a:bodyPr wrap="none" rtlCol="0">
+            <a:spAutoFit/>
+          </a:bodyPr>
+          <a:lstStyle/>
+          <a:p>
+            <a:r>
+              <a:rPr lang="en-US" sz="1600" dirty="0">
+                <a:solidFill>
+                  <a:schemeClr val="accent1">
+                    <a:lumMod val="75000"/>
+                  </a:schemeClr>
+                </a:solidFill>
+              </a:rPr>
+              <a:t>3. </a:t>
+            </a:r>
+            <a:r>
+              <a:rPr lang="en-US" sz="1600" dirty="0" err="1">
+                <a:solidFill>
+                  <a:schemeClr val="accent1">
+                    <a:lumMod val="75000"/>
+                  </a:schemeClr>
+                </a:solidFill>
+              </a:rPr>
+              <a:t>Använd</a:t>
+            </a:r>
+            <a:r>
+              <a:rPr lang="en-US" sz="1600" dirty="0">
+                <a:solidFill>
+                  <a:schemeClr val="accent1">
+                    <a:lumMod val="75000"/>
+                  </a:schemeClr>
+                </a:solidFill>
+              </a:rPr>
+              <a:t> </a:t>
+            </a:r>
+            <a:r>
+              <a:rPr lang="en-US" sz="1600" dirty="0" err="1">
+                <a:solidFill>
+                  <a:schemeClr val="accent1">
+                    <a:lumMod val="75000"/>
+                  </a:schemeClr>
+                </a:solidFill>
+              </a:rPr>
+              <a:t>komponenten</a:t>
+            </a:r>
+            <a:r>
+              <a:rPr lang="en-US" sz="1600" dirty="0">
+                <a:solidFill>
+                  <a:schemeClr val="accent1">
+                    <a:lumMod val="75000"/>
+                  </a:schemeClr>
+                </a:solidFill>
+              </a:rPr>
+              <a:t> </a:t>
+            </a:r>
+            <a:r>
+              <a:rPr lang="en-US" sz="1600" dirty="0" err="1">
+                <a:solidFill>
+                  <a:schemeClr val="accent1">
+                    <a:lumMod val="75000"/>
+                  </a:schemeClr>
+                </a:solidFill>
+              </a:rPr>
+              <a:t>som</a:t>
+            </a:r>
+            <a:r>
+              <a:rPr lang="en-US" sz="1600" dirty="0">
+                <a:solidFill>
+                  <a:schemeClr val="accent1">
+                    <a:lumMod val="75000"/>
+                  </a:schemeClr>
+                </a:solidFill>
+              </a:rPr>
+              <a:t> </a:t>
+            </a:r>
+            <a:r>
+              <a:rPr lang="en-US" sz="1600" dirty="0" err="1">
+                <a:solidFill>
+                  <a:schemeClr val="accent1">
+                    <a:lumMod val="75000"/>
+                  </a:schemeClr>
+                </a:solidFill>
+              </a:rPr>
+              <a:t>en</a:t>
+            </a:r>
+            <a:r>
+              <a:rPr lang="en-US" sz="1600" dirty="0">
+                <a:solidFill>
+                  <a:schemeClr val="accent1">
+                    <a:lumMod val="75000"/>
+                  </a:schemeClr>
+                </a:solidFill>
+              </a:rPr>
+              <a:t> </a:t>
+            </a:r>
+            <a:r>
+              <a:rPr lang="en-US" sz="1600" dirty="0" err="1">
+                <a:solidFill>
+                  <a:schemeClr val="accent1">
+                    <a:lumMod val="75000"/>
+                  </a:schemeClr>
+                </a:solidFill>
+              </a:rPr>
+              <a:t>vanlig</a:t>
+            </a:r>
+            <a:r>
+              <a:rPr lang="en-US" sz="1600" dirty="0">
+                <a:solidFill>
+                  <a:schemeClr val="accent1">
+                    <a:lumMod val="75000"/>
+                  </a:schemeClr>
+                </a:solidFill>
+              </a:rPr>
+              <a:t> HTML </a:t>
+            </a:r>
+            <a:r>
+              <a:rPr lang="en-US" sz="1600" dirty="0" err="1">
+                <a:solidFill>
+                  <a:schemeClr val="accent1">
+                    <a:lumMod val="75000"/>
+                  </a:schemeClr>
+                </a:solidFill>
+              </a:rPr>
+              <a:t>tagg</a:t>
+            </a:r>
+            <a:r>
+              <a:rPr lang="en-US" sz="1600" dirty="0">
+                <a:solidFill>
+                  <a:schemeClr val="accent1">
+                    <a:lumMod val="75000"/>
+                  </a:schemeClr>
+                </a:solidFill>
+              </a:rPr>
+              <a:t> </a:t>
+            </a:r>
+            <a:br>
+              <a:rPr lang="en-US" sz="1600" dirty="0">
+                <a:solidFill>
+                  <a:schemeClr val="accent1">
+                    <a:lumMod val="75000"/>
+                  </a:schemeClr>
+                </a:solidFill>
+              </a:rPr>
+            </a:br>
+            <a:r>
+              <a:rPr lang="en-US" sz="1600" dirty="0">
+                <a:solidFill>
+                  <a:schemeClr val="accent1">
+                    <a:lumMod val="75000"/>
+                  </a:schemeClr>
+                </a:solidFill>
+              </a:rPr>
+              <a:t>men med </a:t>
+            </a:r>
+            <a:r>
+              <a:rPr lang="en-US" sz="1600" dirty="0" err="1">
+                <a:solidFill>
+                  <a:schemeClr val="accent1">
+                    <a:lumMod val="75000"/>
+                  </a:schemeClr>
+                </a:solidFill>
+              </a:rPr>
+              <a:t>komponentens</a:t>
+            </a:r>
+            <a:r>
+              <a:rPr lang="en-US" sz="1600" dirty="0">
+                <a:solidFill>
+                  <a:schemeClr val="accent1">
+                    <a:lumMod val="75000"/>
+                  </a:schemeClr>
+                </a:solidFill>
+              </a:rPr>
+              <a:t> </a:t>
+            </a:r>
+            <a:r>
+              <a:rPr lang="en-US" sz="1600" dirty="0" err="1">
+                <a:solidFill>
+                  <a:schemeClr val="accent1">
+                    <a:lumMod val="75000"/>
+                  </a:schemeClr>
+                </a:solidFill>
+              </a:rPr>
+              <a:t>namn</a:t>
+            </a:r>
+            <a:endParaRPr lang="en-SE" sz="1600" dirty="0">
+              <a:solidFill>
+                <a:schemeClr val="accent1">
+                  <a:lumMod val="75000"/>
+                </a:schemeClr>
+              </a:solidFill>
+            </a:endParaRPr>
+          </a:p>
+        </p:txBody>
+      </p:sp>
+    </p:spTree>
+    <p:extLst>
+      <p:ext uri="{BB962C8B-B14F-4D97-AF65-F5344CB8AC3E}">
+        <p14:creationId xmlns:p14="http://schemas.microsoft.com/office/powerpoint/2010/main" val="685013374"/>
+      </p:ext>
+    </p:extLst>
+  </p:cSld>
+  <p:clrMapOvr>
+    <a:masterClrMapping/>
+  </p:clrMapOvr>
+</p:sld>
+</file>
+
+<file path=ppt/slides/slide19.xml><?xml version="1.0" encoding="utf-8"?>
+<p:sld xmlns:a="http://schemas.openxmlformats.org/drawingml/2006/main" xmlns:r="http://schemas.openxmlformats.org/officeDocument/2006/relationships" xmlns:p="http://schemas.openxmlformats.org/presentationml/2006/main">
+  <p:cSld>
+    <p:spTree>
+      <p:nvGrpSpPr>
+        <p:cNvPr id="1" name=""/>
+        <p:cNvGrpSpPr/>
+        <p:nvPr/>
+      </p:nvGrpSpPr>
+      <p:grpSpPr>
+        <a:xfrm>
+          <a:off x="0" y="0"/>
+          <a:ext cx="0" cy="0"/>
+          <a:chOff x="0" y="0"/>
+          <a:chExt cx="0" cy="0"/>
+        </a:xfrm>
+      </p:grpSpPr>
+      <p:sp>
+        <p:nvSpPr>
+          <p:cNvPr id="2" name="Title 1">
+            <a:extLst>
+              <a:ext uri="{FF2B5EF4-FFF2-40B4-BE49-F238E27FC236}">
+                <a16:creationId xmlns:a16="http://schemas.microsoft.com/office/drawing/2014/main" id="{8EDAE078-3CB3-4D1F-8E4E-75C6D5DA8D1A}"/>
+              </a:ext>
+            </a:extLst>
+          </p:cNvPr>
+          <p:cNvSpPr>
+            <a:spLocks noGrp="1"/>
+          </p:cNvSpPr>
+          <p:nvPr>
+            <p:ph type="title"/>
+          </p:nvPr>
+        </p:nvSpPr>
+        <p:spPr>
+          <a:xfrm>
+            <a:off x="1203434" y="382385"/>
+            <a:ext cx="10893973" cy="596023"/>
+          </a:xfrm>
+        </p:spPr>
+        <p:txBody>
+          <a:bodyPr>
+            <a:normAutofit fontScale="90000"/>
+          </a:bodyPr>
+          <a:lstStyle/>
+          <a:p>
+            <a:pPr algn="ctr"/>
+            <a:r>
+              <a:rPr lang="en-US" sz="4000" dirty="0" err="1">
+                <a:latin typeface="Gill Sans MT (Body)"/>
+              </a:rPr>
+              <a:t>Bygga</a:t>
+            </a:r>
+            <a:r>
+              <a:rPr lang="en-US" sz="4000" dirty="0">
+                <a:latin typeface="Gill Sans MT (Body)"/>
+              </a:rPr>
+              <a:t> med </a:t>
+            </a:r>
+            <a:r>
+              <a:rPr lang="en-US" sz="4000" dirty="0" err="1">
+                <a:latin typeface="Gill Sans MT (Body)"/>
+              </a:rPr>
+              <a:t>komponenter</a:t>
+            </a:r>
+            <a:r>
+              <a:rPr lang="en-US" sz="4000" dirty="0">
+                <a:latin typeface="Gill Sans MT (Body)"/>
+              </a:rPr>
+              <a:t> </a:t>
+            </a:r>
+            <a:r>
+              <a:rPr lang="en-US" sz="4000" dirty="0" err="1">
+                <a:latin typeface="Gill Sans MT (Body)"/>
+              </a:rPr>
+              <a:t>Exempel</a:t>
+            </a:r>
+            <a:endParaRPr lang="en-US" sz="4000" dirty="0">
+              <a:latin typeface="Bodoni MT" panose="02070603080606020203" pitchFamily="18" charset="0"/>
+            </a:endParaRPr>
+          </a:p>
+        </p:txBody>
+      </p:sp>
       <p:pic>
         <p:nvPicPr>
           <p:cNvPr id="10" name="Picture 9">
@@ -10979,273 +11876,7 @@
     </p:spTree>
     <p:extLst>
       <p:ext uri="{BB962C8B-B14F-4D97-AF65-F5344CB8AC3E}">
-        <p14:creationId xmlns:p14="http://schemas.microsoft.com/office/powerpoint/2010/main" val="685013374"/>
-      </p:ext>
-    </p:extLst>
-  </p:cSld>
-  <p:clrMapOvr>
-    <a:masterClrMapping/>
-  </p:clrMapOvr>
-</p:sld>
-</file>
-
-<file path=ppt/slides/slide19.xml><?xml version="1.0" encoding="utf-8"?>
-<p:sld xmlns:a="http://schemas.openxmlformats.org/drawingml/2006/main" xmlns:r="http://schemas.openxmlformats.org/officeDocument/2006/relationships" xmlns:p="http://schemas.openxmlformats.org/presentationml/2006/main">
-  <p:cSld>
-    <p:spTree>
-      <p:nvGrpSpPr>
-        <p:cNvPr id="1" name=""/>
-        <p:cNvGrpSpPr/>
-        <p:nvPr/>
-      </p:nvGrpSpPr>
-      <p:grpSpPr>
-        <a:xfrm>
-          <a:off x="0" y="0"/>
-          <a:ext cx="0" cy="0"/>
-          <a:chOff x="0" y="0"/>
-          <a:chExt cx="0" cy="0"/>
-        </a:xfrm>
-      </p:grpSpPr>
-      <p:sp>
-        <p:nvSpPr>
-          <p:cNvPr id="2" name="Title 1">
-            <a:extLst>
-              <a:ext uri="{FF2B5EF4-FFF2-40B4-BE49-F238E27FC236}">
-                <a16:creationId xmlns:a16="http://schemas.microsoft.com/office/drawing/2014/main" id="{8EDAE078-3CB3-4D1F-8E4E-75C6D5DA8D1A}"/>
-              </a:ext>
-            </a:extLst>
-          </p:cNvPr>
-          <p:cNvSpPr>
-            <a:spLocks noGrp="1"/>
-          </p:cNvSpPr>
-          <p:nvPr>
-            <p:ph type="title"/>
-          </p:nvPr>
-        </p:nvSpPr>
-        <p:spPr>
-          <a:xfrm>
-            <a:off x="1203434" y="135110"/>
-            <a:ext cx="10893973" cy="596023"/>
-          </a:xfrm>
-        </p:spPr>
-        <p:txBody>
-          <a:bodyPr>
-            <a:normAutofit fontScale="90000"/>
-          </a:bodyPr>
-          <a:lstStyle/>
-          <a:p>
-            <a:pPr algn="ctr"/>
-            <a:r>
-              <a:rPr lang="en-US" sz="4000" dirty="0">
-                <a:latin typeface="Gill Sans MT (Body)"/>
-              </a:rPr>
-              <a:t>Component Communication</a:t>
-            </a:r>
-          </a:p>
-        </p:txBody>
-      </p:sp>
-      <p:pic>
-        <p:nvPicPr>
-          <p:cNvPr id="7170" name="Picture 2" descr="The Perfect Wrapper Components in Vue 2.6 and soon Vue 3.0 | by Vaibhav  Namburi | Noteworthy - The Journal Blog">
-            <a:extLst>
-              <a:ext uri="{FF2B5EF4-FFF2-40B4-BE49-F238E27FC236}">
-                <a16:creationId xmlns:a16="http://schemas.microsoft.com/office/drawing/2014/main" id="{52EE8D40-CE2E-403A-BCDB-64FA8D310B40}"/>
-              </a:ext>
-            </a:extLst>
-          </p:cNvPr>
-          <p:cNvPicPr>
-            <a:picLocks noChangeAspect="1" noChangeArrowheads="1"/>
-          </p:cNvPicPr>
-          <p:nvPr/>
-        </p:nvPicPr>
-        <p:blipFill>
-          <a:blip r:embed="rId2">
-            <a:extLst>
-              <a:ext uri="{28A0092B-C50C-407E-A947-70E740481C1C}">
-                <a14:useLocalDpi xmlns:a14="http://schemas.microsoft.com/office/drawing/2010/main" val="0"/>
-              </a:ext>
-            </a:extLst>
-          </a:blip>
-          <a:srcRect/>
-          <a:stretch>
-            <a:fillRect/>
-          </a:stretch>
-        </p:blipFill>
-        <p:spPr bwMode="auto">
-          <a:xfrm>
-            <a:off x="4142460" y="615760"/>
-            <a:ext cx="4276725" cy="2138363"/>
-          </a:xfrm>
-          <a:prstGeom prst="rect">
-            <a:avLst/>
-          </a:prstGeom>
-          <a:noFill/>
-          <a:extLst>
-            <a:ext uri="{909E8E84-426E-40DD-AFC4-6F175D3DCCD1}">
-              <a14:hiddenFill xmlns:a14="http://schemas.microsoft.com/office/drawing/2010/main">
-                <a:solidFill>
-                  <a:srgbClr val="FFFFFF"/>
-                </a:solidFill>
-              </a14:hiddenFill>
-            </a:ext>
-          </a:extLst>
-        </p:spPr>
-      </p:pic>
-      <p:pic>
-        <p:nvPicPr>
-          <p:cNvPr id="7172" name="Picture 4">
-            <a:extLst>
-              <a:ext uri="{FF2B5EF4-FFF2-40B4-BE49-F238E27FC236}">
-                <a16:creationId xmlns:a16="http://schemas.microsoft.com/office/drawing/2014/main" id="{877F3F4A-C6EE-4262-B9E5-23012706DC32}"/>
-              </a:ext>
-            </a:extLst>
-          </p:cNvPr>
-          <p:cNvPicPr>
-            <a:picLocks noChangeAspect="1" noChangeArrowheads="1"/>
-          </p:cNvPicPr>
-          <p:nvPr/>
-        </p:nvPicPr>
-        <p:blipFill>
-          <a:blip r:embed="rId3">
-            <a:extLst>
-              <a:ext uri="{28A0092B-C50C-407E-A947-70E740481C1C}">
-                <a14:useLocalDpi xmlns:a14="http://schemas.microsoft.com/office/drawing/2010/main" val="0"/>
-              </a:ext>
-            </a:extLst>
-          </a:blip>
-          <a:srcRect/>
-          <a:stretch>
-            <a:fillRect/>
-          </a:stretch>
-        </p:blipFill>
-        <p:spPr bwMode="auto">
-          <a:xfrm>
-            <a:off x="6840333" y="4084334"/>
-            <a:ext cx="4815080" cy="1749479"/>
-          </a:xfrm>
-          <a:prstGeom prst="rect">
-            <a:avLst/>
-          </a:prstGeom>
-          <a:noFill/>
-          <a:extLst>
-            <a:ext uri="{909E8E84-426E-40DD-AFC4-6F175D3DCCD1}">
-              <a14:hiddenFill xmlns:a14="http://schemas.microsoft.com/office/drawing/2010/main">
-                <a:solidFill>
-                  <a:srgbClr val="FFFFFF"/>
-                </a:solidFill>
-              </a14:hiddenFill>
-            </a:ext>
-          </a:extLst>
-        </p:spPr>
-      </p:pic>
-      <p:pic>
-        <p:nvPicPr>
-          <p:cNvPr id="7174" name="Picture 6">
-            <a:extLst>
-              <a:ext uri="{FF2B5EF4-FFF2-40B4-BE49-F238E27FC236}">
-                <a16:creationId xmlns:a16="http://schemas.microsoft.com/office/drawing/2014/main" id="{1ED7EB82-DB80-4705-A1C0-0D5E43013695}"/>
-              </a:ext>
-            </a:extLst>
-          </p:cNvPr>
-          <p:cNvPicPr>
-            <a:picLocks noChangeAspect="1" noChangeArrowheads="1"/>
-          </p:cNvPicPr>
-          <p:nvPr/>
-        </p:nvPicPr>
-        <p:blipFill>
-          <a:blip r:embed="rId4">
-            <a:extLst>
-              <a:ext uri="{28A0092B-C50C-407E-A947-70E740481C1C}">
-                <a14:useLocalDpi xmlns:a14="http://schemas.microsoft.com/office/drawing/2010/main" val="0"/>
-              </a:ext>
-            </a:extLst>
-          </a:blip>
-          <a:srcRect/>
-          <a:stretch>
-            <a:fillRect/>
-          </a:stretch>
-        </p:blipFill>
-        <p:spPr bwMode="auto">
-          <a:xfrm>
-            <a:off x="1203434" y="3429000"/>
-            <a:ext cx="5077389" cy="3384926"/>
-          </a:xfrm>
-          <a:prstGeom prst="rect">
-            <a:avLst/>
-          </a:prstGeom>
-          <a:noFill/>
-          <a:extLst>
-            <a:ext uri="{909E8E84-426E-40DD-AFC4-6F175D3DCCD1}">
-              <a14:hiddenFill xmlns:a14="http://schemas.microsoft.com/office/drawing/2010/main">
-                <a:solidFill>
-                  <a:srgbClr val="FFFFFF"/>
-                </a:solidFill>
-              </a14:hiddenFill>
-            </a:ext>
-          </a:extLst>
-        </p:spPr>
-      </p:pic>
-      <p:sp>
-        <p:nvSpPr>
-          <p:cNvPr id="7" name="Title 1">
-            <a:extLst>
-              <a:ext uri="{FF2B5EF4-FFF2-40B4-BE49-F238E27FC236}">
-                <a16:creationId xmlns:a16="http://schemas.microsoft.com/office/drawing/2014/main" id="{82694E16-5AA0-4F22-84C0-BE2A869806E6}"/>
-              </a:ext>
-            </a:extLst>
-          </p:cNvPr>
-          <p:cNvSpPr txBox="1">
-            <a:spLocks/>
-          </p:cNvSpPr>
-          <p:nvPr/>
-        </p:nvSpPr>
-        <p:spPr>
-          <a:xfrm>
-            <a:off x="1203434" y="2711874"/>
-            <a:ext cx="10893973" cy="464464"/>
-          </a:xfrm>
-          <a:prstGeom prst="rect">
-            <a:avLst/>
-          </a:prstGeom>
-        </p:spPr>
-        <p:txBody>
-          <a:bodyPr vert="horz" lIns="91440" tIns="45720" rIns="91440" bIns="45720" rtlCol="0" anchor="t">
-            <a:normAutofit fontScale="97500"/>
-          </a:bodyPr>
-          <a:lstStyle>
-            <a:lvl1pPr algn="l" defTabSz="914400" rtl="0" eaLnBrk="1" latinLnBrk="0" hangingPunct="1">
-              <a:lnSpc>
-                <a:spcPct val="90000"/>
-              </a:lnSpc>
-              <a:spcBef>
-                <a:spcPct val="0"/>
-              </a:spcBef>
-              <a:buNone/>
-              <a:defRPr sz="5100" kern="1200" cap="all" spc="200" baseline="0">
-                <a:solidFill>
-                  <a:schemeClr val="tx2"/>
-                </a:solidFill>
-                <a:latin typeface="+mj-lt"/>
-                <a:ea typeface="+mj-ea"/>
-                <a:cs typeface="+mj-cs"/>
-              </a:defRPr>
-            </a:lvl1pPr>
-          </a:lstStyle>
-          <a:p>
-            <a:pPr algn="ctr"/>
-            <a:r>
-              <a:rPr lang="en-US" sz="2400" dirty="0">
-                <a:latin typeface="Gill Sans MT (Body)"/>
-              </a:rPr>
-              <a:t>Parent -&gt; Child Communication : PROPS</a:t>
-            </a:r>
-          </a:p>
-        </p:txBody>
-      </p:sp>
-    </p:spTree>
-    <p:extLst>
-      <p:ext uri="{BB962C8B-B14F-4D97-AF65-F5344CB8AC3E}">
-        <p14:creationId xmlns:p14="http://schemas.microsoft.com/office/powerpoint/2010/main" val="287259337"/>
+        <p14:creationId xmlns:p14="http://schemas.microsoft.com/office/powerpoint/2010/main" val="848908645"/>
       </p:ext>
     </p:extLst>
   </p:cSld>
@@ -11567,6 +12198,723 @@
         </p:nvSpPr>
         <p:spPr>
           <a:xfrm>
+            <a:off x="1203434" y="382385"/>
+            <a:ext cx="10893973" cy="596023"/>
+          </a:xfrm>
+        </p:spPr>
+        <p:txBody>
+          <a:bodyPr>
+            <a:normAutofit fontScale="90000"/>
+          </a:bodyPr>
+          <a:lstStyle/>
+          <a:p>
+            <a:pPr algn="ctr"/>
+            <a:r>
+              <a:rPr lang="en-US" sz="4000" dirty="0" err="1">
+                <a:latin typeface="Gill Sans MT (Body)"/>
+              </a:rPr>
+              <a:t>Bygga</a:t>
+            </a:r>
+            <a:r>
+              <a:rPr lang="en-US" sz="4000" dirty="0">
+                <a:latin typeface="Gill Sans MT (Body)"/>
+              </a:rPr>
+              <a:t> med </a:t>
+            </a:r>
+            <a:r>
+              <a:rPr lang="en-US" sz="4000" dirty="0" err="1">
+                <a:latin typeface="Gill Sans MT (Body)"/>
+              </a:rPr>
+              <a:t>komponenter</a:t>
+            </a:r>
+            <a:r>
+              <a:rPr lang="en-US" sz="4000" dirty="0">
+                <a:latin typeface="Gill Sans MT (Body)"/>
+              </a:rPr>
+              <a:t> </a:t>
+            </a:r>
+            <a:r>
+              <a:rPr lang="en-US" sz="4000" dirty="0" err="1">
+                <a:latin typeface="Gill Sans MT (Body)"/>
+              </a:rPr>
+              <a:t>Exempel</a:t>
+            </a:r>
+            <a:endParaRPr lang="en-US" sz="4000" dirty="0">
+              <a:latin typeface="Bodoni MT" panose="02070603080606020203" pitchFamily="18" charset="0"/>
+            </a:endParaRPr>
+          </a:p>
+        </p:txBody>
+      </p:sp>
+      <p:pic>
+        <p:nvPicPr>
+          <p:cNvPr id="10" name="Picture 9">
+            <a:extLst>
+              <a:ext uri="{FF2B5EF4-FFF2-40B4-BE49-F238E27FC236}">
+                <a16:creationId xmlns:a16="http://schemas.microsoft.com/office/drawing/2014/main" id="{54DCF84D-7185-4E6D-926A-784B9F2D7673}"/>
+              </a:ext>
+            </a:extLst>
+          </p:cNvPr>
+          <p:cNvPicPr>
+            <a:picLocks noChangeAspect="1"/>
+          </p:cNvPicPr>
+          <p:nvPr/>
+        </p:nvPicPr>
+        <p:blipFill>
+          <a:blip r:embed="rId2"/>
+          <a:stretch>
+            <a:fillRect/>
+          </a:stretch>
+        </p:blipFill>
+        <p:spPr>
+          <a:xfrm>
+            <a:off x="1042381" y="3051759"/>
+            <a:ext cx="5735010" cy="3230638"/>
+          </a:xfrm>
+          <a:prstGeom prst="rect">
+            <a:avLst/>
+          </a:prstGeom>
+        </p:spPr>
+      </p:pic>
+      <p:sp>
+        <p:nvSpPr>
+          <p:cNvPr id="5" name="TextBox 4">
+            <a:extLst>
+              <a:ext uri="{FF2B5EF4-FFF2-40B4-BE49-F238E27FC236}">
+                <a16:creationId xmlns:a16="http://schemas.microsoft.com/office/drawing/2014/main" id="{49F22C67-242E-4365-A378-2807E93FEC00}"/>
+              </a:ext>
+            </a:extLst>
+          </p:cNvPr>
+          <p:cNvSpPr txBox="1"/>
+          <p:nvPr/>
+        </p:nvSpPr>
+        <p:spPr>
+          <a:xfrm>
+            <a:off x="1900969" y="978408"/>
+            <a:ext cx="9127222" cy="2031325"/>
+          </a:xfrm>
+          <a:prstGeom prst="rect">
+            <a:avLst/>
+          </a:prstGeom>
+          <a:noFill/>
+        </p:spPr>
+        <p:txBody>
+          <a:bodyPr wrap="square" rtlCol="0">
+            <a:spAutoFit/>
+          </a:bodyPr>
+          <a:lstStyle/>
+          <a:p>
+            <a:pPr marL="285750" indent="-285750">
+              <a:buFont typeface="Arial" panose="020B0604020202020204" pitchFamily="34" charset="0"/>
+              <a:buChar char="•"/>
+            </a:pPr>
+            <a:r>
+              <a:rPr lang="sv-SE" dirty="0">
+                <a:solidFill>
+                  <a:schemeClr val="tx1">
+                    <a:lumMod val="65000"/>
+                    <a:lumOff val="35000"/>
+                  </a:schemeClr>
+                </a:solidFill>
+                <a:latin typeface="Gill Sans MT (Body)"/>
+                <a:cs typeface="Times New Roman" panose="02020603050405020304" pitchFamily="18" charset="0"/>
+              </a:rPr>
+              <a:t>Vi har en huvudkomponent </a:t>
+            </a:r>
+            <a:r>
+              <a:rPr lang="sv-SE" dirty="0">
+                <a:solidFill>
+                  <a:schemeClr val="tx2">
+                    <a:lumMod val="75000"/>
+                    <a:lumOff val="25000"/>
+                  </a:schemeClr>
+                </a:solidFill>
+                <a:latin typeface="Gill Sans MT (Body)"/>
+                <a:cs typeface="Times New Roman" panose="02020603050405020304" pitchFamily="18" charset="0"/>
+              </a:rPr>
+              <a:t>app-7</a:t>
+            </a:r>
+            <a:r>
+              <a:rPr lang="sv-SE" dirty="0">
+                <a:solidFill>
+                  <a:schemeClr val="tx1">
+                    <a:lumMod val="65000"/>
+                    <a:lumOff val="35000"/>
+                  </a:schemeClr>
+                </a:solidFill>
+                <a:latin typeface="Gill Sans MT (Body)"/>
+                <a:cs typeface="Times New Roman" panose="02020603050405020304" pitchFamily="18" charset="0"/>
+              </a:rPr>
+              <a:t> och en </a:t>
+            </a:r>
+            <a:r>
+              <a:rPr lang="sv-SE" dirty="0" err="1">
+                <a:solidFill>
+                  <a:schemeClr val="tx1">
+                    <a:lumMod val="65000"/>
+                    <a:lumOff val="35000"/>
+                  </a:schemeClr>
+                </a:solidFill>
+                <a:latin typeface="Gill Sans MT (Body)"/>
+                <a:cs typeface="Times New Roman" panose="02020603050405020304" pitchFamily="18" charset="0"/>
+              </a:rPr>
+              <a:t>child</a:t>
+            </a:r>
+            <a:r>
+              <a:rPr lang="sv-SE" dirty="0">
+                <a:solidFill>
+                  <a:schemeClr val="tx1">
+                    <a:lumMod val="65000"/>
+                    <a:lumOff val="35000"/>
+                  </a:schemeClr>
+                </a:solidFill>
+                <a:latin typeface="Gill Sans MT (Body)"/>
+                <a:cs typeface="Times New Roman" panose="02020603050405020304" pitchFamily="18" charset="0"/>
+              </a:rPr>
+              <a:t>-komponent </a:t>
+            </a:r>
+            <a:r>
+              <a:rPr lang="sv-SE" dirty="0" err="1">
+                <a:solidFill>
+                  <a:schemeClr val="tx2">
+                    <a:lumMod val="75000"/>
+                    <a:lumOff val="25000"/>
+                  </a:schemeClr>
+                </a:solidFill>
+                <a:latin typeface="Gill Sans MT (Body)"/>
+                <a:cs typeface="Times New Roman" panose="02020603050405020304" pitchFamily="18" charset="0"/>
+              </a:rPr>
+              <a:t>todo</a:t>
+            </a:r>
+            <a:r>
+              <a:rPr lang="sv-SE" dirty="0">
+                <a:solidFill>
+                  <a:schemeClr val="tx2">
+                    <a:lumMod val="75000"/>
+                    <a:lumOff val="25000"/>
+                  </a:schemeClr>
+                </a:solidFill>
+                <a:latin typeface="Gill Sans MT (Body)"/>
+                <a:cs typeface="Times New Roman" panose="02020603050405020304" pitchFamily="18" charset="0"/>
+              </a:rPr>
+              <a:t>-item</a:t>
+            </a:r>
+            <a:r>
+              <a:rPr lang="sv-SE" dirty="0">
+                <a:solidFill>
+                  <a:schemeClr val="tx1">
+                    <a:lumMod val="65000"/>
+                    <a:lumOff val="35000"/>
+                  </a:schemeClr>
+                </a:solidFill>
+                <a:latin typeface="Gill Sans MT (Body)"/>
+                <a:cs typeface="Times New Roman" panose="02020603050405020304" pitchFamily="18" charset="0"/>
+              </a:rPr>
+              <a:t>. </a:t>
+            </a:r>
+          </a:p>
+          <a:p>
+            <a:pPr marL="285750" indent="-285750">
+              <a:buFont typeface="Arial" panose="020B0604020202020204" pitchFamily="34" charset="0"/>
+              <a:buChar char="•"/>
+            </a:pPr>
+            <a:endParaRPr lang="sv-SE" dirty="0">
+              <a:solidFill>
+                <a:schemeClr val="tx1">
+                  <a:lumMod val="65000"/>
+                  <a:lumOff val="35000"/>
+                </a:schemeClr>
+              </a:solidFill>
+              <a:latin typeface="Gill Sans MT (Body)"/>
+              <a:cs typeface="Times New Roman" panose="02020603050405020304" pitchFamily="18" charset="0"/>
+            </a:endParaRPr>
+          </a:p>
+          <a:p>
+            <a:pPr marL="285750" indent="-285750">
+              <a:buFont typeface="Arial" panose="020B0604020202020204" pitchFamily="34" charset="0"/>
+              <a:buChar char="•"/>
+            </a:pPr>
+            <a:r>
+              <a:rPr lang="sv-SE" dirty="0">
+                <a:solidFill>
+                  <a:schemeClr val="tx1">
+                    <a:lumMod val="65000"/>
+                    <a:lumOff val="35000"/>
+                  </a:schemeClr>
+                </a:solidFill>
+                <a:latin typeface="Gill Sans MT (Body)"/>
+                <a:cs typeface="Times New Roman" panose="02020603050405020304" pitchFamily="18" charset="0"/>
+              </a:rPr>
+              <a:t>I exemplet har vi inkluderat  </a:t>
+            </a:r>
+            <a:r>
+              <a:rPr lang="sv-SE" dirty="0" err="1">
+                <a:solidFill>
+                  <a:schemeClr val="tx1">
+                    <a:lumMod val="65000"/>
+                    <a:lumOff val="35000"/>
+                  </a:schemeClr>
+                </a:solidFill>
+                <a:latin typeface="Gill Sans MT (Body)"/>
+                <a:cs typeface="Times New Roman" panose="02020603050405020304" pitchFamily="18" charset="0"/>
+              </a:rPr>
+              <a:t>Vue</a:t>
+            </a:r>
+            <a:r>
+              <a:rPr lang="sv-SE" dirty="0">
+                <a:solidFill>
+                  <a:schemeClr val="tx1">
+                    <a:lumMod val="65000"/>
+                    <a:lumOff val="35000"/>
+                  </a:schemeClr>
+                </a:solidFill>
+                <a:latin typeface="Gill Sans MT (Body)"/>
+                <a:cs typeface="Times New Roman" panose="02020603050405020304" pitchFamily="18" charset="0"/>
+              </a:rPr>
+              <a:t>, men i ett CLI-projekt måste man importera och inkludera komponenter som man vill använda.</a:t>
+            </a:r>
+          </a:p>
+          <a:p>
+            <a:pPr marL="285750" indent="-285750">
+              <a:buFont typeface="Arial" panose="020B0604020202020204" pitchFamily="34" charset="0"/>
+              <a:buChar char="•"/>
+            </a:pPr>
+            <a:endParaRPr lang="sv-SE" dirty="0">
+              <a:solidFill>
+                <a:schemeClr val="tx1">
+                  <a:lumMod val="65000"/>
+                  <a:lumOff val="35000"/>
+                </a:schemeClr>
+              </a:solidFill>
+              <a:latin typeface="Gill Sans MT (Body)"/>
+              <a:cs typeface="Times New Roman" panose="02020603050405020304" pitchFamily="18" charset="0"/>
+            </a:endParaRPr>
+          </a:p>
+          <a:p>
+            <a:pPr marL="285750" indent="-285750">
+              <a:buFont typeface="Arial" panose="020B0604020202020204" pitchFamily="34" charset="0"/>
+              <a:buChar char="•"/>
+            </a:pPr>
+            <a:r>
+              <a:rPr lang="sv-SE" dirty="0">
+                <a:solidFill>
+                  <a:schemeClr val="tx1">
+                    <a:lumMod val="65000"/>
+                    <a:lumOff val="35000"/>
+                  </a:schemeClr>
+                </a:solidFill>
+                <a:latin typeface="Gill Sans MT (Body)"/>
+                <a:cs typeface="Times New Roman" panose="02020603050405020304" pitchFamily="18" charset="0"/>
+              </a:rPr>
+              <a:t>Komponenten </a:t>
+            </a:r>
+            <a:r>
+              <a:rPr lang="sv-SE" dirty="0" err="1">
+                <a:solidFill>
+                  <a:schemeClr val="tx2">
+                    <a:lumMod val="75000"/>
+                    <a:lumOff val="25000"/>
+                  </a:schemeClr>
+                </a:solidFill>
+                <a:latin typeface="Gill Sans MT (Body)"/>
+                <a:cs typeface="Times New Roman" panose="02020603050405020304" pitchFamily="18" charset="0"/>
+              </a:rPr>
+              <a:t>todo</a:t>
+            </a:r>
+            <a:r>
+              <a:rPr lang="sv-SE" dirty="0">
+                <a:solidFill>
+                  <a:schemeClr val="tx2">
+                    <a:lumMod val="75000"/>
+                    <a:lumOff val="25000"/>
+                  </a:schemeClr>
+                </a:solidFill>
+                <a:latin typeface="Gill Sans MT (Body)"/>
+                <a:cs typeface="Times New Roman" panose="02020603050405020304" pitchFamily="18" charset="0"/>
+              </a:rPr>
+              <a:t>-item</a:t>
+            </a:r>
+            <a:r>
+              <a:rPr lang="sv-SE" dirty="0">
+                <a:solidFill>
+                  <a:schemeClr val="tx1">
+                    <a:lumMod val="65000"/>
+                    <a:lumOff val="35000"/>
+                  </a:schemeClr>
+                </a:solidFill>
+                <a:latin typeface="Gill Sans MT (Body)"/>
+                <a:cs typeface="Times New Roman" panose="02020603050405020304" pitchFamily="18" charset="0"/>
+              </a:rPr>
+              <a:t> skriver får in ett objekt och skriver ut det.</a:t>
+            </a:r>
+            <a:br>
+              <a:rPr lang="sv-SE" dirty="0">
+                <a:solidFill>
+                  <a:schemeClr val="tx1">
+                    <a:lumMod val="65000"/>
+                    <a:lumOff val="35000"/>
+                  </a:schemeClr>
+                </a:solidFill>
+                <a:latin typeface="Gill Sans MT (Body)"/>
+                <a:cs typeface="Times New Roman" panose="02020603050405020304" pitchFamily="18" charset="0"/>
+              </a:rPr>
+            </a:br>
+            <a:endParaRPr lang="sv-SE" dirty="0">
+              <a:solidFill>
+                <a:schemeClr val="tx1">
+                  <a:lumMod val="65000"/>
+                  <a:lumOff val="35000"/>
+                </a:schemeClr>
+              </a:solidFill>
+              <a:latin typeface="Gill Sans MT (Body)"/>
+              <a:cs typeface="Times New Roman" panose="02020603050405020304" pitchFamily="18" charset="0"/>
+            </a:endParaRPr>
+          </a:p>
+        </p:txBody>
+      </p:sp>
+      <p:pic>
+        <p:nvPicPr>
+          <p:cNvPr id="6" name="Picture 5">
+            <a:extLst>
+              <a:ext uri="{FF2B5EF4-FFF2-40B4-BE49-F238E27FC236}">
+                <a16:creationId xmlns:a16="http://schemas.microsoft.com/office/drawing/2014/main" id="{33C20DFF-7F25-441B-9AC7-5D5B44FBAC7D}"/>
+              </a:ext>
+            </a:extLst>
+          </p:cNvPr>
+          <p:cNvPicPr>
+            <a:picLocks noChangeAspect="1"/>
+          </p:cNvPicPr>
+          <p:nvPr/>
+        </p:nvPicPr>
+        <p:blipFill>
+          <a:blip r:embed="rId3"/>
+          <a:stretch>
+            <a:fillRect/>
+          </a:stretch>
+        </p:blipFill>
+        <p:spPr>
+          <a:xfrm>
+            <a:off x="6391275" y="2669544"/>
+            <a:ext cx="5124000" cy="4020814"/>
+          </a:xfrm>
+          <a:prstGeom prst="rect">
+            <a:avLst/>
+          </a:prstGeom>
+        </p:spPr>
+      </p:pic>
+    </p:spTree>
+    <p:extLst>
+      <p:ext uri="{BB962C8B-B14F-4D97-AF65-F5344CB8AC3E}">
+        <p14:creationId xmlns:p14="http://schemas.microsoft.com/office/powerpoint/2010/main" val="2412394865"/>
+      </p:ext>
+    </p:extLst>
+  </p:cSld>
+  <p:clrMapOvr>
+    <a:masterClrMapping/>
+  </p:clrMapOvr>
+</p:sld>
+</file>
+
+<file path=ppt/slides/slide21.xml><?xml version="1.0" encoding="utf-8"?>
+<p:sld xmlns:a="http://schemas.openxmlformats.org/drawingml/2006/main" xmlns:r="http://schemas.openxmlformats.org/officeDocument/2006/relationships" xmlns:p="http://schemas.openxmlformats.org/presentationml/2006/main">
+  <p:cSld>
+    <p:spTree>
+      <p:nvGrpSpPr>
+        <p:cNvPr id="1" name=""/>
+        <p:cNvGrpSpPr/>
+        <p:nvPr/>
+      </p:nvGrpSpPr>
+      <p:grpSpPr>
+        <a:xfrm>
+          <a:off x="0" y="0"/>
+          <a:ext cx="0" cy="0"/>
+          <a:chOff x="0" y="0"/>
+          <a:chExt cx="0" cy="0"/>
+        </a:xfrm>
+      </p:grpSpPr>
+      <p:sp>
+        <p:nvSpPr>
+          <p:cNvPr id="2" name="Title 1">
+            <a:extLst>
+              <a:ext uri="{FF2B5EF4-FFF2-40B4-BE49-F238E27FC236}">
+                <a16:creationId xmlns:a16="http://schemas.microsoft.com/office/drawing/2014/main" id="{8EDAE078-3CB3-4D1F-8E4E-75C6D5DA8D1A}"/>
+              </a:ext>
+            </a:extLst>
+          </p:cNvPr>
+          <p:cNvSpPr>
+            <a:spLocks noGrp="1"/>
+          </p:cNvSpPr>
+          <p:nvPr>
+            <p:ph type="title"/>
+          </p:nvPr>
+        </p:nvSpPr>
+        <p:spPr>
+          <a:xfrm>
+            <a:off x="1203434" y="135110"/>
+            <a:ext cx="10893973" cy="596023"/>
+          </a:xfrm>
+        </p:spPr>
+        <p:txBody>
+          <a:bodyPr>
+            <a:normAutofit fontScale="90000"/>
+          </a:bodyPr>
+          <a:lstStyle/>
+          <a:p>
+            <a:pPr algn="ctr"/>
+            <a:r>
+              <a:rPr lang="en-US" sz="4000" dirty="0">
+                <a:latin typeface="Gill Sans MT (Body)"/>
+              </a:rPr>
+              <a:t>Component Communication</a:t>
+            </a:r>
+          </a:p>
+        </p:txBody>
+      </p:sp>
+      <p:pic>
+        <p:nvPicPr>
+          <p:cNvPr id="7170" name="Picture 2" descr="The Perfect Wrapper Components in Vue 2.6 and soon Vue 3.0 | by Vaibhav  Namburi | Noteworthy - The Journal Blog">
+            <a:extLst>
+              <a:ext uri="{FF2B5EF4-FFF2-40B4-BE49-F238E27FC236}">
+                <a16:creationId xmlns:a16="http://schemas.microsoft.com/office/drawing/2014/main" id="{52EE8D40-CE2E-403A-BCDB-64FA8D310B40}"/>
+              </a:ext>
+            </a:extLst>
+          </p:cNvPr>
+          <p:cNvPicPr>
+            <a:picLocks noChangeAspect="1" noChangeArrowheads="1"/>
+          </p:cNvPicPr>
+          <p:nvPr/>
+        </p:nvPicPr>
+        <p:blipFill>
+          <a:blip r:embed="rId2">
+            <a:extLst>
+              <a:ext uri="{28A0092B-C50C-407E-A947-70E740481C1C}">
+                <a14:useLocalDpi xmlns:a14="http://schemas.microsoft.com/office/drawing/2010/main" val="0"/>
+              </a:ext>
+            </a:extLst>
+          </a:blip>
+          <a:srcRect/>
+          <a:stretch>
+            <a:fillRect/>
+          </a:stretch>
+        </p:blipFill>
+        <p:spPr bwMode="auto">
+          <a:xfrm>
+            <a:off x="4142460" y="615760"/>
+            <a:ext cx="4276725" cy="2138363"/>
+          </a:xfrm>
+          <a:prstGeom prst="rect">
+            <a:avLst/>
+          </a:prstGeom>
+          <a:noFill/>
+          <a:extLst>
+            <a:ext uri="{909E8E84-426E-40DD-AFC4-6F175D3DCCD1}">
+              <a14:hiddenFill xmlns:a14="http://schemas.microsoft.com/office/drawing/2010/main">
+                <a:solidFill>
+                  <a:srgbClr val="FFFFFF"/>
+                </a:solidFill>
+              </a14:hiddenFill>
+            </a:ext>
+          </a:extLst>
+        </p:spPr>
+      </p:pic>
+      <p:pic>
+        <p:nvPicPr>
+          <p:cNvPr id="7172" name="Picture 4">
+            <a:extLst>
+              <a:ext uri="{FF2B5EF4-FFF2-40B4-BE49-F238E27FC236}">
+                <a16:creationId xmlns:a16="http://schemas.microsoft.com/office/drawing/2014/main" id="{877F3F4A-C6EE-4262-B9E5-23012706DC32}"/>
+              </a:ext>
+            </a:extLst>
+          </p:cNvPr>
+          <p:cNvPicPr>
+            <a:picLocks noChangeAspect="1" noChangeArrowheads="1"/>
+          </p:cNvPicPr>
+          <p:nvPr/>
+        </p:nvPicPr>
+        <p:blipFill>
+          <a:blip r:embed="rId3">
+            <a:extLst>
+              <a:ext uri="{28A0092B-C50C-407E-A947-70E740481C1C}">
+                <a14:useLocalDpi xmlns:a14="http://schemas.microsoft.com/office/drawing/2010/main" val="0"/>
+              </a:ext>
+            </a:extLst>
+          </a:blip>
+          <a:srcRect/>
+          <a:stretch>
+            <a:fillRect/>
+          </a:stretch>
+        </p:blipFill>
+        <p:spPr bwMode="auto">
+          <a:xfrm>
+            <a:off x="6840333" y="4084334"/>
+            <a:ext cx="4815080" cy="1749479"/>
+          </a:xfrm>
+          <a:prstGeom prst="rect">
+            <a:avLst/>
+          </a:prstGeom>
+          <a:noFill/>
+          <a:extLst>
+            <a:ext uri="{909E8E84-426E-40DD-AFC4-6F175D3DCCD1}">
+              <a14:hiddenFill xmlns:a14="http://schemas.microsoft.com/office/drawing/2010/main">
+                <a:solidFill>
+                  <a:srgbClr val="FFFFFF"/>
+                </a:solidFill>
+              </a14:hiddenFill>
+            </a:ext>
+          </a:extLst>
+        </p:spPr>
+      </p:pic>
+      <p:pic>
+        <p:nvPicPr>
+          <p:cNvPr id="7174" name="Picture 6">
+            <a:extLst>
+              <a:ext uri="{FF2B5EF4-FFF2-40B4-BE49-F238E27FC236}">
+                <a16:creationId xmlns:a16="http://schemas.microsoft.com/office/drawing/2014/main" id="{1ED7EB82-DB80-4705-A1C0-0D5E43013695}"/>
+              </a:ext>
+            </a:extLst>
+          </p:cNvPr>
+          <p:cNvPicPr>
+            <a:picLocks noChangeAspect="1" noChangeArrowheads="1"/>
+          </p:cNvPicPr>
+          <p:nvPr/>
+        </p:nvPicPr>
+        <p:blipFill>
+          <a:blip r:embed="rId4">
+            <a:extLst>
+              <a:ext uri="{28A0092B-C50C-407E-A947-70E740481C1C}">
+                <a14:useLocalDpi xmlns:a14="http://schemas.microsoft.com/office/drawing/2010/main" val="0"/>
+              </a:ext>
+            </a:extLst>
+          </a:blip>
+          <a:srcRect/>
+          <a:stretch>
+            <a:fillRect/>
+          </a:stretch>
+        </p:blipFill>
+        <p:spPr bwMode="auto">
+          <a:xfrm>
+            <a:off x="1203434" y="3429000"/>
+            <a:ext cx="5077389" cy="3384926"/>
+          </a:xfrm>
+          <a:prstGeom prst="rect">
+            <a:avLst/>
+          </a:prstGeom>
+          <a:noFill/>
+          <a:extLst>
+            <a:ext uri="{909E8E84-426E-40DD-AFC4-6F175D3DCCD1}">
+              <a14:hiddenFill xmlns:a14="http://schemas.microsoft.com/office/drawing/2010/main">
+                <a:solidFill>
+                  <a:srgbClr val="FFFFFF"/>
+                </a:solidFill>
+              </a14:hiddenFill>
+            </a:ext>
+          </a:extLst>
+        </p:spPr>
+      </p:pic>
+      <p:sp>
+        <p:nvSpPr>
+          <p:cNvPr id="7" name="Title 1">
+            <a:extLst>
+              <a:ext uri="{FF2B5EF4-FFF2-40B4-BE49-F238E27FC236}">
+                <a16:creationId xmlns:a16="http://schemas.microsoft.com/office/drawing/2014/main" id="{82694E16-5AA0-4F22-84C0-BE2A869806E6}"/>
+              </a:ext>
+            </a:extLst>
+          </p:cNvPr>
+          <p:cNvSpPr txBox="1">
+            <a:spLocks/>
+          </p:cNvSpPr>
+          <p:nvPr/>
+        </p:nvSpPr>
+        <p:spPr>
+          <a:xfrm>
+            <a:off x="1203434" y="2711874"/>
+            <a:ext cx="10893973" cy="464464"/>
+          </a:xfrm>
+          <a:prstGeom prst="rect">
+            <a:avLst/>
+          </a:prstGeom>
+        </p:spPr>
+        <p:txBody>
+          <a:bodyPr vert="horz" lIns="91440" tIns="45720" rIns="91440" bIns="45720" rtlCol="0" anchor="t">
+            <a:normAutofit fontScale="97500"/>
+          </a:bodyPr>
+          <a:lstStyle>
+            <a:lvl1pPr algn="l" defTabSz="914400" rtl="0" eaLnBrk="1" latinLnBrk="0" hangingPunct="1">
+              <a:lnSpc>
+                <a:spcPct val="90000"/>
+              </a:lnSpc>
+              <a:spcBef>
+                <a:spcPct val="0"/>
+              </a:spcBef>
+              <a:buNone/>
+              <a:defRPr sz="5100" kern="1200" cap="all" spc="200" baseline="0">
+                <a:solidFill>
+                  <a:schemeClr val="tx2"/>
+                </a:solidFill>
+                <a:latin typeface="+mj-lt"/>
+                <a:ea typeface="+mj-ea"/>
+                <a:cs typeface="+mj-cs"/>
+              </a:defRPr>
+            </a:lvl1pPr>
+          </a:lstStyle>
+          <a:p>
+            <a:pPr algn="ctr"/>
+            <a:r>
+              <a:rPr lang="en-US" sz="2400" dirty="0">
+                <a:latin typeface="Gill Sans MT (Body)"/>
+              </a:rPr>
+              <a:t>Parent -&gt; Child Communication : PROPS</a:t>
+            </a:r>
+          </a:p>
+        </p:txBody>
+      </p:sp>
+    </p:spTree>
+    <p:extLst>
+      <p:ext uri="{BB962C8B-B14F-4D97-AF65-F5344CB8AC3E}">
+        <p14:creationId xmlns:p14="http://schemas.microsoft.com/office/powerpoint/2010/main" val="287259337"/>
+      </p:ext>
+    </p:extLst>
+  </p:cSld>
+  <p:clrMapOvr>
+    <a:masterClrMapping/>
+  </p:clrMapOvr>
+</p:sld>
+</file>
+
+<file path=ppt/slides/slide22.xml><?xml version="1.0" encoding="utf-8"?>
+<p:sld xmlns:a="http://schemas.openxmlformats.org/drawingml/2006/main" xmlns:r="http://schemas.openxmlformats.org/officeDocument/2006/relationships" xmlns:p="http://schemas.openxmlformats.org/presentationml/2006/main">
+  <p:cSld>
+    <p:spTree>
+      <p:nvGrpSpPr>
+        <p:cNvPr id="1" name=""/>
+        <p:cNvGrpSpPr/>
+        <p:nvPr/>
+      </p:nvGrpSpPr>
+      <p:grpSpPr>
+        <a:xfrm>
+          <a:off x="0" y="0"/>
+          <a:ext cx="0" cy="0"/>
+          <a:chOff x="0" y="0"/>
+          <a:chExt cx="0" cy="0"/>
+        </a:xfrm>
+      </p:grpSpPr>
+      <p:sp>
+        <p:nvSpPr>
+          <p:cNvPr id="2" name="Title 1">
+            <a:extLst>
+              <a:ext uri="{FF2B5EF4-FFF2-40B4-BE49-F238E27FC236}">
+                <a16:creationId xmlns:a16="http://schemas.microsoft.com/office/drawing/2014/main" id="{8EDAE078-3CB3-4D1F-8E4E-75C6D5DA8D1A}"/>
+              </a:ext>
+            </a:extLst>
+          </p:cNvPr>
+          <p:cNvSpPr>
+            <a:spLocks noGrp="1"/>
+          </p:cNvSpPr>
+          <p:nvPr>
+            <p:ph type="title"/>
+          </p:nvPr>
+        </p:nvSpPr>
+        <p:spPr>
+          <a:xfrm>
             <a:off x="1242571" y="108893"/>
             <a:ext cx="10893973" cy="596023"/>
           </a:xfrm>
@@ -11828,7 +13176,7 @@
 </p:sld>
 </file>
 
-<file path=ppt/slides/slide21.xml><?xml version="1.0" encoding="utf-8"?>
+<file path=ppt/slides/slide23.xml><?xml version="1.0" encoding="utf-8"?>
 <p:sld xmlns:a="http://schemas.openxmlformats.org/drawingml/2006/main" xmlns:r="http://schemas.openxmlformats.org/officeDocument/2006/relationships" xmlns:p="http://schemas.openxmlformats.org/presentationml/2006/main">
   <p:cSld>
     <p:spTree>
@@ -17020,15 +18368,6 @@
 </file>
 
 <file path=customXml/item1.xml><?xml version="1.0" encoding="utf-8"?>
-<?mso-contentType ?>
-<FormTemplates xmlns="http://schemas.microsoft.com/sharepoint/v3/contenttype/forms">
-  <Display>DocumentLibraryForm</Display>
-  <Edit>DocumentLibraryForm</Edit>
-  <New>DocumentLibraryForm</New>
-</FormTemplates>
-</file>
-
-<file path=customXml/item2.xml><?xml version="1.0" encoding="utf-8"?>
 <ct:contentTypeSchema xmlns:ct="http://schemas.microsoft.com/office/2006/metadata/contentType" xmlns:ma="http://schemas.microsoft.com/office/2006/metadata/properties/metaAttributes" ct:_="" ma:_="" ma:contentTypeName="Document" ma:contentTypeID="0x01010079F111ED35F8CC479449609E8A0923A6" ma:contentTypeVersion="11" ma:contentTypeDescription="Create a new document." ma:contentTypeScope="" ma:versionID="96291512c1ee715ab617f4c07df79fc1">
   <xsd:schema xmlns:xsd="http://www.w3.org/2001/XMLSchema" xmlns:xs="http://www.w3.org/2001/XMLSchema" xmlns:p="http://schemas.microsoft.com/office/2006/metadata/properties" xmlns:ns2="71af3243-3dd4-4a8d-8c0d-dd76da1f02a5" xmlns:ns3="16c05727-aa75-4e4a-9b5f-8a80a1165891" targetNamespace="http://schemas.microsoft.com/office/2006/metadata/properties" ma:root="true" ma:fieldsID="8256c27c40ca5c40ce1cf6c44f0205df" ns2:_="" ns3:_="">
     <xsd:import namespace="71af3243-3dd4-4a8d-8c0d-dd76da1f02a5"/>
@@ -17239,6 +18578,15 @@
 </ct:contentTypeSchema>
 </file>
 
+<file path=customXml/item2.xml><?xml version="1.0" encoding="utf-8"?>
+<?mso-contentType ?>
+<FormTemplates xmlns="http://schemas.microsoft.com/sharepoint/v3/contenttype/forms">
+  <Display>DocumentLibraryForm</Display>
+  <Edit>DocumentLibraryForm</Edit>
+  <New>DocumentLibraryForm</New>
+</FormTemplates>
+</file>
+
 <file path=customXml/item3.xml><?xml version="1.0" encoding="utf-8"?>
 <p:properties xmlns:p="http://schemas.microsoft.com/office/2006/metadata/properties" xmlns:xsi="http://www.w3.org/2001/XMLSchema-instance" xmlns:pc="http://schemas.microsoft.com/office/infopath/2007/PartnerControls">
   <documentManagement>
@@ -17248,14 +18596,6 @@
 </file>
 
 <file path=customXml/itemProps1.xml><?xml version="1.0" encoding="utf-8"?>
-<ds:datastoreItem xmlns:ds="http://schemas.openxmlformats.org/officeDocument/2006/customXml" ds:itemID="{52D0167F-E486-4F9B-83E2-993954E11F03}">
-  <ds:schemaRefs>
-    <ds:schemaRef ds:uri="http://schemas.microsoft.com/sharepoint/v3/contenttype/forms"/>
-  </ds:schemaRefs>
-</ds:datastoreItem>
-</file>
-
-<file path=customXml/itemProps2.xml><?xml version="1.0" encoding="utf-8"?>
 <ds:datastoreItem xmlns:ds="http://schemas.openxmlformats.org/officeDocument/2006/customXml" ds:itemID="{15A714DE-2D72-4B69-B5D2-B9FD4274177E}">
   <ds:schemaRefs>
     <ds:schemaRef ds:uri="http://schemas.microsoft.com/office/2006/metadata/contentType"/>
@@ -17274,6 +18614,14 @@
 </ds:datastoreItem>
 </file>
 
+<file path=customXml/itemProps2.xml><?xml version="1.0" encoding="utf-8"?>
+<ds:datastoreItem xmlns:ds="http://schemas.openxmlformats.org/officeDocument/2006/customXml" ds:itemID="{52D0167F-E486-4F9B-83E2-993954E11F03}">
+  <ds:schemaRefs>
+    <ds:schemaRef ds:uri="http://schemas.microsoft.com/sharepoint/v3/contenttype/forms"/>
+  </ds:schemaRefs>
+</ds:datastoreItem>
+</file>
+
 <file path=customXml/itemProps3.xml><?xml version="1.0" encoding="utf-8"?>
 <ds:datastoreItem xmlns:ds="http://schemas.openxmlformats.org/officeDocument/2006/customXml" ds:itemID="{BDB3E54F-9BB9-4821-81E3-A4EFEC7BD0AD}">
   <ds:schemaRefs>

--- a/Vue/Vue.pptx
+++ b/Vue/Vue.pptx
@@ -5,10 +5,10 @@
     <p:sldMasterId id="2147483660" r:id="rId4"/>
   </p:sldMasterIdLst>
   <p:notesMasterIdLst>
-    <p:notesMasterId r:id="rId28"/>
+    <p:notesMasterId r:id="rId29"/>
   </p:notesMasterIdLst>
   <p:handoutMasterIdLst>
-    <p:handoutMasterId r:id="rId29"/>
+    <p:handoutMasterId r:id="rId30"/>
   </p:handoutMasterIdLst>
   <p:sldIdLst>
     <p:sldId id="256" r:id="rId5"/>
@@ -17,23 +17,24 @@
     <p:sldId id="301" r:id="rId8"/>
     <p:sldId id="262" r:id="rId9"/>
     <p:sldId id="279" r:id="rId10"/>
-    <p:sldId id="277" r:id="rId11"/>
-    <p:sldId id="281" r:id="rId12"/>
-    <p:sldId id="282" r:id="rId13"/>
-    <p:sldId id="284" r:id="rId14"/>
-    <p:sldId id="285" r:id="rId15"/>
-    <p:sldId id="287" r:id="rId16"/>
-    <p:sldId id="289" r:id="rId17"/>
-    <p:sldId id="291" r:id="rId18"/>
-    <p:sldId id="293" r:id="rId19"/>
-    <p:sldId id="298" r:id="rId20"/>
-    <p:sldId id="292" r:id="rId21"/>
-    <p:sldId id="294" r:id="rId22"/>
-    <p:sldId id="303" r:id="rId23"/>
-    <p:sldId id="302" r:id="rId24"/>
-    <p:sldId id="295" r:id="rId25"/>
-    <p:sldId id="297" r:id="rId26"/>
-    <p:sldId id="299" r:id="rId27"/>
+    <p:sldId id="305" r:id="rId11"/>
+    <p:sldId id="277" r:id="rId12"/>
+    <p:sldId id="281" r:id="rId13"/>
+    <p:sldId id="282" r:id="rId14"/>
+    <p:sldId id="284" r:id="rId15"/>
+    <p:sldId id="285" r:id="rId16"/>
+    <p:sldId id="287" r:id="rId17"/>
+    <p:sldId id="289" r:id="rId18"/>
+    <p:sldId id="291" r:id="rId19"/>
+    <p:sldId id="293" r:id="rId20"/>
+    <p:sldId id="298" r:id="rId21"/>
+    <p:sldId id="292" r:id="rId22"/>
+    <p:sldId id="294" r:id="rId23"/>
+    <p:sldId id="303" r:id="rId24"/>
+    <p:sldId id="302" r:id="rId25"/>
+    <p:sldId id="295" r:id="rId26"/>
+    <p:sldId id="297" r:id="rId27"/>
+    <p:sldId id="299" r:id="rId28"/>
   </p:sldIdLst>
   <p:sldSz cx="12192000" cy="6858000"/>
   <p:notesSz cx="6858000" cy="9144000"/>
@@ -237,7 +238,7 @@
           <a:p>
             <a:fld id="{18E9A1B5-1BE4-4CD6-80C4-143959F034D3}" type="datetimeFigureOut">
               <a:rPr lang="en-US" smtClean="0"/>
-              <a:t>11/30/2021</a:t>
+              <a:t>12/5/2022</a:t>
             </a:fld>
             <a:endParaRPr lang="en-US" dirty="0"/>
           </a:p>
@@ -414,7 +415,7 @@
           <a:p>
             <a:fld id="{D8E6120A-21AF-4F12-ABAA-66A70823631B}" type="datetimeFigureOut">
               <a:rPr lang="en-US" smtClean="0"/>
-              <a:t>11/30/2021</a:t>
+              <a:t>12/5/2022</a:t>
             </a:fld>
             <a:endParaRPr lang="en-US" dirty="0"/>
           </a:p>
@@ -1892,7 +1893,7 @@
           <a:p>
             <a:fld id="{EF63B152-7103-4FFE-90AC-D94EB7F44A7E}" type="datetimeFigureOut">
               <a:rPr lang="en-US" smtClean="0"/>
-              <a:t>11/30/2021</a:t>
+              <a:t>12/5/2022</a:t>
             </a:fld>
             <a:endParaRPr lang="en-US" dirty="0"/>
           </a:p>
@@ -2130,7 +2131,7 @@
           <a:p>
             <a:fld id="{EF63B152-7103-4FFE-90AC-D94EB7F44A7E}" type="datetimeFigureOut">
               <a:rPr lang="en-US" smtClean="0"/>
-              <a:t>11/30/2021</a:t>
+              <a:t>12/5/2022</a:t>
             </a:fld>
             <a:endParaRPr lang="en-US" dirty="0"/>
           </a:p>
@@ -2310,7 +2311,7 @@
           <a:p>
             <a:fld id="{EF63B152-7103-4FFE-90AC-D94EB7F44A7E}" type="datetimeFigureOut">
               <a:rPr lang="en-US" smtClean="0"/>
-              <a:t>11/30/2021</a:t>
+              <a:t>12/5/2022</a:t>
             </a:fld>
             <a:endParaRPr lang="en-US" dirty="0"/>
           </a:p>
@@ -2480,7 +2481,7 @@
           <a:p>
             <a:fld id="{EF63B152-7103-4FFE-90AC-D94EB7F44A7E}" type="datetimeFigureOut">
               <a:rPr lang="en-US" smtClean="0"/>
-              <a:t>11/30/2021</a:t>
+              <a:t>12/5/2022</a:t>
             </a:fld>
             <a:endParaRPr lang="en-US" dirty="0"/>
           </a:p>
@@ -2756,7 +2757,7 @@
           <a:p>
             <a:fld id="{EF63B152-7103-4FFE-90AC-D94EB7F44A7E}" type="datetimeFigureOut">
               <a:rPr lang="en-US" smtClean="0"/>
-              <a:t>11/30/2021</a:t>
+              <a:t>12/5/2022</a:t>
             </a:fld>
             <a:endParaRPr lang="en-US" dirty="0"/>
           </a:p>
@@ -3957,7 +3958,7 @@
           <a:p>
             <a:fld id="{EF63B152-7103-4FFE-90AC-D94EB7F44A7E}" type="datetimeFigureOut">
               <a:rPr lang="en-US" smtClean="0"/>
-              <a:t>11/30/2021</a:t>
+              <a:t>12/5/2022</a:t>
             </a:fld>
             <a:endParaRPr lang="en-US" dirty="0"/>
           </a:p>
@@ -4347,7 +4348,7 @@
           <a:p>
             <a:fld id="{EF63B152-7103-4FFE-90AC-D94EB7F44A7E}" type="datetimeFigureOut">
               <a:rPr lang="en-US" smtClean="0"/>
-              <a:t>11/30/2021</a:t>
+              <a:t>12/5/2022</a:t>
             </a:fld>
             <a:endParaRPr lang="en-US" dirty="0"/>
           </a:p>
@@ -4470,7 +4471,7 @@
           <a:p>
             <a:fld id="{EF63B152-7103-4FFE-90AC-D94EB7F44A7E}" type="datetimeFigureOut">
               <a:rPr lang="en-US" smtClean="0"/>
-              <a:t>11/30/2021</a:t>
+              <a:t>12/5/2022</a:t>
             </a:fld>
             <a:endParaRPr lang="en-US" dirty="0"/>
           </a:p>
@@ -4565,7 +4566,7 @@
           <a:p>
             <a:fld id="{EF63B152-7103-4FFE-90AC-D94EB7F44A7E}" type="datetimeFigureOut">
               <a:rPr lang="en-US" smtClean="0"/>
-              <a:t>11/30/2021</a:t>
+              <a:t>12/5/2022</a:t>
             </a:fld>
             <a:endParaRPr lang="en-US" dirty="0"/>
           </a:p>
@@ -5328,7 +5329,7 @@
           <a:p>
             <a:fld id="{EF63B152-7103-4FFE-90AC-D94EB7F44A7E}" type="datetimeFigureOut">
               <a:rPr lang="en-US" smtClean="0"/>
-              <a:t>11/30/2021</a:t>
+              <a:t>12/5/2022</a:t>
             </a:fld>
             <a:endParaRPr lang="en-US" dirty="0"/>
           </a:p>
@@ -6168,7 +6169,7 @@
           <a:p>
             <a:fld id="{EF63B152-7103-4FFE-90AC-D94EB7F44A7E}" type="datetimeFigureOut">
               <a:rPr lang="en-US" smtClean="0"/>
-              <a:t>11/30/2021</a:t>
+              <a:t>12/5/2022</a:t>
             </a:fld>
             <a:endParaRPr lang="en-US" dirty="0"/>
           </a:p>
@@ -6395,7 +6396,7 @@
           <a:p>
             <a:fld id="{EF63B152-7103-4FFE-90AC-D94EB7F44A7E}" type="datetimeFigureOut">
               <a:rPr lang="en-US" smtClean="0"/>
-              <a:t>11/30/2021</a:t>
+              <a:t>12/5/2022</a:t>
             </a:fld>
             <a:endParaRPr lang="en-US" dirty="0"/>
           </a:p>
@@ -7552,6 +7553,284 @@
         </p:nvSpPr>
         <p:spPr>
           <a:xfrm>
+            <a:off x="1203434" y="214824"/>
+            <a:ext cx="10893973" cy="596023"/>
+          </a:xfrm>
+        </p:spPr>
+        <p:txBody>
+          <a:bodyPr>
+            <a:normAutofit fontScale="90000"/>
+          </a:bodyPr>
+          <a:lstStyle/>
+          <a:p>
+            <a:pPr algn="ctr"/>
+            <a:r>
+              <a:rPr lang="en-US" sz="4000" dirty="0" err="1">
+                <a:latin typeface="Gill Sans MT (Body)"/>
+              </a:rPr>
+              <a:t>Loopar</a:t>
+            </a:r>
+            <a:r>
+              <a:rPr lang="en-US" sz="4000" dirty="0">
+                <a:latin typeface="Gill Sans MT (Body)"/>
+              </a:rPr>
+              <a:t>-List Rendering</a:t>
+            </a:r>
+          </a:p>
+        </p:txBody>
+      </p:sp>
+      <p:pic>
+        <p:nvPicPr>
+          <p:cNvPr id="6" name="Picture 5">
+            <a:extLst>
+              <a:ext uri="{FF2B5EF4-FFF2-40B4-BE49-F238E27FC236}">
+                <a16:creationId xmlns:a16="http://schemas.microsoft.com/office/drawing/2014/main" id="{B9899C2E-F77D-44DA-9AEA-728FEF6351A6}"/>
+              </a:ext>
+            </a:extLst>
+          </p:cNvPr>
+          <p:cNvPicPr>
+            <a:picLocks noChangeAspect="1"/>
+          </p:cNvPicPr>
+          <p:nvPr/>
+        </p:nvPicPr>
+        <p:blipFill>
+          <a:blip r:embed="rId2"/>
+          <a:stretch>
+            <a:fillRect/>
+          </a:stretch>
+        </p:blipFill>
+        <p:spPr>
+          <a:xfrm>
+            <a:off x="1203434" y="1706115"/>
+            <a:ext cx="5686905" cy="5235179"/>
+          </a:xfrm>
+          <a:prstGeom prst="rect">
+            <a:avLst/>
+          </a:prstGeom>
+        </p:spPr>
+      </p:pic>
+      <p:pic>
+        <p:nvPicPr>
+          <p:cNvPr id="7" name="Picture 6">
+            <a:extLst>
+              <a:ext uri="{FF2B5EF4-FFF2-40B4-BE49-F238E27FC236}">
+                <a16:creationId xmlns:a16="http://schemas.microsoft.com/office/drawing/2014/main" id="{0FB4F902-E0EA-4B80-A96A-6F6D5A90C61E}"/>
+              </a:ext>
+            </a:extLst>
+          </p:cNvPr>
+          <p:cNvPicPr>
+            <a:picLocks noChangeAspect="1"/>
+          </p:cNvPicPr>
+          <p:nvPr/>
+        </p:nvPicPr>
+        <p:blipFill>
+          <a:blip r:embed="rId3"/>
+          <a:stretch>
+            <a:fillRect/>
+          </a:stretch>
+        </p:blipFill>
+        <p:spPr>
+          <a:xfrm>
+            <a:off x="6650420" y="2399531"/>
+            <a:ext cx="4781281" cy="3848348"/>
+          </a:xfrm>
+          <a:prstGeom prst="rect">
+            <a:avLst/>
+          </a:prstGeom>
+        </p:spPr>
+      </p:pic>
+      <p:sp>
+        <p:nvSpPr>
+          <p:cNvPr id="8" name="TextBox 7">
+            <a:extLst>
+              <a:ext uri="{FF2B5EF4-FFF2-40B4-BE49-F238E27FC236}">
+                <a16:creationId xmlns:a16="http://schemas.microsoft.com/office/drawing/2014/main" id="{5B090859-7155-4AD4-92EF-0AA49FD1EFAF}"/>
+              </a:ext>
+            </a:extLst>
+          </p:cNvPr>
+          <p:cNvSpPr txBox="1"/>
+          <p:nvPr/>
+        </p:nvSpPr>
+        <p:spPr>
+          <a:xfrm>
+            <a:off x="1203434" y="810847"/>
+            <a:ext cx="10106716" cy="1200329"/>
+          </a:xfrm>
+          <a:prstGeom prst="rect">
+            <a:avLst/>
+          </a:prstGeom>
+          <a:noFill/>
+        </p:spPr>
+        <p:txBody>
+          <a:bodyPr wrap="square" rtlCol="0">
+            <a:spAutoFit/>
+          </a:bodyPr>
+          <a:lstStyle/>
+          <a:p>
+            <a:pPr marL="285750" indent="-285750">
+              <a:buFont typeface="Arial" panose="020B0604020202020204" pitchFamily="34" charset="0"/>
+              <a:buChar char="•"/>
+            </a:pPr>
+            <a:r>
+              <a:rPr lang="sv-SE" dirty="0">
+                <a:solidFill>
+                  <a:schemeClr val="tx1">
+                    <a:lumMod val="65000"/>
+                    <a:lumOff val="35000"/>
+                  </a:schemeClr>
+                </a:solidFill>
+              </a:rPr>
+              <a:t>Ett sätta att inte repetera samma kod, loopar igenom en lista/</a:t>
+            </a:r>
+            <a:r>
+              <a:rPr lang="sv-SE" dirty="0" err="1">
+                <a:solidFill>
+                  <a:schemeClr val="tx1">
+                    <a:lumMod val="65000"/>
+                    <a:lumOff val="35000"/>
+                  </a:schemeClr>
+                </a:solidFill>
+              </a:rPr>
+              <a:t>array</a:t>
+            </a:r>
+            <a:r>
+              <a:rPr lang="sv-SE" dirty="0">
+                <a:solidFill>
+                  <a:schemeClr val="tx1">
+                    <a:lumMod val="65000"/>
+                    <a:lumOff val="35000"/>
+                  </a:schemeClr>
+                </a:solidFill>
+              </a:rPr>
+              <a:t> och genererar html-kod för varje instans i listan. </a:t>
+            </a:r>
+            <a:r>
+              <a:rPr lang="sv-SE" dirty="0">
+                <a:solidFill>
+                  <a:schemeClr val="tx2">
+                    <a:lumMod val="75000"/>
+                    <a:lumOff val="25000"/>
+                  </a:schemeClr>
+                </a:solidFill>
+              </a:rPr>
+              <a:t>v-for</a:t>
+            </a:r>
+            <a:r>
+              <a:rPr lang="sv-SE" dirty="0">
+                <a:solidFill>
+                  <a:schemeClr val="tx1">
+                    <a:lumMod val="65000"/>
+                    <a:lumOff val="35000"/>
+                  </a:schemeClr>
+                </a:solidFill>
+              </a:rPr>
+              <a:t> direktivet används för det och det är rekommenderat att också använda </a:t>
+            </a:r>
+            <a:r>
+              <a:rPr lang="sv-SE" dirty="0">
+                <a:solidFill>
+                  <a:schemeClr val="tx2">
+                    <a:lumMod val="75000"/>
+                    <a:lumOff val="25000"/>
+                  </a:schemeClr>
+                </a:solidFill>
+              </a:rPr>
+              <a:t>:</a:t>
+            </a:r>
+            <a:r>
+              <a:rPr lang="sv-SE" dirty="0" err="1">
+                <a:solidFill>
+                  <a:schemeClr val="tx2">
+                    <a:lumMod val="75000"/>
+                    <a:lumOff val="25000"/>
+                  </a:schemeClr>
+                </a:solidFill>
+              </a:rPr>
+              <a:t>key</a:t>
+            </a:r>
+            <a:r>
+              <a:rPr lang="sv-SE" dirty="0">
+                <a:solidFill>
+                  <a:schemeClr val="tx2">
+                    <a:lumMod val="75000"/>
+                    <a:lumOff val="25000"/>
+                  </a:schemeClr>
+                </a:solidFill>
+              </a:rPr>
+              <a:t> </a:t>
+            </a:r>
+            <a:r>
+              <a:rPr lang="sv-SE" dirty="0">
+                <a:solidFill>
+                  <a:schemeClr val="tx1">
+                    <a:lumMod val="65000"/>
+                    <a:lumOff val="35000"/>
+                  </a:schemeClr>
+                </a:solidFill>
+              </a:rPr>
+              <a:t>attributet.</a:t>
+            </a:r>
+          </a:p>
+          <a:p>
+            <a:endParaRPr lang="sv-SE" dirty="0">
+              <a:solidFill>
+                <a:schemeClr val="tx1">
+                  <a:lumMod val="65000"/>
+                  <a:lumOff val="35000"/>
+                </a:schemeClr>
+              </a:solidFill>
+            </a:endParaRPr>
+          </a:p>
+        </p:txBody>
+      </p:sp>
+    </p:spTree>
+    <p:extLst>
+      <p:ext uri="{BB962C8B-B14F-4D97-AF65-F5344CB8AC3E}">
+        <p14:creationId xmlns:p14="http://schemas.microsoft.com/office/powerpoint/2010/main" val="1986911698"/>
+      </p:ext>
+    </p:extLst>
+  </p:cSld>
+  <p:clrMapOvr>
+    <a:masterClrMapping/>
+  </p:clrMapOvr>
+</p:sld>
+</file>
+
+<file path=ppt/slides/slide11.xml><?xml version="1.0" encoding="utf-8"?>
+<p:sld xmlns:a="http://schemas.openxmlformats.org/drawingml/2006/main" xmlns:r="http://schemas.openxmlformats.org/officeDocument/2006/relationships" xmlns:p="http://schemas.openxmlformats.org/presentationml/2006/main">
+  <p:cSld>
+    <p:spTree>
+      <p:nvGrpSpPr>
+        <p:cNvPr id="1" name=""/>
+        <p:cNvGrpSpPr/>
+        <p:nvPr/>
+      </p:nvGrpSpPr>
+      <p:grpSpPr>
+        <a:xfrm>
+          <a:off x="0" y="0"/>
+          <a:ext cx="0" cy="0"/>
+          <a:chOff x="0" y="0"/>
+          <a:chExt cx="0" cy="0"/>
+        </a:xfrm>
+      </p:grpSpPr>
+      <p:sp>
+        <p:nvSpPr>
+          <p:cNvPr id="2" name="Title 1">
+            <a:extLst>
+              <a:ext uri="{FF2B5EF4-FFF2-40B4-BE49-F238E27FC236}">
+                <a16:creationId xmlns:a16="http://schemas.microsoft.com/office/drawing/2014/main" id="{8EDAE078-3CB3-4D1F-8E4E-75C6D5DA8D1A}"/>
+              </a:ext>
+            </a:extLst>
+          </p:cNvPr>
+          <p:cNvSpPr>
+            <a:spLocks noGrp="1"/>
+          </p:cNvSpPr>
+          <p:nvPr>
+            <p:ph type="title"/>
+          </p:nvPr>
+        </p:nvSpPr>
+        <p:spPr>
+          <a:xfrm>
             <a:off x="1203434" y="382385"/>
             <a:ext cx="10893973" cy="596023"/>
           </a:xfrm>
@@ -7946,7 +8225,7 @@
 </p:sld>
 </file>
 
-<file path=ppt/slides/slide11.xml><?xml version="1.0" encoding="utf-8"?>
+<file path=ppt/slides/slide12.xml><?xml version="1.0" encoding="utf-8"?>
 <p:sld xmlns:a="http://schemas.openxmlformats.org/drawingml/2006/main" xmlns:r="http://schemas.openxmlformats.org/officeDocument/2006/relationships" xmlns:p="http://schemas.openxmlformats.org/presentationml/2006/main">
   <p:cSld>
     <p:spTree>
@@ -8259,7 +8538,7 @@
 </p:sld>
 </file>
 
-<file path=ppt/slides/slide12.xml><?xml version="1.0" encoding="utf-8"?>
+<file path=ppt/slides/slide13.xml><?xml version="1.0" encoding="utf-8"?>
 <p:sld xmlns:a="http://schemas.openxmlformats.org/drawingml/2006/main" xmlns:r="http://schemas.openxmlformats.org/officeDocument/2006/relationships" xmlns:p="http://schemas.openxmlformats.org/presentationml/2006/main">
   <p:cSld>
     <p:spTree>
@@ -8785,7 +9064,7 @@
 </p:sld>
 </file>
 
-<file path=ppt/slides/slide13.xml><?xml version="1.0" encoding="utf-8"?>
+<file path=ppt/slides/slide14.xml><?xml version="1.0" encoding="utf-8"?>
 <p:sld xmlns:a="http://schemas.openxmlformats.org/drawingml/2006/main" xmlns:r="http://schemas.openxmlformats.org/officeDocument/2006/relationships" xmlns:p="http://schemas.openxmlformats.org/presentationml/2006/main">
   <p:cSld>
     <p:spTree>
@@ -9194,7 +9473,7 @@
 </p:sld>
 </file>
 
-<file path=ppt/slides/slide14.xml><?xml version="1.0" encoding="utf-8"?>
+<file path=ppt/slides/slide15.xml><?xml version="1.0" encoding="utf-8"?>
 <p:sld xmlns:a="http://schemas.openxmlformats.org/drawingml/2006/main" xmlns:r="http://schemas.openxmlformats.org/officeDocument/2006/relationships" xmlns:p="http://schemas.openxmlformats.org/presentationml/2006/main">
   <p:cSld>
     <p:spTree>
@@ -9476,7 +9755,7 @@
 </p:sld>
 </file>
 
-<file path=ppt/slides/slide15.xml><?xml version="1.0" encoding="utf-8"?>
+<file path=ppt/slides/slide16.xml><?xml version="1.0" encoding="utf-8"?>
 <p:sld xmlns:a="http://schemas.openxmlformats.org/drawingml/2006/main" xmlns:r="http://schemas.openxmlformats.org/officeDocument/2006/relationships" xmlns:p="http://schemas.openxmlformats.org/presentationml/2006/main">
   <p:cSld>
     <p:spTree>
@@ -9905,7 +10184,7 @@
 </p:sld>
 </file>
 
-<file path=ppt/slides/slide16.xml><?xml version="1.0" encoding="utf-8"?>
+<file path=ppt/slides/slide17.xml><?xml version="1.0" encoding="utf-8"?>
 <p:sld xmlns:a="http://schemas.openxmlformats.org/drawingml/2006/main" xmlns:r="http://schemas.openxmlformats.org/officeDocument/2006/relationships" xmlns:p="http://schemas.openxmlformats.org/presentationml/2006/main">
   <p:cSld>
     <p:spTree>
@@ -10474,7 +10753,7 @@
 </p:sld>
 </file>
 
-<file path=ppt/slides/slide17.xml><?xml version="1.0" encoding="utf-8"?>
+<file path=ppt/slides/slide18.xml><?xml version="1.0" encoding="utf-8"?>
 <p:sld xmlns:a="http://schemas.openxmlformats.org/drawingml/2006/main" xmlns:r="http://schemas.openxmlformats.org/officeDocument/2006/relationships" xmlns:p="http://schemas.openxmlformats.org/presentationml/2006/main">
   <p:cSld>
     <p:spTree>
@@ -10540,7 +10819,7 @@
 </p:sld>
 </file>
 
-<file path=ppt/slides/slide18.xml><?xml version="1.0" encoding="utf-8"?>
+<file path=ppt/slides/slide19.xml><?xml version="1.0" encoding="utf-8"?>
 <p:sld xmlns:a="http://schemas.openxmlformats.org/drawingml/2006/main" xmlns:r="http://schemas.openxmlformats.org/officeDocument/2006/relationships" xmlns:p="http://schemas.openxmlformats.org/presentationml/2006/main">
   <p:cSld>
     <p:spTree>
@@ -11435,7 +11714,284 @@
 </p:sld>
 </file>
 
-<file path=ppt/slides/slide19.xml><?xml version="1.0" encoding="utf-8"?>
+<file path=ppt/slides/slide2.xml><?xml version="1.0" encoding="utf-8"?>
+<p:sld xmlns:a="http://schemas.openxmlformats.org/drawingml/2006/main" xmlns:r="http://schemas.openxmlformats.org/officeDocument/2006/relationships" xmlns:p="http://schemas.openxmlformats.org/presentationml/2006/main">
+  <p:cSld>
+    <p:spTree>
+      <p:nvGrpSpPr>
+        <p:cNvPr id="1" name=""/>
+        <p:cNvGrpSpPr/>
+        <p:nvPr/>
+      </p:nvGrpSpPr>
+      <p:grpSpPr>
+        <a:xfrm>
+          <a:off x="0" y="0"/>
+          <a:ext cx="0" cy="0"/>
+          <a:chOff x="0" y="0"/>
+          <a:chExt cx="0" cy="0"/>
+        </a:xfrm>
+      </p:grpSpPr>
+      <p:sp>
+        <p:nvSpPr>
+          <p:cNvPr id="2" name="Title 1">
+            <a:extLst>
+              <a:ext uri="{FF2B5EF4-FFF2-40B4-BE49-F238E27FC236}">
+                <a16:creationId xmlns:a16="http://schemas.microsoft.com/office/drawing/2014/main" id="{8EDAE078-3CB3-4D1F-8E4E-75C6D5DA8D1A}"/>
+              </a:ext>
+            </a:extLst>
+          </p:cNvPr>
+          <p:cNvSpPr>
+            <a:spLocks noGrp="1"/>
+          </p:cNvSpPr>
+          <p:nvPr>
+            <p:ph type="title"/>
+          </p:nvPr>
+        </p:nvSpPr>
+        <p:spPr>
+          <a:xfrm>
+            <a:off x="1203434" y="382385"/>
+            <a:ext cx="10893973" cy="596023"/>
+          </a:xfrm>
+        </p:spPr>
+        <p:txBody>
+          <a:bodyPr>
+            <a:normAutofit fontScale="90000"/>
+          </a:bodyPr>
+          <a:lstStyle/>
+          <a:p>
+            <a:pPr algn="ctr"/>
+            <a:r>
+              <a:rPr lang="en-US" sz="4000" dirty="0">
+                <a:latin typeface="Gill Sans MT (Body)"/>
+              </a:rPr>
+              <a:t>Vue.js</a:t>
+            </a:r>
+          </a:p>
+        </p:txBody>
+      </p:sp>
+      <p:sp>
+        <p:nvSpPr>
+          <p:cNvPr id="3" name="Content Placeholder 2">
+            <a:extLst>
+              <a:ext uri="{FF2B5EF4-FFF2-40B4-BE49-F238E27FC236}">
+                <a16:creationId xmlns:a16="http://schemas.microsoft.com/office/drawing/2014/main" id="{6797BDE5-A8BD-4286-8221-21664A41BD79}"/>
+              </a:ext>
+            </a:extLst>
+          </p:cNvPr>
+          <p:cNvSpPr>
+            <a:spLocks noGrp="1"/>
+          </p:cNvSpPr>
+          <p:nvPr>
+            <p:ph idx="1"/>
+          </p:nvPr>
+        </p:nvSpPr>
+        <p:spPr>
+          <a:xfrm>
+            <a:off x="1444183" y="1085228"/>
+            <a:ext cx="10178322" cy="5508077"/>
+          </a:xfrm>
+        </p:spPr>
+        <p:txBody>
+          <a:bodyPr>
+            <a:normAutofit fontScale="77500" lnSpcReduction="20000"/>
+          </a:bodyPr>
+          <a:lstStyle/>
+          <a:p>
+            <a:r>
+              <a:rPr lang="sv-SE" sz="2800" dirty="0" err="1">
+                <a:latin typeface="Gill Sans MT (Body)"/>
+                <a:cs typeface="Times New Roman" panose="02020603050405020304" pitchFamily="18" charset="0"/>
+              </a:rPr>
+              <a:t>Vue</a:t>
+            </a:r>
+            <a:r>
+              <a:rPr lang="sv-SE" sz="2800" dirty="0">
+                <a:latin typeface="Gill Sans MT (Body)"/>
+                <a:cs typeface="Times New Roman" panose="02020603050405020304" pitchFamily="18" charset="0"/>
+              </a:rPr>
+              <a:t> är ett </a:t>
+            </a:r>
+            <a:r>
+              <a:rPr lang="sv-SE" sz="2800" u="sng" dirty="0">
+                <a:latin typeface="Gill Sans MT (Body)"/>
+                <a:cs typeface="Times New Roman" panose="02020603050405020304" pitchFamily="18" charset="0"/>
+              </a:rPr>
+              <a:t>progressivt</a:t>
+            </a:r>
+            <a:r>
+              <a:rPr lang="sv-SE" sz="2800" dirty="0">
+                <a:latin typeface="Gill Sans MT (Body)"/>
+                <a:cs typeface="Times New Roman" panose="02020603050405020304" pitchFamily="18" charset="0"/>
+              </a:rPr>
+              <a:t> ramverk för att bygga användargränssnitt</a:t>
+            </a:r>
+          </a:p>
+          <a:p>
+            <a:endParaRPr lang="en-US" sz="2800" dirty="0">
+              <a:latin typeface="Gill Sans MT (Body)"/>
+              <a:cs typeface="Times New Roman" panose="02020603050405020304" pitchFamily="18" charset="0"/>
+            </a:endParaRPr>
+          </a:p>
+          <a:p>
+            <a:r>
+              <a:rPr lang="sv-SE" sz="2800" dirty="0" err="1">
+                <a:latin typeface="Gill Sans MT (Body)"/>
+                <a:cs typeface="Times New Roman" panose="02020603050405020304" pitchFamily="18" charset="0"/>
+              </a:rPr>
+              <a:t>Core</a:t>
+            </a:r>
+            <a:r>
+              <a:rPr lang="sv-SE" sz="2800" dirty="0">
+                <a:latin typeface="Gill Sans MT (Body)"/>
+                <a:cs typeface="Times New Roman" panose="02020603050405020304" pitchFamily="18" charset="0"/>
+              </a:rPr>
+              <a:t> delen av ramverket är endast fokuserat på visningsskiktet och är enkelt att komma igång med</a:t>
+            </a:r>
+          </a:p>
+          <a:p>
+            <a:endParaRPr lang="sv-SE" sz="2800" dirty="0">
+              <a:latin typeface="Gill Sans MT (Body)"/>
+              <a:cs typeface="Times New Roman" panose="02020603050405020304" pitchFamily="18" charset="0"/>
+            </a:endParaRPr>
+          </a:p>
+          <a:p>
+            <a:r>
+              <a:rPr lang="sv-SE" sz="2800" dirty="0" err="1">
+                <a:latin typeface="Gill Sans MT (Body)"/>
+                <a:cs typeface="Times New Roman" panose="02020603050405020304" pitchFamily="18" charset="0"/>
+              </a:rPr>
+              <a:t>Vue</a:t>
+            </a:r>
+            <a:r>
+              <a:rPr lang="sv-SE" sz="2800" dirty="0">
+                <a:latin typeface="Gill Sans MT (Body)"/>
+                <a:cs typeface="Times New Roman" panose="02020603050405020304" pitchFamily="18" charset="0"/>
+              </a:rPr>
+              <a:t> är också fullt kapabelt att bygga sofistikerade applikationer (</a:t>
+            </a:r>
+            <a:r>
+              <a:rPr lang="sv-SE" sz="2800" dirty="0" err="1">
+                <a:latin typeface="Gill Sans MT (Body)"/>
+                <a:cs typeface="Times New Roman" panose="02020603050405020304" pitchFamily="18" charset="0"/>
+              </a:rPr>
+              <a:t>Single</a:t>
+            </a:r>
+            <a:r>
+              <a:rPr lang="sv-SE" sz="2800" dirty="0">
+                <a:latin typeface="Gill Sans MT (Body)"/>
+                <a:cs typeface="Times New Roman" panose="02020603050405020304" pitchFamily="18" charset="0"/>
+              </a:rPr>
+              <a:t> Page </a:t>
+            </a:r>
+            <a:r>
+              <a:rPr lang="sv-SE" sz="2800" dirty="0" err="1">
+                <a:latin typeface="Gill Sans MT (Body)"/>
+                <a:cs typeface="Times New Roman" panose="02020603050405020304" pitchFamily="18" charset="0"/>
+              </a:rPr>
+              <a:t>Applications</a:t>
+            </a:r>
+            <a:r>
+              <a:rPr lang="sv-SE" sz="2800" dirty="0">
+                <a:latin typeface="Gill Sans MT (Body)"/>
+                <a:cs typeface="Times New Roman" panose="02020603050405020304" pitchFamily="18" charset="0"/>
+              </a:rPr>
+              <a:t>)</a:t>
+            </a:r>
+          </a:p>
+          <a:p>
+            <a:endParaRPr lang="sv-SE" sz="2800" dirty="0">
+              <a:latin typeface="Gill Sans MT (Body)"/>
+              <a:cs typeface="Times New Roman" panose="02020603050405020304" pitchFamily="18" charset="0"/>
+            </a:endParaRPr>
+          </a:p>
+          <a:p>
+            <a:r>
+              <a:rPr lang="sv-SE" sz="2800" dirty="0" err="1">
+                <a:latin typeface="Gill Sans MT (Body)"/>
+                <a:cs typeface="Times New Roman" panose="02020603050405020304" pitchFamily="18" charset="0"/>
+              </a:rPr>
+              <a:t>Vue</a:t>
+            </a:r>
+            <a:r>
+              <a:rPr lang="sv-SE" sz="2800" dirty="0">
+                <a:latin typeface="Gill Sans MT (Body)"/>
+                <a:cs typeface="Times New Roman" panose="02020603050405020304" pitchFamily="18" charset="0"/>
+              </a:rPr>
+              <a:t> är flexibelt och enkelt</a:t>
+            </a:r>
+          </a:p>
+          <a:p>
+            <a:endParaRPr lang="sv-SE" sz="2800" dirty="0">
+              <a:latin typeface="Gill Sans MT (Body)"/>
+              <a:cs typeface="Times New Roman" panose="02020603050405020304" pitchFamily="18" charset="0"/>
+            </a:endParaRPr>
+          </a:p>
+          <a:p>
+            <a:r>
+              <a:rPr lang="sv-SE" sz="2800" dirty="0" err="1">
+                <a:latin typeface="Gill Sans MT (Body)"/>
+                <a:cs typeface="Times New Roman" panose="02020603050405020304" pitchFamily="18" charset="0"/>
+              </a:rPr>
+              <a:t>Vue</a:t>
+            </a:r>
+            <a:r>
+              <a:rPr lang="sv-SE" sz="2800" dirty="0">
+                <a:latin typeface="Gill Sans MT (Body)"/>
+                <a:cs typeface="Times New Roman" panose="02020603050405020304" pitchFamily="18" charset="0"/>
+              </a:rPr>
+              <a:t> tillåter dig att använde det i en del av en befintlig applikation (plugin) eller hantera hela applikationen från start (CLI)</a:t>
+            </a:r>
+          </a:p>
+          <a:p>
+            <a:endParaRPr lang="sv-SE" sz="2800" dirty="0">
+              <a:latin typeface="Gill Sans MT (Body)"/>
+              <a:cs typeface="Times New Roman" panose="02020603050405020304" pitchFamily="18" charset="0"/>
+            </a:endParaRPr>
+          </a:p>
+          <a:p>
+            <a:r>
+              <a:rPr lang="sv-SE" sz="2800" dirty="0" err="1">
+                <a:latin typeface="Gill Sans MT (Body)"/>
+                <a:cs typeface="Times New Roman" panose="02020603050405020304" pitchFamily="18" charset="0"/>
+              </a:rPr>
+              <a:t>Vue-Directives</a:t>
+            </a:r>
+            <a:r>
+              <a:rPr lang="sv-SE" sz="2800" dirty="0">
+                <a:latin typeface="Gill Sans MT (Body)"/>
+                <a:cs typeface="Times New Roman" panose="02020603050405020304" pitchFamily="18" charset="0"/>
+              </a:rPr>
+              <a:t> är den del av Vue.js som lägger speciell betydelse och beteende till vanliga html-element på sidan.</a:t>
+            </a:r>
+          </a:p>
+          <a:p>
+            <a:endParaRPr lang="sv-SE" sz="2800" dirty="0">
+              <a:latin typeface="Gill Sans MT (Body)"/>
+              <a:cs typeface="Times New Roman" panose="02020603050405020304" pitchFamily="18" charset="0"/>
+            </a:endParaRPr>
+          </a:p>
+          <a:p>
+            <a:endParaRPr lang="en-US" sz="2800" dirty="0">
+              <a:latin typeface="Gill Sans MT (Body)"/>
+              <a:cs typeface="Times New Roman" panose="02020603050405020304" pitchFamily="18" charset="0"/>
+            </a:endParaRPr>
+          </a:p>
+        </p:txBody>
+      </p:sp>
+    </p:spTree>
+    <p:extLst>
+      <p:ext uri="{BB962C8B-B14F-4D97-AF65-F5344CB8AC3E}">
+        <p14:creationId xmlns:p14="http://schemas.microsoft.com/office/powerpoint/2010/main" val="1650278780"/>
+      </p:ext>
+    </p:extLst>
+  </p:cSld>
+  <p:clrMapOvr>
+    <a:masterClrMapping/>
+  </p:clrMapOvr>
+</p:sld>
+</file>
+
+<file path=ppt/slides/slide20.xml><?xml version="1.0" encoding="utf-8"?>
 <p:sld xmlns:a="http://schemas.openxmlformats.org/drawingml/2006/main" xmlns:r="http://schemas.openxmlformats.org/officeDocument/2006/relationships" xmlns:p="http://schemas.openxmlformats.org/presentationml/2006/main">
   <p:cSld>
     <p:spTree>
@@ -11886,284 +12442,7 @@
 </p:sld>
 </file>
 
-<file path=ppt/slides/slide2.xml><?xml version="1.0" encoding="utf-8"?>
-<p:sld xmlns:a="http://schemas.openxmlformats.org/drawingml/2006/main" xmlns:r="http://schemas.openxmlformats.org/officeDocument/2006/relationships" xmlns:p="http://schemas.openxmlformats.org/presentationml/2006/main">
-  <p:cSld>
-    <p:spTree>
-      <p:nvGrpSpPr>
-        <p:cNvPr id="1" name=""/>
-        <p:cNvGrpSpPr/>
-        <p:nvPr/>
-      </p:nvGrpSpPr>
-      <p:grpSpPr>
-        <a:xfrm>
-          <a:off x="0" y="0"/>
-          <a:ext cx="0" cy="0"/>
-          <a:chOff x="0" y="0"/>
-          <a:chExt cx="0" cy="0"/>
-        </a:xfrm>
-      </p:grpSpPr>
-      <p:sp>
-        <p:nvSpPr>
-          <p:cNvPr id="2" name="Title 1">
-            <a:extLst>
-              <a:ext uri="{FF2B5EF4-FFF2-40B4-BE49-F238E27FC236}">
-                <a16:creationId xmlns:a16="http://schemas.microsoft.com/office/drawing/2014/main" id="{8EDAE078-3CB3-4D1F-8E4E-75C6D5DA8D1A}"/>
-              </a:ext>
-            </a:extLst>
-          </p:cNvPr>
-          <p:cNvSpPr>
-            <a:spLocks noGrp="1"/>
-          </p:cNvSpPr>
-          <p:nvPr>
-            <p:ph type="title"/>
-          </p:nvPr>
-        </p:nvSpPr>
-        <p:spPr>
-          <a:xfrm>
-            <a:off x="1203434" y="382385"/>
-            <a:ext cx="10893973" cy="596023"/>
-          </a:xfrm>
-        </p:spPr>
-        <p:txBody>
-          <a:bodyPr>
-            <a:normAutofit fontScale="90000"/>
-          </a:bodyPr>
-          <a:lstStyle/>
-          <a:p>
-            <a:pPr algn="ctr"/>
-            <a:r>
-              <a:rPr lang="en-US" sz="4000" dirty="0">
-                <a:latin typeface="Gill Sans MT (Body)"/>
-              </a:rPr>
-              <a:t>Vue.js</a:t>
-            </a:r>
-          </a:p>
-        </p:txBody>
-      </p:sp>
-      <p:sp>
-        <p:nvSpPr>
-          <p:cNvPr id="3" name="Content Placeholder 2">
-            <a:extLst>
-              <a:ext uri="{FF2B5EF4-FFF2-40B4-BE49-F238E27FC236}">
-                <a16:creationId xmlns:a16="http://schemas.microsoft.com/office/drawing/2014/main" id="{6797BDE5-A8BD-4286-8221-21664A41BD79}"/>
-              </a:ext>
-            </a:extLst>
-          </p:cNvPr>
-          <p:cNvSpPr>
-            <a:spLocks noGrp="1"/>
-          </p:cNvSpPr>
-          <p:nvPr>
-            <p:ph idx="1"/>
-          </p:nvPr>
-        </p:nvSpPr>
-        <p:spPr>
-          <a:xfrm>
-            <a:off x="1444183" y="1085228"/>
-            <a:ext cx="10178322" cy="5508077"/>
-          </a:xfrm>
-        </p:spPr>
-        <p:txBody>
-          <a:bodyPr>
-            <a:normAutofit fontScale="77500" lnSpcReduction="20000"/>
-          </a:bodyPr>
-          <a:lstStyle/>
-          <a:p>
-            <a:r>
-              <a:rPr lang="sv-SE" sz="2800" dirty="0" err="1">
-                <a:latin typeface="Gill Sans MT (Body)"/>
-                <a:cs typeface="Times New Roman" panose="02020603050405020304" pitchFamily="18" charset="0"/>
-              </a:rPr>
-              <a:t>Vue</a:t>
-            </a:r>
-            <a:r>
-              <a:rPr lang="sv-SE" sz="2800" dirty="0">
-                <a:latin typeface="Gill Sans MT (Body)"/>
-                <a:cs typeface="Times New Roman" panose="02020603050405020304" pitchFamily="18" charset="0"/>
-              </a:rPr>
-              <a:t> är ett </a:t>
-            </a:r>
-            <a:r>
-              <a:rPr lang="sv-SE" sz="2800" u="sng" dirty="0">
-                <a:latin typeface="Gill Sans MT (Body)"/>
-                <a:cs typeface="Times New Roman" panose="02020603050405020304" pitchFamily="18" charset="0"/>
-              </a:rPr>
-              <a:t>progressivt</a:t>
-            </a:r>
-            <a:r>
-              <a:rPr lang="sv-SE" sz="2800" dirty="0">
-                <a:latin typeface="Gill Sans MT (Body)"/>
-                <a:cs typeface="Times New Roman" panose="02020603050405020304" pitchFamily="18" charset="0"/>
-              </a:rPr>
-              <a:t> ramverk för att bygga användargränssnitt</a:t>
-            </a:r>
-          </a:p>
-          <a:p>
-            <a:endParaRPr lang="en-US" sz="2800" dirty="0">
-              <a:latin typeface="Gill Sans MT (Body)"/>
-              <a:cs typeface="Times New Roman" panose="02020603050405020304" pitchFamily="18" charset="0"/>
-            </a:endParaRPr>
-          </a:p>
-          <a:p>
-            <a:r>
-              <a:rPr lang="sv-SE" sz="2800" dirty="0" err="1">
-                <a:latin typeface="Gill Sans MT (Body)"/>
-                <a:cs typeface="Times New Roman" panose="02020603050405020304" pitchFamily="18" charset="0"/>
-              </a:rPr>
-              <a:t>Core</a:t>
-            </a:r>
-            <a:r>
-              <a:rPr lang="sv-SE" sz="2800" dirty="0">
-                <a:latin typeface="Gill Sans MT (Body)"/>
-                <a:cs typeface="Times New Roman" panose="02020603050405020304" pitchFamily="18" charset="0"/>
-              </a:rPr>
-              <a:t> delen av ramverket är endast fokuserat på visningsskiktet och är enkelt att komma igång med</a:t>
-            </a:r>
-          </a:p>
-          <a:p>
-            <a:endParaRPr lang="sv-SE" sz="2800" dirty="0">
-              <a:latin typeface="Gill Sans MT (Body)"/>
-              <a:cs typeface="Times New Roman" panose="02020603050405020304" pitchFamily="18" charset="0"/>
-            </a:endParaRPr>
-          </a:p>
-          <a:p>
-            <a:r>
-              <a:rPr lang="sv-SE" sz="2800" dirty="0" err="1">
-                <a:latin typeface="Gill Sans MT (Body)"/>
-                <a:cs typeface="Times New Roman" panose="02020603050405020304" pitchFamily="18" charset="0"/>
-              </a:rPr>
-              <a:t>Vue</a:t>
-            </a:r>
-            <a:r>
-              <a:rPr lang="sv-SE" sz="2800" dirty="0">
-                <a:latin typeface="Gill Sans MT (Body)"/>
-                <a:cs typeface="Times New Roman" panose="02020603050405020304" pitchFamily="18" charset="0"/>
-              </a:rPr>
-              <a:t> är också fullt kapabelt att bygga sofistikerade applikationer (</a:t>
-            </a:r>
-            <a:r>
-              <a:rPr lang="sv-SE" sz="2800" dirty="0" err="1">
-                <a:latin typeface="Gill Sans MT (Body)"/>
-                <a:cs typeface="Times New Roman" panose="02020603050405020304" pitchFamily="18" charset="0"/>
-              </a:rPr>
-              <a:t>Single</a:t>
-            </a:r>
-            <a:r>
-              <a:rPr lang="sv-SE" sz="2800" dirty="0">
-                <a:latin typeface="Gill Sans MT (Body)"/>
-                <a:cs typeface="Times New Roman" panose="02020603050405020304" pitchFamily="18" charset="0"/>
-              </a:rPr>
-              <a:t> Page </a:t>
-            </a:r>
-            <a:r>
-              <a:rPr lang="sv-SE" sz="2800" dirty="0" err="1">
-                <a:latin typeface="Gill Sans MT (Body)"/>
-                <a:cs typeface="Times New Roman" panose="02020603050405020304" pitchFamily="18" charset="0"/>
-              </a:rPr>
-              <a:t>Applications</a:t>
-            </a:r>
-            <a:r>
-              <a:rPr lang="sv-SE" sz="2800" dirty="0">
-                <a:latin typeface="Gill Sans MT (Body)"/>
-                <a:cs typeface="Times New Roman" panose="02020603050405020304" pitchFamily="18" charset="0"/>
-              </a:rPr>
-              <a:t>)</a:t>
-            </a:r>
-          </a:p>
-          <a:p>
-            <a:endParaRPr lang="sv-SE" sz="2800" dirty="0">
-              <a:latin typeface="Gill Sans MT (Body)"/>
-              <a:cs typeface="Times New Roman" panose="02020603050405020304" pitchFamily="18" charset="0"/>
-            </a:endParaRPr>
-          </a:p>
-          <a:p>
-            <a:r>
-              <a:rPr lang="sv-SE" sz="2800" dirty="0" err="1">
-                <a:latin typeface="Gill Sans MT (Body)"/>
-                <a:cs typeface="Times New Roman" panose="02020603050405020304" pitchFamily="18" charset="0"/>
-              </a:rPr>
-              <a:t>Vue</a:t>
-            </a:r>
-            <a:r>
-              <a:rPr lang="sv-SE" sz="2800" dirty="0">
-                <a:latin typeface="Gill Sans MT (Body)"/>
-                <a:cs typeface="Times New Roman" panose="02020603050405020304" pitchFamily="18" charset="0"/>
-              </a:rPr>
-              <a:t> är flexibelt och enkelt</a:t>
-            </a:r>
-          </a:p>
-          <a:p>
-            <a:endParaRPr lang="sv-SE" sz="2800" dirty="0">
-              <a:latin typeface="Gill Sans MT (Body)"/>
-              <a:cs typeface="Times New Roman" panose="02020603050405020304" pitchFamily="18" charset="0"/>
-            </a:endParaRPr>
-          </a:p>
-          <a:p>
-            <a:r>
-              <a:rPr lang="sv-SE" sz="2800" dirty="0" err="1">
-                <a:latin typeface="Gill Sans MT (Body)"/>
-                <a:cs typeface="Times New Roman" panose="02020603050405020304" pitchFamily="18" charset="0"/>
-              </a:rPr>
-              <a:t>Vue</a:t>
-            </a:r>
-            <a:r>
-              <a:rPr lang="sv-SE" sz="2800" dirty="0">
-                <a:latin typeface="Gill Sans MT (Body)"/>
-                <a:cs typeface="Times New Roman" panose="02020603050405020304" pitchFamily="18" charset="0"/>
-              </a:rPr>
-              <a:t> tillåter dig att använde det i en del av en befintlig applikation (plugin) eller hantera hela applikationen från start (CLI)</a:t>
-            </a:r>
-          </a:p>
-          <a:p>
-            <a:endParaRPr lang="sv-SE" sz="2800" dirty="0">
-              <a:latin typeface="Gill Sans MT (Body)"/>
-              <a:cs typeface="Times New Roman" panose="02020603050405020304" pitchFamily="18" charset="0"/>
-            </a:endParaRPr>
-          </a:p>
-          <a:p>
-            <a:r>
-              <a:rPr lang="sv-SE" sz="2800" dirty="0" err="1">
-                <a:latin typeface="Gill Sans MT (Body)"/>
-                <a:cs typeface="Times New Roman" panose="02020603050405020304" pitchFamily="18" charset="0"/>
-              </a:rPr>
-              <a:t>Vue-Directives</a:t>
-            </a:r>
-            <a:r>
-              <a:rPr lang="sv-SE" sz="2800" dirty="0">
-                <a:latin typeface="Gill Sans MT (Body)"/>
-                <a:cs typeface="Times New Roman" panose="02020603050405020304" pitchFamily="18" charset="0"/>
-              </a:rPr>
-              <a:t> är den del av Vue.js som lägger speciell betydelse och beteende till vanliga html-element på sidan.</a:t>
-            </a:r>
-          </a:p>
-          <a:p>
-            <a:endParaRPr lang="sv-SE" sz="2800" dirty="0">
-              <a:latin typeface="Gill Sans MT (Body)"/>
-              <a:cs typeface="Times New Roman" panose="02020603050405020304" pitchFamily="18" charset="0"/>
-            </a:endParaRPr>
-          </a:p>
-          <a:p>
-            <a:endParaRPr lang="en-US" sz="2800" dirty="0">
-              <a:latin typeface="Gill Sans MT (Body)"/>
-              <a:cs typeface="Times New Roman" panose="02020603050405020304" pitchFamily="18" charset="0"/>
-            </a:endParaRPr>
-          </a:p>
-        </p:txBody>
-      </p:sp>
-    </p:spTree>
-    <p:extLst>
-      <p:ext uri="{BB962C8B-B14F-4D97-AF65-F5344CB8AC3E}">
-        <p14:creationId xmlns:p14="http://schemas.microsoft.com/office/powerpoint/2010/main" val="1650278780"/>
-      </p:ext>
-    </p:extLst>
-  </p:cSld>
-  <p:clrMapOvr>
-    <a:masterClrMapping/>
-  </p:clrMapOvr>
-</p:sld>
-</file>
-
-<file path=ppt/slides/slide20.xml><?xml version="1.0" encoding="utf-8"?>
+<file path=ppt/slides/slide21.xml><?xml version="1.0" encoding="utf-8"?>
 <p:sld xmlns:a="http://schemas.openxmlformats.org/drawingml/2006/main" xmlns:r="http://schemas.openxmlformats.org/officeDocument/2006/relationships" xmlns:p="http://schemas.openxmlformats.org/presentationml/2006/main">
   <p:cSld>
     <p:spTree>
@@ -12614,7 +12893,7 @@
 </p:sld>
 </file>
 
-<file path=ppt/slides/slide21.xml><?xml version="1.0" encoding="utf-8"?>
+<file path=ppt/slides/slide22.xml><?xml version="1.0" encoding="utf-8"?>
 <p:sld xmlns:a="http://schemas.openxmlformats.org/drawingml/2006/main" xmlns:r="http://schemas.openxmlformats.org/officeDocument/2006/relationships" xmlns:p="http://schemas.openxmlformats.org/presentationml/2006/main">
   <p:cSld>
     <p:spTree>
@@ -12880,7 +13159,7 @@
 </p:sld>
 </file>
 
-<file path=ppt/slides/slide22.xml><?xml version="1.0" encoding="utf-8"?>
+<file path=ppt/slides/slide23.xml><?xml version="1.0" encoding="utf-8"?>
 <p:sld xmlns:a="http://schemas.openxmlformats.org/drawingml/2006/main" xmlns:r="http://schemas.openxmlformats.org/officeDocument/2006/relationships" xmlns:p="http://schemas.openxmlformats.org/presentationml/2006/main">
   <p:cSld>
     <p:spTree>
@@ -13176,7 +13455,7 @@
 </p:sld>
 </file>
 
-<file path=ppt/slides/slide23.xml><?xml version="1.0" encoding="utf-8"?>
+<file path=ppt/slides/slide24.xml><?xml version="1.0" encoding="utf-8"?>
 <p:sld xmlns:a="http://schemas.openxmlformats.org/drawingml/2006/main" xmlns:r="http://schemas.openxmlformats.org/officeDocument/2006/relationships" xmlns:p="http://schemas.openxmlformats.org/presentationml/2006/main">
   <p:cSld>
     <p:spTree>
@@ -13830,105 +14109,6 @@
             <a:endParaRPr lang="en-US" sz="4000" dirty="0">
               <a:latin typeface="Gill Sans MT (Body)"/>
             </a:endParaRPr>
-          </a:p>
-        </p:txBody>
-      </p:sp>
-      <p:sp>
-        <p:nvSpPr>
-          <p:cNvPr id="8" name="Rectangle 7">
-            <a:extLst>
-              <a:ext uri="{FF2B5EF4-FFF2-40B4-BE49-F238E27FC236}">
-                <a16:creationId xmlns:a16="http://schemas.microsoft.com/office/drawing/2014/main" id="{0AF1965B-4B8D-440F-B5A7-6606859B3E01}"/>
-              </a:ext>
-            </a:extLst>
-          </p:cNvPr>
-          <p:cNvSpPr/>
-          <p:nvPr/>
-        </p:nvSpPr>
-        <p:spPr>
-          <a:xfrm>
-            <a:off x="1300294" y="978408"/>
-            <a:ext cx="9899009" cy="1015663"/>
-          </a:xfrm>
-          <a:prstGeom prst="rect">
-            <a:avLst/>
-          </a:prstGeom>
-        </p:spPr>
-        <p:txBody>
-          <a:bodyPr wrap="square">
-            <a:spAutoFit/>
-          </a:bodyPr>
-          <a:lstStyle/>
-          <a:p>
-            <a:pPr marL="285750" indent="-285750">
-              <a:buFont typeface="Arial" panose="020B0604020202020204" pitchFamily="34" charset="0"/>
-              <a:buChar char="•"/>
-            </a:pPr>
-            <a:r>
-              <a:rPr lang="sv-SE" sz="2000" dirty="0">
-                <a:solidFill>
-                  <a:schemeClr val="tx1">
-                    <a:lumMod val="65000"/>
-                    <a:lumOff val="35000"/>
-                  </a:schemeClr>
-                </a:solidFill>
-                <a:latin typeface="Gill Sans MT (Body)"/>
-                <a:cs typeface="Times New Roman" panose="02020603050405020304" pitchFamily="18" charset="0"/>
-              </a:rPr>
-              <a:t>Komponenter är återanvändbara strukturer med inkapslade funktionaliteter. Det vill säga element som har html, </a:t>
-            </a:r>
-            <a:r>
-              <a:rPr lang="sv-SE" sz="2000" dirty="0" err="1">
-                <a:solidFill>
-                  <a:schemeClr val="tx1">
-                    <a:lumMod val="65000"/>
-                    <a:lumOff val="35000"/>
-                  </a:schemeClr>
-                </a:solidFill>
-                <a:latin typeface="Gill Sans MT (Body)"/>
-                <a:cs typeface="Times New Roman" panose="02020603050405020304" pitchFamily="18" charset="0"/>
-              </a:rPr>
-              <a:t>css</a:t>
-            </a:r>
-            <a:r>
-              <a:rPr lang="sv-SE" sz="2000" dirty="0">
-                <a:solidFill>
-                  <a:schemeClr val="tx1">
-                    <a:lumMod val="65000"/>
-                    <a:lumOff val="35000"/>
-                  </a:schemeClr>
-                </a:solidFill>
-                <a:latin typeface="Gill Sans MT (Body)"/>
-                <a:cs typeface="Times New Roman" panose="02020603050405020304" pitchFamily="18" charset="0"/>
-              </a:rPr>
-              <a:t> och </a:t>
-            </a:r>
-            <a:r>
-              <a:rPr lang="sv-SE" sz="2000" dirty="0" err="1">
-                <a:solidFill>
-                  <a:schemeClr val="tx1">
-                    <a:lumMod val="65000"/>
-                    <a:lumOff val="35000"/>
-                  </a:schemeClr>
-                </a:solidFill>
-                <a:latin typeface="Gill Sans MT (Body)"/>
-                <a:cs typeface="Times New Roman" panose="02020603050405020304" pitchFamily="18" charset="0"/>
-              </a:rPr>
-              <a:t>javascript</a:t>
-            </a:r>
-            <a:r>
-              <a:rPr lang="sv-SE" sz="2000" dirty="0">
-                <a:solidFill>
-                  <a:schemeClr val="tx1">
-                    <a:lumMod val="65000"/>
-                    <a:lumOff val="35000"/>
-                  </a:schemeClr>
-                </a:solidFill>
-                <a:latin typeface="Gill Sans MT (Body)"/>
-                <a:cs typeface="Times New Roman" panose="02020603050405020304" pitchFamily="18" charset="0"/>
-              </a:rPr>
-              <a:t> inkapslat och som kan vara antingen inom samma komponent eller till och med i andra projekt</a:t>
-            </a:r>
           </a:p>
         </p:txBody>
       </p:sp>
@@ -16342,73 +16522,32 @@
               <a:rPr lang="en-US" sz="4000" dirty="0">
                 <a:latin typeface="Gill Sans MT (Body)"/>
               </a:rPr>
-              <a:t>Interpolation</a:t>
-            </a:r>
+              <a:t>Vue </a:t>
+            </a:r>
+            <a:r>
+              <a:rPr lang="en-US" sz="4000" dirty="0" err="1">
+                <a:latin typeface="Gill Sans MT (Body)"/>
+              </a:rPr>
+              <a:t>är</a:t>
+            </a:r>
+            <a:r>
+              <a:rPr lang="en-US" sz="4000" dirty="0">
+                <a:latin typeface="Gill Sans MT (Body)"/>
+              </a:rPr>
+              <a:t> </a:t>
+            </a:r>
+            <a:r>
+              <a:rPr lang="en-US" sz="4000" dirty="0" err="1">
+                <a:latin typeface="Gill Sans MT (Body)"/>
+              </a:rPr>
+              <a:t>reaktivt</a:t>
+            </a:r>
+            <a:endParaRPr lang="en-US" sz="4000" dirty="0">
+              <a:latin typeface="Gill Sans MT (Body)"/>
+            </a:endParaRPr>
           </a:p>
         </p:txBody>
       </p:sp>
-      <p:pic>
-        <p:nvPicPr>
-          <p:cNvPr id="4" name="Content Placeholder 3">
-            <a:extLst>
-              <a:ext uri="{FF2B5EF4-FFF2-40B4-BE49-F238E27FC236}">
-                <a16:creationId xmlns:a16="http://schemas.microsoft.com/office/drawing/2014/main" id="{5C1E80FD-216D-4F95-B5A4-CF2678256E17}"/>
-              </a:ext>
-            </a:extLst>
-          </p:cNvPr>
-          <p:cNvPicPr>
-            <a:picLocks noGrp="1" noChangeAspect="1"/>
-          </p:cNvPicPr>
-          <p:nvPr>
-            <p:ph idx="1"/>
-          </p:nvPr>
-        </p:nvPicPr>
-        <p:blipFill>
-          <a:blip r:embed="rId2"/>
-          <a:stretch>
-            <a:fillRect/>
-          </a:stretch>
-        </p:blipFill>
-        <p:spPr>
-          <a:xfrm>
-            <a:off x="1514475" y="2472773"/>
-            <a:ext cx="4581525" cy="3733800"/>
-          </a:xfrm>
-          <a:prstGeom prst="rect">
-            <a:avLst/>
-          </a:prstGeom>
-        </p:spPr>
-      </p:pic>
-      <p:pic>
-        <p:nvPicPr>
-          <p:cNvPr id="6" name="Picture 5">
-            <a:extLst>
-              <a:ext uri="{FF2B5EF4-FFF2-40B4-BE49-F238E27FC236}">
-                <a16:creationId xmlns:a16="http://schemas.microsoft.com/office/drawing/2014/main" id="{5FC2D91F-FD32-4647-B6C6-4A91DB02CF36}"/>
-              </a:ext>
-            </a:extLst>
-          </p:cNvPr>
-          <p:cNvPicPr>
-            <a:picLocks noChangeAspect="1"/>
-          </p:cNvPicPr>
-          <p:nvPr/>
-        </p:nvPicPr>
-        <p:blipFill>
-          <a:blip r:embed="rId3"/>
-          <a:stretch>
-            <a:fillRect/>
-          </a:stretch>
-        </p:blipFill>
-        <p:spPr>
-          <a:xfrm>
-            <a:off x="6834359" y="3511463"/>
-            <a:ext cx="4581524" cy="1837644"/>
-          </a:xfrm>
-          <a:prstGeom prst="rect">
-            <a:avLst/>
-          </a:prstGeom>
-        </p:spPr>
-      </p:pic>
       <p:sp>
         <p:nvSpPr>
           <p:cNvPr id="7" name="TextBox 6">
@@ -16423,8 +16562,8 @@
         </p:nvSpPr>
         <p:spPr>
           <a:xfrm>
-            <a:off x="1704513" y="1176974"/>
-            <a:ext cx="7776838" cy="923330"/>
+            <a:off x="1704512" y="1176974"/>
+            <a:ext cx="9201175" cy="1477328"/>
           </a:xfrm>
           <a:prstGeom prst="rect">
             <a:avLst/>
@@ -16442,7 +16581,7 @@
               <a:buChar char="•"/>
             </a:pPr>
             <a:r>
-              <a:rPr lang="sv-SE" dirty="0">
+              <a:rPr lang="sv-SE" dirty="0" err="1">
                 <a:solidFill>
                   <a:schemeClr val="tx1">
                     <a:lumMod val="65000"/>
@@ -16450,10 +16589,10 @@
                   </a:schemeClr>
                 </a:solidFill>
               </a:rPr>
-              <a:t>Visar data värden från </a:t>
-            </a:r>
-            <a:r>
-              <a:rPr lang="sv-SE" u="sng" dirty="0">
+              <a:t>Vue</a:t>
+            </a:r>
+            <a:r>
+              <a:rPr lang="sv-SE" dirty="0">
                 <a:solidFill>
                   <a:schemeClr val="tx1">
                     <a:lumMod val="65000"/>
@@ -16461,40 +16600,7 @@
                   </a:schemeClr>
                 </a:solidFill>
               </a:rPr>
-              <a:t>data</a:t>
-            </a:r>
-            <a:r>
-              <a:rPr lang="sv-SE" dirty="0">
-                <a:solidFill>
-                  <a:schemeClr val="tx1">
-                    <a:lumMod val="65000"/>
-                    <a:lumOff val="35000"/>
-                  </a:schemeClr>
-                </a:solidFill>
-              </a:rPr>
-              <a:t> sektionen eller </a:t>
-            </a:r>
-            <a:r>
-              <a:rPr lang="sv-SE" u="sng" dirty="0" err="1">
-                <a:solidFill>
-                  <a:schemeClr val="tx1">
-                    <a:lumMod val="65000"/>
-                    <a:lumOff val="35000"/>
-                  </a:schemeClr>
-                </a:solidFill>
-              </a:rPr>
-              <a:t>computed</a:t>
-            </a:r>
-            <a:r>
-              <a:rPr lang="sv-SE" dirty="0">
-                <a:solidFill>
-                  <a:schemeClr val="tx1">
-                    <a:lumMod val="65000"/>
-                    <a:lumOff val="35000"/>
-                  </a:schemeClr>
-                </a:solidFill>
-              </a:rPr>
-              <a:t> sektionen.</a:t>
+              <a:t> är reaktivt bibliotek som ger oss superkrafter, reaktivt är inte här det vi tänker i fysiken utan det innebär att när vi ändrar variablers värden ändras html-delen direkt och visar ändringarna.</a:t>
             </a:r>
           </a:p>
           <a:p>
@@ -16502,14 +16608,32 @@
               <a:buFont typeface="Arial" panose="020B0604020202020204" pitchFamily="34" charset="0"/>
               <a:buChar char="•"/>
             </a:pPr>
-            <a:endParaRPr lang="sv-SE" dirty="0">
-              <a:solidFill>
-                <a:schemeClr val="tx1">
-                  <a:lumMod val="65000"/>
-                  <a:lumOff val="35000"/>
-                </a:schemeClr>
-              </a:solidFill>
-            </a:endParaRPr>
+            <a:r>
+              <a:rPr lang="sv-SE" dirty="0">
+                <a:solidFill>
+                  <a:schemeClr val="tx1">
+                    <a:lumMod val="65000"/>
+                    <a:lumOff val="35000"/>
+                  </a:schemeClr>
+                </a:solidFill>
+              </a:rPr>
+              <a:t>För att en variabel ska bli reaktivt måste man kapsla in det i </a:t>
+            </a:r>
+            <a:r>
+              <a:rPr lang="sv-SE" dirty="0">
+                <a:solidFill>
+                  <a:schemeClr val="tx2">
+                    <a:lumMod val="75000"/>
+                    <a:lumOff val="25000"/>
+                  </a:schemeClr>
+                </a:solidFill>
+              </a:rPr>
+              <a:t>ref() </a:t>
+            </a:r>
+            <a:r>
+              <a:rPr lang="sv-SE" dirty="0"/>
+              <a:t>.</a:t>
+            </a:r>
           </a:p>
           <a:p>
             <a:pPr marL="285750" indent="-285750">
@@ -16525,7 +16649,462 @@
                   </a:schemeClr>
                 </a:solidFill>
               </a:rPr>
-              <a:t>Kan också utföra mindre uttryck innanför {{ … }}.</a:t>
+              <a:t>Därefter så gör man ändringar på variabeln genom </a:t>
+            </a:r>
+            <a:r>
+              <a:rPr lang="sv-SE" dirty="0" err="1">
+                <a:solidFill>
+                  <a:schemeClr val="tx2">
+                    <a:lumMod val="75000"/>
+                    <a:lumOff val="25000"/>
+                  </a:schemeClr>
+                </a:solidFill>
+              </a:rPr>
+              <a:t>varibelnamn.value</a:t>
+            </a:r>
+            <a:endParaRPr lang="sv-SE" dirty="0">
+              <a:solidFill>
+                <a:schemeClr val="tx2">
+                  <a:lumMod val="75000"/>
+                  <a:lumOff val="25000"/>
+                </a:schemeClr>
+              </a:solidFill>
+            </a:endParaRPr>
+          </a:p>
+        </p:txBody>
+      </p:sp>
+      <p:pic>
+        <p:nvPicPr>
+          <p:cNvPr id="11" name="Picture 10">
+            <a:extLst>
+              <a:ext uri="{FF2B5EF4-FFF2-40B4-BE49-F238E27FC236}">
+                <a16:creationId xmlns:a16="http://schemas.microsoft.com/office/drawing/2014/main" id="{065AA117-0FBF-55F4-2B82-7E1C9FFC7092}"/>
+              </a:ext>
+            </a:extLst>
+          </p:cNvPr>
+          <p:cNvPicPr>
+            <a:picLocks noChangeAspect="1"/>
+          </p:cNvPicPr>
+          <p:nvPr/>
+        </p:nvPicPr>
+        <p:blipFill>
+          <a:blip r:embed="rId2"/>
+          <a:stretch>
+            <a:fillRect/>
+          </a:stretch>
+        </p:blipFill>
+        <p:spPr>
+          <a:xfrm>
+            <a:off x="1837287" y="2633550"/>
+            <a:ext cx="3466470" cy="4451949"/>
+          </a:xfrm>
+          <a:prstGeom prst="rect">
+            <a:avLst/>
+          </a:prstGeom>
+        </p:spPr>
+      </p:pic>
+      <p:cxnSp>
+        <p:nvCxnSpPr>
+          <p:cNvPr id="13" name="Straight Arrow Connector 12">
+            <a:extLst>
+              <a:ext uri="{FF2B5EF4-FFF2-40B4-BE49-F238E27FC236}">
+                <a16:creationId xmlns:a16="http://schemas.microsoft.com/office/drawing/2014/main" id="{EB9E7B5B-746B-AA7B-8002-9717FC822370}"/>
+              </a:ext>
+            </a:extLst>
+          </p:cNvPr>
+          <p:cNvCxnSpPr>
+            <a:cxnSpLocks/>
+          </p:cNvCxnSpPr>
+          <p:nvPr/>
+        </p:nvCxnSpPr>
+        <p:spPr>
+          <a:xfrm flipH="1">
+            <a:off x="4018327" y="3330429"/>
+            <a:ext cx="2872517" cy="601869"/>
+          </a:xfrm>
+          <a:prstGeom prst="straightConnector1">
+            <a:avLst/>
+          </a:prstGeom>
+          <a:ln>
+            <a:tailEnd type="triangle"/>
+          </a:ln>
+        </p:spPr>
+        <p:style>
+          <a:lnRef idx="1">
+            <a:schemeClr val="accent1"/>
+          </a:lnRef>
+          <a:fillRef idx="0">
+            <a:schemeClr val="accent1"/>
+          </a:fillRef>
+          <a:effectRef idx="0">
+            <a:schemeClr val="accent1"/>
+          </a:effectRef>
+          <a:fontRef idx="minor">
+            <a:schemeClr val="tx1"/>
+          </a:fontRef>
+        </p:style>
+      </p:cxnSp>
+      <p:cxnSp>
+        <p:nvCxnSpPr>
+          <p:cNvPr id="16" name="Straight Arrow Connector 15">
+            <a:extLst>
+              <a:ext uri="{FF2B5EF4-FFF2-40B4-BE49-F238E27FC236}">
+                <a16:creationId xmlns:a16="http://schemas.microsoft.com/office/drawing/2014/main" id="{F9BBA947-94E8-3294-3EAE-C7715C72E3CC}"/>
+              </a:ext>
+            </a:extLst>
+          </p:cNvPr>
+          <p:cNvCxnSpPr>
+            <a:cxnSpLocks/>
+          </p:cNvCxnSpPr>
+          <p:nvPr/>
+        </p:nvCxnSpPr>
+        <p:spPr>
+          <a:xfrm flipH="1">
+            <a:off x="4823670" y="3999451"/>
+            <a:ext cx="1610686" cy="275299"/>
+          </a:xfrm>
+          <a:prstGeom prst="straightConnector1">
+            <a:avLst/>
+          </a:prstGeom>
+          <a:ln>
+            <a:tailEnd type="triangle"/>
+          </a:ln>
+        </p:spPr>
+        <p:style>
+          <a:lnRef idx="1">
+            <a:schemeClr val="accent1"/>
+          </a:lnRef>
+          <a:fillRef idx="0">
+            <a:schemeClr val="accent1"/>
+          </a:fillRef>
+          <a:effectRef idx="0">
+            <a:schemeClr val="accent1"/>
+          </a:effectRef>
+          <a:fontRef idx="minor">
+            <a:schemeClr val="tx1"/>
+          </a:fontRef>
+        </p:style>
+      </p:cxnSp>
+      <p:cxnSp>
+        <p:nvCxnSpPr>
+          <p:cNvPr id="17" name="Straight Arrow Connector 16">
+            <a:extLst>
+              <a:ext uri="{FF2B5EF4-FFF2-40B4-BE49-F238E27FC236}">
+                <a16:creationId xmlns:a16="http://schemas.microsoft.com/office/drawing/2014/main" id="{5AD53896-774B-0082-726F-ABE30F77641D}"/>
+              </a:ext>
+            </a:extLst>
+          </p:cNvPr>
+          <p:cNvCxnSpPr>
+            <a:cxnSpLocks/>
+          </p:cNvCxnSpPr>
+          <p:nvPr/>
+        </p:nvCxnSpPr>
+        <p:spPr>
+          <a:xfrm flipH="1">
+            <a:off x="4521666" y="4480466"/>
+            <a:ext cx="2128754" cy="127959"/>
+          </a:xfrm>
+          <a:prstGeom prst="straightConnector1">
+            <a:avLst/>
+          </a:prstGeom>
+          <a:ln>
+            <a:tailEnd type="triangle"/>
+          </a:ln>
+        </p:spPr>
+        <p:style>
+          <a:lnRef idx="1">
+            <a:schemeClr val="accent1"/>
+          </a:lnRef>
+          <a:fillRef idx="0">
+            <a:schemeClr val="accent1"/>
+          </a:fillRef>
+          <a:effectRef idx="0">
+            <a:schemeClr val="accent1"/>
+          </a:effectRef>
+          <a:fontRef idx="minor">
+            <a:schemeClr val="tx1"/>
+          </a:fontRef>
+        </p:style>
+      </p:cxnSp>
+      <p:sp>
+        <p:nvSpPr>
+          <p:cNvPr id="22" name="TextBox 21">
+            <a:extLst>
+              <a:ext uri="{FF2B5EF4-FFF2-40B4-BE49-F238E27FC236}">
+                <a16:creationId xmlns:a16="http://schemas.microsoft.com/office/drawing/2014/main" id="{853E55CB-BADC-8827-F913-9EB29D4FDB2F}"/>
+              </a:ext>
+            </a:extLst>
+          </p:cNvPr>
+          <p:cNvSpPr txBox="1"/>
+          <p:nvPr/>
+        </p:nvSpPr>
+        <p:spPr>
+          <a:xfrm>
+            <a:off x="7072975" y="3063564"/>
+            <a:ext cx="2129109" cy="338554"/>
+          </a:xfrm>
+          <a:prstGeom prst="rect">
+            <a:avLst/>
+          </a:prstGeom>
+          <a:noFill/>
+        </p:spPr>
+        <p:txBody>
+          <a:bodyPr wrap="none" rtlCol="0">
+            <a:spAutoFit/>
+          </a:bodyPr>
+          <a:lstStyle/>
+          <a:p>
+            <a:r>
+              <a:rPr lang="sv-SE" sz="1600" dirty="0"/>
+              <a:t>Importerar </a:t>
+            </a:r>
+            <a:r>
+              <a:rPr lang="sv-SE" sz="1600" dirty="0">
+                <a:solidFill>
+                  <a:schemeClr val="tx2">
+                    <a:lumMod val="75000"/>
+                    <a:lumOff val="25000"/>
+                  </a:schemeClr>
+                </a:solidFill>
+              </a:rPr>
+              <a:t>ref</a:t>
+            </a:r>
+            <a:r>
+              <a:rPr lang="sv-SE" sz="1600" dirty="0"/>
+              <a:t> från </a:t>
+            </a:r>
+            <a:r>
+              <a:rPr lang="sv-SE" sz="1600" dirty="0" err="1">
+                <a:solidFill>
+                  <a:schemeClr val="tx2">
+                    <a:lumMod val="75000"/>
+                    <a:lumOff val="25000"/>
+                  </a:schemeClr>
+                </a:solidFill>
+              </a:rPr>
+              <a:t>vue</a:t>
+            </a:r>
+            <a:endParaRPr lang="sv-SE" sz="1600" dirty="0">
+              <a:solidFill>
+                <a:schemeClr val="tx2">
+                  <a:lumMod val="75000"/>
+                  <a:lumOff val="25000"/>
+                </a:schemeClr>
+              </a:solidFill>
+            </a:endParaRPr>
+          </a:p>
+        </p:txBody>
+      </p:sp>
+      <p:sp>
+        <p:nvSpPr>
+          <p:cNvPr id="23" name="TextBox 22">
+            <a:extLst>
+              <a:ext uri="{FF2B5EF4-FFF2-40B4-BE49-F238E27FC236}">
+                <a16:creationId xmlns:a16="http://schemas.microsoft.com/office/drawing/2014/main" id="{47401DA3-A4ED-39FA-60F9-120DBD465AAB}"/>
+              </a:ext>
+            </a:extLst>
+          </p:cNvPr>
+          <p:cNvSpPr txBox="1"/>
+          <p:nvPr/>
+        </p:nvSpPr>
+        <p:spPr>
+          <a:xfrm>
+            <a:off x="6763980" y="3763021"/>
+            <a:ext cx="5045612" cy="338554"/>
+          </a:xfrm>
+          <a:prstGeom prst="rect">
+            <a:avLst/>
+          </a:prstGeom>
+          <a:noFill/>
+        </p:spPr>
+        <p:txBody>
+          <a:bodyPr wrap="none" rtlCol="0">
+            <a:spAutoFit/>
+          </a:bodyPr>
+          <a:lstStyle/>
+          <a:p>
+            <a:r>
+              <a:rPr lang="sv-SE" sz="1600" dirty="0"/>
+              <a:t>Skapar en reaktiv variabel </a:t>
+            </a:r>
+            <a:r>
+              <a:rPr lang="sv-SE" sz="1600" dirty="0" err="1">
+                <a:solidFill>
+                  <a:schemeClr val="tx2">
+                    <a:lumMod val="75000"/>
+                    <a:lumOff val="25000"/>
+                  </a:schemeClr>
+                </a:solidFill>
+              </a:rPr>
+              <a:t>message</a:t>
+            </a:r>
+            <a:r>
+              <a:rPr lang="sv-SE" sz="1600" dirty="0"/>
+              <a:t> som kapslas in med </a:t>
+            </a:r>
+            <a:r>
+              <a:rPr lang="sv-SE" sz="1600" dirty="0">
+                <a:solidFill>
+                  <a:schemeClr val="tx2">
+                    <a:lumMod val="75000"/>
+                    <a:lumOff val="25000"/>
+                  </a:schemeClr>
+                </a:solidFill>
+              </a:rPr>
+              <a:t>ref</a:t>
+            </a:r>
+          </a:p>
+        </p:txBody>
+      </p:sp>
+      <p:sp>
+        <p:nvSpPr>
+          <p:cNvPr id="25" name="TextBox 24">
+            <a:extLst>
+              <a:ext uri="{FF2B5EF4-FFF2-40B4-BE49-F238E27FC236}">
+                <a16:creationId xmlns:a16="http://schemas.microsoft.com/office/drawing/2014/main" id="{98531B4A-E4BD-B10C-EB8A-BC62E848F27A}"/>
+              </a:ext>
+            </a:extLst>
+          </p:cNvPr>
+          <p:cNvSpPr txBox="1"/>
+          <p:nvPr/>
+        </p:nvSpPr>
+        <p:spPr>
+          <a:xfrm>
+            <a:off x="6888244" y="4274750"/>
+            <a:ext cx="4352538" cy="584775"/>
+          </a:xfrm>
+          <a:prstGeom prst="rect">
+            <a:avLst/>
+          </a:prstGeom>
+          <a:noFill/>
+        </p:spPr>
+        <p:txBody>
+          <a:bodyPr wrap="none" rtlCol="0">
+            <a:spAutoFit/>
+          </a:bodyPr>
+          <a:lstStyle/>
+          <a:p>
+            <a:r>
+              <a:rPr lang="sv-SE" sz="1600" dirty="0"/>
+              <a:t>Ändrar sedan </a:t>
+            </a:r>
+            <a:r>
+              <a:rPr lang="sv-SE" sz="1600" dirty="0" err="1">
+                <a:solidFill>
+                  <a:schemeClr val="tx2">
+                    <a:lumMod val="75000"/>
+                    <a:lumOff val="25000"/>
+                  </a:schemeClr>
+                </a:solidFill>
+              </a:rPr>
+              <a:t>message</a:t>
+            </a:r>
+            <a:r>
+              <a:rPr lang="sv-SE" sz="1600" dirty="0"/>
+              <a:t> värde till något annat vilket</a:t>
+            </a:r>
+            <a:br>
+              <a:rPr lang="sv-SE" sz="1600" dirty="0"/>
+            </a:br>
+            <a:r>
+              <a:rPr lang="sv-SE" sz="1600" dirty="0"/>
+              <a:t>uppdaterar html elementen automagiskt!</a:t>
+            </a:r>
+          </a:p>
+        </p:txBody>
+      </p:sp>
+      <p:sp>
+        <p:nvSpPr>
+          <p:cNvPr id="30" name="TextBox 29">
+            <a:extLst>
+              <a:ext uri="{FF2B5EF4-FFF2-40B4-BE49-F238E27FC236}">
+                <a16:creationId xmlns:a16="http://schemas.microsoft.com/office/drawing/2014/main" id="{A965CAD2-7C80-8558-394E-DCCC59EB60A7}"/>
+              </a:ext>
+            </a:extLst>
+          </p:cNvPr>
+          <p:cNvSpPr txBox="1"/>
+          <p:nvPr/>
+        </p:nvSpPr>
+        <p:spPr>
+          <a:xfrm>
+            <a:off x="5771626" y="5451730"/>
+            <a:ext cx="5905719" cy="646331"/>
+          </a:xfrm>
+          <a:prstGeom prst="rect">
+            <a:avLst/>
+          </a:prstGeom>
+          <a:noFill/>
+        </p:spPr>
+        <p:txBody>
+          <a:bodyPr wrap="none" rtlCol="0">
+            <a:spAutoFit/>
+          </a:bodyPr>
+          <a:lstStyle/>
+          <a:p>
+            <a:r>
+              <a:rPr lang="sv-SE" dirty="0">
+                <a:solidFill>
+                  <a:schemeClr val="tx2">
+                    <a:lumMod val="75000"/>
+                    <a:lumOff val="25000"/>
+                  </a:schemeClr>
+                </a:solidFill>
+              </a:rPr>
+              <a:t>Vi behöver i princip aldrig använda </a:t>
+            </a:r>
+            <a:r>
+              <a:rPr lang="sv-SE" dirty="0" err="1">
+                <a:solidFill>
+                  <a:schemeClr val="tx2">
+                    <a:lumMod val="75000"/>
+                    <a:lumOff val="25000"/>
+                  </a:schemeClr>
+                </a:solidFill>
+              </a:rPr>
+              <a:t>document.getElementById</a:t>
+            </a:r>
+            <a:br>
+              <a:rPr lang="sv-SE" dirty="0">
+                <a:solidFill>
+                  <a:schemeClr val="tx2">
+                    <a:lumMod val="75000"/>
+                    <a:lumOff val="25000"/>
+                  </a:schemeClr>
+                </a:solidFill>
+              </a:rPr>
+            </a:br>
+            <a:r>
+              <a:rPr lang="sv-SE" dirty="0">
+                <a:solidFill>
+                  <a:schemeClr val="tx2">
+                    <a:lumMod val="75000"/>
+                    <a:lumOff val="25000"/>
+                  </a:schemeClr>
+                </a:solidFill>
+              </a:rPr>
+              <a:t>och liknande längre dvs DOM, </a:t>
+            </a:r>
+            <a:r>
+              <a:rPr lang="sv-SE" dirty="0" err="1">
+                <a:solidFill>
+                  <a:schemeClr val="tx2">
+                    <a:lumMod val="75000"/>
+                    <a:lumOff val="25000"/>
+                  </a:schemeClr>
+                </a:solidFill>
+              </a:rPr>
+              <a:t>Vue</a:t>
+            </a:r>
+            <a:r>
+              <a:rPr lang="sv-SE" dirty="0">
+                <a:solidFill>
+                  <a:schemeClr val="tx2">
+                    <a:lumMod val="75000"/>
+                    <a:lumOff val="25000"/>
+                  </a:schemeClr>
+                </a:solidFill>
+              </a:rPr>
+              <a:t> gör det under ytan.</a:t>
             </a:r>
           </a:p>
         </p:txBody>
@@ -16593,17 +17172,17 @@
               <a:rPr lang="en-US" sz="4000" dirty="0">
                 <a:latin typeface="Gill Sans MT (Body)"/>
               </a:rPr>
-              <a:t>Attribute Binding</a:t>
+              <a:t>Interpolation</a:t>
             </a:r>
           </a:p>
         </p:txBody>
       </p:sp>
       <p:pic>
         <p:nvPicPr>
-          <p:cNvPr id="4" name="Picture 3">
+          <p:cNvPr id="6" name="Picture 5">
             <a:extLst>
               <a:ext uri="{FF2B5EF4-FFF2-40B4-BE49-F238E27FC236}">
-                <a16:creationId xmlns:a16="http://schemas.microsoft.com/office/drawing/2014/main" id="{7FBEE82D-B422-46E3-8B38-C7B729290DC4}"/>
+                <a16:creationId xmlns:a16="http://schemas.microsoft.com/office/drawing/2014/main" id="{5FC2D91F-FD32-4647-B6C6-4A91DB02CF36}"/>
               </a:ext>
             </a:extLst>
           </p:cNvPr>
@@ -16620,20 +17199,141 @@
         </p:blipFill>
         <p:spPr>
           <a:xfrm>
-            <a:off x="1342367" y="2540612"/>
-            <a:ext cx="5664235" cy="3822540"/>
+            <a:off x="6610525" y="3421683"/>
+            <a:ext cx="4805358" cy="1927424"/>
           </a:xfrm>
           <a:prstGeom prst="rect">
             <a:avLst/>
           </a:prstGeom>
         </p:spPr>
       </p:pic>
+      <p:sp>
+        <p:nvSpPr>
+          <p:cNvPr id="7" name="TextBox 6">
+            <a:extLst>
+              <a:ext uri="{FF2B5EF4-FFF2-40B4-BE49-F238E27FC236}">
+                <a16:creationId xmlns:a16="http://schemas.microsoft.com/office/drawing/2014/main" id="{245FB5DD-85A9-4F43-913B-3383D193826A}"/>
+              </a:ext>
+            </a:extLst>
+          </p:cNvPr>
+          <p:cNvSpPr txBox="1"/>
+          <p:nvPr/>
+        </p:nvSpPr>
+        <p:spPr>
+          <a:xfrm>
+            <a:off x="1704513" y="1176974"/>
+            <a:ext cx="7776838" cy="923330"/>
+          </a:xfrm>
+          <a:prstGeom prst="rect">
+            <a:avLst/>
+          </a:prstGeom>
+          <a:noFill/>
+        </p:spPr>
+        <p:txBody>
+          <a:bodyPr wrap="square" rtlCol="0">
+            <a:spAutoFit/>
+          </a:bodyPr>
+          <a:lstStyle/>
+          <a:p>
+            <a:pPr marL="285750" indent="-285750">
+              <a:buFont typeface="Arial" panose="020B0604020202020204" pitchFamily="34" charset="0"/>
+              <a:buChar char="•"/>
+            </a:pPr>
+            <a:r>
+              <a:rPr lang="sv-SE" dirty="0">
+                <a:solidFill>
+                  <a:schemeClr val="tx1">
+                    <a:lumMod val="65000"/>
+                    <a:lumOff val="35000"/>
+                  </a:schemeClr>
+                </a:solidFill>
+              </a:rPr>
+              <a:t>Visar data värden från </a:t>
+            </a:r>
+            <a:r>
+              <a:rPr lang="sv-SE" u="sng" dirty="0">
+                <a:solidFill>
+                  <a:schemeClr val="tx1">
+                    <a:lumMod val="65000"/>
+                    <a:lumOff val="35000"/>
+                  </a:schemeClr>
+                </a:solidFill>
+              </a:rPr>
+              <a:t>data</a:t>
+            </a:r>
+            <a:r>
+              <a:rPr lang="sv-SE" dirty="0">
+                <a:solidFill>
+                  <a:schemeClr val="tx1">
+                    <a:lumMod val="65000"/>
+                    <a:lumOff val="35000"/>
+                  </a:schemeClr>
+                </a:solidFill>
+              </a:rPr>
+              <a:t> sektionen eller </a:t>
+            </a:r>
+            <a:r>
+              <a:rPr lang="sv-SE" u="sng" dirty="0" err="1">
+                <a:solidFill>
+                  <a:schemeClr val="tx1">
+                    <a:lumMod val="65000"/>
+                    <a:lumOff val="35000"/>
+                  </a:schemeClr>
+                </a:solidFill>
+              </a:rPr>
+              <a:t>computed</a:t>
+            </a:r>
+            <a:r>
+              <a:rPr lang="sv-SE" dirty="0">
+                <a:solidFill>
+                  <a:schemeClr val="tx1">
+                    <a:lumMod val="65000"/>
+                    <a:lumOff val="35000"/>
+                  </a:schemeClr>
+                </a:solidFill>
+              </a:rPr>
+              <a:t> sektionen.</a:t>
+            </a:r>
+          </a:p>
+          <a:p>
+            <a:pPr marL="285750" indent="-285750">
+              <a:buFont typeface="Arial" panose="020B0604020202020204" pitchFamily="34" charset="0"/>
+              <a:buChar char="•"/>
+            </a:pPr>
+            <a:endParaRPr lang="sv-SE" dirty="0">
+              <a:solidFill>
+                <a:schemeClr val="tx1">
+                  <a:lumMod val="65000"/>
+                  <a:lumOff val="35000"/>
+                </a:schemeClr>
+              </a:solidFill>
+            </a:endParaRPr>
+          </a:p>
+          <a:p>
+            <a:pPr marL="285750" indent="-285750">
+              <a:buFont typeface="Arial" panose="020B0604020202020204" pitchFamily="34" charset="0"/>
+              <a:buChar char="•"/>
+            </a:pPr>
+            <a:r>
+              <a:rPr lang="sv-SE" dirty="0">
+                <a:solidFill>
+                  <a:schemeClr val="tx1">
+                    <a:lumMod val="65000"/>
+                    <a:lumOff val="35000"/>
+                  </a:schemeClr>
+                </a:solidFill>
+              </a:rPr>
+              <a:t>Kan också utföra mindre uttryck innanför {{ … }}.</a:t>
+            </a:r>
+          </a:p>
+        </p:txBody>
+      </p:sp>
       <p:pic>
         <p:nvPicPr>
-          <p:cNvPr id="7" name="Picture 6">
+          <p:cNvPr id="9" name="Picture 8">
             <a:extLst>
               <a:ext uri="{FF2B5EF4-FFF2-40B4-BE49-F238E27FC236}">
-                <a16:creationId xmlns:a16="http://schemas.microsoft.com/office/drawing/2014/main" id="{635F8FCA-1B6C-4E66-BCF7-3C80E6C352B4}"/>
+                <a16:creationId xmlns:a16="http://schemas.microsoft.com/office/drawing/2014/main" id="{E9786544-B6B6-5F41-472A-A2A2814977C2}"/>
               </a:ext>
             </a:extLst>
           </p:cNvPr>
@@ -16650,172 +17350,18 @@
         </p:blipFill>
         <p:spPr>
           <a:xfrm>
-            <a:off x="7266219" y="2990123"/>
-            <a:ext cx="4317583" cy="1210320"/>
+            <a:off x="1995317" y="2390119"/>
+            <a:ext cx="3456809" cy="3809345"/>
           </a:xfrm>
           <a:prstGeom prst="rect">
             <a:avLst/>
           </a:prstGeom>
         </p:spPr>
       </p:pic>
-      <p:sp>
-        <p:nvSpPr>
-          <p:cNvPr id="8" name="TextBox 7">
-            <a:extLst>
-              <a:ext uri="{FF2B5EF4-FFF2-40B4-BE49-F238E27FC236}">
-                <a16:creationId xmlns:a16="http://schemas.microsoft.com/office/drawing/2014/main" id="{F1F7F031-908D-4E7C-A487-436BA88AC338}"/>
-              </a:ext>
-            </a:extLst>
-          </p:cNvPr>
-          <p:cNvSpPr txBox="1"/>
-          <p:nvPr/>
-        </p:nvSpPr>
-        <p:spPr>
-          <a:xfrm>
-            <a:off x="1704512" y="1176974"/>
-            <a:ext cx="9490229" cy="923330"/>
-          </a:xfrm>
-          <a:prstGeom prst="rect">
-            <a:avLst/>
-          </a:prstGeom>
-          <a:noFill/>
-        </p:spPr>
-        <p:txBody>
-          <a:bodyPr wrap="square" rtlCol="0">
-            <a:spAutoFit/>
-          </a:bodyPr>
-          <a:lstStyle/>
-          <a:p>
-            <a:pPr marL="285750" indent="-285750">
-              <a:buFont typeface="Arial" panose="020B0604020202020204" pitchFamily="34" charset="0"/>
-              <a:buChar char="•"/>
-            </a:pPr>
-            <a:r>
-              <a:rPr lang="sv-SE" dirty="0">
-                <a:solidFill>
-                  <a:schemeClr val="tx1">
-                    <a:lumMod val="65000"/>
-                    <a:lumOff val="35000"/>
-                  </a:schemeClr>
-                </a:solidFill>
-              </a:rPr>
-              <a:t>Binder data värden från </a:t>
-            </a:r>
-            <a:r>
-              <a:rPr lang="sv-SE" u="sng" dirty="0">
-                <a:solidFill>
-                  <a:schemeClr val="tx1">
-                    <a:lumMod val="65000"/>
-                    <a:lumOff val="35000"/>
-                  </a:schemeClr>
-                </a:solidFill>
-              </a:rPr>
-              <a:t>data</a:t>
-            </a:r>
-            <a:r>
-              <a:rPr lang="sv-SE" dirty="0">
-                <a:solidFill>
-                  <a:schemeClr val="tx1">
-                    <a:lumMod val="65000"/>
-                    <a:lumOff val="35000"/>
-                  </a:schemeClr>
-                </a:solidFill>
-              </a:rPr>
-              <a:t> sektionen eller </a:t>
-            </a:r>
-            <a:r>
-              <a:rPr lang="sv-SE" u="sng" dirty="0" err="1">
-                <a:solidFill>
-                  <a:schemeClr val="tx1">
-                    <a:lumMod val="65000"/>
-                    <a:lumOff val="35000"/>
-                  </a:schemeClr>
-                </a:solidFill>
-              </a:rPr>
-              <a:t>computed</a:t>
-            </a:r>
-            <a:r>
-              <a:rPr lang="sv-SE" dirty="0">
-                <a:solidFill>
-                  <a:schemeClr val="tx1">
-                    <a:lumMod val="65000"/>
-                    <a:lumOff val="35000"/>
-                  </a:schemeClr>
-                </a:solidFill>
-              </a:rPr>
-              <a:t> sektionen till ett html-elements attribut.</a:t>
-            </a:r>
-          </a:p>
-          <a:p>
-            <a:pPr marL="285750" indent="-285750">
-              <a:buFont typeface="Arial" panose="020B0604020202020204" pitchFamily="34" charset="0"/>
-              <a:buChar char="•"/>
-            </a:pPr>
-            <a:endParaRPr lang="sv-SE" dirty="0">
-              <a:solidFill>
-                <a:schemeClr val="tx1">
-                  <a:lumMod val="65000"/>
-                  <a:lumOff val="35000"/>
-                </a:schemeClr>
-              </a:solidFill>
-            </a:endParaRPr>
-          </a:p>
-          <a:p>
-            <a:pPr marL="285750" indent="-285750">
-              <a:buFont typeface="Arial" panose="020B0604020202020204" pitchFamily="34" charset="0"/>
-              <a:buChar char="•"/>
-            </a:pPr>
-            <a:r>
-              <a:rPr lang="sv-SE" dirty="0" err="1">
-                <a:solidFill>
-                  <a:schemeClr val="tx2">
-                    <a:lumMod val="75000"/>
-                    <a:lumOff val="25000"/>
-                  </a:schemeClr>
-                </a:solidFill>
-              </a:rPr>
-              <a:t>v-bind:attribut-namn</a:t>
-            </a:r>
-            <a:r>
-              <a:rPr lang="sv-SE" dirty="0">
-                <a:solidFill>
-                  <a:schemeClr val="tx1">
-                    <a:lumMod val="65000"/>
-                    <a:lumOff val="35000"/>
-                  </a:schemeClr>
-                </a:solidFill>
-              </a:rPr>
-              <a:t> kan förkortas </a:t>
-            </a:r>
-            <a:r>
-              <a:rPr lang="sv-SE" dirty="0">
-                <a:solidFill>
-                  <a:schemeClr val="tx2">
-                    <a:lumMod val="75000"/>
-                    <a:lumOff val="25000"/>
-                  </a:schemeClr>
-                </a:solidFill>
-              </a:rPr>
-              <a:t>:attribut-namn</a:t>
-            </a:r>
-            <a:r>
-              <a:rPr lang="sv-SE" dirty="0">
-                <a:solidFill>
-                  <a:schemeClr val="tx1">
-                    <a:lumMod val="65000"/>
-                    <a:lumOff val="35000"/>
-                  </a:schemeClr>
-                </a:solidFill>
-              </a:rPr>
-              <a:t>.</a:t>
-            </a:r>
-          </a:p>
-        </p:txBody>
-      </p:sp>
     </p:spTree>
     <p:extLst>
       <p:ext uri="{BB962C8B-B14F-4D97-AF65-F5344CB8AC3E}">
-        <p14:creationId xmlns:p14="http://schemas.microsoft.com/office/powerpoint/2010/main" val="2963220724"/>
+        <p14:creationId xmlns:p14="http://schemas.microsoft.com/office/powerpoint/2010/main" val="805122062"/>
       </p:ext>
     </p:extLst>
   </p:cSld>
@@ -16875,35 +17421,24 @@
               <a:rPr lang="en-US" sz="4000" dirty="0">
                 <a:latin typeface="Gill Sans MT (Body)"/>
               </a:rPr>
-              <a:t>Conditionals - </a:t>
-            </a:r>
-            <a:r>
-              <a:rPr lang="en-US" sz="4000" dirty="0" err="1">
-                <a:latin typeface="Gill Sans MT (Body)"/>
-              </a:rPr>
-              <a:t>Villkor</a:t>
-            </a:r>
-            <a:endParaRPr lang="en-US" sz="4000" dirty="0">
-              <a:latin typeface="Gill Sans MT (Body)"/>
-            </a:endParaRPr>
+              <a:t>Attribute Binding</a:t>
+            </a:r>
           </a:p>
         </p:txBody>
       </p:sp>
       <p:pic>
         <p:nvPicPr>
-          <p:cNvPr id="5" name="Content Placeholder 3">
+          <p:cNvPr id="7" name="Picture 6">
             <a:extLst>
               <a:ext uri="{FF2B5EF4-FFF2-40B4-BE49-F238E27FC236}">
-                <a16:creationId xmlns:a16="http://schemas.microsoft.com/office/drawing/2014/main" id="{8EDD45DE-05E8-416B-9A87-6D044C8B4994}"/>
+                <a16:creationId xmlns:a16="http://schemas.microsoft.com/office/drawing/2014/main" id="{635F8FCA-1B6C-4E66-BCF7-3C80E6C352B4}"/>
               </a:ext>
             </a:extLst>
           </p:cNvPr>
           <p:cNvPicPr>
-            <a:picLocks noGrp="1" noChangeAspect="1"/>
+            <a:picLocks noChangeAspect="1"/>
           </p:cNvPicPr>
-          <p:nvPr>
-            <p:ph idx="1"/>
-          </p:nvPr>
+          <p:nvPr/>
         </p:nvPicPr>
         <p:blipFill>
           <a:blip r:embed="rId2"/>
@@ -16913,8 +17448,8 @@
         </p:blipFill>
         <p:spPr>
           <a:xfrm>
-            <a:off x="1415253" y="2831269"/>
-            <a:ext cx="4743832" cy="3879532"/>
+            <a:off x="1853918" y="2492747"/>
+            <a:ext cx="4317583" cy="1210320"/>
           </a:xfrm>
           <a:prstGeom prst="rect">
             <a:avLst/>
@@ -16923,27 +17458,28 @@
       </p:pic>
       <p:sp>
         <p:nvSpPr>
-          <p:cNvPr id="3" name="Rectangle 2">
+          <p:cNvPr id="8" name="TextBox 7">
             <a:extLst>
               <a:ext uri="{FF2B5EF4-FFF2-40B4-BE49-F238E27FC236}">
-                <a16:creationId xmlns:a16="http://schemas.microsoft.com/office/drawing/2014/main" id="{21CB1246-36FE-4919-8844-41F8DE2809AD}"/>
+                <a16:creationId xmlns:a16="http://schemas.microsoft.com/office/drawing/2014/main" id="{F1F7F031-908D-4E7C-A487-436BA88AC338}"/>
               </a:ext>
             </a:extLst>
           </p:cNvPr>
-          <p:cNvSpPr/>
+          <p:cNvSpPr txBox="1"/>
           <p:nvPr/>
         </p:nvSpPr>
         <p:spPr>
           <a:xfrm>
-            <a:off x="1415253" y="1134120"/>
-            <a:ext cx="10086935" cy="1846659"/>
+            <a:off x="1704512" y="1176974"/>
+            <a:ext cx="9490229" cy="923330"/>
           </a:xfrm>
           <a:prstGeom prst="rect">
             <a:avLst/>
           </a:prstGeom>
+          <a:noFill/>
         </p:spPr>
         <p:txBody>
-          <a:bodyPr wrap="square">
+          <a:bodyPr wrap="square" rtlCol="0">
             <a:spAutoFit/>
           </a:bodyPr>
           <a:lstStyle/>
@@ -16953,28 +17489,6 @@
               <a:buChar char="•"/>
             </a:pPr>
             <a:r>
-              <a:rPr lang="sv-SE" u="sng" dirty="0">
-                <a:solidFill>
-                  <a:schemeClr val="tx2">
-                    <a:lumMod val="75000"/>
-                    <a:lumOff val="25000"/>
-                  </a:schemeClr>
-                </a:solidFill>
-              </a:rPr>
-              <a:t>v-</a:t>
-            </a:r>
-            <a:r>
-              <a:rPr lang="sv-SE" u="sng" dirty="0" err="1">
-                <a:solidFill>
-                  <a:schemeClr val="tx2">
-                    <a:lumMod val="75000"/>
-                    <a:lumOff val="25000"/>
-                  </a:schemeClr>
-                </a:solidFill>
-              </a:rPr>
-              <a:t>if</a:t>
-            </a:r>
-            <a:r>
               <a:rPr lang="sv-SE" dirty="0">
                 <a:solidFill>
                   <a:schemeClr val="tx1">
@@ -16983,7 +17497,51 @@
                   </a:schemeClr>
                 </a:solidFill>
               </a:rPr>
-              <a:t> direktivet används för att testa villkor över t.ex. variabler i data objektet.</a:t>
+              <a:t>Binder data värden från </a:t>
+            </a:r>
+            <a:r>
+              <a:rPr lang="sv-SE" u="sng" dirty="0">
+                <a:solidFill>
+                  <a:schemeClr val="tx1">
+                    <a:lumMod val="65000"/>
+                    <a:lumOff val="35000"/>
+                  </a:schemeClr>
+                </a:solidFill>
+              </a:rPr>
+              <a:t>data</a:t>
+            </a:r>
+            <a:r>
+              <a:rPr lang="sv-SE" dirty="0">
+                <a:solidFill>
+                  <a:schemeClr val="tx1">
+                    <a:lumMod val="65000"/>
+                    <a:lumOff val="35000"/>
+                  </a:schemeClr>
+                </a:solidFill>
+              </a:rPr>
+              <a:t> sektionen eller </a:t>
+            </a:r>
+            <a:r>
+              <a:rPr lang="sv-SE" u="sng" dirty="0" err="1">
+                <a:solidFill>
+                  <a:schemeClr val="tx1">
+                    <a:lumMod val="65000"/>
+                    <a:lumOff val="35000"/>
+                  </a:schemeClr>
+                </a:solidFill>
+              </a:rPr>
+              <a:t>computed</a:t>
+            </a:r>
+            <a:r>
+              <a:rPr lang="sv-SE" dirty="0">
+                <a:solidFill>
+                  <a:schemeClr val="tx1">
+                    <a:lumMod val="65000"/>
+                    <a:lumOff val="35000"/>
+                  </a:schemeClr>
+                </a:solidFill>
+              </a:rPr>
+              <a:t> sektionen till ett html-elements attribut.</a:t>
             </a:r>
           </a:p>
           <a:p>
@@ -17006,7 +17564,7 @@
               <a:buChar char="•"/>
             </a:pPr>
             <a:r>
-              <a:rPr lang="sv-SE" u="sng" dirty="0">
+              <a:rPr lang="sv-SE" dirty="0" err="1">
                 <a:solidFill>
                   <a:schemeClr val="tx2">
                     <a:lumMod val="75000"/>
@@ -17014,10 +17572,21 @@
                   </a:schemeClr>
                 </a:solidFill>
               </a:rPr>
-              <a:t>v-</a:t>
-            </a:r>
-            <a:r>
-              <a:rPr lang="sv-SE" u="sng" dirty="0" err="1">
+              <a:t>v-bind:attribut-namn</a:t>
+            </a:r>
+            <a:r>
+              <a:rPr lang="sv-SE" dirty="0">
+                <a:solidFill>
+                  <a:schemeClr val="tx1">
+                    <a:lumMod val="65000"/>
+                    <a:lumOff val="35000"/>
+                  </a:schemeClr>
+                </a:solidFill>
+              </a:rPr>
+              <a:t> kan förkortas </a:t>
+            </a:r>
+            <a:r>
+              <a:rPr lang="sv-SE" dirty="0">
                 <a:solidFill>
                   <a:schemeClr val="tx2">
                     <a:lumMod val="75000"/>
@@ -17025,7 +17594,7 @@
                   </a:schemeClr>
                 </a:solidFill>
               </a:rPr>
-              <a:t>else</a:t>
+              <a:t>:attribut-namn</a:t>
             </a:r>
             <a:r>
               <a:rPr lang="sv-SE" dirty="0">
@@ -17036,172 +17605,17 @@
                   </a:schemeClr>
                 </a:solidFill>
               </a:rPr>
-              <a:t> direktivet kan användas när villkoren på v-</a:t>
-            </a:r>
-            <a:r>
-              <a:rPr lang="sv-SE" dirty="0" err="1">
-                <a:solidFill>
-                  <a:schemeClr val="tx1">
-                    <a:lumMod val="65000"/>
-                    <a:lumOff val="35000"/>
-                  </a:schemeClr>
-                </a:solidFill>
-              </a:rPr>
-              <a:t>if</a:t>
-            </a:r>
-            <a:r>
-              <a:rPr lang="sv-SE" dirty="0">
-                <a:solidFill>
-                  <a:schemeClr val="tx1">
-                    <a:lumMod val="65000"/>
-                    <a:lumOff val="35000"/>
-                  </a:schemeClr>
-                </a:solidFill>
-              </a:rPr>
-              <a:t> inte räcker till.</a:t>
-            </a:r>
-          </a:p>
-          <a:p>
-            <a:pPr marL="285750" indent="-285750">
-              <a:buFont typeface="Arial" panose="020B0604020202020204" pitchFamily="34" charset="0"/>
-              <a:buChar char="•"/>
-            </a:pPr>
-            <a:endParaRPr lang="sv-SE" dirty="0">
-              <a:solidFill>
-                <a:schemeClr val="tx1">
-                  <a:lumMod val="65000"/>
-                  <a:lumOff val="35000"/>
-                </a:schemeClr>
-              </a:solidFill>
-            </a:endParaRPr>
-          </a:p>
-          <a:p>
-            <a:pPr marL="285750" indent="-285750">
-              <a:buFont typeface="Arial" panose="020B0604020202020204" pitchFamily="34" charset="0"/>
-              <a:buChar char="•"/>
-            </a:pPr>
-            <a:r>
-              <a:rPr lang="sv-SE" u="sng" dirty="0">
-                <a:solidFill>
-                  <a:schemeClr val="tx2">
-                    <a:lumMod val="75000"/>
-                    <a:lumOff val="25000"/>
-                  </a:schemeClr>
-                </a:solidFill>
-              </a:rPr>
-              <a:t>v-</a:t>
-            </a:r>
-            <a:r>
-              <a:rPr lang="sv-SE" u="sng" dirty="0" err="1">
-                <a:solidFill>
-                  <a:schemeClr val="tx2">
-                    <a:lumMod val="75000"/>
-                    <a:lumOff val="25000"/>
-                  </a:schemeClr>
-                </a:solidFill>
-              </a:rPr>
-              <a:t>else</a:t>
-            </a:r>
-            <a:r>
-              <a:rPr lang="sv-SE" u="sng" dirty="0">
-                <a:solidFill>
-                  <a:schemeClr val="tx2">
-                    <a:lumMod val="75000"/>
-                    <a:lumOff val="25000"/>
-                  </a:schemeClr>
-                </a:solidFill>
-              </a:rPr>
-              <a:t>-</a:t>
-            </a:r>
-            <a:r>
-              <a:rPr lang="sv-SE" u="sng" dirty="0" err="1">
-                <a:solidFill>
-                  <a:schemeClr val="tx2">
-                    <a:lumMod val="75000"/>
-                    <a:lumOff val="25000"/>
-                  </a:schemeClr>
-                </a:solidFill>
-              </a:rPr>
-              <a:t>if</a:t>
-            </a:r>
-            <a:r>
-              <a:rPr lang="sv-SE" dirty="0">
-                <a:solidFill>
-                  <a:schemeClr val="tx1">
-                    <a:lumMod val="65000"/>
-                    <a:lumOff val="35000"/>
-                  </a:schemeClr>
-                </a:solidFill>
-              </a:rPr>
-              <a:t> direktivet kan användas på samma sätt som om du vill använda </a:t>
-            </a:r>
-            <a:r>
-              <a:rPr lang="sv-SE" dirty="0" err="1">
-                <a:solidFill>
-                  <a:schemeClr val="tx1">
-                    <a:lumMod val="65000"/>
-                    <a:lumOff val="35000"/>
-                  </a:schemeClr>
-                </a:solidFill>
-              </a:rPr>
-              <a:t>else</a:t>
-            </a:r>
-            <a:r>
-              <a:rPr lang="sv-SE" dirty="0">
-                <a:solidFill>
-                  <a:schemeClr val="tx1">
-                    <a:lumMod val="65000"/>
-                    <a:lumOff val="35000"/>
-                  </a:schemeClr>
-                </a:solidFill>
-              </a:rPr>
-              <a:t>-</a:t>
-            </a:r>
-            <a:r>
-              <a:rPr lang="sv-SE" dirty="0" err="1">
-                <a:solidFill>
-                  <a:schemeClr val="tx1">
-                    <a:lumMod val="65000"/>
-                    <a:lumOff val="35000"/>
-                  </a:schemeClr>
-                </a:solidFill>
-              </a:rPr>
-              <a:t>if</a:t>
-            </a:r>
-            <a:r>
-              <a:rPr lang="sv-SE" dirty="0">
-                <a:solidFill>
-                  <a:schemeClr val="tx1">
-                    <a:lumMod val="65000"/>
-                    <a:lumOff val="35000"/>
-                  </a:schemeClr>
-                </a:solidFill>
-              </a:rPr>
-              <a:t>-klausuler i JavaScript.</a:t>
-            </a:r>
-          </a:p>
-          <a:p>
-            <a:pPr marL="285750" indent="-285750">
-              <a:buFont typeface="Arial" panose="020B0604020202020204" pitchFamily="34" charset="0"/>
-              <a:buChar char="•"/>
-            </a:pPr>
-            <a:endParaRPr lang="sv-SE" sz="2400" dirty="0">
-              <a:solidFill>
-                <a:schemeClr val="tx1">
-                  <a:lumMod val="65000"/>
-                  <a:lumOff val="35000"/>
-                </a:schemeClr>
-              </a:solidFill>
-            </a:endParaRPr>
+              <a:t>.</a:t>
+            </a:r>
           </a:p>
         </p:txBody>
       </p:sp>
       <p:pic>
         <p:nvPicPr>
-          <p:cNvPr id="6" name="Picture 5">
+          <p:cNvPr id="5" name="Picture 4">
             <a:extLst>
               <a:ext uri="{FF2B5EF4-FFF2-40B4-BE49-F238E27FC236}">
-                <a16:creationId xmlns:a16="http://schemas.microsoft.com/office/drawing/2014/main" id="{3273AD2E-DB4C-4B42-A5F8-535354F5E83C}"/>
+                <a16:creationId xmlns:a16="http://schemas.microsoft.com/office/drawing/2014/main" id="{5B0726A1-8617-869F-0743-AEA5336E0908}"/>
               </a:ext>
             </a:extLst>
           </p:cNvPr>
@@ -17218,8 +17632,8 @@
         </p:blipFill>
         <p:spPr>
           <a:xfrm>
-            <a:off x="6458720" y="2831269"/>
-            <a:ext cx="4743832" cy="2608468"/>
+            <a:off x="7361114" y="1638639"/>
+            <a:ext cx="3833627" cy="5397630"/>
           </a:xfrm>
           <a:prstGeom prst="rect">
             <a:avLst/>
@@ -17229,7 +17643,7 @@
     </p:spTree>
     <p:extLst>
       <p:ext uri="{BB962C8B-B14F-4D97-AF65-F5344CB8AC3E}">
-        <p14:creationId xmlns:p14="http://schemas.microsoft.com/office/powerpoint/2010/main" val="3765353947"/>
+        <p14:creationId xmlns:p14="http://schemas.microsoft.com/office/powerpoint/2010/main" val="2963220724"/>
       </p:ext>
     </p:extLst>
   </p:cSld>
@@ -17274,7 +17688,7 @@
         </p:nvSpPr>
         <p:spPr>
           <a:xfrm>
-            <a:off x="1203434" y="214824"/>
+            <a:off x="1203434" y="382385"/>
             <a:ext cx="10893973" cy="596023"/>
           </a:xfrm>
         </p:spPr>
@@ -17286,26 +17700,304 @@
           <a:p>
             <a:pPr algn="ctr"/>
             <a:r>
+              <a:rPr lang="en-US" sz="4000" dirty="0">
+                <a:latin typeface="Gill Sans MT (Body)"/>
+              </a:rPr>
+              <a:t>Conditionals - </a:t>
+            </a:r>
+            <a:r>
               <a:rPr lang="en-US" sz="4000" dirty="0" err="1">
                 <a:latin typeface="Gill Sans MT (Body)"/>
               </a:rPr>
-              <a:t>Loopar</a:t>
-            </a:r>
-            <a:r>
-              <a:rPr lang="en-US" sz="4000" dirty="0">
-                <a:latin typeface="Gill Sans MT (Body)"/>
-              </a:rPr>
-              <a:t>-List Rendering</a:t>
-            </a:r>
+              <a:t>Villkor</a:t>
+            </a:r>
+            <a:endParaRPr lang="en-US" sz="4000" dirty="0">
+              <a:latin typeface="Gill Sans MT (Body)"/>
+            </a:endParaRPr>
+          </a:p>
+        </p:txBody>
+      </p:sp>
+      <p:sp>
+        <p:nvSpPr>
+          <p:cNvPr id="3" name="Rectangle 2">
+            <a:extLst>
+              <a:ext uri="{FF2B5EF4-FFF2-40B4-BE49-F238E27FC236}">
+                <a16:creationId xmlns:a16="http://schemas.microsoft.com/office/drawing/2014/main" id="{21CB1246-36FE-4919-8844-41F8DE2809AD}"/>
+              </a:ext>
+            </a:extLst>
+          </p:cNvPr>
+          <p:cNvSpPr/>
+          <p:nvPr/>
+        </p:nvSpPr>
+        <p:spPr>
+          <a:xfrm>
+            <a:off x="1415253" y="1134120"/>
+            <a:ext cx="10086935" cy="1846659"/>
+          </a:xfrm>
+          <a:prstGeom prst="rect">
+            <a:avLst/>
+          </a:prstGeom>
+        </p:spPr>
+        <p:txBody>
+          <a:bodyPr wrap="square">
+            <a:spAutoFit/>
+          </a:bodyPr>
+          <a:lstStyle/>
+          <a:p>
+            <a:pPr marL="285750" indent="-285750">
+              <a:buFont typeface="Arial" panose="020B0604020202020204" pitchFamily="34" charset="0"/>
+              <a:buChar char="•"/>
+            </a:pPr>
+            <a:r>
+              <a:rPr lang="sv-SE" u="sng" dirty="0">
+                <a:solidFill>
+                  <a:schemeClr val="tx2">
+                    <a:lumMod val="75000"/>
+                    <a:lumOff val="25000"/>
+                  </a:schemeClr>
+                </a:solidFill>
+              </a:rPr>
+              <a:t>v-</a:t>
+            </a:r>
+            <a:r>
+              <a:rPr lang="sv-SE" u="sng" dirty="0" err="1">
+                <a:solidFill>
+                  <a:schemeClr val="tx2">
+                    <a:lumMod val="75000"/>
+                    <a:lumOff val="25000"/>
+                  </a:schemeClr>
+                </a:solidFill>
+              </a:rPr>
+              <a:t>if</a:t>
+            </a:r>
+            <a:r>
+              <a:rPr lang="sv-SE" dirty="0">
+                <a:solidFill>
+                  <a:schemeClr val="tx1">
+                    <a:lumMod val="65000"/>
+                    <a:lumOff val="35000"/>
+                  </a:schemeClr>
+                </a:solidFill>
+              </a:rPr>
+              <a:t> direktivet används för att testa villkor över t.ex. variabler i data objektet.</a:t>
+            </a:r>
+          </a:p>
+          <a:p>
+            <a:pPr marL="285750" indent="-285750">
+              <a:buFont typeface="Arial" panose="020B0604020202020204" pitchFamily="34" charset="0"/>
+              <a:buChar char="•"/>
+            </a:pPr>
+            <a:endParaRPr lang="sv-SE" dirty="0">
+              <a:solidFill>
+                <a:schemeClr val="tx1">
+                  <a:lumMod val="65000"/>
+                  <a:lumOff val="35000"/>
+                </a:schemeClr>
+              </a:solidFill>
+            </a:endParaRPr>
+          </a:p>
+          <a:p>
+            <a:pPr marL="285750" indent="-285750">
+              <a:buFont typeface="Arial" panose="020B0604020202020204" pitchFamily="34" charset="0"/>
+              <a:buChar char="•"/>
+            </a:pPr>
+            <a:r>
+              <a:rPr lang="sv-SE" u="sng" dirty="0">
+                <a:solidFill>
+                  <a:schemeClr val="tx2">
+                    <a:lumMod val="75000"/>
+                    <a:lumOff val="25000"/>
+                  </a:schemeClr>
+                </a:solidFill>
+              </a:rPr>
+              <a:t>v-</a:t>
+            </a:r>
+            <a:r>
+              <a:rPr lang="sv-SE" u="sng" dirty="0" err="1">
+                <a:solidFill>
+                  <a:schemeClr val="tx2">
+                    <a:lumMod val="75000"/>
+                    <a:lumOff val="25000"/>
+                  </a:schemeClr>
+                </a:solidFill>
+              </a:rPr>
+              <a:t>else</a:t>
+            </a:r>
+            <a:r>
+              <a:rPr lang="sv-SE" dirty="0">
+                <a:solidFill>
+                  <a:schemeClr val="tx1">
+                    <a:lumMod val="65000"/>
+                    <a:lumOff val="35000"/>
+                  </a:schemeClr>
+                </a:solidFill>
+              </a:rPr>
+              <a:t> direktivet kan användas när villkoren på v-</a:t>
+            </a:r>
+            <a:r>
+              <a:rPr lang="sv-SE" dirty="0" err="1">
+                <a:solidFill>
+                  <a:schemeClr val="tx1">
+                    <a:lumMod val="65000"/>
+                    <a:lumOff val="35000"/>
+                  </a:schemeClr>
+                </a:solidFill>
+              </a:rPr>
+              <a:t>if</a:t>
+            </a:r>
+            <a:r>
+              <a:rPr lang="sv-SE" dirty="0">
+                <a:solidFill>
+                  <a:schemeClr val="tx1">
+                    <a:lumMod val="65000"/>
+                    <a:lumOff val="35000"/>
+                  </a:schemeClr>
+                </a:solidFill>
+              </a:rPr>
+              <a:t> inte räcker till.</a:t>
+            </a:r>
+          </a:p>
+          <a:p>
+            <a:pPr marL="285750" indent="-285750">
+              <a:buFont typeface="Arial" panose="020B0604020202020204" pitchFamily="34" charset="0"/>
+              <a:buChar char="•"/>
+            </a:pPr>
+            <a:endParaRPr lang="sv-SE" dirty="0">
+              <a:solidFill>
+                <a:schemeClr val="tx1">
+                  <a:lumMod val="65000"/>
+                  <a:lumOff val="35000"/>
+                </a:schemeClr>
+              </a:solidFill>
+            </a:endParaRPr>
+          </a:p>
+          <a:p>
+            <a:pPr marL="285750" indent="-285750">
+              <a:buFont typeface="Arial" panose="020B0604020202020204" pitchFamily="34" charset="0"/>
+              <a:buChar char="•"/>
+            </a:pPr>
+            <a:r>
+              <a:rPr lang="sv-SE" u="sng" dirty="0">
+                <a:solidFill>
+                  <a:schemeClr val="tx2">
+                    <a:lumMod val="75000"/>
+                    <a:lumOff val="25000"/>
+                  </a:schemeClr>
+                </a:solidFill>
+              </a:rPr>
+              <a:t>v-</a:t>
+            </a:r>
+            <a:r>
+              <a:rPr lang="sv-SE" u="sng" dirty="0" err="1">
+                <a:solidFill>
+                  <a:schemeClr val="tx2">
+                    <a:lumMod val="75000"/>
+                    <a:lumOff val="25000"/>
+                  </a:schemeClr>
+                </a:solidFill>
+              </a:rPr>
+              <a:t>else</a:t>
+            </a:r>
+            <a:r>
+              <a:rPr lang="sv-SE" u="sng" dirty="0">
+                <a:solidFill>
+                  <a:schemeClr val="tx2">
+                    <a:lumMod val="75000"/>
+                    <a:lumOff val="25000"/>
+                  </a:schemeClr>
+                </a:solidFill>
+              </a:rPr>
+              <a:t>-</a:t>
+            </a:r>
+            <a:r>
+              <a:rPr lang="sv-SE" u="sng" dirty="0" err="1">
+                <a:solidFill>
+                  <a:schemeClr val="tx2">
+                    <a:lumMod val="75000"/>
+                    <a:lumOff val="25000"/>
+                  </a:schemeClr>
+                </a:solidFill>
+              </a:rPr>
+              <a:t>if</a:t>
+            </a:r>
+            <a:r>
+              <a:rPr lang="sv-SE" dirty="0">
+                <a:solidFill>
+                  <a:schemeClr val="tx1">
+                    <a:lumMod val="65000"/>
+                    <a:lumOff val="35000"/>
+                  </a:schemeClr>
+                </a:solidFill>
+              </a:rPr>
+              <a:t> direktivet kan användas på samma sätt som om du vill använda </a:t>
+            </a:r>
+            <a:r>
+              <a:rPr lang="sv-SE" dirty="0" err="1">
+                <a:solidFill>
+                  <a:schemeClr val="tx1">
+                    <a:lumMod val="65000"/>
+                    <a:lumOff val="35000"/>
+                  </a:schemeClr>
+                </a:solidFill>
+              </a:rPr>
+              <a:t>else</a:t>
+            </a:r>
+            <a:r>
+              <a:rPr lang="sv-SE" dirty="0">
+                <a:solidFill>
+                  <a:schemeClr val="tx1">
+                    <a:lumMod val="65000"/>
+                    <a:lumOff val="35000"/>
+                  </a:schemeClr>
+                </a:solidFill>
+              </a:rPr>
+              <a:t>-</a:t>
+            </a:r>
+            <a:r>
+              <a:rPr lang="sv-SE" dirty="0" err="1">
+                <a:solidFill>
+                  <a:schemeClr val="tx1">
+                    <a:lumMod val="65000"/>
+                    <a:lumOff val="35000"/>
+                  </a:schemeClr>
+                </a:solidFill>
+              </a:rPr>
+              <a:t>if</a:t>
+            </a:r>
+            <a:r>
+              <a:rPr lang="sv-SE" dirty="0">
+                <a:solidFill>
+                  <a:schemeClr val="tx1">
+                    <a:lumMod val="65000"/>
+                    <a:lumOff val="35000"/>
+                  </a:schemeClr>
+                </a:solidFill>
+              </a:rPr>
+              <a:t>-klausuler i JavaScript.</a:t>
+            </a:r>
+          </a:p>
+          <a:p>
+            <a:pPr marL="285750" indent="-285750">
+              <a:buFont typeface="Arial" panose="020B0604020202020204" pitchFamily="34" charset="0"/>
+              <a:buChar char="•"/>
+            </a:pPr>
+            <a:endParaRPr lang="sv-SE" sz="2400" dirty="0">
+              <a:solidFill>
+                <a:schemeClr val="tx1">
+                  <a:lumMod val="65000"/>
+                  <a:lumOff val="35000"/>
+                </a:schemeClr>
+              </a:solidFill>
+            </a:endParaRPr>
           </a:p>
         </p:txBody>
       </p:sp>
       <p:pic>
         <p:nvPicPr>
-          <p:cNvPr id="6" name="Picture 5">
+          <p:cNvPr id="9" name="Picture 8">
             <a:extLst>
               <a:ext uri="{FF2B5EF4-FFF2-40B4-BE49-F238E27FC236}">
-                <a16:creationId xmlns:a16="http://schemas.microsoft.com/office/drawing/2014/main" id="{B9899C2E-F77D-44DA-9AEA-728FEF6351A6}"/>
+                <a16:creationId xmlns:a16="http://schemas.microsoft.com/office/drawing/2014/main" id="{CCDC67C4-20D4-20B8-F6F4-ACDD477CCB0D}"/>
               </a:ext>
             </a:extLst>
           </p:cNvPr>
@@ -17322,192 +18014,18 @@
         </p:blipFill>
         <p:spPr>
           <a:xfrm>
-            <a:off x="1203434" y="1706115"/>
-            <a:ext cx="5686905" cy="5235179"/>
+            <a:off x="1923281" y="2631784"/>
+            <a:ext cx="3810000" cy="3943350"/>
           </a:xfrm>
           <a:prstGeom prst="rect">
             <a:avLst/>
           </a:prstGeom>
         </p:spPr>
       </p:pic>
-      <p:pic>
-        <p:nvPicPr>
-          <p:cNvPr id="7" name="Picture 6">
-            <a:extLst>
-              <a:ext uri="{FF2B5EF4-FFF2-40B4-BE49-F238E27FC236}">
-                <a16:creationId xmlns:a16="http://schemas.microsoft.com/office/drawing/2014/main" id="{0FB4F902-E0EA-4B80-A96A-6F6D5A90C61E}"/>
-              </a:ext>
-            </a:extLst>
-          </p:cNvPr>
-          <p:cNvPicPr>
-            <a:picLocks noChangeAspect="1"/>
-          </p:cNvPicPr>
-          <p:nvPr/>
-        </p:nvPicPr>
-        <p:blipFill>
-          <a:blip r:embed="rId3"/>
-          <a:stretch>
-            <a:fillRect/>
-          </a:stretch>
-        </p:blipFill>
-        <p:spPr>
-          <a:xfrm>
-            <a:off x="6650420" y="2399531"/>
-            <a:ext cx="4781281" cy="3848348"/>
-          </a:xfrm>
-          <a:prstGeom prst="rect">
-            <a:avLst/>
-          </a:prstGeom>
-        </p:spPr>
-      </p:pic>
-      <p:sp>
-        <p:nvSpPr>
-          <p:cNvPr id="8" name="TextBox 7">
-            <a:extLst>
-              <a:ext uri="{FF2B5EF4-FFF2-40B4-BE49-F238E27FC236}">
-                <a16:creationId xmlns:a16="http://schemas.microsoft.com/office/drawing/2014/main" id="{5B090859-7155-4AD4-92EF-0AA49FD1EFAF}"/>
-              </a:ext>
-            </a:extLst>
-          </p:cNvPr>
-          <p:cNvSpPr txBox="1"/>
-          <p:nvPr/>
-        </p:nvSpPr>
-        <p:spPr>
-          <a:xfrm>
-            <a:off x="1203434" y="810847"/>
-            <a:ext cx="10106716" cy="1200329"/>
-          </a:xfrm>
-          <a:prstGeom prst="rect">
-            <a:avLst/>
-          </a:prstGeom>
-          <a:noFill/>
-        </p:spPr>
-        <p:txBody>
-          <a:bodyPr wrap="square" rtlCol="0">
-            <a:spAutoFit/>
-          </a:bodyPr>
-          <a:lstStyle/>
-          <a:p>
-            <a:pPr marL="285750" indent="-285750">
-              <a:buFont typeface="Arial" panose="020B0604020202020204" pitchFamily="34" charset="0"/>
-              <a:buChar char="•"/>
-            </a:pPr>
-            <a:r>
-              <a:rPr lang="sv-SE" dirty="0">
-                <a:solidFill>
-                  <a:schemeClr val="tx1">
-                    <a:lumMod val="65000"/>
-                    <a:lumOff val="35000"/>
-                  </a:schemeClr>
-                </a:solidFill>
-              </a:rPr>
-              <a:t>Ett sätta att inte repetera samma kod, loopar igenom en lista/</a:t>
-            </a:r>
-            <a:r>
-              <a:rPr lang="sv-SE" dirty="0" err="1">
-                <a:solidFill>
-                  <a:schemeClr val="tx1">
-                    <a:lumMod val="65000"/>
-                    <a:lumOff val="35000"/>
-                  </a:schemeClr>
-                </a:solidFill>
-              </a:rPr>
-              <a:t>array</a:t>
-            </a:r>
-            <a:r>
-              <a:rPr lang="sv-SE" dirty="0">
-                <a:solidFill>
-                  <a:schemeClr val="tx1">
-                    <a:lumMod val="65000"/>
-                    <a:lumOff val="35000"/>
-                  </a:schemeClr>
-                </a:solidFill>
-              </a:rPr>
-              <a:t> och genererar html-kod för varje instans i listan. </a:t>
-            </a:r>
-            <a:r>
-              <a:rPr lang="sv-SE" dirty="0">
-                <a:solidFill>
-                  <a:schemeClr val="tx2">
-                    <a:lumMod val="75000"/>
-                    <a:lumOff val="25000"/>
-                  </a:schemeClr>
-                </a:solidFill>
-              </a:rPr>
-              <a:t>v-for</a:t>
-            </a:r>
-            <a:r>
-              <a:rPr lang="sv-SE" dirty="0">
-                <a:solidFill>
-                  <a:schemeClr val="tx1">
-                    <a:lumMod val="65000"/>
-                    <a:lumOff val="35000"/>
-                  </a:schemeClr>
-                </a:solidFill>
-              </a:rPr>
-              <a:t> direktivet används för det och det är rekommenderat att också använda </a:t>
-            </a:r>
-            <a:r>
-              <a:rPr lang="sv-SE" dirty="0">
-                <a:solidFill>
-                  <a:schemeClr val="tx2">
-                    <a:lumMod val="75000"/>
-                    <a:lumOff val="25000"/>
-                  </a:schemeClr>
-                </a:solidFill>
-              </a:rPr>
-              <a:t>:</a:t>
-            </a:r>
-            <a:r>
-              <a:rPr lang="sv-SE" dirty="0" err="1">
-                <a:solidFill>
-                  <a:schemeClr val="tx2">
-                    <a:lumMod val="75000"/>
-                    <a:lumOff val="25000"/>
-                  </a:schemeClr>
-                </a:solidFill>
-              </a:rPr>
-              <a:t>key</a:t>
-            </a:r>
-            <a:r>
-              <a:rPr lang="sv-SE" dirty="0">
-                <a:solidFill>
-                  <a:schemeClr val="tx2">
-                    <a:lumMod val="75000"/>
-                    <a:lumOff val="25000"/>
-                  </a:schemeClr>
-                </a:solidFill>
-              </a:rPr>
-              <a:t> </a:t>
-            </a:r>
-            <a:r>
-              <a:rPr lang="sv-SE" dirty="0">
-                <a:solidFill>
-                  <a:schemeClr val="tx1">
-                    <a:lumMod val="65000"/>
-                    <a:lumOff val="35000"/>
-                  </a:schemeClr>
-                </a:solidFill>
-              </a:rPr>
-              <a:t>attributet.</a:t>
-            </a:r>
-          </a:p>
-          <a:p>
-            <a:endParaRPr lang="sv-SE" dirty="0">
-              <a:solidFill>
-                <a:schemeClr val="tx1">
-                  <a:lumMod val="65000"/>
-                  <a:lumOff val="35000"/>
-                </a:schemeClr>
-              </a:solidFill>
-            </a:endParaRPr>
-          </a:p>
-        </p:txBody>
-      </p:sp>
     </p:spTree>
     <p:extLst>
       <p:ext uri="{BB962C8B-B14F-4D97-AF65-F5344CB8AC3E}">
-        <p14:creationId xmlns:p14="http://schemas.microsoft.com/office/powerpoint/2010/main" val="1986911698"/>
+        <p14:creationId xmlns:p14="http://schemas.microsoft.com/office/powerpoint/2010/main" val="3765353947"/>
       </p:ext>
     </p:extLst>
   </p:cSld>
@@ -18368,6 +18886,15 @@
 </file>
 
 <file path=customXml/item1.xml><?xml version="1.0" encoding="utf-8"?>
+<?mso-contentType ?>
+<FormTemplates xmlns="http://schemas.microsoft.com/sharepoint/v3/contenttype/forms">
+  <Display>DocumentLibraryForm</Display>
+  <Edit>DocumentLibraryForm</Edit>
+  <New>DocumentLibraryForm</New>
+</FormTemplates>
+</file>
+
+<file path=customXml/item2.xml><?xml version="1.0" encoding="utf-8"?>
 <ct:contentTypeSchema xmlns:ct="http://schemas.microsoft.com/office/2006/metadata/contentType" xmlns:ma="http://schemas.microsoft.com/office/2006/metadata/properties/metaAttributes" ct:_="" ma:_="" ma:contentTypeName="Document" ma:contentTypeID="0x01010079F111ED35F8CC479449609E8A0923A6" ma:contentTypeVersion="11" ma:contentTypeDescription="Create a new document." ma:contentTypeScope="" ma:versionID="96291512c1ee715ab617f4c07df79fc1">
   <xsd:schema xmlns:xsd="http://www.w3.org/2001/XMLSchema" xmlns:xs="http://www.w3.org/2001/XMLSchema" xmlns:p="http://schemas.microsoft.com/office/2006/metadata/properties" xmlns:ns2="71af3243-3dd4-4a8d-8c0d-dd76da1f02a5" xmlns:ns3="16c05727-aa75-4e4a-9b5f-8a80a1165891" targetNamespace="http://schemas.microsoft.com/office/2006/metadata/properties" ma:root="true" ma:fieldsID="8256c27c40ca5c40ce1cf6c44f0205df" ns2:_="" ns3:_="">
     <xsd:import namespace="71af3243-3dd4-4a8d-8c0d-dd76da1f02a5"/>
@@ -18578,15 +19105,6 @@
 </ct:contentTypeSchema>
 </file>
 
-<file path=customXml/item2.xml><?xml version="1.0" encoding="utf-8"?>
-<?mso-contentType ?>
-<FormTemplates xmlns="http://schemas.microsoft.com/sharepoint/v3/contenttype/forms">
-  <Display>DocumentLibraryForm</Display>
-  <Edit>DocumentLibraryForm</Edit>
-  <New>DocumentLibraryForm</New>
-</FormTemplates>
-</file>
-
 <file path=customXml/item3.xml><?xml version="1.0" encoding="utf-8"?>
 <p:properties xmlns:p="http://schemas.microsoft.com/office/2006/metadata/properties" xmlns:xsi="http://www.w3.org/2001/XMLSchema-instance" xmlns:pc="http://schemas.microsoft.com/office/infopath/2007/PartnerControls">
   <documentManagement>
@@ -18596,6 +19114,14 @@
 </file>
 
 <file path=customXml/itemProps1.xml><?xml version="1.0" encoding="utf-8"?>
+<ds:datastoreItem xmlns:ds="http://schemas.openxmlformats.org/officeDocument/2006/customXml" ds:itemID="{52D0167F-E486-4F9B-83E2-993954E11F03}">
+  <ds:schemaRefs>
+    <ds:schemaRef ds:uri="http://schemas.microsoft.com/sharepoint/v3/contenttype/forms"/>
+  </ds:schemaRefs>
+</ds:datastoreItem>
+</file>
+
+<file path=customXml/itemProps2.xml><?xml version="1.0" encoding="utf-8"?>
 <ds:datastoreItem xmlns:ds="http://schemas.openxmlformats.org/officeDocument/2006/customXml" ds:itemID="{15A714DE-2D72-4B69-B5D2-B9FD4274177E}">
   <ds:schemaRefs>
     <ds:schemaRef ds:uri="http://schemas.microsoft.com/office/2006/metadata/contentType"/>
@@ -18614,14 +19140,6 @@
 </ds:datastoreItem>
 </file>
 
-<file path=customXml/itemProps2.xml><?xml version="1.0" encoding="utf-8"?>
-<ds:datastoreItem xmlns:ds="http://schemas.openxmlformats.org/officeDocument/2006/customXml" ds:itemID="{52D0167F-E486-4F9B-83E2-993954E11F03}">
-  <ds:schemaRefs>
-    <ds:schemaRef ds:uri="http://schemas.microsoft.com/sharepoint/v3/contenttype/forms"/>
-  </ds:schemaRefs>
-</ds:datastoreItem>
-</file>
-
 <file path=customXml/itemProps3.xml><?xml version="1.0" encoding="utf-8"?>
 <ds:datastoreItem xmlns:ds="http://schemas.openxmlformats.org/officeDocument/2006/customXml" ds:itemID="{BDB3E54F-9BB9-4821-81E3-A4EFEC7BD0AD}">
   <ds:schemaRefs>

--- a/Vue/Vue.pptx
+++ b/Vue/Vue.pptx
@@ -5,17 +5,17 @@
     <p:sldMasterId id="2147483660" r:id="rId4"/>
   </p:sldMasterIdLst>
   <p:notesMasterIdLst>
-    <p:notesMasterId r:id="rId29"/>
+    <p:notesMasterId r:id="rId33"/>
   </p:notesMasterIdLst>
   <p:handoutMasterIdLst>
-    <p:handoutMasterId r:id="rId30"/>
+    <p:handoutMasterId r:id="rId34"/>
   </p:handoutMasterIdLst>
   <p:sldIdLst>
     <p:sldId id="256" r:id="rId5"/>
     <p:sldId id="266" r:id="rId6"/>
     <p:sldId id="286" r:id="rId7"/>
-    <p:sldId id="301" r:id="rId8"/>
-    <p:sldId id="262" r:id="rId9"/>
+    <p:sldId id="262" r:id="rId8"/>
+    <p:sldId id="307" r:id="rId9"/>
     <p:sldId id="279" r:id="rId10"/>
     <p:sldId id="305" r:id="rId11"/>
     <p:sldId id="277" r:id="rId12"/>
@@ -23,18 +23,22 @@
     <p:sldId id="282" r:id="rId14"/>
     <p:sldId id="284" r:id="rId15"/>
     <p:sldId id="285" r:id="rId16"/>
-    <p:sldId id="287" r:id="rId17"/>
-    <p:sldId id="289" r:id="rId18"/>
-    <p:sldId id="291" r:id="rId19"/>
-    <p:sldId id="293" r:id="rId20"/>
-    <p:sldId id="298" r:id="rId21"/>
-    <p:sldId id="292" r:id="rId22"/>
-    <p:sldId id="294" r:id="rId23"/>
-    <p:sldId id="303" r:id="rId24"/>
-    <p:sldId id="302" r:id="rId25"/>
-    <p:sldId id="295" r:id="rId26"/>
-    <p:sldId id="297" r:id="rId27"/>
-    <p:sldId id="299" r:id="rId28"/>
+    <p:sldId id="280" r:id="rId17"/>
+    <p:sldId id="306" r:id="rId18"/>
+    <p:sldId id="287" r:id="rId19"/>
+    <p:sldId id="289" r:id="rId20"/>
+    <p:sldId id="308" r:id="rId21"/>
+    <p:sldId id="291" r:id="rId22"/>
+    <p:sldId id="293" r:id="rId23"/>
+    <p:sldId id="298" r:id="rId24"/>
+    <p:sldId id="292" r:id="rId25"/>
+    <p:sldId id="294" r:id="rId26"/>
+    <p:sldId id="303" r:id="rId27"/>
+    <p:sldId id="302" r:id="rId28"/>
+    <p:sldId id="295" r:id="rId29"/>
+    <p:sldId id="297" r:id="rId30"/>
+    <p:sldId id="299" r:id="rId31"/>
+    <p:sldId id="301" r:id="rId32"/>
   </p:sldIdLst>
   <p:sldSz cx="12192000" cy="6858000"/>
   <p:notesSz cx="6858000" cy="9144000"/>
@@ -238,7 +242,7 @@
           <a:p>
             <a:fld id="{18E9A1B5-1BE4-4CD6-80C4-143959F034D3}" type="datetimeFigureOut">
               <a:rPr lang="en-US" smtClean="0"/>
-              <a:t>12/5/2022</a:t>
+              <a:t>12/19/2022</a:t>
             </a:fld>
             <a:endParaRPr lang="en-US" dirty="0"/>
           </a:p>
@@ -415,7 +419,7 @@
           <a:p>
             <a:fld id="{D8E6120A-21AF-4F12-ABAA-66A70823631B}" type="datetimeFigureOut">
               <a:rPr lang="en-US" smtClean="0"/>
-              <a:t>12/5/2022</a:t>
+              <a:t>12/19/2022</a:t>
             </a:fld>
             <a:endParaRPr lang="en-US" dirty="0"/>
           </a:p>
@@ -682,6 +686,97 @@
 </p:notesMaster>
 </file>
 
+<file path=ppt/notesSlides/notesSlide1.xml><?xml version="1.0" encoding="utf-8"?>
+<p:notes xmlns:a="http://schemas.openxmlformats.org/drawingml/2006/main" xmlns:r="http://schemas.openxmlformats.org/officeDocument/2006/relationships" xmlns:p="http://schemas.openxmlformats.org/presentationml/2006/main">
+  <p:cSld>
+    <p:spTree>
+      <p:nvGrpSpPr>
+        <p:cNvPr id="1" name=""/>
+        <p:cNvGrpSpPr/>
+        <p:nvPr/>
+      </p:nvGrpSpPr>
+      <p:grpSpPr>
+        <a:xfrm>
+          <a:off x="0" y="0"/>
+          <a:ext cx="0" cy="0"/>
+          <a:chOff x="0" y="0"/>
+          <a:chExt cx="0" cy="0"/>
+        </a:xfrm>
+      </p:grpSpPr>
+      <p:sp>
+        <p:nvSpPr>
+          <p:cNvPr id="2" name="Slide Image Placeholder 1"/>
+          <p:cNvSpPr>
+            <a:spLocks noGrp="1" noRot="1" noChangeAspect="1"/>
+          </p:cNvSpPr>
+          <p:nvPr>
+            <p:ph type="sldImg"/>
+          </p:nvPr>
+        </p:nvSpPr>
+        <p:spPr/>
+      </p:sp>
+      <p:sp>
+        <p:nvSpPr>
+          <p:cNvPr id="3" name="Notes Placeholder 2"/>
+          <p:cNvSpPr>
+            <a:spLocks noGrp="1"/>
+          </p:cNvSpPr>
+          <p:nvPr>
+            <p:ph type="body" idx="1"/>
+          </p:nvPr>
+        </p:nvSpPr>
+        <p:spPr/>
+        <p:txBody>
+          <a:bodyPr/>
+          <a:lstStyle/>
+          <a:p>
+            <a:pPr marL="171450" indent="-171450">
+              <a:buFont typeface="Arial" panose="020B0604020202020204" pitchFamily="34" charset="0"/>
+              <a:buChar char="•"/>
+            </a:pPr>
+            <a:r>
+              <a:rPr lang="sv-SE" dirty="0"/>
+              <a:t>Ibland måste vi utföra olika åtgärder baserade på olika förhållanden.</a:t>
+            </a:r>
+          </a:p>
+        </p:txBody>
+      </p:sp>
+      <p:sp>
+        <p:nvSpPr>
+          <p:cNvPr id="4" name="Slide Number Placeholder 3"/>
+          <p:cNvSpPr>
+            <a:spLocks noGrp="1"/>
+          </p:cNvSpPr>
+          <p:nvPr>
+            <p:ph type="sldNum" sz="quarter" idx="5"/>
+          </p:nvPr>
+        </p:nvSpPr>
+        <p:spPr/>
+        <p:txBody>
+          <a:bodyPr/>
+          <a:lstStyle/>
+          <a:p>
+            <a:fld id="{998C672F-171E-46DC-915C-C7BCF99F5C42}" type="slidenum">
+              <a:rPr lang="en-US" smtClean="0"/>
+              <a:t>13</a:t>
+            </a:fld>
+            <a:endParaRPr lang="en-US" dirty="0"/>
+          </a:p>
+        </p:txBody>
+      </p:sp>
+    </p:spTree>
+    <p:extLst>
+      <p:ext uri="{BB962C8B-B14F-4D97-AF65-F5344CB8AC3E}">
+        <p14:creationId xmlns:p14="http://schemas.microsoft.com/office/powerpoint/2010/main" val="1809868886"/>
+      </p:ext>
+    </p:extLst>
+  </p:cSld>
+  <p:clrMapOvr>
+    <a:masterClrMapping/>
+  </p:clrMapOvr>
+</p:notes>
+</file>
+
 <file path=ppt/slideLayouts/slideLayout1.xml><?xml version="1.0" encoding="utf-8"?>
 <p:sldLayout xmlns:a="http://schemas.openxmlformats.org/drawingml/2006/main" xmlns:r="http://schemas.openxmlformats.org/officeDocument/2006/relationships" xmlns:p="http://schemas.openxmlformats.org/presentationml/2006/main" showMasterSp="0" type="title" preserve="1">
   <p:cSld name="Title Slide">
@@ -1893,7 +1988,7 @@
           <a:p>
             <a:fld id="{EF63B152-7103-4FFE-90AC-D94EB7F44A7E}" type="datetimeFigureOut">
               <a:rPr lang="en-US" smtClean="0"/>
-              <a:t>12/5/2022</a:t>
+              <a:t>12/19/2022</a:t>
             </a:fld>
             <a:endParaRPr lang="en-US" dirty="0"/>
           </a:p>
@@ -2131,7 +2226,7 @@
           <a:p>
             <a:fld id="{EF63B152-7103-4FFE-90AC-D94EB7F44A7E}" type="datetimeFigureOut">
               <a:rPr lang="en-US" smtClean="0"/>
-              <a:t>12/5/2022</a:t>
+              <a:t>12/19/2022</a:t>
             </a:fld>
             <a:endParaRPr lang="en-US" dirty="0"/>
           </a:p>
@@ -2311,7 +2406,7 @@
           <a:p>
             <a:fld id="{EF63B152-7103-4FFE-90AC-D94EB7F44A7E}" type="datetimeFigureOut">
               <a:rPr lang="en-US" smtClean="0"/>
-              <a:t>12/5/2022</a:t>
+              <a:t>12/19/2022</a:t>
             </a:fld>
             <a:endParaRPr lang="en-US" dirty="0"/>
           </a:p>
@@ -2481,7 +2576,7 @@
           <a:p>
             <a:fld id="{EF63B152-7103-4FFE-90AC-D94EB7F44A7E}" type="datetimeFigureOut">
               <a:rPr lang="en-US" smtClean="0"/>
-              <a:t>12/5/2022</a:t>
+              <a:t>12/19/2022</a:t>
             </a:fld>
             <a:endParaRPr lang="en-US" dirty="0"/>
           </a:p>
@@ -2757,7 +2852,7 @@
           <a:p>
             <a:fld id="{EF63B152-7103-4FFE-90AC-D94EB7F44A7E}" type="datetimeFigureOut">
               <a:rPr lang="en-US" smtClean="0"/>
-              <a:t>12/5/2022</a:t>
+              <a:t>12/19/2022</a:t>
             </a:fld>
             <a:endParaRPr lang="en-US" dirty="0"/>
           </a:p>
@@ -3958,7 +4053,7 @@
           <a:p>
             <a:fld id="{EF63B152-7103-4FFE-90AC-D94EB7F44A7E}" type="datetimeFigureOut">
               <a:rPr lang="en-US" smtClean="0"/>
-              <a:t>12/5/2022</a:t>
+              <a:t>12/19/2022</a:t>
             </a:fld>
             <a:endParaRPr lang="en-US" dirty="0"/>
           </a:p>
@@ -4348,7 +4443,7 @@
           <a:p>
             <a:fld id="{EF63B152-7103-4FFE-90AC-D94EB7F44A7E}" type="datetimeFigureOut">
               <a:rPr lang="en-US" smtClean="0"/>
-              <a:t>12/5/2022</a:t>
+              <a:t>12/19/2022</a:t>
             </a:fld>
             <a:endParaRPr lang="en-US" dirty="0"/>
           </a:p>
@@ -4471,7 +4566,7 @@
           <a:p>
             <a:fld id="{EF63B152-7103-4FFE-90AC-D94EB7F44A7E}" type="datetimeFigureOut">
               <a:rPr lang="en-US" smtClean="0"/>
-              <a:t>12/5/2022</a:t>
+              <a:t>12/19/2022</a:t>
             </a:fld>
             <a:endParaRPr lang="en-US" dirty="0"/>
           </a:p>
@@ -4566,7 +4661,7 @@
           <a:p>
             <a:fld id="{EF63B152-7103-4FFE-90AC-D94EB7F44A7E}" type="datetimeFigureOut">
               <a:rPr lang="en-US" smtClean="0"/>
-              <a:t>12/5/2022</a:t>
+              <a:t>12/19/2022</a:t>
             </a:fld>
             <a:endParaRPr lang="en-US" dirty="0"/>
           </a:p>
@@ -5329,7 +5424,7 @@
           <a:p>
             <a:fld id="{EF63B152-7103-4FFE-90AC-D94EB7F44A7E}" type="datetimeFigureOut">
               <a:rPr lang="en-US" smtClean="0"/>
-              <a:t>12/5/2022</a:t>
+              <a:t>12/19/2022</a:t>
             </a:fld>
             <a:endParaRPr lang="en-US" dirty="0"/>
           </a:p>
@@ -6169,7 +6264,7 @@
           <a:p>
             <a:fld id="{EF63B152-7103-4FFE-90AC-D94EB7F44A7E}" type="datetimeFigureOut">
               <a:rPr lang="en-US" smtClean="0"/>
-              <a:t>12/5/2022</a:t>
+              <a:t>12/19/2022</a:t>
             </a:fld>
             <a:endParaRPr lang="en-US" dirty="0"/>
           </a:p>
@@ -6396,7 +6491,7 @@
           <a:p>
             <a:fld id="{EF63B152-7103-4FFE-90AC-D94EB7F44A7E}" type="datetimeFigureOut">
               <a:rPr lang="en-US" smtClean="0"/>
-              <a:t>12/5/2022</a:t>
+              <a:t>12/19/2022</a:t>
             </a:fld>
             <a:endParaRPr lang="en-US" dirty="0"/>
           </a:p>
@@ -7581,10 +7676,10 @@
       </p:sp>
       <p:pic>
         <p:nvPicPr>
-          <p:cNvPr id="6" name="Picture 5">
+          <p:cNvPr id="7" name="Picture 6">
             <a:extLst>
               <a:ext uri="{FF2B5EF4-FFF2-40B4-BE49-F238E27FC236}">
-                <a16:creationId xmlns:a16="http://schemas.microsoft.com/office/drawing/2014/main" id="{B9899C2E-F77D-44DA-9AEA-728FEF6351A6}"/>
+                <a16:creationId xmlns:a16="http://schemas.microsoft.com/office/drawing/2014/main" id="{0FB4F902-E0EA-4B80-A96A-6F6D5A90C61E}"/>
               </a:ext>
             </a:extLst>
           </p:cNvPr>
@@ -7601,37 +7696,7 @@
         </p:blipFill>
         <p:spPr>
           <a:xfrm>
-            <a:off x="1203434" y="1706115"/>
-            <a:ext cx="5686905" cy="5235179"/>
-          </a:xfrm>
-          <a:prstGeom prst="rect">
-            <a:avLst/>
-          </a:prstGeom>
-        </p:spPr>
-      </p:pic>
-      <p:pic>
-        <p:nvPicPr>
-          <p:cNvPr id="7" name="Picture 6">
-            <a:extLst>
-              <a:ext uri="{FF2B5EF4-FFF2-40B4-BE49-F238E27FC236}">
-                <a16:creationId xmlns:a16="http://schemas.microsoft.com/office/drawing/2014/main" id="{0FB4F902-E0EA-4B80-A96A-6F6D5A90C61E}"/>
-              </a:ext>
-            </a:extLst>
-          </p:cNvPr>
-          <p:cNvPicPr>
-            <a:picLocks noChangeAspect="1"/>
-          </p:cNvPicPr>
-          <p:nvPr/>
-        </p:nvPicPr>
-        <p:blipFill>
-          <a:blip r:embed="rId3"/>
-          <a:stretch>
-            <a:fillRect/>
-          </a:stretch>
-        </p:blipFill>
-        <p:spPr>
-          <a:xfrm>
-            <a:off x="6650420" y="2399531"/>
+            <a:off x="6650420" y="2382753"/>
             <a:ext cx="4781281" cy="3848348"/>
           </a:xfrm>
           <a:prstGeom prst="rect">
@@ -7783,6 +7848,36 @@
           </a:p>
         </p:txBody>
       </p:sp>
+      <p:pic>
+        <p:nvPicPr>
+          <p:cNvPr id="4" name="Picture 3">
+            <a:extLst>
+              <a:ext uri="{FF2B5EF4-FFF2-40B4-BE49-F238E27FC236}">
+                <a16:creationId xmlns:a16="http://schemas.microsoft.com/office/drawing/2014/main" id="{4284ABC3-4316-DB8D-CEFB-D473196AC524}"/>
+              </a:ext>
+            </a:extLst>
+          </p:cNvPr>
+          <p:cNvPicPr>
+            <a:picLocks noChangeAspect="1"/>
+          </p:cNvPicPr>
+          <p:nvPr/>
+        </p:nvPicPr>
+        <p:blipFill>
+          <a:blip r:embed="rId3"/>
+          <a:stretch>
+            <a:fillRect/>
+          </a:stretch>
+        </p:blipFill>
+        <p:spPr>
+          <a:xfrm>
+            <a:off x="957234" y="2011176"/>
+            <a:ext cx="5693186" cy="4465824"/>
+          </a:xfrm>
+          <a:prstGeom prst="rect">
+            <a:avLst/>
+          </a:prstGeom>
+        </p:spPr>
+      </p:pic>
     </p:spTree>
     <p:extLst>
       <p:ext uri="{BB962C8B-B14F-4D97-AF65-F5344CB8AC3E}">
@@ -7859,68 +7954,6 @@
       </p:sp>
       <p:pic>
         <p:nvPicPr>
-          <p:cNvPr id="4" name="Content Placeholder 3">
-            <a:extLst>
-              <a:ext uri="{FF2B5EF4-FFF2-40B4-BE49-F238E27FC236}">
-                <a16:creationId xmlns:a16="http://schemas.microsoft.com/office/drawing/2014/main" id="{0436265C-B557-4139-9ABD-4647B2029AF8}"/>
-              </a:ext>
-            </a:extLst>
-          </p:cNvPr>
-          <p:cNvPicPr>
-            <a:picLocks noGrp="1" noChangeAspect="1"/>
-          </p:cNvPicPr>
-          <p:nvPr>
-            <p:ph idx="1"/>
-          </p:nvPr>
-        </p:nvPicPr>
-        <p:blipFill>
-          <a:blip r:embed="rId2"/>
-          <a:stretch>
-            <a:fillRect/>
-          </a:stretch>
-        </p:blipFill>
-        <p:spPr>
-          <a:xfrm>
-            <a:off x="2033609" y="2260837"/>
-            <a:ext cx="4748733" cy="3867595"/>
-          </a:xfrm>
-          <a:prstGeom prst="rect">
-            <a:avLst/>
-          </a:prstGeom>
-        </p:spPr>
-      </p:pic>
-      <p:pic>
-        <p:nvPicPr>
-          <p:cNvPr id="5" name="Picture 4">
-            <a:extLst>
-              <a:ext uri="{FF2B5EF4-FFF2-40B4-BE49-F238E27FC236}">
-                <a16:creationId xmlns:a16="http://schemas.microsoft.com/office/drawing/2014/main" id="{3A97DDD1-98A3-4F71-BB59-E0A57287A446}"/>
-              </a:ext>
-            </a:extLst>
-          </p:cNvPr>
-          <p:cNvPicPr>
-            <a:picLocks noChangeAspect="1"/>
-          </p:cNvPicPr>
-          <p:nvPr/>
-        </p:nvPicPr>
-        <p:blipFill>
-          <a:blip r:embed="rId3"/>
-          <a:stretch>
-            <a:fillRect/>
-          </a:stretch>
-        </p:blipFill>
-        <p:spPr>
-          <a:xfrm>
-            <a:off x="2033609" y="6128432"/>
-            <a:ext cx="3328662" cy="694366"/>
-          </a:xfrm>
-          <a:prstGeom prst="rect">
-            <a:avLst/>
-          </a:prstGeom>
-        </p:spPr>
-      </p:pic>
-      <p:pic>
-        <p:nvPicPr>
           <p:cNvPr id="7" name="Picture 6">
             <a:extLst>
               <a:ext uri="{FF2B5EF4-FFF2-40B4-BE49-F238E27FC236}">
@@ -7934,7 +7967,7 @@
           <p:nvPr/>
         </p:nvPicPr>
         <p:blipFill>
-          <a:blip r:embed="rId4"/>
+          <a:blip r:embed="rId2"/>
           <a:stretch>
             <a:fillRect/>
           </a:stretch>
@@ -8212,6 +8245,36 @@
           </a:p>
         </p:txBody>
       </p:sp>
+      <p:pic>
+        <p:nvPicPr>
+          <p:cNvPr id="10" name="Picture 9">
+            <a:extLst>
+              <a:ext uri="{FF2B5EF4-FFF2-40B4-BE49-F238E27FC236}">
+                <a16:creationId xmlns:a16="http://schemas.microsoft.com/office/drawing/2014/main" id="{AEDE58CB-6D89-BDCC-4DF6-7847E0104210}"/>
+              </a:ext>
+            </a:extLst>
+          </p:cNvPr>
+          <p:cNvPicPr>
+            <a:picLocks noChangeAspect="1"/>
+          </p:cNvPicPr>
+          <p:nvPr/>
+        </p:nvPicPr>
+        <p:blipFill>
+          <a:blip r:embed="rId3"/>
+          <a:stretch>
+            <a:fillRect/>
+          </a:stretch>
+        </p:blipFill>
+        <p:spPr>
+          <a:xfrm>
+            <a:off x="1757614" y="2145684"/>
+            <a:ext cx="5286262" cy="4315643"/>
+          </a:xfrm>
+          <a:prstGeom prst="rect">
+            <a:avLst/>
+          </a:prstGeom>
+        </p:spPr>
+      </p:pic>
     </p:spTree>
     <p:extLst>
       <p:ext uri="{BB962C8B-B14F-4D97-AF65-F5344CB8AC3E}">
@@ -8280,38 +8343,6 @@
           </a:p>
         </p:txBody>
       </p:sp>
-      <p:pic>
-        <p:nvPicPr>
-          <p:cNvPr id="7" name="Content Placeholder 6">
-            <a:extLst>
-              <a:ext uri="{FF2B5EF4-FFF2-40B4-BE49-F238E27FC236}">
-                <a16:creationId xmlns:a16="http://schemas.microsoft.com/office/drawing/2014/main" id="{0C354551-B4B9-430C-B08A-6277981F166D}"/>
-              </a:ext>
-            </a:extLst>
-          </p:cNvPr>
-          <p:cNvPicPr>
-            <a:picLocks noGrp="1" noChangeAspect="1"/>
-          </p:cNvPicPr>
-          <p:nvPr>
-            <p:ph idx="1"/>
-          </p:nvPr>
-        </p:nvPicPr>
-        <p:blipFill>
-          <a:blip r:embed="rId2"/>
-          <a:stretch>
-            <a:fillRect/>
-          </a:stretch>
-        </p:blipFill>
-        <p:spPr>
-          <a:xfrm>
-            <a:off x="1825468" y="3040623"/>
-            <a:ext cx="5588142" cy="3594100"/>
-          </a:xfrm>
-          <a:prstGeom prst="rect">
-            <a:avLst/>
-          </a:prstGeom>
-        </p:spPr>
-      </p:pic>
       <p:sp>
         <p:nvSpPr>
           <p:cNvPr id="8" name="TextBox 7">
@@ -8497,10 +8528,10 @@
       </p:sp>
       <p:pic>
         <p:nvPicPr>
-          <p:cNvPr id="9" name="Picture 8">
+          <p:cNvPr id="6" name="Picture 5">
             <a:extLst>
               <a:ext uri="{FF2B5EF4-FFF2-40B4-BE49-F238E27FC236}">
-                <a16:creationId xmlns:a16="http://schemas.microsoft.com/office/drawing/2014/main" id="{61D879F2-957A-4CB6-A011-BE00E8F19D01}"/>
+                <a16:creationId xmlns:a16="http://schemas.microsoft.com/office/drawing/2014/main" id="{9CE2EEBB-C9D1-75C0-9AB7-499688C48056}"/>
               </a:ext>
             </a:extLst>
           </p:cNvPr>
@@ -8510,15 +8541,15 @@
           <p:nvPr/>
         </p:nvPicPr>
         <p:blipFill>
-          <a:blip r:embed="rId3"/>
+          <a:blip r:embed="rId2"/>
           <a:stretch>
             <a:fillRect/>
           </a:stretch>
         </p:blipFill>
         <p:spPr>
           <a:xfrm>
-            <a:off x="7854542" y="3040623"/>
-            <a:ext cx="3429000" cy="1619250"/>
+            <a:off x="7846159" y="2272665"/>
+            <a:ext cx="2541952" cy="4006215"/>
           </a:xfrm>
           <a:prstGeom prst="rect">
             <a:avLst/>
@@ -8573,7 +8604,7 @@
         </p:nvSpPr>
         <p:spPr>
           <a:xfrm>
-            <a:off x="1222484" y="239772"/>
+            <a:off x="1203434" y="83247"/>
             <a:ext cx="10893973" cy="596023"/>
           </a:xfrm>
         </p:spPr>
@@ -8583,52 +8614,278 @@
           </a:bodyPr>
           <a:lstStyle/>
           <a:p>
-            <a:pPr algn="ctr"/>
+            <a:r>
+              <a:rPr lang="en-US" sz="4000" dirty="0" err="1">
+                <a:latin typeface="Gill Sans MT (Body)"/>
+              </a:rPr>
+              <a:t>Pil-funktioner</a:t>
+            </a:r>
             <a:r>
               <a:rPr lang="en-US" sz="4000" dirty="0">
                 <a:latin typeface="Gill Sans MT (Body)"/>
               </a:rPr>
-              <a:t>Computed properties</a:t>
-            </a:r>
+              <a:t>/arrow function</a:t>
+            </a:r>
+            <a:endParaRPr lang="en-US" sz="4000" dirty="0">
+              <a:latin typeface="Bodoni MT" panose="02070603080606020203" pitchFamily="18" charset="0"/>
+            </a:endParaRPr>
+          </a:p>
+        </p:txBody>
+      </p:sp>
+      <p:sp>
+        <p:nvSpPr>
+          <p:cNvPr id="5" name="Content Placeholder 4">
+            <a:extLst>
+              <a:ext uri="{FF2B5EF4-FFF2-40B4-BE49-F238E27FC236}">
+                <a16:creationId xmlns:a16="http://schemas.microsoft.com/office/drawing/2014/main" id="{BFC6430F-1FDE-4D8C-8C11-DD7124791905}"/>
+              </a:ext>
+            </a:extLst>
+          </p:cNvPr>
+          <p:cNvSpPr>
+            <a:spLocks noGrp="1"/>
+          </p:cNvSpPr>
+          <p:nvPr>
+            <p:ph idx="1"/>
+          </p:nvPr>
+        </p:nvSpPr>
+        <p:spPr>
+          <a:xfrm>
+            <a:off x="1203434" y="565903"/>
+            <a:ext cx="10178322" cy="5975366"/>
+          </a:xfrm>
+        </p:spPr>
+        <p:txBody>
+          <a:bodyPr>
+            <a:normAutofit/>
+          </a:bodyPr>
+          <a:lstStyle/>
+          <a:p>
+            <a:r>
+              <a:rPr lang="sv-SE" dirty="0"/>
+              <a:t>’</a:t>
+            </a:r>
+            <a:r>
+              <a:rPr lang="sv-SE" dirty="0">
+                <a:solidFill>
+                  <a:schemeClr val="tx2">
+                    <a:lumMod val="75000"/>
+                    <a:lumOff val="25000"/>
+                  </a:schemeClr>
+                </a:solidFill>
+              </a:rPr>
+              <a:t>Arrow </a:t>
+            </a:r>
+            <a:r>
+              <a:rPr lang="sv-SE" dirty="0" err="1">
+                <a:solidFill>
+                  <a:schemeClr val="tx2">
+                    <a:lumMod val="75000"/>
+                    <a:lumOff val="25000"/>
+                  </a:schemeClr>
+                </a:solidFill>
+              </a:rPr>
+              <a:t>functions</a:t>
+            </a:r>
+            <a:r>
+              <a:rPr lang="sv-SE" dirty="0"/>
+              <a:t>’ är ett mer kortfattad sätt att skapa funktioner:</a:t>
+            </a:r>
+          </a:p>
+          <a:p>
+            <a:endParaRPr lang="sv-SE" dirty="0"/>
+          </a:p>
+          <a:p>
+            <a:r>
+              <a:rPr lang="sv-SE" dirty="0"/>
+              <a:t>Detta skapar en funktion </a:t>
+            </a:r>
+            <a:r>
+              <a:rPr lang="sv-SE" dirty="0" err="1">
+                <a:solidFill>
+                  <a:schemeClr val="tx2">
+                    <a:lumMod val="75000"/>
+                    <a:lumOff val="25000"/>
+                  </a:schemeClr>
+                </a:solidFill>
+              </a:rPr>
+              <a:t>func</a:t>
+            </a:r>
+            <a:r>
+              <a:rPr lang="sv-SE" dirty="0"/>
+              <a:t> som accepterar argument </a:t>
+            </a:r>
+            <a:r>
+              <a:rPr lang="sv-SE" dirty="0">
+                <a:solidFill>
+                  <a:schemeClr val="tx2">
+                    <a:lumMod val="75000"/>
+                    <a:lumOff val="25000"/>
+                  </a:schemeClr>
+                </a:solidFill>
+              </a:rPr>
+              <a:t>arg1, arg2, …</a:t>
+            </a:r>
+            <a:r>
+              <a:rPr lang="sv-SE" dirty="0" err="1">
+                <a:solidFill>
+                  <a:schemeClr val="tx2">
+                    <a:lumMod val="75000"/>
+                    <a:lumOff val="25000"/>
+                  </a:schemeClr>
+                </a:solidFill>
+              </a:rPr>
+              <a:t>argN</a:t>
+            </a:r>
+            <a:r>
+              <a:rPr lang="sv-SE" dirty="0"/>
+              <a:t>, utvärderar sedan uttrycket på höger sida och returnerar dess resultat. Det är förkortning på:</a:t>
+            </a:r>
+          </a:p>
+          <a:p>
+            <a:endParaRPr lang="sv-SE" dirty="0"/>
+          </a:p>
+          <a:p>
+            <a:endParaRPr lang="sv-SE" dirty="0"/>
+          </a:p>
+          <a:p>
+            <a:r>
+              <a:rPr lang="sv-SE" dirty="0"/>
+              <a:t>Ett mer konkret exempel:</a:t>
+            </a:r>
+          </a:p>
+          <a:p>
+            <a:r>
+              <a:rPr lang="sv-SE" dirty="0"/>
+              <a:t>Som du kan se </a:t>
+            </a:r>
+            <a:r>
+              <a:rPr lang="sv-SE" dirty="0">
+                <a:solidFill>
+                  <a:schemeClr val="tx2">
+                    <a:lumMod val="75000"/>
+                    <a:lumOff val="25000"/>
+                  </a:schemeClr>
+                </a:solidFill>
+              </a:rPr>
+              <a:t>(a, b) =&gt; a + b</a:t>
+            </a:r>
+            <a:r>
+              <a:rPr lang="sv-SE" dirty="0"/>
+              <a:t> betyder en funktion som accepterar två argument med namnet</a:t>
+            </a:r>
+            <a:br>
+              <a:rPr lang="sv-SE" dirty="0"/>
+            </a:br>
+            <a:r>
+              <a:rPr lang="sv-SE" dirty="0">
+                <a:solidFill>
+                  <a:schemeClr val="tx2">
+                    <a:lumMod val="75000"/>
+                    <a:lumOff val="25000"/>
+                  </a:schemeClr>
+                </a:solidFill>
+              </a:rPr>
+              <a:t>a</a:t>
+            </a:r>
+            <a:r>
+              <a:rPr lang="sv-SE" dirty="0"/>
+              <a:t> och </a:t>
+            </a:r>
+            <a:r>
+              <a:rPr lang="sv-SE" dirty="0">
+                <a:solidFill>
+                  <a:schemeClr val="tx2">
+                    <a:lumMod val="75000"/>
+                    <a:lumOff val="25000"/>
+                  </a:schemeClr>
+                </a:solidFill>
+              </a:rPr>
+              <a:t>b</a:t>
+            </a:r>
+            <a:r>
+              <a:rPr lang="sv-SE" dirty="0"/>
+              <a:t>.  Vid körningen utvärderar det uttrycket </a:t>
+            </a:r>
+            <a:r>
+              <a:rPr lang="sv-SE" dirty="0">
+                <a:solidFill>
+                  <a:schemeClr val="tx2">
+                    <a:lumMod val="75000"/>
+                    <a:lumOff val="25000"/>
+                  </a:schemeClr>
+                </a:solidFill>
+              </a:rPr>
+              <a:t>a + b </a:t>
+            </a:r>
+            <a:r>
+              <a:rPr lang="sv-SE" dirty="0"/>
+              <a:t>och returnerar resultatet. </a:t>
+            </a:r>
+          </a:p>
+          <a:p>
+            <a:r>
+              <a:rPr lang="sv-SE" dirty="0" err="1"/>
+              <a:t>Multiline</a:t>
+            </a:r>
+            <a:r>
+              <a:rPr lang="sv-SE" dirty="0"/>
+              <a:t> Arrow-</a:t>
+            </a:r>
+            <a:r>
+              <a:rPr lang="sv-SE" dirty="0" err="1"/>
+              <a:t>function</a:t>
+            </a:r>
+            <a:endParaRPr lang="sv-SE" dirty="0"/>
+          </a:p>
+          <a:p>
+            <a:pPr lvl="1"/>
+            <a:r>
+              <a:rPr lang="sv-SE" dirty="0"/>
+              <a:t>Ibland behöver vi använda flera uttryck och det gör vi genom att kapsla uttrycken med måsvingar </a:t>
+            </a:r>
+            <a:r>
+              <a:rPr lang="sv-SE" dirty="0">
+                <a:solidFill>
+                  <a:schemeClr val="tx2">
+                    <a:lumMod val="75000"/>
+                    <a:lumOff val="25000"/>
+                  </a:schemeClr>
+                </a:solidFill>
+              </a:rPr>
+              <a:t>{ }</a:t>
+            </a:r>
+            <a:r>
+              <a:rPr lang="sv-SE" dirty="0"/>
+              <a:t>, skulle vi vilja returnera data använder vi sedan ett normal </a:t>
+            </a:r>
+            <a:r>
+              <a:rPr lang="sv-SE" dirty="0" err="1">
+                <a:solidFill>
+                  <a:schemeClr val="tx2">
+                    <a:lumMod val="75000"/>
+                    <a:lumOff val="25000"/>
+                  </a:schemeClr>
+                </a:solidFill>
+              </a:rPr>
+              <a:t>return</a:t>
+            </a:r>
+            <a:r>
+              <a:rPr lang="sv-SE" dirty="0"/>
+              <a:t> värde.</a:t>
+            </a:r>
+          </a:p>
+          <a:p>
+            <a:pPr lvl="1"/>
+            <a:endParaRPr lang="sv-SE" dirty="0"/>
           </a:p>
         </p:txBody>
       </p:sp>
       <p:pic>
         <p:nvPicPr>
-          <p:cNvPr id="5" name="Picture 4">
+          <p:cNvPr id="3" name="Picture 2">
             <a:extLst>
               <a:ext uri="{FF2B5EF4-FFF2-40B4-BE49-F238E27FC236}">
-                <a16:creationId xmlns:a16="http://schemas.microsoft.com/office/drawing/2014/main" id="{F1AEE381-9B54-45E2-8D97-D2EB25FD43A6}"/>
-              </a:ext>
-            </a:extLst>
-          </p:cNvPr>
-          <p:cNvPicPr>
-            <a:picLocks noChangeAspect="1"/>
-          </p:cNvPicPr>
-          <p:nvPr/>
-        </p:nvPicPr>
-        <p:blipFill>
-          <a:blip r:embed="rId2"/>
-          <a:stretch>
-            <a:fillRect/>
-          </a:stretch>
-        </p:blipFill>
-        <p:spPr>
-          <a:xfrm>
-            <a:off x="5981102" y="1166768"/>
-            <a:ext cx="5902584" cy="4295863"/>
-          </a:xfrm>
-          <a:prstGeom prst="rect">
-            <a:avLst/>
-          </a:prstGeom>
-        </p:spPr>
-      </p:pic>
-      <p:pic>
-        <p:nvPicPr>
-          <p:cNvPr id="6" name="Picture 5">
-            <a:extLst>
-              <a:ext uri="{FF2B5EF4-FFF2-40B4-BE49-F238E27FC236}">
-                <a16:creationId xmlns:a16="http://schemas.microsoft.com/office/drawing/2014/main" id="{EF51E776-05D7-47A1-B283-913B4E25D327}"/>
+                <a16:creationId xmlns:a16="http://schemas.microsoft.com/office/drawing/2014/main" id="{32FC0F5C-E19F-400F-9C46-33A50AADD73A}"/>
               </a:ext>
             </a:extLst>
           </p:cNvPr>
@@ -8645,416 +8902,138 @@
         </p:blipFill>
         <p:spPr>
           <a:xfrm>
-            <a:off x="7105806" y="5462631"/>
-            <a:ext cx="3653175" cy="871012"/>
+            <a:off x="1527008" y="1065743"/>
+            <a:ext cx="4229100" cy="419100"/>
           </a:xfrm>
           <a:prstGeom prst="rect">
             <a:avLst/>
           </a:prstGeom>
         </p:spPr>
       </p:pic>
-      <p:sp>
-        <p:nvSpPr>
-          <p:cNvPr id="7" name="TextBox 6">
+      <p:pic>
+        <p:nvPicPr>
+          <p:cNvPr id="4" name="Picture 3">
             <a:extLst>
               <a:ext uri="{FF2B5EF4-FFF2-40B4-BE49-F238E27FC236}">
-                <a16:creationId xmlns:a16="http://schemas.microsoft.com/office/drawing/2014/main" id="{0AB9403B-A104-42BD-A4C8-96EF9C391F17}"/>
+                <a16:creationId xmlns:a16="http://schemas.microsoft.com/office/drawing/2014/main" id="{F82196D9-948A-4477-B8AA-6EB763D6D89F}"/>
               </a:ext>
             </a:extLst>
           </p:cNvPr>
-          <p:cNvSpPr txBox="1"/>
+          <p:cNvPicPr>
+            <a:picLocks noChangeAspect="1"/>
+          </p:cNvPicPr>
           <p:nvPr/>
-        </p:nvSpPr>
+        </p:nvPicPr>
+        <p:blipFill>
+          <a:blip r:embed="rId4"/>
+          <a:stretch>
+            <a:fillRect/>
+          </a:stretch>
+        </p:blipFill>
         <p:spPr>
           <a:xfrm>
-            <a:off x="813139" y="1233443"/>
-            <a:ext cx="4863761" cy="4801314"/>
+            <a:off x="1527008" y="2329113"/>
+            <a:ext cx="4010025" cy="723900"/>
           </a:xfrm>
           <a:prstGeom prst="rect">
             <a:avLst/>
           </a:prstGeom>
-          <a:noFill/>
         </p:spPr>
-        <p:txBody>
-          <a:bodyPr wrap="square" rtlCol="0">
-            <a:spAutoFit/>
-          </a:bodyPr>
-          <a:lstStyle/>
-          <a:p>
-            <a:pPr marL="285750" indent="-285750">
-              <a:buFont typeface="Arial" panose="020B0604020202020204" pitchFamily="34" charset="0"/>
-              <a:buChar char="•"/>
-            </a:pPr>
-            <a:r>
-              <a:rPr lang="sv-SE" dirty="0">
-                <a:solidFill>
-                  <a:schemeClr val="tx1">
-                    <a:lumMod val="65000"/>
-                    <a:lumOff val="35000"/>
-                  </a:schemeClr>
-                </a:solidFill>
-                <a:latin typeface="Gill Sans MT (Body)"/>
-                <a:cs typeface="Times New Roman" panose="02020603050405020304" pitchFamily="18" charset="0"/>
-              </a:rPr>
-              <a:t>Beräknade variabler som oftast utgår från data variabler. Ska returnera ett värde med </a:t>
-            </a:r>
-            <a:r>
-              <a:rPr lang="sv-SE" dirty="0" err="1">
-                <a:solidFill>
-                  <a:schemeClr val="tx2">
-                    <a:lumMod val="75000"/>
-                    <a:lumOff val="25000"/>
-                  </a:schemeClr>
-                </a:solidFill>
-                <a:latin typeface="Gill Sans MT (Body)"/>
-                <a:cs typeface="Times New Roman" panose="02020603050405020304" pitchFamily="18" charset="0"/>
-              </a:rPr>
-              <a:t>return</a:t>
-            </a:r>
-            <a:r>
-              <a:rPr lang="sv-SE" dirty="0">
-                <a:solidFill>
-                  <a:schemeClr val="tx1">
-                    <a:lumMod val="65000"/>
-                    <a:lumOff val="35000"/>
-                  </a:schemeClr>
-                </a:solidFill>
-                <a:latin typeface="Gill Sans MT (Body)"/>
-                <a:cs typeface="Times New Roman" panose="02020603050405020304" pitchFamily="18" charset="0"/>
-              </a:rPr>
-              <a:t>.</a:t>
-            </a:r>
-          </a:p>
-          <a:p>
-            <a:pPr marL="285750" indent="-285750">
-              <a:buFont typeface="Arial" panose="020B0604020202020204" pitchFamily="34" charset="0"/>
-              <a:buChar char="•"/>
-            </a:pPr>
-            <a:endParaRPr lang="sv-SE" dirty="0">
-              <a:solidFill>
-                <a:schemeClr val="tx1">
-                  <a:lumMod val="65000"/>
-                  <a:lumOff val="35000"/>
-                </a:schemeClr>
-              </a:solidFill>
-              <a:latin typeface="Gill Sans MT (Body)"/>
-              <a:cs typeface="Times New Roman" panose="02020603050405020304" pitchFamily="18" charset="0"/>
-            </a:endParaRPr>
-          </a:p>
-          <a:p>
-            <a:pPr marL="285750" indent="-285750">
-              <a:buFont typeface="Arial" panose="020B0604020202020204" pitchFamily="34" charset="0"/>
-              <a:buChar char="•"/>
-            </a:pPr>
-            <a:endParaRPr lang="sv-SE" dirty="0">
-              <a:solidFill>
-                <a:schemeClr val="tx1">
-                  <a:lumMod val="65000"/>
-                  <a:lumOff val="35000"/>
-                </a:schemeClr>
-              </a:solidFill>
-              <a:latin typeface="Gill Sans MT (Body)"/>
-              <a:cs typeface="Times New Roman" panose="02020603050405020304" pitchFamily="18" charset="0"/>
-            </a:endParaRPr>
-          </a:p>
-          <a:p>
-            <a:pPr marL="285750" indent="-285750">
-              <a:buFont typeface="Arial" panose="020B0604020202020204" pitchFamily="34" charset="0"/>
-              <a:buChar char="•"/>
-            </a:pPr>
-            <a:endParaRPr lang="sv-SE" dirty="0">
-              <a:solidFill>
-                <a:schemeClr val="tx1">
-                  <a:lumMod val="65000"/>
-                  <a:lumOff val="35000"/>
-                </a:schemeClr>
-              </a:solidFill>
-              <a:latin typeface="Gill Sans MT (Body)"/>
-              <a:cs typeface="Times New Roman" panose="02020603050405020304" pitchFamily="18" charset="0"/>
-            </a:endParaRPr>
-          </a:p>
-          <a:p>
-            <a:pPr marL="285750" indent="-285750">
-              <a:buFont typeface="Arial" panose="020B0604020202020204" pitchFamily="34" charset="0"/>
-              <a:buChar char="•"/>
-            </a:pPr>
-            <a:r>
-              <a:rPr lang="sv-SE" dirty="0">
-                <a:solidFill>
-                  <a:schemeClr val="tx1">
-                    <a:lumMod val="65000"/>
-                    <a:lumOff val="35000"/>
-                  </a:schemeClr>
-                </a:solidFill>
-                <a:latin typeface="Gill Sans MT (Body)"/>
-                <a:cs typeface="Times New Roman" panose="02020603050405020304" pitchFamily="18" charset="0"/>
-              </a:rPr>
-              <a:t>Varje gång som en data variabel ändras så ändras också det beroende </a:t>
-            </a:r>
-            <a:r>
-              <a:rPr lang="sv-SE" dirty="0" err="1">
-                <a:solidFill>
-                  <a:schemeClr val="tx1">
-                    <a:lumMod val="65000"/>
-                    <a:lumOff val="35000"/>
-                  </a:schemeClr>
-                </a:solidFill>
-                <a:latin typeface="Gill Sans MT (Body)"/>
-                <a:cs typeface="Times New Roman" panose="02020603050405020304" pitchFamily="18" charset="0"/>
-              </a:rPr>
-              <a:t>computed</a:t>
-            </a:r>
-            <a:r>
-              <a:rPr lang="sv-SE" dirty="0">
-                <a:solidFill>
-                  <a:schemeClr val="tx1">
-                    <a:lumMod val="65000"/>
-                    <a:lumOff val="35000"/>
-                  </a:schemeClr>
-                </a:solidFill>
-                <a:latin typeface="Gill Sans MT (Body)"/>
-                <a:cs typeface="Times New Roman" panose="02020603050405020304" pitchFamily="18" charset="0"/>
-              </a:rPr>
-              <a:t> variabeln.</a:t>
-            </a:r>
-          </a:p>
-          <a:p>
-            <a:pPr marL="285750" indent="-285750">
-              <a:buFont typeface="Arial" panose="020B0604020202020204" pitchFamily="34" charset="0"/>
-              <a:buChar char="•"/>
-            </a:pPr>
-            <a:endParaRPr lang="sv-SE" dirty="0">
-              <a:solidFill>
-                <a:schemeClr val="tx1">
-                  <a:lumMod val="65000"/>
-                  <a:lumOff val="35000"/>
-                </a:schemeClr>
-              </a:solidFill>
-              <a:latin typeface="Gill Sans MT (Body)"/>
-              <a:cs typeface="Times New Roman" panose="02020603050405020304" pitchFamily="18" charset="0"/>
-            </a:endParaRPr>
-          </a:p>
-          <a:p>
-            <a:pPr marL="285750" indent="-285750">
-              <a:buFont typeface="Arial" panose="020B0604020202020204" pitchFamily="34" charset="0"/>
-              <a:buChar char="•"/>
-            </a:pPr>
-            <a:endParaRPr lang="sv-SE" dirty="0">
-              <a:solidFill>
-                <a:schemeClr val="tx1">
-                  <a:lumMod val="65000"/>
-                  <a:lumOff val="35000"/>
-                </a:schemeClr>
-              </a:solidFill>
-              <a:latin typeface="Gill Sans MT (Body)"/>
-              <a:cs typeface="Times New Roman" panose="02020603050405020304" pitchFamily="18" charset="0"/>
-            </a:endParaRPr>
-          </a:p>
-          <a:p>
-            <a:pPr marL="285750" indent="-285750">
-              <a:buFont typeface="Arial" panose="020B0604020202020204" pitchFamily="34" charset="0"/>
-              <a:buChar char="•"/>
-            </a:pPr>
-            <a:r>
-              <a:rPr lang="sv-SE" dirty="0">
-                <a:solidFill>
-                  <a:schemeClr val="tx1">
-                    <a:lumMod val="65000"/>
-                    <a:lumOff val="35000"/>
-                  </a:schemeClr>
-                </a:solidFill>
-                <a:latin typeface="Gill Sans MT (Body)"/>
-                <a:cs typeface="Times New Roman" panose="02020603050405020304" pitchFamily="18" charset="0"/>
-              </a:rPr>
-              <a:t>I exemplet så när </a:t>
-            </a:r>
-            <a:r>
-              <a:rPr lang="sv-SE" dirty="0" err="1">
-                <a:solidFill>
-                  <a:schemeClr val="tx2">
-                    <a:lumMod val="75000"/>
-                    <a:lumOff val="25000"/>
-                  </a:schemeClr>
-                </a:solidFill>
-                <a:latin typeface="Gill Sans MT (Body)"/>
-                <a:cs typeface="Times New Roman" panose="02020603050405020304" pitchFamily="18" charset="0"/>
-              </a:rPr>
-              <a:t>message</a:t>
-            </a:r>
-            <a:r>
-              <a:rPr lang="sv-SE" dirty="0">
-                <a:solidFill>
-                  <a:schemeClr val="tx1">
-                    <a:lumMod val="65000"/>
-                    <a:lumOff val="35000"/>
-                  </a:schemeClr>
-                </a:solidFill>
-                <a:latin typeface="Gill Sans MT (Body)"/>
-                <a:cs typeface="Times New Roman" panose="02020603050405020304" pitchFamily="18" charset="0"/>
-              </a:rPr>
-              <a:t> variabeln ändras så ändras även </a:t>
-            </a:r>
-            <a:r>
-              <a:rPr lang="sv-SE" dirty="0" err="1">
-                <a:solidFill>
-                  <a:schemeClr val="tx2">
-                    <a:lumMod val="75000"/>
-                    <a:lumOff val="25000"/>
-                  </a:schemeClr>
-                </a:solidFill>
-                <a:latin typeface="Gill Sans MT (Body)"/>
-                <a:cs typeface="Times New Roman" panose="02020603050405020304" pitchFamily="18" charset="0"/>
-              </a:rPr>
-              <a:t>reversedMessage</a:t>
-            </a:r>
-            <a:r>
-              <a:rPr lang="sv-SE" dirty="0">
-                <a:solidFill>
-                  <a:schemeClr val="tx1">
-                    <a:lumMod val="65000"/>
-                    <a:lumOff val="35000"/>
-                  </a:schemeClr>
-                </a:solidFill>
-                <a:latin typeface="Gill Sans MT (Body)"/>
-                <a:cs typeface="Times New Roman" panose="02020603050405020304" pitchFamily="18" charset="0"/>
-              </a:rPr>
-              <a:t> automatiskt.</a:t>
-            </a:r>
-          </a:p>
-          <a:p>
-            <a:pPr marL="285750" indent="-285750">
-              <a:buFont typeface="Arial" panose="020B0604020202020204" pitchFamily="34" charset="0"/>
-              <a:buChar char="•"/>
-            </a:pPr>
-            <a:endParaRPr lang="sv-SE" dirty="0">
-              <a:solidFill>
-                <a:schemeClr val="tx1">
-                  <a:lumMod val="65000"/>
-                  <a:lumOff val="35000"/>
-                </a:schemeClr>
-              </a:solidFill>
-              <a:latin typeface="Gill Sans MT (Body)"/>
-              <a:cs typeface="Times New Roman" panose="02020603050405020304" pitchFamily="18" charset="0"/>
-            </a:endParaRPr>
-          </a:p>
-          <a:p>
-            <a:pPr marL="285750" indent="-285750">
-              <a:buFont typeface="Arial" panose="020B0604020202020204" pitchFamily="34" charset="0"/>
-              <a:buChar char="•"/>
-            </a:pPr>
-            <a:endParaRPr lang="sv-SE" dirty="0">
-              <a:solidFill>
-                <a:schemeClr val="tx1">
-                  <a:lumMod val="65000"/>
-                  <a:lumOff val="35000"/>
-                </a:schemeClr>
-              </a:solidFill>
-              <a:latin typeface="Gill Sans MT (Body)"/>
-              <a:cs typeface="Times New Roman" panose="02020603050405020304" pitchFamily="18" charset="0"/>
-            </a:endParaRPr>
-          </a:p>
-          <a:p>
-            <a:pPr marL="285750" indent="-285750">
-              <a:buFont typeface="Arial" panose="020B0604020202020204" pitchFamily="34" charset="0"/>
-              <a:buChar char="•"/>
-            </a:pPr>
-            <a:endParaRPr lang="sv-SE" dirty="0">
-              <a:solidFill>
-                <a:schemeClr val="tx1">
-                  <a:lumMod val="65000"/>
-                  <a:lumOff val="35000"/>
-                </a:schemeClr>
-              </a:solidFill>
-              <a:latin typeface="Gill Sans MT (Body)"/>
-              <a:cs typeface="Times New Roman" panose="02020603050405020304" pitchFamily="18" charset="0"/>
-            </a:endParaRPr>
-          </a:p>
-          <a:p>
-            <a:pPr marL="285750" indent="-285750">
-              <a:buFont typeface="Arial" panose="020B0604020202020204" pitchFamily="34" charset="0"/>
-              <a:buChar char="•"/>
-            </a:pPr>
-            <a:r>
-              <a:rPr lang="sv-SE" dirty="0">
-                <a:solidFill>
-                  <a:schemeClr val="tx1">
-                    <a:lumMod val="65000"/>
-                    <a:lumOff val="35000"/>
-                  </a:schemeClr>
-                </a:solidFill>
-                <a:latin typeface="Gill Sans MT (Body)"/>
-                <a:cs typeface="Times New Roman" panose="02020603050405020304" pitchFamily="18" charset="0"/>
-              </a:rPr>
-              <a:t>Deklareras i </a:t>
-            </a:r>
-            <a:r>
-              <a:rPr lang="sv-SE" dirty="0" err="1">
-                <a:solidFill>
-                  <a:schemeClr val="tx2">
-                    <a:lumMod val="75000"/>
-                    <a:lumOff val="25000"/>
-                  </a:schemeClr>
-                </a:solidFill>
-                <a:latin typeface="Gill Sans MT (Body)"/>
-                <a:cs typeface="Times New Roman" panose="02020603050405020304" pitchFamily="18" charset="0"/>
-              </a:rPr>
-              <a:t>computed</a:t>
-            </a:r>
-            <a:r>
-              <a:rPr lang="sv-SE" dirty="0">
-                <a:solidFill>
-                  <a:schemeClr val="tx2">
-                    <a:lumMod val="75000"/>
-                    <a:lumOff val="25000"/>
-                  </a:schemeClr>
-                </a:solidFill>
-                <a:latin typeface="Gill Sans MT (Body)"/>
-                <a:cs typeface="Times New Roman" panose="02020603050405020304" pitchFamily="18" charset="0"/>
-              </a:rPr>
-              <a:t>: {…}</a:t>
-            </a:r>
-            <a:r>
-              <a:rPr lang="sv-SE" dirty="0">
-                <a:solidFill>
-                  <a:schemeClr val="tx1">
-                    <a:lumMod val="65000"/>
-                    <a:lumOff val="35000"/>
-                  </a:schemeClr>
-                </a:solidFill>
-                <a:latin typeface="Gill Sans MT (Body)"/>
-                <a:cs typeface="Times New Roman" panose="02020603050405020304" pitchFamily="18" charset="0"/>
-              </a:rPr>
-              <a:t> sektionen.</a:t>
-            </a:r>
-            <a:br>
-              <a:rPr lang="sv-SE" dirty="0">
-                <a:solidFill>
-                  <a:schemeClr val="tx1">
-                    <a:lumMod val="65000"/>
-                    <a:lumOff val="35000"/>
-                  </a:schemeClr>
-                </a:solidFill>
-                <a:latin typeface="Gill Sans MT (Body)"/>
-                <a:cs typeface="Times New Roman" panose="02020603050405020304" pitchFamily="18" charset="0"/>
-              </a:rPr>
-            </a:br>
-            <a:endParaRPr lang="sv-SE" dirty="0">
-              <a:solidFill>
-                <a:schemeClr val="tx1">
-                  <a:lumMod val="65000"/>
-                  <a:lumOff val="35000"/>
-                </a:schemeClr>
-              </a:solidFill>
-              <a:latin typeface="Gill Sans MT (Body)"/>
-              <a:cs typeface="Times New Roman" panose="02020603050405020304" pitchFamily="18" charset="0"/>
-            </a:endParaRPr>
-          </a:p>
-        </p:txBody>
-      </p:sp>
+      </p:pic>
+      <p:pic>
+        <p:nvPicPr>
+          <p:cNvPr id="9" name="Picture 8">
+            <a:extLst>
+              <a:ext uri="{FF2B5EF4-FFF2-40B4-BE49-F238E27FC236}">
+                <a16:creationId xmlns:a16="http://schemas.microsoft.com/office/drawing/2014/main" id="{0EAD62EC-FFCE-43D8-8D13-618EB4439BA1}"/>
+              </a:ext>
+            </a:extLst>
+          </p:cNvPr>
+          <p:cNvPicPr>
+            <a:picLocks noChangeAspect="1"/>
+          </p:cNvPicPr>
+          <p:nvPr/>
+        </p:nvPicPr>
+        <p:blipFill>
+          <a:blip r:embed="rId5"/>
+          <a:stretch>
+            <a:fillRect/>
+          </a:stretch>
+        </p:blipFill>
+        <p:spPr>
+          <a:xfrm>
+            <a:off x="4775258" y="3191636"/>
+            <a:ext cx="5267325" cy="342900"/>
+          </a:xfrm>
+          <a:prstGeom prst="rect">
+            <a:avLst/>
+          </a:prstGeom>
+        </p:spPr>
+      </p:pic>
+      <p:pic>
+        <p:nvPicPr>
+          <p:cNvPr id="10" name="Picture 9">
+            <a:extLst>
+              <a:ext uri="{FF2B5EF4-FFF2-40B4-BE49-F238E27FC236}">
+                <a16:creationId xmlns:a16="http://schemas.microsoft.com/office/drawing/2014/main" id="{CFBA8C4F-11BE-47D9-A0B7-4CF74EE2B96D}"/>
+              </a:ext>
+            </a:extLst>
+          </p:cNvPr>
+          <p:cNvPicPr>
+            <a:picLocks noChangeAspect="1"/>
+          </p:cNvPicPr>
+          <p:nvPr/>
+        </p:nvPicPr>
+        <p:blipFill>
+          <a:blip r:embed="rId6"/>
+          <a:stretch>
+            <a:fillRect/>
+          </a:stretch>
+        </p:blipFill>
+        <p:spPr>
+          <a:xfrm>
+            <a:off x="7923521" y="3172586"/>
+            <a:ext cx="5905500" cy="381000"/>
+          </a:xfrm>
+          <a:prstGeom prst="rect">
+            <a:avLst/>
+          </a:prstGeom>
+        </p:spPr>
+      </p:pic>
+      <p:pic>
+        <p:nvPicPr>
+          <p:cNvPr id="11" name="Picture 10">
+            <a:extLst>
+              <a:ext uri="{FF2B5EF4-FFF2-40B4-BE49-F238E27FC236}">
+                <a16:creationId xmlns:a16="http://schemas.microsoft.com/office/drawing/2014/main" id="{EDA54C30-E596-4F32-A5A3-FB6526C88BF5}"/>
+              </a:ext>
+            </a:extLst>
+          </p:cNvPr>
+          <p:cNvPicPr>
+            <a:picLocks noChangeAspect="1"/>
+          </p:cNvPicPr>
+          <p:nvPr/>
+        </p:nvPicPr>
+        <p:blipFill>
+          <a:blip r:embed="rId7"/>
+          <a:stretch>
+            <a:fillRect/>
+          </a:stretch>
+        </p:blipFill>
+        <p:spPr>
+          <a:xfrm>
+            <a:off x="1527008" y="5416906"/>
+            <a:ext cx="6877050" cy="1333500"/>
+          </a:xfrm>
+          <a:prstGeom prst="rect">
+            <a:avLst/>
+          </a:prstGeom>
+        </p:spPr>
+      </p:pic>
     </p:spTree>
     <p:extLst>
       <p:ext uri="{BB962C8B-B14F-4D97-AF65-F5344CB8AC3E}">
-        <p14:creationId xmlns:p14="http://schemas.microsoft.com/office/powerpoint/2010/main" val="153036209"/>
+        <p14:creationId xmlns:p14="http://schemas.microsoft.com/office/powerpoint/2010/main" val="3093293204"/>
       </p:ext>
     </p:extLst>
   </p:cSld>
@@ -9099,7 +9078,7 @@
         </p:nvSpPr>
         <p:spPr>
           <a:xfrm>
-            <a:off x="1203434" y="382385"/>
+            <a:off x="1228601" y="228440"/>
             <a:ext cx="10893973" cy="596023"/>
           </a:xfrm>
         </p:spPr>
@@ -9111,20 +9090,676 @@
           <a:p>
             <a:pPr algn="ctr"/>
             <a:r>
+              <a:rPr lang="en-US" sz="4000" dirty="0" err="1">
+                <a:latin typeface="Gill Sans MT (Body)"/>
+              </a:rPr>
+              <a:t>Pil-funktioner</a:t>
+            </a:r>
+            <a:r>
               <a:rPr lang="en-US" sz="4000" dirty="0">
                 <a:latin typeface="Gill Sans MT (Body)"/>
               </a:rPr>
-              <a:t>Watchers</a:t>
+              <a:t>/arrow function</a:t>
+            </a:r>
+          </a:p>
+        </p:txBody>
+      </p:sp>
+      <p:sp>
+        <p:nvSpPr>
+          <p:cNvPr id="4" name="TextBox 3">
+            <a:extLst>
+              <a:ext uri="{FF2B5EF4-FFF2-40B4-BE49-F238E27FC236}">
+                <a16:creationId xmlns:a16="http://schemas.microsoft.com/office/drawing/2014/main" id="{542D0952-AE31-175D-E80C-7D3BCADF4252}"/>
+              </a:ext>
+            </a:extLst>
+          </p:cNvPr>
+          <p:cNvSpPr txBox="1"/>
+          <p:nvPr/>
+        </p:nvSpPr>
+        <p:spPr>
+          <a:xfrm>
+            <a:off x="2166457" y="2000585"/>
+            <a:ext cx="6094602" cy="646331"/>
+          </a:xfrm>
+          <a:prstGeom prst="rect">
+            <a:avLst/>
+          </a:prstGeom>
+          <a:noFill/>
+        </p:spPr>
+        <p:txBody>
+          <a:bodyPr wrap="square">
+            <a:spAutoFit/>
+          </a:bodyPr>
+          <a:lstStyle/>
+          <a:p>
+            <a:pPr marL="285750" indent="-285750">
+              <a:buFont typeface="Arial" panose="020B0604020202020204" pitchFamily="34" charset="0"/>
+              <a:buChar char="•"/>
+            </a:pPr>
+            <a:r>
+              <a:rPr lang="sv-SE" u="sng" dirty="0">
+                <a:solidFill>
+                  <a:schemeClr val="tx2">
+                    <a:lumMod val="75000"/>
+                    <a:lumOff val="25000"/>
+                  </a:schemeClr>
+                </a:solidFill>
+                <a:latin typeface="Gill Sans MT (Body)"/>
+                <a:cs typeface="Times New Roman" panose="02020603050405020304" pitchFamily="18" charset="0"/>
+              </a:rPr>
+              <a:t>https://blog.debugeverything.com/how-to-use-arrow-functions-with-javascript-filter/</a:t>
+            </a:r>
+            <a:endParaRPr lang="sv-SE" dirty="0">
+              <a:solidFill>
+                <a:schemeClr val="tx1">
+                  <a:lumMod val="65000"/>
+                  <a:lumOff val="35000"/>
+                </a:schemeClr>
+              </a:solidFill>
+              <a:latin typeface="Gill Sans MT (Body)"/>
+              <a:cs typeface="Times New Roman" panose="02020603050405020304" pitchFamily="18" charset="0"/>
+            </a:endParaRPr>
+          </a:p>
+        </p:txBody>
+      </p:sp>
+      <p:sp>
+        <p:nvSpPr>
+          <p:cNvPr id="5" name="TextBox 4">
+            <a:extLst>
+              <a:ext uri="{FF2B5EF4-FFF2-40B4-BE49-F238E27FC236}">
+                <a16:creationId xmlns:a16="http://schemas.microsoft.com/office/drawing/2014/main" id="{69337F64-30A1-6046-49F8-55C53E585C2B}"/>
+              </a:ext>
+            </a:extLst>
+          </p:cNvPr>
+          <p:cNvSpPr txBox="1"/>
+          <p:nvPr/>
+        </p:nvSpPr>
+        <p:spPr>
+          <a:xfrm>
+            <a:off x="2432807" y="1617540"/>
+            <a:ext cx="5724901" cy="369332"/>
+          </a:xfrm>
+          <a:prstGeom prst="rect">
+            <a:avLst/>
+          </a:prstGeom>
+          <a:noFill/>
+        </p:spPr>
+        <p:txBody>
+          <a:bodyPr wrap="none" rtlCol="0">
+            <a:spAutoFit/>
+          </a:bodyPr>
+          <a:lstStyle/>
+          <a:p>
+            <a:r>
+              <a:rPr lang="sv-SE" dirty="0"/>
+              <a:t>Bra exempel på filter används med och utan </a:t>
+            </a:r>
+            <a:r>
+              <a:rPr lang="sv-SE" dirty="0" err="1"/>
+              <a:t>arrow</a:t>
+            </a:r>
+            <a:r>
+              <a:rPr lang="sv-SE" dirty="0"/>
+              <a:t> </a:t>
+            </a:r>
+            <a:r>
+              <a:rPr lang="sv-SE" dirty="0" err="1"/>
+              <a:t>function</a:t>
+            </a:r>
+            <a:endParaRPr lang="sv-SE" dirty="0"/>
+          </a:p>
+        </p:txBody>
+      </p:sp>
+    </p:spTree>
+    <p:extLst>
+      <p:ext uri="{BB962C8B-B14F-4D97-AF65-F5344CB8AC3E}">
+        <p14:creationId xmlns:p14="http://schemas.microsoft.com/office/powerpoint/2010/main" val="2975895551"/>
+      </p:ext>
+    </p:extLst>
+  </p:cSld>
+  <p:clrMapOvr>
+    <a:masterClrMapping/>
+  </p:clrMapOvr>
+</p:sld>
+</file>
+
+<file path=ppt/slides/slide15.xml><?xml version="1.0" encoding="utf-8"?>
+<p:sld xmlns:a="http://schemas.openxmlformats.org/drawingml/2006/main" xmlns:r="http://schemas.openxmlformats.org/officeDocument/2006/relationships" xmlns:p="http://schemas.openxmlformats.org/presentationml/2006/main">
+  <p:cSld>
+    <p:spTree>
+      <p:nvGrpSpPr>
+        <p:cNvPr id="1" name=""/>
+        <p:cNvGrpSpPr/>
+        <p:nvPr/>
+      </p:nvGrpSpPr>
+      <p:grpSpPr>
+        <a:xfrm>
+          <a:off x="0" y="0"/>
+          <a:ext cx="0" cy="0"/>
+          <a:chOff x="0" y="0"/>
+          <a:chExt cx="0" cy="0"/>
+        </a:xfrm>
+      </p:grpSpPr>
+      <p:sp>
+        <p:nvSpPr>
+          <p:cNvPr id="2" name="Title 1">
+            <a:extLst>
+              <a:ext uri="{FF2B5EF4-FFF2-40B4-BE49-F238E27FC236}">
+                <a16:creationId xmlns:a16="http://schemas.microsoft.com/office/drawing/2014/main" id="{8EDAE078-3CB3-4D1F-8E4E-75C6D5DA8D1A}"/>
+              </a:ext>
+            </a:extLst>
+          </p:cNvPr>
+          <p:cNvSpPr>
+            <a:spLocks noGrp="1"/>
+          </p:cNvSpPr>
+          <p:nvPr>
+            <p:ph type="title"/>
+          </p:nvPr>
+        </p:nvSpPr>
+        <p:spPr>
+          <a:xfrm>
+            <a:off x="1222484" y="239772"/>
+            <a:ext cx="10893973" cy="596023"/>
+          </a:xfrm>
+        </p:spPr>
+        <p:txBody>
+          <a:bodyPr>
+            <a:normAutofit fontScale="90000"/>
+          </a:bodyPr>
+          <a:lstStyle/>
+          <a:p>
+            <a:pPr algn="ctr"/>
+            <a:r>
+              <a:rPr lang="en-US" sz="4000" dirty="0">
+                <a:latin typeface="Gill Sans MT (Body)"/>
+              </a:rPr>
+              <a:t>Computed properties</a:t>
+            </a:r>
+          </a:p>
+        </p:txBody>
+      </p:sp>
+      <p:sp>
+        <p:nvSpPr>
+          <p:cNvPr id="7" name="TextBox 6">
+            <a:extLst>
+              <a:ext uri="{FF2B5EF4-FFF2-40B4-BE49-F238E27FC236}">
+                <a16:creationId xmlns:a16="http://schemas.microsoft.com/office/drawing/2014/main" id="{0AB9403B-A104-42BD-A4C8-96EF9C391F17}"/>
+              </a:ext>
+            </a:extLst>
+          </p:cNvPr>
+          <p:cNvSpPr txBox="1"/>
+          <p:nvPr/>
+        </p:nvSpPr>
+        <p:spPr>
+          <a:xfrm>
+            <a:off x="813139" y="1233443"/>
+            <a:ext cx="4863761" cy="4801314"/>
+          </a:xfrm>
+          <a:prstGeom prst="rect">
+            <a:avLst/>
+          </a:prstGeom>
+          <a:noFill/>
+        </p:spPr>
+        <p:txBody>
+          <a:bodyPr wrap="square" rtlCol="0">
+            <a:spAutoFit/>
+          </a:bodyPr>
+          <a:lstStyle/>
+          <a:p>
+            <a:pPr marL="285750" indent="-285750">
+              <a:buFont typeface="Arial" panose="020B0604020202020204" pitchFamily="34" charset="0"/>
+              <a:buChar char="•"/>
+            </a:pPr>
+            <a:r>
+              <a:rPr lang="sv-SE" dirty="0">
+                <a:solidFill>
+                  <a:schemeClr val="tx1">
+                    <a:lumMod val="65000"/>
+                    <a:lumOff val="35000"/>
+                  </a:schemeClr>
+                </a:solidFill>
+                <a:latin typeface="Gill Sans MT (Body)"/>
+                <a:cs typeface="Times New Roman" panose="02020603050405020304" pitchFamily="18" charset="0"/>
+              </a:rPr>
+              <a:t>Beräknade variabler som oftast utgår från andra variabler. Ska returnera ett värde med </a:t>
+            </a:r>
+            <a:r>
+              <a:rPr lang="sv-SE" dirty="0" err="1">
+                <a:solidFill>
+                  <a:schemeClr val="tx2">
+                    <a:lumMod val="75000"/>
+                    <a:lumOff val="25000"/>
+                  </a:schemeClr>
+                </a:solidFill>
+                <a:latin typeface="Gill Sans MT (Body)"/>
+                <a:cs typeface="Times New Roman" panose="02020603050405020304" pitchFamily="18" charset="0"/>
+              </a:rPr>
+              <a:t>return</a:t>
+            </a:r>
+            <a:r>
+              <a:rPr lang="sv-SE" dirty="0">
+                <a:solidFill>
+                  <a:schemeClr val="tx1">
+                    <a:lumMod val="65000"/>
+                    <a:lumOff val="35000"/>
+                  </a:schemeClr>
+                </a:solidFill>
+                <a:latin typeface="Gill Sans MT (Body)"/>
+                <a:cs typeface="Times New Roman" panose="02020603050405020304" pitchFamily="18" charset="0"/>
+              </a:rPr>
+              <a:t>.</a:t>
+            </a:r>
+          </a:p>
+          <a:p>
+            <a:pPr marL="285750" indent="-285750">
+              <a:buFont typeface="Arial" panose="020B0604020202020204" pitchFamily="34" charset="0"/>
+              <a:buChar char="•"/>
+            </a:pPr>
+            <a:endParaRPr lang="sv-SE" dirty="0">
+              <a:solidFill>
+                <a:schemeClr val="tx1">
+                  <a:lumMod val="65000"/>
+                  <a:lumOff val="35000"/>
+                </a:schemeClr>
+              </a:solidFill>
+              <a:latin typeface="Gill Sans MT (Body)"/>
+              <a:cs typeface="Times New Roman" panose="02020603050405020304" pitchFamily="18" charset="0"/>
+            </a:endParaRPr>
+          </a:p>
+          <a:p>
+            <a:pPr marL="285750" indent="-285750">
+              <a:buFont typeface="Arial" panose="020B0604020202020204" pitchFamily="34" charset="0"/>
+              <a:buChar char="•"/>
+            </a:pPr>
+            <a:r>
+              <a:rPr lang="sv-SE" dirty="0">
+                <a:solidFill>
+                  <a:schemeClr val="tx1">
+                    <a:lumMod val="65000"/>
+                    <a:lumOff val="35000"/>
+                  </a:schemeClr>
+                </a:solidFill>
+                <a:latin typeface="Gill Sans MT (Body)"/>
+                <a:cs typeface="Times New Roman" panose="02020603050405020304" pitchFamily="18" charset="0"/>
+              </a:rPr>
+              <a:t>Varje gång som en annan variabel ändras så ändras också det beroende </a:t>
+            </a:r>
+            <a:r>
+              <a:rPr lang="sv-SE" dirty="0" err="1">
+                <a:solidFill>
+                  <a:schemeClr val="tx1">
+                    <a:lumMod val="65000"/>
+                    <a:lumOff val="35000"/>
+                  </a:schemeClr>
+                </a:solidFill>
+                <a:latin typeface="Gill Sans MT (Body)"/>
+                <a:cs typeface="Times New Roman" panose="02020603050405020304" pitchFamily="18" charset="0"/>
+              </a:rPr>
+              <a:t>computed</a:t>
+            </a:r>
+            <a:r>
+              <a:rPr lang="sv-SE" dirty="0">
+                <a:solidFill>
+                  <a:schemeClr val="tx1">
+                    <a:lumMod val="65000"/>
+                    <a:lumOff val="35000"/>
+                  </a:schemeClr>
+                </a:solidFill>
+                <a:latin typeface="Gill Sans MT (Body)"/>
+                <a:cs typeface="Times New Roman" panose="02020603050405020304" pitchFamily="18" charset="0"/>
+              </a:rPr>
+              <a:t> variabeln.</a:t>
+            </a:r>
+          </a:p>
+          <a:p>
+            <a:pPr marL="285750" indent="-285750">
+              <a:buFont typeface="Arial" panose="020B0604020202020204" pitchFamily="34" charset="0"/>
+              <a:buChar char="•"/>
+            </a:pPr>
+            <a:endParaRPr lang="sv-SE" dirty="0">
+              <a:solidFill>
+                <a:schemeClr val="tx1">
+                  <a:lumMod val="65000"/>
+                  <a:lumOff val="35000"/>
+                </a:schemeClr>
+              </a:solidFill>
+              <a:latin typeface="Gill Sans MT (Body)"/>
+              <a:cs typeface="Times New Roman" panose="02020603050405020304" pitchFamily="18" charset="0"/>
+            </a:endParaRPr>
+          </a:p>
+          <a:p>
+            <a:pPr marL="285750" indent="-285750">
+              <a:buFont typeface="Arial" panose="020B0604020202020204" pitchFamily="34" charset="0"/>
+              <a:buChar char="•"/>
+            </a:pPr>
+            <a:r>
+              <a:rPr lang="sv-SE" dirty="0">
+                <a:solidFill>
+                  <a:schemeClr val="tx1">
+                    <a:lumMod val="65000"/>
+                    <a:lumOff val="35000"/>
+                  </a:schemeClr>
+                </a:solidFill>
+                <a:latin typeface="Gill Sans MT (Body)"/>
+                <a:cs typeface="Times New Roman" panose="02020603050405020304" pitchFamily="18" charset="0"/>
+              </a:rPr>
+              <a:t>I exemplet när </a:t>
+            </a:r>
+            <a:r>
+              <a:rPr lang="sv-SE" dirty="0" err="1">
+                <a:solidFill>
+                  <a:schemeClr val="tx2">
+                    <a:lumMod val="75000"/>
+                    <a:lumOff val="25000"/>
+                  </a:schemeClr>
+                </a:solidFill>
+                <a:latin typeface="Gill Sans MT (Body)"/>
+                <a:cs typeface="Times New Roman" panose="02020603050405020304" pitchFamily="18" charset="0"/>
+              </a:rPr>
+              <a:t>firstname</a:t>
+            </a:r>
+            <a:r>
+              <a:rPr lang="sv-SE" dirty="0">
+                <a:solidFill>
+                  <a:schemeClr val="tx1">
+                    <a:lumMod val="65000"/>
+                    <a:lumOff val="35000"/>
+                  </a:schemeClr>
+                </a:solidFill>
+                <a:latin typeface="Gill Sans MT (Body)"/>
+                <a:cs typeface="Times New Roman" panose="02020603050405020304" pitchFamily="18" charset="0"/>
+              </a:rPr>
+              <a:t> eller </a:t>
+            </a:r>
+            <a:r>
+              <a:rPr lang="sv-SE" dirty="0" err="1">
+                <a:solidFill>
+                  <a:schemeClr val="tx2">
+                    <a:lumMod val="75000"/>
+                    <a:lumOff val="25000"/>
+                  </a:schemeClr>
+                </a:solidFill>
+                <a:latin typeface="Gill Sans MT (Body)"/>
+                <a:cs typeface="Times New Roman" panose="02020603050405020304" pitchFamily="18" charset="0"/>
+              </a:rPr>
+              <a:t>lastname</a:t>
+            </a:r>
+            <a:r>
+              <a:rPr lang="sv-SE" dirty="0">
+                <a:solidFill>
+                  <a:schemeClr val="tx1">
+                    <a:lumMod val="65000"/>
+                    <a:lumOff val="35000"/>
+                  </a:schemeClr>
+                </a:solidFill>
+                <a:latin typeface="Gill Sans MT (Body)"/>
+                <a:cs typeface="Times New Roman" panose="02020603050405020304" pitchFamily="18" charset="0"/>
+              </a:rPr>
+              <a:t> variablerna ändras så ändras även </a:t>
+            </a:r>
+            <a:r>
+              <a:rPr lang="sv-SE" dirty="0" err="1">
+                <a:solidFill>
+                  <a:schemeClr val="tx2">
+                    <a:lumMod val="75000"/>
+                    <a:lumOff val="25000"/>
+                  </a:schemeClr>
+                </a:solidFill>
+                <a:latin typeface="Gill Sans MT (Body)"/>
+                <a:cs typeface="Times New Roman" panose="02020603050405020304" pitchFamily="18" charset="0"/>
+              </a:rPr>
+              <a:t>fullname</a:t>
+            </a:r>
+            <a:r>
+              <a:rPr lang="sv-SE" dirty="0">
+                <a:solidFill>
+                  <a:schemeClr val="tx1">
+                    <a:lumMod val="65000"/>
+                    <a:lumOff val="35000"/>
+                  </a:schemeClr>
+                </a:solidFill>
+                <a:latin typeface="Gill Sans MT (Body)"/>
+                <a:cs typeface="Times New Roman" panose="02020603050405020304" pitchFamily="18" charset="0"/>
+              </a:rPr>
+              <a:t> automatiskt.</a:t>
+            </a:r>
+          </a:p>
+          <a:p>
+            <a:endParaRPr lang="sv-SE" dirty="0">
+              <a:solidFill>
+                <a:schemeClr val="tx1">
+                  <a:lumMod val="65000"/>
+                  <a:lumOff val="35000"/>
+                </a:schemeClr>
+              </a:solidFill>
+              <a:latin typeface="Gill Sans MT (Body)"/>
+              <a:cs typeface="Times New Roman" panose="02020603050405020304" pitchFamily="18" charset="0"/>
+            </a:endParaRPr>
+          </a:p>
+          <a:p>
+            <a:pPr marL="285750" indent="-285750">
+              <a:buFont typeface="Arial" panose="020B0604020202020204" pitchFamily="34" charset="0"/>
+              <a:buChar char="•"/>
+            </a:pPr>
+            <a:r>
+              <a:rPr lang="sv-SE" dirty="0">
+                <a:solidFill>
+                  <a:schemeClr val="tx1">
+                    <a:lumMod val="65000"/>
+                    <a:lumOff val="35000"/>
+                  </a:schemeClr>
+                </a:solidFill>
+                <a:latin typeface="Gill Sans MT (Body)"/>
+                <a:cs typeface="Times New Roman" panose="02020603050405020304" pitchFamily="18" charset="0"/>
+              </a:rPr>
+              <a:t>För att använda måste man först importera </a:t>
+            </a:r>
+            <a:r>
+              <a:rPr lang="sv-SE" dirty="0" err="1">
+                <a:solidFill>
+                  <a:schemeClr val="tx2">
+                    <a:lumMod val="75000"/>
+                    <a:lumOff val="25000"/>
+                  </a:schemeClr>
+                </a:solidFill>
+                <a:latin typeface="Gill Sans MT (Body)"/>
+                <a:cs typeface="Times New Roman" panose="02020603050405020304" pitchFamily="18" charset="0"/>
+              </a:rPr>
+              <a:t>computed</a:t>
+            </a:r>
+            <a:r>
+              <a:rPr lang="sv-SE" dirty="0">
+                <a:solidFill>
+                  <a:schemeClr val="tx1">
+                    <a:lumMod val="65000"/>
+                    <a:lumOff val="35000"/>
+                  </a:schemeClr>
+                </a:solidFill>
+                <a:latin typeface="Gill Sans MT (Body)"/>
+                <a:cs typeface="Times New Roman" panose="02020603050405020304" pitchFamily="18" charset="0"/>
+              </a:rPr>
+              <a:t> på samma sätt som </a:t>
+            </a:r>
+            <a:r>
+              <a:rPr lang="sv-SE" dirty="0">
+                <a:solidFill>
+                  <a:schemeClr val="tx2">
+                    <a:lumMod val="75000"/>
+                    <a:lumOff val="25000"/>
+                  </a:schemeClr>
+                </a:solidFill>
+                <a:latin typeface="Gill Sans MT (Body)"/>
+                <a:cs typeface="Times New Roman" panose="02020603050405020304" pitchFamily="18" charset="0"/>
+              </a:rPr>
+              <a:t>ref</a:t>
+            </a:r>
+            <a:r>
+              <a:rPr lang="sv-SE" dirty="0">
+                <a:solidFill>
+                  <a:schemeClr val="tx1">
+                    <a:lumMod val="65000"/>
+                    <a:lumOff val="35000"/>
+                  </a:schemeClr>
+                </a:solidFill>
+                <a:latin typeface="Gill Sans MT (Body)"/>
+                <a:cs typeface="Times New Roman" panose="02020603050405020304" pitchFamily="18" charset="0"/>
+              </a:rPr>
+              <a:t>.</a:t>
+            </a:r>
+            <a:br>
+              <a:rPr lang="sv-SE" dirty="0">
+                <a:solidFill>
+                  <a:schemeClr val="tx1">
+                    <a:lumMod val="65000"/>
+                    <a:lumOff val="35000"/>
+                  </a:schemeClr>
+                </a:solidFill>
+                <a:latin typeface="Gill Sans MT (Body)"/>
+                <a:cs typeface="Times New Roman" panose="02020603050405020304" pitchFamily="18" charset="0"/>
+              </a:rPr>
+            </a:br>
+            <a:endParaRPr lang="sv-SE" dirty="0">
+              <a:solidFill>
+                <a:schemeClr val="tx1">
+                  <a:lumMod val="65000"/>
+                  <a:lumOff val="35000"/>
+                </a:schemeClr>
+              </a:solidFill>
+              <a:latin typeface="Gill Sans MT (Body)"/>
+              <a:cs typeface="Times New Roman" panose="02020603050405020304" pitchFamily="18" charset="0"/>
+            </a:endParaRPr>
+          </a:p>
+          <a:p>
+            <a:pPr marL="285750" indent="-285750">
+              <a:buFont typeface="Arial" panose="020B0604020202020204" pitchFamily="34" charset="0"/>
+              <a:buChar char="•"/>
+            </a:pPr>
+            <a:r>
+              <a:rPr lang="sv-SE" dirty="0">
+                <a:solidFill>
+                  <a:schemeClr val="tx1">
+                    <a:lumMod val="65000"/>
+                    <a:lumOff val="35000"/>
+                  </a:schemeClr>
+                </a:solidFill>
+                <a:latin typeface="Gill Sans MT (Body)"/>
+                <a:cs typeface="Times New Roman" panose="02020603050405020304" pitchFamily="18" charset="0"/>
+              </a:rPr>
+              <a:t>Därefter tar </a:t>
+            </a:r>
+            <a:r>
+              <a:rPr lang="sv-SE" dirty="0" err="1">
+                <a:solidFill>
+                  <a:schemeClr val="tx1">
+                    <a:lumMod val="65000"/>
+                    <a:lumOff val="35000"/>
+                  </a:schemeClr>
+                </a:solidFill>
+                <a:latin typeface="Gill Sans MT (Body)"/>
+                <a:cs typeface="Times New Roman" panose="02020603050405020304" pitchFamily="18" charset="0"/>
+              </a:rPr>
+              <a:t>computed</a:t>
+            </a:r>
+            <a:r>
+              <a:rPr lang="sv-SE" dirty="0">
+                <a:solidFill>
+                  <a:schemeClr val="tx1">
+                    <a:lumMod val="65000"/>
+                    <a:lumOff val="35000"/>
+                  </a:schemeClr>
+                </a:solidFill>
+                <a:latin typeface="Gill Sans MT (Body)"/>
+                <a:cs typeface="Times New Roman" panose="02020603050405020304" pitchFamily="18" charset="0"/>
+              </a:rPr>
+              <a:t> </a:t>
+            </a:r>
+            <a:r>
+              <a:rPr lang="sv-SE" dirty="0" err="1">
+                <a:solidFill>
+                  <a:schemeClr val="tx1">
+                    <a:lumMod val="65000"/>
+                    <a:lumOff val="35000"/>
+                  </a:schemeClr>
+                </a:solidFill>
+                <a:latin typeface="Gill Sans MT (Body)"/>
+                <a:cs typeface="Times New Roman" panose="02020603050405020304" pitchFamily="18" charset="0"/>
+              </a:rPr>
+              <a:t>functionen</a:t>
+            </a:r>
+            <a:r>
+              <a:rPr lang="sv-SE" dirty="0">
+                <a:solidFill>
+                  <a:schemeClr val="tx1">
+                    <a:lumMod val="65000"/>
+                    <a:lumOff val="35000"/>
+                  </a:schemeClr>
+                </a:solidFill>
+                <a:latin typeface="Gill Sans MT (Body)"/>
+                <a:cs typeface="Times New Roman" panose="02020603050405020304" pitchFamily="18" charset="0"/>
+              </a:rPr>
+              <a:t> in en </a:t>
+            </a:r>
+            <a:r>
+              <a:rPr lang="sv-SE" dirty="0" err="1">
+                <a:solidFill>
+                  <a:schemeClr val="tx1">
+                    <a:lumMod val="65000"/>
+                    <a:lumOff val="35000"/>
+                  </a:schemeClr>
+                </a:solidFill>
+                <a:latin typeface="Gill Sans MT (Body)"/>
+                <a:cs typeface="Times New Roman" panose="02020603050405020304" pitchFamily="18" charset="0"/>
+              </a:rPr>
+              <a:t>arrow</a:t>
+            </a:r>
+            <a:r>
+              <a:rPr lang="sv-SE" dirty="0">
+                <a:solidFill>
+                  <a:schemeClr val="tx1">
+                    <a:lumMod val="65000"/>
+                    <a:lumOff val="35000"/>
+                  </a:schemeClr>
+                </a:solidFill>
+                <a:latin typeface="Gill Sans MT (Body)"/>
+                <a:cs typeface="Times New Roman" panose="02020603050405020304" pitchFamily="18" charset="0"/>
+              </a:rPr>
+              <a:t> </a:t>
+            </a:r>
+            <a:r>
+              <a:rPr lang="sv-SE" dirty="0" err="1">
+                <a:solidFill>
+                  <a:schemeClr val="tx1">
+                    <a:lumMod val="65000"/>
+                    <a:lumOff val="35000"/>
+                  </a:schemeClr>
+                </a:solidFill>
+                <a:latin typeface="Gill Sans MT (Body)"/>
+                <a:cs typeface="Times New Roman" panose="02020603050405020304" pitchFamily="18" charset="0"/>
+              </a:rPr>
+              <a:t>function</a:t>
+            </a:r>
+            <a:r>
+              <a:rPr lang="sv-SE" dirty="0">
+                <a:solidFill>
+                  <a:schemeClr val="tx1">
+                    <a:lumMod val="65000"/>
+                    <a:lumOff val="35000"/>
+                  </a:schemeClr>
+                </a:solidFill>
+                <a:latin typeface="Gill Sans MT (Body)"/>
+                <a:cs typeface="Times New Roman" panose="02020603050405020304" pitchFamily="18" charset="0"/>
+              </a:rPr>
+              <a:t> som måste returnera något.</a:t>
             </a:r>
           </a:p>
         </p:txBody>
       </p:sp>
       <p:pic>
         <p:nvPicPr>
-          <p:cNvPr id="8" name="Picture 7">
+          <p:cNvPr id="4" name="Picture 3">
             <a:extLst>
               <a:ext uri="{FF2B5EF4-FFF2-40B4-BE49-F238E27FC236}">
-                <a16:creationId xmlns:a16="http://schemas.microsoft.com/office/drawing/2014/main" id="{FAE11B17-782F-4677-956C-6AB77CCFD62E}"/>
+                <a16:creationId xmlns:a16="http://schemas.microsoft.com/office/drawing/2014/main" id="{65E0005B-2C43-655E-8C6E-6F21B9301CEA}"/>
               </a:ext>
             </a:extLst>
           </p:cNvPr>
@@ -9141,14 +9776,82 @@
         </p:blipFill>
         <p:spPr>
           <a:xfrm>
-            <a:off x="6895731" y="1300118"/>
-            <a:ext cx="6347430" cy="4482137"/>
+            <a:off x="6096000" y="802647"/>
+            <a:ext cx="4516712" cy="5815581"/>
           </a:xfrm>
           <a:prstGeom prst="rect">
             <a:avLst/>
           </a:prstGeom>
         </p:spPr>
       </p:pic>
+    </p:spTree>
+    <p:extLst>
+      <p:ext uri="{BB962C8B-B14F-4D97-AF65-F5344CB8AC3E}">
+        <p14:creationId xmlns:p14="http://schemas.microsoft.com/office/powerpoint/2010/main" val="153036209"/>
+      </p:ext>
+    </p:extLst>
+  </p:cSld>
+  <p:clrMapOvr>
+    <a:masterClrMapping/>
+  </p:clrMapOvr>
+</p:sld>
+</file>
+
+<file path=ppt/slides/slide16.xml><?xml version="1.0" encoding="utf-8"?>
+<p:sld xmlns:a="http://schemas.openxmlformats.org/drawingml/2006/main" xmlns:r="http://schemas.openxmlformats.org/officeDocument/2006/relationships" xmlns:p="http://schemas.openxmlformats.org/presentationml/2006/main">
+  <p:cSld>
+    <p:spTree>
+      <p:nvGrpSpPr>
+        <p:cNvPr id="1" name=""/>
+        <p:cNvGrpSpPr/>
+        <p:nvPr/>
+      </p:nvGrpSpPr>
+      <p:grpSpPr>
+        <a:xfrm>
+          <a:off x="0" y="0"/>
+          <a:ext cx="0" cy="0"/>
+          <a:chOff x="0" y="0"/>
+          <a:chExt cx="0" cy="0"/>
+        </a:xfrm>
+      </p:grpSpPr>
+      <p:sp>
+        <p:nvSpPr>
+          <p:cNvPr id="2" name="Title 1">
+            <a:extLst>
+              <a:ext uri="{FF2B5EF4-FFF2-40B4-BE49-F238E27FC236}">
+                <a16:creationId xmlns:a16="http://schemas.microsoft.com/office/drawing/2014/main" id="{8EDAE078-3CB3-4D1F-8E4E-75C6D5DA8D1A}"/>
+              </a:ext>
+            </a:extLst>
+          </p:cNvPr>
+          <p:cNvSpPr>
+            <a:spLocks noGrp="1"/>
+          </p:cNvSpPr>
+          <p:nvPr>
+            <p:ph type="title"/>
+          </p:nvPr>
+        </p:nvSpPr>
+        <p:spPr>
+          <a:xfrm>
+            <a:off x="3189551" y="279835"/>
+            <a:ext cx="5592088" cy="596023"/>
+          </a:xfrm>
+        </p:spPr>
+        <p:txBody>
+          <a:bodyPr>
+            <a:normAutofit fontScale="90000"/>
+          </a:bodyPr>
+          <a:lstStyle/>
+          <a:p>
+            <a:pPr algn="ctr"/>
+            <a:r>
+              <a:rPr lang="en-US" sz="4000" dirty="0">
+                <a:latin typeface="Gill Sans MT (Body)"/>
+              </a:rPr>
+              <a:t>Watchers</a:t>
+            </a:r>
+          </a:p>
+        </p:txBody>
+      </p:sp>
       <p:sp>
         <p:nvSpPr>
           <p:cNvPr id="4" name="TextBox 3">
@@ -9164,7 +9867,7 @@
         <p:spPr>
           <a:xfrm>
             <a:off x="1041739" y="1300118"/>
-            <a:ext cx="5578136" cy="3139321"/>
+            <a:ext cx="5578136" cy="3416320"/>
           </a:xfrm>
           <a:prstGeom prst="rect">
             <a:avLst/>
@@ -9205,7 +9908,7 @@
                 <a:latin typeface="Gill Sans MT (Body)"/>
                 <a:cs typeface="Times New Roman" panose="02020603050405020304" pitchFamily="18" charset="0"/>
               </a:rPr>
-              <a:t> håller koll på en data variabel och varje gång den ändras körs en funktion som får in det ändrade värdet.</a:t>
+              <a:t> håller koll på en variabel och varje gång den ändras körs en funktion som får in det ändrade värdet.</a:t>
             </a:r>
           </a:p>
           <a:p>
@@ -9236,7 +9939,7 @@
                 <a:latin typeface="Gill Sans MT (Body)"/>
                 <a:cs typeface="Times New Roman" panose="02020603050405020304" pitchFamily="18" charset="0"/>
               </a:rPr>
-              <a:t>I exemplet så uppdateras </a:t>
+              <a:t>För att använda måste man först importera </a:t>
             </a:r>
             <a:r>
               <a:rPr lang="sv-SE" dirty="0" err="1">
@@ -9249,7 +9952,20 @@
                 <a:latin typeface="Gill Sans MT (Body)"/>
                 <a:cs typeface="Times New Roman" panose="02020603050405020304" pitchFamily="18" charset="0"/>
               </a:rPr>
-              <a:t>fullName</a:t>
+              <a:t>watch</a:t>
+            </a:r>
+            <a:r>
+              <a:rPr lang="sv-SE" dirty="0">
+                <a:solidFill>
+                  <a:schemeClr val="tx2">
+                    <a:lumMod val="75000"/>
+                    <a:lumOff val="25000"/>
+                  </a:schemeClr>
+                </a:solidFill>
+                <a:latin typeface="Gill Sans MT (Body)"/>
+                <a:cs typeface="Times New Roman" panose="02020603050405020304" pitchFamily="18" charset="0"/>
+              </a:rPr>
+              <a:t> </a:t>
             </a:r>
             <a:r>
               <a:rPr lang="sv-SE" dirty="0">
@@ -9262,10 +9978,10 @@
                 <a:latin typeface="Gill Sans MT (Body)"/>
                 <a:cs typeface="Times New Roman" panose="02020603050405020304" pitchFamily="18" charset="0"/>
               </a:rPr>
-              <a:t> när </a:t>
-            </a:r>
-            <a:r>
-              <a:rPr lang="sv-SE" dirty="0" err="1">
+              <a:t>på samma sätt som </a:t>
+            </a:r>
+            <a:r>
+              <a:rPr lang="sv-SE" dirty="0">
                 <a:solidFill>
                   <a:schemeClr val="tx2">
                     <a:lumMod val="75000"/>
@@ -9275,7 +9991,7 @@
                 <a:latin typeface="Gill Sans MT (Body)"/>
                 <a:cs typeface="Times New Roman" panose="02020603050405020304" pitchFamily="18" charset="0"/>
               </a:rPr>
-              <a:t>firstName</a:t>
+              <a:t>ref</a:t>
             </a:r>
             <a:r>
               <a:rPr lang="sv-SE" dirty="0">
@@ -9288,22 +10004,9 @@
                 <a:latin typeface="Gill Sans MT (Body)"/>
                 <a:cs typeface="Times New Roman" panose="02020603050405020304" pitchFamily="18" charset="0"/>
               </a:rPr>
-              <a:t> och </a:t>
-            </a:r>
-            <a:r>
-              <a:rPr lang="sv-SE" dirty="0" err="1">
-                <a:solidFill>
-                  <a:schemeClr val="tx2">
-                    <a:lumMod val="75000"/>
-                    <a:lumOff val="25000"/>
-                  </a:schemeClr>
-                </a:solidFill>
-                <a:latin typeface="Gill Sans MT (Body)"/>
-                <a:cs typeface="Times New Roman" panose="02020603050405020304" pitchFamily="18" charset="0"/>
-              </a:rPr>
-              <a:t>lastName</a:t>
-            </a:r>
-            <a:r>
+              <a:t>.</a:t>
+            </a:r>
+            <a:br>
               <a:rPr lang="sv-SE" dirty="0">
                 <a:solidFill>
                   <a:schemeClr val="tx1">
@@ -9314,10 +10017,7 @@
                 <a:latin typeface="Gill Sans MT (Body)"/>
                 <a:cs typeface="Times New Roman" panose="02020603050405020304" pitchFamily="18" charset="0"/>
               </a:rPr>
-              <a:t> data variablerna ändras.</a:t>
-            </a:r>
-          </a:p>
-          <a:p>
+            </a:br>
             <a:endParaRPr lang="sv-SE" dirty="0">
               <a:solidFill>
                 <a:schemeClr val="tx1">
@@ -9345,7 +10045,7 @@
                 <a:latin typeface="Gill Sans MT (Body)"/>
                 <a:cs typeface="Times New Roman" panose="02020603050405020304" pitchFamily="18" charset="0"/>
               </a:rPr>
-              <a:t>Deklareras i </a:t>
+              <a:t>Därefter tar </a:t>
             </a:r>
             <a:r>
               <a:rPr lang="sv-SE" dirty="0" err="1">
@@ -9363,19 +10063,6 @@
             <a:r>
               <a:rPr lang="sv-SE" dirty="0">
                 <a:solidFill>
-                  <a:schemeClr val="tx2">
-                    <a:lumMod val="75000"/>
-                    <a:lumOff val="25000"/>
-                  </a:schemeClr>
-                </a:solidFill>
-                <a:latin typeface="Gill Sans MT (Body)"/>
-                <a:cs typeface="Times New Roman" panose="02020603050405020304" pitchFamily="18" charset="0"/>
-              </a:rPr>
-              <a:t>: {…}</a:t>
-            </a:r>
-            <a:r>
-              <a:rPr lang="sv-SE" dirty="0">
-                <a:solidFill>
                   <a:schemeClr val="tx1">
                     <a:lumMod val="65000"/>
                     <a:lumOff val="35000"/>
@@ -9384,7 +10071,111 @@
                 <a:latin typeface="Gill Sans MT (Body)"/>
                 <a:cs typeface="Times New Roman" panose="02020603050405020304" pitchFamily="18" charset="0"/>
               </a:rPr>
-              <a:t> sektionen.</a:t>
+              <a:t> </a:t>
+            </a:r>
+            <a:r>
+              <a:rPr lang="sv-SE" dirty="0" err="1">
+                <a:solidFill>
+                  <a:schemeClr val="tx1">
+                    <a:lumMod val="65000"/>
+                    <a:lumOff val="35000"/>
+                  </a:schemeClr>
+                </a:solidFill>
+                <a:latin typeface="Gill Sans MT (Body)"/>
+                <a:cs typeface="Times New Roman" panose="02020603050405020304" pitchFamily="18" charset="0"/>
+              </a:rPr>
+              <a:t>functionen</a:t>
+            </a:r>
+            <a:r>
+              <a:rPr lang="sv-SE" dirty="0">
+                <a:solidFill>
+                  <a:schemeClr val="tx1">
+                    <a:lumMod val="65000"/>
+                    <a:lumOff val="35000"/>
+                  </a:schemeClr>
+                </a:solidFill>
+                <a:latin typeface="Gill Sans MT (Body)"/>
+                <a:cs typeface="Times New Roman" panose="02020603050405020304" pitchFamily="18" charset="0"/>
+              </a:rPr>
+              <a:t> in variabeln man vill lyssna på och en </a:t>
+            </a:r>
+            <a:r>
+              <a:rPr lang="sv-SE" dirty="0" err="1">
+                <a:solidFill>
+                  <a:schemeClr val="tx1">
+                    <a:lumMod val="65000"/>
+                    <a:lumOff val="35000"/>
+                  </a:schemeClr>
+                </a:solidFill>
+                <a:latin typeface="Gill Sans MT (Body)"/>
+                <a:cs typeface="Times New Roman" panose="02020603050405020304" pitchFamily="18" charset="0"/>
+              </a:rPr>
+              <a:t>arrow</a:t>
+            </a:r>
+            <a:r>
+              <a:rPr lang="sv-SE" dirty="0">
+                <a:solidFill>
+                  <a:schemeClr val="tx1">
+                    <a:lumMod val="65000"/>
+                    <a:lumOff val="35000"/>
+                  </a:schemeClr>
+                </a:solidFill>
+                <a:latin typeface="Gill Sans MT (Body)"/>
+                <a:cs typeface="Times New Roman" panose="02020603050405020304" pitchFamily="18" charset="0"/>
+              </a:rPr>
+              <a:t> </a:t>
+            </a:r>
+            <a:r>
+              <a:rPr lang="sv-SE" dirty="0" err="1">
+                <a:solidFill>
+                  <a:schemeClr val="tx1">
+                    <a:lumMod val="65000"/>
+                    <a:lumOff val="35000"/>
+                  </a:schemeClr>
+                </a:solidFill>
+                <a:latin typeface="Gill Sans MT (Body)"/>
+                <a:cs typeface="Times New Roman" panose="02020603050405020304" pitchFamily="18" charset="0"/>
+              </a:rPr>
+              <a:t>function</a:t>
+            </a:r>
+            <a:r>
+              <a:rPr lang="sv-SE" dirty="0">
+                <a:solidFill>
+                  <a:schemeClr val="tx1">
+                    <a:lumMod val="65000"/>
+                    <a:lumOff val="35000"/>
+                  </a:schemeClr>
+                </a:solidFill>
+                <a:latin typeface="Gill Sans MT (Body)"/>
+                <a:cs typeface="Times New Roman" panose="02020603050405020304" pitchFamily="18" charset="0"/>
+              </a:rPr>
+              <a:t> eller vanlig </a:t>
+            </a:r>
+            <a:r>
+              <a:rPr lang="sv-SE" dirty="0" err="1">
+                <a:solidFill>
+                  <a:schemeClr val="tx1">
+                    <a:lumMod val="65000"/>
+                    <a:lumOff val="35000"/>
+                  </a:schemeClr>
+                </a:solidFill>
+                <a:latin typeface="Gill Sans MT (Body)"/>
+                <a:cs typeface="Times New Roman" panose="02020603050405020304" pitchFamily="18" charset="0"/>
+              </a:rPr>
+              <a:t>function</a:t>
+            </a:r>
+            <a:r>
+              <a:rPr lang="sv-SE" dirty="0">
+                <a:solidFill>
+                  <a:schemeClr val="tx1">
+                    <a:lumMod val="65000"/>
+                    <a:lumOff val="35000"/>
+                  </a:schemeClr>
+                </a:solidFill>
+                <a:latin typeface="Gill Sans MT (Body)"/>
+                <a:cs typeface="Times New Roman" panose="02020603050405020304" pitchFamily="18" charset="0"/>
+              </a:rPr>
+              <a:t> som tar in och gör något med variabeln.</a:t>
             </a:r>
             <a:br>
               <a:rPr lang="sv-SE" dirty="0">
@@ -9445,14 +10236,14 @@
           <p:nvPr/>
         </p:nvPicPr>
         <p:blipFill>
-          <a:blip r:embed="rId3"/>
+          <a:blip r:embed="rId2"/>
           <a:stretch>
             <a:fillRect/>
           </a:stretch>
         </p:blipFill>
         <p:spPr>
           <a:xfrm>
-            <a:off x="1411413" y="4366044"/>
+            <a:off x="7145641" y="1300118"/>
             <a:ext cx="4435224" cy="2491956"/>
           </a:xfrm>
           <a:prstGeom prst="rect">
@@ -9473,7 +10264,461 @@
 </p:sld>
 </file>
 
-<file path=ppt/slides/slide15.xml><?xml version="1.0" encoding="utf-8"?>
+<file path=ppt/slides/slide17.xml><?xml version="1.0" encoding="utf-8"?>
+<p:sld xmlns:a="http://schemas.openxmlformats.org/drawingml/2006/main" xmlns:r="http://schemas.openxmlformats.org/officeDocument/2006/relationships" xmlns:p="http://schemas.openxmlformats.org/presentationml/2006/main">
+  <p:cSld>
+    <p:spTree>
+      <p:nvGrpSpPr>
+        <p:cNvPr id="1" name=""/>
+        <p:cNvGrpSpPr/>
+        <p:nvPr/>
+      </p:nvGrpSpPr>
+      <p:grpSpPr>
+        <a:xfrm>
+          <a:off x="0" y="0"/>
+          <a:ext cx="0" cy="0"/>
+          <a:chOff x="0" y="0"/>
+          <a:chExt cx="0" cy="0"/>
+        </a:xfrm>
+      </p:grpSpPr>
+      <p:pic>
+        <p:nvPicPr>
+          <p:cNvPr id="4" name="Picture 3">
+            <a:extLst>
+              <a:ext uri="{FF2B5EF4-FFF2-40B4-BE49-F238E27FC236}">
+                <a16:creationId xmlns:a16="http://schemas.microsoft.com/office/drawing/2014/main" id="{6020EEB5-AA44-E5F5-CB20-B0FCF23BE6C6}"/>
+              </a:ext>
+            </a:extLst>
+          </p:cNvPr>
+          <p:cNvPicPr>
+            <a:picLocks noChangeAspect="1"/>
+          </p:cNvPicPr>
+          <p:nvPr/>
+        </p:nvPicPr>
+        <p:blipFill>
+          <a:blip r:embed="rId2"/>
+          <a:stretch>
+            <a:fillRect/>
+          </a:stretch>
+        </p:blipFill>
+        <p:spPr>
+          <a:xfrm>
+            <a:off x="5796897" y="986955"/>
+            <a:ext cx="5318100" cy="5114743"/>
+          </a:xfrm>
+          <a:prstGeom prst="rect">
+            <a:avLst/>
+          </a:prstGeom>
+        </p:spPr>
+      </p:pic>
+      <p:sp>
+        <p:nvSpPr>
+          <p:cNvPr id="5" name="TextBox 4">
+            <a:extLst>
+              <a:ext uri="{FF2B5EF4-FFF2-40B4-BE49-F238E27FC236}">
+                <a16:creationId xmlns:a16="http://schemas.microsoft.com/office/drawing/2014/main" id="{72891FCE-F919-9A5C-6178-2B3927043C61}"/>
+              </a:ext>
+            </a:extLst>
+          </p:cNvPr>
+          <p:cNvSpPr txBox="1"/>
+          <p:nvPr/>
+        </p:nvSpPr>
+        <p:spPr>
+          <a:xfrm>
+            <a:off x="1041739" y="1300118"/>
+            <a:ext cx="4470298" cy="3693319"/>
+          </a:xfrm>
+          <a:prstGeom prst="rect">
+            <a:avLst/>
+          </a:prstGeom>
+          <a:noFill/>
+        </p:spPr>
+        <p:txBody>
+          <a:bodyPr wrap="square" rtlCol="0">
+            <a:spAutoFit/>
+          </a:bodyPr>
+          <a:lstStyle/>
+          <a:p>
+            <a:pPr marL="285750" indent="-285750">
+              <a:buFont typeface="Arial" panose="020B0604020202020204" pitchFamily="34" charset="0"/>
+              <a:buChar char="•"/>
+            </a:pPr>
+            <a:r>
+              <a:rPr lang="sv-SE" dirty="0">
+                <a:solidFill>
+                  <a:schemeClr val="tx1">
+                    <a:lumMod val="65000"/>
+                    <a:lumOff val="35000"/>
+                  </a:schemeClr>
+                </a:solidFill>
+                <a:latin typeface="Gill Sans MT (Body)"/>
+                <a:cs typeface="Times New Roman" panose="02020603050405020304" pitchFamily="18" charset="0"/>
+              </a:rPr>
+              <a:t>Vi har två listor </a:t>
+            </a:r>
+            <a:r>
+              <a:rPr lang="sv-SE" dirty="0">
+                <a:solidFill>
+                  <a:schemeClr val="tx2">
+                    <a:lumMod val="75000"/>
+                    <a:lumOff val="25000"/>
+                  </a:schemeClr>
+                </a:solidFill>
+                <a:latin typeface="Gill Sans MT (Body)"/>
+                <a:cs typeface="Times New Roman" panose="02020603050405020304" pitchFamily="18" charset="0"/>
+              </a:rPr>
+              <a:t>students</a:t>
+            </a:r>
+            <a:r>
+              <a:rPr lang="sv-SE" dirty="0">
+                <a:solidFill>
+                  <a:schemeClr val="tx1">
+                    <a:lumMod val="65000"/>
+                    <a:lumOff val="35000"/>
+                  </a:schemeClr>
+                </a:solidFill>
+                <a:latin typeface="Gill Sans MT (Body)"/>
+                <a:cs typeface="Times New Roman" panose="02020603050405020304" pitchFamily="18" charset="0"/>
+              </a:rPr>
+              <a:t> för hela listan och </a:t>
+            </a:r>
+            <a:r>
+              <a:rPr lang="sv-SE" dirty="0" err="1">
+                <a:solidFill>
+                  <a:schemeClr val="tx2">
+                    <a:lumMod val="75000"/>
+                    <a:lumOff val="25000"/>
+                  </a:schemeClr>
+                </a:solidFill>
+                <a:latin typeface="Gill Sans MT (Body)"/>
+                <a:cs typeface="Times New Roman" panose="02020603050405020304" pitchFamily="18" charset="0"/>
+              </a:rPr>
+              <a:t>filteredStudents</a:t>
+            </a:r>
+            <a:r>
+              <a:rPr lang="sv-SE" dirty="0">
+                <a:solidFill>
+                  <a:schemeClr val="tx1">
+                    <a:lumMod val="65000"/>
+                    <a:lumOff val="35000"/>
+                  </a:schemeClr>
+                </a:solidFill>
+                <a:latin typeface="Gill Sans MT (Body)"/>
+                <a:cs typeface="Times New Roman" panose="02020603050405020304" pitchFamily="18" charset="0"/>
+              </a:rPr>
+              <a:t> för filtrerade studenter.</a:t>
+            </a:r>
+          </a:p>
+          <a:p>
+            <a:endParaRPr lang="sv-SE" dirty="0">
+              <a:solidFill>
+                <a:schemeClr val="tx1">
+                  <a:lumMod val="65000"/>
+                  <a:lumOff val="35000"/>
+                </a:schemeClr>
+              </a:solidFill>
+              <a:latin typeface="Gill Sans MT (Body)"/>
+              <a:cs typeface="Times New Roman" panose="02020603050405020304" pitchFamily="18" charset="0"/>
+            </a:endParaRPr>
+          </a:p>
+          <a:p>
+            <a:pPr marL="285750" indent="-285750">
+              <a:buFont typeface="Arial" panose="020B0604020202020204" pitchFamily="34" charset="0"/>
+              <a:buChar char="•"/>
+            </a:pPr>
+            <a:r>
+              <a:rPr lang="sv-SE" dirty="0" err="1">
+                <a:solidFill>
+                  <a:schemeClr val="tx2">
+                    <a:lumMod val="75000"/>
+                    <a:lumOff val="25000"/>
+                  </a:schemeClr>
+                </a:solidFill>
+                <a:latin typeface="Gill Sans MT (Body)"/>
+                <a:cs typeface="Times New Roman" panose="02020603050405020304" pitchFamily="18" charset="0"/>
+              </a:rPr>
+              <a:t>search</a:t>
+            </a:r>
+            <a:r>
+              <a:rPr lang="sv-SE" dirty="0">
+                <a:solidFill>
+                  <a:schemeClr val="tx1">
+                    <a:lumMod val="65000"/>
+                    <a:lumOff val="35000"/>
+                  </a:schemeClr>
+                </a:solidFill>
+                <a:latin typeface="Gill Sans MT (Body)"/>
+                <a:cs typeface="Times New Roman" panose="02020603050405020304" pitchFamily="18" charset="0"/>
+              </a:rPr>
+              <a:t> variabeln får in sök texten via </a:t>
+            </a:r>
+            <a:r>
+              <a:rPr lang="sv-SE" dirty="0">
+                <a:solidFill>
+                  <a:schemeClr val="tx2">
+                    <a:lumMod val="75000"/>
+                    <a:lumOff val="25000"/>
+                  </a:schemeClr>
+                </a:solidFill>
+                <a:latin typeface="Gill Sans MT (Body)"/>
+                <a:cs typeface="Times New Roman" panose="02020603050405020304" pitchFamily="18" charset="0"/>
+              </a:rPr>
+              <a:t>v-</a:t>
+            </a:r>
+            <a:r>
+              <a:rPr lang="sv-SE" dirty="0" err="1">
+                <a:solidFill>
+                  <a:schemeClr val="tx2">
+                    <a:lumMod val="75000"/>
+                    <a:lumOff val="25000"/>
+                  </a:schemeClr>
+                </a:solidFill>
+                <a:latin typeface="Gill Sans MT (Body)"/>
+                <a:cs typeface="Times New Roman" panose="02020603050405020304" pitchFamily="18" charset="0"/>
+              </a:rPr>
+              <a:t>model</a:t>
+            </a:r>
+            <a:br>
+              <a:rPr lang="sv-SE" dirty="0">
+                <a:solidFill>
+                  <a:schemeClr val="tx1">
+                    <a:lumMod val="65000"/>
+                    <a:lumOff val="35000"/>
+                  </a:schemeClr>
+                </a:solidFill>
+                <a:latin typeface="Gill Sans MT (Body)"/>
+                <a:cs typeface="Times New Roman" panose="02020603050405020304" pitchFamily="18" charset="0"/>
+              </a:rPr>
+            </a:br>
+            <a:endParaRPr lang="sv-SE" dirty="0">
+              <a:solidFill>
+                <a:schemeClr val="tx1">
+                  <a:lumMod val="65000"/>
+                  <a:lumOff val="35000"/>
+                </a:schemeClr>
+              </a:solidFill>
+              <a:latin typeface="Gill Sans MT (Body)"/>
+              <a:cs typeface="Times New Roman" panose="02020603050405020304" pitchFamily="18" charset="0"/>
+            </a:endParaRPr>
+          </a:p>
+          <a:p>
+            <a:pPr marL="285750" indent="-285750">
+              <a:buFont typeface="Arial" panose="020B0604020202020204" pitchFamily="34" charset="0"/>
+              <a:buChar char="•"/>
+            </a:pPr>
+            <a:r>
+              <a:rPr lang="sv-SE" dirty="0" err="1">
+                <a:solidFill>
+                  <a:schemeClr val="tx2">
+                    <a:lumMod val="75000"/>
+                    <a:lumOff val="25000"/>
+                  </a:schemeClr>
+                </a:solidFill>
+                <a:latin typeface="Gill Sans MT (Body)"/>
+                <a:cs typeface="Times New Roman" panose="02020603050405020304" pitchFamily="18" charset="0"/>
+              </a:rPr>
+              <a:t>watch</a:t>
+            </a:r>
+            <a:r>
+              <a:rPr lang="sv-SE" dirty="0">
+                <a:solidFill>
+                  <a:schemeClr val="tx1">
+                    <a:lumMod val="65000"/>
+                    <a:lumOff val="35000"/>
+                  </a:schemeClr>
+                </a:solidFill>
+                <a:latin typeface="Gill Sans MT (Body)"/>
+                <a:cs typeface="Times New Roman" panose="02020603050405020304" pitchFamily="18" charset="0"/>
+              </a:rPr>
+              <a:t> funktionen lyssnar på </a:t>
+            </a:r>
+            <a:r>
+              <a:rPr lang="sv-SE" dirty="0" err="1">
+                <a:solidFill>
+                  <a:schemeClr val="tx2">
+                    <a:lumMod val="75000"/>
+                    <a:lumOff val="25000"/>
+                  </a:schemeClr>
+                </a:solidFill>
+                <a:latin typeface="Gill Sans MT (Body)"/>
+                <a:cs typeface="Times New Roman" panose="02020603050405020304" pitchFamily="18" charset="0"/>
+              </a:rPr>
+              <a:t>search</a:t>
+            </a:r>
+            <a:r>
+              <a:rPr lang="sv-SE" dirty="0">
+                <a:solidFill>
+                  <a:schemeClr val="tx1">
+                    <a:lumMod val="65000"/>
+                    <a:lumOff val="35000"/>
+                  </a:schemeClr>
+                </a:solidFill>
+                <a:latin typeface="Gill Sans MT (Body)"/>
+                <a:cs typeface="Times New Roman" panose="02020603050405020304" pitchFamily="18" charset="0"/>
+              </a:rPr>
+              <a:t> variabeln och sedan uppdaterar den </a:t>
+            </a:r>
+            <a:r>
+              <a:rPr lang="sv-SE" dirty="0" err="1">
+                <a:solidFill>
+                  <a:schemeClr val="tx2">
+                    <a:lumMod val="75000"/>
+                    <a:lumOff val="25000"/>
+                  </a:schemeClr>
+                </a:solidFill>
+                <a:latin typeface="Gill Sans MT (Body)"/>
+                <a:cs typeface="Times New Roman" panose="02020603050405020304" pitchFamily="18" charset="0"/>
+              </a:rPr>
+              <a:t>filteredStudents</a:t>
+            </a:r>
+            <a:r>
+              <a:rPr lang="sv-SE" dirty="0">
+                <a:solidFill>
+                  <a:schemeClr val="tx1">
+                    <a:lumMod val="65000"/>
+                    <a:lumOff val="35000"/>
+                  </a:schemeClr>
+                </a:solidFill>
+                <a:latin typeface="Gill Sans MT (Body)"/>
+                <a:cs typeface="Times New Roman" panose="02020603050405020304" pitchFamily="18" charset="0"/>
+              </a:rPr>
+              <a:t> med studenterna som innehåller sök texten.</a:t>
+            </a:r>
+            <a:br>
+              <a:rPr lang="sv-SE" dirty="0">
+                <a:solidFill>
+                  <a:schemeClr val="tx1">
+                    <a:lumMod val="65000"/>
+                    <a:lumOff val="35000"/>
+                  </a:schemeClr>
+                </a:solidFill>
+                <a:latin typeface="Gill Sans MT (Body)"/>
+                <a:cs typeface="Times New Roman" panose="02020603050405020304" pitchFamily="18" charset="0"/>
+              </a:rPr>
+            </a:br>
+            <a:endParaRPr lang="sv-SE" dirty="0">
+              <a:solidFill>
+                <a:schemeClr val="tx1">
+                  <a:lumMod val="65000"/>
+                  <a:lumOff val="35000"/>
+                </a:schemeClr>
+              </a:solidFill>
+              <a:latin typeface="Gill Sans MT (Body)"/>
+              <a:cs typeface="Times New Roman" panose="02020603050405020304" pitchFamily="18" charset="0"/>
+            </a:endParaRPr>
+          </a:p>
+          <a:p>
+            <a:pPr marL="285750" indent="-285750">
+              <a:buFont typeface="Arial" panose="020B0604020202020204" pitchFamily="34" charset="0"/>
+              <a:buChar char="•"/>
+            </a:pPr>
+            <a:r>
+              <a:rPr lang="sv-SE" dirty="0" err="1">
+                <a:solidFill>
+                  <a:schemeClr val="tx2">
+                    <a:lumMod val="75000"/>
+                    <a:lumOff val="25000"/>
+                  </a:schemeClr>
+                </a:solidFill>
+                <a:latin typeface="Gill Sans MT (Body)"/>
+                <a:cs typeface="Times New Roman" panose="02020603050405020304" pitchFamily="18" charset="0"/>
+              </a:rPr>
+              <a:t>filteredStudents</a:t>
+            </a:r>
+            <a:r>
+              <a:rPr lang="sv-SE" dirty="0">
+                <a:solidFill>
+                  <a:schemeClr val="tx1">
+                    <a:lumMod val="65000"/>
+                    <a:lumOff val="35000"/>
+                  </a:schemeClr>
+                </a:solidFill>
+                <a:latin typeface="Gill Sans MT (Body)"/>
+                <a:cs typeface="Times New Roman" panose="02020603050405020304" pitchFamily="18" charset="0"/>
+              </a:rPr>
+              <a:t> uppdateras sedan i html med </a:t>
+            </a:r>
+            <a:r>
+              <a:rPr lang="sv-SE" dirty="0">
+                <a:solidFill>
+                  <a:schemeClr val="tx2">
+                    <a:lumMod val="75000"/>
+                    <a:lumOff val="25000"/>
+                  </a:schemeClr>
+                </a:solidFill>
+                <a:latin typeface="Gill Sans MT (Body)"/>
+                <a:cs typeface="Times New Roman" panose="02020603050405020304" pitchFamily="18" charset="0"/>
+              </a:rPr>
+              <a:t>v-for</a:t>
+            </a:r>
+            <a:r>
+              <a:rPr lang="sv-SE" dirty="0">
+                <a:solidFill>
+                  <a:schemeClr val="tx1">
+                    <a:lumMod val="65000"/>
+                    <a:lumOff val="35000"/>
+                  </a:schemeClr>
+                </a:solidFill>
+                <a:latin typeface="Gill Sans MT (Body)"/>
+                <a:cs typeface="Times New Roman" panose="02020603050405020304" pitchFamily="18" charset="0"/>
+              </a:rPr>
+              <a:t> loopen på li-taggen.</a:t>
+            </a:r>
+          </a:p>
+        </p:txBody>
+      </p:sp>
+      <p:sp>
+        <p:nvSpPr>
+          <p:cNvPr id="6" name="Title 1">
+            <a:extLst>
+              <a:ext uri="{FF2B5EF4-FFF2-40B4-BE49-F238E27FC236}">
+                <a16:creationId xmlns:a16="http://schemas.microsoft.com/office/drawing/2014/main" id="{E8713810-0AB5-24EE-B2B9-AA0218CDF0DA}"/>
+              </a:ext>
+            </a:extLst>
+          </p:cNvPr>
+          <p:cNvSpPr>
+            <a:spLocks noGrp="1"/>
+          </p:cNvSpPr>
+          <p:nvPr>
+            <p:ph type="title"/>
+          </p:nvPr>
+        </p:nvSpPr>
+        <p:spPr>
+          <a:xfrm>
+            <a:off x="3189551" y="279835"/>
+            <a:ext cx="5592088" cy="596023"/>
+          </a:xfrm>
+        </p:spPr>
+        <p:txBody>
+          <a:bodyPr>
+            <a:normAutofit fontScale="90000"/>
+          </a:bodyPr>
+          <a:lstStyle/>
+          <a:p>
+            <a:pPr algn="ctr"/>
+            <a:r>
+              <a:rPr lang="en-US" sz="4000" dirty="0">
+                <a:latin typeface="Gill Sans MT (Body)"/>
+              </a:rPr>
+              <a:t>Watchers</a:t>
+            </a:r>
+          </a:p>
+        </p:txBody>
+      </p:sp>
+    </p:spTree>
+    <p:extLst>
+      <p:ext uri="{BB962C8B-B14F-4D97-AF65-F5344CB8AC3E}">
+        <p14:creationId xmlns:p14="http://schemas.microsoft.com/office/powerpoint/2010/main" val="1052367140"/>
+      </p:ext>
+    </p:extLst>
+  </p:cSld>
+  <p:clrMapOvr>
+    <a:masterClrMapping/>
+  </p:clrMapOvr>
+</p:sld>
+</file>
+
+<file path=ppt/slides/slide18.xml><?xml version="1.0" encoding="utf-8"?>
 <p:sld xmlns:a="http://schemas.openxmlformats.org/drawingml/2006/main" xmlns:r="http://schemas.openxmlformats.org/officeDocument/2006/relationships" xmlns:p="http://schemas.openxmlformats.org/presentationml/2006/main">
   <p:cSld>
     <p:spTree>
@@ -9755,7 +11000,7 @@
 </p:sld>
 </file>
 
-<file path=ppt/slides/slide16.xml><?xml version="1.0" encoding="utf-8"?>
+<file path=ppt/slides/slide19.xml><?xml version="1.0" encoding="utf-8"?>
 <p:sld xmlns:a="http://schemas.openxmlformats.org/drawingml/2006/main" xmlns:r="http://schemas.openxmlformats.org/officeDocument/2006/relationships" xmlns:p="http://schemas.openxmlformats.org/presentationml/2006/main">
   <p:cSld>
     <p:spTree>
@@ -10184,7 +11429,284 @@
 </p:sld>
 </file>
 
-<file path=ppt/slides/slide17.xml><?xml version="1.0" encoding="utf-8"?>
+<file path=ppt/slides/slide2.xml><?xml version="1.0" encoding="utf-8"?>
+<p:sld xmlns:a="http://schemas.openxmlformats.org/drawingml/2006/main" xmlns:r="http://schemas.openxmlformats.org/officeDocument/2006/relationships" xmlns:p="http://schemas.openxmlformats.org/presentationml/2006/main">
+  <p:cSld>
+    <p:spTree>
+      <p:nvGrpSpPr>
+        <p:cNvPr id="1" name=""/>
+        <p:cNvGrpSpPr/>
+        <p:nvPr/>
+      </p:nvGrpSpPr>
+      <p:grpSpPr>
+        <a:xfrm>
+          <a:off x="0" y="0"/>
+          <a:ext cx="0" cy="0"/>
+          <a:chOff x="0" y="0"/>
+          <a:chExt cx="0" cy="0"/>
+        </a:xfrm>
+      </p:grpSpPr>
+      <p:sp>
+        <p:nvSpPr>
+          <p:cNvPr id="2" name="Title 1">
+            <a:extLst>
+              <a:ext uri="{FF2B5EF4-FFF2-40B4-BE49-F238E27FC236}">
+                <a16:creationId xmlns:a16="http://schemas.microsoft.com/office/drawing/2014/main" id="{8EDAE078-3CB3-4D1F-8E4E-75C6D5DA8D1A}"/>
+              </a:ext>
+            </a:extLst>
+          </p:cNvPr>
+          <p:cNvSpPr>
+            <a:spLocks noGrp="1"/>
+          </p:cNvSpPr>
+          <p:nvPr>
+            <p:ph type="title"/>
+          </p:nvPr>
+        </p:nvSpPr>
+        <p:spPr>
+          <a:xfrm>
+            <a:off x="1203434" y="382385"/>
+            <a:ext cx="10893973" cy="596023"/>
+          </a:xfrm>
+        </p:spPr>
+        <p:txBody>
+          <a:bodyPr>
+            <a:normAutofit fontScale="90000"/>
+          </a:bodyPr>
+          <a:lstStyle/>
+          <a:p>
+            <a:pPr algn="ctr"/>
+            <a:r>
+              <a:rPr lang="en-US" sz="4000" dirty="0">
+                <a:latin typeface="Gill Sans MT (Body)"/>
+              </a:rPr>
+              <a:t>Vue.js</a:t>
+            </a:r>
+          </a:p>
+        </p:txBody>
+      </p:sp>
+      <p:sp>
+        <p:nvSpPr>
+          <p:cNvPr id="3" name="Content Placeholder 2">
+            <a:extLst>
+              <a:ext uri="{FF2B5EF4-FFF2-40B4-BE49-F238E27FC236}">
+                <a16:creationId xmlns:a16="http://schemas.microsoft.com/office/drawing/2014/main" id="{6797BDE5-A8BD-4286-8221-21664A41BD79}"/>
+              </a:ext>
+            </a:extLst>
+          </p:cNvPr>
+          <p:cNvSpPr>
+            <a:spLocks noGrp="1"/>
+          </p:cNvSpPr>
+          <p:nvPr>
+            <p:ph idx="1"/>
+          </p:nvPr>
+        </p:nvSpPr>
+        <p:spPr>
+          <a:xfrm>
+            <a:off x="1444183" y="1085228"/>
+            <a:ext cx="10178322" cy="5508077"/>
+          </a:xfrm>
+        </p:spPr>
+        <p:txBody>
+          <a:bodyPr>
+            <a:normAutofit fontScale="77500" lnSpcReduction="20000"/>
+          </a:bodyPr>
+          <a:lstStyle/>
+          <a:p>
+            <a:r>
+              <a:rPr lang="sv-SE" sz="2800" dirty="0" err="1">
+                <a:latin typeface="Gill Sans MT (Body)"/>
+                <a:cs typeface="Times New Roman" panose="02020603050405020304" pitchFamily="18" charset="0"/>
+              </a:rPr>
+              <a:t>Vue</a:t>
+            </a:r>
+            <a:r>
+              <a:rPr lang="sv-SE" sz="2800" dirty="0">
+                <a:latin typeface="Gill Sans MT (Body)"/>
+                <a:cs typeface="Times New Roman" panose="02020603050405020304" pitchFamily="18" charset="0"/>
+              </a:rPr>
+              <a:t> är ett </a:t>
+            </a:r>
+            <a:r>
+              <a:rPr lang="sv-SE" sz="2800" u="sng" dirty="0">
+                <a:latin typeface="Gill Sans MT (Body)"/>
+                <a:cs typeface="Times New Roman" panose="02020603050405020304" pitchFamily="18" charset="0"/>
+              </a:rPr>
+              <a:t>progressivt</a:t>
+            </a:r>
+            <a:r>
+              <a:rPr lang="sv-SE" sz="2800" dirty="0">
+                <a:latin typeface="Gill Sans MT (Body)"/>
+                <a:cs typeface="Times New Roman" panose="02020603050405020304" pitchFamily="18" charset="0"/>
+              </a:rPr>
+              <a:t> ramverk för att bygga användargränssnitt</a:t>
+            </a:r>
+          </a:p>
+          <a:p>
+            <a:endParaRPr lang="en-US" sz="2800" dirty="0">
+              <a:latin typeface="Gill Sans MT (Body)"/>
+              <a:cs typeface="Times New Roman" panose="02020603050405020304" pitchFamily="18" charset="0"/>
+            </a:endParaRPr>
+          </a:p>
+          <a:p>
+            <a:r>
+              <a:rPr lang="sv-SE" sz="2800" dirty="0" err="1">
+                <a:latin typeface="Gill Sans MT (Body)"/>
+                <a:cs typeface="Times New Roman" panose="02020603050405020304" pitchFamily="18" charset="0"/>
+              </a:rPr>
+              <a:t>Core</a:t>
+            </a:r>
+            <a:r>
+              <a:rPr lang="sv-SE" sz="2800" dirty="0">
+                <a:latin typeface="Gill Sans MT (Body)"/>
+                <a:cs typeface="Times New Roman" panose="02020603050405020304" pitchFamily="18" charset="0"/>
+              </a:rPr>
+              <a:t> delen av ramverket är endast fokuserat på visningsskiktet och är enkelt att komma igång med</a:t>
+            </a:r>
+          </a:p>
+          <a:p>
+            <a:endParaRPr lang="sv-SE" sz="2800" dirty="0">
+              <a:latin typeface="Gill Sans MT (Body)"/>
+              <a:cs typeface="Times New Roman" panose="02020603050405020304" pitchFamily="18" charset="0"/>
+            </a:endParaRPr>
+          </a:p>
+          <a:p>
+            <a:r>
+              <a:rPr lang="sv-SE" sz="2800" dirty="0" err="1">
+                <a:latin typeface="Gill Sans MT (Body)"/>
+                <a:cs typeface="Times New Roman" panose="02020603050405020304" pitchFamily="18" charset="0"/>
+              </a:rPr>
+              <a:t>Vue</a:t>
+            </a:r>
+            <a:r>
+              <a:rPr lang="sv-SE" sz="2800" dirty="0">
+                <a:latin typeface="Gill Sans MT (Body)"/>
+                <a:cs typeface="Times New Roman" panose="02020603050405020304" pitchFamily="18" charset="0"/>
+              </a:rPr>
+              <a:t> är också fullt kapabelt att bygga sofistikerade applikationer (</a:t>
+            </a:r>
+            <a:r>
+              <a:rPr lang="sv-SE" sz="2800" dirty="0" err="1">
+                <a:latin typeface="Gill Sans MT (Body)"/>
+                <a:cs typeface="Times New Roman" panose="02020603050405020304" pitchFamily="18" charset="0"/>
+              </a:rPr>
+              <a:t>Single</a:t>
+            </a:r>
+            <a:r>
+              <a:rPr lang="sv-SE" sz="2800" dirty="0">
+                <a:latin typeface="Gill Sans MT (Body)"/>
+                <a:cs typeface="Times New Roman" panose="02020603050405020304" pitchFamily="18" charset="0"/>
+              </a:rPr>
+              <a:t> Page </a:t>
+            </a:r>
+            <a:r>
+              <a:rPr lang="sv-SE" sz="2800" dirty="0" err="1">
+                <a:latin typeface="Gill Sans MT (Body)"/>
+                <a:cs typeface="Times New Roman" panose="02020603050405020304" pitchFamily="18" charset="0"/>
+              </a:rPr>
+              <a:t>Applications</a:t>
+            </a:r>
+            <a:r>
+              <a:rPr lang="sv-SE" sz="2800" dirty="0">
+                <a:latin typeface="Gill Sans MT (Body)"/>
+                <a:cs typeface="Times New Roman" panose="02020603050405020304" pitchFamily="18" charset="0"/>
+              </a:rPr>
+              <a:t>)</a:t>
+            </a:r>
+          </a:p>
+          <a:p>
+            <a:endParaRPr lang="sv-SE" sz="2800" dirty="0">
+              <a:latin typeface="Gill Sans MT (Body)"/>
+              <a:cs typeface="Times New Roman" panose="02020603050405020304" pitchFamily="18" charset="0"/>
+            </a:endParaRPr>
+          </a:p>
+          <a:p>
+            <a:r>
+              <a:rPr lang="sv-SE" sz="2800" dirty="0" err="1">
+                <a:latin typeface="Gill Sans MT (Body)"/>
+                <a:cs typeface="Times New Roman" panose="02020603050405020304" pitchFamily="18" charset="0"/>
+              </a:rPr>
+              <a:t>Vue</a:t>
+            </a:r>
+            <a:r>
+              <a:rPr lang="sv-SE" sz="2800" dirty="0">
+                <a:latin typeface="Gill Sans MT (Body)"/>
+                <a:cs typeface="Times New Roman" panose="02020603050405020304" pitchFamily="18" charset="0"/>
+              </a:rPr>
+              <a:t> är flexibelt och enkelt</a:t>
+            </a:r>
+          </a:p>
+          <a:p>
+            <a:endParaRPr lang="sv-SE" sz="2800" dirty="0">
+              <a:latin typeface="Gill Sans MT (Body)"/>
+              <a:cs typeface="Times New Roman" panose="02020603050405020304" pitchFamily="18" charset="0"/>
+            </a:endParaRPr>
+          </a:p>
+          <a:p>
+            <a:r>
+              <a:rPr lang="sv-SE" sz="2800" dirty="0" err="1">
+                <a:latin typeface="Gill Sans MT (Body)"/>
+                <a:cs typeface="Times New Roman" panose="02020603050405020304" pitchFamily="18" charset="0"/>
+              </a:rPr>
+              <a:t>Vue</a:t>
+            </a:r>
+            <a:r>
+              <a:rPr lang="sv-SE" sz="2800" dirty="0">
+                <a:latin typeface="Gill Sans MT (Body)"/>
+                <a:cs typeface="Times New Roman" panose="02020603050405020304" pitchFamily="18" charset="0"/>
+              </a:rPr>
+              <a:t> tillåter dig att använde det i en del av en befintlig applikation (plugin) eller hantera hela applikationen från start (CLI)</a:t>
+            </a:r>
+          </a:p>
+          <a:p>
+            <a:endParaRPr lang="sv-SE" sz="2800" dirty="0">
+              <a:latin typeface="Gill Sans MT (Body)"/>
+              <a:cs typeface="Times New Roman" panose="02020603050405020304" pitchFamily="18" charset="0"/>
+            </a:endParaRPr>
+          </a:p>
+          <a:p>
+            <a:r>
+              <a:rPr lang="sv-SE" sz="2800" dirty="0" err="1">
+                <a:latin typeface="Gill Sans MT (Body)"/>
+                <a:cs typeface="Times New Roman" panose="02020603050405020304" pitchFamily="18" charset="0"/>
+              </a:rPr>
+              <a:t>Vue-Directives</a:t>
+            </a:r>
+            <a:r>
+              <a:rPr lang="sv-SE" sz="2800" dirty="0">
+                <a:latin typeface="Gill Sans MT (Body)"/>
+                <a:cs typeface="Times New Roman" panose="02020603050405020304" pitchFamily="18" charset="0"/>
+              </a:rPr>
+              <a:t> är den del av Vue.js som lägger speciell betydelse och beteende till vanliga html-element på sidan.</a:t>
+            </a:r>
+          </a:p>
+          <a:p>
+            <a:endParaRPr lang="sv-SE" sz="2800" dirty="0">
+              <a:latin typeface="Gill Sans MT (Body)"/>
+              <a:cs typeface="Times New Roman" panose="02020603050405020304" pitchFamily="18" charset="0"/>
+            </a:endParaRPr>
+          </a:p>
+          <a:p>
+            <a:endParaRPr lang="en-US" sz="2800" dirty="0">
+              <a:latin typeface="Gill Sans MT (Body)"/>
+              <a:cs typeface="Times New Roman" panose="02020603050405020304" pitchFamily="18" charset="0"/>
+            </a:endParaRPr>
+          </a:p>
+        </p:txBody>
+      </p:sp>
+    </p:spTree>
+    <p:extLst>
+      <p:ext uri="{BB962C8B-B14F-4D97-AF65-F5344CB8AC3E}">
+        <p14:creationId xmlns:p14="http://schemas.microsoft.com/office/powerpoint/2010/main" val="1650278780"/>
+      </p:ext>
+    </p:extLst>
+  </p:cSld>
+  <p:clrMapOvr>
+    <a:masterClrMapping/>
+  </p:clrMapOvr>
+</p:sld>
+</file>
+
+<file path=ppt/slides/slide20.xml><?xml version="1.0" encoding="utf-8"?>
 <p:sld xmlns:a="http://schemas.openxmlformats.org/drawingml/2006/main" xmlns:r="http://schemas.openxmlformats.org/officeDocument/2006/relationships" xmlns:p="http://schemas.openxmlformats.org/presentationml/2006/main">
   <p:cSld>
     <p:spTree>
@@ -10753,7 +12275,7 @@
 </p:sld>
 </file>
 
-<file path=ppt/slides/slide18.xml><?xml version="1.0" encoding="utf-8"?>
+<file path=ppt/slides/slide21.xml><?xml version="1.0" encoding="utf-8"?>
 <p:sld xmlns:a="http://schemas.openxmlformats.org/drawingml/2006/main" xmlns:r="http://schemas.openxmlformats.org/officeDocument/2006/relationships" xmlns:p="http://schemas.openxmlformats.org/presentationml/2006/main">
   <p:cSld>
     <p:spTree>
@@ -10819,7 +12341,7 @@
 </p:sld>
 </file>
 
-<file path=ppt/slides/slide19.xml><?xml version="1.0" encoding="utf-8"?>
+<file path=ppt/slides/slide22.xml><?xml version="1.0" encoding="utf-8"?>
 <p:sld xmlns:a="http://schemas.openxmlformats.org/drawingml/2006/main" xmlns:r="http://schemas.openxmlformats.org/officeDocument/2006/relationships" xmlns:p="http://schemas.openxmlformats.org/presentationml/2006/main">
   <p:cSld>
     <p:spTree>
@@ -11714,284 +13236,7 @@
 </p:sld>
 </file>
 
-<file path=ppt/slides/slide2.xml><?xml version="1.0" encoding="utf-8"?>
-<p:sld xmlns:a="http://schemas.openxmlformats.org/drawingml/2006/main" xmlns:r="http://schemas.openxmlformats.org/officeDocument/2006/relationships" xmlns:p="http://schemas.openxmlformats.org/presentationml/2006/main">
-  <p:cSld>
-    <p:spTree>
-      <p:nvGrpSpPr>
-        <p:cNvPr id="1" name=""/>
-        <p:cNvGrpSpPr/>
-        <p:nvPr/>
-      </p:nvGrpSpPr>
-      <p:grpSpPr>
-        <a:xfrm>
-          <a:off x="0" y="0"/>
-          <a:ext cx="0" cy="0"/>
-          <a:chOff x="0" y="0"/>
-          <a:chExt cx="0" cy="0"/>
-        </a:xfrm>
-      </p:grpSpPr>
-      <p:sp>
-        <p:nvSpPr>
-          <p:cNvPr id="2" name="Title 1">
-            <a:extLst>
-              <a:ext uri="{FF2B5EF4-FFF2-40B4-BE49-F238E27FC236}">
-                <a16:creationId xmlns:a16="http://schemas.microsoft.com/office/drawing/2014/main" id="{8EDAE078-3CB3-4D1F-8E4E-75C6D5DA8D1A}"/>
-              </a:ext>
-            </a:extLst>
-          </p:cNvPr>
-          <p:cNvSpPr>
-            <a:spLocks noGrp="1"/>
-          </p:cNvSpPr>
-          <p:nvPr>
-            <p:ph type="title"/>
-          </p:nvPr>
-        </p:nvSpPr>
-        <p:spPr>
-          <a:xfrm>
-            <a:off x="1203434" y="382385"/>
-            <a:ext cx="10893973" cy="596023"/>
-          </a:xfrm>
-        </p:spPr>
-        <p:txBody>
-          <a:bodyPr>
-            <a:normAutofit fontScale="90000"/>
-          </a:bodyPr>
-          <a:lstStyle/>
-          <a:p>
-            <a:pPr algn="ctr"/>
-            <a:r>
-              <a:rPr lang="en-US" sz="4000" dirty="0">
-                <a:latin typeface="Gill Sans MT (Body)"/>
-              </a:rPr>
-              <a:t>Vue.js</a:t>
-            </a:r>
-          </a:p>
-        </p:txBody>
-      </p:sp>
-      <p:sp>
-        <p:nvSpPr>
-          <p:cNvPr id="3" name="Content Placeholder 2">
-            <a:extLst>
-              <a:ext uri="{FF2B5EF4-FFF2-40B4-BE49-F238E27FC236}">
-                <a16:creationId xmlns:a16="http://schemas.microsoft.com/office/drawing/2014/main" id="{6797BDE5-A8BD-4286-8221-21664A41BD79}"/>
-              </a:ext>
-            </a:extLst>
-          </p:cNvPr>
-          <p:cNvSpPr>
-            <a:spLocks noGrp="1"/>
-          </p:cNvSpPr>
-          <p:nvPr>
-            <p:ph idx="1"/>
-          </p:nvPr>
-        </p:nvSpPr>
-        <p:spPr>
-          <a:xfrm>
-            <a:off x="1444183" y="1085228"/>
-            <a:ext cx="10178322" cy="5508077"/>
-          </a:xfrm>
-        </p:spPr>
-        <p:txBody>
-          <a:bodyPr>
-            <a:normAutofit fontScale="77500" lnSpcReduction="20000"/>
-          </a:bodyPr>
-          <a:lstStyle/>
-          <a:p>
-            <a:r>
-              <a:rPr lang="sv-SE" sz="2800" dirty="0" err="1">
-                <a:latin typeface="Gill Sans MT (Body)"/>
-                <a:cs typeface="Times New Roman" panose="02020603050405020304" pitchFamily="18" charset="0"/>
-              </a:rPr>
-              <a:t>Vue</a:t>
-            </a:r>
-            <a:r>
-              <a:rPr lang="sv-SE" sz="2800" dirty="0">
-                <a:latin typeface="Gill Sans MT (Body)"/>
-                <a:cs typeface="Times New Roman" panose="02020603050405020304" pitchFamily="18" charset="0"/>
-              </a:rPr>
-              <a:t> är ett </a:t>
-            </a:r>
-            <a:r>
-              <a:rPr lang="sv-SE" sz="2800" u="sng" dirty="0">
-                <a:latin typeface="Gill Sans MT (Body)"/>
-                <a:cs typeface="Times New Roman" panose="02020603050405020304" pitchFamily="18" charset="0"/>
-              </a:rPr>
-              <a:t>progressivt</a:t>
-            </a:r>
-            <a:r>
-              <a:rPr lang="sv-SE" sz="2800" dirty="0">
-                <a:latin typeface="Gill Sans MT (Body)"/>
-                <a:cs typeface="Times New Roman" panose="02020603050405020304" pitchFamily="18" charset="0"/>
-              </a:rPr>
-              <a:t> ramverk för att bygga användargränssnitt</a:t>
-            </a:r>
-          </a:p>
-          <a:p>
-            <a:endParaRPr lang="en-US" sz="2800" dirty="0">
-              <a:latin typeface="Gill Sans MT (Body)"/>
-              <a:cs typeface="Times New Roman" panose="02020603050405020304" pitchFamily="18" charset="0"/>
-            </a:endParaRPr>
-          </a:p>
-          <a:p>
-            <a:r>
-              <a:rPr lang="sv-SE" sz="2800" dirty="0" err="1">
-                <a:latin typeface="Gill Sans MT (Body)"/>
-                <a:cs typeface="Times New Roman" panose="02020603050405020304" pitchFamily="18" charset="0"/>
-              </a:rPr>
-              <a:t>Core</a:t>
-            </a:r>
-            <a:r>
-              <a:rPr lang="sv-SE" sz="2800" dirty="0">
-                <a:latin typeface="Gill Sans MT (Body)"/>
-                <a:cs typeface="Times New Roman" panose="02020603050405020304" pitchFamily="18" charset="0"/>
-              </a:rPr>
-              <a:t> delen av ramverket är endast fokuserat på visningsskiktet och är enkelt att komma igång med</a:t>
-            </a:r>
-          </a:p>
-          <a:p>
-            <a:endParaRPr lang="sv-SE" sz="2800" dirty="0">
-              <a:latin typeface="Gill Sans MT (Body)"/>
-              <a:cs typeface="Times New Roman" panose="02020603050405020304" pitchFamily="18" charset="0"/>
-            </a:endParaRPr>
-          </a:p>
-          <a:p>
-            <a:r>
-              <a:rPr lang="sv-SE" sz="2800" dirty="0" err="1">
-                <a:latin typeface="Gill Sans MT (Body)"/>
-                <a:cs typeface="Times New Roman" panose="02020603050405020304" pitchFamily="18" charset="0"/>
-              </a:rPr>
-              <a:t>Vue</a:t>
-            </a:r>
-            <a:r>
-              <a:rPr lang="sv-SE" sz="2800" dirty="0">
-                <a:latin typeface="Gill Sans MT (Body)"/>
-                <a:cs typeface="Times New Roman" panose="02020603050405020304" pitchFamily="18" charset="0"/>
-              </a:rPr>
-              <a:t> är också fullt kapabelt att bygga sofistikerade applikationer (</a:t>
-            </a:r>
-            <a:r>
-              <a:rPr lang="sv-SE" sz="2800" dirty="0" err="1">
-                <a:latin typeface="Gill Sans MT (Body)"/>
-                <a:cs typeface="Times New Roman" panose="02020603050405020304" pitchFamily="18" charset="0"/>
-              </a:rPr>
-              <a:t>Single</a:t>
-            </a:r>
-            <a:r>
-              <a:rPr lang="sv-SE" sz="2800" dirty="0">
-                <a:latin typeface="Gill Sans MT (Body)"/>
-                <a:cs typeface="Times New Roman" panose="02020603050405020304" pitchFamily="18" charset="0"/>
-              </a:rPr>
-              <a:t> Page </a:t>
-            </a:r>
-            <a:r>
-              <a:rPr lang="sv-SE" sz="2800" dirty="0" err="1">
-                <a:latin typeface="Gill Sans MT (Body)"/>
-                <a:cs typeface="Times New Roman" panose="02020603050405020304" pitchFamily="18" charset="0"/>
-              </a:rPr>
-              <a:t>Applications</a:t>
-            </a:r>
-            <a:r>
-              <a:rPr lang="sv-SE" sz="2800" dirty="0">
-                <a:latin typeface="Gill Sans MT (Body)"/>
-                <a:cs typeface="Times New Roman" panose="02020603050405020304" pitchFamily="18" charset="0"/>
-              </a:rPr>
-              <a:t>)</a:t>
-            </a:r>
-          </a:p>
-          <a:p>
-            <a:endParaRPr lang="sv-SE" sz="2800" dirty="0">
-              <a:latin typeface="Gill Sans MT (Body)"/>
-              <a:cs typeface="Times New Roman" panose="02020603050405020304" pitchFamily="18" charset="0"/>
-            </a:endParaRPr>
-          </a:p>
-          <a:p>
-            <a:r>
-              <a:rPr lang="sv-SE" sz="2800" dirty="0" err="1">
-                <a:latin typeface="Gill Sans MT (Body)"/>
-                <a:cs typeface="Times New Roman" panose="02020603050405020304" pitchFamily="18" charset="0"/>
-              </a:rPr>
-              <a:t>Vue</a:t>
-            </a:r>
-            <a:r>
-              <a:rPr lang="sv-SE" sz="2800" dirty="0">
-                <a:latin typeface="Gill Sans MT (Body)"/>
-                <a:cs typeface="Times New Roman" panose="02020603050405020304" pitchFamily="18" charset="0"/>
-              </a:rPr>
-              <a:t> är flexibelt och enkelt</a:t>
-            </a:r>
-          </a:p>
-          <a:p>
-            <a:endParaRPr lang="sv-SE" sz="2800" dirty="0">
-              <a:latin typeface="Gill Sans MT (Body)"/>
-              <a:cs typeface="Times New Roman" panose="02020603050405020304" pitchFamily="18" charset="0"/>
-            </a:endParaRPr>
-          </a:p>
-          <a:p>
-            <a:r>
-              <a:rPr lang="sv-SE" sz="2800" dirty="0" err="1">
-                <a:latin typeface="Gill Sans MT (Body)"/>
-                <a:cs typeface="Times New Roman" panose="02020603050405020304" pitchFamily="18" charset="0"/>
-              </a:rPr>
-              <a:t>Vue</a:t>
-            </a:r>
-            <a:r>
-              <a:rPr lang="sv-SE" sz="2800" dirty="0">
-                <a:latin typeface="Gill Sans MT (Body)"/>
-                <a:cs typeface="Times New Roman" panose="02020603050405020304" pitchFamily="18" charset="0"/>
-              </a:rPr>
-              <a:t> tillåter dig att använde det i en del av en befintlig applikation (plugin) eller hantera hela applikationen från start (CLI)</a:t>
-            </a:r>
-          </a:p>
-          <a:p>
-            <a:endParaRPr lang="sv-SE" sz="2800" dirty="0">
-              <a:latin typeface="Gill Sans MT (Body)"/>
-              <a:cs typeface="Times New Roman" panose="02020603050405020304" pitchFamily="18" charset="0"/>
-            </a:endParaRPr>
-          </a:p>
-          <a:p>
-            <a:r>
-              <a:rPr lang="sv-SE" sz="2800" dirty="0" err="1">
-                <a:latin typeface="Gill Sans MT (Body)"/>
-                <a:cs typeface="Times New Roman" panose="02020603050405020304" pitchFamily="18" charset="0"/>
-              </a:rPr>
-              <a:t>Vue-Directives</a:t>
-            </a:r>
-            <a:r>
-              <a:rPr lang="sv-SE" sz="2800" dirty="0">
-                <a:latin typeface="Gill Sans MT (Body)"/>
-                <a:cs typeface="Times New Roman" panose="02020603050405020304" pitchFamily="18" charset="0"/>
-              </a:rPr>
-              <a:t> är den del av Vue.js som lägger speciell betydelse och beteende till vanliga html-element på sidan.</a:t>
-            </a:r>
-          </a:p>
-          <a:p>
-            <a:endParaRPr lang="sv-SE" sz="2800" dirty="0">
-              <a:latin typeface="Gill Sans MT (Body)"/>
-              <a:cs typeface="Times New Roman" panose="02020603050405020304" pitchFamily="18" charset="0"/>
-            </a:endParaRPr>
-          </a:p>
-          <a:p>
-            <a:endParaRPr lang="en-US" sz="2800" dirty="0">
-              <a:latin typeface="Gill Sans MT (Body)"/>
-              <a:cs typeface="Times New Roman" panose="02020603050405020304" pitchFamily="18" charset="0"/>
-            </a:endParaRPr>
-          </a:p>
-        </p:txBody>
-      </p:sp>
-    </p:spTree>
-    <p:extLst>
-      <p:ext uri="{BB962C8B-B14F-4D97-AF65-F5344CB8AC3E}">
-        <p14:creationId xmlns:p14="http://schemas.microsoft.com/office/powerpoint/2010/main" val="1650278780"/>
-      </p:ext>
-    </p:extLst>
-  </p:cSld>
-  <p:clrMapOvr>
-    <a:masterClrMapping/>
-  </p:clrMapOvr>
-</p:sld>
-</file>
-
-<file path=ppt/slides/slide20.xml><?xml version="1.0" encoding="utf-8"?>
+<file path=ppt/slides/slide23.xml><?xml version="1.0" encoding="utf-8"?>
 <p:sld xmlns:a="http://schemas.openxmlformats.org/drawingml/2006/main" xmlns:r="http://schemas.openxmlformats.org/officeDocument/2006/relationships" xmlns:p="http://schemas.openxmlformats.org/presentationml/2006/main">
   <p:cSld>
     <p:spTree>
@@ -12442,7 +13687,7 @@
 </p:sld>
 </file>
 
-<file path=ppt/slides/slide21.xml><?xml version="1.0" encoding="utf-8"?>
+<file path=ppt/slides/slide24.xml><?xml version="1.0" encoding="utf-8"?>
 <p:sld xmlns:a="http://schemas.openxmlformats.org/drawingml/2006/main" xmlns:r="http://schemas.openxmlformats.org/officeDocument/2006/relationships" xmlns:p="http://schemas.openxmlformats.org/presentationml/2006/main">
   <p:cSld>
     <p:spTree>
@@ -12893,7 +14138,7 @@
 </p:sld>
 </file>
 
-<file path=ppt/slides/slide22.xml><?xml version="1.0" encoding="utf-8"?>
+<file path=ppt/slides/slide25.xml><?xml version="1.0" encoding="utf-8"?>
 <p:sld xmlns:a="http://schemas.openxmlformats.org/drawingml/2006/main" xmlns:r="http://schemas.openxmlformats.org/officeDocument/2006/relationships" xmlns:p="http://schemas.openxmlformats.org/presentationml/2006/main">
   <p:cSld>
     <p:spTree>
@@ -13159,7 +14404,7 @@
 </p:sld>
 </file>
 
-<file path=ppt/slides/slide23.xml><?xml version="1.0" encoding="utf-8"?>
+<file path=ppt/slides/slide26.xml><?xml version="1.0" encoding="utf-8"?>
 <p:sld xmlns:a="http://schemas.openxmlformats.org/drawingml/2006/main" xmlns:r="http://schemas.openxmlformats.org/officeDocument/2006/relationships" xmlns:p="http://schemas.openxmlformats.org/presentationml/2006/main">
   <p:cSld>
     <p:spTree>
@@ -13455,7 +14700,7 @@
 </p:sld>
 </file>
 
-<file path=ppt/slides/slide24.xml><?xml version="1.0" encoding="utf-8"?>
+<file path=ppt/slides/slide27.xml><?xml version="1.0" encoding="utf-8"?>
 <p:sld xmlns:a="http://schemas.openxmlformats.org/drawingml/2006/main" xmlns:r="http://schemas.openxmlformats.org/officeDocument/2006/relationships" xmlns:p="http://schemas.openxmlformats.org/presentationml/2006/main">
   <p:cSld>
     <p:spTree>
@@ -13587,6 +14832,797 @@
     <p:extLst>
       <p:ext uri="{BB962C8B-B14F-4D97-AF65-F5344CB8AC3E}">
         <p14:creationId xmlns:p14="http://schemas.microsoft.com/office/powerpoint/2010/main" val="3383785063"/>
+      </p:ext>
+    </p:extLst>
+  </p:cSld>
+  <p:clrMapOvr>
+    <a:masterClrMapping/>
+  </p:clrMapOvr>
+</p:sld>
+</file>
+
+<file path=ppt/slides/slide28.xml><?xml version="1.0" encoding="utf-8"?>
+<p:sld xmlns:a="http://schemas.openxmlformats.org/drawingml/2006/main" xmlns:r="http://schemas.openxmlformats.org/officeDocument/2006/relationships" xmlns:p="http://schemas.openxmlformats.org/presentationml/2006/main">
+  <p:cSld>
+    <p:spTree>
+      <p:nvGrpSpPr>
+        <p:cNvPr id="1" name=""/>
+        <p:cNvGrpSpPr/>
+        <p:nvPr/>
+      </p:nvGrpSpPr>
+      <p:grpSpPr>
+        <a:xfrm>
+          <a:off x="0" y="0"/>
+          <a:ext cx="0" cy="0"/>
+          <a:chOff x="0" y="0"/>
+          <a:chExt cx="0" cy="0"/>
+        </a:xfrm>
+      </p:grpSpPr>
+      <p:sp>
+        <p:nvSpPr>
+          <p:cNvPr id="2" name="Title 1">
+            <a:extLst>
+              <a:ext uri="{FF2B5EF4-FFF2-40B4-BE49-F238E27FC236}">
+                <a16:creationId xmlns:a16="http://schemas.microsoft.com/office/drawing/2014/main" id="{8EDAE078-3CB3-4D1F-8E4E-75C6D5DA8D1A}"/>
+              </a:ext>
+            </a:extLst>
+          </p:cNvPr>
+          <p:cNvSpPr>
+            <a:spLocks noGrp="1"/>
+          </p:cNvSpPr>
+          <p:nvPr>
+            <p:ph type="title"/>
+          </p:nvPr>
+        </p:nvSpPr>
+        <p:spPr>
+          <a:xfrm>
+            <a:off x="1195045" y="292227"/>
+            <a:ext cx="10893973" cy="596023"/>
+          </a:xfrm>
+        </p:spPr>
+        <p:txBody>
+          <a:bodyPr>
+            <a:normAutofit fontScale="90000"/>
+          </a:bodyPr>
+          <a:lstStyle/>
+          <a:p>
+            <a:pPr algn="ctr"/>
+            <a:r>
+              <a:rPr lang="en-US" sz="4000" dirty="0" err="1">
+                <a:latin typeface="Gill Sans MT (Body)"/>
+              </a:rPr>
+              <a:t>Mappstruktur</a:t>
+            </a:r>
+            <a:r>
+              <a:rPr lang="en-US" sz="4000" dirty="0">
+                <a:latin typeface="Gill Sans MT (Body)"/>
+              </a:rPr>
+              <a:t> I </a:t>
+            </a:r>
+            <a:r>
+              <a:rPr lang="en-US" sz="4000" dirty="0" err="1">
+                <a:latin typeface="Gill Sans MT (Body)"/>
+              </a:rPr>
+              <a:t>ett</a:t>
+            </a:r>
+            <a:r>
+              <a:rPr lang="en-US" sz="4000" dirty="0">
+                <a:latin typeface="Gill Sans MT (Body)"/>
+              </a:rPr>
+              <a:t> Vue </a:t>
+            </a:r>
+            <a:r>
+              <a:rPr lang="en-US" sz="4000" dirty="0" err="1">
+                <a:latin typeface="Gill Sans MT (Body)"/>
+              </a:rPr>
+              <a:t>projekt</a:t>
+            </a:r>
+            <a:endParaRPr lang="en-US" sz="4000" dirty="0">
+              <a:latin typeface="Gill Sans MT (Body)"/>
+            </a:endParaRPr>
+          </a:p>
+        </p:txBody>
+      </p:sp>
+      <p:sp>
+        <p:nvSpPr>
+          <p:cNvPr id="3" name="Content Placeholder 2">
+            <a:extLst>
+              <a:ext uri="{FF2B5EF4-FFF2-40B4-BE49-F238E27FC236}">
+                <a16:creationId xmlns:a16="http://schemas.microsoft.com/office/drawing/2014/main" id="{BADF4A04-8223-49E2-A410-0D2B9F246536}"/>
+              </a:ext>
+            </a:extLst>
+          </p:cNvPr>
+          <p:cNvSpPr>
+            <a:spLocks noGrp="1"/>
+          </p:cNvSpPr>
+          <p:nvPr>
+            <p:ph idx="1"/>
+          </p:nvPr>
+        </p:nvSpPr>
+        <p:spPr>
+          <a:xfrm>
+            <a:off x="1251678" y="1994071"/>
+            <a:ext cx="6635022" cy="3885521"/>
+          </a:xfrm>
+        </p:spPr>
+        <p:txBody>
+          <a:bodyPr>
+            <a:normAutofit lnSpcReduction="10000"/>
+          </a:bodyPr>
+          <a:lstStyle/>
+          <a:p>
+            <a:r>
+              <a:rPr lang="en-US" sz="1400" b="1" dirty="0" err="1"/>
+              <a:t>node_modules</a:t>
+            </a:r>
+            <a:endParaRPr lang="en-US" sz="1400" b="1" dirty="0"/>
+          </a:p>
+          <a:p>
+            <a:pPr lvl="1"/>
+            <a:r>
+              <a:rPr lang="en-US" sz="1400" dirty="0"/>
+              <a:t>Mapp med </a:t>
+            </a:r>
+            <a:r>
+              <a:rPr lang="en-US" sz="1400" dirty="0" err="1"/>
+              <a:t>alla</a:t>
+            </a:r>
+            <a:r>
+              <a:rPr lang="en-US" sz="1400" dirty="0"/>
+              <a:t> </a:t>
+            </a:r>
+            <a:r>
+              <a:rPr lang="en-US" sz="1400" dirty="0" err="1"/>
+              <a:t>javascript</a:t>
+            </a:r>
+            <a:r>
+              <a:rPr lang="en-US" sz="1400" dirty="0"/>
+              <a:t> </a:t>
+            </a:r>
+            <a:r>
+              <a:rPr lang="en-US" sz="1400" dirty="0" err="1"/>
+              <a:t>bibliotek</a:t>
+            </a:r>
+            <a:r>
+              <a:rPr lang="en-US" sz="1400" dirty="0"/>
+              <a:t> </a:t>
+            </a:r>
+            <a:r>
+              <a:rPr lang="en-US" sz="1400" dirty="0" err="1"/>
+              <a:t>som</a:t>
+            </a:r>
+            <a:r>
+              <a:rPr lang="en-US" sz="1400" dirty="0"/>
+              <a:t> </a:t>
+            </a:r>
+            <a:r>
+              <a:rPr lang="en-US" sz="1400" dirty="0" err="1"/>
+              <a:t>projektet</a:t>
+            </a:r>
+            <a:r>
+              <a:rPr lang="en-US" sz="1400" dirty="0"/>
+              <a:t> </a:t>
+            </a:r>
+            <a:r>
+              <a:rPr lang="en-US" sz="1400" dirty="0" err="1"/>
+              <a:t>är</a:t>
+            </a:r>
+            <a:r>
+              <a:rPr lang="en-US" sz="1400" dirty="0"/>
+              <a:t> </a:t>
+            </a:r>
+            <a:r>
+              <a:rPr lang="en-US" sz="1400" dirty="0" err="1"/>
+              <a:t>beroende</a:t>
+            </a:r>
+            <a:r>
+              <a:rPr lang="en-US" sz="1400" dirty="0"/>
+              <a:t> </a:t>
+            </a:r>
+            <a:r>
+              <a:rPr lang="en-US" sz="1400" dirty="0" err="1"/>
+              <a:t>utav</a:t>
+            </a:r>
+            <a:r>
+              <a:rPr lang="en-US" sz="1400" dirty="0"/>
+              <a:t>, </a:t>
+            </a:r>
+            <a:r>
+              <a:rPr lang="en-US" sz="1400" dirty="0" err="1"/>
+              <a:t>behöver</a:t>
+            </a:r>
+            <a:r>
+              <a:rPr lang="en-US" sz="1400" dirty="0"/>
+              <a:t> </a:t>
+            </a:r>
+            <a:r>
+              <a:rPr lang="en-US" sz="1400" dirty="0" err="1"/>
+              <a:t>alldrig</a:t>
+            </a:r>
+            <a:r>
+              <a:rPr lang="en-US" sz="1400" dirty="0"/>
+              <a:t> </a:t>
+            </a:r>
+            <a:r>
+              <a:rPr lang="en-US" sz="1400" dirty="0" err="1"/>
+              <a:t>ändra</a:t>
+            </a:r>
+            <a:r>
+              <a:rPr lang="en-US" sz="1400" dirty="0"/>
+              <a:t> </a:t>
+            </a:r>
+            <a:r>
+              <a:rPr lang="en-US" sz="1400" dirty="0" err="1"/>
+              <a:t>eller</a:t>
+            </a:r>
+            <a:r>
+              <a:rPr lang="en-US" sz="1400" dirty="0"/>
+              <a:t> </a:t>
+            </a:r>
+            <a:r>
+              <a:rPr lang="en-US" sz="1400" dirty="0" err="1"/>
+              <a:t>pilla</a:t>
+            </a:r>
+            <a:r>
+              <a:rPr lang="en-US" sz="1400" dirty="0"/>
+              <a:t> </a:t>
+            </a:r>
+            <a:r>
+              <a:rPr lang="en-US" sz="1400" dirty="0" err="1"/>
+              <a:t>i</a:t>
+            </a:r>
+            <a:r>
+              <a:rPr lang="en-US" sz="1400" dirty="0"/>
+              <a:t> </a:t>
+            </a:r>
+          </a:p>
+          <a:p>
+            <a:r>
+              <a:rPr lang="en-US" sz="1400" b="1" dirty="0" err="1"/>
+              <a:t>src</a:t>
+            </a:r>
+            <a:endParaRPr lang="en-US" sz="1400" b="1" dirty="0"/>
+          </a:p>
+          <a:p>
+            <a:pPr lvl="1"/>
+            <a:r>
+              <a:rPr lang="en-US" sz="1400" dirty="0" err="1"/>
+              <a:t>Projektets</a:t>
+            </a:r>
+            <a:r>
+              <a:rPr lang="en-US" sz="1400" dirty="0"/>
+              <a:t> </a:t>
+            </a:r>
+            <a:r>
+              <a:rPr lang="en-US" sz="1400" dirty="0" err="1"/>
+              <a:t>viktigaste</a:t>
+            </a:r>
+            <a:r>
+              <a:rPr lang="en-US" sz="1400" dirty="0"/>
+              <a:t> </a:t>
+            </a:r>
+            <a:r>
+              <a:rPr lang="en-US" sz="1400" dirty="0" err="1"/>
+              <a:t>mapp</a:t>
+            </a:r>
+            <a:r>
+              <a:rPr lang="en-US" sz="1400" dirty="0"/>
+              <a:t> </a:t>
+            </a:r>
+            <a:r>
+              <a:rPr lang="en-US" sz="1400" dirty="0" err="1"/>
+              <a:t>där</a:t>
+            </a:r>
+            <a:r>
+              <a:rPr lang="en-US" sz="1400" dirty="0"/>
+              <a:t> all er </a:t>
+            </a:r>
+            <a:r>
+              <a:rPr lang="en-US" sz="1400" dirty="0" err="1"/>
+              <a:t>kod</a:t>
+            </a:r>
+            <a:r>
+              <a:rPr lang="en-US" sz="1400" dirty="0"/>
+              <a:t> </a:t>
+            </a:r>
+            <a:r>
+              <a:rPr lang="en-US" sz="1400" dirty="0" err="1"/>
+              <a:t>och</a:t>
+            </a:r>
+            <a:r>
+              <a:rPr lang="en-US" sz="1400" dirty="0"/>
+              <a:t> </a:t>
+            </a:r>
+            <a:r>
+              <a:rPr lang="en-US" sz="1400" dirty="0" err="1"/>
+              <a:t>komponenter</a:t>
+            </a:r>
+            <a:r>
+              <a:rPr lang="en-US" sz="1400" dirty="0"/>
+              <a:t> </a:t>
+            </a:r>
+            <a:r>
+              <a:rPr lang="en-US" sz="1400" dirty="0" err="1"/>
+              <a:t>kommer</a:t>
+            </a:r>
+            <a:r>
+              <a:rPr lang="en-US" sz="1400" dirty="0"/>
+              <a:t> </a:t>
+            </a:r>
+            <a:r>
+              <a:rPr lang="en-US" sz="1400" dirty="0" err="1"/>
+              <a:t>ligga</a:t>
+            </a:r>
+            <a:r>
+              <a:rPr lang="en-US" sz="1400" dirty="0"/>
+              <a:t>. 99% av </a:t>
+            </a:r>
+            <a:r>
+              <a:rPr lang="en-US" sz="1400" dirty="0" err="1"/>
+              <a:t>tiden</a:t>
+            </a:r>
+            <a:r>
+              <a:rPr lang="en-US" sz="1400" dirty="0"/>
+              <a:t> </a:t>
+            </a:r>
+            <a:r>
+              <a:rPr lang="en-US" sz="1400" dirty="0" err="1"/>
+              <a:t>jobbar</a:t>
+            </a:r>
+            <a:r>
+              <a:rPr lang="en-US" sz="1400" dirty="0"/>
+              <a:t> vi </a:t>
+            </a:r>
+            <a:r>
+              <a:rPr lang="en-US" sz="1400" dirty="0" err="1"/>
+              <a:t>i</a:t>
+            </a:r>
+            <a:r>
+              <a:rPr lang="en-US" sz="1400" dirty="0"/>
+              <a:t> den </a:t>
+            </a:r>
+            <a:r>
+              <a:rPr lang="en-US" sz="1400" dirty="0" err="1"/>
+              <a:t>mappen</a:t>
+            </a:r>
+            <a:r>
+              <a:rPr lang="en-US" sz="1400" dirty="0"/>
+              <a:t>.</a:t>
+            </a:r>
+          </a:p>
+          <a:p>
+            <a:pPr lvl="1"/>
+            <a:r>
+              <a:rPr lang="en-US" sz="1400" b="1" dirty="0"/>
+              <a:t>assets </a:t>
+            </a:r>
+            <a:r>
+              <a:rPr lang="en-US" sz="1400" dirty="0"/>
+              <a:t>– </a:t>
+            </a:r>
+            <a:r>
+              <a:rPr lang="en-US" sz="1400" dirty="0" err="1"/>
+              <a:t>resurser</a:t>
+            </a:r>
+            <a:r>
+              <a:rPr lang="en-US" sz="1400" dirty="0"/>
+              <a:t> </a:t>
+            </a:r>
+            <a:r>
+              <a:rPr lang="en-US" sz="1400" dirty="0" err="1"/>
+              <a:t>som</a:t>
+            </a:r>
+            <a:r>
+              <a:rPr lang="en-US" sz="1400" dirty="0"/>
+              <a:t> man </a:t>
+            </a:r>
+            <a:r>
+              <a:rPr lang="en-US" sz="1400" dirty="0" err="1"/>
+              <a:t>vill</a:t>
+            </a:r>
+            <a:r>
+              <a:rPr lang="en-US" sz="1400" dirty="0"/>
+              <a:t> </a:t>
+            </a:r>
+            <a:r>
+              <a:rPr lang="en-US" sz="1400" dirty="0" err="1"/>
+              <a:t>komma</a:t>
+            </a:r>
+            <a:r>
+              <a:rPr lang="en-US" sz="1400" dirty="0"/>
+              <a:t> </a:t>
+            </a:r>
+            <a:r>
+              <a:rPr lang="en-US" sz="1400" dirty="0" err="1"/>
+              <a:t>åt</a:t>
+            </a:r>
+            <a:r>
+              <a:rPr lang="en-US" sz="1400" dirty="0"/>
+              <a:t> </a:t>
+            </a:r>
+            <a:r>
+              <a:rPr lang="en-US" sz="1400" dirty="0" err="1"/>
+              <a:t>i</a:t>
+            </a:r>
+            <a:r>
+              <a:rPr lang="en-US" sz="1400" dirty="0"/>
+              <a:t> </a:t>
+            </a:r>
+            <a:r>
+              <a:rPr lang="en-US" sz="1400" dirty="0" err="1"/>
+              <a:t>applikationen</a:t>
+            </a:r>
+            <a:r>
+              <a:rPr lang="en-US" sz="1400" dirty="0"/>
+              <a:t> </a:t>
+            </a:r>
+            <a:r>
+              <a:rPr lang="en-US" sz="1400" dirty="0" err="1"/>
+              <a:t>som</a:t>
+            </a:r>
+            <a:r>
+              <a:rPr lang="en-US" sz="1400" dirty="0"/>
+              <a:t> </a:t>
+            </a:r>
+            <a:r>
+              <a:rPr lang="en-US" sz="1400" dirty="0" err="1"/>
+              <a:t>bilder</a:t>
+            </a:r>
+            <a:r>
+              <a:rPr lang="en-US" sz="1400" dirty="0"/>
+              <a:t> </a:t>
+            </a:r>
+            <a:r>
+              <a:rPr lang="en-US" sz="1400" dirty="0" err="1"/>
+              <a:t>osv</a:t>
+            </a:r>
+            <a:r>
+              <a:rPr lang="en-US" sz="1400" dirty="0"/>
+              <a:t>.</a:t>
+            </a:r>
+          </a:p>
+          <a:p>
+            <a:pPr lvl="1"/>
+            <a:r>
+              <a:rPr lang="en-US" sz="1400" b="1" dirty="0"/>
+              <a:t>components </a:t>
+            </a:r>
+            <a:r>
+              <a:rPr lang="en-US" sz="1400" dirty="0"/>
+              <a:t>– </a:t>
+            </a:r>
+            <a:r>
+              <a:rPr lang="en-US" sz="1400" dirty="0" err="1"/>
+              <a:t>där</a:t>
+            </a:r>
+            <a:r>
+              <a:rPr lang="en-US" sz="1400" dirty="0"/>
+              <a:t> man </a:t>
+            </a:r>
+            <a:r>
+              <a:rPr lang="en-US" sz="1400" dirty="0" err="1"/>
+              <a:t>skapar</a:t>
+            </a:r>
+            <a:r>
+              <a:rPr lang="en-US" sz="1400" dirty="0"/>
+              <a:t> </a:t>
+            </a:r>
+            <a:r>
+              <a:rPr lang="en-US" sz="1400" dirty="0" err="1"/>
+              <a:t>sina</a:t>
+            </a:r>
+            <a:r>
+              <a:rPr lang="en-US" sz="1400" dirty="0"/>
+              <a:t> </a:t>
+            </a:r>
+            <a:r>
+              <a:rPr lang="en-US" sz="1400" dirty="0" err="1"/>
+              <a:t>componenter</a:t>
+            </a:r>
+            <a:r>
+              <a:rPr lang="en-US" sz="1400" dirty="0"/>
+              <a:t> om man </a:t>
+            </a:r>
+            <a:r>
+              <a:rPr lang="en-US" sz="1400" dirty="0" err="1"/>
+              <a:t>vill</a:t>
+            </a:r>
+            <a:r>
+              <a:rPr lang="en-US" sz="1400" dirty="0"/>
+              <a:t> </a:t>
+            </a:r>
+            <a:r>
+              <a:rPr lang="en-US" sz="1400" dirty="0" err="1"/>
+              <a:t>inte</a:t>
+            </a:r>
+            <a:r>
+              <a:rPr lang="en-US" sz="1400" dirty="0"/>
+              <a:t> </a:t>
+            </a:r>
+            <a:r>
+              <a:rPr lang="en-US" sz="1400" dirty="0" err="1"/>
+              <a:t>nödvändigt</a:t>
+            </a:r>
+            <a:r>
+              <a:rPr lang="en-US" sz="1400" dirty="0"/>
+              <a:t> </a:t>
+            </a:r>
+            <a:r>
+              <a:rPr lang="en-US" sz="1400" dirty="0" err="1"/>
+              <a:t>så</a:t>
+            </a:r>
+            <a:r>
+              <a:rPr lang="en-US" sz="1400" dirty="0"/>
+              <a:t> </a:t>
+            </a:r>
+            <a:r>
+              <a:rPr lang="en-US" sz="1400" dirty="0" err="1"/>
+              <a:t>länge</a:t>
+            </a:r>
+            <a:r>
+              <a:rPr lang="en-US" sz="1400" dirty="0"/>
+              <a:t> de </a:t>
+            </a:r>
+            <a:r>
+              <a:rPr lang="en-US" sz="1400" dirty="0" err="1"/>
+              <a:t>är</a:t>
+            </a:r>
+            <a:r>
+              <a:rPr lang="en-US" sz="1400" dirty="0"/>
+              <a:t> I </a:t>
+            </a:r>
+            <a:r>
+              <a:rPr lang="en-US" sz="1400" dirty="0" err="1"/>
+              <a:t>src</a:t>
+            </a:r>
+            <a:r>
+              <a:rPr lang="en-US" sz="1400" dirty="0"/>
+              <a:t> </a:t>
+            </a:r>
+            <a:r>
+              <a:rPr lang="en-US" sz="1400" dirty="0" err="1"/>
+              <a:t>mappen</a:t>
+            </a:r>
+            <a:r>
+              <a:rPr lang="en-US" sz="1400" dirty="0"/>
+              <a:t>.</a:t>
+            </a:r>
+          </a:p>
+          <a:p>
+            <a:pPr lvl="1"/>
+            <a:r>
+              <a:rPr lang="en-US" sz="1400" b="1" dirty="0"/>
+              <a:t>main.js </a:t>
+            </a:r>
+            <a:r>
+              <a:rPr lang="en-US" sz="1400" dirty="0"/>
+              <a:t>– </a:t>
+            </a:r>
+            <a:r>
+              <a:rPr lang="en-US" sz="1400" dirty="0" err="1"/>
+              <a:t>där</a:t>
+            </a:r>
+            <a:r>
+              <a:rPr lang="en-US" sz="1400" dirty="0"/>
+              <a:t> </a:t>
+            </a:r>
+            <a:r>
+              <a:rPr lang="en-US" sz="1400" dirty="0" err="1"/>
+              <a:t>applikationen</a:t>
+            </a:r>
+            <a:r>
+              <a:rPr lang="en-US" sz="1400" dirty="0"/>
+              <a:t> </a:t>
+            </a:r>
+            <a:r>
+              <a:rPr lang="en-US" sz="1400" dirty="0" err="1"/>
+              <a:t>initieras</a:t>
+            </a:r>
+            <a:r>
+              <a:rPr lang="en-US" sz="1400" dirty="0"/>
+              <a:t> </a:t>
+            </a:r>
+            <a:r>
+              <a:rPr lang="en-US" sz="1400" dirty="0" err="1"/>
+              <a:t>och</a:t>
+            </a:r>
+            <a:r>
+              <a:rPr lang="en-US" sz="1400" dirty="0"/>
+              <a:t> </a:t>
+            </a:r>
+            <a:r>
+              <a:rPr lang="en-US" sz="1400" dirty="0" err="1"/>
+              <a:t>andra</a:t>
+            </a:r>
+            <a:r>
+              <a:rPr lang="en-US" sz="1400" dirty="0"/>
+              <a:t> </a:t>
+            </a:r>
+            <a:r>
+              <a:rPr lang="en-US" sz="1400" dirty="0" err="1"/>
+              <a:t>beroenden</a:t>
+            </a:r>
+            <a:r>
+              <a:rPr lang="en-US" sz="1400" dirty="0"/>
+              <a:t> </a:t>
+            </a:r>
+            <a:r>
+              <a:rPr lang="en-US" sz="1400" dirty="0" err="1"/>
+              <a:t>som</a:t>
+            </a:r>
+            <a:r>
+              <a:rPr lang="en-US" sz="1400" dirty="0"/>
+              <a:t> </a:t>
+            </a:r>
+            <a:r>
+              <a:rPr lang="en-US" sz="1400" dirty="0" err="1"/>
+              <a:t>applikationen</a:t>
+            </a:r>
+            <a:r>
+              <a:rPr lang="en-US" sz="1400" dirty="0"/>
+              <a:t> </a:t>
+            </a:r>
+            <a:r>
+              <a:rPr lang="en-US" sz="1400" dirty="0" err="1"/>
+              <a:t>använder</a:t>
+            </a:r>
+            <a:r>
+              <a:rPr lang="en-US" sz="1400" dirty="0"/>
+              <a:t>.</a:t>
+            </a:r>
+            <a:endParaRPr lang="en-US" sz="1400" b="1" dirty="0"/>
+          </a:p>
+          <a:p>
+            <a:r>
+              <a:rPr lang="en-US" sz="1400" b="1" dirty="0" err="1"/>
+              <a:t>package.json</a:t>
+            </a:r>
+            <a:endParaRPr lang="en-US" sz="1400" b="1" dirty="0"/>
+          </a:p>
+          <a:p>
+            <a:pPr lvl="1"/>
+            <a:r>
+              <a:rPr lang="en-US" sz="1200" dirty="0" err="1"/>
+              <a:t>Listar</a:t>
+            </a:r>
+            <a:r>
+              <a:rPr lang="en-US" sz="1200" dirty="0"/>
+              <a:t> </a:t>
+            </a:r>
+            <a:r>
+              <a:rPr lang="en-US" sz="1200" dirty="0" err="1"/>
+              <a:t>alla</a:t>
+            </a:r>
+            <a:r>
+              <a:rPr lang="en-US" sz="1200" dirty="0"/>
+              <a:t> </a:t>
+            </a:r>
+            <a:r>
+              <a:rPr lang="en-US" sz="1200" dirty="0" err="1"/>
+              <a:t>javascript</a:t>
+            </a:r>
+            <a:r>
+              <a:rPr lang="en-US" sz="1200" dirty="0"/>
+              <a:t> </a:t>
+            </a:r>
+            <a:r>
+              <a:rPr lang="en-US" sz="1200" dirty="0" err="1"/>
+              <a:t>bibliotek</a:t>
+            </a:r>
+            <a:r>
+              <a:rPr lang="en-US" sz="1200" dirty="0"/>
+              <a:t> </a:t>
+            </a:r>
+            <a:r>
+              <a:rPr lang="en-US" sz="1200" dirty="0" err="1"/>
+              <a:t>som</a:t>
+            </a:r>
+            <a:r>
+              <a:rPr lang="en-US" sz="1200" dirty="0"/>
+              <a:t> </a:t>
+            </a:r>
+            <a:r>
+              <a:rPr lang="en-US" sz="1200" dirty="0" err="1"/>
+              <a:t>projektet</a:t>
+            </a:r>
+            <a:r>
+              <a:rPr lang="en-US" sz="1200" dirty="0"/>
+              <a:t> </a:t>
+            </a:r>
+            <a:r>
+              <a:rPr lang="en-US" sz="1200" dirty="0" err="1"/>
+              <a:t>använder</a:t>
+            </a:r>
+            <a:r>
+              <a:rPr lang="en-US" sz="1200" dirty="0"/>
+              <a:t> sig </a:t>
+            </a:r>
+            <a:r>
+              <a:rPr lang="en-US" sz="1200" dirty="0" err="1"/>
+              <a:t>utav</a:t>
+            </a:r>
+            <a:r>
+              <a:rPr lang="en-US" sz="1200" dirty="0"/>
+              <a:t> </a:t>
+            </a:r>
+            <a:r>
+              <a:rPr lang="en-US" sz="1200" dirty="0" err="1"/>
+              <a:t>och</a:t>
+            </a:r>
+            <a:r>
+              <a:rPr lang="en-US" sz="1200" dirty="0"/>
+              <a:t> </a:t>
+            </a:r>
+            <a:r>
+              <a:rPr lang="en-US" sz="1200" dirty="0" err="1"/>
+              <a:t>en</a:t>
+            </a:r>
+            <a:r>
+              <a:rPr lang="en-US" sz="1200" dirty="0"/>
+              <a:t> del </a:t>
+            </a:r>
+            <a:r>
+              <a:rPr lang="en-US" sz="1200" dirty="0" err="1"/>
+              <a:t>inställningar</a:t>
+            </a:r>
+            <a:r>
+              <a:rPr lang="en-US" sz="1200" dirty="0"/>
+              <a:t> </a:t>
+            </a:r>
+            <a:r>
+              <a:rPr lang="en-US" sz="1200" dirty="0" err="1"/>
+              <a:t>och</a:t>
+            </a:r>
+            <a:r>
+              <a:rPr lang="en-US" sz="1200" dirty="0"/>
+              <a:t> </a:t>
+            </a:r>
+            <a:r>
+              <a:rPr lang="en-US" sz="1200" dirty="0" err="1"/>
+              <a:t>konfigurationer</a:t>
+            </a:r>
+            <a:r>
+              <a:rPr lang="en-US" sz="1200" dirty="0"/>
+              <a:t>.</a:t>
+            </a:r>
+            <a:endParaRPr lang="en-SE" sz="1200" dirty="0"/>
+          </a:p>
+        </p:txBody>
+      </p:sp>
+      <p:pic>
+        <p:nvPicPr>
+          <p:cNvPr id="5" name="Picture 4">
+            <a:extLst>
+              <a:ext uri="{FF2B5EF4-FFF2-40B4-BE49-F238E27FC236}">
+                <a16:creationId xmlns:a16="http://schemas.microsoft.com/office/drawing/2014/main" id="{BE885182-9518-4149-9732-163988920D3F}"/>
+              </a:ext>
+            </a:extLst>
+          </p:cNvPr>
+          <p:cNvPicPr>
+            <a:picLocks noChangeAspect="1"/>
+          </p:cNvPicPr>
+          <p:nvPr/>
+        </p:nvPicPr>
+        <p:blipFill>
+          <a:blip r:embed="rId2"/>
+          <a:stretch>
+            <a:fillRect/>
+          </a:stretch>
+        </p:blipFill>
+        <p:spPr>
+          <a:xfrm>
+            <a:off x="8193404" y="1699631"/>
+            <a:ext cx="2375535" cy="4374461"/>
+          </a:xfrm>
+          <a:prstGeom prst="rect">
+            <a:avLst/>
+          </a:prstGeom>
+        </p:spPr>
+      </p:pic>
+    </p:spTree>
+    <p:extLst>
+      <p:ext uri="{BB962C8B-B14F-4D97-AF65-F5344CB8AC3E}">
+        <p14:creationId xmlns:p14="http://schemas.microsoft.com/office/powerpoint/2010/main" val="1863028339"/>
       </p:ext>
     </p:extLst>
   </p:cSld>
@@ -14031,797 +16067,6 @@
 </file>
 
 <file path=ppt/slides/slide4.xml><?xml version="1.0" encoding="utf-8"?>
-<p:sld xmlns:a="http://schemas.openxmlformats.org/drawingml/2006/main" xmlns:r="http://schemas.openxmlformats.org/officeDocument/2006/relationships" xmlns:p="http://schemas.openxmlformats.org/presentationml/2006/main">
-  <p:cSld>
-    <p:spTree>
-      <p:nvGrpSpPr>
-        <p:cNvPr id="1" name=""/>
-        <p:cNvGrpSpPr/>
-        <p:nvPr/>
-      </p:nvGrpSpPr>
-      <p:grpSpPr>
-        <a:xfrm>
-          <a:off x="0" y="0"/>
-          <a:ext cx="0" cy="0"/>
-          <a:chOff x="0" y="0"/>
-          <a:chExt cx="0" cy="0"/>
-        </a:xfrm>
-      </p:grpSpPr>
-      <p:sp>
-        <p:nvSpPr>
-          <p:cNvPr id="2" name="Title 1">
-            <a:extLst>
-              <a:ext uri="{FF2B5EF4-FFF2-40B4-BE49-F238E27FC236}">
-                <a16:creationId xmlns:a16="http://schemas.microsoft.com/office/drawing/2014/main" id="{8EDAE078-3CB3-4D1F-8E4E-75C6D5DA8D1A}"/>
-              </a:ext>
-            </a:extLst>
-          </p:cNvPr>
-          <p:cNvSpPr>
-            <a:spLocks noGrp="1"/>
-          </p:cNvSpPr>
-          <p:nvPr>
-            <p:ph type="title"/>
-          </p:nvPr>
-        </p:nvSpPr>
-        <p:spPr>
-          <a:xfrm>
-            <a:off x="1195045" y="292227"/>
-            <a:ext cx="10893973" cy="596023"/>
-          </a:xfrm>
-        </p:spPr>
-        <p:txBody>
-          <a:bodyPr>
-            <a:normAutofit fontScale="90000"/>
-          </a:bodyPr>
-          <a:lstStyle/>
-          <a:p>
-            <a:pPr algn="ctr"/>
-            <a:r>
-              <a:rPr lang="en-US" sz="4000" dirty="0" err="1">
-                <a:latin typeface="Gill Sans MT (Body)"/>
-              </a:rPr>
-              <a:t>Mappstruktur</a:t>
-            </a:r>
-            <a:r>
-              <a:rPr lang="en-US" sz="4000" dirty="0">
-                <a:latin typeface="Gill Sans MT (Body)"/>
-              </a:rPr>
-              <a:t> I </a:t>
-            </a:r>
-            <a:r>
-              <a:rPr lang="en-US" sz="4000" dirty="0" err="1">
-                <a:latin typeface="Gill Sans MT (Body)"/>
-              </a:rPr>
-              <a:t>ett</a:t>
-            </a:r>
-            <a:r>
-              <a:rPr lang="en-US" sz="4000" dirty="0">
-                <a:latin typeface="Gill Sans MT (Body)"/>
-              </a:rPr>
-              <a:t> Vue </a:t>
-            </a:r>
-            <a:r>
-              <a:rPr lang="en-US" sz="4000" dirty="0" err="1">
-                <a:latin typeface="Gill Sans MT (Body)"/>
-              </a:rPr>
-              <a:t>projekt</a:t>
-            </a:r>
-            <a:endParaRPr lang="en-US" sz="4000" dirty="0">
-              <a:latin typeface="Gill Sans MT (Body)"/>
-            </a:endParaRPr>
-          </a:p>
-        </p:txBody>
-      </p:sp>
-      <p:sp>
-        <p:nvSpPr>
-          <p:cNvPr id="3" name="Content Placeholder 2">
-            <a:extLst>
-              <a:ext uri="{FF2B5EF4-FFF2-40B4-BE49-F238E27FC236}">
-                <a16:creationId xmlns:a16="http://schemas.microsoft.com/office/drawing/2014/main" id="{BADF4A04-8223-49E2-A410-0D2B9F246536}"/>
-              </a:ext>
-            </a:extLst>
-          </p:cNvPr>
-          <p:cNvSpPr>
-            <a:spLocks noGrp="1"/>
-          </p:cNvSpPr>
-          <p:nvPr>
-            <p:ph idx="1"/>
-          </p:nvPr>
-        </p:nvSpPr>
-        <p:spPr>
-          <a:xfrm>
-            <a:off x="1251678" y="1994071"/>
-            <a:ext cx="6635022" cy="3885521"/>
-          </a:xfrm>
-        </p:spPr>
-        <p:txBody>
-          <a:bodyPr>
-            <a:normAutofit lnSpcReduction="10000"/>
-          </a:bodyPr>
-          <a:lstStyle/>
-          <a:p>
-            <a:r>
-              <a:rPr lang="en-US" sz="1400" b="1" dirty="0" err="1"/>
-              <a:t>node_modules</a:t>
-            </a:r>
-            <a:endParaRPr lang="en-US" sz="1400" b="1" dirty="0"/>
-          </a:p>
-          <a:p>
-            <a:pPr lvl="1"/>
-            <a:r>
-              <a:rPr lang="en-US" sz="1400" dirty="0"/>
-              <a:t>Mapp med </a:t>
-            </a:r>
-            <a:r>
-              <a:rPr lang="en-US" sz="1400" dirty="0" err="1"/>
-              <a:t>alla</a:t>
-            </a:r>
-            <a:r>
-              <a:rPr lang="en-US" sz="1400" dirty="0"/>
-              <a:t> </a:t>
-            </a:r>
-            <a:r>
-              <a:rPr lang="en-US" sz="1400" dirty="0" err="1"/>
-              <a:t>javascript</a:t>
-            </a:r>
-            <a:r>
-              <a:rPr lang="en-US" sz="1400" dirty="0"/>
-              <a:t> </a:t>
-            </a:r>
-            <a:r>
-              <a:rPr lang="en-US" sz="1400" dirty="0" err="1"/>
-              <a:t>bibliotek</a:t>
-            </a:r>
-            <a:r>
-              <a:rPr lang="en-US" sz="1400" dirty="0"/>
-              <a:t> </a:t>
-            </a:r>
-            <a:r>
-              <a:rPr lang="en-US" sz="1400" dirty="0" err="1"/>
-              <a:t>som</a:t>
-            </a:r>
-            <a:r>
-              <a:rPr lang="en-US" sz="1400" dirty="0"/>
-              <a:t> </a:t>
-            </a:r>
-            <a:r>
-              <a:rPr lang="en-US" sz="1400" dirty="0" err="1"/>
-              <a:t>projektet</a:t>
-            </a:r>
-            <a:r>
-              <a:rPr lang="en-US" sz="1400" dirty="0"/>
-              <a:t> </a:t>
-            </a:r>
-            <a:r>
-              <a:rPr lang="en-US" sz="1400" dirty="0" err="1"/>
-              <a:t>är</a:t>
-            </a:r>
-            <a:r>
-              <a:rPr lang="en-US" sz="1400" dirty="0"/>
-              <a:t> </a:t>
-            </a:r>
-            <a:r>
-              <a:rPr lang="en-US" sz="1400" dirty="0" err="1"/>
-              <a:t>beroende</a:t>
-            </a:r>
-            <a:r>
-              <a:rPr lang="en-US" sz="1400" dirty="0"/>
-              <a:t> </a:t>
-            </a:r>
-            <a:r>
-              <a:rPr lang="en-US" sz="1400" dirty="0" err="1"/>
-              <a:t>utav</a:t>
-            </a:r>
-            <a:r>
-              <a:rPr lang="en-US" sz="1400" dirty="0"/>
-              <a:t>, </a:t>
-            </a:r>
-            <a:r>
-              <a:rPr lang="en-US" sz="1400" dirty="0" err="1"/>
-              <a:t>behöver</a:t>
-            </a:r>
-            <a:r>
-              <a:rPr lang="en-US" sz="1400" dirty="0"/>
-              <a:t> </a:t>
-            </a:r>
-            <a:r>
-              <a:rPr lang="en-US" sz="1400" dirty="0" err="1"/>
-              <a:t>alldrig</a:t>
-            </a:r>
-            <a:r>
-              <a:rPr lang="en-US" sz="1400" dirty="0"/>
-              <a:t> </a:t>
-            </a:r>
-            <a:r>
-              <a:rPr lang="en-US" sz="1400" dirty="0" err="1"/>
-              <a:t>ändra</a:t>
-            </a:r>
-            <a:r>
-              <a:rPr lang="en-US" sz="1400" dirty="0"/>
-              <a:t> </a:t>
-            </a:r>
-            <a:r>
-              <a:rPr lang="en-US" sz="1400" dirty="0" err="1"/>
-              <a:t>eller</a:t>
-            </a:r>
-            <a:r>
-              <a:rPr lang="en-US" sz="1400" dirty="0"/>
-              <a:t> </a:t>
-            </a:r>
-            <a:r>
-              <a:rPr lang="en-US" sz="1400" dirty="0" err="1"/>
-              <a:t>pilla</a:t>
-            </a:r>
-            <a:r>
-              <a:rPr lang="en-US" sz="1400" dirty="0"/>
-              <a:t> </a:t>
-            </a:r>
-            <a:r>
-              <a:rPr lang="en-US" sz="1400" dirty="0" err="1"/>
-              <a:t>i</a:t>
-            </a:r>
-            <a:r>
-              <a:rPr lang="en-US" sz="1400" dirty="0"/>
-              <a:t> </a:t>
-            </a:r>
-          </a:p>
-          <a:p>
-            <a:r>
-              <a:rPr lang="en-US" sz="1400" b="1" dirty="0" err="1"/>
-              <a:t>src</a:t>
-            </a:r>
-            <a:endParaRPr lang="en-US" sz="1400" b="1" dirty="0"/>
-          </a:p>
-          <a:p>
-            <a:pPr lvl="1"/>
-            <a:r>
-              <a:rPr lang="en-US" sz="1400" dirty="0" err="1"/>
-              <a:t>Projektets</a:t>
-            </a:r>
-            <a:r>
-              <a:rPr lang="en-US" sz="1400" dirty="0"/>
-              <a:t> </a:t>
-            </a:r>
-            <a:r>
-              <a:rPr lang="en-US" sz="1400" dirty="0" err="1"/>
-              <a:t>viktigaste</a:t>
-            </a:r>
-            <a:r>
-              <a:rPr lang="en-US" sz="1400" dirty="0"/>
-              <a:t> </a:t>
-            </a:r>
-            <a:r>
-              <a:rPr lang="en-US" sz="1400" dirty="0" err="1"/>
-              <a:t>mapp</a:t>
-            </a:r>
-            <a:r>
-              <a:rPr lang="en-US" sz="1400" dirty="0"/>
-              <a:t> </a:t>
-            </a:r>
-            <a:r>
-              <a:rPr lang="en-US" sz="1400" dirty="0" err="1"/>
-              <a:t>där</a:t>
-            </a:r>
-            <a:r>
-              <a:rPr lang="en-US" sz="1400" dirty="0"/>
-              <a:t> all er </a:t>
-            </a:r>
-            <a:r>
-              <a:rPr lang="en-US" sz="1400" dirty="0" err="1"/>
-              <a:t>kod</a:t>
-            </a:r>
-            <a:r>
-              <a:rPr lang="en-US" sz="1400" dirty="0"/>
-              <a:t> </a:t>
-            </a:r>
-            <a:r>
-              <a:rPr lang="en-US" sz="1400" dirty="0" err="1"/>
-              <a:t>och</a:t>
-            </a:r>
-            <a:r>
-              <a:rPr lang="en-US" sz="1400" dirty="0"/>
-              <a:t> </a:t>
-            </a:r>
-            <a:r>
-              <a:rPr lang="en-US" sz="1400" dirty="0" err="1"/>
-              <a:t>komponenter</a:t>
-            </a:r>
-            <a:r>
-              <a:rPr lang="en-US" sz="1400" dirty="0"/>
-              <a:t> </a:t>
-            </a:r>
-            <a:r>
-              <a:rPr lang="en-US" sz="1400" dirty="0" err="1"/>
-              <a:t>kommer</a:t>
-            </a:r>
-            <a:r>
-              <a:rPr lang="en-US" sz="1400" dirty="0"/>
-              <a:t> </a:t>
-            </a:r>
-            <a:r>
-              <a:rPr lang="en-US" sz="1400" dirty="0" err="1"/>
-              <a:t>ligga</a:t>
-            </a:r>
-            <a:r>
-              <a:rPr lang="en-US" sz="1400" dirty="0"/>
-              <a:t>. 99% av </a:t>
-            </a:r>
-            <a:r>
-              <a:rPr lang="en-US" sz="1400" dirty="0" err="1"/>
-              <a:t>tiden</a:t>
-            </a:r>
-            <a:r>
-              <a:rPr lang="en-US" sz="1400" dirty="0"/>
-              <a:t> </a:t>
-            </a:r>
-            <a:r>
-              <a:rPr lang="en-US" sz="1400" dirty="0" err="1"/>
-              <a:t>jobbar</a:t>
-            </a:r>
-            <a:r>
-              <a:rPr lang="en-US" sz="1400" dirty="0"/>
-              <a:t> vi </a:t>
-            </a:r>
-            <a:r>
-              <a:rPr lang="en-US" sz="1400" dirty="0" err="1"/>
-              <a:t>i</a:t>
-            </a:r>
-            <a:r>
-              <a:rPr lang="en-US" sz="1400" dirty="0"/>
-              <a:t> den </a:t>
-            </a:r>
-            <a:r>
-              <a:rPr lang="en-US" sz="1400" dirty="0" err="1"/>
-              <a:t>mappen</a:t>
-            </a:r>
-            <a:r>
-              <a:rPr lang="en-US" sz="1400" dirty="0"/>
-              <a:t>.</a:t>
-            </a:r>
-          </a:p>
-          <a:p>
-            <a:pPr lvl="1"/>
-            <a:r>
-              <a:rPr lang="en-US" sz="1400" b="1" dirty="0"/>
-              <a:t>assets </a:t>
-            </a:r>
-            <a:r>
-              <a:rPr lang="en-US" sz="1400" dirty="0"/>
-              <a:t>– </a:t>
-            </a:r>
-            <a:r>
-              <a:rPr lang="en-US" sz="1400" dirty="0" err="1"/>
-              <a:t>resurser</a:t>
-            </a:r>
-            <a:r>
-              <a:rPr lang="en-US" sz="1400" dirty="0"/>
-              <a:t> </a:t>
-            </a:r>
-            <a:r>
-              <a:rPr lang="en-US" sz="1400" dirty="0" err="1"/>
-              <a:t>som</a:t>
-            </a:r>
-            <a:r>
-              <a:rPr lang="en-US" sz="1400" dirty="0"/>
-              <a:t> man </a:t>
-            </a:r>
-            <a:r>
-              <a:rPr lang="en-US" sz="1400" dirty="0" err="1"/>
-              <a:t>vill</a:t>
-            </a:r>
-            <a:r>
-              <a:rPr lang="en-US" sz="1400" dirty="0"/>
-              <a:t> </a:t>
-            </a:r>
-            <a:r>
-              <a:rPr lang="en-US" sz="1400" dirty="0" err="1"/>
-              <a:t>komma</a:t>
-            </a:r>
-            <a:r>
-              <a:rPr lang="en-US" sz="1400" dirty="0"/>
-              <a:t> </a:t>
-            </a:r>
-            <a:r>
-              <a:rPr lang="en-US" sz="1400" dirty="0" err="1"/>
-              <a:t>åt</a:t>
-            </a:r>
-            <a:r>
-              <a:rPr lang="en-US" sz="1400" dirty="0"/>
-              <a:t> </a:t>
-            </a:r>
-            <a:r>
-              <a:rPr lang="en-US" sz="1400" dirty="0" err="1"/>
-              <a:t>i</a:t>
-            </a:r>
-            <a:r>
-              <a:rPr lang="en-US" sz="1400" dirty="0"/>
-              <a:t> </a:t>
-            </a:r>
-            <a:r>
-              <a:rPr lang="en-US" sz="1400" dirty="0" err="1"/>
-              <a:t>applikationen</a:t>
-            </a:r>
-            <a:r>
-              <a:rPr lang="en-US" sz="1400" dirty="0"/>
-              <a:t> </a:t>
-            </a:r>
-            <a:r>
-              <a:rPr lang="en-US" sz="1400" dirty="0" err="1"/>
-              <a:t>som</a:t>
-            </a:r>
-            <a:r>
-              <a:rPr lang="en-US" sz="1400" dirty="0"/>
-              <a:t> </a:t>
-            </a:r>
-            <a:r>
-              <a:rPr lang="en-US" sz="1400" dirty="0" err="1"/>
-              <a:t>bilder</a:t>
-            </a:r>
-            <a:r>
-              <a:rPr lang="en-US" sz="1400" dirty="0"/>
-              <a:t> </a:t>
-            </a:r>
-            <a:r>
-              <a:rPr lang="en-US" sz="1400" dirty="0" err="1"/>
-              <a:t>osv</a:t>
-            </a:r>
-            <a:r>
-              <a:rPr lang="en-US" sz="1400" dirty="0"/>
-              <a:t>.</a:t>
-            </a:r>
-          </a:p>
-          <a:p>
-            <a:pPr lvl="1"/>
-            <a:r>
-              <a:rPr lang="en-US" sz="1400" b="1" dirty="0"/>
-              <a:t>components </a:t>
-            </a:r>
-            <a:r>
-              <a:rPr lang="en-US" sz="1400" dirty="0"/>
-              <a:t>– </a:t>
-            </a:r>
-            <a:r>
-              <a:rPr lang="en-US" sz="1400" dirty="0" err="1"/>
-              <a:t>där</a:t>
-            </a:r>
-            <a:r>
-              <a:rPr lang="en-US" sz="1400" dirty="0"/>
-              <a:t> man </a:t>
-            </a:r>
-            <a:r>
-              <a:rPr lang="en-US" sz="1400" dirty="0" err="1"/>
-              <a:t>skapar</a:t>
-            </a:r>
-            <a:r>
-              <a:rPr lang="en-US" sz="1400" dirty="0"/>
-              <a:t> </a:t>
-            </a:r>
-            <a:r>
-              <a:rPr lang="en-US" sz="1400" dirty="0" err="1"/>
-              <a:t>sina</a:t>
-            </a:r>
-            <a:r>
-              <a:rPr lang="en-US" sz="1400" dirty="0"/>
-              <a:t> </a:t>
-            </a:r>
-            <a:r>
-              <a:rPr lang="en-US" sz="1400" dirty="0" err="1"/>
-              <a:t>componenter</a:t>
-            </a:r>
-            <a:r>
-              <a:rPr lang="en-US" sz="1400" dirty="0"/>
-              <a:t> om man </a:t>
-            </a:r>
-            <a:r>
-              <a:rPr lang="en-US" sz="1400" dirty="0" err="1"/>
-              <a:t>vill</a:t>
-            </a:r>
-            <a:r>
-              <a:rPr lang="en-US" sz="1400" dirty="0"/>
-              <a:t> </a:t>
-            </a:r>
-            <a:r>
-              <a:rPr lang="en-US" sz="1400" dirty="0" err="1"/>
-              <a:t>inte</a:t>
-            </a:r>
-            <a:r>
-              <a:rPr lang="en-US" sz="1400" dirty="0"/>
-              <a:t> </a:t>
-            </a:r>
-            <a:r>
-              <a:rPr lang="en-US" sz="1400" dirty="0" err="1"/>
-              <a:t>nödvändigt</a:t>
-            </a:r>
-            <a:r>
-              <a:rPr lang="en-US" sz="1400" dirty="0"/>
-              <a:t> </a:t>
-            </a:r>
-            <a:r>
-              <a:rPr lang="en-US" sz="1400" dirty="0" err="1"/>
-              <a:t>så</a:t>
-            </a:r>
-            <a:r>
-              <a:rPr lang="en-US" sz="1400" dirty="0"/>
-              <a:t> </a:t>
-            </a:r>
-            <a:r>
-              <a:rPr lang="en-US" sz="1400" dirty="0" err="1"/>
-              <a:t>länge</a:t>
-            </a:r>
-            <a:r>
-              <a:rPr lang="en-US" sz="1400" dirty="0"/>
-              <a:t> de </a:t>
-            </a:r>
-            <a:r>
-              <a:rPr lang="en-US" sz="1400" dirty="0" err="1"/>
-              <a:t>är</a:t>
-            </a:r>
-            <a:r>
-              <a:rPr lang="en-US" sz="1400" dirty="0"/>
-              <a:t> I </a:t>
-            </a:r>
-            <a:r>
-              <a:rPr lang="en-US" sz="1400" dirty="0" err="1"/>
-              <a:t>src</a:t>
-            </a:r>
-            <a:r>
-              <a:rPr lang="en-US" sz="1400" dirty="0"/>
-              <a:t> </a:t>
-            </a:r>
-            <a:r>
-              <a:rPr lang="en-US" sz="1400" dirty="0" err="1"/>
-              <a:t>mappen</a:t>
-            </a:r>
-            <a:r>
-              <a:rPr lang="en-US" sz="1400" dirty="0"/>
-              <a:t>.</a:t>
-            </a:r>
-          </a:p>
-          <a:p>
-            <a:pPr lvl="1"/>
-            <a:r>
-              <a:rPr lang="en-US" sz="1400" b="1" dirty="0"/>
-              <a:t>main.js </a:t>
-            </a:r>
-            <a:r>
-              <a:rPr lang="en-US" sz="1400" dirty="0"/>
-              <a:t>– </a:t>
-            </a:r>
-            <a:r>
-              <a:rPr lang="en-US" sz="1400" dirty="0" err="1"/>
-              <a:t>där</a:t>
-            </a:r>
-            <a:r>
-              <a:rPr lang="en-US" sz="1400" dirty="0"/>
-              <a:t> </a:t>
-            </a:r>
-            <a:r>
-              <a:rPr lang="en-US" sz="1400" dirty="0" err="1"/>
-              <a:t>applikationen</a:t>
-            </a:r>
-            <a:r>
-              <a:rPr lang="en-US" sz="1400" dirty="0"/>
-              <a:t> </a:t>
-            </a:r>
-            <a:r>
-              <a:rPr lang="en-US" sz="1400" dirty="0" err="1"/>
-              <a:t>initieras</a:t>
-            </a:r>
-            <a:r>
-              <a:rPr lang="en-US" sz="1400" dirty="0"/>
-              <a:t> </a:t>
-            </a:r>
-            <a:r>
-              <a:rPr lang="en-US" sz="1400" dirty="0" err="1"/>
-              <a:t>och</a:t>
-            </a:r>
-            <a:r>
-              <a:rPr lang="en-US" sz="1400" dirty="0"/>
-              <a:t> </a:t>
-            </a:r>
-            <a:r>
-              <a:rPr lang="en-US" sz="1400" dirty="0" err="1"/>
-              <a:t>andra</a:t>
-            </a:r>
-            <a:r>
-              <a:rPr lang="en-US" sz="1400" dirty="0"/>
-              <a:t> </a:t>
-            </a:r>
-            <a:r>
-              <a:rPr lang="en-US" sz="1400" dirty="0" err="1"/>
-              <a:t>beroenden</a:t>
-            </a:r>
-            <a:r>
-              <a:rPr lang="en-US" sz="1400" dirty="0"/>
-              <a:t> </a:t>
-            </a:r>
-            <a:r>
-              <a:rPr lang="en-US" sz="1400" dirty="0" err="1"/>
-              <a:t>som</a:t>
-            </a:r>
-            <a:r>
-              <a:rPr lang="en-US" sz="1400" dirty="0"/>
-              <a:t> </a:t>
-            </a:r>
-            <a:r>
-              <a:rPr lang="en-US" sz="1400" dirty="0" err="1"/>
-              <a:t>applikationen</a:t>
-            </a:r>
-            <a:r>
-              <a:rPr lang="en-US" sz="1400" dirty="0"/>
-              <a:t> </a:t>
-            </a:r>
-            <a:r>
-              <a:rPr lang="en-US" sz="1400" dirty="0" err="1"/>
-              <a:t>använder</a:t>
-            </a:r>
-            <a:r>
-              <a:rPr lang="en-US" sz="1400" dirty="0"/>
-              <a:t>.</a:t>
-            </a:r>
-            <a:endParaRPr lang="en-US" sz="1400" b="1" dirty="0"/>
-          </a:p>
-          <a:p>
-            <a:r>
-              <a:rPr lang="en-US" sz="1400" b="1" dirty="0" err="1"/>
-              <a:t>package.json</a:t>
-            </a:r>
-            <a:endParaRPr lang="en-US" sz="1400" b="1" dirty="0"/>
-          </a:p>
-          <a:p>
-            <a:pPr lvl="1"/>
-            <a:r>
-              <a:rPr lang="en-US" sz="1200" dirty="0" err="1"/>
-              <a:t>Listar</a:t>
-            </a:r>
-            <a:r>
-              <a:rPr lang="en-US" sz="1200" dirty="0"/>
-              <a:t> </a:t>
-            </a:r>
-            <a:r>
-              <a:rPr lang="en-US" sz="1200" dirty="0" err="1"/>
-              <a:t>alla</a:t>
-            </a:r>
-            <a:r>
-              <a:rPr lang="en-US" sz="1200" dirty="0"/>
-              <a:t> </a:t>
-            </a:r>
-            <a:r>
-              <a:rPr lang="en-US" sz="1200" dirty="0" err="1"/>
-              <a:t>javascript</a:t>
-            </a:r>
-            <a:r>
-              <a:rPr lang="en-US" sz="1200" dirty="0"/>
-              <a:t> </a:t>
-            </a:r>
-            <a:r>
-              <a:rPr lang="en-US" sz="1200" dirty="0" err="1"/>
-              <a:t>bibliotek</a:t>
-            </a:r>
-            <a:r>
-              <a:rPr lang="en-US" sz="1200" dirty="0"/>
-              <a:t> </a:t>
-            </a:r>
-            <a:r>
-              <a:rPr lang="en-US" sz="1200" dirty="0" err="1"/>
-              <a:t>som</a:t>
-            </a:r>
-            <a:r>
-              <a:rPr lang="en-US" sz="1200" dirty="0"/>
-              <a:t> </a:t>
-            </a:r>
-            <a:r>
-              <a:rPr lang="en-US" sz="1200" dirty="0" err="1"/>
-              <a:t>projektet</a:t>
-            </a:r>
-            <a:r>
-              <a:rPr lang="en-US" sz="1200" dirty="0"/>
-              <a:t> </a:t>
-            </a:r>
-            <a:r>
-              <a:rPr lang="en-US" sz="1200" dirty="0" err="1"/>
-              <a:t>använder</a:t>
-            </a:r>
-            <a:r>
-              <a:rPr lang="en-US" sz="1200" dirty="0"/>
-              <a:t> sig </a:t>
-            </a:r>
-            <a:r>
-              <a:rPr lang="en-US" sz="1200" dirty="0" err="1"/>
-              <a:t>utav</a:t>
-            </a:r>
-            <a:r>
-              <a:rPr lang="en-US" sz="1200" dirty="0"/>
-              <a:t> </a:t>
-            </a:r>
-            <a:r>
-              <a:rPr lang="en-US" sz="1200" dirty="0" err="1"/>
-              <a:t>och</a:t>
-            </a:r>
-            <a:r>
-              <a:rPr lang="en-US" sz="1200" dirty="0"/>
-              <a:t> </a:t>
-            </a:r>
-            <a:r>
-              <a:rPr lang="en-US" sz="1200" dirty="0" err="1"/>
-              <a:t>en</a:t>
-            </a:r>
-            <a:r>
-              <a:rPr lang="en-US" sz="1200" dirty="0"/>
-              <a:t> del </a:t>
-            </a:r>
-            <a:r>
-              <a:rPr lang="en-US" sz="1200" dirty="0" err="1"/>
-              <a:t>inställningar</a:t>
-            </a:r>
-            <a:r>
-              <a:rPr lang="en-US" sz="1200" dirty="0"/>
-              <a:t> </a:t>
-            </a:r>
-            <a:r>
-              <a:rPr lang="en-US" sz="1200" dirty="0" err="1"/>
-              <a:t>och</a:t>
-            </a:r>
-            <a:r>
-              <a:rPr lang="en-US" sz="1200" dirty="0"/>
-              <a:t> </a:t>
-            </a:r>
-            <a:r>
-              <a:rPr lang="en-US" sz="1200" dirty="0" err="1"/>
-              <a:t>konfigurationer</a:t>
-            </a:r>
-            <a:r>
-              <a:rPr lang="en-US" sz="1200" dirty="0"/>
-              <a:t>.</a:t>
-            </a:r>
-            <a:endParaRPr lang="en-SE" sz="1200" dirty="0"/>
-          </a:p>
-        </p:txBody>
-      </p:sp>
-      <p:pic>
-        <p:nvPicPr>
-          <p:cNvPr id="5" name="Picture 4">
-            <a:extLst>
-              <a:ext uri="{FF2B5EF4-FFF2-40B4-BE49-F238E27FC236}">
-                <a16:creationId xmlns:a16="http://schemas.microsoft.com/office/drawing/2014/main" id="{BE885182-9518-4149-9732-163988920D3F}"/>
-              </a:ext>
-            </a:extLst>
-          </p:cNvPr>
-          <p:cNvPicPr>
-            <a:picLocks noChangeAspect="1"/>
-          </p:cNvPicPr>
-          <p:nvPr/>
-        </p:nvPicPr>
-        <p:blipFill>
-          <a:blip r:embed="rId2"/>
-          <a:stretch>
-            <a:fillRect/>
-          </a:stretch>
-        </p:blipFill>
-        <p:spPr>
-          <a:xfrm>
-            <a:off x="8193404" y="1699631"/>
-            <a:ext cx="2375535" cy="4374461"/>
-          </a:xfrm>
-          <a:prstGeom prst="rect">
-            <a:avLst/>
-          </a:prstGeom>
-        </p:spPr>
-      </p:pic>
-    </p:spTree>
-    <p:extLst>
-      <p:ext uri="{BB962C8B-B14F-4D97-AF65-F5344CB8AC3E}">
-        <p14:creationId xmlns:p14="http://schemas.microsoft.com/office/powerpoint/2010/main" val="1863028339"/>
-      </p:ext>
-    </p:extLst>
-  </p:cSld>
-  <p:clrMapOvr>
-    <a:masterClrMapping/>
-  </p:clrMapOvr>
-</p:sld>
-</file>
-
-<file path=ppt/slides/slide5.xml><?xml version="1.0" encoding="utf-8"?>
 <p:sld xmlns:a="http://schemas.openxmlformats.org/drawingml/2006/main" xmlns:r="http://schemas.openxmlformats.org/officeDocument/2006/relationships" xmlns:p="http://schemas.openxmlformats.org/presentationml/2006/main">
   <p:cSld>
     <p:bg>
@@ -16463,6 +17708,168 @@
     <p:extLst>
       <p:ext uri="{BB962C8B-B14F-4D97-AF65-F5344CB8AC3E}">
         <p14:creationId xmlns:p14="http://schemas.microsoft.com/office/powerpoint/2010/main" val="2257163368"/>
+      </p:ext>
+    </p:extLst>
+  </p:cSld>
+  <p:clrMapOvr>
+    <a:masterClrMapping/>
+  </p:clrMapOvr>
+</p:sld>
+</file>
+
+<file path=ppt/slides/slide5.xml><?xml version="1.0" encoding="utf-8"?>
+<p:sld xmlns:a="http://schemas.openxmlformats.org/drawingml/2006/main" xmlns:r="http://schemas.openxmlformats.org/officeDocument/2006/relationships" xmlns:p="http://schemas.openxmlformats.org/presentationml/2006/main">
+  <p:cSld>
+    <p:spTree>
+      <p:nvGrpSpPr>
+        <p:cNvPr id="1" name=""/>
+        <p:cNvGrpSpPr/>
+        <p:nvPr/>
+      </p:nvGrpSpPr>
+      <p:grpSpPr>
+        <a:xfrm>
+          <a:off x="0" y="0"/>
+          <a:ext cx="0" cy="0"/>
+          <a:chOff x="0" y="0"/>
+          <a:chExt cx="0" cy="0"/>
+        </a:xfrm>
+      </p:grpSpPr>
+      <p:pic>
+        <p:nvPicPr>
+          <p:cNvPr id="7" name="Content Placeholder 6">
+            <a:extLst>
+              <a:ext uri="{FF2B5EF4-FFF2-40B4-BE49-F238E27FC236}">
+                <a16:creationId xmlns:a16="http://schemas.microsoft.com/office/drawing/2014/main" id="{AA9FDD85-E879-9463-482C-2289713AFE71}"/>
+              </a:ext>
+            </a:extLst>
+          </p:cNvPr>
+          <p:cNvPicPr>
+            <a:picLocks noGrp="1" noChangeAspect="1"/>
+          </p:cNvPicPr>
+          <p:nvPr>
+            <p:ph idx="1"/>
+          </p:nvPr>
+        </p:nvPicPr>
+        <p:blipFill>
+          <a:blip r:embed="rId2"/>
+          <a:stretch>
+            <a:fillRect/>
+          </a:stretch>
+        </p:blipFill>
+        <p:spPr>
+          <a:xfrm>
+            <a:off x="1892231" y="2000773"/>
+            <a:ext cx="8705461" cy="4590029"/>
+          </a:xfrm>
+        </p:spPr>
+      </p:pic>
+      <p:sp>
+        <p:nvSpPr>
+          <p:cNvPr id="8" name="Title 1">
+            <a:extLst>
+              <a:ext uri="{FF2B5EF4-FFF2-40B4-BE49-F238E27FC236}">
+                <a16:creationId xmlns:a16="http://schemas.microsoft.com/office/drawing/2014/main" id="{4B0D44DD-0503-0D69-22F7-0E38B60B30B4}"/>
+              </a:ext>
+            </a:extLst>
+          </p:cNvPr>
+          <p:cNvSpPr>
+            <a:spLocks noGrp="1"/>
+          </p:cNvSpPr>
+          <p:nvPr>
+            <p:ph type="title"/>
+          </p:nvPr>
+        </p:nvSpPr>
+        <p:spPr>
+          <a:xfrm>
+            <a:off x="1203434" y="382385"/>
+            <a:ext cx="10893973" cy="596023"/>
+          </a:xfrm>
+        </p:spPr>
+        <p:txBody>
+          <a:bodyPr>
+            <a:normAutofit fontScale="90000"/>
+          </a:bodyPr>
+          <a:lstStyle/>
+          <a:p>
+            <a:pPr algn="ctr"/>
+            <a:r>
+              <a:rPr lang="en-US" sz="4000" dirty="0" err="1">
+                <a:latin typeface="Gill Sans MT (Body)"/>
+              </a:rPr>
+              <a:t>Övningslänk</a:t>
+            </a:r>
+            <a:r>
+              <a:rPr lang="en-US" sz="4000" dirty="0">
+                <a:latin typeface="Gill Sans MT (Body)"/>
+              </a:rPr>
+              <a:t> </a:t>
+            </a:r>
+            <a:r>
+              <a:rPr lang="en-US" sz="4000" dirty="0" err="1">
+                <a:latin typeface="Gill Sans MT (Body)"/>
+              </a:rPr>
+              <a:t>och</a:t>
+            </a:r>
+            <a:r>
+              <a:rPr lang="en-US" sz="4000" dirty="0">
+                <a:latin typeface="Gill Sans MT (Body)"/>
+              </a:rPr>
+              <a:t> </a:t>
+            </a:r>
+            <a:r>
+              <a:rPr lang="en-US" sz="4000" dirty="0" err="1">
+                <a:latin typeface="Gill Sans MT (Body)"/>
+              </a:rPr>
+              <a:t>inställningar</a:t>
+            </a:r>
+            <a:endParaRPr lang="en-US" sz="4000" dirty="0">
+              <a:latin typeface="Gill Sans MT (Body)"/>
+            </a:endParaRPr>
+          </a:p>
+        </p:txBody>
+      </p:sp>
+      <p:sp>
+        <p:nvSpPr>
+          <p:cNvPr id="9" name="TextBox 8">
+            <a:extLst>
+              <a:ext uri="{FF2B5EF4-FFF2-40B4-BE49-F238E27FC236}">
+                <a16:creationId xmlns:a16="http://schemas.microsoft.com/office/drawing/2014/main" id="{EDF83D7E-34CA-BE1A-4F40-6DB419695938}"/>
+              </a:ext>
+            </a:extLst>
+          </p:cNvPr>
+          <p:cNvSpPr txBox="1"/>
+          <p:nvPr/>
+        </p:nvSpPr>
+        <p:spPr>
+          <a:xfrm>
+            <a:off x="4744302" y="1342239"/>
+            <a:ext cx="3203121" cy="369332"/>
+          </a:xfrm>
+          <a:prstGeom prst="rect">
+            <a:avLst/>
+          </a:prstGeom>
+          <a:noFill/>
+        </p:spPr>
+        <p:txBody>
+          <a:bodyPr wrap="none" rtlCol="0">
+            <a:spAutoFit/>
+          </a:bodyPr>
+          <a:lstStyle/>
+          <a:p>
+            <a:r>
+              <a:rPr lang="sv-SE" dirty="0">
+                <a:hlinkClick r:id="rId3"/>
+              </a:rPr>
+              <a:t>https://vuejs.org/tutorial/#step-1</a:t>
+            </a:r>
+            <a:endParaRPr lang="sv-SE" dirty="0"/>
+          </a:p>
+        </p:txBody>
+      </p:sp>
+    </p:spTree>
+    <p:extLst>
+      <p:ext uri="{BB962C8B-B14F-4D97-AF65-F5344CB8AC3E}">
+        <p14:creationId xmlns:p14="http://schemas.microsoft.com/office/powerpoint/2010/main" val="1201588148"/>
       </p:ext>
     </p:extLst>
   </p:cSld>
@@ -18886,15 +20293,6 @@
 </file>
 
 <file path=customXml/item1.xml><?xml version="1.0" encoding="utf-8"?>
-<?mso-contentType ?>
-<FormTemplates xmlns="http://schemas.microsoft.com/sharepoint/v3/contenttype/forms">
-  <Display>DocumentLibraryForm</Display>
-  <Edit>DocumentLibraryForm</Edit>
-  <New>DocumentLibraryForm</New>
-</FormTemplates>
-</file>
-
-<file path=customXml/item2.xml><?xml version="1.0" encoding="utf-8"?>
 <ct:contentTypeSchema xmlns:ct="http://schemas.microsoft.com/office/2006/metadata/contentType" xmlns:ma="http://schemas.microsoft.com/office/2006/metadata/properties/metaAttributes" ct:_="" ma:_="" ma:contentTypeName="Document" ma:contentTypeID="0x01010079F111ED35F8CC479449609E8A0923A6" ma:contentTypeVersion="11" ma:contentTypeDescription="Create a new document." ma:contentTypeScope="" ma:versionID="96291512c1ee715ab617f4c07df79fc1">
   <xsd:schema xmlns:xsd="http://www.w3.org/2001/XMLSchema" xmlns:xs="http://www.w3.org/2001/XMLSchema" xmlns:p="http://schemas.microsoft.com/office/2006/metadata/properties" xmlns:ns2="71af3243-3dd4-4a8d-8c0d-dd76da1f02a5" xmlns:ns3="16c05727-aa75-4e4a-9b5f-8a80a1165891" targetNamespace="http://schemas.microsoft.com/office/2006/metadata/properties" ma:root="true" ma:fieldsID="8256c27c40ca5c40ce1cf6c44f0205df" ns2:_="" ns3:_="">
     <xsd:import namespace="71af3243-3dd4-4a8d-8c0d-dd76da1f02a5"/>
@@ -19105,6 +20503,15 @@
 </ct:contentTypeSchema>
 </file>
 
+<file path=customXml/item2.xml><?xml version="1.0" encoding="utf-8"?>
+<?mso-contentType ?>
+<FormTemplates xmlns="http://schemas.microsoft.com/sharepoint/v3/contenttype/forms">
+  <Display>DocumentLibraryForm</Display>
+  <Edit>DocumentLibraryForm</Edit>
+  <New>DocumentLibraryForm</New>
+</FormTemplates>
+</file>
+
 <file path=customXml/item3.xml><?xml version="1.0" encoding="utf-8"?>
 <p:properties xmlns:p="http://schemas.microsoft.com/office/2006/metadata/properties" xmlns:xsi="http://www.w3.org/2001/XMLSchema-instance" xmlns:pc="http://schemas.microsoft.com/office/infopath/2007/PartnerControls">
   <documentManagement>
@@ -19114,14 +20521,6 @@
 </file>
 
 <file path=customXml/itemProps1.xml><?xml version="1.0" encoding="utf-8"?>
-<ds:datastoreItem xmlns:ds="http://schemas.openxmlformats.org/officeDocument/2006/customXml" ds:itemID="{52D0167F-E486-4F9B-83E2-993954E11F03}">
-  <ds:schemaRefs>
-    <ds:schemaRef ds:uri="http://schemas.microsoft.com/sharepoint/v3/contenttype/forms"/>
-  </ds:schemaRefs>
-</ds:datastoreItem>
-</file>
-
-<file path=customXml/itemProps2.xml><?xml version="1.0" encoding="utf-8"?>
 <ds:datastoreItem xmlns:ds="http://schemas.openxmlformats.org/officeDocument/2006/customXml" ds:itemID="{15A714DE-2D72-4B69-B5D2-B9FD4274177E}">
   <ds:schemaRefs>
     <ds:schemaRef ds:uri="http://schemas.microsoft.com/office/2006/metadata/contentType"/>
@@ -19140,6 +20539,14 @@
 </ds:datastoreItem>
 </file>
 
+<file path=customXml/itemProps2.xml><?xml version="1.0" encoding="utf-8"?>
+<ds:datastoreItem xmlns:ds="http://schemas.openxmlformats.org/officeDocument/2006/customXml" ds:itemID="{52D0167F-E486-4F9B-83E2-993954E11F03}">
+  <ds:schemaRefs>
+    <ds:schemaRef ds:uri="http://schemas.microsoft.com/sharepoint/v3/contenttype/forms"/>
+  </ds:schemaRefs>
+</ds:datastoreItem>
+</file>
+
 <file path=customXml/itemProps3.xml><?xml version="1.0" encoding="utf-8"?>
 <ds:datastoreItem xmlns:ds="http://schemas.openxmlformats.org/officeDocument/2006/customXml" ds:itemID="{BDB3E54F-9BB9-4821-81E3-A4EFEC7BD0AD}">
   <ds:schemaRefs>

--- a/Vue/Vue.pptx
+++ b/Vue/Vue.pptx
@@ -242,7 +242,7 @@
           <a:p>
             <a:fld id="{18E9A1B5-1BE4-4CD6-80C4-143959F034D3}" type="datetimeFigureOut">
               <a:rPr lang="en-US" smtClean="0"/>
-              <a:t>12/19/2022</a:t>
+              <a:t>12/20/2022</a:t>
             </a:fld>
             <a:endParaRPr lang="en-US" dirty="0"/>
           </a:p>
@@ -419,7 +419,7 @@
           <a:p>
             <a:fld id="{D8E6120A-21AF-4F12-ABAA-66A70823631B}" type="datetimeFigureOut">
               <a:rPr lang="en-US" smtClean="0"/>
-              <a:t>12/19/2022</a:t>
+              <a:t>12/20/2022</a:t>
             </a:fld>
             <a:endParaRPr lang="en-US" dirty="0"/>
           </a:p>
@@ -1988,7 +1988,7 @@
           <a:p>
             <a:fld id="{EF63B152-7103-4FFE-90AC-D94EB7F44A7E}" type="datetimeFigureOut">
               <a:rPr lang="en-US" smtClean="0"/>
-              <a:t>12/19/2022</a:t>
+              <a:t>12/20/2022</a:t>
             </a:fld>
             <a:endParaRPr lang="en-US" dirty="0"/>
           </a:p>
@@ -2226,7 +2226,7 @@
           <a:p>
             <a:fld id="{EF63B152-7103-4FFE-90AC-D94EB7F44A7E}" type="datetimeFigureOut">
               <a:rPr lang="en-US" smtClean="0"/>
-              <a:t>12/19/2022</a:t>
+              <a:t>12/20/2022</a:t>
             </a:fld>
             <a:endParaRPr lang="en-US" dirty="0"/>
           </a:p>
@@ -2406,7 +2406,7 @@
           <a:p>
             <a:fld id="{EF63B152-7103-4FFE-90AC-D94EB7F44A7E}" type="datetimeFigureOut">
               <a:rPr lang="en-US" smtClean="0"/>
-              <a:t>12/19/2022</a:t>
+              <a:t>12/20/2022</a:t>
             </a:fld>
             <a:endParaRPr lang="en-US" dirty="0"/>
           </a:p>
@@ -2576,7 +2576,7 @@
           <a:p>
             <a:fld id="{EF63B152-7103-4FFE-90AC-D94EB7F44A7E}" type="datetimeFigureOut">
               <a:rPr lang="en-US" smtClean="0"/>
-              <a:t>12/19/2022</a:t>
+              <a:t>12/20/2022</a:t>
             </a:fld>
             <a:endParaRPr lang="en-US" dirty="0"/>
           </a:p>
@@ -2852,7 +2852,7 @@
           <a:p>
             <a:fld id="{EF63B152-7103-4FFE-90AC-D94EB7F44A7E}" type="datetimeFigureOut">
               <a:rPr lang="en-US" smtClean="0"/>
-              <a:t>12/19/2022</a:t>
+              <a:t>12/20/2022</a:t>
             </a:fld>
             <a:endParaRPr lang="en-US" dirty="0"/>
           </a:p>
@@ -4053,7 +4053,7 @@
           <a:p>
             <a:fld id="{EF63B152-7103-4FFE-90AC-D94EB7F44A7E}" type="datetimeFigureOut">
               <a:rPr lang="en-US" smtClean="0"/>
-              <a:t>12/19/2022</a:t>
+              <a:t>12/20/2022</a:t>
             </a:fld>
             <a:endParaRPr lang="en-US" dirty="0"/>
           </a:p>
@@ -4443,7 +4443,7 @@
           <a:p>
             <a:fld id="{EF63B152-7103-4FFE-90AC-D94EB7F44A7E}" type="datetimeFigureOut">
               <a:rPr lang="en-US" smtClean="0"/>
-              <a:t>12/19/2022</a:t>
+              <a:t>12/20/2022</a:t>
             </a:fld>
             <a:endParaRPr lang="en-US" dirty="0"/>
           </a:p>
@@ -4566,7 +4566,7 @@
           <a:p>
             <a:fld id="{EF63B152-7103-4FFE-90AC-D94EB7F44A7E}" type="datetimeFigureOut">
               <a:rPr lang="en-US" smtClean="0"/>
-              <a:t>12/19/2022</a:t>
+              <a:t>12/20/2022</a:t>
             </a:fld>
             <a:endParaRPr lang="en-US" dirty="0"/>
           </a:p>
@@ -4661,7 +4661,7 @@
           <a:p>
             <a:fld id="{EF63B152-7103-4FFE-90AC-D94EB7F44A7E}" type="datetimeFigureOut">
               <a:rPr lang="en-US" smtClean="0"/>
-              <a:t>12/19/2022</a:t>
+              <a:t>12/20/2022</a:t>
             </a:fld>
             <a:endParaRPr lang="en-US" dirty="0"/>
           </a:p>
@@ -5424,7 +5424,7 @@
           <a:p>
             <a:fld id="{EF63B152-7103-4FFE-90AC-D94EB7F44A7E}" type="datetimeFigureOut">
               <a:rPr lang="en-US" smtClean="0"/>
-              <a:t>12/19/2022</a:t>
+              <a:t>12/20/2022</a:t>
             </a:fld>
             <a:endParaRPr lang="en-US" dirty="0"/>
           </a:p>
@@ -6264,7 +6264,7 @@
           <a:p>
             <a:fld id="{EF63B152-7103-4FFE-90AC-D94EB7F44A7E}" type="datetimeFigureOut">
               <a:rPr lang="en-US" smtClean="0"/>
-              <a:t>12/19/2022</a:t>
+              <a:t>12/20/2022</a:t>
             </a:fld>
             <a:endParaRPr lang="en-US" dirty="0"/>
           </a:p>
@@ -6491,7 +6491,7 @@
           <a:p>
             <a:fld id="{EF63B152-7103-4FFE-90AC-D94EB7F44A7E}" type="datetimeFigureOut">
               <a:rPr lang="en-US" smtClean="0"/>
-              <a:t>12/19/2022</a:t>
+              <a:t>12/20/2022</a:t>
             </a:fld>
             <a:endParaRPr lang="en-US" dirty="0"/>
           </a:p>
@@ -20293,6 +20293,15 @@
 </file>
 
 <file path=customXml/item1.xml><?xml version="1.0" encoding="utf-8"?>
+<?mso-contentType ?>
+<FormTemplates xmlns="http://schemas.microsoft.com/sharepoint/v3/contenttype/forms">
+  <Display>DocumentLibraryForm</Display>
+  <Edit>DocumentLibraryForm</Edit>
+  <New>DocumentLibraryForm</New>
+</FormTemplates>
+</file>
+
+<file path=customXml/item2.xml><?xml version="1.0" encoding="utf-8"?>
 <ct:contentTypeSchema xmlns:ct="http://schemas.microsoft.com/office/2006/metadata/contentType" xmlns:ma="http://schemas.microsoft.com/office/2006/metadata/properties/metaAttributes" ct:_="" ma:_="" ma:contentTypeName="Document" ma:contentTypeID="0x01010079F111ED35F8CC479449609E8A0923A6" ma:contentTypeVersion="11" ma:contentTypeDescription="Create a new document." ma:contentTypeScope="" ma:versionID="96291512c1ee715ab617f4c07df79fc1">
   <xsd:schema xmlns:xsd="http://www.w3.org/2001/XMLSchema" xmlns:xs="http://www.w3.org/2001/XMLSchema" xmlns:p="http://schemas.microsoft.com/office/2006/metadata/properties" xmlns:ns2="71af3243-3dd4-4a8d-8c0d-dd76da1f02a5" xmlns:ns3="16c05727-aa75-4e4a-9b5f-8a80a1165891" targetNamespace="http://schemas.microsoft.com/office/2006/metadata/properties" ma:root="true" ma:fieldsID="8256c27c40ca5c40ce1cf6c44f0205df" ns2:_="" ns3:_="">
     <xsd:import namespace="71af3243-3dd4-4a8d-8c0d-dd76da1f02a5"/>
@@ -20503,15 +20512,6 @@
 </ct:contentTypeSchema>
 </file>
 
-<file path=customXml/item2.xml><?xml version="1.0" encoding="utf-8"?>
-<?mso-contentType ?>
-<FormTemplates xmlns="http://schemas.microsoft.com/sharepoint/v3/contenttype/forms">
-  <Display>DocumentLibraryForm</Display>
-  <Edit>DocumentLibraryForm</Edit>
-  <New>DocumentLibraryForm</New>
-</FormTemplates>
-</file>
-
 <file path=customXml/item3.xml><?xml version="1.0" encoding="utf-8"?>
 <p:properties xmlns:p="http://schemas.microsoft.com/office/2006/metadata/properties" xmlns:xsi="http://www.w3.org/2001/XMLSchema-instance" xmlns:pc="http://schemas.microsoft.com/office/infopath/2007/PartnerControls">
   <documentManagement>
@@ -20521,6 +20521,14 @@
 </file>
 
 <file path=customXml/itemProps1.xml><?xml version="1.0" encoding="utf-8"?>
+<ds:datastoreItem xmlns:ds="http://schemas.openxmlformats.org/officeDocument/2006/customXml" ds:itemID="{52D0167F-E486-4F9B-83E2-993954E11F03}">
+  <ds:schemaRefs>
+    <ds:schemaRef ds:uri="http://schemas.microsoft.com/sharepoint/v3/contenttype/forms"/>
+  </ds:schemaRefs>
+</ds:datastoreItem>
+</file>
+
+<file path=customXml/itemProps2.xml><?xml version="1.0" encoding="utf-8"?>
 <ds:datastoreItem xmlns:ds="http://schemas.openxmlformats.org/officeDocument/2006/customXml" ds:itemID="{15A714DE-2D72-4B69-B5D2-B9FD4274177E}">
   <ds:schemaRefs>
     <ds:schemaRef ds:uri="http://schemas.microsoft.com/office/2006/metadata/contentType"/>
@@ -20539,14 +20547,6 @@
 </ds:datastoreItem>
 </file>
 
-<file path=customXml/itemProps2.xml><?xml version="1.0" encoding="utf-8"?>
-<ds:datastoreItem xmlns:ds="http://schemas.openxmlformats.org/officeDocument/2006/customXml" ds:itemID="{52D0167F-E486-4F9B-83E2-993954E11F03}">
-  <ds:schemaRefs>
-    <ds:schemaRef ds:uri="http://schemas.microsoft.com/sharepoint/v3/contenttype/forms"/>
-  </ds:schemaRefs>
-</ds:datastoreItem>
-</file>
-
 <file path=customXml/itemProps3.xml><?xml version="1.0" encoding="utf-8"?>
 <ds:datastoreItem xmlns:ds="http://schemas.openxmlformats.org/officeDocument/2006/customXml" ds:itemID="{BDB3E54F-9BB9-4821-81E3-A4EFEC7BD0AD}">
   <ds:schemaRefs>

--- a/Vue/Vue.pptx
+++ b/Vue/Vue.pptx
@@ -5,10 +5,10 @@
     <p:sldMasterId id="2147483660" r:id="rId4"/>
   </p:sldMasterIdLst>
   <p:notesMasterIdLst>
-    <p:notesMasterId r:id="rId33"/>
+    <p:notesMasterId r:id="rId31"/>
   </p:notesMasterIdLst>
   <p:handoutMasterIdLst>
-    <p:handoutMasterId r:id="rId34"/>
+    <p:handoutMasterId r:id="rId32"/>
   </p:handoutMasterIdLst>
   <p:sldIdLst>
     <p:sldId id="256" r:id="rId5"/>
@@ -33,12 +33,10 @@
     <p:sldId id="298" r:id="rId24"/>
     <p:sldId id="292" r:id="rId25"/>
     <p:sldId id="294" r:id="rId26"/>
-    <p:sldId id="303" r:id="rId27"/>
-    <p:sldId id="302" r:id="rId28"/>
-    <p:sldId id="295" r:id="rId29"/>
-    <p:sldId id="297" r:id="rId30"/>
-    <p:sldId id="299" r:id="rId31"/>
-    <p:sldId id="301" r:id="rId32"/>
+    <p:sldId id="295" r:id="rId27"/>
+    <p:sldId id="309" r:id="rId28"/>
+    <p:sldId id="297" r:id="rId29"/>
+    <p:sldId id="301" r:id="rId30"/>
   </p:sldIdLst>
   <p:sldSz cx="12192000" cy="6858000"/>
   <p:notesSz cx="6858000" cy="9144000"/>
@@ -242,7 +240,7 @@
           <a:p>
             <a:fld id="{18E9A1B5-1BE4-4CD6-80C4-143959F034D3}" type="datetimeFigureOut">
               <a:rPr lang="en-US" smtClean="0"/>
-              <a:t>12/20/2022</a:t>
+              <a:t>1/9/2023</a:t>
             </a:fld>
             <a:endParaRPr lang="en-US" dirty="0"/>
           </a:p>
@@ -419,7 +417,7 @@
           <a:p>
             <a:fld id="{D8E6120A-21AF-4F12-ABAA-66A70823631B}" type="datetimeFigureOut">
               <a:rPr lang="en-US" smtClean="0"/>
-              <a:t>12/20/2022</a:t>
+              <a:t>1/9/2023</a:t>
             </a:fld>
             <a:endParaRPr lang="en-US" dirty="0"/>
           </a:p>
@@ -1988,7 +1986,7 @@
           <a:p>
             <a:fld id="{EF63B152-7103-4FFE-90AC-D94EB7F44A7E}" type="datetimeFigureOut">
               <a:rPr lang="en-US" smtClean="0"/>
-              <a:t>12/20/2022</a:t>
+              <a:t>1/9/2023</a:t>
             </a:fld>
             <a:endParaRPr lang="en-US" dirty="0"/>
           </a:p>
@@ -2226,7 +2224,7 @@
           <a:p>
             <a:fld id="{EF63B152-7103-4FFE-90AC-D94EB7F44A7E}" type="datetimeFigureOut">
               <a:rPr lang="en-US" smtClean="0"/>
-              <a:t>12/20/2022</a:t>
+              <a:t>1/9/2023</a:t>
             </a:fld>
             <a:endParaRPr lang="en-US" dirty="0"/>
           </a:p>
@@ -2406,7 +2404,7 @@
           <a:p>
             <a:fld id="{EF63B152-7103-4FFE-90AC-D94EB7F44A7E}" type="datetimeFigureOut">
               <a:rPr lang="en-US" smtClean="0"/>
-              <a:t>12/20/2022</a:t>
+              <a:t>1/9/2023</a:t>
             </a:fld>
             <a:endParaRPr lang="en-US" dirty="0"/>
           </a:p>
@@ -2576,7 +2574,7 @@
           <a:p>
             <a:fld id="{EF63B152-7103-4FFE-90AC-D94EB7F44A7E}" type="datetimeFigureOut">
               <a:rPr lang="en-US" smtClean="0"/>
-              <a:t>12/20/2022</a:t>
+              <a:t>1/9/2023</a:t>
             </a:fld>
             <a:endParaRPr lang="en-US" dirty="0"/>
           </a:p>
@@ -2852,7 +2850,7 @@
           <a:p>
             <a:fld id="{EF63B152-7103-4FFE-90AC-D94EB7F44A7E}" type="datetimeFigureOut">
               <a:rPr lang="en-US" smtClean="0"/>
-              <a:t>12/20/2022</a:t>
+              <a:t>1/9/2023</a:t>
             </a:fld>
             <a:endParaRPr lang="en-US" dirty="0"/>
           </a:p>
@@ -4053,7 +4051,7 @@
           <a:p>
             <a:fld id="{EF63B152-7103-4FFE-90AC-D94EB7F44A7E}" type="datetimeFigureOut">
               <a:rPr lang="en-US" smtClean="0"/>
-              <a:t>12/20/2022</a:t>
+              <a:t>1/9/2023</a:t>
             </a:fld>
             <a:endParaRPr lang="en-US" dirty="0"/>
           </a:p>
@@ -4443,7 +4441,7 @@
           <a:p>
             <a:fld id="{EF63B152-7103-4FFE-90AC-D94EB7F44A7E}" type="datetimeFigureOut">
               <a:rPr lang="en-US" smtClean="0"/>
-              <a:t>12/20/2022</a:t>
+              <a:t>1/9/2023</a:t>
             </a:fld>
             <a:endParaRPr lang="en-US" dirty="0"/>
           </a:p>
@@ -4566,7 +4564,7 @@
           <a:p>
             <a:fld id="{EF63B152-7103-4FFE-90AC-D94EB7F44A7E}" type="datetimeFigureOut">
               <a:rPr lang="en-US" smtClean="0"/>
-              <a:t>12/20/2022</a:t>
+              <a:t>1/9/2023</a:t>
             </a:fld>
             <a:endParaRPr lang="en-US" dirty="0"/>
           </a:p>
@@ -4661,7 +4659,7 @@
           <a:p>
             <a:fld id="{EF63B152-7103-4FFE-90AC-D94EB7F44A7E}" type="datetimeFigureOut">
               <a:rPr lang="en-US" smtClean="0"/>
-              <a:t>12/20/2022</a:t>
+              <a:t>1/9/2023</a:t>
             </a:fld>
             <a:endParaRPr lang="en-US" dirty="0"/>
           </a:p>
@@ -5424,7 +5422,7 @@
           <a:p>
             <a:fld id="{EF63B152-7103-4FFE-90AC-D94EB7F44A7E}" type="datetimeFigureOut">
               <a:rPr lang="en-US" smtClean="0"/>
-              <a:t>12/20/2022</a:t>
+              <a:t>1/9/2023</a:t>
             </a:fld>
             <a:endParaRPr lang="en-US" dirty="0"/>
           </a:p>
@@ -6264,7 +6262,7 @@
           <a:p>
             <a:fld id="{EF63B152-7103-4FFE-90AC-D94EB7F44A7E}" type="datetimeFigureOut">
               <a:rPr lang="en-US" smtClean="0"/>
-              <a:t>12/20/2022</a:t>
+              <a:t>1/9/2023</a:t>
             </a:fld>
             <a:endParaRPr lang="en-US" dirty="0"/>
           </a:p>
@@ -6491,7 +6489,7 @@
           <a:p>
             <a:fld id="{EF63B152-7103-4FFE-90AC-D94EB7F44A7E}" type="datetimeFigureOut">
               <a:rPr lang="en-US" smtClean="0"/>
-              <a:t>12/20/2022</a:t>
+              <a:t>1/9/2023</a:t>
             </a:fld>
             <a:endParaRPr lang="en-US" dirty="0"/>
           </a:p>
@@ -10773,12 +10771,199 @@
           </a:p>
         </p:txBody>
       </p:sp>
+      <p:sp>
+        <p:nvSpPr>
+          <p:cNvPr id="9" name="TextBox 8">
+            <a:extLst>
+              <a:ext uri="{FF2B5EF4-FFF2-40B4-BE49-F238E27FC236}">
+                <a16:creationId xmlns:a16="http://schemas.microsoft.com/office/drawing/2014/main" id="{99CDBD65-7792-4A38-9673-BA0DBDEF02B5}"/>
+              </a:ext>
+            </a:extLst>
+          </p:cNvPr>
+          <p:cNvSpPr txBox="1"/>
+          <p:nvPr/>
+        </p:nvSpPr>
+        <p:spPr>
+          <a:xfrm>
+            <a:off x="1728131" y="671837"/>
+            <a:ext cx="9999049" cy="1200329"/>
+          </a:xfrm>
+          <a:prstGeom prst="rect">
+            <a:avLst/>
+          </a:prstGeom>
+          <a:noFill/>
+        </p:spPr>
+        <p:txBody>
+          <a:bodyPr wrap="square" rtlCol="0">
+            <a:spAutoFit/>
+          </a:bodyPr>
+          <a:lstStyle/>
+          <a:p>
+            <a:pPr marL="285750" indent="-285750">
+              <a:buFont typeface="Arial" panose="020B0604020202020204" pitchFamily="34" charset="0"/>
+              <a:buChar char="•"/>
+            </a:pPr>
+            <a:r>
+              <a:rPr lang="sv-SE" dirty="0">
+                <a:solidFill>
+                  <a:schemeClr val="tx1">
+                    <a:lumMod val="65000"/>
+                    <a:lumOff val="35000"/>
+                  </a:schemeClr>
+                </a:solidFill>
+              </a:rPr>
+              <a:t>Class bindning tillåter oss applicera klasser på element om variablerna som kontrolleras är sanna.</a:t>
+            </a:r>
+          </a:p>
+          <a:p>
+            <a:pPr marL="285750" indent="-285750">
+              <a:buFont typeface="Arial" panose="020B0604020202020204" pitchFamily="34" charset="0"/>
+              <a:buChar char="•"/>
+            </a:pPr>
+            <a:endParaRPr lang="sv-SE" dirty="0">
+              <a:solidFill>
+                <a:schemeClr val="tx1">
+                  <a:lumMod val="65000"/>
+                  <a:lumOff val="35000"/>
+                </a:schemeClr>
+              </a:solidFill>
+            </a:endParaRPr>
+          </a:p>
+          <a:p>
+            <a:pPr marL="285750" indent="-285750">
+              <a:buFont typeface="Arial" panose="020B0604020202020204" pitchFamily="34" charset="0"/>
+              <a:buChar char="•"/>
+            </a:pPr>
+            <a:r>
+              <a:rPr lang="sv-SE" dirty="0">
+                <a:solidFill>
+                  <a:schemeClr val="tx1">
+                    <a:lumMod val="65000"/>
+                    <a:lumOff val="35000"/>
+                  </a:schemeClr>
+                </a:solidFill>
+              </a:rPr>
+              <a:t>Om variablerna </a:t>
+            </a:r>
+            <a:r>
+              <a:rPr lang="sv-SE" dirty="0" err="1">
+                <a:solidFill>
+                  <a:schemeClr val="tx2">
+                    <a:lumMod val="75000"/>
+                    <a:lumOff val="25000"/>
+                  </a:schemeClr>
+                </a:solidFill>
+              </a:rPr>
+              <a:t>textColor</a:t>
+            </a:r>
+            <a:r>
+              <a:rPr lang="sv-SE" dirty="0">
+                <a:solidFill>
+                  <a:schemeClr val="tx1">
+                    <a:lumMod val="65000"/>
+                    <a:lumOff val="35000"/>
+                  </a:schemeClr>
+                </a:solidFill>
+              </a:rPr>
+              <a:t>  eller </a:t>
+            </a:r>
+            <a:r>
+              <a:rPr lang="sv-SE" dirty="0" err="1">
+                <a:solidFill>
+                  <a:schemeClr val="tx2">
+                    <a:lumMod val="75000"/>
+                    <a:lumOff val="25000"/>
+                  </a:schemeClr>
+                </a:solidFill>
+              </a:rPr>
+              <a:t>backgroundColor</a:t>
+            </a:r>
+            <a:r>
+              <a:rPr lang="sv-SE" dirty="0">
+                <a:solidFill>
+                  <a:schemeClr val="tx1">
+                    <a:lumMod val="65000"/>
+                    <a:lumOff val="35000"/>
+                  </a:schemeClr>
+                </a:solidFill>
+              </a:rPr>
+              <a:t> är sant, kommer klassen </a:t>
+            </a:r>
+            <a:r>
+              <a:rPr lang="sv-SE" dirty="0">
+                <a:solidFill>
+                  <a:schemeClr val="tx2">
+                    <a:lumMod val="75000"/>
+                    <a:lumOff val="25000"/>
+                  </a:schemeClr>
+                </a:solidFill>
+              </a:rPr>
+              <a:t>’text-color</a:t>
+            </a:r>
+            <a:r>
+              <a:rPr lang="sv-SE" dirty="0">
+                <a:solidFill>
+                  <a:schemeClr val="tx1">
+                    <a:lumMod val="65000"/>
+                    <a:lumOff val="35000"/>
+                  </a:schemeClr>
+                </a:solidFill>
+              </a:rPr>
+              <a:t>’ </a:t>
+            </a:r>
+            <a:r>
+              <a:rPr lang="sv-SE" dirty="0">
+                <a:solidFill>
+                  <a:schemeClr val="tx2">
+                    <a:lumMod val="75000"/>
+                    <a:lumOff val="25000"/>
+                  </a:schemeClr>
+                </a:solidFill>
+              </a:rPr>
+              <a:t>’</a:t>
+            </a:r>
+            <a:r>
+              <a:rPr lang="sv-SE" dirty="0" err="1">
+                <a:solidFill>
+                  <a:schemeClr val="tx2">
+                    <a:lumMod val="75000"/>
+                    <a:lumOff val="25000"/>
+                  </a:schemeClr>
+                </a:solidFill>
+              </a:rPr>
+              <a:t>background</a:t>
+            </a:r>
+            <a:r>
+              <a:rPr lang="sv-SE" dirty="0">
+                <a:solidFill>
+                  <a:schemeClr val="tx2">
+                    <a:lumMod val="75000"/>
+                    <a:lumOff val="25000"/>
+                  </a:schemeClr>
+                </a:solidFill>
+              </a:rPr>
+              <a:t>-color</a:t>
+            </a:r>
+            <a:r>
+              <a:rPr lang="sv-SE" dirty="0">
+                <a:solidFill>
+                  <a:schemeClr val="tx1">
+                    <a:lumMod val="65000"/>
+                    <a:lumOff val="35000"/>
+                  </a:schemeClr>
+                </a:solidFill>
+              </a:rPr>
+              <a:t>’ appliceras. </a:t>
+            </a:r>
+          </a:p>
+        </p:txBody>
+      </p:sp>
       <p:pic>
         <p:nvPicPr>
-          <p:cNvPr id="5" name="Picture 4">
+          <p:cNvPr id="6" name="Picture 5">
             <a:extLst>
               <a:ext uri="{FF2B5EF4-FFF2-40B4-BE49-F238E27FC236}">
-                <a16:creationId xmlns:a16="http://schemas.microsoft.com/office/drawing/2014/main" id="{16CCF429-9D2B-4E83-A2E6-BD04525D6DC3}"/>
+                <a16:creationId xmlns:a16="http://schemas.microsoft.com/office/drawing/2014/main" id="{531DDF9D-E6E4-6086-4EBB-F2CF06F52DB1}"/>
               </a:ext>
             </a:extLst>
           </p:cNvPr>
@@ -10795,198 +10980,14 @@
         </p:blipFill>
         <p:spPr>
           <a:xfrm>
-            <a:off x="945187" y="2432482"/>
-            <a:ext cx="5954530" cy="3631841"/>
+            <a:off x="1528282" y="1805835"/>
+            <a:ext cx="9353550" cy="4848225"/>
           </a:xfrm>
           <a:prstGeom prst="rect">
             <a:avLst/>
           </a:prstGeom>
         </p:spPr>
       </p:pic>
-      <p:pic>
-        <p:nvPicPr>
-          <p:cNvPr id="4" name="Picture 3">
-            <a:extLst>
-              <a:ext uri="{FF2B5EF4-FFF2-40B4-BE49-F238E27FC236}">
-                <a16:creationId xmlns:a16="http://schemas.microsoft.com/office/drawing/2014/main" id="{46C78681-B4C7-4516-BCB8-CC048384EFC9}"/>
-              </a:ext>
-            </a:extLst>
-          </p:cNvPr>
-          <p:cNvPicPr>
-            <a:picLocks noChangeAspect="1"/>
-          </p:cNvPicPr>
-          <p:nvPr/>
-        </p:nvPicPr>
-        <p:blipFill>
-          <a:blip r:embed="rId3"/>
-          <a:stretch>
-            <a:fillRect/>
-          </a:stretch>
-        </p:blipFill>
-        <p:spPr>
-          <a:xfrm>
-            <a:off x="6828123" y="2432482"/>
-            <a:ext cx="5291449" cy="1855443"/>
-          </a:xfrm>
-          <a:prstGeom prst="rect">
-            <a:avLst/>
-          </a:prstGeom>
-        </p:spPr>
-      </p:pic>
-      <p:sp>
-        <p:nvSpPr>
-          <p:cNvPr id="9" name="TextBox 8">
-            <a:extLst>
-              <a:ext uri="{FF2B5EF4-FFF2-40B4-BE49-F238E27FC236}">
-                <a16:creationId xmlns:a16="http://schemas.microsoft.com/office/drawing/2014/main" id="{99CDBD65-7792-4A38-9673-BA0DBDEF02B5}"/>
-              </a:ext>
-            </a:extLst>
-          </p:cNvPr>
-          <p:cNvSpPr txBox="1"/>
-          <p:nvPr/>
-        </p:nvSpPr>
-        <p:spPr>
-          <a:xfrm>
-            <a:off x="1728131" y="671837"/>
-            <a:ext cx="9999049" cy="923330"/>
-          </a:xfrm>
-          <a:prstGeom prst="rect">
-            <a:avLst/>
-          </a:prstGeom>
-          <a:noFill/>
-        </p:spPr>
-        <p:txBody>
-          <a:bodyPr wrap="square" rtlCol="0">
-            <a:spAutoFit/>
-          </a:bodyPr>
-          <a:lstStyle/>
-          <a:p>
-            <a:pPr marL="285750" indent="-285750">
-              <a:buFont typeface="Arial" panose="020B0604020202020204" pitchFamily="34" charset="0"/>
-              <a:buChar char="•"/>
-            </a:pPr>
-            <a:r>
-              <a:rPr lang="sv-SE" dirty="0">
-                <a:solidFill>
-                  <a:schemeClr val="tx1">
-                    <a:lumMod val="65000"/>
-                    <a:lumOff val="35000"/>
-                  </a:schemeClr>
-                </a:solidFill>
-              </a:rPr>
-              <a:t>Class bindning tillåter oss applicera klasser på element om variablerna som kontrolleras är sanna.</a:t>
-            </a:r>
-          </a:p>
-          <a:p>
-            <a:pPr marL="285750" indent="-285750">
-              <a:buFont typeface="Arial" panose="020B0604020202020204" pitchFamily="34" charset="0"/>
-              <a:buChar char="•"/>
-            </a:pPr>
-            <a:endParaRPr lang="sv-SE" dirty="0">
-              <a:solidFill>
-                <a:schemeClr val="tx1">
-                  <a:lumMod val="65000"/>
-                  <a:lumOff val="35000"/>
-                </a:schemeClr>
-              </a:solidFill>
-            </a:endParaRPr>
-          </a:p>
-          <a:p>
-            <a:pPr marL="285750" indent="-285750">
-              <a:buFont typeface="Arial" panose="020B0604020202020204" pitchFamily="34" charset="0"/>
-              <a:buChar char="•"/>
-            </a:pPr>
-            <a:r>
-              <a:rPr lang="sv-SE" dirty="0">
-                <a:solidFill>
-                  <a:schemeClr val="tx1">
-                    <a:lumMod val="65000"/>
-                    <a:lumOff val="35000"/>
-                  </a:schemeClr>
-                </a:solidFill>
-              </a:rPr>
-              <a:t>Om </a:t>
-            </a:r>
-            <a:r>
-              <a:rPr lang="sv-SE" dirty="0" err="1">
-                <a:solidFill>
-                  <a:schemeClr val="tx2">
-                    <a:lumMod val="75000"/>
-                    <a:lumOff val="25000"/>
-                  </a:schemeClr>
-                </a:solidFill>
-              </a:rPr>
-              <a:t>isActive</a:t>
-            </a:r>
-            <a:r>
-              <a:rPr lang="sv-SE" dirty="0">
-                <a:solidFill>
-                  <a:schemeClr val="tx1">
-                    <a:lumMod val="65000"/>
-                    <a:lumOff val="35000"/>
-                  </a:schemeClr>
-                </a:solidFill>
-              </a:rPr>
-              <a:t> är sant, kommer klassen </a:t>
-            </a:r>
-            <a:r>
-              <a:rPr lang="sv-SE" dirty="0">
-                <a:solidFill>
-                  <a:schemeClr val="tx2">
-                    <a:lumMod val="75000"/>
-                    <a:lumOff val="25000"/>
-                  </a:schemeClr>
-                </a:solidFill>
-              </a:rPr>
-              <a:t>’</a:t>
-            </a:r>
-            <a:r>
-              <a:rPr lang="sv-SE" dirty="0" err="1">
-                <a:solidFill>
-                  <a:schemeClr val="tx2">
-                    <a:lumMod val="75000"/>
-                    <a:lumOff val="25000"/>
-                  </a:schemeClr>
-                </a:solidFill>
-              </a:rPr>
-              <a:t>active</a:t>
-            </a:r>
-            <a:r>
-              <a:rPr lang="sv-SE" dirty="0">
-                <a:solidFill>
-                  <a:schemeClr val="tx1">
-                    <a:lumMod val="65000"/>
-                    <a:lumOff val="35000"/>
-                  </a:schemeClr>
-                </a:solidFill>
-              </a:rPr>
-              <a:t>’ appliceras. Samma sak gäller för om </a:t>
-            </a:r>
-            <a:r>
-              <a:rPr lang="sv-SE" dirty="0" err="1">
-                <a:solidFill>
-                  <a:schemeClr val="tx2">
-                    <a:lumMod val="75000"/>
-                    <a:lumOff val="25000"/>
-                  </a:schemeClr>
-                </a:solidFill>
-              </a:rPr>
-              <a:t>hasError</a:t>
-            </a:r>
-            <a:r>
-              <a:rPr lang="sv-SE" dirty="0">
-                <a:solidFill>
-                  <a:schemeClr val="tx1">
-                    <a:lumMod val="65000"/>
-                    <a:lumOff val="35000"/>
-                  </a:schemeClr>
-                </a:solidFill>
-              </a:rPr>
-              <a:t> är sant.</a:t>
-            </a:r>
-          </a:p>
-        </p:txBody>
-      </p:sp>
     </p:spTree>
     <p:extLst>
       <p:ext uri="{BB962C8B-B14F-4D97-AF65-F5344CB8AC3E}">
@@ -11055,12 +11056,307 @@
           </a:p>
         </p:txBody>
       </p:sp>
+      <p:sp>
+        <p:nvSpPr>
+          <p:cNvPr id="4" name="TextBox 3">
+            <a:extLst>
+              <a:ext uri="{FF2B5EF4-FFF2-40B4-BE49-F238E27FC236}">
+                <a16:creationId xmlns:a16="http://schemas.microsoft.com/office/drawing/2014/main" id="{65BEC0D4-5A9A-4E52-B67F-B133B96E20C0}"/>
+              </a:ext>
+            </a:extLst>
+          </p:cNvPr>
+          <p:cNvSpPr txBox="1"/>
+          <p:nvPr/>
+        </p:nvSpPr>
+        <p:spPr>
+          <a:xfrm>
+            <a:off x="922021" y="1023937"/>
+            <a:ext cx="10654786" cy="1754326"/>
+          </a:xfrm>
+          <a:prstGeom prst="rect">
+            <a:avLst/>
+          </a:prstGeom>
+          <a:noFill/>
+        </p:spPr>
+        <p:txBody>
+          <a:bodyPr wrap="square" rtlCol="0">
+            <a:spAutoFit/>
+          </a:bodyPr>
+          <a:lstStyle/>
+          <a:p>
+            <a:pPr marL="285750" indent="-285750">
+              <a:buFont typeface="Arial" panose="020B0604020202020204" pitchFamily="34" charset="0"/>
+              <a:buChar char="•"/>
+            </a:pPr>
+            <a:r>
+              <a:rPr lang="sv-SE" dirty="0">
+                <a:solidFill>
+                  <a:schemeClr val="tx1">
+                    <a:lumMod val="65000"/>
+                    <a:lumOff val="35000"/>
+                  </a:schemeClr>
+                </a:solidFill>
+                <a:latin typeface="Gill Sans MT (Body)"/>
+                <a:cs typeface="Times New Roman" panose="02020603050405020304" pitchFamily="18" charset="0"/>
+              </a:rPr>
+              <a:t>Vill man applicera </a:t>
+            </a:r>
+            <a:r>
+              <a:rPr lang="sv-SE" dirty="0" err="1">
+                <a:solidFill>
+                  <a:schemeClr val="tx1">
+                    <a:lumMod val="65000"/>
+                    <a:lumOff val="35000"/>
+                  </a:schemeClr>
+                </a:solidFill>
+                <a:latin typeface="Gill Sans MT (Body)"/>
+                <a:cs typeface="Times New Roman" panose="02020603050405020304" pitchFamily="18" charset="0"/>
+              </a:rPr>
+              <a:t>css-styles</a:t>
+            </a:r>
+            <a:r>
+              <a:rPr lang="sv-SE" dirty="0">
+                <a:solidFill>
+                  <a:schemeClr val="tx1">
+                    <a:lumMod val="65000"/>
+                    <a:lumOff val="35000"/>
+                  </a:schemeClr>
+                </a:solidFill>
+                <a:latin typeface="Gill Sans MT (Body)"/>
+                <a:cs typeface="Times New Roman" panose="02020603050405020304" pitchFamily="18" charset="0"/>
+              </a:rPr>
+              <a:t> på element med värden på data variabler kan man använda style-bindning.</a:t>
+            </a:r>
+          </a:p>
+          <a:p>
+            <a:endParaRPr lang="sv-SE" dirty="0">
+              <a:solidFill>
+                <a:schemeClr val="tx1">
+                  <a:lumMod val="65000"/>
+                  <a:lumOff val="35000"/>
+                </a:schemeClr>
+              </a:solidFill>
+              <a:latin typeface="Gill Sans MT (Body)"/>
+              <a:cs typeface="Times New Roman" panose="02020603050405020304" pitchFamily="18" charset="0"/>
+            </a:endParaRPr>
+          </a:p>
+          <a:p>
+            <a:pPr marL="285750" indent="-285750">
+              <a:buFont typeface="Arial" panose="020B0604020202020204" pitchFamily="34" charset="0"/>
+              <a:buChar char="•"/>
+            </a:pPr>
+            <a:r>
+              <a:rPr lang="sv-SE" dirty="0">
+                <a:solidFill>
+                  <a:schemeClr val="tx1">
+                    <a:lumMod val="65000"/>
+                    <a:lumOff val="35000"/>
+                  </a:schemeClr>
+                </a:solidFill>
+                <a:latin typeface="Gill Sans MT (Body)"/>
+                <a:cs typeface="Times New Roman" panose="02020603050405020304" pitchFamily="18" charset="0"/>
+              </a:rPr>
+              <a:t>Man binder till ett objekt med egenskaperna: ’</a:t>
+            </a:r>
+            <a:r>
+              <a:rPr lang="sv-SE" dirty="0">
+                <a:solidFill>
+                  <a:schemeClr val="tx2">
+                    <a:lumMod val="75000"/>
+                    <a:lumOff val="25000"/>
+                  </a:schemeClr>
+                </a:solidFill>
+                <a:latin typeface="Gill Sans MT (Body)"/>
+                <a:cs typeface="Times New Roman" panose="02020603050405020304" pitchFamily="18" charset="0"/>
+              </a:rPr>
+              <a:t>{</a:t>
+            </a:r>
+            <a:r>
+              <a:rPr lang="sv-SE" dirty="0" err="1">
+                <a:solidFill>
+                  <a:schemeClr val="tx2">
+                    <a:lumMod val="75000"/>
+                    <a:lumOff val="25000"/>
+                  </a:schemeClr>
+                </a:solidFill>
+                <a:latin typeface="Gill Sans MT (Body)"/>
+                <a:cs typeface="Times New Roman" panose="02020603050405020304" pitchFamily="18" charset="0"/>
+              </a:rPr>
+              <a:t>css</a:t>
+            </a:r>
+            <a:r>
+              <a:rPr lang="sv-SE" dirty="0">
+                <a:solidFill>
+                  <a:schemeClr val="tx2">
+                    <a:lumMod val="75000"/>
+                    <a:lumOff val="25000"/>
+                  </a:schemeClr>
+                </a:solidFill>
+                <a:latin typeface="Gill Sans MT (Body)"/>
+                <a:cs typeface="Times New Roman" panose="02020603050405020304" pitchFamily="18" charset="0"/>
+              </a:rPr>
+              <a:t>-regel: data-variabel, …}</a:t>
+            </a:r>
+            <a:r>
+              <a:rPr lang="sv-SE" dirty="0">
+                <a:solidFill>
+                  <a:schemeClr val="tx1">
+                    <a:lumMod val="65000"/>
+                    <a:lumOff val="35000"/>
+                  </a:schemeClr>
+                </a:solidFill>
+                <a:latin typeface="Gill Sans MT (Body)"/>
+                <a:cs typeface="Times New Roman" panose="02020603050405020304" pitchFamily="18" charset="0"/>
+              </a:rPr>
+              <a:t>’ som till i exemplet:</a:t>
+            </a:r>
+            <a:br>
+              <a:rPr lang="sv-SE" dirty="0">
+                <a:solidFill>
+                  <a:schemeClr val="tx1">
+                    <a:lumMod val="65000"/>
+                    <a:lumOff val="35000"/>
+                  </a:schemeClr>
+                </a:solidFill>
+                <a:latin typeface="Gill Sans MT (Body)"/>
+                <a:cs typeface="Times New Roman" panose="02020603050405020304" pitchFamily="18" charset="0"/>
+              </a:rPr>
+            </a:br>
+            <a:r>
+              <a:rPr lang="sv-SE" dirty="0">
+                <a:solidFill>
+                  <a:schemeClr val="tx2">
+                    <a:lumMod val="75000"/>
+                    <a:lumOff val="25000"/>
+                  </a:schemeClr>
+                </a:solidFill>
+                <a:latin typeface="Gill Sans MT (Body)"/>
+                <a:cs typeface="Times New Roman" panose="02020603050405020304" pitchFamily="18" charset="0"/>
+              </a:rPr>
+              <a:t>:style=”{’</a:t>
+            </a:r>
+            <a:r>
+              <a:rPr lang="sv-SE" dirty="0" err="1">
+                <a:solidFill>
+                  <a:schemeClr val="tx2">
+                    <a:lumMod val="75000"/>
+                    <a:lumOff val="25000"/>
+                  </a:schemeClr>
+                </a:solidFill>
+                <a:latin typeface="Gill Sans MT (Body)"/>
+                <a:cs typeface="Times New Roman" panose="02020603050405020304" pitchFamily="18" charset="0"/>
+              </a:rPr>
+              <a:t>background</a:t>
+            </a:r>
+            <a:r>
+              <a:rPr lang="sv-SE" dirty="0">
+                <a:solidFill>
+                  <a:schemeClr val="tx2">
+                    <a:lumMod val="75000"/>
+                    <a:lumOff val="25000"/>
+                  </a:schemeClr>
+                </a:solidFill>
+                <a:latin typeface="Gill Sans MT (Body)"/>
+                <a:cs typeface="Times New Roman" panose="02020603050405020304" pitchFamily="18" charset="0"/>
+              </a:rPr>
+              <a:t>-color’: </a:t>
+            </a:r>
+            <a:r>
+              <a:rPr lang="sv-SE" dirty="0" err="1">
+                <a:solidFill>
+                  <a:schemeClr val="tx2">
+                    <a:lumMod val="75000"/>
+                    <a:lumOff val="25000"/>
+                  </a:schemeClr>
+                </a:solidFill>
+                <a:latin typeface="Gill Sans MT (Body)"/>
+                <a:cs typeface="Times New Roman" panose="02020603050405020304" pitchFamily="18" charset="0"/>
+              </a:rPr>
+              <a:t>backgroundColor</a:t>
+            </a:r>
+            <a:r>
+              <a:rPr lang="sv-SE" dirty="0">
+                <a:solidFill>
+                  <a:schemeClr val="tx2">
+                    <a:lumMod val="75000"/>
+                    <a:lumOff val="25000"/>
+                  </a:schemeClr>
+                </a:solidFill>
+                <a:latin typeface="Gill Sans MT (Body)"/>
+                <a:cs typeface="Times New Roman" panose="02020603050405020304" pitchFamily="18" charset="0"/>
+              </a:rPr>
+              <a:t>}”</a:t>
+            </a:r>
+          </a:p>
+          <a:p>
+            <a:pPr marL="285750" indent="-285750">
+              <a:buFont typeface="Arial" panose="020B0604020202020204" pitchFamily="34" charset="0"/>
+              <a:buChar char="•"/>
+            </a:pPr>
+            <a:endParaRPr lang="sv-SE" dirty="0">
+              <a:solidFill>
+                <a:schemeClr val="tx2">
+                  <a:lumMod val="75000"/>
+                  <a:lumOff val="25000"/>
+                </a:schemeClr>
+              </a:solidFill>
+              <a:latin typeface="Gill Sans MT (Body)"/>
+              <a:cs typeface="Times New Roman" panose="02020603050405020304" pitchFamily="18" charset="0"/>
+            </a:endParaRPr>
+          </a:p>
+          <a:p>
+            <a:pPr marL="285750" indent="-285750">
+              <a:buFont typeface="Arial" panose="020B0604020202020204" pitchFamily="34" charset="0"/>
+              <a:buChar char="•"/>
+            </a:pPr>
+            <a:r>
+              <a:rPr lang="sv-SE" dirty="0">
+                <a:solidFill>
+                  <a:schemeClr val="tx1">
+                    <a:lumMod val="65000"/>
+                    <a:lumOff val="35000"/>
+                  </a:schemeClr>
+                </a:solidFill>
+                <a:latin typeface="Gill Sans MT (Body)"/>
+                <a:cs typeface="Times New Roman" panose="02020603050405020304" pitchFamily="18" charset="0"/>
+              </a:rPr>
+              <a:t>När variabeln </a:t>
+            </a:r>
+            <a:r>
+              <a:rPr lang="sv-SE" dirty="0" err="1">
+                <a:solidFill>
+                  <a:schemeClr val="tx1">
+                    <a:lumMod val="65000"/>
+                    <a:lumOff val="35000"/>
+                  </a:schemeClr>
+                </a:solidFill>
+                <a:latin typeface="Gill Sans MT (Body)"/>
+                <a:cs typeface="Times New Roman" panose="02020603050405020304" pitchFamily="18" charset="0"/>
+              </a:rPr>
+              <a:t>backgroundColor</a:t>
+            </a:r>
+            <a:r>
+              <a:rPr lang="sv-SE" dirty="0">
+                <a:solidFill>
+                  <a:schemeClr val="tx1">
+                    <a:lumMod val="65000"/>
+                    <a:lumOff val="35000"/>
+                  </a:schemeClr>
+                </a:solidFill>
+                <a:latin typeface="Gill Sans MT (Body)"/>
+                <a:cs typeface="Times New Roman" panose="02020603050405020304" pitchFamily="18" charset="0"/>
+              </a:rPr>
+              <a:t> ändras, så ändras bakgrundsfärgen också eftersom den binder till variabeln.</a:t>
+            </a:r>
+          </a:p>
+        </p:txBody>
+      </p:sp>
       <p:pic>
         <p:nvPicPr>
-          <p:cNvPr id="7" name="Picture 6">
+          <p:cNvPr id="5" name="Picture 4">
             <a:extLst>
               <a:ext uri="{FF2B5EF4-FFF2-40B4-BE49-F238E27FC236}">
-                <a16:creationId xmlns:a16="http://schemas.microsoft.com/office/drawing/2014/main" id="{D2AF4823-9BA9-4472-B82C-1427113D71B5}"/>
+                <a16:creationId xmlns:a16="http://schemas.microsoft.com/office/drawing/2014/main" id="{D5F2AA05-2C6C-CD57-1266-57AE877AA66B}"/>
               </a:ext>
             </a:extLst>
           </p:cNvPr>
@@ -11077,345 +11373,14 @@
         </p:blipFill>
         <p:spPr>
           <a:xfrm>
-            <a:off x="5600408" y="1023937"/>
-            <a:ext cx="6715125" cy="4810125"/>
+            <a:off x="1453450" y="3071442"/>
+            <a:ext cx="9118134" cy="3274180"/>
           </a:xfrm>
           <a:prstGeom prst="rect">
             <a:avLst/>
           </a:prstGeom>
         </p:spPr>
       </p:pic>
-      <p:sp>
-        <p:nvSpPr>
-          <p:cNvPr id="4" name="TextBox 3">
-            <a:extLst>
-              <a:ext uri="{FF2B5EF4-FFF2-40B4-BE49-F238E27FC236}">
-                <a16:creationId xmlns:a16="http://schemas.microsoft.com/office/drawing/2014/main" id="{65BEC0D4-5A9A-4E52-B67F-B133B96E20C0}"/>
-              </a:ext>
-            </a:extLst>
-          </p:cNvPr>
-          <p:cNvSpPr txBox="1"/>
-          <p:nvPr/>
-        </p:nvSpPr>
-        <p:spPr>
-          <a:xfrm>
-            <a:off x="922021" y="1023937"/>
-            <a:ext cx="4678387" cy="2862322"/>
-          </a:xfrm>
-          <a:prstGeom prst="rect">
-            <a:avLst/>
-          </a:prstGeom>
-          <a:noFill/>
-        </p:spPr>
-        <p:txBody>
-          <a:bodyPr wrap="square" rtlCol="0">
-            <a:spAutoFit/>
-          </a:bodyPr>
-          <a:lstStyle/>
-          <a:p>
-            <a:pPr marL="285750" indent="-285750">
-              <a:buFont typeface="Arial" panose="020B0604020202020204" pitchFamily="34" charset="0"/>
-              <a:buChar char="•"/>
-            </a:pPr>
-            <a:r>
-              <a:rPr lang="sv-SE" dirty="0">
-                <a:solidFill>
-                  <a:schemeClr val="tx1">
-                    <a:lumMod val="65000"/>
-                    <a:lumOff val="35000"/>
-                  </a:schemeClr>
-                </a:solidFill>
-                <a:latin typeface="Gill Sans MT (Body)"/>
-                <a:cs typeface="Times New Roman" panose="02020603050405020304" pitchFamily="18" charset="0"/>
-              </a:rPr>
-              <a:t>Vill man applicera </a:t>
-            </a:r>
-            <a:r>
-              <a:rPr lang="sv-SE" dirty="0" err="1">
-                <a:solidFill>
-                  <a:schemeClr val="tx1">
-                    <a:lumMod val="65000"/>
-                    <a:lumOff val="35000"/>
-                  </a:schemeClr>
-                </a:solidFill>
-                <a:latin typeface="Gill Sans MT (Body)"/>
-                <a:cs typeface="Times New Roman" panose="02020603050405020304" pitchFamily="18" charset="0"/>
-              </a:rPr>
-              <a:t>css-styles</a:t>
-            </a:r>
-            <a:r>
-              <a:rPr lang="sv-SE" dirty="0">
-                <a:solidFill>
-                  <a:schemeClr val="tx1">
-                    <a:lumMod val="65000"/>
-                    <a:lumOff val="35000"/>
-                  </a:schemeClr>
-                </a:solidFill>
-                <a:latin typeface="Gill Sans MT (Body)"/>
-                <a:cs typeface="Times New Roman" panose="02020603050405020304" pitchFamily="18" charset="0"/>
-              </a:rPr>
-              <a:t> på element med värden på data variabler kan man använda style-bindning.</a:t>
-            </a:r>
-          </a:p>
-          <a:p>
-            <a:pPr marL="285750" indent="-285750">
-              <a:buFont typeface="Arial" panose="020B0604020202020204" pitchFamily="34" charset="0"/>
-              <a:buChar char="•"/>
-            </a:pPr>
-            <a:endParaRPr lang="sv-SE" dirty="0">
-              <a:solidFill>
-                <a:schemeClr val="tx1">
-                  <a:lumMod val="65000"/>
-                  <a:lumOff val="35000"/>
-                </a:schemeClr>
-              </a:solidFill>
-              <a:latin typeface="Gill Sans MT (Body)"/>
-              <a:cs typeface="Times New Roman" panose="02020603050405020304" pitchFamily="18" charset="0"/>
-            </a:endParaRPr>
-          </a:p>
-          <a:p>
-            <a:pPr marL="285750" indent="-285750">
-              <a:buFont typeface="Arial" panose="020B0604020202020204" pitchFamily="34" charset="0"/>
-              <a:buChar char="•"/>
-            </a:pPr>
-            <a:endParaRPr lang="sv-SE" dirty="0">
-              <a:solidFill>
-                <a:schemeClr val="tx1">
-                  <a:lumMod val="65000"/>
-                  <a:lumOff val="35000"/>
-                </a:schemeClr>
-              </a:solidFill>
-              <a:latin typeface="Gill Sans MT (Body)"/>
-              <a:cs typeface="Times New Roman" panose="02020603050405020304" pitchFamily="18" charset="0"/>
-            </a:endParaRPr>
-          </a:p>
-          <a:p>
-            <a:pPr marL="285750" indent="-285750">
-              <a:buFont typeface="Arial" panose="020B0604020202020204" pitchFamily="34" charset="0"/>
-              <a:buChar char="•"/>
-            </a:pPr>
-            <a:r>
-              <a:rPr lang="sv-SE" dirty="0">
-                <a:solidFill>
-                  <a:schemeClr val="tx1">
-                    <a:lumMod val="65000"/>
-                    <a:lumOff val="35000"/>
-                  </a:schemeClr>
-                </a:solidFill>
-                <a:latin typeface="Gill Sans MT (Body)"/>
-                <a:cs typeface="Times New Roman" panose="02020603050405020304" pitchFamily="18" charset="0"/>
-              </a:rPr>
-              <a:t>Man binder till ett objekt med egenskaperna:</a:t>
-            </a:r>
-            <a:br>
-              <a:rPr lang="sv-SE" dirty="0">
-                <a:solidFill>
-                  <a:schemeClr val="tx1">
-                    <a:lumMod val="65000"/>
-                    <a:lumOff val="35000"/>
-                  </a:schemeClr>
-                </a:solidFill>
-                <a:latin typeface="Gill Sans MT (Body)"/>
-                <a:cs typeface="Times New Roman" panose="02020603050405020304" pitchFamily="18" charset="0"/>
-              </a:rPr>
-            </a:br>
-            <a:r>
-              <a:rPr lang="sv-SE" dirty="0">
-                <a:solidFill>
-                  <a:schemeClr val="tx1">
-                    <a:lumMod val="65000"/>
-                    <a:lumOff val="35000"/>
-                  </a:schemeClr>
-                </a:solidFill>
-                <a:latin typeface="Gill Sans MT (Body)"/>
-                <a:cs typeface="Times New Roman" panose="02020603050405020304" pitchFamily="18" charset="0"/>
-              </a:rPr>
-              <a:t>’</a:t>
-            </a:r>
-            <a:r>
-              <a:rPr lang="sv-SE" dirty="0">
-                <a:solidFill>
-                  <a:schemeClr val="tx2">
-                    <a:lumMod val="75000"/>
-                    <a:lumOff val="25000"/>
-                  </a:schemeClr>
-                </a:solidFill>
-                <a:latin typeface="Gill Sans MT (Body)"/>
-                <a:cs typeface="Times New Roman" panose="02020603050405020304" pitchFamily="18" charset="0"/>
-              </a:rPr>
-              <a:t>{</a:t>
-            </a:r>
-            <a:r>
-              <a:rPr lang="sv-SE" dirty="0" err="1">
-                <a:solidFill>
-                  <a:schemeClr val="tx2">
-                    <a:lumMod val="75000"/>
-                    <a:lumOff val="25000"/>
-                  </a:schemeClr>
-                </a:solidFill>
-                <a:latin typeface="Gill Sans MT (Body)"/>
-                <a:cs typeface="Times New Roman" panose="02020603050405020304" pitchFamily="18" charset="0"/>
-              </a:rPr>
-              <a:t>css</a:t>
-            </a:r>
-            <a:r>
-              <a:rPr lang="sv-SE" dirty="0">
-                <a:solidFill>
-                  <a:schemeClr val="tx2">
-                    <a:lumMod val="75000"/>
-                    <a:lumOff val="25000"/>
-                  </a:schemeClr>
-                </a:solidFill>
-                <a:latin typeface="Gill Sans MT (Body)"/>
-                <a:cs typeface="Times New Roman" panose="02020603050405020304" pitchFamily="18" charset="0"/>
-              </a:rPr>
-              <a:t>-regel: data-variabel, …}</a:t>
-            </a:r>
-            <a:r>
-              <a:rPr lang="sv-SE" dirty="0">
-                <a:solidFill>
-                  <a:schemeClr val="tx1">
-                    <a:lumMod val="65000"/>
-                    <a:lumOff val="35000"/>
-                  </a:schemeClr>
-                </a:solidFill>
-                <a:latin typeface="Gill Sans MT (Body)"/>
-                <a:cs typeface="Times New Roman" panose="02020603050405020304" pitchFamily="18" charset="0"/>
-              </a:rPr>
-              <a:t>’ som till i exemplet:</a:t>
-            </a:r>
-            <a:br>
-              <a:rPr lang="sv-SE" dirty="0">
-                <a:solidFill>
-                  <a:schemeClr val="tx1">
-                    <a:lumMod val="65000"/>
-                    <a:lumOff val="35000"/>
-                  </a:schemeClr>
-                </a:solidFill>
-                <a:latin typeface="Gill Sans MT (Body)"/>
-                <a:cs typeface="Times New Roman" panose="02020603050405020304" pitchFamily="18" charset="0"/>
-              </a:rPr>
-            </a:br>
-            <a:r>
-              <a:rPr lang="sv-SE" dirty="0">
-                <a:solidFill>
-                  <a:schemeClr val="tx2">
-                    <a:lumMod val="75000"/>
-                    <a:lumOff val="25000"/>
-                  </a:schemeClr>
-                </a:solidFill>
-                <a:latin typeface="Gill Sans MT (Body)"/>
-                <a:cs typeface="Times New Roman" panose="02020603050405020304" pitchFamily="18" charset="0"/>
-              </a:rPr>
-              <a:t>:style=”{color: </a:t>
-            </a:r>
-            <a:r>
-              <a:rPr lang="sv-SE" dirty="0" err="1">
-                <a:solidFill>
-                  <a:schemeClr val="tx2">
-                    <a:lumMod val="75000"/>
-                    <a:lumOff val="25000"/>
-                  </a:schemeClr>
-                </a:solidFill>
-                <a:latin typeface="Gill Sans MT (Body)"/>
-                <a:cs typeface="Times New Roman" panose="02020603050405020304" pitchFamily="18" charset="0"/>
-              </a:rPr>
-              <a:t>activeColor</a:t>
-            </a:r>
-            <a:r>
-              <a:rPr lang="sv-SE" dirty="0">
-                <a:solidFill>
-                  <a:schemeClr val="tx2">
-                    <a:lumMod val="75000"/>
-                    <a:lumOff val="25000"/>
-                  </a:schemeClr>
-                </a:solidFill>
-                <a:latin typeface="Gill Sans MT (Body)"/>
-                <a:cs typeface="Times New Roman" panose="02020603050405020304" pitchFamily="18" charset="0"/>
-              </a:rPr>
-              <a:t>,  </a:t>
-            </a:r>
-            <a:r>
-              <a:rPr lang="sv-SE" dirty="0" err="1">
-                <a:solidFill>
-                  <a:schemeClr val="tx2">
-                    <a:lumMod val="75000"/>
-                    <a:lumOff val="25000"/>
-                  </a:schemeClr>
-                </a:solidFill>
-                <a:latin typeface="Gill Sans MT (Body)"/>
-                <a:cs typeface="Times New Roman" panose="02020603050405020304" pitchFamily="18" charset="0"/>
-              </a:rPr>
-              <a:t>fontSize</a:t>
-            </a:r>
-            <a:r>
-              <a:rPr lang="sv-SE" dirty="0">
-                <a:solidFill>
-                  <a:schemeClr val="tx2">
-                    <a:lumMod val="75000"/>
-                    <a:lumOff val="25000"/>
-                  </a:schemeClr>
-                </a:solidFill>
-                <a:latin typeface="Gill Sans MT (Body)"/>
-                <a:cs typeface="Times New Roman" panose="02020603050405020304" pitchFamily="18" charset="0"/>
-              </a:rPr>
-              <a:t>:  </a:t>
-            </a:r>
-            <a:r>
-              <a:rPr lang="sv-SE" dirty="0" err="1">
-                <a:solidFill>
-                  <a:schemeClr val="tx2">
-                    <a:lumMod val="75000"/>
-                    <a:lumOff val="25000"/>
-                  </a:schemeClr>
-                </a:solidFill>
-                <a:latin typeface="Gill Sans MT (Body)"/>
-                <a:cs typeface="Times New Roman" panose="02020603050405020304" pitchFamily="18" charset="0"/>
-              </a:rPr>
-              <a:t>fontsize</a:t>
-            </a:r>
-            <a:r>
-              <a:rPr lang="sv-SE" dirty="0">
-                <a:solidFill>
-                  <a:schemeClr val="tx2">
-                    <a:lumMod val="75000"/>
-                    <a:lumOff val="25000"/>
-                  </a:schemeClr>
-                </a:solidFill>
-                <a:latin typeface="Gill Sans MT (Body)"/>
-                <a:cs typeface="Times New Roman" panose="02020603050405020304" pitchFamily="18" charset="0"/>
-              </a:rPr>
-              <a:t> + ’</a:t>
-            </a:r>
-            <a:r>
-              <a:rPr lang="sv-SE" dirty="0" err="1">
-                <a:solidFill>
-                  <a:schemeClr val="tx2">
-                    <a:lumMod val="75000"/>
-                    <a:lumOff val="25000"/>
-                  </a:schemeClr>
-                </a:solidFill>
-                <a:latin typeface="Gill Sans MT (Body)"/>
-                <a:cs typeface="Times New Roman" panose="02020603050405020304" pitchFamily="18" charset="0"/>
-              </a:rPr>
-              <a:t>px</a:t>
-            </a:r>
-            <a:r>
-              <a:rPr lang="sv-SE" dirty="0">
-                <a:solidFill>
-                  <a:schemeClr val="tx2">
-                    <a:lumMod val="75000"/>
-                    <a:lumOff val="25000"/>
-                  </a:schemeClr>
-                </a:solidFill>
-                <a:latin typeface="Gill Sans MT (Body)"/>
-                <a:cs typeface="Times New Roman" panose="02020603050405020304" pitchFamily="18" charset="0"/>
-              </a:rPr>
-              <a:t>’}”</a:t>
-            </a:r>
-          </a:p>
-        </p:txBody>
-      </p:sp>
     </p:spTree>
     <p:extLst>
       <p:ext uri="{BB962C8B-B14F-4D97-AF65-F5344CB8AC3E}">
@@ -11821,7 +11786,7 @@
         <p:spPr>
           <a:xfrm>
             <a:off x="6096000" y="1632643"/>
-            <a:ext cx="5623420" cy="4985980"/>
+            <a:ext cx="5623420" cy="5139869"/>
           </a:xfrm>
           <a:prstGeom prst="rect">
             <a:avLst/>
@@ -11839,7 +11804,7 @@
               <a:buChar char="•"/>
             </a:pPr>
             <a:r>
-              <a:rPr lang="sv-SE" dirty="0">
+              <a:rPr lang="sv-SE" dirty="0" err="1">
                 <a:solidFill>
                   <a:schemeClr val="tx2">
                     <a:lumMod val="75000"/>
@@ -11849,7 +11814,20 @@
                 <a:latin typeface="Gill Sans MT (Body)"/>
                 <a:cs typeface="Times New Roman" panose="02020603050405020304" pitchFamily="18" charset="0"/>
               </a:rPr>
-              <a:t>components: {…}</a:t>
+              <a:t>components</a:t>
+            </a:r>
+            <a:r>
+              <a:rPr lang="sv-SE" dirty="0">
+                <a:solidFill>
+                  <a:schemeClr val="tx2">
+                    <a:lumMod val="75000"/>
+                    <a:lumOff val="25000"/>
+                  </a:schemeClr>
+                </a:solidFill>
+                <a:latin typeface="Gill Sans MT (Body)"/>
+                <a:cs typeface="Times New Roman" panose="02020603050405020304" pitchFamily="18" charset="0"/>
+              </a:rPr>
+              <a:t>:</a:t>
             </a:r>
           </a:p>
           <a:p>
@@ -11870,12 +11848,6 @@
               </a:rPr>
               <a:t>Externa komponenter som den här komponenten använder</a:t>
             </a:r>
-          </a:p>
-          <a:p>
-            <a:pPr marL="285750" indent="-285750">
-              <a:buFont typeface="Arial" panose="020B0604020202020204" pitchFamily="34" charset="0"/>
-              <a:buChar char="•"/>
-            </a:pPr>
             <a:endParaRPr lang="sv-SE" dirty="0">
               <a:solidFill>
                 <a:schemeClr val="tx1">
@@ -11903,7 +11875,7 @@
                 <a:latin typeface="Gill Sans MT (Body)"/>
                 <a:cs typeface="Times New Roman" panose="02020603050405020304" pitchFamily="18" charset="0"/>
               </a:rPr>
-              <a:t>props: {…}</a:t>
+              <a:t>props:</a:t>
             </a:r>
           </a:p>
           <a:p>
@@ -11924,12 +11896,6 @@
               </a:rPr>
               <a:t>Värden som den här komponenten kan ta emot</a:t>
             </a:r>
-          </a:p>
-          <a:p>
-            <a:pPr marL="742950" lvl="1" indent="-285750">
-              <a:buFont typeface="Arial" panose="020B0604020202020204" pitchFamily="34" charset="0"/>
-              <a:buChar char="•"/>
-            </a:pPr>
             <a:endParaRPr lang="sv-SE" dirty="0">
               <a:solidFill>
                 <a:schemeClr val="tx1">
@@ -11947,7 +11913,7 @@
               <a:buChar char="•"/>
             </a:pPr>
             <a:r>
-              <a:rPr lang="sv-SE" dirty="0">
+              <a:rPr lang="sv-SE" dirty="0" err="1">
                 <a:solidFill>
                   <a:schemeClr val="tx2">
                     <a:lumMod val="75000"/>
@@ -11957,7 +11923,20 @@
                 <a:latin typeface="Gill Sans MT (Body)"/>
                 <a:cs typeface="Times New Roman" panose="02020603050405020304" pitchFamily="18" charset="0"/>
               </a:rPr>
-              <a:t>data: {…}</a:t>
+              <a:t>emits</a:t>
+            </a:r>
+            <a:r>
+              <a:rPr lang="sv-SE" dirty="0">
+                <a:solidFill>
+                  <a:schemeClr val="tx2">
+                    <a:lumMod val="75000"/>
+                    <a:lumOff val="25000"/>
+                  </a:schemeClr>
+                </a:solidFill>
+                <a:latin typeface="Gill Sans MT (Body)"/>
+                <a:cs typeface="Times New Roman" panose="02020603050405020304" pitchFamily="18" charset="0"/>
+              </a:rPr>
+              <a:t>:</a:t>
             </a:r>
           </a:p>
           <a:p>
@@ -11976,14 +11955,8 @@
                 <a:latin typeface="Gill Sans MT (Body)"/>
                 <a:cs typeface="Times New Roman" panose="02020603050405020304" pitchFamily="18" charset="0"/>
               </a:rPr>
-              <a:t>Komponentens reaktiva data/variabler</a:t>
-            </a:r>
-          </a:p>
-          <a:p>
-            <a:pPr marL="285750" indent="-285750">
-              <a:buFont typeface="Arial" panose="020B0604020202020204" pitchFamily="34" charset="0"/>
-              <a:buChar char="•"/>
-            </a:pPr>
+              <a:t>Värden som den här komponenten kan ta emot</a:t>
+            </a:r>
             <a:endParaRPr lang="sv-SE" dirty="0">
               <a:solidFill>
                 <a:schemeClr val="tx1">
@@ -12001,7 +11974,7 @@
               <a:buChar char="•"/>
             </a:pPr>
             <a:r>
-              <a:rPr lang="sv-SE" dirty="0" err="1">
+              <a:rPr lang="sv-SE" dirty="0">
                 <a:solidFill>
                   <a:schemeClr val="tx2">
                     <a:lumMod val="75000"/>
@@ -12011,20 +11984,7 @@
                 <a:latin typeface="Gill Sans MT (Body)"/>
                 <a:cs typeface="Times New Roman" panose="02020603050405020304" pitchFamily="18" charset="0"/>
               </a:rPr>
-              <a:t>computed</a:t>
-            </a:r>
-            <a:r>
-              <a:rPr lang="sv-SE" dirty="0">
-                <a:solidFill>
-                  <a:schemeClr val="tx2">
-                    <a:lumMod val="75000"/>
-                    <a:lumOff val="25000"/>
-                  </a:schemeClr>
-                </a:solidFill>
-                <a:latin typeface="Gill Sans MT (Body)"/>
-                <a:cs typeface="Times New Roman" panose="02020603050405020304" pitchFamily="18" charset="0"/>
-              </a:rPr>
-              <a:t>: {…}</a:t>
+              <a:t>variabler med ref(): </a:t>
             </a:r>
           </a:p>
           <a:p>
@@ -12043,14 +12003,8 @@
                 <a:latin typeface="Gill Sans MT (Body)"/>
                 <a:cs typeface="Times New Roman" panose="02020603050405020304" pitchFamily="18" charset="0"/>
               </a:rPr>
-              <a:t>Beräknade reaktiva variabler baserade på data variabler </a:t>
-            </a:r>
-          </a:p>
-          <a:p>
-            <a:pPr marL="285750" indent="-285750">
-              <a:buFont typeface="Arial" panose="020B0604020202020204" pitchFamily="34" charset="0"/>
-              <a:buChar char="•"/>
-            </a:pPr>
+              <a:t>Komponentens reaktiva data/variabler</a:t>
+            </a:r>
             <a:endParaRPr lang="sv-SE" dirty="0">
               <a:solidFill>
                 <a:schemeClr val="tx1">
@@ -12078,7 +12032,7 @@
                 <a:latin typeface="Gill Sans MT (Body)"/>
                 <a:cs typeface="Times New Roman" panose="02020603050405020304" pitchFamily="18" charset="0"/>
               </a:rPr>
-              <a:t>watch</a:t>
+              <a:t>computed</a:t>
             </a:r>
             <a:r>
               <a:rPr lang="sv-SE" dirty="0">
@@ -12091,7 +12045,7 @@
                 <a:latin typeface="Gill Sans MT (Body)"/>
                 <a:cs typeface="Times New Roman" panose="02020603050405020304" pitchFamily="18" charset="0"/>
               </a:rPr>
-              <a:t>: {…}</a:t>
+              <a:t>: </a:t>
             </a:r>
           </a:p>
           <a:p>
@@ -12100,7 +12054,7 @@
               <a:buChar char="•"/>
             </a:pPr>
             <a:r>
-              <a:rPr lang="sv-SE" sz="1600" dirty="0" err="1">
+              <a:rPr lang="sv-SE" sz="1600" dirty="0">
                 <a:solidFill>
                   <a:schemeClr val="tx1">
                     <a:lumMod val="65000"/>
@@ -12110,27 +12064,8 @@
                 <a:latin typeface="Gill Sans MT (Body)"/>
                 <a:cs typeface="Times New Roman" panose="02020603050405020304" pitchFamily="18" charset="0"/>
               </a:rPr>
-              <a:t>Funtioner</a:t>
-            </a:r>
-            <a:r>
-              <a:rPr lang="sv-SE" sz="1600" dirty="0">
-                <a:solidFill>
-                  <a:schemeClr val="tx1">
-                    <a:lumMod val="65000"/>
-                    <a:lumOff val="35000"/>
-                  </a:schemeClr>
-                </a:solidFill>
-                <a:latin typeface="Gill Sans MT (Body)"/>
-                <a:cs typeface="Times New Roman" panose="02020603050405020304" pitchFamily="18" charset="0"/>
-              </a:rPr>
-              <a:t> som triggas när en viss variabel ändrar på sig</a:t>
-            </a:r>
-          </a:p>
-          <a:p>
-            <a:pPr marL="285750" indent="-285750">
-              <a:buFont typeface="Arial" panose="020B0604020202020204" pitchFamily="34" charset="0"/>
-              <a:buChar char="•"/>
-            </a:pPr>
+              <a:t>Beräknade reaktiva variabler baserade på data variabler </a:t>
+            </a:r>
             <a:endParaRPr lang="sv-SE" dirty="0">
               <a:solidFill>
                 <a:schemeClr val="tx1">
@@ -12158,7 +12093,7 @@
                 <a:latin typeface="Gill Sans MT (Body)"/>
                 <a:cs typeface="Times New Roman" panose="02020603050405020304" pitchFamily="18" charset="0"/>
               </a:rPr>
-              <a:t>methods</a:t>
+              <a:t>watch</a:t>
             </a:r>
             <a:r>
               <a:rPr lang="sv-SE" dirty="0">
@@ -12171,7 +12106,7 @@
                 <a:latin typeface="Gill Sans MT (Body)"/>
                 <a:cs typeface="Times New Roman" panose="02020603050405020304" pitchFamily="18" charset="0"/>
               </a:rPr>
-              <a:t>: {…}</a:t>
+              <a:t>: </a:t>
             </a:r>
           </a:p>
           <a:p>
@@ -12180,7 +12115,7 @@
               <a:buChar char="•"/>
             </a:pPr>
             <a:r>
-              <a:rPr lang="sv-SE" dirty="0">
+              <a:rPr lang="sv-SE" sz="1600" dirty="0" err="1">
                 <a:solidFill>
                   <a:schemeClr val="tx1">
                     <a:lumMod val="65000"/>
@@ -12190,8 +12125,181 @@
                 <a:latin typeface="Gill Sans MT (Body)"/>
                 <a:cs typeface="Times New Roman" panose="02020603050405020304" pitchFamily="18" charset="0"/>
               </a:rPr>
+              <a:t>Funtioner</a:t>
+            </a:r>
+            <a:r>
+              <a:rPr lang="sv-SE" sz="1600" dirty="0">
+                <a:solidFill>
+                  <a:schemeClr val="tx1">
+                    <a:lumMod val="65000"/>
+                    <a:lumOff val="35000"/>
+                  </a:schemeClr>
+                </a:solidFill>
+                <a:latin typeface="Gill Sans MT (Body)"/>
+                <a:cs typeface="Times New Roman" panose="02020603050405020304" pitchFamily="18" charset="0"/>
+              </a:rPr>
+              <a:t> som triggas när en viss variabel ändrar på sig</a:t>
+            </a:r>
+            <a:endParaRPr lang="sv-SE" dirty="0">
+              <a:solidFill>
+                <a:schemeClr val="tx1">
+                  <a:lumMod val="65000"/>
+                  <a:lumOff val="35000"/>
+                </a:schemeClr>
+              </a:solidFill>
+              <a:latin typeface="Gill Sans MT (Body)"/>
+              <a:cs typeface="Times New Roman" panose="02020603050405020304" pitchFamily="18" charset="0"/>
+            </a:endParaRPr>
+          </a:p>
+          <a:p>
+            <a:pPr marL="285750" indent="-285750">
+              <a:buFont typeface="Arial" panose="020B0604020202020204" pitchFamily="34" charset="0"/>
+              <a:buChar char="•"/>
+            </a:pPr>
+            <a:r>
+              <a:rPr lang="sv-SE" dirty="0" err="1">
+                <a:solidFill>
+                  <a:schemeClr val="tx2">
+                    <a:lumMod val="75000"/>
+                    <a:lumOff val="25000"/>
+                  </a:schemeClr>
+                </a:solidFill>
+                <a:latin typeface="Gill Sans MT (Body)"/>
+                <a:cs typeface="Times New Roman" panose="02020603050405020304" pitchFamily="18" charset="0"/>
+              </a:rPr>
+              <a:t>methods</a:t>
+            </a:r>
+            <a:r>
+              <a:rPr lang="sv-SE" dirty="0">
+                <a:solidFill>
+                  <a:schemeClr val="tx2">
+                    <a:lumMod val="75000"/>
+                    <a:lumOff val="25000"/>
+                  </a:schemeClr>
+                </a:solidFill>
+                <a:latin typeface="Gill Sans MT (Body)"/>
+                <a:cs typeface="Times New Roman" panose="02020603050405020304" pitchFamily="18" charset="0"/>
+              </a:rPr>
+              <a:t>:</a:t>
+            </a:r>
+          </a:p>
+          <a:p>
+            <a:pPr marL="742950" lvl="1" indent="-285750">
+              <a:buFont typeface="Arial" panose="020B0604020202020204" pitchFamily="34" charset="0"/>
+              <a:buChar char="•"/>
+            </a:pPr>
+            <a:r>
+              <a:rPr lang="sv-SE" dirty="0">
+                <a:solidFill>
+                  <a:schemeClr val="tx1">
+                    <a:lumMod val="65000"/>
+                    <a:lumOff val="35000"/>
+                  </a:schemeClr>
+                </a:solidFill>
+                <a:latin typeface="Gill Sans MT (Body)"/>
+                <a:cs typeface="Times New Roman" panose="02020603050405020304" pitchFamily="18" charset="0"/>
+              </a:rPr>
               <a:t>Komponentens metoder</a:t>
             </a:r>
+          </a:p>
+          <a:p>
+            <a:pPr marL="285750" indent="-285750">
+              <a:buFont typeface="Arial" panose="020B0604020202020204" pitchFamily="34" charset="0"/>
+              <a:buChar char="•"/>
+            </a:pPr>
+            <a:r>
+              <a:rPr lang="sv-SE" dirty="0" err="1">
+                <a:solidFill>
+                  <a:schemeClr val="tx2">
+                    <a:lumMod val="75000"/>
+                    <a:lumOff val="25000"/>
+                  </a:schemeClr>
+                </a:solidFill>
+                <a:latin typeface="Gill Sans MT (Body)"/>
+                <a:cs typeface="Times New Roman" panose="02020603050405020304" pitchFamily="18" charset="0"/>
+              </a:rPr>
+              <a:t>lifecycle</a:t>
+            </a:r>
+            <a:r>
+              <a:rPr lang="sv-SE" dirty="0">
+                <a:solidFill>
+                  <a:schemeClr val="tx2">
+                    <a:lumMod val="75000"/>
+                    <a:lumOff val="25000"/>
+                  </a:schemeClr>
+                </a:solidFill>
+                <a:latin typeface="Gill Sans MT (Body)"/>
+                <a:cs typeface="Times New Roman" panose="02020603050405020304" pitchFamily="18" charset="0"/>
+              </a:rPr>
+              <a:t> events:</a:t>
+            </a:r>
+          </a:p>
+          <a:p>
+            <a:pPr marL="742950" lvl="1" indent="-285750">
+              <a:buFont typeface="Arial" panose="020B0604020202020204" pitchFamily="34" charset="0"/>
+              <a:buChar char="•"/>
+            </a:pPr>
+            <a:r>
+              <a:rPr lang="sv-SE" sz="1600" dirty="0">
+                <a:solidFill>
+                  <a:schemeClr val="tx1">
+                    <a:lumMod val="65000"/>
+                    <a:lumOff val="35000"/>
+                  </a:schemeClr>
+                </a:solidFill>
+                <a:latin typeface="Gill Sans MT (Body)"/>
+                <a:cs typeface="Times New Roman" panose="02020603050405020304" pitchFamily="18" charset="0"/>
+              </a:rPr>
+              <a:t>Speciella metoder som </a:t>
+            </a:r>
+            <a:r>
+              <a:rPr lang="sv-SE" sz="1600" dirty="0" err="1">
+                <a:solidFill>
+                  <a:schemeClr val="tx1">
+                    <a:lumMod val="65000"/>
+                    <a:lumOff val="35000"/>
+                  </a:schemeClr>
+                </a:solidFill>
+                <a:latin typeface="Gill Sans MT (Body)"/>
+                <a:cs typeface="Times New Roman" panose="02020603050405020304" pitchFamily="18" charset="0"/>
+              </a:rPr>
+              <a:t>onMounted</a:t>
+            </a:r>
+            <a:r>
+              <a:rPr lang="sv-SE" sz="1600" dirty="0">
+                <a:solidFill>
+                  <a:schemeClr val="tx1">
+                    <a:lumMod val="65000"/>
+                    <a:lumOff val="35000"/>
+                  </a:schemeClr>
+                </a:solidFill>
+                <a:latin typeface="Gill Sans MT (Body)"/>
+                <a:cs typeface="Times New Roman" panose="02020603050405020304" pitchFamily="18" charset="0"/>
+              </a:rPr>
+              <a:t> som körs tex när en komponent skapas</a:t>
+            </a:r>
+            <a:br>
+              <a:rPr lang="sv-SE" dirty="0">
+                <a:solidFill>
+                  <a:schemeClr val="tx1">
+                    <a:lumMod val="65000"/>
+                    <a:lumOff val="35000"/>
+                  </a:schemeClr>
+                </a:solidFill>
+                <a:latin typeface="Gill Sans MT (Body)"/>
+                <a:cs typeface="Times New Roman" panose="02020603050405020304" pitchFamily="18" charset="0"/>
+              </a:rPr>
+            </a:br>
+            <a:endParaRPr lang="sv-SE" dirty="0">
+              <a:solidFill>
+                <a:schemeClr val="tx1">
+                  <a:lumMod val="65000"/>
+                  <a:lumOff val="35000"/>
+                </a:schemeClr>
+              </a:solidFill>
+              <a:latin typeface="Gill Sans MT (Body)"/>
+              <a:cs typeface="Times New Roman" panose="02020603050405020304" pitchFamily="18" charset="0"/>
+            </a:endParaRPr>
           </a:p>
         </p:txBody>
       </p:sp>
@@ -12358,6 +12466,36 @@
           <a:chExt cx="0" cy="0"/>
         </a:xfrm>
       </p:grpSpPr>
+      <p:pic>
+        <p:nvPicPr>
+          <p:cNvPr id="6" name="Picture 5">
+            <a:extLst>
+              <a:ext uri="{FF2B5EF4-FFF2-40B4-BE49-F238E27FC236}">
+                <a16:creationId xmlns:a16="http://schemas.microsoft.com/office/drawing/2014/main" id="{E6A507A9-3AD2-A3B1-3F86-77BD69610569}"/>
+              </a:ext>
+            </a:extLst>
+          </p:cNvPr>
+          <p:cNvPicPr>
+            <a:picLocks noChangeAspect="1"/>
+          </p:cNvPicPr>
+          <p:nvPr/>
+        </p:nvPicPr>
+        <p:blipFill>
+          <a:blip r:embed="rId2"/>
+          <a:stretch>
+            <a:fillRect/>
+          </a:stretch>
+        </p:blipFill>
+        <p:spPr>
+          <a:xfrm>
+            <a:off x="3990665" y="1834396"/>
+            <a:ext cx="8153400" cy="2400300"/>
+          </a:xfrm>
+          <a:prstGeom prst="rect">
+            <a:avLst/>
+          </a:prstGeom>
+        </p:spPr>
+      </p:pic>
       <p:sp>
         <p:nvSpPr>
           <p:cNvPr id="2" name="Title 1">
@@ -12485,7 +12623,7 @@
                 <a:latin typeface="Gill Sans MT (Body)"/>
                 <a:cs typeface="Times New Roman" panose="02020603050405020304" pitchFamily="18" charset="0"/>
               </a:rPr>
-              <a:t>Följ 3 steg</a:t>
+              <a:t>Följ 2 steg</a:t>
             </a:r>
             <a:br>
               <a:rPr lang="sv-SE" dirty="0">
@@ -12512,36 +12650,6 @@
           </a:p>
         </p:txBody>
       </p:sp>
-      <p:pic>
-        <p:nvPicPr>
-          <p:cNvPr id="4" name="Picture 3">
-            <a:extLst>
-              <a:ext uri="{FF2B5EF4-FFF2-40B4-BE49-F238E27FC236}">
-                <a16:creationId xmlns:a16="http://schemas.microsoft.com/office/drawing/2014/main" id="{D2E205CE-DF99-45F2-A4BE-9FDB6FD88E71}"/>
-              </a:ext>
-            </a:extLst>
-          </p:cNvPr>
-          <p:cNvPicPr>
-            <a:picLocks noChangeAspect="1"/>
-          </p:cNvPicPr>
-          <p:nvPr/>
-        </p:nvPicPr>
-        <p:blipFill>
-          <a:blip r:embed="rId2"/>
-          <a:stretch>
-            <a:fillRect/>
-          </a:stretch>
-        </p:blipFill>
-        <p:spPr>
-          <a:xfrm>
-            <a:off x="1124125" y="2010037"/>
-            <a:ext cx="7275832" cy="4332276"/>
-          </a:xfrm>
-          <a:prstGeom prst="rect">
-            <a:avLst/>
-          </a:prstGeom>
-        </p:spPr>
-      </p:pic>
       <p:sp>
         <p:nvSpPr>
           <p:cNvPr id="7" name="TextBox 6">
@@ -12556,8 +12664,8 @@
         </p:nvSpPr>
         <p:spPr>
           <a:xfrm>
-            <a:off x="7841040" y="3612095"/>
-            <a:ext cx="4023794" cy="830997"/>
+            <a:off x="862068" y="3157478"/>
+            <a:ext cx="3245205" cy="1077218"/>
           </a:xfrm>
           <a:prstGeom prst="rect">
             <a:avLst/>
@@ -12565,7 +12673,7 @@
           <a:noFill/>
         </p:spPr>
         <p:txBody>
-          <a:bodyPr wrap="none" rtlCol="0">
+          <a:bodyPr wrap="square" rtlCol="0">
             <a:spAutoFit/>
           </a:bodyPr>
           <a:lstStyle/>
@@ -12877,124 +12985,6 @@
                 </a:solidFill>
               </a:rPr>
               <a:t>mapp</a:t>
-            </a:r>
-            <a:endParaRPr lang="en-SE" sz="1600" dirty="0">
-              <a:solidFill>
-                <a:schemeClr val="accent1">
-                  <a:lumMod val="75000"/>
-                </a:schemeClr>
-              </a:solidFill>
-            </a:endParaRPr>
-          </a:p>
-        </p:txBody>
-      </p:sp>
-      <p:sp>
-        <p:nvSpPr>
-          <p:cNvPr id="9" name="TextBox 8">
-            <a:extLst>
-              <a:ext uri="{FF2B5EF4-FFF2-40B4-BE49-F238E27FC236}">
-                <a16:creationId xmlns:a16="http://schemas.microsoft.com/office/drawing/2014/main" id="{784E0EC9-5821-4973-8E19-A91004AE1EBB}"/>
-              </a:ext>
-            </a:extLst>
-          </p:cNvPr>
-          <p:cNvSpPr txBox="1"/>
-          <p:nvPr/>
-        </p:nvSpPr>
-        <p:spPr>
-          <a:xfrm>
-            <a:off x="6218968" y="4958907"/>
-            <a:ext cx="4349909" cy="338554"/>
-          </a:xfrm>
-          <a:prstGeom prst="rect">
-            <a:avLst/>
-          </a:prstGeom>
-          <a:noFill/>
-        </p:spPr>
-        <p:txBody>
-          <a:bodyPr wrap="none" rtlCol="0">
-            <a:spAutoFit/>
-          </a:bodyPr>
-          <a:lstStyle/>
-          <a:p>
-            <a:r>
-              <a:rPr lang="en-US" sz="1600" dirty="0">
-                <a:solidFill>
-                  <a:schemeClr val="accent1">
-                    <a:lumMod val="75000"/>
-                  </a:schemeClr>
-                </a:solidFill>
-              </a:rPr>
-              <a:t>2. </a:t>
-            </a:r>
-            <a:r>
-              <a:rPr lang="en-US" sz="1600" dirty="0" err="1">
-                <a:solidFill>
-                  <a:schemeClr val="accent1">
-                    <a:lumMod val="75000"/>
-                  </a:schemeClr>
-                </a:solidFill>
-              </a:rPr>
-              <a:t>Definera</a:t>
-            </a:r>
-            <a:r>
-              <a:rPr lang="en-US" sz="1600" dirty="0">
-                <a:solidFill>
-                  <a:schemeClr val="accent1">
-                    <a:lumMod val="75000"/>
-                  </a:schemeClr>
-                </a:solidFill>
-              </a:rPr>
-              <a:t> </a:t>
-            </a:r>
-            <a:r>
-              <a:rPr lang="en-US" sz="1600" dirty="0" err="1">
-                <a:solidFill>
-                  <a:schemeClr val="accent1">
-                    <a:lumMod val="75000"/>
-                  </a:schemeClr>
-                </a:solidFill>
-              </a:rPr>
-              <a:t>komponenten</a:t>
-            </a:r>
-            <a:r>
-              <a:rPr lang="en-US" sz="1600" dirty="0">
-                <a:solidFill>
-                  <a:schemeClr val="accent1">
-                    <a:lumMod val="75000"/>
-                  </a:schemeClr>
-                </a:solidFill>
-              </a:rPr>
-              <a:t> </a:t>
-            </a:r>
-            <a:r>
-              <a:rPr lang="en-US" sz="1600" dirty="0" err="1">
-                <a:solidFill>
-                  <a:schemeClr val="accent1">
-                    <a:lumMod val="75000"/>
-                  </a:schemeClr>
-                </a:solidFill>
-              </a:rPr>
-              <a:t>i</a:t>
-            </a:r>
-            <a:r>
-              <a:rPr lang="en-US" sz="1600" dirty="0">
-                <a:solidFill>
-                  <a:schemeClr val="accent1">
-                    <a:lumMod val="75000"/>
-                  </a:schemeClr>
-                </a:solidFill>
-              </a:rPr>
-              <a:t> components </a:t>
-            </a:r>
-            <a:r>
-              <a:rPr lang="en-US" sz="1600" dirty="0" err="1">
-                <a:solidFill>
-                  <a:schemeClr val="accent1">
-                    <a:lumMod val="75000"/>
-                  </a:schemeClr>
-                </a:solidFill>
-              </a:rPr>
-              <a:t>sektionen</a:t>
             </a:r>
             <a:endParaRPr lang="en-SE" sz="1600" dirty="0">
               <a:solidFill>
@@ -13020,8 +13010,8 @@
         </p:nvSpPr>
         <p:spPr>
           <a:xfrm>
-            <a:off x="5925085" y="2796487"/>
-            <a:ext cx="4403257" cy="584775"/>
+            <a:off x="927685" y="2114109"/>
+            <a:ext cx="2997364" cy="830997"/>
           </a:xfrm>
           <a:prstGeom prst="rect">
             <a:avLst/>
@@ -13029,7 +13019,7 @@
           <a:noFill/>
         </p:spPr>
         <p:txBody>
-          <a:bodyPr wrap="none" rtlCol="0">
+          <a:bodyPr wrap="square" rtlCol="0">
             <a:spAutoFit/>
           </a:bodyPr>
           <a:lstStyle/>
@@ -13042,7 +13032,7 @@
                   </a:schemeClr>
                 </a:solidFill>
               </a:rPr>
-              <a:t>3. </a:t>
+              <a:t>2. </a:t>
             </a:r>
             <a:r>
               <a:rPr lang="en-US" sz="1600" dirty="0" err="1">
@@ -13223,6 +13213,36 @@
           </a:p>
         </p:txBody>
       </p:sp>
+      <p:pic>
+        <p:nvPicPr>
+          <p:cNvPr id="10" name="Picture 9">
+            <a:extLst>
+              <a:ext uri="{FF2B5EF4-FFF2-40B4-BE49-F238E27FC236}">
+                <a16:creationId xmlns:a16="http://schemas.microsoft.com/office/drawing/2014/main" id="{08929F64-9E69-5DF2-8DC1-6BBFFE95D067}"/>
+              </a:ext>
+            </a:extLst>
+          </p:cNvPr>
+          <p:cNvPicPr>
+            <a:picLocks noChangeAspect="1"/>
+          </p:cNvPicPr>
+          <p:nvPr/>
+        </p:nvPicPr>
+        <p:blipFill>
+          <a:blip r:embed="rId3"/>
+          <a:stretch>
+            <a:fillRect/>
+          </a:stretch>
+        </p:blipFill>
+        <p:spPr>
+          <a:xfrm>
+            <a:off x="4019240" y="4980190"/>
+            <a:ext cx="8124825" cy="1495425"/>
+          </a:xfrm>
+          <a:prstGeom prst="rect">
+            <a:avLst/>
+          </a:prstGeom>
+        </p:spPr>
+      </p:pic>
     </p:spTree>
     <p:extLst>
       <p:ext uri="{BB962C8B-B14F-4D97-AF65-F5344CB8AC3E}">
@@ -13271,7 +13291,7 @@
         </p:nvSpPr>
         <p:spPr>
           <a:xfrm>
-            <a:off x="1203434" y="382385"/>
+            <a:off x="1203434" y="135110"/>
             <a:ext cx="10893973" cy="596023"/>
           </a:xfrm>
         </p:spPr>
@@ -13283,401 +13303,122 @@
           <a:p>
             <a:pPr algn="ctr"/>
             <a:r>
-              <a:rPr lang="en-US" sz="4000" dirty="0" err="1">
-                <a:latin typeface="Gill Sans MT (Body)"/>
-              </a:rPr>
-              <a:t>Bygga</a:t>
-            </a:r>
-            <a:r>
               <a:rPr lang="en-US" sz="4000" dirty="0">
                 <a:latin typeface="Gill Sans MT (Body)"/>
               </a:rPr>
-              <a:t> med </a:t>
-            </a:r>
-            <a:r>
-              <a:rPr lang="en-US" sz="4000" dirty="0" err="1">
-                <a:latin typeface="Gill Sans MT (Body)"/>
-              </a:rPr>
-              <a:t>komponenter</a:t>
-            </a:r>
-            <a:r>
-              <a:rPr lang="en-US" sz="4000" dirty="0">
-                <a:latin typeface="Gill Sans MT (Body)"/>
-              </a:rPr>
-              <a:t> </a:t>
-            </a:r>
-            <a:r>
-              <a:rPr lang="en-US" sz="4000" dirty="0" err="1">
-                <a:latin typeface="Gill Sans MT (Body)"/>
-              </a:rPr>
-              <a:t>Exempel</a:t>
-            </a:r>
-            <a:endParaRPr lang="en-US" sz="4000" dirty="0">
-              <a:latin typeface="Bodoni MT" panose="02070603080606020203" pitchFamily="18" charset="0"/>
-            </a:endParaRPr>
+              <a:t>Component Communication</a:t>
+            </a:r>
           </a:p>
         </p:txBody>
       </p:sp>
       <p:pic>
         <p:nvPicPr>
-          <p:cNvPr id="10" name="Picture 9">
+          <p:cNvPr id="7170" name="Picture 2" descr="The Perfect Wrapper Components in Vue 2.6 and soon Vue 3.0 | by Vaibhav  Namburi | Noteworthy - The Journal Blog">
             <a:extLst>
               <a:ext uri="{FF2B5EF4-FFF2-40B4-BE49-F238E27FC236}">
-                <a16:creationId xmlns:a16="http://schemas.microsoft.com/office/drawing/2014/main" id="{54DCF84D-7185-4E6D-926A-784B9F2D7673}"/>
+                <a16:creationId xmlns:a16="http://schemas.microsoft.com/office/drawing/2014/main" id="{52EE8D40-CE2E-403A-BCDB-64FA8D310B40}"/>
               </a:ext>
             </a:extLst>
           </p:cNvPr>
           <p:cNvPicPr>
-            <a:picLocks noChangeAspect="1"/>
+            <a:picLocks noChangeAspect="1" noChangeArrowheads="1"/>
           </p:cNvPicPr>
           <p:nvPr/>
         </p:nvPicPr>
         <p:blipFill>
-          <a:blip r:embed="rId2"/>
+          <a:blip r:embed="rId2">
+            <a:extLst>
+              <a:ext uri="{28A0092B-C50C-407E-A947-70E740481C1C}">
+                <a14:useLocalDpi xmlns:a14="http://schemas.microsoft.com/office/drawing/2010/main" val="0"/>
+              </a:ext>
+            </a:extLst>
+          </a:blip>
+          <a:srcRect/>
           <a:stretch>
             <a:fillRect/>
           </a:stretch>
         </p:blipFill>
+        <p:spPr bwMode="auto">
+          <a:xfrm>
+            <a:off x="4108904" y="1307793"/>
+            <a:ext cx="4276725" cy="2138363"/>
+          </a:xfrm>
+          <a:prstGeom prst="rect">
+            <a:avLst/>
+          </a:prstGeom>
+          <a:noFill/>
+          <a:extLst>
+            <a:ext uri="{909E8E84-426E-40DD-AFC4-6F175D3DCCD1}">
+              <a14:hiddenFill xmlns:a14="http://schemas.microsoft.com/office/drawing/2010/main">
+                <a:solidFill>
+                  <a:srgbClr val="FFFFFF"/>
+                </a:solidFill>
+              </a14:hiddenFill>
+            </a:ext>
+          </a:extLst>
+        </p:spPr>
+      </p:pic>
+      <p:sp>
+        <p:nvSpPr>
+          <p:cNvPr id="7" name="Title 1">
+            <a:extLst>
+              <a:ext uri="{FF2B5EF4-FFF2-40B4-BE49-F238E27FC236}">
+                <a16:creationId xmlns:a16="http://schemas.microsoft.com/office/drawing/2014/main" id="{82694E16-5AA0-4F22-84C0-BE2A869806E6}"/>
+              </a:ext>
+            </a:extLst>
+          </p:cNvPr>
+          <p:cNvSpPr txBox="1">
+            <a:spLocks/>
+          </p:cNvSpPr>
+          <p:nvPr/>
+        </p:nvSpPr>
         <p:spPr>
           <a:xfrm>
-            <a:off x="1042381" y="3051759"/>
-            <a:ext cx="5735010" cy="3230638"/>
+            <a:off x="976931" y="3790584"/>
+            <a:ext cx="10893973" cy="464464"/>
           </a:xfrm>
           <a:prstGeom prst="rect">
             <a:avLst/>
           </a:prstGeom>
         </p:spPr>
-      </p:pic>
-      <p:sp>
-        <p:nvSpPr>
-          <p:cNvPr id="5" name="TextBox 4">
-            <a:extLst>
-              <a:ext uri="{FF2B5EF4-FFF2-40B4-BE49-F238E27FC236}">
-                <a16:creationId xmlns:a16="http://schemas.microsoft.com/office/drawing/2014/main" id="{49F22C67-242E-4365-A378-2807E93FEC00}"/>
-              </a:ext>
-            </a:extLst>
-          </p:cNvPr>
-          <p:cNvSpPr txBox="1"/>
-          <p:nvPr/>
-        </p:nvSpPr>
-        <p:spPr>
-          <a:xfrm>
-            <a:off x="1900969" y="978408"/>
-            <a:ext cx="9127222" cy="2031325"/>
-          </a:xfrm>
-          <a:prstGeom prst="rect">
-            <a:avLst/>
-          </a:prstGeom>
-          <a:noFill/>
-        </p:spPr>
         <p:txBody>
-          <a:bodyPr wrap="square" rtlCol="0">
-            <a:spAutoFit/>
+          <a:bodyPr vert="horz" lIns="91440" tIns="45720" rIns="91440" bIns="45720" rtlCol="0" anchor="t">
+            <a:normAutofit fontScale="97500"/>
           </a:bodyPr>
-          <a:lstStyle/>
-          <a:p>
-            <a:pPr marL="285750" indent="-285750">
-              <a:buFont typeface="Arial" panose="020B0604020202020204" pitchFamily="34" charset="0"/>
-              <a:buChar char="•"/>
-            </a:pPr>
-            <a:r>
-              <a:rPr lang="sv-SE" dirty="0">
-                <a:solidFill>
-                  <a:schemeClr val="tx1">
-                    <a:lumMod val="65000"/>
-                    <a:lumOff val="35000"/>
-                  </a:schemeClr>
-                </a:solidFill>
-                <a:latin typeface="Gill Sans MT (Body)"/>
-                <a:cs typeface="Times New Roman" panose="02020603050405020304" pitchFamily="18" charset="0"/>
-              </a:rPr>
-              <a:t>Vi har en huvudkomponent </a:t>
-            </a:r>
-            <a:r>
-              <a:rPr lang="sv-SE" dirty="0">
-                <a:solidFill>
-                  <a:schemeClr val="tx2">
-                    <a:lumMod val="75000"/>
-                    <a:lumOff val="25000"/>
-                  </a:schemeClr>
-                </a:solidFill>
-                <a:latin typeface="Gill Sans MT (Body)"/>
-                <a:cs typeface="Times New Roman" panose="02020603050405020304" pitchFamily="18" charset="0"/>
-              </a:rPr>
-              <a:t>app-7</a:t>
-            </a:r>
-            <a:r>
-              <a:rPr lang="sv-SE" dirty="0">
-                <a:solidFill>
-                  <a:schemeClr val="tx1">
-                    <a:lumMod val="65000"/>
-                    <a:lumOff val="35000"/>
-                  </a:schemeClr>
-                </a:solidFill>
-                <a:latin typeface="Gill Sans MT (Body)"/>
-                <a:cs typeface="Times New Roman" panose="02020603050405020304" pitchFamily="18" charset="0"/>
-              </a:rPr>
-              <a:t> och en </a:t>
-            </a:r>
-            <a:r>
-              <a:rPr lang="sv-SE" dirty="0" err="1">
-                <a:solidFill>
-                  <a:schemeClr val="tx1">
-                    <a:lumMod val="65000"/>
-                    <a:lumOff val="35000"/>
-                  </a:schemeClr>
-                </a:solidFill>
-                <a:latin typeface="Gill Sans MT (Body)"/>
-                <a:cs typeface="Times New Roman" panose="02020603050405020304" pitchFamily="18" charset="0"/>
-              </a:rPr>
-              <a:t>child</a:t>
-            </a:r>
-            <a:r>
-              <a:rPr lang="sv-SE" dirty="0">
-                <a:solidFill>
-                  <a:schemeClr val="tx1">
-                    <a:lumMod val="65000"/>
-                    <a:lumOff val="35000"/>
-                  </a:schemeClr>
-                </a:solidFill>
-                <a:latin typeface="Gill Sans MT (Body)"/>
-                <a:cs typeface="Times New Roman" panose="02020603050405020304" pitchFamily="18" charset="0"/>
-              </a:rPr>
-              <a:t>-komponent </a:t>
-            </a:r>
-            <a:r>
-              <a:rPr lang="sv-SE" dirty="0" err="1">
-                <a:solidFill>
-                  <a:schemeClr val="tx2">
-                    <a:lumMod val="75000"/>
-                    <a:lumOff val="25000"/>
-                  </a:schemeClr>
-                </a:solidFill>
-                <a:latin typeface="Gill Sans MT (Body)"/>
-                <a:cs typeface="Times New Roman" panose="02020603050405020304" pitchFamily="18" charset="0"/>
-              </a:rPr>
-              <a:t>todo</a:t>
-            </a:r>
-            <a:r>
-              <a:rPr lang="sv-SE" dirty="0">
-                <a:solidFill>
-                  <a:schemeClr val="tx2">
-                    <a:lumMod val="75000"/>
-                    <a:lumOff val="25000"/>
-                  </a:schemeClr>
-                </a:solidFill>
-                <a:latin typeface="Gill Sans MT (Body)"/>
-                <a:cs typeface="Times New Roman" panose="02020603050405020304" pitchFamily="18" charset="0"/>
-              </a:rPr>
-              <a:t>-item</a:t>
-            </a:r>
-            <a:r>
-              <a:rPr lang="sv-SE" dirty="0">
-                <a:solidFill>
-                  <a:schemeClr val="tx1">
-                    <a:lumMod val="65000"/>
-                    <a:lumOff val="35000"/>
-                  </a:schemeClr>
-                </a:solidFill>
-                <a:latin typeface="Gill Sans MT (Body)"/>
-                <a:cs typeface="Times New Roman" panose="02020603050405020304" pitchFamily="18" charset="0"/>
-              </a:rPr>
-              <a:t>. </a:t>
-            </a:r>
-          </a:p>
-          <a:p>
-            <a:pPr marL="285750" indent="-285750">
-              <a:buFont typeface="Arial" panose="020B0604020202020204" pitchFamily="34" charset="0"/>
-              <a:buChar char="•"/>
-            </a:pPr>
-            <a:endParaRPr lang="sv-SE" dirty="0">
-              <a:solidFill>
-                <a:schemeClr val="tx1">
-                  <a:lumMod val="65000"/>
-                  <a:lumOff val="35000"/>
-                </a:schemeClr>
-              </a:solidFill>
-              <a:latin typeface="Gill Sans MT (Body)"/>
-              <a:cs typeface="Times New Roman" panose="02020603050405020304" pitchFamily="18" charset="0"/>
-            </a:endParaRPr>
-          </a:p>
-          <a:p>
-            <a:pPr marL="285750" indent="-285750">
-              <a:buFont typeface="Arial" panose="020B0604020202020204" pitchFamily="34" charset="0"/>
-              <a:buChar char="•"/>
-            </a:pPr>
-            <a:r>
-              <a:rPr lang="sv-SE" dirty="0">
-                <a:solidFill>
-                  <a:schemeClr val="tx1">
-                    <a:lumMod val="65000"/>
-                    <a:lumOff val="35000"/>
-                  </a:schemeClr>
-                </a:solidFill>
-                <a:latin typeface="Gill Sans MT (Body)"/>
-                <a:cs typeface="Times New Roman" panose="02020603050405020304" pitchFamily="18" charset="0"/>
-              </a:rPr>
-              <a:t>I exemplet har vi inkluderat  </a:t>
-            </a:r>
-            <a:r>
-              <a:rPr lang="sv-SE" dirty="0" err="1">
-                <a:solidFill>
-                  <a:schemeClr val="tx1">
-                    <a:lumMod val="65000"/>
-                    <a:lumOff val="35000"/>
-                  </a:schemeClr>
-                </a:solidFill>
-                <a:latin typeface="Gill Sans MT (Body)"/>
-                <a:cs typeface="Times New Roman" panose="02020603050405020304" pitchFamily="18" charset="0"/>
-              </a:rPr>
-              <a:t>Vue</a:t>
-            </a:r>
-            <a:r>
-              <a:rPr lang="sv-SE" dirty="0">
-                <a:solidFill>
-                  <a:schemeClr val="tx1">
-                    <a:lumMod val="65000"/>
-                    <a:lumOff val="35000"/>
-                  </a:schemeClr>
-                </a:solidFill>
-                <a:latin typeface="Gill Sans MT (Body)"/>
-                <a:cs typeface="Times New Roman" panose="02020603050405020304" pitchFamily="18" charset="0"/>
-              </a:rPr>
-              <a:t>, men i ett CLI-projekt måste man importera och inkludera komponenter som man vill använda.</a:t>
-            </a:r>
-          </a:p>
-          <a:p>
-            <a:pPr marL="285750" indent="-285750">
-              <a:buFont typeface="Arial" panose="020B0604020202020204" pitchFamily="34" charset="0"/>
-              <a:buChar char="•"/>
-            </a:pPr>
-            <a:endParaRPr lang="sv-SE" dirty="0">
-              <a:solidFill>
-                <a:schemeClr val="tx1">
-                  <a:lumMod val="65000"/>
-                  <a:lumOff val="35000"/>
-                </a:schemeClr>
-              </a:solidFill>
-              <a:latin typeface="Gill Sans MT (Body)"/>
-              <a:cs typeface="Times New Roman" panose="02020603050405020304" pitchFamily="18" charset="0"/>
-            </a:endParaRPr>
-          </a:p>
-          <a:p>
-            <a:pPr marL="285750" indent="-285750">
-              <a:buFont typeface="Arial" panose="020B0604020202020204" pitchFamily="34" charset="0"/>
-              <a:buChar char="•"/>
-            </a:pPr>
-            <a:r>
-              <a:rPr lang="sv-SE" dirty="0">
-                <a:solidFill>
-                  <a:schemeClr val="tx1">
-                    <a:lumMod val="65000"/>
-                    <a:lumOff val="35000"/>
-                  </a:schemeClr>
-                </a:solidFill>
-                <a:latin typeface="Gill Sans MT (Body)"/>
-                <a:cs typeface="Times New Roman" panose="02020603050405020304" pitchFamily="18" charset="0"/>
-              </a:rPr>
-              <a:t>Komponenten </a:t>
-            </a:r>
-            <a:r>
-              <a:rPr lang="sv-SE" dirty="0" err="1">
-                <a:solidFill>
-                  <a:schemeClr val="tx2">
-                    <a:lumMod val="75000"/>
-                    <a:lumOff val="25000"/>
-                  </a:schemeClr>
-                </a:solidFill>
-                <a:latin typeface="Gill Sans MT (Body)"/>
-                <a:cs typeface="Times New Roman" panose="02020603050405020304" pitchFamily="18" charset="0"/>
-              </a:rPr>
-              <a:t>todo</a:t>
-            </a:r>
-            <a:r>
-              <a:rPr lang="sv-SE" dirty="0">
-                <a:solidFill>
-                  <a:schemeClr val="tx2">
-                    <a:lumMod val="75000"/>
-                    <a:lumOff val="25000"/>
-                  </a:schemeClr>
-                </a:solidFill>
-                <a:latin typeface="Gill Sans MT (Body)"/>
-                <a:cs typeface="Times New Roman" panose="02020603050405020304" pitchFamily="18" charset="0"/>
-              </a:rPr>
-              <a:t>-item</a:t>
-            </a:r>
-            <a:r>
-              <a:rPr lang="sv-SE" dirty="0">
-                <a:solidFill>
-                  <a:schemeClr val="tx1">
-                    <a:lumMod val="65000"/>
-                    <a:lumOff val="35000"/>
-                  </a:schemeClr>
-                </a:solidFill>
-                <a:latin typeface="Gill Sans MT (Body)"/>
-                <a:cs typeface="Times New Roman" panose="02020603050405020304" pitchFamily="18" charset="0"/>
-              </a:rPr>
-              <a:t> skriver får in ett objekt och skriver ut det.</a:t>
-            </a:r>
-            <a:br>
-              <a:rPr lang="sv-SE" dirty="0">
-                <a:solidFill>
-                  <a:schemeClr val="tx1">
-                    <a:lumMod val="65000"/>
-                    <a:lumOff val="35000"/>
-                  </a:schemeClr>
-                </a:solidFill>
-                <a:latin typeface="Gill Sans MT (Body)"/>
-                <a:cs typeface="Times New Roman" panose="02020603050405020304" pitchFamily="18" charset="0"/>
-              </a:rPr>
-            </a:br>
-            <a:endParaRPr lang="sv-SE" dirty="0">
-              <a:solidFill>
-                <a:schemeClr val="tx1">
-                  <a:lumMod val="65000"/>
-                  <a:lumOff val="35000"/>
-                </a:schemeClr>
-              </a:solidFill>
-              <a:latin typeface="Gill Sans MT (Body)"/>
-              <a:cs typeface="Times New Roman" panose="02020603050405020304" pitchFamily="18" charset="0"/>
-            </a:endParaRPr>
+          <a:lstStyle>
+            <a:lvl1pPr algn="l" defTabSz="914400" rtl="0" eaLnBrk="1" latinLnBrk="0" hangingPunct="1">
+              <a:lnSpc>
+                <a:spcPct val="90000"/>
+              </a:lnSpc>
+              <a:spcBef>
+                <a:spcPct val="0"/>
+              </a:spcBef>
+              <a:buNone/>
+              <a:defRPr sz="5100" kern="1200" cap="all" spc="200" baseline="0">
+                <a:solidFill>
+                  <a:schemeClr val="tx2"/>
+                </a:solidFill>
+                <a:latin typeface="+mj-lt"/>
+                <a:ea typeface="+mj-ea"/>
+                <a:cs typeface="+mj-cs"/>
+              </a:defRPr>
+            </a:lvl1pPr>
+          </a:lstStyle>
+          <a:p>
+            <a:pPr algn="ctr"/>
+            <a:r>
+              <a:rPr lang="en-US" sz="2400" dirty="0">
+                <a:latin typeface="Gill Sans MT (Body)"/>
+              </a:rPr>
+              <a:t>Parent -&gt; Child Communication : PROPS</a:t>
+            </a:r>
           </a:p>
         </p:txBody>
       </p:sp>
-      <p:pic>
-        <p:nvPicPr>
-          <p:cNvPr id="6" name="Picture 5">
-            <a:extLst>
-              <a:ext uri="{FF2B5EF4-FFF2-40B4-BE49-F238E27FC236}">
-                <a16:creationId xmlns:a16="http://schemas.microsoft.com/office/drawing/2014/main" id="{33C20DFF-7F25-441B-9AC7-5D5B44FBAC7D}"/>
-              </a:ext>
-            </a:extLst>
-          </p:cNvPr>
-          <p:cNvPicPr>
-            <a:picLocks noChangeAspect="1"/>
-          </p:cNvPicPr>
-          <p:nvPr/>
-        </p:nvPicPr>
-        <p:blipFill>
-          <a:blip r:embed="rId3"/>
-          <a:stretch>
-            <a:fillRect/>
-          </a:stretch>
-        </p:blipFill>
-        <p:spPr>
-          <a:xfrm>
-            <a:off x="6391275" y="2669544"/>
-            <a:ext cx="5124000" cy="4020814"/>
-          </a:xfrm>
-          <a:prstGeom prst="rect">
-            <a:avLst/>
-          </a:prstGeom>
-        </p:spPr>
-      </p:pic>
     </p:spTree>
     <p:extLst>
       <p:ext uri="{BB962C8B-B14F-4D97-AF65-F5344CB8AC3E}">
-        <p14:creationId xmlns:p14="http://schemas.microsoft.com/office/powerpoint/2010/main" val="848908645"/>
+        <p14:creationId xmlns:p14="http://schemas.microsoft.com/office/powerpoint/2010/main" val="287259337"/>
       </p:ext>
     </p:extLst>
   </p:cSld>
@@ -13704,84 +13445,21 @@
           <a:chExt cx="0" cy="0"/>
         </a:xfrm>
       </p:grpSpPr>
-      <p:sp>
-        <p:nvSpPr>
-          <p:cNvPr id="2" name="Title 1">
+      <p:pic>
+        <p:nvPicPr>
+          <p:cNvPr id="5" name="Content Placeholder 4">
             <a:extLst>
               <a:ext uri="{FF2B5EF4-FFF2-40B4-BE49-F238E27FC236}">
-                <a16:creationId xmlns:a16="http://schemas.microsoft.com/office/drawing/2014/main" id="{8EDAE078-3CB3-4D1F-8E4E-75C6D5DA8D1A}"/>
-              </a:ext>
-            </a:extLst>
-          </p:cNvPr>
-          <p:cNvSpPr>
-            <a:spLocks noGrp="1"/>
-          </p:cNvSpPr>
-          <p:nvPr>
-            <p:ph type="title"/>
-          </p:nvPr>
-        </p:nvSpPr>
-        <p:spPr>
-          <a:xfrm>
-            <a:off x="1203434" y="382385"/>
-            <a:ext cx="10893973" cy="596023"/>
-          </a:xfrm>
-        </p:spPr>
-        <p:txBody>
-          <a:bodyPr>
-            <a:normAutofit fontScale="90000"/>
-          </a:bodyPr>
-          <a:lstStyle/>
-          <a:p>
-            <a:pPr algn="ctr"/>
-            <a:r>
-              <a:rPr lang="en-US" sz="4000" dirty="0" err="1">
-                <a:latin typeface="Gill Sans MT (Body)"/>
-              </a:rPr>
-              <a:t>Bygga</a:t>
-            </a:r>
-            <a:r>
-              <a:rPr lang="en-US" sz="4000" dirty="0">
-                <a:latin typeface="Gill Sans MT (Body)"/>
-              </a:rPr>
-              <a:t> med </a:t>
-            </a:r>
-            <a:r>
-              <a:rPr lang="en-US" sz="4000" dirty="0" err="1">
-                <a:latin typeface="Gill Sans MT (Body)"/>
-              </a:rPr>
-              <a:t>komponenter</a:t>
-            </a:r>
-            <a:r>
-              <a:rPr lang="en-US" sz="4000" dirty="0">
-                <a:latin typeface="Gill Sans MT (Body)"/>
-              </a:rPr>
-              <a:t> </a:t>
-            </a:r>
-            <a:r>
-              <a:rPr lang="en-US" sz="4000" dirty="0" err="1">
-                <a:latin typeface="Gill Sans MT (Body)"/>
-              </a:rPr>
-              <a:t>Exempel</a:t>
-            </a:r>
-            <a:endParaRPr lang="en-US" sz="4000" dirty="0">
-              <a:latin typeface="Bodoni MT" panose="02070603080606020203" pitchFamily="18" charset="0"/>
-            </a:endParaRPr>
-          </a:p>
-        </p:txBody>
-      </p:sp>
-      <p:pic>
-        <p:nvPicPr>
-          <p:cNvPr id="10" name="Picture 9">
-            <a:extLst>
-              <a:ext uri="{FF2B5EF4-FFF2-40B4-BE49-F238E27FC236}">
-                <a16:creationId xmlns:a16="http://schemas.microsoft.com/office/drawing/2014/main" id="{54DCF84D-7185-4E6D-926A-784B9F2D7673}"/>
+                <a16:creationId xmlns:a16="http://schemas.microsoft.com/office/drawing/2014/main" id="{76752E25-4FC9-0804-033D-D0A59BA9969D}"/>
               </a:ext>
             </a:extLst>
           </p:cNvPr>
           <p:cNvPicPr>
-            <a:picLocks noChangeAspect="1"/>
+            <a:picLocks noGrp="1" noChangeAspect="1"/>
           </p:cNvPicPr>
-          <p:nvPr/>
+          <p:nvPr>
+            <p:ph idx="1"/>
+          </p:nvPr>
         </p:nvPicPr>
         <p:blipFill>
           <a:blip r:embed="rId2"/>
@@ -13791,316 +13469,17 @@
         </p:blipFill>
         <p:spPr>
           <a:xfrm>
-            <a:off x="1042381" y="3051759"/>
-            <a:ext cx="5735010" cy="3230638"/>
+            <a:off x="2790825" y="3947123"/>
+            <a:ext cx="6610350" cy="2771775"/>
           </a:xfrm>
-          <a:prstGeom prst="rect">
-            <a:avLst/>
-          </a:prstGeom>
         </p:spPr>
       </p:pic>
-      <p:sp>
-        <p:nvSpPr>
-          <p:cNvPr id="5" name="TextBox 4">
-            <a:extLst>
-              <a:ext uri="{FF2B5EF4-FFF2-40B4-BE49-F238E27FC236}">
-                <a16:creationId xmlns:a16="http://schemas.microsoft.com/office/drawing/2014/main" id="{49F22C67-242E-4365-A378-2807E93FEC00}"/>
-              </a:ext>
-            </a:extLst>
-          </p:cNvPr>
-          <p:cNvSpPr txBox="1"/>
-          <p:nvPr/>
-        </p:nvSpPr>
-        <p:spPr>
-          <a:xfrm>
-            <a:off x="1900969" y="978408"/>
-            <a:ext cx="9127222" cy="2031325"/>
-          </a:xfrm>
-          <a:prstGeom prst="rect">
-            <a:avLst/>
-          </a:prstGeom>
-          <a:noFill/>
-        </p:spPr>
-        <p:txBody>
-          <a:bodyPr wrap="square" rtlCol="0">
-            <a:spAutoFit/>
-          </a:bodyPr>
-          <a:lstStyle/>
-          <a:p>
-            <a:pPr marL="285750" indent="-285750">
-              <a:buFont typeface="Arial" panose="020B0604020202020204" pitchFamily="34" charset="0"/>
-              <a:buChar char="•"/>
-            </a:pPr>
-            <a:r>
-              <a:rPr lang="sv-SE" dirty="0">
-                <a:solidFill>
-                  <a:schemeClr val="tx1">
-                    <a:lumMod val="65000"/>
-                    <a:lumOff val="35000"/>
-                  </a:schemeClr>
-                </a:solidFill>
-                <a:latin typeface="Gill Sans MT (Body)"/>
-                <a:cs typeface="Times New Roman" panose="02020603050405020304" pitchFamily="18" charset="0"/>
-              </a:rPr>
-              <a:t>Vi har en huvudkomponent </a:t>
-            </a:r>
-            <a:r>
-              <a:rPr lang="sv-SE" dirty="0">
-                <a:solidFill>
-                  <a:schemeClr val="tx2">
-                    <a:lumMod val="75000"/>
-                    <a:lumOff val="25000"/>
-                  </a:schemeClr>
-                </a:solidFill>
-                <a:latin typeface="Gill Sans MT (Body)"/>
-                <a:cs typeface="Times New Roman" panose="02020603050405020304" pitchFamily="18" charset="0"/>
-              </a:rPr>
-              <a:t>app-7</a:t>
-            </a:r>
-            <a:r>
-              <a:rPr lang="sv-SE" dirty="0">
-                <a:solidFill>
-                  <a:schemeClr val="tx1">
-                    <a:lumMod val="65000"/>
-                    <a:lumOff val="35000"/>
-                  </a:schemeClr>
-                </a:solidFill>
-                <a:latin typeface="Gill Sans MT (Body)"/>
-                <a:cs typeface="Times New Roman" panose="02020603050405020304" pitchFamily="18" charset="0"/>
-              </a:rPr>
-              <a:t> och en </a:t>
-            </a:r>
-            <a:r>
-              <a:rPr lang="sv-SE" dirty="0" err="1">
-                <a:solidFill>
-                  <a:schemeClr val="tx1">
-                    <a:lumMod val="65000"/>
-                    <a:lumOff val="35000"/>
-                  </a:schemeClr>
-                </a:solidFill>
-                <a:latin typeface="Gill Sans MT (Body)"/>
-                <a:cs typeface="Times New Roman" panose="02020603050405020304" pitchFamily="18" charset="0"/>
-              </a:rPr>
-              <a:t>child</a:t>
-            </a:r>
-            <a:r>
-              <a:rPr lang="sv-SE" dirty="0">
-                <a:solidFill>
-                  <a:schemeClr val="tx1">
-                    <a:lumMod val="65000"/>
-                    <a:lumOff val="35000"/>
-                  </a:schemeClr>
-                </a:solidFill>
-                <a:latin typeface="Gill Sans MT (Body)"/>
-                <a:cs typeface="Times New Roman" panose="02020603050405020304" pitchFamily="18" charset="0"/>
-              </a:rPr>
-              <a:t>-komponent </a:t>
-            </a:r>
-            <a:r>
-              <a:rPr lang="sv-SE" dirty="0" err="1">
-                <a:solidFill>
-                  <a:schemeClr val="tx2">
-                    <a:lumMod val="75000"/>
-                    <a:lumOff val="25000"/>
-                  </a:schemeClr>
-                </a:solidFill>
-                <a:latin typeface="Gill Sans MT (Body)"/>
-                <a:cs typeface="Times New Roman" panose="02020603050405020304" pitchFamily="18" charset="0"/>
-              </a:rPr>
-              <a:t>todo</a:t>
-            </a:r>
-            <a:r>
-              <a:rPr lang="sv-SE" dirty="0">
-                <a:solidFill>
-                  <a:schemeClr val="tx2">
-                    <a:lumMod val="75000"/>
-                    <a:lumOff val="25000"/>
-                  </a:schemeClr>
-                </a:solidFill>
-                <a:latin typeface="Gill Sans MT (Body)"/>
-                <a:cs typeface="Times New Roman" panose="02020603050405020304" pitchFamily="18" charset="0"/>
-              </a:rPr>
-              <a:t>-item</a:t>
-            </a:r>
-            <a:r>
-              <a:rPr lang="sv-SE" dirty="0">
-                <a:solidFill>
-                  <a:schemeClr val="tx1">
-                    <a:lumMod val="65000"/>
-                    <a:lumOff val="35000"/>
-                  </a:schemeClr>
-                </a:solidFill>
-                <a:latin typeface="Gill Sans MT (Body)"/>
-                <a:cs typeface="Times New Roman" panose="02020603050405020304" pitchFamily="18" charset="0"/>
-              </a:rPr>
-              <a:t>. </a:t>
-            </a:r>
-          </a:p>
-          <a:p>
-            <a:pPr marL="285750" indent="-285750">
-              <a:buFont typeface="Arial" panose="020B0604020202020204" pitchFamily="34" charset="0"/>
-              <a:buChar char="•"/>
-            </a:pPr>
-            <a:endParaRPr lang="sv-SE" dirty="0">
-              <a:solidFill>
-                <a:schemeClr val="tx1">
-                  <a:lumMod val="65000"/>
-                  <a:lumOff val="35000"/>
-                </a:schemeClr>
-              </a:solidFill>
-              <a:latin typeface="Gill Sans MT (Body)"/>
-              <a:cs typeface="Times New Roman" panose="02020603050405020304" pitchFamily="18" charset="0"/>
-            </a:endParaRPr>
-          </a:p>
-          <a:p>
-            <a:pPr marL="285750" indent="-285750">
-              <a:buFont typeface="Arial" panose="020B0604020202020204" pitchFamily="34" charset="0"/>
-              <a:buChar char="•"/>
-            </a:pPr>
-            <a:r>
-              <a:rPr lang="sv-SE" dirty="0">
-                <a:solidFill>
-                  <a:schemeClr val="tx1">
-                    <a:lumMod val="65000"/>
-                    <a:lumOff val="35000"/>
-                  </a:schemeClr>
-                </a:solidFill>
-                <a:latin typeface="Gill Sans MT (Body)"/>
-                <a:cs typeface="Times New Roman" panose="02020603050405020304" pitchFamily="18" charset="0"/>
-              </a:rPr>
-              <a:t>I exemplet har vi inkluderat  </a:t>
-            </a:r>
-            <a:r>
-              <a:rPr lang="sv-SE" dirty="0" err="1">
-                <a:solidFill>
-                  <a:schemeClr val="tx1">
-                    <a:lumMod val="65000"/>
-                    <a:lumOff val="35000"/>
-                  </a:schemeClr>
-                </a:solidFill>
-                <a:latin typeface="Gill Sans MT (Body)"/>
-                <a:cs typeface="Times New Roman" panose="02020603050405020304" pitchFamily="18" charset="0"/>
-              </a:rPr>
-              <a:t>Vue</a:t>
-            </a:r>
-            <a:r>
-              <a:rPr lang="sv-SE" dirty="0">
-                <a:solidFill>
-                  <a:schemeClr val="tx1">
-                    <a:lumMod val="65000"/>
-                    <a:lumOff val="35000"/>
-                  </a:schemeClr>
-                </a:solidFill>
-                <a:latin typeface="Gill Sans MT (Body)"/>
-                <a:cs typeface="Times New Roman" panose="02020603050405020304" pitchFamily="18" charset="0"/>
-              </a:rPr>
-              <a:t>, men i ett CLI-projekt måste man importera och inkludera komponenter som man vill använda.</a:t>
-            </a:r>
-          </a:p>
-          <a:p>
-            <a:pPr marL="285750" indent="-285750">
-              <a:buFont typeface="Arial" panose="020B0604020202020204" pitchFamily="34" charset="0"/>
-              <a:buChar char="•"/>
-            </a:pPr>
-            <a:endParaRPr lang="sv-SE" dirty="0">
-              <a:solidFill>
-                <a:schemeClr val="tx1">
-                  <a:lumMod val="65000"/>
-                  <a:lumOff val="35000"/>
-                </a:schemeClr>
-              </a:solidFill>
-              <a:latin typeface="Gill Sans MT (Body)"/>
-              <a:cs typeface="Times New Roman" panose="02020603050405020304" pitchFamily="18" charset="0"/>
-            </a:endParaRPr>
-          </a:p>
-          <a:p>
-            <a:pPr marL="285750" indent="-285750">
-              <a:buFont typeface="Arial" panose="020B0604020202020204" pitchFamily="34" charset="0"/>
-              <a:buChar char="•"/>
-            </a:pPr>
-            <a:r>
-              <a:rPr lang="sv-SE" dirty="0">
-                <a:solidFill>
-                  <a:schemeClr val="tx1">
-                    <a:lumMod val="65000"/>
-                    <a:lumOff val="35000"/>
-                  </a:schemeClr>
-                </a:solidFill>
-                <a:latin typeface="Gill Sans MT (Body)"/>
-                <a:cs typeface="Times New Roman" panose="02020603050405020304" pitchFamily="18" charset="0"/>
-              </a:rPr>
-              <a:t>Komponenten </a:t>
-            </a:r>
-            <a:r>
-              <a:rPr lang="sv-SE" dirty="0" err="1">
-                <a:solidFill>
-                  <a:schemeClr val="tx2">
-                    <a:lumMod val="75000"/>
-                    <a:lumOff val="25000"/>
-                  </a:schemeClr>
-                </a:solidFill>
-                <a:latin typeface="Gill Sans MT (Body)"/>
-                <a:cs typeface="Times New Roman" panose="02020603050405020304" pitchFamily="18" charset="0"/>
-              </a:rPr>
-              <a:t>todo</a:t>
-            </a:r>
-            <a:r>
-              <a:rPr lang="sv-SE" dirty="0">
-                <a:solidFill>
-                  <a:schemeClr val="tx2">
-                    <a:lumMod val="75000"/>
-                    <a:lumOff val="25000"/>
-                  </a:schemeClr>
-                </a:solidFill>
-                <a:latin typeface="Gill Sans MT (Body)"/>
-                <a:cs typeface="Times New Roman" panose="02020603050405020304" pitchFamily="18" charset="0"/>
-              </a:rPr>
-              <a:t>-item</a:t>
-            </a:r>
-            <a:r>
-              <a:rPr lang="sv-SE" dirty="0">
-                <a:solidFill>
-                  <a:schemeClr val="tx1">
-                    <a:lumMod val="65000"/>
-                    <a:lumOff val="35000"/>
-                  </a:schemeClr>
-                </a:solidFill>
-                <a:latin typeface="Gill Sans MT (Body)"/>
-                <a:cs typeface="Times New Roman" panose="02020603050405020304" pitchFamily="18" charset="0"/>
-              </a:rPr>
-              <a:t> skriver får in ett objekt och skriver ut det.</a:t>
-            </a:r>
-            <a:br>
-              <a:rPr lang="sv-SE" dirty="0">
-                <a:solidFill>
-                  <a:schemeClr val="tx1">
-                    <a:lumMod val="65000"/>
-                    <a:lumOff val="35000"/>
-                  </a:schemeClr>
-                </a:solidFill>
-                <a:latin typeface="Gill Sans MT (Body)"/>
-                <a:cs typeface="Times New Roman" panose="02020603050405020304" pitchFamily="18" charset="0"/>
-              </a:rPr>
-            </a:br>
-            <a:endParaRPr lang="sv-SE" dirty="0">
-              <a:solidFill>
-                <a:schemeClr val="tx1">
-                  <a:lumMod val="65000"/>
-                  <a:lumOff val="35000"/>
-                </a:schemeClr>
-              </a:solidFill>
-              <a:latin typeface="Gill Sans MT (Body)"/>
-              <a:cs typeface="Times New Roman" panose="02020603050405020304" pitchFamily="18" charset="0"/>
-            </a:endParaRPr>
-          </a:p>
-        </p:txBody>
-      </p:sp>
       <p:pic>
         <p:nvPicPr>
           <p:cNvPr id="6" name="Picture 5">
             <a:extLst>
               <a:ext uri="{FF2B5EF4-FFF2-40B4-BE49-F238E27FC236}">
-                <a16:creationId xmlns:a16="http://schemas.microsoft.com/office/drawing/2014/main" id="{33C20DFF-7F25-441B-9AC7-5D5B44FBAC7D}"/>
+                <a16:creationId xmlns:a16="http://schemas.microsoft.com/office/drawing/2014/main" id="{5DEB794B-5425-BBFC-F64D-9B9A7A6FDE72}"/>
               </a:ext>
             </a:extLst>
           </p:cNvPr>
@@ -14117,8 +13496,8 @@
         </p:blipFill>
         <p:spPr>
           <a:xfrm>
-            <a:off x="6391275" y="2669544"/>
-            <a:ext cx="5124000" cy="4020814"/>
+            <a:off x="1995881" y="1393907"/>
+            <a:ext cx="8200238" cy="2456537"/>
           </a:xfrm>
           <a:prstGeom prst="rect">
             <a:avLst/>
@@ -14128,7 +13507,7 @@
     </p:spTree>
     <p:extLst>
       <p:ext uri="{BB962C8B-B14F-4D97-AF65-F5344CB8AC3E}">
-        <p14:creationId xmlns:p14="http://schemas.microsoft.com/office/powerpoint/2010/main" val="2412394865"/>
+        <p14:creationId xmlns:p14="http://schemas.microsoft.com/office/powerpoint/2010/main" val="3645341967"/>
       </p:ext>
     </p:extLst>
   </p:cSld>
@@ -14173,7 +13552,7 @@
         </p:nvSpPr>
         <p:spPr>
           <a:xfrm>
-            <a:off x="1203434" y="135110"/>
+            <a:off x="1242571" y="108893"/>
             <a:ext cx="10893973" cy="596023"/>
           </a:xfrm>
         </p:spPr>
@@ -14222,368 +13601,8 @@
         </p:blipFill>
         <p:spPr bwMode="auto">
           <a:xfrm>
-            <a:off x="4142460" y="615760"/>
-            <a:ext cx="4276725" cy="2138363"/>
-          </a:xfrm>
-          <a:prstGeom prst="rect">
-            <a:avLst/>
-          </a:prstGeom>
-          <a:noFill/>
-          <a:extLst>
-            <a:ext uri="{909E8E84-426E-40DD-AFC4-6F175D3DCCD1}">
-              <a14:hiddenFill xmlns:a14="http://schemas.microsoft.com/office/drawing/2010/main">
-                <a:solidFill>
-                  <a:srgbClr val="FFFFFF"/>
-                </a:solidFill>
-              </a14:hiddenFill>
-            </a:ext>
-          </a:extLst>
-        </p:spPr>
-      </p:pic>
-      <p:pic>
-        <p:nvPicPr>
-          <p:cNvPr id="7172" name="Picture 4">
-            <a:extLst>
-              <a:ext uri="{FF2B5EF4-FFF2-40B4-BE49-F238E27FC236}">
-                <a16:creationId xmlns:a16="http://schemas.microsoft.com/office/drawing/2014/main" id="{877F3F4A-C6EE-4262-B9E5-23012706DC32}"/>
-              </a:ext>
-            </a:extLst>
-          </p:cNvPr>
-          <p:cNvPicPr>
-            <a:picLocks noChangeAspect="1" noChangeArrowheads="1"/>
-          </p:cNvPicPr>
-          <p:nvPr/>
-        </p:nvPicPr>
-        <p:blipFill>
-          <a:blip r:embed="rId3">
-            <a:extLst>
-              <a:ext uri="{28A0092B-C50C-407E-A947-70E740481C1C}">
-                <a14:useLocalDpi xmlns:a14="http://schemas.microsoft.com/office/drawing/2010/main" val="0"/>
-              </a:ext>
-            </a:extLst>
-          </a:blip>
-          <a:srcRect/>
-          <a:stretch>
-            <a:fillRect/>
-          </a:stretch>
-        </p:blipFill>
-        <p:spPr bwMode="auto">
-          <a:xfrm>
-            <a:off x="6840333" y="4084334"/>
-            <a:ext cx="4815080" cy="1749479"/>
-          </a:xfrm>
-          <a:prstGeom prst="rect">
-            <a:avLst/>
-          </a:prstGeom>
-          <a:noFill/>
-          <a:extLst>
-            <a:ext uri="{909E8E84-426E-40DD-AFC4-6F175D3DCCD1}">
-              <a14:hiddenFill xmlns:a14="http://schemas.microsoft.com/office/drawing/2010/main">
-                <a:solidFill>
-                  <a:srgbClr val="FFFFFF"/>
-                </a:solidFill>
-              </a14:hiddenFill>
-            </a:ext>
-          </a:extLst>
-        </p:spPr>
-      </p:pic>
-      <p:pic>
-        <p:nvPicPr>
-          <p:cNvPr id="7174" name="Picture 6">
-            <a:extLst>
-              <a:ext uri="{FF2B5EF4-FFF2-40B4-BE49-F238E27FC236}">
-                <a16:creationId xmlns:a16="http://schemas.microsoft.com/office/drawing/2014/main" id="{1ED7EB82-DB80-4705-A1C0-0D5E43013695}"/>
-              </a:ext>
-            </a:extLst>
-          </p:cNvPr>
-          <p:cNvPicPr>
-            <a:picLocks noChangeAspect="1" noChangeArrowheads="1"/>
-          </p:cNvPicPr>
-          <p:nvPr/>
-        </p:nvPicPr>
-        <p:blipFill>
-          <a:blip r:embed="rId4">
-            <a:extLst>
-              <a:ext uri="{28A0092B-C50C-407E-A947-70E740481C1C}">
-                <a14:useLocalDpi xmlns:a14="http://schemas.microsoft.com/office/drawing/2010/main" val="0"/>
-              </a:ext>
-            </a:extLst>
-          </a:blip>
-          <a:srcRect/>
-          <a:stretch>
-            <a:fillRect/>
-          </a:stretch>
-        </p:blipFill>
-        <p:spPr bwMode="auto">
-          <a:xfrm>
-            <a:off x="1203434" y="3429000"/>
-            <a:ext cx="5077389" cy="3384926"/>
-          </a:xfrm>
-          <a:prstGeom prst="rect">
-            <a:avLst/>
-          </a:prstGeom>
-          <a:noFill/>
-          <a:extLst>
-            <a:ext uri="{909E8E84-426E-40DD-AFC4-6F175D3DCCD1}">
-              <a14:hiddenFill xmlns:a14="http://schemas.microsoft.com/office/drawing/2010/main">
-                <a:solidFill>
-                  <a:srgbClr val="FFFFFF"/>
-                </a:solidFill>
-              </a14:hiddenFill>
-            </a:ext>
-          </a:extLst>
-        </p:spPr>
-      </p:pic>
-      <p:sp>
-        <p:nvSpPr>
-          <p:cNvPr id="7" name="Title 1">
-            <a:extLst>
-              <a:ext uri="{FF2B5EF4-FFF2-40B4-BE49-F238E27FC236}">
-                <a16:creationId xmlns:a16="http://schemas.microsoft.com/office/drawing/2014/main" id="{82694E16-5AA0-4F22-84C0-BE2A869806E6}"/>
-              </a:ext>
-            </a:extLst>
-          </p:cNvPr>
-          <p:cNvSpPr txBox="1">
-            <a:spLocks/>
-          </p:cNvSpPr>
-          <p:nvPr/>
-        </p:nvSpPr>
-        <p:spPr>
-          <a:xfrm>
-            <a:off x="1203434" y="2711874"/>
-            <a:ext cx="10893973" cy="464464"/>
-          </a:xfrm>
-          <a:prstGeom prst="rect">
-            <a:avLst/>
-          </a:prstGeom>
-        </p:spPr>
-        <p:txBody>
-          <a:bodyPr vert="horz" lIns="91440" tIns="45720" rIns="91440" bIns="45720" rtlCol="0" anchor="t">
-            <a:normAutofit fontScale="97500"/>
-          </a:bodyPr>
-          <a:lstStyle>
-            <a:lvl1pPr algn="l" defTabSz="914400" rtl="0" eaLnBrk="1" latinLnBrk="0" hangingPunct="1">
-              <a:lnSpc>
-                <a:spcPct val="90000"/>
-              </a:lnSpc>
-              <a:spcBef>
-                <a:spcPct val="0"/>
-              </a:spcBef>
-              <a:buNone/>
-              <a:defRPr sz="5100" kern="1200" cap="all" spc="200" baseline="0">
-                <a:solidFill>
-                  <a:schemeClr val="tx2"/>
-                </a:solidFill>
-                <a:latin typeface="+mj-lt"/>
-                <a:ea typeface="+mj-ea"/>
-                <a:cs typeface="+mj-cs"/>
-              </a:defRPr>
-            </a:lvl1pPr>
-          </a:lstStyle>
-          <a:p>
-            <a:pPr algn="ctr"/>
-            <a:r>
-              <a:rPr lang="en-US" sz="2400" dirty="0">
-                <a:latin typeface="Gill Sans MT (Body)"/>
-              </a:rPr>
-              <a:t>Parent -&gt; Child Communication : PROPS</a:t>
-            </a:r>
-          </a:p>
-        </p:txBody>
-      </p:sp>
-    </p:spTree>
-    <p:extLst>
-      <p:ext uri="{BB962C8B-B14F-4D97-AF65-F5344CB8AC3E}">
-        <p14:creationId xmlns:p14="http://schemas.microsoft.com/office/powerpoint/2010/main" val="287259337"/>
-      </p:ext>
-    </p:extLst>
-  </p:cSld>
-  <p:clrMapOvr>
-    <a:masterClrMapping/>
-  </p:clrMapOvr>
-</p:sld>
-</file>
-
-<file path=ppt/slides/slide26.xml><?xml version="1.0" encoding="utf-8"?>
-<p:sld xmlns:a="http://schemas.openxmlformats.org/drawingml/2006/main" xmlns:r="http://schemas.openxmlformats.org/officeDocument/2006/relationships" xmlns:p="http://schemas.openxmlformats.org/presentationml/2006/main">
-  <p:cSld>
-    <p:spTree>
-      <p:nvGrpSpPr>
-        <p:cNvPr id="1" name=""/>
-        <p:cNvGrpSpPr/>
-        <p:nvPr/>
-      </p:nvGrpSpPr>
-      <p:grpSpPr>
-        <a:xfrm>
-          <a:off x="0" y="0"/>
-          <a:ext cx="0" cy="0"/>
-          <a:chOff x="0" y="0"/>
-          <a:chExt cx="0" cy="0"/>
-        </a:xfrm>
-      </p:grpSpPr>
-      <p:sp>
-        <p:nvSpPr>
-          <p:cNvPr id="2" name="Title 1">
-            <a:extLst>
-              <a:ext uri="{FF2B5EF4-FFF2-40B4-BE49-F238E27FC236}">
-                <a16:creationId xmlns:a16="http://schemas.microsoft.com/office/drawing/2014/main" id="{8EDAE078-3CB3-4D1F-8E4E-75C6D5DA8D1A}"/>
-              </a:ext>
-            </a:extLst>
-          </p:cNvPr>
-          <p:cNvSpPr>
-            <a:spLocks noGrp="1"/>
-          </p:cNvSpPr>
-          <p:nvPr>
-            <p:ph type="title"/>
-          </p:nvPr>
-        </p:nvSpPr>
-        <p:spPr>
-          <a:xfrm>
-            <a:off x="1242571" y="108893"/>
-            <a:ext cx="10893973" cy="596023"/>
-          </a:xfrm>
-        </p:spPr>
-        <p:txBody>
-          <a:bodyPr>
-            <a:normAutofit fontScale="90000"/>
-          </a:bodyPr>
-          <a:lstStyle/>
-          <a:p>
-            <a:pPr algn="ctr"/>
-            <a:r>
-              <a:rPr lang="en-US" sz="4000" dirty="0">
-                <a:latin typeface="Gill Sans MT (Body)"/>
-              </a:rPr>
-              <a:t>Component Communication</a:t>
-            </a:r>
-          </a:p>
-        </p:txBody>
-      </p:sp>
-      <p:pic>
-        <p:nvPicPr>
-          <p:cNvPr id="7170" name="Picture 2" descr="The Perfect Wrapper Components in Vue 2.6 and soon Vue 3.0 | by Vaibhav  Namburi | Noteworthy - The Journal Blog">
-            <a:extLst>
-              <a:ext uri="{FF2B5EF4-FFF2-40B4-BE49-F238E27FC236}">
-                <a16:creationId xmlns:a16="http://schemas.microsoft.com/office/drawing/2014/main" id="{52EE8D40-CE2E-403A-BCDB-64FA8D310B40}"/>
-              </a:ext>
-            </a:extLst>
-          </p:cNvPr>
-          <p:cNvPicPr>
-            <a:picLocks noChangeAspect="1" noChangeArrowheads="1"/>
-          </p:cNvPicPr>
-          <p:nvPr/>
-        </p:nvPicPr>
-        <p:blipFill>
-          <a:blip r:embed="rId2">
-            <a:extLst>
-              <a:ext uri="{28A0092B-C50C-407E-A947-70E740481C1C}">
-                <a14:useLocalDpi xmlns:a14="http://schemas.microsoft.com/office/drawing/2010/main" val="0"/>
-              </a:ext>
-            </a:extLst>
-          </a:blip>
-          <a:srcRect/>
-          <a:stretch>
-            <a:fillRect/>
-          </a:stretch>
-        </p:blipFill>
-        <p:spPr bwMode="auto">
-          <a:xfrm>
-            <a:off x="4005411" y="623844"/>
+            <a:off x="4651101" y="1009738"/>
             <a:ext cx="3778354" cy="1889178"/>
-          </a:xfrm>
-          <a:prstGeom prst="rect">
-            <a:avLst/>
-          </a:prstGeom>
-          <a:noFill/>
-          <a:extLst>
-            <a:ext uri="{909E8E84-426E-40DD-AFC4-6F175D3DCCD1}">
-              <a14:hiddenFill xmlns:a14="http://schemas.microsoft.com/office/drawing/2010/main">
-                <a:solidFill>
-                  <a:srgbClr val="FFFFFF"/>
-                </a:solidFill>
-              </a14:hiddenFill>
-            </a:ext>
-          </a:extLst>
-        </p:spPr>
-      </p:pic>
-      <p:pic>
-        <p:nvPicPr>
-          <p:cNvPr id="8194" name="Picture 2">
-            <a:extLst>
-              <a:ext uri="{FF2B5EF4-FFF2-40B4-BE49-F238E27FC236}">
-                <a16:creationId xmlns:a16="http://schemas.microsoft.com/office/drawing/2014/main" id="{AE6935B7-33F0-45D2-8824-5A45D77C9B14}"/>
-              </a:ext>
-            </a:extLst>
-          </p:cNvPr>
-          <p:cNvPicPr>
-            <a:picLocks noChangeAspect="1" noChangeArrowheads="1"/>
-          </p:cNvPicPr>
-          <p:nvPr/>
-        </p:nvPicPr>
-        <p:blipFill>
-          <a:blip r:embed="rId3">
-            <a:extLst>
-              <a:ext uri="{28A0092B-C50C-407E-A947-70E740481C1C}">
-                <a14:useLocalDpi xmlns:a14="http://schemas.microsoft.com/office/drawing/2010/main" val="0"/>
-              </a:ext>
-            </a:extLst>
-          </a:blip>
-          <a:srcRect/>
-          <a:stretch>
-            <a:fillRect/>
-          </a:stretch>
-        </p:blipFill>
-        <p:spPr bwMode="auto">
-          <a:xfrm>
-            <a:off x="978844" y="2968142"/>
-            <a:ext cx="4866047" cy="3851600"/>
-          </a:xfrm>
-          <a:prstGeom prst="rect">
-            <a:avLst/>
-          </a:prstGeom>
-          <a:noFill/>
-          <a:extLst>
-            <a:ext uri="{909E8E84-426E-40DD-AFC4-6F175D3DCCD1}">
-              <a14:hiddenFill xmlns:a14="http://schemas.microsoft.com/office/drawing/2010/main">
-                <a:solidFill>
-                  <a:srgbClr val="FFFFFF"/>
-                </a:solidFill>
-              </a14:hiddenFill>
-            </a:ext>
-          </a:extLst>
-        </p:spPr>
-      </p:pic>
-      <p:pic>
-        <p:nvPicPr>
-          <p:cNvPr id="8196" name="Picture 4">
-            <a:extLst>
-              <a:ext uri="{FF2B5EF4-FFF2-40B4-BE49-F238E27FC236}">
-                <a16:creationId xmlns:a16="http://schemas.microsoft.com/office/drawing/2014/main" id="{62C7F704-C40E-4109-B2EC-85BDA098CB09}"/>
-              </a:ext>
-            </a:extLst>
-          </p:cNvPr>
-          <p:cNvPicPr>
-            <a:picLocks noChangeAspect="1" noChangeArrowheads="1"/>
-          </p:cNvPicPr>
-          <p:nvPr/>
-        </p:nvPicPr>
-        <p:blipFill>
-          <a:blip r:embed="rId4">
-            <a:extLst>
-              <a:ext uri="{28A0092B-C50C-407E-A947-70E740481C1C}">
-                <a14:useLocalDpi xmlns:a14="http://schemas.microsoft.com/office/drawing/2010/main" val="0"/>
-              </a:ext>
-            </a:extLst>
-          </a:blip>
-          <a:srcRect/>
-          <a:stretch>
-            <a:fillRect/>
-          </a:stretch>
-        </p:blipFill>
-        <p:spPr bwMode="auto">
-          <a:xfrm>
-            <a:off x="6261386" y="2904948"/>
-            <a:ext cx="5588215" cy="3949005"/>
           </a:xfrm>
           <a:prstGeom prst="rect">
             <a:avLst/>
@@ -14616,7 +13635,7 @@
         </p:nvSpPr>
         <p:spPr>
           <a:xfrm>
-            <a:off x="944012" y="2513022"/>
+            <a:off x="944013" y="3391769"/>
             <a:ext cx="11192531" cy="477193"/>
           </a:xfrm>
           <a:prstGeom prst="rect">
@@ -14657,36 +13676,6 @@
           </a:p>
         </p:txBody>
       </p:sp>
-      <p:pic>
-        <p:nvPicPr>
-          <p:cNvPr id="4" name="Picture 3">
-            <a:extLst>
-              <a:ext uri="{FF2B5EF4-FFF2-40B4-BE49-F238E27FC236}">
-                <a16:creationId xmlns:a16="http://schemas.microsoft.com/office/drawing/2014/main" id="{2C76B9EB-09AF-47D4-8D53-74A5B64494F3}"/>
-              </a:ext>
-            </a:extLst>
-          </p:cNvPr>
-          <p:cNvPicPr>
-            <a:picLocks noChangeAspect="1"/>
-          </p:cNvPicPr>
-          <p:nvPr/>
-        </p:nvPicPr>
-        <p:blipFill>
-          <a:blip r:embed="rId5"/>
-          <a:stretch>
-            <a:fillRect/>
-          </a:stretch>
-        </p:blipFill>
-        <p:spPr>
-          <a:xfrm>
-            <a:off x="7937951" y="1292406"/>
-            <a:ext cx="3648075" cy="504825"/>
-          </a:xfrm>
-          <a:prstGeom prst="rect">
-            <a:avLst/>
-          </a:prstGeom>
-        </p:spPr>
-      </p:pic>
     </p:spTree>
     <p:extLst>
       <p:ext uri="{BB962C8B-B14F-4D97-AF65-F5344CB8AC3E}">
@@ -14700,148 +13689,7 @@
 </p:sld>
 </file>
 
-<file path=ppt/slides/slide27.xml><?xml version="1.0" encoding="utf-8"?>
-<p:sld xmlns:a="http://schemas.openxmlformats.org/drawingml/2006/main" xmlns:r="http://schemas.openxmlformats.org/officeDocument/2006/relationships" xmlns:p="http://schemas.openxmlformats.org/presentationml/2006/main">
-  <p:cSld>
-    <p:spTree>
-      <p:nvGrpSpPr>
-        <p:cNvPr id="1" name=""/>
-        <p:cNvGrpSpPr/>
-        <p:nvPr/>
-      </p:nvGrpSpPr>
-      <p:grpSpPr>
-        <a:xfrm>
-          <a:off x="0" y="0"/>
-          <a:ext cx="0" cy="0"/>
-          <a:chOff x="0" y="0"/>
-          <a:chExt cx="0" cy="0"/>
-        </a:xfrm>
-      </p:grpSpPr>
-      <p:sp>
-        <p:nvSpPr>
-          <p:cNvPr id="2" name="Title 1">
-            <a:extLst>
-              <a:ext uri="{FF2B5EF4-FFF2-40B4-BE49-F238E27FC236}">
-                <a16:creationId xmlns:a16="http://schemas.microsoft.com/office/drawing/2014/main" id="{8EDAE078-3CB3-4D1F-8E4E-75C6D5DA8D1A}"/>
-              </a:ext>
-            </a:extLst>
-          </p:cNvPr>
-          <p:cNvSpPr>
-            <a:spLocks noGrp="1"/>
-          </p:cNvSpPr>
-          <p:nvPr>
-            <p:ph type="title"/>
-          </p:nvPr>
-        </p:nvSpPr>
-        <p:spPr>
-          <a:xfrm>
-            <a:off x="1203434" y="382385"/>
-            <a:ext cx="10893973" cy="596023"/>
-          </a:xfrm>
-        </p:spPr>
-        <p:txBody>
-          <a:bodyPr>
-            <a:normAutofit fontScale="90000"/>
-          </a:bodyPr>
-          <a:lstStyle/>
-          <a:p>
-            <a:pPr algn="ctr"/>
-            <a:r>
-              <a:rPr lang="en-US" sz="4000" dirty="0">
-                <a:latin typeface="Gill Sans MT (Body)"/>
-              </a:rPr>
-              <a:t>Vue.js </a:t>
-            </a:r>
-            <a:r>
-              <a:rPr lang="en-US" sz="4000" dirty="0" err="1">
-                <a:latin typeface="Gill Sans MT (Body)"/>
-              </a:rPr>
-              <a:t>Resten</a:t>
-            </a:r>
-            <a:r>
-              <a:rPr lang="en-US" sz="4000" dirty="0">
-                <a:latin typeface="Gill Sans MT (Body)"/>
-              </a:rPr>
-              <a:t> av </a:t>
-            </a:r>
-            <a:r>
-              <a:rPr lang="en-US" sz="4000" dirty="0" err="1">
-                <a:latin typeface="Gill Sans MT (Body)"/>
-              </a:rPr>
-              <a:t>övningarna</a:t>
-            </a:r>
-            <a:endParaRPr lang="en-US" sz="4000" dirty="0">
-              <a:latin typeface="Gill Sans MT (Body)"/>
-            </a:endParaRPr>
-          </a:p>
-        </p:txBody>
-      </p:sp>
-      <p:sp>
-        <p:nvSpPr>
-          <p:cNvPr id="3" name="Content Placeholder 2">
-            <a:extLst>
-              <a:ext uri="{FF2B5EF4-FFF2-40B4-BE49-F238E27FC236}">
-                <a16:creationId xmlns:a16="http://schemas.microsoft.com/office/drawing/2014/main" id="{6797BDE5-A8BD-4286-8221-21664A41BD79}"/>
-              </a:ext>
-            </a:extLst>
-          </p:cNvPr>
-          <p:cNvSpPr>
-            <a:spLocks noGrp="1"/>
-          </p:cNvSpPr>
-          <p:nvPr>
-            <p:ph idx="1"/>
-          </p:nvPr>
-        </p:nvSpPr>
-        <p:spPr>
-          <a:xfrm>
-            <a:off x="1444183" y="1085228"/>
-            <a:ext cx="10178322" cy="5508077"/>
-          </a:xfrm>
-        </p:spPr>
-        <p:txBody>
-          <a:bodyPr>
-            <a:normAutofit/>
-          </a:bodyPr>
-          <a:lstStyle/>
-          <a:p>
-            <a:r>
-              <a:rPr lang="sv-SE" sz="2800" dirty="0">
-                <a:latin typeface="Gill Sans MT (Body)"/>
-                <a:cs typeface="Times New Roman" panose="02020603050405020304" pitchFamily="18" charset="0"/>
-              </a:rPr>
-              <a:t>Gör resten </a:t>
-            </a:r>
-            <a:r>
-              <a:rPr lang="sv-SE" sz="2800">
-                <a:latin typeface="Gill Sans MT (Body)"/>
-                <a:cs typeface="Times New Roman" panose="02020603050405020304" pitchFamily="18" charset="0"/>
-              </a:rPr>
-              <a:t>av övningarna </a:t>
-            </a:r>
-            <a:r>
-              <a:rPr lang="sv-SE" sz="2800" dirty="0">
-                <a:latin typeface="Gill Sans MT (Body)"/>
-                <a:cs typeface="Times New Roman" panose="02020603050405020304" pitchFamily="18" charset="0"/>
-              </a:rPr>
-              <a:t>på Vue.js</a:t>
-            </a:r>
-          </a:p>
-        </p:txBody>
-      </p:sp>
-    </p:spTree>
-    <p:extLst>
-      <p:ext uri="{BB962C8B-B14F-4D97-AF65-F5344CB8AC3E}">
-        <p14:creationId xmlns:p14="http://schemas.microsoft.com/office/powerpoint/2010/main" val="3383785063"/>
-      </p:ext>
-    </p:extLst>
-  </p:cSld>
-  <p:clrMapOvr>
-    <a:masterClrMapping/>
-  </p:clrMapOvr>
-</p:sld>
-</file>
-
-<file path=ppt/slides/slide28.xml><?xml version="1.0" encoding="utf-8"?>
+<file path=ppt/slides/slide26.xml><?xml version="1.0" encoding="utf-8"?>
 <p:sld xmlns:a="http://schemas.openxmlformats.org/drawingml/2006/main" xmlns:r="http://schemas.openxmlformats.org/officeDocument/2006/relationships" xmlns:p="http://schemas.openxmlformats.org/presentationml/2006/main">
   <p:cSld>
     <p:spTree>
@@ -20293,15 +19141,6 @@
 </file>
 
 <file path=customXml/item1.xml><?xml version="1.0" encoding="utf-8"?>
-<?mso-contentType ?>
-<FormTemplates xmlns="http://schemas.microsoft.com/sharepoint/v3/contenttype/forms">
-  <Display>DocumentLibraryForm</Display>
-  <Edit>DocumentLibraryForm</Edit>
-  <New>DocumentLibraryForm</New>
-</FormTemplates>
-</file>
-
-<file path=customXml/item2.xml><?xml version="1.0" encoding="utf-8"?>
 <ct:contentTypeSchema xmlns:ct="http://schemas.microsoft.com/office/2006/metadata/contentType" xmlns:ma="http://schemas.microsoft.com/office/2006/metadata/properties/metaAttributes" ct:_="" ma:_="" ma:contentTypeName="Document" ma:contentTypeID="0x01010079F111ED35F8CC479449609E8A0923A6" ma:contentTypeVersion="11" ma:contentTypeDescription="Create a new document." ma:contentTypeScope="" ma:versionID="96291512c1ee715ab617f4c07df79fc1">
   <xsd:schema xmlns:xsd="http://www.w3.org/2001/XMLSchema" xmlns:xs="http://www.w3.org/2001/XMLSchema" xmlns:p="http://schemas.microsoft.com/office/2006/metadata/properties" xmlns:ns2="71af3243-3dd4-4a8d-8c0d-dd76da1f02a5" xmlns:ns3="16c05727-aa75-4e4a-9b5f-8a80a1165891" targetNamespace="http://schemas.microsoft.com/office/2006/metadata/properties" ma:root="true" ma:fieldsID="8256c27c40ca5c40ce1cf6c44f0205df" ns2:_="" ns3:_="">
     <xsd:import namespace="71af3243-3dd4-4a8d-8c0d-dd76da1f02a5"/>
@@ -20512,6 +19351,15 @@
 </ct:contentTypeSchema>
 </file>
 
+<file path=customXml/item2.xml><?xml version="1.0" encoding="utf-8"?>
+<?mso-contentType ?>
+<FormTemplates xmlns="http://schemas.microsoft.com/sharepoint/v3/contenttype/forms">
+  <Display>DocumentLibraryForm</Display>
+  <Edit>DocumentLibraryForm</Edit>
+  <New>DocumentLibraryForm</New>
+</FormTemplates>
+</file>
+
 <file path=customXml/item3.xml><?xml version="1.0" encoding="utf-8"?>
 <p:properties xmlns:p="http://schemas.microsoft.com/office/2006/metadata/properties" xmlns:xsi="http://www.w3.org/2001/XMLSchema-instance" xmlns:pc="http://schemas.microsoft.com/office/infopath/2007/PartnerControls">
   <documentManagement>
@@ -20521,14 +19369,6 @@
 </file>
 
 <file path=customXml/itemProps1.xml><?xml version="1.0" encoding="utf-8"?>
-<ds:datastoreItem xmlns:ds="http://schemas.openxmlformats.org/officeDocument/2006/customXml" ds:itemID="{52D0167F-E486-4F9B-83E2-993954E11F03}">
-  <ds:schemaRefs>
-    <ds:schemaRef ds:uri="http://schemas.microsoft.com/sharepoint/v3/contenttype/forms"/>
-  </ds:schemaRefs>
-</ds:datastoreItem>
-</file>
-
-<file path=customXml/itemProps2.xml><?xml version="1.0" encoding="utf-8"?>
 <ds:datastoreItem xmlns:ds="http://schemas.openxmlformats.org/officeDocument/2006/customXml" ds:itemID="{15A714DE-2D72-4B69-B5D2-B9FD4274177E}">
   <ds:schemaRefs>
     <ds:schemaRef ds:uri="http://schemas.microsoft.com/office/2006/metadata/contentType"/>
@@ -20547,6 +19387,14 @@
 </ds:datastoreItem>
 </file>
 
+<file path=customXml/itemProps2.xml><?xml version="1.0" encoding="utf-8"?>
+<ds:datastoreItem xmlns:ds="http://schemas.openxmlformats.org/officeDocument/2006/customXml" ds:itemID="{52D0167F-E486-4F9B-83E2-993954E11F03}">
+  <ds:schemaRefs>
+    <ds:schemaRef ds:uri="http://schemas.microsoft.com/sharepoint/v3/contenttype/forms"/>
+  </ds:schemaRefs>
+</ds:datastoreItem>
+</file>
+
 <file path=customXml/itemProps3.xml><?xml version="1.0" encoding="utf-8"?>
 <ds:datastoreItem xmlns:ds="http://schemas.openxmlformats.org/officeDocument/2006/customXml" ds:itemID="{BDB3E54F-9BB9-4821-81E3-A4EFEC7BD0AD}">
   <ds:schemaRefs>

--- a/Vue/Vue.pptx
+++ b/Vue/Vue.pptx
@@ -5,10 +5,10 @@
     <p:sldMasterId id="2147483660" r:id="rId4"/>
   </p:sldMasterIdLst>
   <p:notesMasterIdLst>
-    <p:notesMasterId r:id="rId31"/>
+    <p:notesMasterId r:id="rId32"/>
   </p:notesMasterIdLst>
   <p:handoutMasterIdLst>
-    <p:handoutMasterId r:id="rId32"/>
+    <p:handoutMasterId r:id="rId33"/>
   </p:handoutMasterIdLst>
   <p:sldIdLst>
     <p:sldId id="256" r:id="rId5"/>
@@ -36,7 +36,8 @@
     <p:sldId id="295" r:id="rId27"/>
     <p:sldId id="309" r:id="rId28"/>
     <p:sldId id="297" r:id="rId29"/>
-    <p:sldId id="301" r:id="rId30"/>
+    <p:sldId id="310" r:id="rId30"/>
+    <p:sldId id="301" r:id="rId31"/>
   </p:sldIdLst>
   <p:sldSz cx="12192000" cy="6858000"/>
   <p:notesSz cx="6858000" cy="9144000"/>
@@ -240,7 +241,7 @@
           <a:p>
             <a:fld id="{18E9A1B5-1BE4-4CD6-80C4-143959F034D3}" type="datetimeFigureOut">
               <a:rPr lang="en-US" smtClean="0"/>
-              <a:t>1/9/2023</a:t>
+              <a:t>1/10/2023</a:t>
             </a:fld>
             <a:endParaRPr lang="en-US" dirty="0"/>
           </a:p>
@@ -417,7 +418,7 @@
           <a:p>
             <a:fld id="{D8E6120A-21AF-4F12-ABAA-66A70823631B}" type="datetimeFigureOut">
               <a:rPr lang="en-US" smtClean="0"/>
-              <a:t>1/9/2023</a:t>
+              <a:t>1/10/2023</a:t>
             </a:fld>
             <a:endParaRPr lang="en-US" dirty="0"/>
           </a:p>
@@ -1986,7 +1987,7 @@
           <a:p>
             <a:fld id="{EF63B152-7103-4FFE-90AC-D94EB7F44A7E}" type="datetimeFigureOut">
               <a:rPr lang="en-US" smtClean="0"/>
-              <a:t>1/9/2023</a:t>
+              <a:t>1/10/2023</a:t>
             </a:fld>
             <a:endParaRPr lang="en-US" dirty="0"/>
           </a:p>
@@ -2224,7 +2225,7 @@
           <a:p>
             <a:fld id="{EF63B152-7103-4FFE-90AC-D94EB7F44A7E}" type="datetimeFigureOut">
               <a:rPr lang="en-US" smtClean="0"/>
-              <a:t>1/9/2023</a:t>
+              <a:t>1/10/2023</a:t>
             </a:fld>
             <a:endParaRPr lang="en-US" dirty="0"/>
           </a:p>
@@ -2404,7 +2405,7 @@
           <a:p>
             <a:fld id="{EF63B152-7103-4FFE-90AC-D94EB7F44A7E}" type="datetimeFigureOut">
               <a:rPr lang="en-US" smtClean="0"/>
-              <a:t>1/9/2023</a:t>
+              <a:t>1/10/2023</a:t>
             </a:fld>
             <a:endParaRPr lang="en-US" dirty="0"/>
           </a:p>
@@ -2574,7 +2575,7 @@
           <a:p>
             <a:fld id="{EF63B152-7103-4FFE-90AC-D94EB7F44A7E}" type="datetimeFigureOut">
               <a:rPr lang="en-US" smtClean="0"/>
-              <a:t>1/9/2023</a:t>
+              <a:t>1/10/2023</a:t>
             </a:fld>
             <a:endParaRPr lang="en-US" dirty="0"/>
           </a:p>
@@ -2850,7 +2851,7 @@
           <a:p>
             <a:fld id="{EF63B152-7103-4FFE-90AC-D94EB7F44A7E}" type="datetimeFigureOut">
               <a:rPr lang="en-US" smtClean="0"/>
-              <a:t>1/9/2023</a:t>
+              <a:t>1/10/2023</a:t>
             </a:fld>
             <a:endParaRPr lang="en-US" dirty="0"/>
           </a:p>
@@ -4051,7 +4052,7 @@
           <a:p>
             <a:fld id="{EF63B152-7103-4FFE-90AC-D94EB7F44A7E}" type="datetimeFigureOut">
               <a:rPr lang="en-US" smtClean="0"/>
-              <a:t>1/9/2023</a:t>
+              <a:t>1/10/2023</a:t>
             </a:fld>
             <a:endParaRPr lang="en-US" dirty="0"/>
           </a:p>
@@ -4441,7 +4442,7 @@
           <a:p>
             <a:fld id="{EF63B152-7103-4FFE-90AC-D94EB7F44A7E}" type="datetimeFigureOut">
               <a:rPr lang="en-US" smtClean="0"/>
-              <a:t>1/9/2023</a:t>
+              <a:t>1/10/2023</a:t>
             </a:fld>
             <a:endParaRPr lang="en-US" dirty="0"/>
           </a:p>
@@ -4564,7 +4565,7 @@
           <a:p>
             <a:fld id="{EF63B152-7103-4FFE-90AC-D94EB7F44A7E}" type="datetimeFigureOut">
               <a:rPr lang="en-US" smtClean="0"/>
-              <a:t>1/9/2023</a:t>
+              <a:t>1/10/2023</a:t>
             </a:fld>
             <a:endParaRPr lang="en-US" dirty="0"/>
           </a:p>
@@ -4659,7 +4660,7 @@
           <a:p>
             <a:fld id="{EF63B152-7103-4FFE-90AC-D94EB7F44A7E}" type="datetimeFigureOut">
               <a:rPr lang="en-US" smtClean="0"/>
-              <a:t>1/9/2023</a:t>
+              <a:t>1/10/2023</a:t>
             </a:fld>
             <a:endParaRPr lang="en-US" dirty="0"/>
           </a:p>
@@ -5422,7 +5423,7 @@
           <a:p>
             <a:fld id="{EF63B152-7103-4FFE-90AC-D94EB7F44A7E}" type="datetimeFigureOut">
               <a:rPr lang="en-US" smtClean="0"/>
-              <a:t>1/9/2023</a:t>
+              <a:t>1/10/2023</a:t>
             </a:fld>
             <a:endParaRPr lang="en-US" dirty="0"/>
           </a:p>
@@ -6262,7 +6263,7 @@
           <a:p>
             <a:fld id="{EF63B152-7103-4FFE-90AC-D94EB7F44A7E}" type="datetimeFigureOut">
               <a:rPr lang="en-US" smtClean="0"/>
-              <a:t>1/9/2023</a:t>
+              <a:t>1/10/2023</a:t>
             </a:fld>
             <a:endParaRPr lang="en-US" dirty="0"/>
           </a:p>
@@ -6489,7 +6490,7 @@
           <a:p>
             <a:fld id="{EF63B152-7103-4FFE-90AC-D94EB7F44A7E}" type="datetimeFigureOut">
               <a:rPr lang="en-US" smtClean="0"/>
-              <a:t>1/9/2023</a:t>
+              <a:t>1/10/2023</a:t>
             </a:fld>
             <a:endParaRPr lang="en-US" dirty="0"/>
           </a:p>
@@ -11688,36 +11689,6 @@
           <a:chExt cx="0" cy="0"/>
         </a:xfrm>
       </p:grpSpPr>
-      <p:pic>
-        <p:nvPicPr>
-          <p:cNvPr id="6" name="Picture 5">
-            <a:extLst>
-              <a:ext uri="{FF2B5EF4-FFF2-40B4-BE49-F238E27FC236}">
-                <a16:creationId xmlns:a16="http://schemas.microsoft.com/office/drawing/2014/main" id="{167FAE5B-A3FE-4C6A-9787-D164F3CF4A48}"/>
-              </a:ext>
-            </a:extLst>
-          </p:cNvPr>
-          <p:cNvPicPr>
-            <a:picLocks noChangeAspect="1"/>
-          </p:cNvPicPr>
-          <p:nvPr/>
-        </p:nvPicPr>
-        <p:blipFill>
-          <a:blip r:embed="rId2"/>
-          <a:stretch>
-            <a:fillRect/>
-          </a:stretch>
-        </p:blipFill>
-        <p:spPr>
-          <a:xfrm>
-            <a:off x="1571141" y="1393267"/>
-            <a:ext cx="3813043" cy="5464733"/>
-          </a:xfrm>
-          <a:prstGeom prst="rect">
-            <a:avLst/>
-          </a:prstGeom>
-        </p:spPr>
-      </p:pic>
       <p:sp>
         <p:nvSpPr>
           <p:cNvPr id="10" name="Title 1">
@@ -11785,8 +11756,8 @@
         </p:nvSpPr>
         <p:spPr>
           <a:xfrm>
-            <a:off x="6096000" y="1632643"/>
-            <a:ext cx="5623420" cy="5139869"/>
+            <a:off x="1776334" y="1632643"/>
+            <a:ext cx="9943086" cy="4585871"/>
           </a:xfrm>
           <a:prstGeom prst="rect">
             <a:avLst/>
@@ -13504,6 +13475,63 @@
           </a:prstGeom>
         </p:spPr>
       </p:pic>
+      <p:sp>
+        <p:nvSpPr>
+          <p:cNvPr id="2" name="Title 1">
+            <a:extLst>
+              <a:ext uri="{FF2B5EF4-FFF2-40B4-BE49-F238E27FC236}">
+                <a16:creationId xmlns:a16="http://schemas.microsoft.com/office/drawing/2014/main" id="{01E97266-FFF1-F20A-C832-6C6BDB3A03E4}"/>
+              </a:ext>
+            </a:extLst>
+          </p:cNvPr>
+          <p:cNvSpPr txBox="1">
+            <a:spLocks/>
+          </p:cNvSpPr>
+          <p:nvPr/>
+        </p:nvSpPr>
+        <p:spPr>
+          <a:xfrm>
+            <a:off x="774563" y="725096"/>
+            <a:ext cx="10893973" cy="464464"/>
+          </a:xfrm>
+          <a:prstGeom prst="rect">
+            <a:avLst/>
+          </a:prstGeom>
+        </p:spPr>
+        <p:txBody>
+          <a:bodyPr vert="horz" lIns="91440" tIns="45720" rIns="91440" bIns="45720" rtlCol="0" anchor="t">
+            <a:normAutofit fontScale="97500"/>
+          </a:bodyPr>
+          <a:lstStyle>
+            <a:lvl1pPr algn="l" defTabSz="914400" rtl="0" eaLnBrk="1" latinLnBrk="0" hangingPunct="1">
+              <a:lnSpc>
+                <a:spcPct val="90000"/>
+              </a:lnSpc>
+              <a:spcBef>
+                <a:spcPct val="0"/>
+              </a:spcBef>
+              <a:buNone/>
+              <a:defRPr sz="5100" kern="1200" cap="all" spc="200" baseline="0">
+                <a:solidFill>
+                  <a:schemeClr val="tx2"/>
+                </a:solidFill>
+                <a:latin typeface="+mj-lt"/>
+                <a:ea typeface="+mj-ea"/>
+                <a:cs typeface="+mj-cs"/>
+              </a:defRPr>
+            </a:lvl1pPr>
+          </a:lstStyle>
+          <a:p>
+            <a:pPr algn="ctr"/>
+            <a:r>
+              <a:rPr lang="en-US" sz="2400" dirty="0">
+                <a:latin typeface="Gill Sans MT (Body)"/>
+              </a:rPr>
+              <a:t>Parent -&gt; Child Communication : PROPS</a:t>
+            </a:r>
+          </a:p>
+        </p:txBody>
+      </p:sp>
     </p:spTree>
     <p:extLst>
       <p:ext uri="{BB962C8B-B14F-4D97-AF65-F5344CB8AC3E}">
@@ -13602,7 +13630,7 @@
         <p:spPr bwMode="auto">
           <a:xfrm>
             <a:off x="4651101" y="1009738"/>
-            <a:ext cx="3778354" cy="1889178"/>
+            <a:ext cx="4635306" cy="2317654"/>
           </a:xfrm>
           <a:prstGeom prst="rect">
             <a:avLst/>
@@ -13690,6 +13718,153 @@
 </file>
 
 <file path=ppt/slides/slide26.xml><?xml version="1.0" encoding="utf-8"?>
+<p:sld xmlns:a="http://schemas.openxmlformats.org/drawingml/2006/main" xmlns:r="http://schemas.openxmlformats.org/officeDocument/2006/relationships" xmlns:p="http://schemas.openxmlformats.org/presentationml/2006/main">
+  <p:cSld>
+    <p:spTree>
+      <p:nvGrpSpPr>
+        <p:cNvPr id="1" name=""/>
+        <p:cNvGrpSpPr/>
+        <p:nvPr/>
+      </p:nvGrpSpPr>
+      <p:grpSpPr>
+        <a:xfrm>
+          <a:off x="0" y="0"/>
+          <a:ext cx="0" cy="0"/>
+          <a:chOff x="0" y="0"/>
+          <a:chExt cx="0" cy="0"/>
+        </a:xfrm>
+      </p:grpSpPr>
+      <p:pic>
+        <p:nvPicPr>
+          <p:cNvPr id="5" name="Picture 4">
+            <a:extLst>
+              <a:ext uri="{FF2B5EF4-FFF2-40B4-BE49-F238E27FC236}">
+                <a16:creationId xmlns:a16="http://schemas.microsoft.com/office/drawing/2014/main" id="{938C6718-D9E3-8D55-BD75-FEE04C89DEC2}"/>
+              </a:ext>
+            </a:extLst>
+          </p:cNvPr>
+          <p:cNvPicPr>
+            <a:picLocks noChangeAspect="1"/>
+          </p:cNvPicPr>
+          <p:nvPr/>
+        </p:nvPicPr>
+        <p:blipFill>
+          <a:blip r:embed="rId2"/>
+          <a:stretch>
+            <a:fillRect/>
+          </a:stretch>
+        </p:blipFill>
+        <p:spPr>
+          <a:xfrm>
+            <a:off x="807334" y="993098"/>
+            <a:ext cx="4016999" cy="5024676"/>
+          </a:xfrm>
+          <a:prstGeom prst="rect">
+            <a:avLst/>
+          </a:prstGeom>
+        </p:spPr>
+      </p:pic>
+      <p:pic>
+        <p:nvPicPr>
+          <p:cNvPr id="7" name="Picture 6">
+            <a:extLst>
+              <a:ext uri="{FF2B5EF4-FFF2-40B4-BE49-F238E27FC236}">
+                <a16:creationId xmlns:a16="http://schemas.microsoft.com/office/drawing/2014/main" id="{247ED572-7093-2BD8-58D7-BF2D94B10600}"/>
+              </a:ext>
+            </a:extLst>
+          </p:cNvPr>
+          <p:cNvPicPr>
+            <a:picLocks noChangeAspect="1"/>
+          </p:cNvPicPr>
+          <p:nvPr/>
+        </p:nvPicPr>
+        <p:blipFill>
+          <a:blip r:embed="rId3"/>
+          <a:stretch>
+            <a:fillRect/>
+          </a:stretch>
+        </p:blipFill>
+        <p:spPr>
+          <a:xfrm>
+            <a:off x="4824333" y="993098"/>
+            <a:ext cx="4831261" cy="4871803"/>
+          </a:xfrm>
+          <a:prstGeom prst="rect">
+            <a:avLst/>
+          </a:prstGeom>
+        </p:spPr>
+      </p:pic>
+      <p:sp>
+        <p:nvSpPr>
+          <p:cNvPr id="8" name="Title 1">
+            <a:extLst>
+              <a:ext uri="{FF2B5EF4-FFF2-40B4-BE49-F238E27FC236}">
+                <a16:creationId xmlns:a16="http://schemas.microsoft.com/office/drawing/2014/main" id="{8D2BDB53-B6A5-CB9C-F60F-7C24520B375A}"/>
+              </a:ext>
+            </a:extLst>
+          </p:cNvPr>
+          <p:cNvSpPr txBox="1">
+            <a:spLocks/>
+          </p:cNvSpPr>
+          <p:nvPr/>
+        </p:nvSpPr>
+        <p:spPr>
+          <a:xfrm>
+            <a:off x="372318" y="363032"/>
+            <a:ext cx="11192531" cy="477193"/>
+          </a:xfrm>
+          <a:prstGeom prst="rect">
+            <a:avLst/>
+          </a:prstGeom>
+        </p:spPr>
+        <p:txBody>
+          <a:bodyPr vert="horz" lIns="91440" tIns="45720" rIns="91440" bIns="45720" rtlCol="0" anchor="t">
+            <a:normAutofit fontScale="97500"/>
+          </a:bodyPr>
+          <a:lstStyle>
+            <a:lvl1pPr algn="l" defTabSz="914400" rtl="0" eaLnBrk="1" latinLnBrk="0" hangingPunct="1">
+              <a:lnSpc>
+                <a:spcPct val="90000"/>
+              </a:lnSpc>
+              <a:spcBef>
+                <a:spcPct val="0"/>
+              </a:spcBef>
+              <a:buNone/>
+              <a:defRPr sz="5100" kern="1200" cap="all" spc="200" baseline="0">
+                <a:solidFill>
+                  <a:schemeClr val="tx2"/>
+                </a:solidFill>
+                <a:latin typeface="+mj-lt"/>
+                <a:ea typeface="+mj-ea"/>
+                <a:cs typeface="+mj-cs"/>
+              </a:defRPr>
+            </a:lvl1pPr>
+          </a:lstStyle>
+          <a:p>
+            <a:pPr algn="ctr"/>
+            <a:r>
+              <a:rPr lang="en-US" sz="2400" dirty="0">
+                <a:latin typeface="Gill Sans MT (Body)"/>
+              </a:rPr>
+              <a:t>Child -&gt; Parent Communication : Events</a:t>
+            </a:r>
+          </a:p>
+        </p:txBody>
+      </p:sp>
+    </p:spTree>
+    <p:extLst>
+      <p:ext uri="{BB962C8B-B14F-4D97-AF65-F5344CB8AC3E}">
+        <p14:creationId xmlns:p14="http://schemas.microsoft.com/office/powerpoint/2010/main" val="3030817483"/>
+      </p:ext>
+    </p:extLst>
+  </p:cSld>
+  <p:clrMapOvr>
+    <a:masterClrMapping/>
+  </p:clrMapOvr>
+</p:sld>
+</file>
+
+<file path=ppt/slides/slide27.xml><?xml version="1.0" encoding="utf-8"?>
 <p:sld xmlns:a="http://schemas.openxmlformats.org/drawingml/2006/main" xmlns:r="http://schemas.openxmlformats.org/officeDocument/2006/relationships" xmlns:p="http://schemas.openxmlformats.org/presentationml/2006/main">
   <p:cSld>
     <p:spTree>
@@ -19141,6 +19316,15 @@
 </file>
 
 <file path=customXml/item1.xml><?xml version="1.0" encoding="utf-8"?>
+<?mso-contentType ?>
+<FormTemplates xmlns="http://schemas.microsoft.com/sharepoint/v3/contenttype/forms">
+  <Display>DocumentLibraryForm</Display>
+  <Edit>DocumentLibraryForm</Edit>
+  <New>DocumentLibraryForm</New>
+</FormTemplates>
+</file>
+
+<file path=customXml/item2.xml><?xml version="1.0" encoding="utf-8"?>
 <ct:contentTypeSchema xmlns:ct="http://schemas.microsoft.com/office/2006/metadata/contentType" xmlns:ma="http://schemas.microsoft.com/office/2006/metadata/properties/metaAttributes" ct:_="" ma:_="" ma:contentTypeName="Document" ma:contentTypeID="0x01010079F111ED35F8CC479449609E8A0923A6" ma:contentTypeVersion="11" ma:contentTypeDescription="Create a new document." ma:contentTypeScope="" ma:versionID="96291512c1ee715ab617f4c07df79fc1">
   <xsd:schema xmlns:xsd="http://www.w3.org/2001/XMLSchema" xmlns:xs="http://www.w3.org/2001/XMLSchema" xmlns:p="http://schemas.microsoft.com/office/2006/metadata/properties" xmlns:ns2="71af3243-3dd4-4a8d-8c0d-dd76da1f02a5" xmlns:ns3="16c05727-aa75-4e4a-9b5f-8a80a1165891" targetNamespace="http://schemas.microsoft.com/office/2006/metadata/properties" ma:root="true" ma:fieldsID="8256c27c40ca5c40ce1cf6c44f0205df" ns2:_="" ns3:_="">
     <xsd:import namespace="71af3243-3dd4-4a8d-8c0d-dd76da1f02a5"/>
@@ -19351,15 +19535,6 @@
 </ct:contentTypeSchema>
 </file>
 
-<file path=customXml/item2.xml><?xml version="1.0" encoding="utf-8"?>
-<?mso-contentType ?>
-<FormTemplates xmlns="http://schemas.microsoft.com/sharepoint/v3/contenttype/forms">
-  <Display>DocumentLibraryForm</Display>
-  <Edit>DocumentLibraryForm</Edit>
-  <New>DocumentLibraryForm</New>
-</FormTemplates>
-</file>
-
 <file path=customXml/item3.xml><?xml version="1.0" encoding="utf-8"?>
 <p:properties xmlns:p="http://schemas.microsoft.com/office/2006/metadata/properties" xmlns:xsi="http://www.w3.org/2001/XMLSchema-instance" xmlns:pc="http://schemas.microsoft.com/office/infopath/2007/PartnerControls">
   <documentManagement>
@@ -19369,6 +19544,14 @@
 </file>
 
 <file path=customXml/itemProps1.xml><?xml version="1.0" encoding="utf-8"?>
+<ds:datastoreItem xmlns:ds="http://schemas.openxmlformats.org/officeDocument/2006/customXml" ds:itemID="{52D0167F-E486-4F9B-83E2-993954E11F03}">
+  <ds:schemaRefs>
+    <ds:schemaRef ds:uri="http://schemas.microsoft.com/sharepoint/v3/contenttype/forms"/>
+  </ds:schemaRefs>
+</ds:datastoreItem>
+</file>
+
+<file path=customXml/itemProps2.xml><?xml version="1.0" encoding="utf-8"?>
 <ds:datastoreItem xmlns:ds="http://schemas.openxmlformats.org/officeDocument/2006/customXml" ds:itemID="{15A714DE-2D72-4B69-B5D2-B9FD4274177E}">
   <ds:schemaRefs>
     <ds:schemaRef ds:uri="http://schemas.microsoft.com/office/2006/metadata/contentType"/>
@@ -19387,14 +19570,6 @@
 </ds:datastoreItem>
 </file>
 
-<file path=customXml/itemProps2.xml><?xml version="1.0" encoding="utf-8"?>
-<ds:datastoreItem xmlns:ds="http://schemas.openxmlformats.org/officeDocument/2006/customXml" ds:itemID="{52D0167F-E486-4F9B-83E2-993954E11F03}">
-  <ds:schemaRefs>
-    <ds:schemaRef ds:uri="http://schemas.microsoft.com/sharepoint/v3/contenttype/forms"/>
-  </ds:schemaRefs>
-</ds:datastoreItem>
-</file>
-
 <file path=customXml/itemProps3.xml><?xml version="1.0" encoding="utf-8"?>
 <ds:datastoreItem xmlns:ds="http://schemas.openxmlformats.org/officeDocument/2006/customXml" ds:itemID="{BDB3E54F-9BB9-4821-81E3-A4EFEC7BD0AD}">
   <ds:schemaRefs>
